--- a/ClassNotes/The Tfl Project.pptx
+++ b/ClassNotes/The Tfl Project.pptx
@@ -12,6 +12,15 @@
     <p:sldId id="261" r:id="rId6"/>
     <p:sldId id="264" r:id="rId7"/>
     <p:sldId id="263" r:id="rId8"/>
+    <p:sldId id="265" r:id="rId9"/>
+    <p:sldId id="274" r:id="rId10"/>
+    <p:sldId id="266" r:id="rId11"/>
+    <p:sldId id="267" r:id="rId12"/>
+    <p:sldId id="268" r:id="rId13"/>
+    <p:sldId id="270" r:id="rId14"/>
+    <p:sldId id="272" r:id="rId15"/>
+    <p:sldId id="269" r:id="rId16"/>
+    <p:sldId id="273" r:id="rId17"/>
   </p:sldIdLst>
   <p:sldSz cx="12192000" cy="6858000"/>
   <p:notesSz cx="6858000" cy="9144000"/>
@@ -489,7 +498,7 @@
           <a:p>
             <a:fld id="{797ED04C-4841-45FD-BA22-34C603CD2BD1}" type="datetimeFigureOut">
               <a:rPr lang="en-GB" smtClean="0"/>
-              <a:t>03/07/2025</a:t>
+              <a:t>23/07/2025</a:t>
             </a:fld>
             <a:endParaRPr lang="en-GB"/>
           </a:p>
@@ -687,7 +696,7 @@
           <a:p>
             <a:fld id="{797ED04C-4841-45FD-BA22-34C603CD2BD1}" type="datetimeFigureOut">
               <a:rPr lang="en-GB" smtClean="0"/>
-              <a:t>03/07/2025</a:t>
+              <a:t>23/07/2025</a:t>
             </a:fld>
             <a:endParaRPr lang="en-GB"/>
           </a:p>
@@ -895,7 +904,7 @@
           <a:p>
             <a:fld id="{797ED04C-4841-45FD-BA22-34C603CD2BD1}" type="datetimeFigureOut">
               <a:rPr lang="en-GB" smtClean="0"/>
-              <a:t>03/07/2025</a:t>
+              <a:t>23/07/2025</a:t>
             </a:fld>
             <a:endParaRPr lang="en-GB"/>
           </a:p>
@@ -1093,7 +1102,7 @@
           <a:p>
             <a:fld id="{797ED04C-4841-45FD-BA22-34C603CD2BD1}" type="datetimeFigureOut">
               <a:rPr lang="en-GB" smtClean="0"/>
-              <a:t>03/07/2025</a:t>
+              <a:t>23/07/2025</a:t>
             </a:fld>
             <a:endParaRPr lang="en-GB"/>
           </a:p>
@@ -1368,7 +1377,7 @@
           <a:p>
             <a:fld id="{797ED04C-4841-45FD-BA22-34C603CD2BD1}" type="datetimeFigureOut">
               <a:rPr lang="en-GB" smtClean="0"/>
-              <a:t>03/07/2025</a:t>
+              <a:t>23/07/2025</a:t>
             </a:fld>
             <a:endParaRPr lang="en-GB"/>
           </a:p>
@@ -1633,7 +1642,7 @@
           <a:p>
             <a:fld id="{797ED04C-4841-45FD-BA22-34C603CD2BD1}" type="datetimeFigureOut">
               <a:rPr lang="en-GB" smtClean="0"/>
-              <a:t>03/07/2025</a:t>
+              <a:t>23/07/2025</a:t>
             </a:fld>
             <a:endParaRPr lang="en-GB"/>
           </a:p>
@@ -2045,7 +2054,7 @@
           <a:p>
             <a:fld id="{797ED04C-4841-45FD-BA22-34C603CD2BD1}" type="datetimeFigureOut">
               <a:rPr lang="en-GB" smtClean="0"/>
-              <a:t>03/07/2025</a:t>
+              <a:t>23/07/2025</a:t>
             </a:fld>
             <a:endParaRPr lang="en-GB"/>
           </a:p>
@@ -2186,7 +2195,7 @@
           <a:p>
             <a:fld id="{797ED04C-4841-45FD-BA22-34C603CD2BD1}" type="datetimeFigureOut">
               <a:rPr lang="en-GB" smtClean="0"/>
-              <a:t>03/07/2025</a:t>
+              <a:t>23/07/2025</a:t>
             </a:fld>
             <a:endParaRPr lang="en-GB"/>
           </a:p>
@@ -2299,7 +2308,7 @@
           <a:p>
             <a:fld id="{797ED04C-4841-45FD-BA22-34C603CD2BD1}" type="datetimeFigureOut">
               <a:rPr lang="en-GB" smtClean="0"/>
-              <a:t>03/07/2025</a:t>
+              <a:t>23/07/2025</a:t>
             </a:fld>
             <a:endParaRPr lang="en-GB"/>
           </a:p>
@@ -2610,7 +2619,7 @@
           <a:p>
             <a:fld id="{797ED04C-4841-45FD-BA22-34C603CD2BD1}" type="datetimeFigureOut">
               <a:rPr lang="en-GB" smtClean="0"/>
-              <a:t>03/07/2025</a:t>
+              <a:t>23/07/2025</a:t>
             </a:fld>
             <a:endParaRPr lang="en-GB"/>
           </a:p>
@@ -2898,7 +2907,7 @@
           <a:p>
             <a:fld id="{797ED04C-4841-45FD-BA22-34C603CD2BD1}" type="datetimeFigureOut">
               <a:rPr lang="en-GB" smtClean="0"/>
-              <a:t>03/07/2025</a:t>
+              <a:t>23/07/2025</a:t>
             </a:fld>
             <a:endParaRPr lang="en-GB"/>
           </a:p>
@@ -3139,7 +3148,7 @@
           <a:p>
             <a:fld id="{797ED04C-4841-45FD-BA22-34C603CD2BD1}" type="datetimeFigureOut">
               <a:rPr lang="en-GB" smtClean="0"/>
-              <a:t>03/07/2025</a:t>
+              <a:t>23/07/2025</a:t>
             </a:fld>
             <a:endParaRPr lang="en-GB"/>
           </a:p>
@@ -3633,6 +3642,8145 @@
 </p:sld>
 </file>
 
+<file path=ppt/slides/slide10.xml><?xml version="1.0" encoding="utf-8"?>
+<p:sld xmlns:a="http://schemas.openxmlformats.org/drawingml/2006/main" xmlns:r="http://schemas.openxmlformats.org/officeDocument/2006/relationships" xmlns:p="http://schemas.openxmlformats.org/presentationml/2006/main">
+  <p:cSld>
+    <p:spTree>
+      <p:nvGrpSpPr>
+        <p:cNvPr id="1" name=""/>
+        <p:cNvGrpSpPr/>
+        <p:nvPr/>
+      </p:nvGrpSpPr>
+      <p:grpSpPr>
+        <a:xfrm>
+          <a:off x="0" y="0"/>
+          <a:ext cx="0" cy="0"/>
+          <a:chOff x="0" y="0"/>
+          <a:chExt cx="0" cy="0"/>
+        </a:xfrm>
+      </p:grpSpPr>
+      <p:sp>
+        <p:nvSpPr>
+          <p:cNvPr id="2" name="Title 1">
+            <a:extLst>
+              <a:ext uri="{FF2B5EF4-FFF2-40B4-BE49-F238E27FC236}">
+                <a16:creationId xmlns:a16="http://schemas.microsoft.com/office/drawing/2014/main" id="{E765590A-25B3-5DB7-8A4B-D94E286915A3}"/>
+              </a:ext>
+            </a:extLst>
+          </p:cNvPr>
+          <p:cNvSpPr>
+            <a:spLocks noGrp="1"/>
+          </p:cNvSpPr>
+          <p:nvPr>
+            <p:ph type="title"/>
+          </p:nvPr>
+        </p:nvSpPr>
+        <p:spPr/>
+        <p:txBody>
+          <a:bodyPr/>
+          <a:lstStyle/>
+          <a:p>
+            <a:r>
+              <a:rPr lang="en-GB" dirty="0"/>
+              <a:t>Line Structure -&gt; </a:t>
+            </a:r>
+            <a:r>
+              <a:rPr lang="en-GB" dirty="0" err="1"/>
+              <a:t>StationGraph</a:t>
+            </a:r>
+            <a:r>
+              <a:rPr lang="en-GB" dirty="0"/>
+              <a:t> class</a:t>
+            </a:r>
+          </a:p>
+        </p:txBody>
+      </p:sp>
+      <p:sp>
+        <p:nvSpPr>
+          <p:cNvPr id="3" name="Content Placeholder 2">
+            <a:extLst>
+              <a:ext uri="{FF2B5EF4-FFF2-40B4-BE49-F238E27FC236}">
+                <a16:creationId xmlns:a16="http://schemas.microsoft.com/office/drawing/2014/main" id="{95BB0447-1FEB-855F-4497-7120E8D5030F}"/>
+              </a:ext>
+            </a:extLst>
+          </p:cNvPr>
+          <p:cNvSpPr>
+            <a:spLocks noGrp="1"/>
+          </p:cNvSpPr>
+          <p:nvPr>
+            <p:ph idx="1"/>
+          </p:nvPr>
+        </p:nvSpPr>
+        <p:spPr/>
+        <p:txBody>
+          <a:bodyPr>
+            <a:normAutofit/>
+          </a:bodyPr>
+          <a:lstStyle/>
+          <a:p>
+            <a:r>
+              <a:rPr lang="en-GB" dirty="0"/>
+              <a:t>In the TfL network, a “line” is not a line. (branches and circles)</a:t>
+            </a:r>
+          </a:p>
+          <a:p>
+            <a:r>
+              <a:rPr lang="en-GB" dirty="0"/>
+              <a:t>The </a:t>
+            </a:r>
+            <a:r>
+              <a:rPr lang="en-GB" dirty="0" err="1">
+                <a:solidFill>
+                  <a:srgbClr val="0070C0"/>
+                </a:solidFill>
+              </a:rPr>
+              <a:t>StationGraph</a:t>
+            </a:r>
+            <a:r>
+              <a:rPr lang="en-GB" dirty="0"/>
+              <a:t> class contains:</a:t>
+            </a:r>
+          </a:p>
+          <a:p>
+            <a:pPr lvl="1"/>
+            <a:r>
+              <a:rPr lang="en-GB" dirty="0"/>
+              <a:t>A DAG (Directed Acyclic Graph) to represent the “line”</a:t>
+            </a:r>
+          </a:p>
+          <a:p>
+            <a:pPr lvl="1"/>
+            <a:r>
+              <a:rPr lang="en-GB" dirty="0"/>
+              <a:t>A collection of </a:t>
+            </a:r>
+            <a:r>
+              <a:rPr lang="en-GB" dirty="0" err="1">
+                <a:solidFill>
+                  <a:srgbClr val="0070C0"/>
+                </a:solidFill>
+              </a:rPr>
+              <a:t>StationNodes</a:t>
+            </a:r>
+            <a:endParaRPr lang="en-GB" dirty="0">
+              <a:solidFill>
+                <a:srgbClr val="0070C0"/>
+              </a:solidFill>
+            </a:endParaRPr>
+          </a:p>
+          <a:p>
+            <a:pPr lvl="1"/>
+            <a:r>
+              <a:rPr lang="en-GB" dirty="0"/>
+              <a:t>Each </a:t>
+            </a:r>
+            <a:r>
+              <a:rPr lang="en-GB" dirty="0" err="1">
+                <a:solidFill>
+                  <a:srgbClr val="0070C0"/>
+                </a:solidFill>
+              </a:rPr>
+              <a:t>StationNode</a:t>
+            </a:r>
+            <a:r>
+              <a:rPr lang="en-GB" dirty="0"/>
+              <a:t> has:</a:t>
+            </a:r>
+          </a:p>
+          <a:p>
+            <a:pPr lvl="2"/>
+            <a:r>
+              <a:rPr lang="en-GB" dirty="0"/>
+              <a:t>Name, Unique Id</a:t>
+            </a:r>
+          </a:p>
+          <a:p>
+            <a:pPr lvl="2"/>
+            <a:r>
+              <a:rPr lang="en-GB" dirty="0"/>
+              <a:t>Links to 0..many Previous </a:t>
+            </a:r>
+            <a:r>
+              <a:rPr lang="en-GB" dirty="0" err="1">
+                <a:solidFill>
+                  <a:srgbClr val="0070C0"/>
+                </a:solidFill>
+              </a:rPr>
+              <a:t>StationNodes</a:t>
+            </a:r>
+            <a:endParaRPr lang="en-GB" dirty="0">
+              <a:solidFill>
+                <a:srgbClr val="0070C0"/>
+              </a:solidFill>
+            </a:endParaRPr>
+          </a:p>
+          <a:p>
+            <a:pPr lvl="2"/>
+            <a:r>
+              <a:rPr lang="en-GB" dirty="0"/>
+              <a:t>Links to 0..many Next </a:t>
+            </a:r>
+            <a:r>
+              <a:rPr lang="en-GB" dirty="0" err="1">
+                <a:solidFill>
+                  <a:srgbClr val="0070C0"/>
+                </a:solidFill>
+              </a:rPr>
+              <a:t>StationNodes</a:t>
+            </a:r>
+            <a:r>
+              <a:rPr lang="en-GB" dirty="0"/>
+              <a:t>.</a:t>
+            </a:r>
+          </a:p>
+          <a:p>
+            <a:pPr marL="0" indent="0">
+              <a:buNone/>
+            </a:pPr>
+            <a:r>
+              <a:rPr lang="en-GB" sz="1600" i="1" dirty="0"/>
+              <a:t>In Computer Science, a Graph is a set of Nodes that are connected to each other by links (edges). Directed means that the edges are directional (in our case, we actually have links in both directions, so it’s 2 graphs in 1). Acyclic means that you cannot go in a circle and end up at the same point (which means we have to “break” the circle line)</a:t>
+            </a:r>
+          </a:p>
+          <a:p>
+            <a:pPr marL="914400" lvl="2" indent="0">
+              <a:buNone/>
+            </a:pPr>
+            <a:endParaRPr lang="en-GB" dirty="0"/>
+          </a:p>
+        </p:txBody>
+      </p:sp>
+    </p:spTree>
+    <p:extLst>
+      <p:ext uri="{BB962C8B-B14F-4D97-AF65-F5344CB8AC3E}">
+        <p14:creationId xmlns:p14="http://schemas.microsoft.com/office/powerpoint/2010/main" val="3960348929"/>
+      </p:ext>
+    </p:extLst>
+  </p:cSld>
+  <p:clrMapOvr>
+    <a:masterClrMapping/>
+  </p:clrMapOvr>
+</p:sld>
+</file>
+
+<file path=ppt/slides/slide11.xml><?xml version="1.0" encoding="utf-8"?>
+<p:sld xmlns:a="http://schemas.openxmlformats.org/drawingml/2006/main" xmlns:r="http://schemas.openxmlformats.org/officeDocument/2006/relationships" xmlns:p="http://schemas.openxmlformats.org/presentationml/2006/main">
+  <p:cSld>
+    <p:spTree>
+      <p:nvGrpSpPr>
+        <p:cNvPr id="1" name=""/>
+        <p:cNvGrpSpPr/>
+        <p:nvPr/>
+      </p:nvGrpSpPr>
+      <p:grpSpPr>
+        <a:xfrm>
+          <a:off x="0" y="0"/>
+          <a:ext cx="0" cy="0"/>
+          <a:chOff x="0" y="0"/>
+          <a:chExt cx="0" cy="0"/>
+        </a:xfrm>
+      </p:grpSpPr>
+      <p:pic>
+        <p:nvPicPr>
+          <p:cNvPr id="5" name="Picture 4">
+            <a:extLst>
+              <a:ext uri="{FF2B5EF4-FFF2-40B4-BE49-F238E27FC236}">
+                <a16:creationId xmlns:a16="http://schemas.microsoft.com/office/drawing/2014/main" id="{A0955AC3-7F0A-552A-83DA-13FB81C7EC8C}"/>
+              </a:ext>
+            </a:extLst>
+          </p:cNvPr>
+          <p:cNvPicPr>
+            <a:picLocks noChangeAspect="1"/>
+          </p:cNvPicPr>
+          <p:nvPr/>
+        </p:nvPicPr>
+        <p:blipFill>
+          <a:blip r:embed="rId2"/>
+          <a:stretch>
+            <a:fillRect/>
+          </a:stretch>
+        </p:blipFill>
+        <p:spPr>
+          <a:xfrm>
+            <a:off x="3238500" y="0"/>
+            <a:ext cx="5715000" cy="6858000"/>
+          </a:xfrm>
+          <a:prstGeom prst="rect">
+            <a:avLst/>
+          </a:prstGeom>
+        </p:spPr>
+      </p:pic>
+      <p:sp>
+        <p:nvSpPr>
+          <p:cNvPr id="6" name="TextBox 5">
+            <a:extLst>
+              <a:ext uri="{FF2B5EF4-FFF2-40B4-BE49-F238E27FC236}">
+                <a16:creationId xmlns:a16="http://schemas.microsoft.com/office/drawing/2014/main" id="{025E915D-D55F-82D5-5A27-7ED62230A31D}"/>
+              </a:ext>
+            </a:extLst>
+          </p:cNvPr>
+          <p:cNvSpPr txBox="1"/>
+          <p:nvPr/>
+        </p:nvSpPr>
+        <p:spPr>
+          <a:xfrm>
+            <a:off x="6842760" y="1455575"/>
+            <a:ext cx="1033272" cy="369332"/>
+          </a:xfrm>
+          <a:prstGeom prst="rect">
+            <a:avLst/>
+          </a:prstGeom>
+          <a:noFill/>
+        </p:spPr>
+        <p:txBody>
+          <a:bodyPr wrap="square" rtlCol="0">
+            <a:spAutoFit/>
+          </a:bodyPr>
+          <a:lstStyle/>
+          <a:p>
+            <a:r>
+              <a:rPr lang="en-GB" dirty="0"/>
+              <a:t>Fork</a:t>
+            </a:r>
+          </a:p>
+        </p:txBody>
+      </p:sp>
+      <p:sp>
+        <p:nvSpPr>
+          <p:cNvPr id="7" name="TextBox 6">
+            <a:extLst>
+              <a:ext uri="{FF2B5EF4-FFF2-40B4-BE49-F238E27FC236}">
+                <a16:creationId xmlns:a16="http://schemas.microsoft.com/office/drawing/2014/main" id="{6551BE86-839C-2CFA-5F06-6B5982383C3F}"/>
+              </a:ext>
+            </a:extLst>
+          </p:cNvPr>
+          <p:cNvSpPr txBox="1"/>
+          <p:nvPr/>
+        </p:nvSpPr>
+        <p:spPr>
+          <a:xfrm>
+            <a:off x="6937248" y="0"/>
+            <a:ext cx="1033272" cy="369332"/>
+          </a:xfrm>
+          <a:prstGeom prst="rect">
+            <a:avLst/>
+          </a:prstGeom>
+          <a:noFill/>
+        </p:spPr>
+        <p:txBody>
+          <a:bodyPr wrap="square" rtlCol="0">
+            <a:spAutoFit/>
+          </a:bodyPr>
+          <a:lstStyle/>
+          <a:p>
+            <a:r>
+              <a:rPr lang="en-GB" dirty="0"/>
+              <a:t>Head</a:t>
+            </a:r>
+          </a:p>
+        </p:txBody>
+      </p:sp>
+      <p:sp>
+        <p:nvSpPr>
+          <p:cNvPr id="8" name="TextBox 7">
+            <a:extLst>
+              <a:ext uri="{FF2B5EF4-FFF2-40B4-BE49-F238E27FC236}">
+                <a16:creationId xmlns:a16="http://schemas.microsoft.com/office/drawing/2014/main" id="{636511E6-23B2-0832-220C-0BA8E8A12DAA}"/>
+              </a:ext>
+            </a:extLst>
+          </p:cNvPr>
+          <p:cNvSpPr txBox="1"/>
+          <p:nvPr/>
+        </p:nvSpPr>
+        <p:spPr>
+          <a:xfrm>
+            <a:off x="6842760" y="980194"/>
+            <a:ext cx="1033272" cy="369332"/>
+          </a:xfrm>
+          <a:prstGeom prst="rect">
+            <a:avLst/>
+          </a:prstGeom>
+          <a:noFill/>
+        </p:spPr>
+        <p:txBody>
+          <a:bodyPr wrap="square" rtlCol="0">
+            <a:spAutoFit/>
+          </a:bodyPr>
+          <a:lstStyle/>
+          <a:p>
+            <a:r>
+              <a:rPr lang="en-GB" dirty="0"/>
+              <a:t>Merge</a:t>
+            </a:r>
+          </a:p>
+        </p:txBody>
+      </p:sp>
+      <p:sp>
+        <p:nvSpPr>
+          <p:cNvPr id="9" name="TextBox 8">
+            <a:extLst>
+              <a:ext uri="{FF2B5EF4-FFF2-40B4-BE49-F238E27FC236}">
+                <a16:creationId xmlns:a16="http://schemas.microsoft.com/office/drawing/2014/main" id="{A9F36031-FF97-1C5A-B1E2-CF5978CCA960}"/>
+              </a:ext>
+            </a:extLst>
+          </p:cNvPr>
+          <p:cNvSpPr txBox="1"/>
+          <p:nvPr/>
+        </p:nvSpPr>
+        <p:spPr>
+          <a:xfrm>
+            <a:off x="7007352" y="490097"/>
+            <a:ext cx="1033272" cy="369332"/>
+          </a:xfrm>
+          <a:prstGeom prst="rect">
+            <a:avLst/>
+          </a:prstGeom>
+          <a:noFill/>
+        </p:spPr>
+        <p:txBody>
+          <a:bodyPr wrap="square" rtlCol="0">
+            <a:spAutoFit/>
+          </a:bodyPr>
+          <a:lstStyle/>
+          <a:p>
+            <a:r>
+              <a:rPr lang="en-GB" dirty="0"/>
+              <a:t>Tail</a:t>
+            </a:r>
+          </a:p>
+        </p:txBody>
+      </p:sp>
+    </p:spTree>
+    <p:extLst>
+      <p:ext uri="{BB962C8B-B14F-4D97-AF65-F5344CB8AC3E}">
+        <p14:creationId xmlns:p14="http://schemas.microsoft.com/office/powerpoint/2010/main" val="2004886123"/>
+      </p:ext>
+    </p:extLst>
+  </p:cSld>
+  <p:clrMapOvr>
+    <a:masterClrMapping/>
+  </p:clrMapOvr>
+</p:sld>
+</file>
+
+<file path=ppt/slides/slide12.xml><?xml version="1.0" encoding="utf-8"?>
+<p:sld xmlns:a="http://schemas.openxmlformats.org/drawingml/2006/main" xmlns:r="http://schemas.openxmlformats.org/officeDocument/2006/relationships" xmlns:p="http://schemas.openxmlformats.org/presentationml/2006/main">
+  <p:cSld>
+    <p:spTree>
+      <p:nvGrpSpPr>
+        <p:cNvPr id="1" name=""/>
+        <p:cNvGrpSpPr/>
+        <p:nvPr/>
+      </p:nvGrpSpPr>
+      <p:grpSpPr>
+        <a:xfrm>
+          <a:off x="0" y="0"/>
+          <a:ext cx="0" cy="0"/>
+          <a:chOff x="0" y="0"/>
+          <a:chExt cx="0" cy="0"/>
+        </a:xfrm>
+      </p:grpSpPr>
+      <p:pic>
+        <p:nvPicPr>
+          <p:cNvPr id="5" name="Picture 4">
+            <a:extLst>
+              <a:ext uri="{FF2B5EF4-FFF2-40B4-BE49-F238E27FC236}">
+                <a16:creationId xmlns:a16="http://schemas.microsoft.com/office/drawing/2014/main" id="{E71958C0-A2FA-4424-6A38-075481B6F5D9}"/>
+              </a:ext>
+            </a:extLst>
+          </p:cNvPr>
+          <p:cNvPicPr>
+            <a:picLocks noChangeAspect="1"/>
+          </p:cNvPicPr>
+          <p:nvPr/>
+        </p:nvPicPr>
+        <p:blipFill>
+          <a:blip r:embed="rId2"/>
+          <a:stretch>
+            <a:fillRect/>
+          </a:stretch>
+        </p:blipFill>
+        <p:spPr>
+          <a:xfrm>
+            <a:off x="2409310" y="1195075"/>
+            <a:ext cx="7373379" cy="4467849"/>
+          </a:xfrm>
+          <a:prstGeom prst="rect">
+            <a:avLst/>
+          </a:prstGeom>
+        </p:spPr>
+      </p:pic>
+    </p:spTree>
+    <p:extLst>
+      <p:ext uri="{BB962C8B-B14F-4D97-AF65-F5344CB8AC3E}">
+        <p14:creationId xmlns:p14="http://schemas.microsoft.com/office/powerpoint/2010/main" val="1570481696"/>
+      </p:ext>
+    </p:extLst>
+  </p:cSld>
+  <p:clrMapOvr>
+    <a:masterClrMapping/>
+  </p:clrMapOvr>
+</p:sld>
+</file>
+
+<file path=ppt/slides/slide13.xml><?xml version="1.0" encoding="utf-8"?>
+<p:sld xmlns:a="http://schemas.openxmlformats.org/drawingml/2006/main" xmlns:r="http://schemas.openxmlformats.org/officeDocument/2006/relationships" xmlns:p="http://schemas.openxmlformats.org/presentationml/2006/main">
+  <p:cSld>
+    <p:spTree>
+      <p:nvGrpSpPr>
+        <p:cNvPr id="1" name=""/>
+        <p:cNvGrpSpPr/>
+        <p:nvPr/>
+      </p:nvGrpSpPr>
+      <p:grpSpPr>
+        <a:xfrm>
+          <a:off x="0" y="0"/>
+          <a:ext cx="0" cy="0"/>
+          <a:chOff x="0" y="0"/>
+          <a:chExt cx="0" cy="0"/>
+        </a:xfrm>
+      </p:grpSpPr>
+      <p:sp>
+        <p:nvSpPr>
+          <p:cNvPr id="2" name="Title 1">
+            <a:extLst>
+              <a:ext uri="{FF2B5EF4-FFF2-40B4-BE49-F238E27FC236}">
+                <a16:creationId xmlns:a16="http://schemas.microsoft.com/office/drawing/2014/main" id="{956914FC-C8C9-4126-38DE-5F96E1351748}"/>
+              </a:ext>
+            </a:extLst>
+          </p:cNvPr>
+          <p:cNvSpPr>
+            <a:spLocks noGrp="1"/>
+          </p:cNvSpPr>
+          <p:nvPr>
+            <p:ph type="title"/>
+          </p:nvPr>
+        </p:nvSpPr>
+        <p:spPr/>
+        <p:txBody>
+          <a:bodyPr/>
+          <a:lstStyle/>
+          <a:p>
+            <a:r>
+              <a:rPr lang="en-GB" dirty="0"/>
+              <a:t>We need an algorithm</a:t>
+            </a:r>
+          </a:p>
+        </p:txBody>
+      </p:sp>
+      <p:sp>
+        <p:nvSpPr>
+          <p:cNvPr id="3" name="Content Placeholder 2">
+            <a:extLst>
+              <a:ext uri="{FF2B5EF4-FFF2-40B4-BE49-F238E27FC236}">
+                <a16:creationId xmlns:a16="http://schemas.microsoft.com/office/drawing/2014/main" id="{895EAB3D-C527-DAC8-4E53-C9D5D183350D}"/>
+              </a:ext>
+            </a:extLst>
+          </p:cNvPr>
+          <p:cNvSpPr>
+            <a:spLocks noGrp="1"/>
+          </p:cNvSpPr>
+          <p:nvPr>
+            <p:ph idx="1"/>
+          </p:nvPr>
+        </p:nvSpPr>
+        <p:spPr/>
+        <p:txBody>
+          <a:bodyPr/>
+          <a:lstStyle/>
+          <a:p>
+            <a:r>
+              <a:rPr lang="en-GB" dirty="0"/>
+              <a:t>TfL gives us </a:t>
+            </a:r>
+            <a:r>
+              <a:rPr lang="en-GB" dirty="0" err="1"/>
+              <a:t>RouteSequences</a:t>
+            </a:r>
+            <a:endParaRPr lang="en-GB" dirty="0"/>
+          </a:p>
+          <a:p>
+            <a:pPr lvl="1"/>
+            <a:r>
+              <a:rPr lang="en-GB" dirty="0"/>
+              <a:t>Each line is made up of sequences of </a:t>
+            </a:r>
+            <a:r>
+              <a:rPr lang="en-GB" dirty="0" err="1"/>
+              <a:t>StopPoints</a:t>
+            </a:r>
+            <a:r>
+              <a:rPr lang="en-GB" dirty="0"/>
+              <a:t> (see </a:t>
+            </a:r>
+            <a:r>
+              <a:rPr lang="en-GB" dirty="0">
+                <a:hlinkClick r:id="rId2" action="ppaction://hlinksldjump"/>
+              </a:rPr>
+              <a:t>Slide 5</a:t>
+            </a:r>
+            <a:r>
+              <a:rPr lang="en-GB" dirty="0"/>
+              <a:t>)</a:t>
+            </a:r>
+          </a:p>
+          <a:p>
+            <a:pPr lvl="1"/>
+            <a:r>
+              <a:rPr lang="en-GB" dirty="0"/>
+              <a:t>The </a:t>
+            </a:r>
+            <a:r>
+              <a:rPr lang="en-GB" dirty="0" err="1"/>
+              <a:t>StopPoints</a:t>
+            </a:r>
+            <a:r>
+              <a:rPr lang="en-GB" dirty="0"/>
+              <a:t> are in line travel order</a:t>
+            </a:r>
+          </a:p>
+          <a:p>
+            <a:pPr lvl="1"/>
+            <a:r>
+              <a:rPr lang="en-GB" dirty="0"/>
+              <a:t>The end of one sequence joins with the start of other sequence</a:t>
+            </a:r>
+          </a:p>
+          <a:p>
+            <a:pPr lvl="2"/>
+            <a:r>
+              <a:rPr lang="en-GB" dirty="0"/>
+              <a:t>Except at the start and end of the line</a:t>
+            </a:r>
+          </a:p>
+          <a:p>
+            <a:pPr lvl="2"/>
+            <a:r>
+              <a:rPr lang="en-GB" dirty="0"/>
+              <a:t>Together they make up the complete network</a:t>
+            </a:r>
+          </a:p>
+          <a:p>
+            <a:r>
+              <a:rPr lang="en-GB" dirty="0"/>
+              <a:t>We need to build the Line Structure with our </a:t>
+            </a:r>
+            <a:r>
+              <a:rPr lang="en-GB" dirty="0" err="1"/>
+              <a:t>StationGraph</a:t>
+            </a:r>
+            <a:r>
+              <a:rPr lang="en-GB" dirty="0"/>
+              <a:t> class</a:t>
+            </a:r>
+          </a:p>
+        </p:txBody>
+      </p:sp>
+    </p:spTree>
+    <p:extLst>
+      <p:ext uri="{BB962C8B-B14F-4D97-AF65-F5344CB8AC3E}">
+        <p14:creationId xmlns:p14="http://schemas.microsoft.com/office/powerpoint/2010/main" val="98926384"/>
+      </p:ext>
+    </p:extLst>
+  </p:cSld>
+  <p:clrMapOvr>
+    <a:masterClrMapping/>
+  </p:clrMapOvr>
+</p:sld>
+</file>
+
+<file path=ppt/slides/slide14.xml><?xml version="1.0" encoding="utf-8"?>
+<p:sld xmlns:a="http://schemas.openxmlformats.org/drawingml/2006/main" xmlns:r="http://schemas.openxmlformats.org/officeDocument/2006/relationships" xmlns:p="http://schemas.openxmlformats.org/presentationml/2006/main">
+  <p:cSld>
+    <p:spTree>
+      <p:nvGrpSpPr>
+        <p:cNvPr id="1" name=""/>
+        <p:cNvGrpSpPr/>
+        <p:nvPr/>
+      </p:nvGrpSpPr>
+      <p:grpSpPr>
+        <a:xfrm>
+          <a:off x="0" y="0"/>
+          <a:ext cx="0" cy="0"/>
+          <a:chOff x="0" y="0"/>
+          <a:chExt cx="0" cy="0"/>
+        </a:xfrm>
+      </p:grpSpPr>
+      <p:sp>
+        <p:nvSpPr>
+          <p:cNvPr id="2" name="Title 1">
+            <a:extLst>
+              <a:ext uri="{FF2B5EF4-FFF2-40B4-BE49-F238E27FC236}">
+                <a16:creationId xmlns:a16="http://schemas.microsoft.com/office/drawing/2014/main" id="{8F6A6FD0-EC37-8251-531D-23C64F255A3B}"/>
+              </a:ext>
+            </a:extLst>
+          </p:cNvPr>
+          <p:cNvSpPr>
+            <a:spLocks noGrp="1"/>
+          </p:cNvSpPr>
+          <p:nvPr>
+            <p:ph type="title"/>
+          </p:nvPr>
+        </p:nvSpPr>
+        <p:spPr/>
+        <p:txBody>
+          <a:bodyPr/>
+          <a:lstStyle/>
+          <a:p>
+            <a:r>
+              <a:rPr lang="en-GB" dirty="0"/>
+              <a:t>Complication</a:t>
+            </a:r>
+          </a:p>
+        </p:txBody>
+      </p:sp>
+      <p:sp>
+        <p:nvSpPr>
+          <p:cNvPr id="3" name="Content Placeholder 2">
+            <a:extLst>
+              <a:ext uri="{FF2B5EF4-FFF2-40B4-BE49-F238E27FC236}">
+                <a16:creationId xmlns:a16="http://schemas.microsoft.com/office/drawing/2014/main" id="{5CC13164-F170-3ED4-E196-B63A177A957D}"/>
+              </a:ext>
+            </a:extLst>
+          </p:cNvPr>
+          <p:cNvSpPr>
+            <a:spLocks noGrp="1"/>
+          </p:cNvSpPr>
+          <p:nvPr>
+            <p:ph idx="1"/>
+          </p:nvPr>
+        </p:nvSpPr>
+        <p:spPr/>
+        <p:txBody>
+          <a:bodyPr/>
+          <a:lstStyle/>
+          <a:p>
+            <a:r>
+              <a:rPr lang="en-GB" dirty="0"/>
+              <a:t>TfL models the </a:t>
+            </a:r>
+            <a:r>
+              <a:rPr lang="en-GB" dirty="0" err="1"/>
+              <a:t>StopPoints</a:t>
+            </a:r>
+            <a:r>
+              <a:rPr lang="en-GB" dirty="0"/>
+              <a:t> on the </a:t>
+            </a:r>
+            <a:r>
+              <a:rPr lang="en-GB" dirty="0" err="1"/>
+              <a:t>RouteSequence</a:t>
+            </a:r>
+            <a:r>
+              <a:rPr lang="en-GB" dirty="0"/>
+              <a:t> using an entity that is smaller than what passengers think of as a station:</a:t>
+            </a:r>
+          </a:p>
+          <a:p>
+            <a:pPr lvl="1"/>
+            <a:r>
+              <a:rPr lang="en-GB" dirty="0"/>
+              <a:t>E.g. Liverpool Street is two </a:t>
+            </a:r>
+            <a:r>
+              <a:rPr lang="en-GB" dirty="0" err="1"/>
+              <a:t>StopPoints</a:t>
+            </a:r>
+            <a:r>
+              <a:rPr lang="en-GB" dirty="0"/>
+              <a:t>.</a:t>
+            </a:r>
+          </a:p>
+          <a:p>
+            <a:pPr lvl="2"/>
+            <a:r>
+              <a:rPr lang="en-GB" dirty="0"/>
+              <a:t>One for the Tube Station</a:t>
+            </a:r>
+          </a:p>
+          <a:p>
+            <a:pPr lvl="2"/>
+            <a:r>
+              <a:rPr lang="en-GB" dirty="0"/>
+              <a:t>One for the Network Rail Station</a:t>
+            </a:r>
+          </a:p>
+          <a:p>
+            <a:r>
+              <a:rPr lang="en-GB" dirty="0"/>
+              <a:t>We want our “Stations” to be the merged entity of all </a:t>
+            </a:r>
+            <a:r>
+              <a:rPr lang="en-GB" dirty="0" err="1"/>
+              <a:t>StopPoints</a:t>
+            </a:r>
+            <a:r>
+              <a:rPr lang="en-GB" dirty="0"/>
+              <a:t> at one location.</a:t>
+            </a:r>
+          </a:p>
+          <a:p>
+            <a:r>
+              <a:rPr lang="en-GB" dirty="0"/>
+              <a:t>Fortunately, these composite </a:t>
+            </a:r>
+            <a:r>
+              <a:rPr lang="en-GB" dirty="0" err="1"/>
+              <a:t>StopPoints</a:t>
+            </a:r>
+            <a:r>
+              <a:rPr lang="en-GB" dirty="0"/>
+              <a:t> have a </a:t>
+            </a:r>
+            <a:r>
+              <a:rPr lang="en-GB" dirty="0" err="1"/>
+              <a:t>ParentId</a:t>
+            </a:r>
+            <a:r>
+              <a:rPr lang="en-GB" dirty="0"/>
+              <a:t>.</a:t>
+            </a:r>
+          </a:p>
+          <a:p>
+            <a:pPr lvl="1"/>
+            <a:r>
+              <a:rPr lang="en-GB" dirty="0"/>
+              <a:t>So we will use </a:t>
+            </a:r>
+            <a:r>
+              <a:rPr lang="en-GB" dirty="0" err="1"/>
+              <a:t>StationId</a:t>
+            </a:r>
+            <a:r>
+              <a:rPr lang="en-GB" dirty="0"/>
+              <a:t> =&gt; </a:t>
+            </a:r>
+            <a:r>
+              <a:rPr lang="en-GB" dirty="0" err="1"/>
+              <a:t>ParentId</a:t>
+            </a:r>
+            <a:r>
+              <a:rPr lang="en-GB" dirty="0"/>
+              <a:t> ?? Id – it seems to works</a:t>
+            </a:r>
+          </a:p>
+        </p:txBody>
+      </p:sp>
+    </p:spTree>
+    <p:extLst>
+      <p:ext uri="{BB962C8B-B14F-4D97-AF65-F5344CB8AC3E}">
+        <p14:creationId xmlns:p14="http://schemas.microsoft.com/office/powerpoint/2010/main" val="190787271"/>
+      </p:ext>
+    </p:extLst>
+  </p:cSld>
+  <p:clrMapOvr>
+    <a:masterClrMapping/>
+  </p:clrMapOvr>
+</p:sld>
+</file>
+
+<file path=ppt/slides/slide15.xml><?xml version="1.0" encoding="utf-8"?>
+<p:sld xmlns:a="http://schemas.openxmlformats.org/drawingml/2006/main" xmlns:r="http://schemas.openxmlformats.org/officeDocument/2006/relationships" xmlns:p="http://schemas.openxmlformats.org/presentationml/2006/main">
+  <p:cSld>
+    <p:spTree>
+      <p:nvGrpSpPr>
+        <p:cNvPr id="1" name=""/>
+        <p:cNvGrpSpPr/>
+        <p:nvPr/>
+      </p:nvGrpSpPr>
+      <p:grpSpPr>
+        <a:xfrm>
+          <a:off x="0" y="0"/>
+          <a:ext cx="0" cy="0"/>
+          <a:chOff x="0" y="0"/>
+          <a:chExt cx="0" cy="0"/>
+        </a:xfrm>
+      </p:grpSpPr>
+      <p:sp>
+        <p:nvSpPr>
+          <p:cNvPr id="4" name="Oval 3">
+            <a:extLst>
+              <a:ext uri="{FF2B5EF4-FFF2-40B4-BE49-F238E27FC236}">
+                <a16:creationId xmlns:a16="http://schemas.microsoft.com/office/drawing/2014/main" id="{84BBE1C9-C7A0-D30C-FF8D-854A4DF45FFA}"/>
+              </a:ext>
+            </a:extLst>
+          </p:cNvPr>
+          <p:cNvSpPr/>
+          <p:nvPr/>
+        </p:nvSpPr>
+        <p:spPr>
+          <a:xfrm>
+            <a:off x="5811335" y="1369568"/>
+            <a:ext cx="201168" cy="201168"/>
+          </a:xfrm>
+          <a:prstGeom prst="ellipse">
+            <a:avLst/>
+          </a:prstGeom>
+        </p:spPr>
+        <p:style>
+          <a:lnRef idx="2">
+            <a:schemeClr val="accent1">
+              <a:shade val="15000"/>
+            </a:schemeClr>
+          </a:lnRef>
+          <a:fillRef idx="1">
+            <a:schemeClr val="accent1"/>
+          </a:fillRef>
+          <a:effectRef idx="0">
+            <a:schemeClr val="accent1"/>
+          </a:effectRef>
+          <a:fontRef idx="minor">
+            <a:schemeClr val="lt1"/>
+          </a:fontRef>
+        </p:style>
+        <p:txBody>
+          <a:bodyPr wrap="none" rtlCol="0" anchor="ctr">
+            <a:noAutofit/>
+          </a:bodyPr>
+          <a:lstStyle/>
+          <a:p>
+            <a:pPr algn="ctr"/>
+            <a:r>
+              <a:rPr lang="en-GB" dirty="0"/>
+              <a:t>3</a:t>
+            </a:r>
+          </a:p>
+        </p:txBody>
+      </p:sp>
+      <p:sp>
+        <p:nvSpPr>
+          <p:cNvPr id="5" name="Oval 4">
+            <a:extLst>
+              <a:ext uri="{FF2B5EF4-FFF2-40B4-BE49-F238E27FC236}">
+                <a16:creationId xmlns:a16="http://schemas.microsoft.com/office/drawing/2014/main" id="{4AB85496-7190-C4FC-5296-7309C9BDCC05}"/>
+              </a:ext>
+            </a:extLst>
+          </p:cNvPr>
+          <p:cNvSpPr/>
+          <p:nvPr/>
+        </p:nvSpPr>
+        <p:spPr>
+          <a:xfrm>
+            <a:off x="5456243" y="875792"/>
+            <a:ext cx="201168" cy="201168"/>
+          </a:xfrm>
+          <a:prstGeom prst="ellipse">
+            <a:avLst/>
+          </a:prstGeom>
+          <a:solidFill>
+            <a:schemeClr val="tx2">
+              <a:lumMod val="25000"/>
+              <a:lumOff val="75000"/>
+            </a:schemeClr>
+          </a:solidFill>
+        </p:spPr>
+        <p:style>
+          <a:lnRef idx="2">
+            <a:schemeClr val="accent1">
+              <a:shade val="15000"/>
+            </a:schemeClr>
+          </a:lnRef>
+          <a:fillRef idx="1">
+            <a:schemeClr val="accent1"/>
+          </a:fillRef>
+          <a:effectRef idx="0">
+            <a:schemeClr val="accent1"/>
+          </a:effectRef>
+          <a:fontRef idx="minor">
+            <a:schemeClr val="lt1"/>
+          </a:fontRef>
+        </p:style>
+        <p:txBody>
+          <a:bodyPr wrap="none" rtlCol="0" anchor="ctr">
+            <a:noAutofit/>
+          </a:bodyPr>
+          <a:lstStyle/>
+          <a:p>
+            <a:pPr algn="ctr"/>
+            <a:r>
+              <a:rPr lang="en-GB" dirty="0"/>
+              <a:t>1</a:t>
+            </a:r>
+          </a:p>
+        </p:txBody>
+      </p:sp>
+      <p:sp>
+        <p:nvSpPr>
+          <p:cNvPr id="6" name="Oval 5">
+            <a:extLst>
+              <a:ext uri="{FF2B5EF4-FFF2-40B4-BE49-F238E27FC236}">
+                <a16:creationId xmlns:a16="http://schemas.microsoft.com/office/drawing/2014/main" id="{241E2BD8-5F6D-09FD-6808-74F486CAC640}"/>
+              </a:ext>
+            </a:extLst>
+          </p:cNvPr>
+          <p:cNvSpPr/>
+          <p:nvPr/>
+        </p:nvSpPr>
+        <p:spPr>
+          <a:xfrm>
+            <a:off x="8807519" y="4102099"/>
+            <a:ext cx="201168" cy="201168"/>
+          </a:xfrm>
+          <a:prstGeom prst="ellipse">
+            <a:avLst/>
+          </a:prstGeom>
+          <a:solidFill>
+            <a:schemeClr val="accent2"/>
+          </a:solidFill>
+        </p:spPr>
+        <p:style>
+          <a:lnRef idx="2">
+            <a:schemeClr val="accent1">
+              <a:shade val="15000"/>
+            </a:schemeClr>
+          </a:lnRef>
+          <a:fillRef idx="1">
+            <a:schemeClr val="accent1"/>
+          </a:fillRef>
+          <a:effectRef idx="0">
+            <a:schemeClr val="accent1"/>
+          </a:effectRef>
+          <a:fontRef idx="minor">
+            <a:schemeClr val="lt1"/>
+          </a:fontRef>
+        </p:style>
+        <p:txBody>
+          <a:bodyPr wrap="none" rtlCol="0" anchor="ctr">
+            <a:noAutofit/>
+          </a:bodyPr>
+          <a:lstStyle/>
+          <a:p>
+            <a:pPr algn="ctr"/>
+            <a:r>
+              <a:rPr lang="en-GB" sz="1200" dirty="0"/>
+              <a:t>18</a:t>
+            </a:r>
+          </a:p>
+        </p:txBody>
+      </p:sp>
+      <p:sp>
+        <p:nvSpPr>
+          <p:cNvPr id="7" name="Oval 6">
+            <a:extLst>
+              <a:ext uri="{FF2B5EF4-FFF2-40B4-BE49-F238E27FC236}">
+                <a16:creationId xmlns:a16="http://schemas.microsoft.com/office/drawing/2014/main" id="{6F1768B8-37E8-DCEF-0E58-223FBF6126BE}"/>
+              </a:ext>
+            </a:extLst>
+          </p:cNvPr>
+          <p:cNvSpPr/>
+          <p:nvPr/>
+        </p:nvSpPr>
+        <p:spPr>
+          <a:xfrm>
+            <a:off x="6132899" y="875792"/>
+            <a:ext cx="201168" cy="201168"/>
+          </a:xfrm>
+          <a:prstGeom prst="ellipse">
+            <a:avLst/>
+          </a:prstGeom>
+          <a:solidFill>
+            <a:schemeClr val="tx2">
+              <a:lumMod val="25000"/>
+              <a:lumOff val="75000"/>
+            </a:schemeClr>
+          </a:solidFill>
+        </p:spPr>
+        <p:style>
+          <a:lnRef idx="2">
+            <a:schemeClr val="accent1">
+              <a:shade val="15000"/>
+            </a:schemeClr>
+          </a:lnRef>
+          <a:fillRef idx="1">
+            <a:schemeClr val="accent1"/>
+          </a:fillRef>
+          <a:effectRef idx="0">
+            <a:schemeClr val="accent1"/>
+          </a:effectRef>
+          <a:fontRef idx="minor">
+            <a:schemeClr val="lt1"/>
+          </a:fontRef>
+        </p:style>
+        <p:txBody>
+          <a:bodyPr wrap="none" rtlCol="0" anchor="ctr">
+            <a:noAutofit/>
+          </a:bodyPr>
+          <a:lstStyle/>
+          <a:p>
+            <a:pPr algn="ctr"/>
+            <a:r>
+              <a:rPr lang="en-GB" dirty="0"/>
+              <a:t>2</a:t>
+            </a:r>
+          </a:p>
+        </p:txBody>
+      </p:sp>
+      <p:sp>
+        <p:nvSpPr>
+          <p:cNvPr id="8" name="Oval 7">
+            <a:extLst>
+              <a:ext uri="{FF2B5EF4-FFF2-40B4-BE49-F238E27FC236}">
+                <a16:creationId xmlns:a16="http://schemas.microsoft.com/office/drawing/2014/main" id="{27AEB5BB-ACE0-C578-D290-E9670F73940E}"/>
+              </a:ext>
+            </a:extLst>
+          </p:cNvPr>
+          <p:cNvSpPr/>
+          <p:nvPr/>
+        </p:nvSpPr>
+        <p:spPr>
+          <a:xfrm>
+            <a:off x="7649279" y="772160"/>
+            <a:ext cx="201168" cy="201168"/>
+          </a:xfrm>
+          <a:prstGeom prst="ellipse">
+            <a:avLst/>
+          </a:prstGeom>
+          <a:solidFill>
+            <a:schemeClr val="tx2">
+              <a:lumMod val="25000"/>
+              <a:lumOff val="75000"/>
+            </a:schemeClr>
+          </a:solidFill>
+        </p:spPr>
+        <p:style>
+          <a:lnRef idx="2">
+            <a:schemeClr val="accent1">
+              <a:shade val="15000"/>
+            </a:schemeClr>
+          </a:lnRef>
+          <a:fillRef idx="1">
+            <a:schemeClr val="accent1"/>
+          </a:fillRef>
+          <a:effectRef idx="0">
+            <a:schemeClr val="accent1"/>
+          </a:effectRef>
+          <a:fontRef idx="minor">
+            <a:schemeClr val="lt1"/>
+          </a:fontRef>
+        </p:style>
+        <p:txBody>
+          <a:bodyPr wrap="none" rtlCol="0" anchor="ctr">
+            <a:noAutofit/>
+          </a:bodyPr>
+          <a:lstStyle/>
+          <a:p>
+            <a:pPr algn="ctr"/>
+            <a:r>
+              <a:rPr lang="en-GB" dirty="0"/>
+              <a:t>7</a:t>
+            </a:r>
+          </a:p>
+        </p:txBody>
+      </p:sp>
+      <p:sp>
+        <p:nvSpPr>
+          <p:cNvPr id="9" name="Oval 8">
+            <a:extLst>
+              <a:ext uri="{FF2B5EF4-FFF2-40B4-BE49-F238E27FC236}">
+                <a16:creationId xmlns:a16="http://schemas.microsoft.com/office/drawing/2014/main" id="{3336EA2D-13A8-F9F5-AB1D-608F8EA0AAA1}"/>
+              </a:ext>
+            </a:extLst>
+          </p:cNvPr>
+          <p:cNvSpPr/>
+          <p:nvPr/>
+        </p:nvSpPr>
+        <p:spPr>
+          <a:xfrm>
+            <a:off x="6359975" y="1899920"/>
+            <a:ext cx="201168" cy="201168"/>
+          </a:xfrm>
+          <a:prstGeom prst="ellipse">
+            <a:avLst/>
+          </a:prstGeom>
+        </p:spPr>
+        <p:style>
+          <a:lnRef idx="2">
+            <a:schemeClr val="accent1">
+              <a:shade val="15000"/>
+            </a:schemeClr>
+          </a:lnRef>
+          <a:fillRef idx="1">
+            <a:schemeClr val="accent1"/>
+          </a:fillRef>
+          <a:effectRef idx="0">
+            <a:schemeClr val="accent1"/>
+          </a:effectRef>
+          <a:fontRef idx="minor">
+            <a:schemeClr val="lt1"/>
+          </a:fontRef>
+        </p:style>
+        <p:txBody>
+          <a:bodyPr wrap="none" rtlCol="0" anchor="ctr">
+            <a:noAutofit/>
+          </a:bodyPr>
+          <a:lstStyle/>
+          <a:p>
+            <a:pPr algn="ctr"/>
+            <a:r>
+              <a:rPr lang="en-GB" dirty="0"/>
+              <a:t>4</a:t>
+            </a:r>
+          </a:p>
+        </p:txBody>
+      </p:sp>
+      <p:sp>
+        <p:nvSpPr>
+          <p:cNvPr id="10" name="Oval 9">
+            <a:extLst>
+              <a:ext uri="{FF2B5EF4-FFF2-40B4-BE49-F238E27FC236}">
+                <a16:creationId xmlns:a16="http://schemas.microsoft.com/office/drawing/2014/main" id="{481B16A5-0AD5-559D-3873-0F985A55DCB4}"/>
+              </a:ext>
+            </a:extLst>
+          </p:cNvPr>
+          <p:cNvSpPr/>
+          <p:nvPr/>
+        </p:nvSpPr>
+        <p:spPr>
+          <a:xfrm>
+            <a:off x="7643183" y="1360424"/>
+            <a:ext cx="201168" cy="201168"/>
+          </a:xfrm>
+          <a:prstGeom prst="ellipse">
+            <a:avLst/>
+          </a:prstGeom>
+        </p:spPr>
+        <p:style>
+          <a:lnRef idx="2">
+            <a:schemeClr val="accent1">
+              <a:shade val="15000"/>
+            </a:schemeClr>
+          </a:lnRef>
+          <a:fillRef idx="1">
+            <a:schemeClr val="accent1"/>
+          </a:fillRef>
+          <a:effectRef idx="0">
+            <a:schemeClr val="accent1"/>
+          </a:effectRef>
+          <a:fontRef idx="minor">
+            <a:schemeClr val="lt1"/>
+          </a:fontRef>
+        </p:style>
+        <p:txBody>
+          <a:bodyPr wrap="none" rtlCol="0" anchor="ctr">
+            <a:noAutofit/>
+          </a:bodyPr>
+          <a:lstStyle/>
+          <a:p>
+            <a:pPr algn="ctr"/>
+            <a:r>
+              <a:rPr lang="en-GB" dirty="0"/>
+              <a:t>8</a:t>
+            </a:r>
+          </a:p>
+        </p:txBody>
+      </p:sp>
+      <p:sp>
+        <p:nvSpPr>
+          <p:cNvPr id="11" name="Oval 10">
+            <a:extLst>
+              <a:ext uri="{FF2B5EF4-FFF2-40B4-BE49-F238E27FC236}">
+                <a16:creationId xmlns:a16="http://schemas.microsoft.com/office/drawing/2014/main" id="{6313E0A8-2F21-5812-A290-87A960C25C18}"/>
+              </a:ext>
+            </a:extLst>
+          </p:cNvPr>
+          <p:cNvSpPr/>
+          <p:nvPr/>
+        </p:nvSpPr>
+        <p:spPr>
+          <a:xfrm>
+            <a:off x="6240083" y="4252976"/>
+            <a:ext cx="201168" cy="201168"/>
+          </a:xfrm>
+          <a:prstGeom prst="ellipse">
+            <a:avLst/>
+          </a:prstGeom>
+        </p:spPr>
+        <p:style>
+          <a:lnRef idx="2">
+            <a:schemeClr val="accent1">
+              <a:shade val="15000"/>
+            </a:schemeClr>
+          </a:lnRef>
+          <a:fillRef idx="1">
+            <a:schemeClr val="accent1"/>
+          </a:fillRef>
+          <a:effectRef idx="0">
+            <a:schemeClr val="accent1"/>
+          </a:effectRef>
+          <a:fontRef idx="minor">
+            <a:schemeClr val="lt1"/>
+          </a:fontRef>
+        </p:style>
+        <p:txBody>
+          <a:bodyPr wrap="none" rtlCol="0" anchor="ctr">
+            <a:noAutofit/>
+          </a:bodyPr>
+          <a:lstStyle/>
+          <a:p>
+            <a:pPr algn="ctr"/>
+            <a:r>
+              <a:rPr lang="en-GB" sz="1200" dirty="0"/>
+              <a:t>14</a:t>
+            </a:r>
+          </a:p>
+        </p:txBody>
+      </p:sp>
+      <p:sp>
+        <p:nvSpPr>
+          <p:cNvPr id="12" name="Oval 11">
+            <a:extLst>
+              <a:ext uri="{FF2B5EF4-FFF2-40B4-BE49-F238E27FC236}">
+                <a16:creationId xmlns:a16="http://schemas.microsoft.com/office/drawing/2014/main" id="{6BF50372-473E-EFF7-2520-233932A04071}"/>
+              </a:ext>
+            </a:extLst>
+          </p:cNvPr>
+          <p:cNvSpPr/>
+          <p:nvPr/>
+        </p:nvSpPr>
+        <p:spPr>
+          <a:xfrm>
+            <a:off x="6774503" y="2500376"/>
+            <a:ext cx="201168" cy="201168"/>
+          </a:xfrm>
+          <a:prstGeom prst="ellipse">
+            <a:avLst/>
+          </a:prstGeom>
+        </p:spPr>
+        <p:style>
+          <a:lnRef idx="2">
+            <a:schemeClr val="accent1">
+              <a:shade val="15000"/>
+            </a:schemeClr>
+          </a:lnRef>
+          <a:fillRef idx="1">
+            <a:schemeClr val="accent1"/>
+          </a:fillRef>
+          <a:effectRef idx="0">
+            <a:schemeClr val="accent1"/>
+          </a:effectRef>
+          <a:fontRef idx="minor">
+            <a:schemeClr val="lt1"/>
+          </a:fontRef>
+        </p:style>
+        <p:txBody>
+          <a:bodyPr wrap="none" rtlCol="0" anchor="ctr">
+            <a:noAutofit/>
+          </a:bodyPr>
+          <a:lstStyle/>
+          <a:p>
+            <a:pPr algn="ctr"/>
+            <a:r>
+              <a:rPr lang="en-GB" dirty="0"/>
+              <a:t>5</a:t>
+            </a:r>
+          </a:p>
+        </p:txBody>
+      </p:sp>
+      <p:sp>
+        <p:nvSpPr>
+          <p:cNvPr id="13" name="Oval 12">
+            <a:extLst>
+              <a:ext uri="{FF2B5EF4-FFF2-40B4-BE49-F238E27FC236}">
+                <a16:creationId xmlns:a16="http://schemas.microsoft.com/office/drawing/2014/main" id="{D9DF5708-FF8A-8A7F-A9D5-69F5E75B41DD}"/>
+              </a:ext>
+            </a:extLst>
+          </p:cNvPr>
+          <p:cNvSpPr/>
+          <p:nvPr/>
+        </p:nvSpPr>
+        <p:spPr>
+          <a:xfrm>
+            <a:off x="7100639" y="3177032"/>
+            <a:ext cx="201168" cy="201168"/>
+          </a:xfrm>
+          <a:prstGeom prst="ellipse">
+            <a:avLst/>
+          </a:prstGeom>
+        </p:spPr>
+        <p:style>
+          <a:lnRef idx="2">
+            <a:schemeClr val="accent1">
+              <a:shade val="15000"/>
+            </a:schemeClr>
+          </a:lnRef>
+          <a:fillRef idx="1">
+            <a:schemeClr val="accent1"/>
+          </a:fillRef>
+          <a:effectRef idx="0">
+            <a:schemeClr val="accent1"/>
+          </a:effectRef>
+          <a:fontRef idx="minor">
+            <a:schemeClr val="lt1"/>
+          </a:fontRef>
+        </p:style>
+        <p:txBody>
+          <a:bodyPr wrap="none" rtlCol="0" anchor="ctr">
+            <a:noAutofit/>
+          </a:bodyPr>
+          <a:lstStyle/>
+          <a:p>
+            <a:pPr algn="ctr"/>
+            <a:r>
+              <a:rPr lang="en-GB" sz="1200" dirty="0"/>
+              <a:t>11</a:t>
+            </a:r>
+            <a:endParaRPr lang="en-GB" dirty="0"/>
+          </a:p>
+        </p:txBody>
+      </p:sp>
+      <p:sp>
+        <p:nvSpPr>
+          <p:cNvPr id="14" name="Oval 13">
+            <a:extLst>
+              <a:ext uri="{FF2B5EF4-FFF2-40B4-BE49-F238E27FC236}">
+                <a16:creationId xmlns:a16="http://schemas.microsoft.com/office/drawing/2014/main" id="{0D8E2289-66B0-D634-D15A-0CC557798132}"/>
+              </a:ext>
+            </a:extLst>
+          </p:cNvPr>
+          <p:cNvSpPr/>
+          <p:nvPr/>
+        </p:nvSpPr>
+        <p:spPr>
+          <a:xfrm>
+            <a:off x="6669851" y="3905504"/>
+            <a:ext cx="201168" cy="201168"/>
+          </a:xfrm>
+          <a:prstGeom prst="ellipse">
+            <a:avLst/>
+          </a:prstGeom>
+        </p:spPr>
+        <p:style>
+          <a:lnRef idx="2">
+            <a:schemeClr val="accent1">
+              <a:shade val="15000"/>
+            </a:schemeClr>
+          </a:lnRef>
+          <a:fillRef idx="1">
+            <a:schemeClr val="accent1"/>
+          </a:fillRef>
+          <a:effectRef idx="0">
+            <a:schemeClr val="accent1"/>
+          </a:effectRef>
+          <a:fontRef idx="minor">
+            <a:schemeClr val="lt1"/>
+          </a:fontRef>
+        </p:style>
+        <p:txBody>
+          <a:bodyPr wrap="none" rtlCol="0" anchor="ctr">
+            <a:noAutofit/>
+          </a:bodyPr>
+          <a:lstStyle/>
+          <a:p>
+            <a:pPr algn="ctr"/>
+            <a:r>
+              <a:rPr lang="en-GB" sz="1200" dirty="0"/>
+              <a:t>13</a:t>
+            </a:r>
+          </a:p>
+        </p:txBody>
+      </p:sp>
+      <p:sp>
+        <p:nvSpPr>
+          <p:cNvPr id="15" name="Oval 14">
+            <a:extLst>
+              <a:ext uri="{FF2B5EF4-FFF2-40B4-BE49-F238E27FC236}">
+                <a16:creationId xmlns:a16="http://schemas.microsoft.com/office/drawing/2014/main" id="{099B164D-357E-1E1C-A59A-798B0412E44D}"/>
+              </a:ext>
+            </a:extLst>
+          </p:cNvPr>
+          <p:cNvSpPr/>
+          <p:nvPr/>
+        </p:nvSpPr>
+        <p:spPr>
+          <a:xfrm>
+            <a:off x="8127815" y="3256280"/>
+            <a:ext cx="201168" cy="201168"/>
+          </a:xfrm>
+          <a:prstGeom prst="ellipse">
+            <a:avLst/>
+          </a:prstGeom>
+        </p:spPr>
+        <p:style>
+          <a:lnRef idx="2">
+            <a:schemeClr val="accent1">
+              <a:shade val="15000"/>
+            </a:schemeClr>
+          </a:lnRef>
+          <a:fillRef idx="1">
+            <a:schemeClr val="accent1"/>
+          </a:fillRef>
+          <a:effectRef idx="0">
+            <a:schemeClr val="accent1"/>
+          </a:effectRef>
+          <a:fontRef idx="minor">
+            <a:schemeClr val="lt1"/>
+          </a:fontRef>
+        </p:style>
+        <p:txBody>
+          <a:bodyPr wrap="none" rtlCol="0" anchor="ctr">
+            <a:noAutofit/>
+          </a:bodyPr>
+          <a:lstStyle/>
+          <a:p>
+            <a:pPr algn="ctr"/>
+            <a:r>
+              <a:rPr lang="en-GB" sz="1200" dirty="0"/>
+              <a:t>12</a:t>
+            </a:r>
+          </a:p>
+        </p:txBody>
+      </p:sp>
+      <p:sp>
+        <p:nvSpPr>
+          <p:cNvPr id="16" name="Oval 15">
+            <a:extLst>
+              <a:ext uri="{FF2B5EF4-FFF2-40B4-BE49-F238E27FC236}">
+                <a16:creationId xmlns:a16="http://schemas.microsoft.com/office/drawing/2014/main" id="{51DF8A4C-4410-A4D0-9A06-3398F298BCB8}"/>
+              </a:ext>
+            </a:extLst>
+          </p:cNvPr>
+          <p:cNvSpPr/>
+          <p:nvPr/>
+        </p:nvSpPr>
+        <p:spPr>
+          <a:xfrm>
+            <a:off x="6702359" y="4813808"/>
+            <a:ext cx="201168" cy="201168"/>
+          </a:xfrm>
+          <a:prstGeom prst="ellipse">
+            <a:avLst/>
+          </a:prstGeom>
+        </p:spPr>
+        <p:style>
+          <a:lnRef idx="2">
+            <a:schemeClr val="accent1">
+              <a:shade val="15000"/>
+            </a:schemeClr>
+          </a:lnRef>
+          <a:fillRef idx="1">
+            <a:schemeClr val="accent1"/>
+          </a:fillRef>
+          <a:effectRef idx="0">
+            <a:schemeClr val="accent1"/>
+          </a:effectRef>
+          <a:fontRef idx="minor">
+            <a:schemeClr val="lt1"/>
+          </a:fontRef>
+        </p:style>
+        <p:txBody>
+          <a:bodyPr wrap="none" rtlCol="0" anchor="ctr">
+            <a:noAutofit/>
+          </a:bodyPr>
+          <a:lstStyle/>
+          <a:p>
+            <a:pPr algn="ctr"/>
+            <a:r>
+              <a:rPr lang="en-GB" sz="1200" dirty="0"/>
+              <a:t>15</a:t>
+            </a:r>
+          </a:p>
+        </p:txBody>
+      </p:sp>
+      <p:sp>
+        <p:nvSpPr>
+          <p:cNvPr id="17" name="Oval 16">
+            <a:extLst>
+              <a:ext uri="{FF2B5EF4-FFF2-40B4-BE49-F238E27FC236}">
+                <a16:creationId xmlns:a16="http://schemas.microsoft.com/office/drawing/2014/main" id="{D8EC53F1-B1EC-77CB-0F60-2DA3213575E4}"/>
+              </a:ext>
+            </a:extLst>
+          </p:cNvPr>
+          <p:cNvSpPr/>
+          <p:nvPr/>
+        </p:nvSpPr>
+        <p:spPr>
+          <a:xfrm>
+            <a:off x="8145083" y="3704336"/>
+            <a:ext cx="201168" cy="201168"/>
+          </a:xfrm>
+          <a:prstGeom prst="ellipse">
+            <a:avLst/>
+          </a:prstGeom>
+        </p:spPr>
+        <p:style>
+          <a:lnRef idx="2">
+            <a:schemeClr val="accent1">
+              <a:shade val="15000"/>
+            </a:schemeClr>
+          </a:lnRef>
+          <a:fillRef idx="1">
+            <a:schemeClr val="accent1"/>
+          </a:fillRef>
+          <a:effectRef idx="0">
+            <a:schemeClr val="accent1"/>
+          </a:effectRef>
+          <a:fontRef idx="minor">
+            <a:schemeClr val="lt1"/>
+          </a:fontRef>
+        </p:style>
+        <p:txBody>
+          <a:bodyPr wrap="none" rtlCol="0" anchor="ctr">
+            <a:noAutofit/>
+          </a:bodyPr>
+          <a:lstStyle/>
+          <a:p>
+            <a:pPr algn="ctr"/>
+            <a:r>
+              <a:rPr lang="en-GB" sz="1200" dirty="0"/>
+              <a:t>17</a:t>
+            </a:r>
+          </a:p>
+        </p:txBody>
+      </p:sp>
+      <p:sp>
+        <p:nvSpPr>
+          <p:cNvPr id="18" name="Oval 17">
+            <a:extLst>
+              <a:ext uri="{FF2B5EF4-FFF2-40B4-BE49-F238E27FC236}">
+                <a16:creationId xmlns:a16="http://schemas.microsoft.com/office/drawing/2014/main" id="{0C6DC86D-207F-95BC-A020-A05D6312CE2A}"/>
+              </a:ext>
+            </a:extLst>
+          </p:cNvPr>
+          <p:cNvSpPr/>
+          <p:nvPr/>
+        </p:nvSpPr>
+        <p:spPr>
+          <a:xfrm>
+            <a:off x="7658423" y="2710688"/>
+            <a:ext cx="201168" cy="201168"/>
+          </a:xfrm>
+          <a:prstGeom prst="ellipse">
+            <a:avLst/>
+          </a:prstGeom>
+        </p:spPr>
+        <p:style>
+          <a:lnRef idx="2">
+            <a:schemeClr val="accent1">
+              <a:shade val="15000"/>
+            </a:schemeClr>
+          </a:lnRef>
+          <a:fillRef idx="1">
+            <a:schemeClr val="accent1"/>
+          </a:fillRef>
+          <a:effectRef idx="0">
+            <a:schemeClr val="accent1"/>
+          </a:effectRef>
+          <a:fontRef idx="minor">
+            <a:schemeClr val="lt1"/>
+          </a:fontRef>
+        </p:style>
+        <p:txBody>
+          <a:bodyPr wrap="none" rtlCol="0" anchor="ctr">
+            <a:noAutofit/>
+          </a:bodyPr>
+          <a:lstStyle/>
+          <a:p>
+            <a:pPr algn="ctr"/>
+            <a:r>
+              <a:rPr lang="en-GB" sz="1200" dirty="0"/>
+              <a:t>10</a:t>
+            </a:r>
+            <a:endParaRPr lang="en-GB" dirty="0"/>
+          </a:p>
+        </p:txBody>
+      </p:sp>
+      <p:sp>
+        <p:nvSpPr>
+          <p:cNvPr id="19" name="Oval 18">
+            <a:extLst>
+              <a:ext uri="{FF2B5EF4-FFF2-40B4-BE49-F238E27FC236}">
+                <a16:creationId xmlns:a16="http://schemas.microsoft.com/office/drawing/2014/main" id="{A2F9F5B1-59EB-83C5-A491-8F341C8CD6B6}"/>
+              </a:ext>
+            </a:extLst>
+          </p:cNvPr>
+          <p:cNvSpPr/>
+          <p:nvPr/>
+        </p:nvSpPr>
+        <p:spPr>
+          <a:xfrm>
+            <a:off x="7643183" y="2052320"/>
+            <a:ext cx="201168" cy="201168"/>
+          </a:xfrm>
+          <a:prstGeom prst="ellipse">
+            <a:avLst/>
+          </a:prstGeom>
+        </p:spPr>
+        <p:style>
+          <a:lnRef idx="2">
+            <a:schemeClr val="accent1">
+              <a:shade val="15000"/>
+            </a:schemeClr>
+          </a:lnRef>
+          <a:fillRef idx="1">
+            <a:schemeClr val="accent1"/>
+          </a:fillRef>
+          <a:effectRef idx="0">
+            <a:schemeClr val="accent1"/>
+          </a:effectRef>
+          <a:fontRef idx="minor">
+            <a:schemeClr val="lt1"/>
+          </a:fontRef>
+        </p:style>
+        <p:txBody>
+          <a:bodyPr wrap="none" rtlCol="0" anchor="ctr">
+            <a:noAutofit/>
+          </a:bodyPr>
+          <a:lstStyle/>
+          <a:p>
+            <a:pPr algn="ctr"/>
+            <a:r>
+              <a:rPr lang="en-GB" dirty="0"/>
+              <a:t>9</a:t>
+            </a:r>
+          </a:p>
+        </p:txBody>
+      </p:sp>
+      <p:sp>
+        <p:nvSpPr>
+          <p:cNvPr id="20" name="Oval 19">
+            <a:extLst>
+              <a:ext uri="{FF2B5EF4-FFF2-40B4-BE49-F238E27FC236}">
+                <a16:creationId xmlns:a16="http://schemas.microsoft.com/office/drawing/2014/main" id="{7521FF07-DA15-BC2A-E2B1-3B10532A5BF6}"/>
+              </a:ext>
+            </a:extLst>
+          </p:cNvPr>
+          <p:cNvSpPr/>
+          <p:nvPr/>
+        </p:nvSpPr>
+        <p:spPr>
+          <a:xfrm>
+            <a:off x="6102419" y="3463544"/>
+            <a:ext cx="201168" cy="201168"/>
+          </a:xfrm>
+          <a:prstGeom prst="ellipse">
+            <a:avLst/>
+          </a:prstGeom>
+          <a:solidFill>
+            <a:schemeClr val="accent2"/>
+          </a:solidFill>
+        </p:spPr>
+        <p:style>
+          <a:lnRef idx="2">
+            <a:schemeClr val="accent1">
+              <a:shade val="15000"/>
+            </a:schemeClr>
+          </a:lnRef>
+          <a:fillRef idx="1">
+            <a:schemeClr val="accent1"/>
+          </a:fillRef>
+          <a:effectRef idx="0">
+            <a:schemeClr val="accent1"/>
+          </a:effectRef>
+          <a:fontRef idx="minor">
+            <a:schemeClr val="lt1"/>
+          </a:fontRef>
+        </p:style>
+        <p:txBody>
+          <a:bodyPr wrap="none" rtlCol="0" anchor="ctr">
+            <a:noAutofit/>
+          </a:bodyPr>
+          <a:lstStyle/>
+          <a:p>
+            <a:pPr algn="ctr"/>
+            <a:r>
+              <a:rPr lang="en-GB" dirty="0"/>
+              <a:t>6</a:t>
+            </a:r>
+          </a:p>
+        </p:txBody>
+      </p:sp>
+      <p:sp>
+        <p:nvSpPr>
+          <p:cNvPr id="21" name="Oval 20">
+            <a:extLst>
+              <a:ext uri="{FF2B5EF4-FFF2-40B4-BE49-F238E27FC236}">
+                <a16:creationId xmlns:a16="http://schemas.microsoft.com/office/drawing/2014/main" id="{22FE85D0-2E8F-5D03-84CA-2D6CCAA0C821}"/>
+              </a:ext>
+            </a:extLst>
+          </p:cNvPr>
+          <p:cNvSpPr/>
+          <p:nvPr/>
+        </p:nvSpPr>
+        <p:spPr>
+          <a:xfrm>
+            <a:off x="6703379" y="5786120"/>
+            <a:ext cx="201168" cy="201168"/>
+          </a:xfrm>
+          <a:prstGeom prst="ellipse">
+            <a:avLst/>
+          </a:prstGeom>
+          <a:solidFill>
+            <a:schemeClr val="accent2"/>
+          </a:solidFill>
+        </p:spPr>
+        <p:style>
+          <a:lnRef idx="2">
+            <a:schemeClr val="accent1">
+              <a:shade val="15000"/>
+            </a:schemeClr>
+          </a:lnRef>
+          <a:fillRef idx="1">
+            <a:schemeClr val="accent1"/>
+          </a:fillRef>
+          <a:effectRef idx="0">
+            <a:schemeClr val="accent1"/>
+          </a:effectRef>
+          <a:fontRef idx="minor">
+            <a:schemeClr val="lt1"/>
+          </a:fontRef>
+        </p:style>
+        <p:txBody>
+          <a:bodyPr wrap="none" rtlCol="0" anchor="ctr">
+            <a:noAutofit/>
+          </a:bodyPr>
+          <a:lstStyle/>
+          <a:p>
+            <a:pPr algn="ctr"/>
+            <a:r>
+              <a:rPr lang="en-GB" sz="1200" dirty="0"/>
+              <a:t>16</a:t>
+            </a:r>
+          </a:p>
+        </p:txBody>
+      </p:sp>
+      <p:sp>
+        <p:nvSpPr>
+          <p:cNvPr id="22" name="Oval 21">
+            <a:extLst>
+              <a:ext uri="{FF2B5EF4-FFF2-40B4-BE49-F238E27FC236}">
+                <a16:creationId xmlns:a16="http://schemas.microsoft.com/office/drawing/2014/main" id="{26B91B46-E4B0-409D-0B01-AED60AEB1DCB}"/>
+              </a:ext>
+            </a:extLst>
+          </p:cNvPr>
+          <p:cNvSpPr/>
+          <p:nvPr/>
+        </p:nvSpPr>
+        <p:spPr>
+          <a:xfrm>
+            <a:off x="8228399" y="5383784"/>
+            <a:ext cx="201168" cy="201168"/>
+          </a:xfrm>
+          <a:prstGeom prst="ellipse">
+            <a:avLst/>
+          </a:prstGeom>
+          <a:solidFill>
+            <a:schemeClr val="accent2"/>
+          </a:solidFill>
+        </p:spPr>
+        <p:style>
+          <a:lnRef idx="2">
+            <a:schemeClr val="accent1">
+              <a:shade val="15000"/>
+            </a:schemeClr>
+          </a:lnRef>
+          <a:fillRef idx="1">
+            <a:schemeClr val="accent1"/>
+          </a:fillRef>
+          <a:effectRef idx="0">
+            <a:schemeClr val="accent1"/>
+          </a:effectRef>
+          <a:fontRef idx="minor">
+            <a:schemeClr val="lt1"/>
+          </a:fontRef>
+        </p:style>
+        <p:txBody>
+          <a:bodyPr wrap="none" rtlCol="0" anchor="ctr">
+            <a:noAutofit/>
+          </a:bodyPr>
+          <a:lstStyle/>
+          <a:p>
+            <a:pPr algn="ctr"/>
+            <a:r>
+              <a:rPr lang="en-GB" sz="1200" dirty="0"/>
+              <a:t>21</a:t>
+            </a:r>
+          </a:p>
+        </p:txBody>
+      </p:sp>
+      <p:cxnSp>
+        <p:nvCxnSpPr>
+          <p:cNvPr id="24" name="Straight Arrow Connector 23">
+            <a:extLst>
+              <a:ext uri="{FF2B5EF4-FFF2-40B4-BE49-F238E27FC236}">
+                <a16:creationId xmlns:a16="http://schemas.microsoft.com/office/drawing/2014/main" id="{3B44DBE2-B94F-CE38-A49D-1201E166F973}"/>
+              </a:ext>
+            </a:extLst>
+          </p:cNvPr>
+          <p:cNvCxnSpPr>
+            <a:cxnSpLocks/>
+            <a:stCxn id="5" idx="5"/>
+            <a:endCxn id="4" idx="1"/>
+          </p:cNvCxnSpPr>
+          <p:nvPr/>
+        </p:nvCxnSpPr>
+        <p:spPr>
+          <a:xfrm>
+            <a:off x="5627951" y="1047500"/>
+            <a:ext cx="212844" cy="351528"/>
+          </a:xfrm>
+          <a:prstGeom prst="straightConnector1">
+            <a:avLst/>
+          </a:prstGeom>
+          <a:ln>
+            <a:tailEnd type="triangle"/>
+          </a:ln>
+        </p:spPr>
+        <p:style>
+          <a:lnRef idx="2">
+            <a:schemeClr val="accent1"/>
+          </a:lnRef>
+          <a:fillRef idx="0">
+            <a:schemeClr val="accent1"/>
+          </a:fillRef>
+          <a:effectRef idx="1">
+            <a:schemeClr val="accent1"/>
+          </a:effectRef>
+          <a:fontRef idx="minor">
+            <a:schemeClr val="tx1"/>
+          </a:fontRef>
+        </p:style>
+      </p:cxnSp>
+      <p:cxnSp>
+        <p:nvCxnSpPr>
+          <p:cNvPr id="26" name="Straight Arrow Connector 25">
+            <a:extLst>
+              <a:ext uri="{FF2B5EF4-FFF2-40B4-BE49-F238E27FC236}">
+                <a16:creationId xmlns:a16="http://schemas.microsoft.com/office/drawing/2014/main" id="{002C94B6-875E-66F4-A3DC-E6428B4E7EDD}"/>
+              </a:ext>
+            </a:extLst>
+          </p:cNvPr>
+          <p:cNvCxnSpPr>
+            <a:stCxn id="7" idx="3"/>
+            <a:endCxn id="4" idx="7"/>
+          </p:cNvCxnSpPr>
+          <p:nvPr/>
+        </p:nvCxnSpPr>
+        <p:spPr>
+          <a:xfrm flipH="1">
+            <a:off x="5983043" y="1047500"/>
+            <a:ext cx="179316" cy="351528"/>
+          </a:xfrm>
+          <a:prstGeom prst="straightConnector1">
+            <a:avLst/>
+          </a:prstGeom>
+          <a:ln>
+            <a:tailEnd type="triangle"/>
+          </a:ln>
+        </p:spPr>
+        <p:style>
+          <a:lnRef idx="2">
+            <a:schemeClr val="accent1"/>
+          </a:lnRef>
+          <a:fillRef idx="0">
+            <a:schemeClr val="accent1"/>
+          </a:fillRef>
+          <a:effectRef idx="1">
+            <a:schemeClr val="accent1"/>
+          </a:effectRef>
+          <a:fontRef idx="minor">
+            <a:schemeClr val="tx1"/>
+          </a:fontRef>
+        </p:style>
+      </p:cxnSp>
+      <p:cxnSp>
+        <p:nvCxnSpPr>
+          <p:cNvPr id="31" name="Straight Arrow Connector 30">
+            <a:extLst>
+              <a:ext uri="{FF2B5EF4-FFF2-40B4-BE49-F238E27FC236}">
+                <a16:creationId xmlns:a16="http://schemas.microsoft.com/office/drawing/2014/main" id="{5BD50BDB-D0DB-63B0-5C71-890911D11071}"/>
+              </a:ext>
+            </a:extLst>
+          </p:cNvPr>
+          <p:cNvCxnSpPr>
+            <a:stCxn id="4" idx="5"/>
+            <a:endCxn id="9" idx="2"/>
+          </p:cNvCxnSpPr>
+          <p:nvPr/>
+        </p:nvCxnSpPr>
+        <p:spPr>
+          <a:xfrm>
+            <a:off x="5983043" y="1541276"/>
+            <a:ext cx="376932" cy="459228"/>
+          </a:xfrm>
+          <a:prstGeom prst="straightConnector1">
+            <a:avLst/>
+          </a:prstGeom>
+          <a:ln>
+            <a:tailEnd type="triangle"/>
+          </a:ln>
+        </p:spPr>
+        <p:style>
+          <a:lnRef idx="2">
+            <a:schemeClr val="accent1"/>
+          </a:lnRef>
+          <a:fillRef idx="0">
+            <a:schemeClr val="accent1"/>
+          </a:fillRef>
+          <a:effectRef idx="1">
+            <a:schemeClr val="accent1"/>
+          </a:effectRef>
+          <a:fontRef idx="minor">
+            <a:schemeClr val="tx1"/>
+          </a:fontRef>
+        </p:style>
+      </p:cxnSp>
+      <p:cxnSp>
+        <p:nvCxnSpPr>
+          <p:cNvPr id="33" name="Straight Arrow Connector 32">
+            <a:extLst>
+              <a:ext uri="{FF2B5EF4-FFF2-40B4-BE49-F238E27FC236}">
+                <a16:creationId xmlns:a16="http://schemas.microsoft.com/office/drawing/2014/main" id="{5686E7D9-B9CB-8D7A-DD5B-A770094FDCC0}"/>
+              </a:ext>
+            </a:extLst>
+          </p:cNvPr>
+          <p:cNvCxnSpPr>
+            <a:stCxn id="9" idx="5"/>
+            <a:endCxn id="12" idx="1"/>
+          </p:cNvCxnSpPr>
+          <p:nvPr/>
+        </p:nvCxnSpPr>
+        <p:spPr>
+          <a:xfrm>
+            <a:off x="6531683" y="2071628"/>
+            <a:ext cx="272280" cy="458208"/>
+          </a:xfrm>
+          <a:prstGeom prst="straightConnector1">
+            <a:avLst/>
+          </a:prstGeom>
+          <a:ln>
+            <a:tailEnd type="triangle"/>
+          </a:ln>
+        </p:spPr>
+        <p:style>
+          <a:lnRef idx="2">
+            <a:schemeClr val="accent1"/>
+          </a:lnRef>
+          <a:fillRef idx="0">
+            <a:schemeClr val="accent1"/>
+          </a:fillRef>
+          <a:effectRef idx="1">
+            <a:schemeClr val="accent1"/>
+          </a:effectRef>
+          <a:fontRef idx="minor">
+            <a:schemeClr val="tx1"/>
+          </a:fontRef>
+        </p:style>
+      </p:cxnSp>
+      <p:cxnSp>
+        <p:nvCxnSpPr>
+          <p:cNvPr id="35" name="Straight Arrow Connector 34">
+            <a:extLst>
+              <a:ext uri="{FF2B5EF4-FFF2-40B4-BE49-F238E27FC236}">
+                <a16:creationId xmlns:a16="http://schemas.microsoft.com/office/drawing/2014/main" id="{4A4A03C1-DA52-35C9-DE73-2C337F35E930}"/>
+              </a:ext>
+            </a:extLst>
+          </p:cNvPr>
+          <p:cNvCxnSpPr>
+            <a:stCxn id="8" idx="4"/>
+            <a:endCxn id="10" idx="0"/>
+          </p:cNvCxnSpPr>
+          <p:nvPr/>
+        </p:nvCxnSpPr>
+        <p:spPr>
+          <a:xfrm flipH="1">
+            <a:off x="7743767" y="973328"/>
+            <a:ext cx="6096" cy="387096"/>
+          </a:xfrm>
+          <a:prstGeom prst="straightConnector1">
+            <a:avLst/>
+          </a:prstGeom>
+          <a:ln>
+            <a:tailEnd type="triangle"/>
+          </a:ln>
+        </p:spPr>
+        <p:style>
+          <a:lnRef idx="2">
+            <a:schemeClr val="accent1"/>
+          </a:lnRef>
+          <a:fillRef idx="0">
+            <a:schemeClr val="accent1"/>
+          </a:fillRef>
+          <a:effectRef idx="1">
+            <a:schemeClr val="accent1"/>
+          </a:effectRef>
+          <a:fontRef idx="minor">
+            <a:schemeClr val="tx1"/>
+          </a:fontRef>
+        </p:style>
+      </p:cxnSp>
+      <p:cxnSp>
+        <p:nvCxnSpPr>
+          <p:cNvPr id="37" name="Straight Arrow Connector 36">
+            <a:extLst>
+              <a:ext uri="{FF2B5EF4-FFF2-40B4-BE49-F238E27FC236}">
+                <a16:creationId xmlns:a16="http://schemas.microsoft.com/office/drawing/2014/main" id="{4B0197CC-6F22-9441-D693-087378886B14}"/>
+              </a:ext>
+            </a:extLst>
+          </p:cNvPr>
+          <p:cNvCxnSpPr>
+            <a:stCxn id="10" idx="4"/>
+            <a:endCxn id="19" idx="0"/>
+          </p:cNvCxnSpPr>
+          <p:nvPr/>
+        </p:nvCxnSpPr>
+        <p:spPr>
+          <a:xfrm>
+            <a:off x="7743767" y="1561592"/>
+            <a:ext cx="0" cy="490728"/>
+          </a:xfrm>
+          <a:prstGeom prst="straightConnector1">
+            <a:avLst/>
+          </a:prstGeom>
+          <a:ln>
+            <a:tailEnd type="triangle"/>
+          </a:ln>
+        </p:spPr>
+        <p:style>
+          <a:lnRef idx="2">
+            <a:schemeClr val="accent1"/>
+          </a:lnRef>
+          <a:fillRef idx="0">
+            <a:schemeClr val="accent1"/>
+          </a:fillRef>
+          <a:effectRef idx="1">
+            <a:schemeClr val="accent1"/>
+          </a:effectRef>
+          <a:fontRef idx="minor">
+            <a:schemeClr val="tx1"/>
+          </a:fontRef>
+        </p:style>
+      </p:cxnSp>
+      <p:cxnSp>
+        <p:nvCxnSpPr>
+          <p:cNvPr id="39" name="Straight Arrow Connector 38">
+            <a:extLst>
+              <a:ext uri="{FF2B5EF4-FFF2-40B4-BE49-F238E27FC236}">
+                <a16:creationId xmlns:a16="http://schemas.microsoft.com/office/drawing/2014/main" id="{1B5853F8-C491-39E0-AE5F-BE82A36F29B8}"/>
+              </a:ext>
+            </a:extLst>
+          </p:cNvPr>
+          <p:cNvCxnSpPr>
+            <a:stCxn id="19" idx="4"/>
+            <a:endCxn id="18" idx="0"/>
+          </p:cNvCxnSpPr>
+          <p:nvPr/>
+        </p:nvCxnSpPr>
+        <p:spPr>
+          <a:xfrm>
+            <a:off x="7743767" y="2253488"/>
+            <a:ext cx="15240" cy="457200"/>
+          </a:xfrm>
+          <a:prstGeom prst="straightConnector1">
+            <a:avLst/>
+          </a:prstGeom>
+          <a:ln>
+            <a:tailEnd type="triangle"/>
+          </a:ln>
+        </p:spPr>
+        <p:style>
+          <a:lnRef idx="2">
+            <a:schemeClr val="accent1"/>
+          </a:lnRef>
+          <a:fillRef idx="0">
+            <a:schemeClr val="accent1"/>
+          </a:fillRef>
+          <a:effectRef idx="1">
+            <a:schemeClr val="accent1"/>
+          </a:effectRef>
+          <a:fontRef idx="minor">
+            <a:schemeClr val="tx1"/>
+          </a:fontRef>
+        </p:style>
+      </p:cxnSp>
+      <p:cxnSp>
+        <p:nvCxnSpPr>
+          <p:cNvPr id="50" name="Straight Arrow Connector 49">
+            <a:extLst>
+              <a:ext uri="{FF2B5EF4-FFF2-40B4-BE49-F238E27FC236}">
+                <a16:creationId xmlns:a16="http://schemas.microsoft.com/office/drawing/2014/main" id="{665A3B8F-30F9-E346-BCFB-A02672CA90D8}"/>
+              </a:ext>
+            </a:extLst>
+          </p:cNvPr>
+          <p:cNvCxnSpPr>
+            <a:stCxn id="12" idx="5"/>
+            <a:endCxn id="13" idx="1"/>
+          </p:cNvCxnSpPr>
+          <p:nvPr/>
+        </p:nvCxnSpPr>
+        <p:spPr>
+          <a:xfrm>
+            <a:off x="6946211" y="2672084"/>
+            <a:ext cx="183888" cy="534408"/>
+          </a:xfrm>
+          <a:prstGeom prst="straightConnector1">
+            <a:avLst/>
+          </a:prstGeom>
+          <a:ln>
+            <a:tailEnd type="triangle"/>
+          </a:ln>
+        </p:spPr>
+        <p:style>
+          <a:lnRef idx="2">
+            <a:schemeClr val="accent1"/>
+          </a:lnRef>
+          <a:fillRef idx="0">
+            <a:schemeClr val="accent1"/>
+          </a:fillRef>
+          <a:effectRef idx="1">
+            <a:schemeClr val="accent1"/>
+          </a:effectRef>
+          <a:fontRef idx="minor">
+            <a:schemeClr val="tx1"/>
+          </a:fontRef>
+        </p:style>
+      </p:cxnSp>
+      <p:cxnSp>
+        <p:nvCxnSpPr>
+          <p:cNvPr id="52" name="Straight Arrow Connector 51">
+            <a:extLst>
+              <a:ext uri="{FF2B5EF4-FFF2-40B4-BE49-F238E27FC236}">
+                <a16:creationId xmlns:a16="http://schemas.microsoft.com/office/drawing/2014/main" id="{0389E11A-7960-5B61-510E-5604FD907009}"/>
+              </a:ext>
+            </a:extLst>
+          </p:cNvPr>
+          <p:cNvCxnSpPr>
+            <a:stCxn id="18" idx="4"/>
+            <a:endCxn id="13" idx="7"/>
+          </p:cNvCxnSpPr>
+          <p:nvPr/>
+        </p:nvCxnSpPr>
+        <p:spPr>
+          <a:xfrm flipH="1">
+            <a:off x="7272347" y="2911856"/>
+            <a:ext cx="486660" cy="294636"/>
+          </a:xfrm>
+          <a:prstGeom prst="straightConnector1">
+            <a:avLst/>
+          </a:prstGeom>
+          <a:ln>
+            <a:tailEnd type="triangle"/>
+          </a:ln>
+        </p:spPr>
+        <p:style>
+          <a:lnRef idx="2">
+            <a:schemeClr val="accent1"/>
+          </a:lnRef>
+          <a:fillRef idx="0">
+            <a:schemeClr val="accent1"/>
+          </a:fillRef>
+          <a:effectRef idx="1">
+            <a:schemeClr val="accent1"/>
+          </a:effectRef>
+          <a:fontRef idx="minor">
+            <a:schemeClr val="tx1"/>
+          </a:fontRef>
+        </p:style>
+      </p:cxnSp>
+      <p:cxnSp>
+        <p:nvCxnSpPr>
+          <p:cNvPr id="54" name="Straight Arrow Connector 53">
+            <a:extLst>
+              <a:ext uri="{FF2B5EF4-FFF2-40B4-BE49-F238E27FC236}">
+                <a16:creationId xmlns:a16="http://schemas.microsoft.com/office/drawing/2014/main" id="{29F5AD0B-08EC-F5A4-9097-E52B8CC466CC}"/>
+              </a:ext>
+            </a:extLst>
+          </p:cNvPr>
+          <p:cNvCxnSpPr>
+            <a:stCxn id="13" idx="4"/>
+            <a:endCxn id="14" idx="0"/>
+          </p:cNvCxnSpPr>
+          <p:nvPr/>
+        </p:nvCxnSpPr>
+        <p:spPr>
+          <a:xfrm flipH="1">
+            <a:off x="6770435" y="3378200"/>
+            <a:ext cx="430788" cy="527304"/>
+          </a:xfrm>
+          <a:prstGeom prst="straightConnector1">
+            <a:avLst/>
+          </a:prstGeom>
+          <a:ln>
+            <a:tailEnd type="triangle"/>
+          </a:ln>
+        </p:spPr>
+        <p:style>
+          <a:lnRef idx="2">
+            <a:schemeClr val="accent1"/>
+          </a:lnRef>
+          <a:fillRef idx="0">
+            <a:schemeClr val="accent1"/>
+          </a:fillRef>
+          <a:effectRef idx="1">
+            <a:schemeClr val="accent1"/>
+          </a:effectRef>
+          <a:fontRef idx="minor">
+            <a:schemeClr val="tx1"/>
+          </a:fontRef>
+        </p:style>
+      </p:cxnSp>
+      <p:cxnSp>
+        <p:nvCxnSpPr>
+          <p:cNvPr id="56" name="Straight Arrow Connector 55">
+            <a:extLst>
+              <a:ext uri="{FF2B5EF4-FFF2-40B4-BE49-F238E27FC236}">
+                <a16:creationId xmlns:a16="http://schemas.microsoft.com/office/drawing/2014/main" id="{30A015CB-F5D7-F6E6-6162-C6C534243FE7}"/>
+              </a:ext>
+            </a:extLst>
+          </p:cNvPr>
+          <p:cNvCxnSpPr>
+            <a:cxnSpLocks/>
+            <a:stCxn id="14" idx="4"/>
+            <a:endCxn id="16" idx="0"/>
+          </p:cNvCxnSpPr>
+          <p:nvPr/>
+        </p:nvCxnSpPr>
+        <p:spPr>
+          <a:xfrm>
+            <a:off x="6770435" y="4106672"/>
+            <a:ext cx="32508" cy="707136"/>
+          </a:xfrm>
+          <a:prstGeom prst="straightConnector1">
+            <a:avLst/>
+          </a:prstGeom>
+          <a:ln>
+            <a:tailEnd type="triangle"/>
+          </a:ln>
+        </p:spPr>
+        <p:style>
+          <a:lnRef idx="2">
+            <a:schemeClr val="accent1"/>
+          </a:lnRef>
+          <a:fillRef idx="0">
+            <a:schemeClr val="accent1"/>
+          </a:fillRef>
+          <a:effectRef idx="1">
+            <a:schemeClr val="accent1"/>
+          </a:effectRef>
+          <a:fontRef idx="minor">
+            <a:schemeClr val="tx1"/>
+          </a:fontRef>
+        </p:style>
+      </p:cxnSp>
+      <p:cxnSp>
+        <p:nvCxnSpPr>
+          <p:cNvPr id="60" name="Connector: Curved 59">
+            <a:extLst>
+              <a:ext uri="{FF2B5EF4-FFF2-40B4-BE49-F238E27FC236}">
+                <a16:creationId xmlns:a16="http://schemas.microsoft.com/office/drawing/2014/main" id="{742EA316-B662-19B9-DAB6-C31412953F50}"/>
+              </a:ext>
+            </a:extLst>
+          </p:cNvPr>
+          <p:cNvCxnSpPr>
+            <a:stCxn id="14" idx="2"/>
+            <a:endCxn id="11" idx="0"/>
+          </p:cNvCxnSpPr>
+          <p:nvPr/>
+        </p:nvCxnSpPr>
+        <p:spPr>
+          <a:xfrm rot="10800000" flipV="1">
+            <a:off x="6340667" y="4006088"/>
+            <a:ext cx="329184" cy="246888"/>
+          </a:xfrm>
+          <a:prstGeom prst="curvedConnector2">
+            <a:avLst/>
+          </a:prstGeom>
+          <a:ln>
+            <a:tailEnd type="triangle"/>
+          </a:ln>
+        </p:spPr>
+        <p:style>
+          <a:lnRef idx="2">
+            <a:schemeClr val="accent1"/>
+          </a:lnRef>
+          <a:fillRef idx="0">
+            <a:schemeClr val="accent1"/>
+          </a:fillRef>
+          <a:effectRef idx="1">
+            <a:schemeClr val="accent1"/>
+          </a:effectRef>
+          <a:fontRef idx="minor">
+            <a:schemeClr val="tx1"/>
+          </a:fontRef>
+        </p:style>
+      </p:cxnSp>
+      <p:cxnSp>
+        <p:nvCxnSpPr>
+          <p:cNvPr id="62" name="Connector: Curved 61">
+            <a:extLst>
+              <a:ext uri="{FF2B5EF4-FFF2-40B4-BE49-F238E27FC236}">
+                <a16:creationId xmlns:a16="http://schemas.microsoft.com/office/drawing/2014/main" id="{DD20AF24-8D00-6E71-495C-B0BF7D92F980}"/>
+              </a:ext>
+            </a:extLst>
+          </p:cNvPr>
+          <p:cNvCxnSpPr>
+            <a:stCxn id="11" idx="4"/>
+            <a:endCxn id="16" idx="2"/>
+          </p:cNvCxnSpPr>
+          <p:nvPr/>
+        </p:nvCxnSpPr>
+        <p:spPr>
+          <a:xfrm rot="16200000" flipH="1">
+            <a:off x="6291389" y="4503422"/>
+            <a:ext cx="460248" cy="361692"/>
+          </a:xfrm>
+          <a:prstGeom prst="curvedConnector2">
+            <a:avLst/>
+          </a:prstGeom>
+          <a:ln>
+            <a:tailEnd type="triangle"/>
+          </a:ln>
+        </p:spPr>
+        <p:style>
+          <a:lnRef idx="2">
+            <a:schemeClr val="accent1"/>
+          </a:lnRef>
+          <a:fillRef idx="0">
+            <a:schemeClr val="accent1"/>
+          </a:fillRef>
+          <a:effectRef idx="1">
+            <a:schemeClr val="accent1"/>
+          </a:effectRef>
+          <a:fontRef idx="minor">
+            <a:schemeClr val="tx1"/>
+          </a:fontRef>
+        </p:style>
+      </p:cxnSp>
+      <p:cxnSp>
+        <p:nvCxnSpPr>
+          <p:cNvPr id="64" name="Straight Arrow Connector 63">
+            <a:extLst>
+              <a:ext uri="{FF2B5EF4-FFF2-40B4-BE49-F238E27FC236}">
+                <a16:creationId xmlns:a16="http://schemas.microsoft.com/office/drawing/2014/main" id="{C14F075B-F61D-E50E-5A29-044B1C4EC9F4}"/>
+              </a:ext>
+            </a:extLst>
+          </p:cNvPr>
+          <p:cNvCxnSpPr>
+            <a:stCxn id="18" idx="5"/>
+            <a:endCxn id="15" idx="1"/>
+          </p:cNvCxnSpPr>
+          <p:nvPr/>
+        </p:nvCxnSpPr>
+        <p:spPr>
+          <a:xfrm>
+            <a:off x="7830131" y="2882396"/>
+            <a:ext cx="327144" cy="403344"/>
+          </a:xfrm>
+          <a:prstGeom prst="straightConnector1">
+            <a:avLst/>
+          </a:prstGeom>
+          <a:ln>
+            <a:tailEnd type="triangle"/>
+          </a:ln>
+        </p:spPr>
+        <p:style>
+          <a:lnRef idx="2">
+            <a:schemeClr val="accent1"/>
+          </a:lnRef>
+          <a:fillRef idx="0">
+            <a:schemeClr val="accent1"/>
+          </a:fillRef>
+          <a:effectRef idx="1">
+            <a:schemeClr val="accent1"/>
+          </a:effectRef>
+          <a:fontRef idx="minor">
+            <a:schemeClr val="tx1"/>
+          </a:fontRef>
+        </p:style>
+      </p:cxnSp>
+      <p:cxnSp>
+        <p:nvCxnSpPr>
+          <p:cNvPr id="66" name="Straight Arrow Connector 65">
+            <a:extLst>
+              <a:ext uri="{FF2B5EF4-FFF2-40B4-BE49-F238E27FC236}">
+                <a16:creationId xmlns:a16="http://schemas.microsoft.com/office/drawing/2014/main" id="{12FCD5DF-0BE9-3E11-677A-AE5EC6675D42}"/>
+              </a:ext>
+            </a:extLst>
+          </p:cNvPr>
+          <p:cNvCxnSpPr>
+            <a:cxnSpLocks/>
+            <a:stCxn id="15" idx="4"/>
+            <a:endCxn id="17" idx="0"/>
+          </p:cNvCxnSpPr>
+          <p:nvPr/>
+        </p:nvCxnSpPr>
+        <p:spPr>
+          <a:xfrm>
+            <a:off x="8228399" y="3457448"/>
+            <a:ext cx="17268" cy="246888"/>
+          </a:xfrm>
+          <a:prstGeom prst="straightConnector1">
+            <a:avLst/>
+          </a:prstGeom>
+          <a:ln>
+            <a:tailEnd type="triangle"/>
+          </a:ln>
+        </p:spPr>
+        <p:style>
+          <a:lnRef idx="2">
+            <a:schemeClr val="accent1"/>
+          </a:lnRef>
+          <a:fillRef idx="0">
+            <a:schemeClr val="accent1"/>
+          </a:fillRef>
+          <a:effectRef idx="1">
+            <a:schemeClr val="accent1"/>
+          </a:effectRef>
+          <a:fontRef idx="minor">
+            <a:schemeClr val="tx1"/>
+          </a:fontRef>
+        </p:style>
+      </p:cxnSp>
+      <p:sp>
+        <p:nvSpPr>
+          <p:cNvPr id="69" name="Oval 68">
+            <a:extLst>
+              <a:ext uri="{FF2B5EF4-FFF2-40B4-BE49-F238E27FC236}">
+                <a16:creationId xmlns:a16="http://schemas.microsoft.com/office/drawing/2014/main" id="{F95EEA71-8DEB-67AD-2E32-FA19FC690584}"/>
+              </a:ext>
+            </a:extLst>
+          </p:cNvPr>
+          <p:cNvSpPr/>
+          <p:nvPr/>
+        </p:nvSpPr>
+        <p:spPr>
+          <a:xfrm>
+            <a:off x="8174555" y="4701030"/>
+            <a:ext cx="201168" cy="201168"/>
+          </a:xfrm>
+          <a:prstGeom prst="ellipse">
+            <a:avLst/>
+          </a:prstGeom>
+        </p:spPr>
+        <p:style>
+          <a:lnRef idx="2">
+            <a:schemeClr val="accent1">
+              <a:shade val="15000"/>
+            </a:schemeClr>
+          </a:lnRef>
+          <a:fillRef idx="1">
+            <a:schemeClr val="accent1"/>
+          </a:fillRef>
+          <a:effectRef idx="0">
+            <a:schemeClr val="accent1"/>
+          </a:effectRef>
+          <a:fontRef idx="minor">
+            <a:schemeClr val="lt1"/>
+          </a:fontRef>
+        </p:style>
+        <p:txBody>
+          <a:bodyPr wrap="none" rtlCol="0" anchor="ctr">
+            <a:noAutofit/>
+          </a:bodyPr>
+          <a:lstStyle/>
+          <a:p>
+            <a:pPr algn="ctr"/>
+            <a:r>
+              <a:rPr lang="en-GB" sz="1200" dirty="0"/>
+              <a:t>20</a:t>
+            </a:r>
+          </a:p>
+        </p:txBody>
+      </p:sp>
+      <p:cxnSp>
+        <p:nvCxnSpPr>
+          <p:cNvPr id="70" name="Straight Arrow Connector 69">
+            <a:extLst>
+              <a:ext uri="{FF2B5EF4-FFF2-40B4-BE49-F238E27FC236}">
+                <a16:creationId xmlns:a16="http://schemas.microsoft.com/office/drawing/2014/main" id="{FF1BBD38-D724-2055-3C32-A8E3BFEE0081}"/>
+              </a:ext>
+            </a:extLst>
+          </p:cNvPr>
+          <p:cNvCxnSpPr>
+            <a:cxnSpLocks/>
+            <a:stCxn id="71" idx="4"/>
+            <a:endCxn id="69" idx="0"/>
+          </p:cNvCxnSpPr>
+          <p:nvPr/>
+        </p:nvCxnSpPr>
+        <p:spPr>
+          <a:xfrm>
+            <a:off x="8255327" y="4403851"/>
+            <a:ext cx="19812" cy="297179"/>
+          </a:xfrm>
+          <a:prstGeom prst="straightConnector1">
+            <a:avLst/>
+          </a:prstGeom>
+          <a:ln>
+            <a:tailEnd type="triangle"/>
+          </a:ln>
+        </p:spPr>
+        <p:style>
+          <a:lnRef idx="2">
+            <a:schemeClr val="accent1"/>
+          </a:lnRef>
+          <a:fillRef idx="0">
+            <a:schemeClr val="accent1"/>
+          </a:fillRef>
+          <a:effectRef idx="1">
+            <a:schemeClr val="accent1"/>
+          </a:effectRef>
+          <a:fontRef idx="minor">
+            <a:schemeClr val="tx1"/>
+          </a:fontRef>
+        </p:style>
+      </p:cxnSp>
+      <p:sp>
+        <p:nvSpPr>
+          <p:cNvPr id="71" name="Oval 70">
+            <a:extLst>
+              <a:ext uri="{FF2B5EF4-FFF2-40B4-BE49-F238E27FC236}">
+                <a16:creationId xmlns:a16="http://schemas.microsoft.com/office/drawing/2014/main" id="{B8BD0AAF-EC3E-AFB5-CFFD-B84721B81301}"/>
+              </a:ext>
+            </a:extLst>
+          </p:cNvPr>
+          <p:cNvSpPr/>
+          <p:nvPr/>
+        </p:nvSpPr>
+        <p:spPr>
+          <a:xfrm>
+            <a:off x="8154743" y="4202683"/>
+            <a:ext cx="201168" cy="201168"/>
+          </a:xfrm>
+          <a:prstGeom prst="ellipse">
+            <a:avLst/>
+          </a:prstGeom>
+        </p:spPr>
+        <p:style>
+          <a:lnRef idx="2">
+            <a:schemeClr val="accent1">
+              <a:shade val="15000"/>
+            </a:schemeClr>
+          </a:lnRef>
+          <a:fillRef idx="1">
+            <a:schemeClr val="accent1"/>
+          </a:fillRef>
+          <a:effectRef idx="0">
+            <a:schemeClr val="accent1"/>
+          </a:effectRef>
+          <a:fontRef idx="minor">
+            <a:schemeClr val="lt1"/>
+          </a:fontRef>
+        </p:style>
+        <p:txBody>
+          <a:bodyPr wrap="none" rtlCol="0" anchor="ctr">
+            <a:noAutofit/>
+          </a:bodyPr>
+          <a:lstStyle/>
+          <a:p>
+            <a:pPr algn="ctr"/>
+            <a:r>
+              <a:rPr lang="en-GB" sz="1200" dirty="0"/>
+              <a:t>19</a:t>
+            </a:r>
+          </a:p>
+        </p:txBody>
+      </p:sp>
+      <p:cxnSp>
+        <p:nvCxnSpPr>
+          <p:cNvPr id="72" name="Straight Arrow Connector 71">
+            <a:extLst>
+              <a:ext uri="{FF2B5EF4-FFF2-40B4-BE49-F238E27FC236}">
+                <a16:creationId xmlns:a16="http://schemas.microsoft.com/office/drawing/2014/main" id="{E4BB347B-2836-1248-9332-97136503765A}"/>
+              </a:ext>
+            </a:extLst>
+          </p:cNvPr>
+          <p:cNvCxnSpPr>
+            <a:cxnSpLocks/>
+            <a:stCxn id="17" idx="4"/>
+            <a:endCxn id="71" idx="0"/>
+          </p:cNvCxnSpPr>
+          <p:nvPr/>
+        </p:nvCxnSpPr>
+        <p:spPr>
+          <a:xfrm>
+            <a:off x="8245667" y="3905504"/>
+            <a:ext cx="9660" cy="297179"/>
+          </a:xfrm>
+          <a:prstGeom prst="straightConnector1">
+            <a:avLst/>
+          </a:prstGeom>
+          <a:ln>
+            <a:tailEnd type="triangle"/>
+          </a:ln>
+        </p:spPr>
+        <p:style>
+          <a:lnRef idx="2">
+            <a:schemeClr val="accent1"/>
+          </a:lnRef>
+          <a:fillRef idx="0">
+            <a:schemeClr val="accent1"/>
+          </a:fillRef>
+          <a:effectRef idx="1">
+            <a:schemeClr val="accent1"/>
+          </a:effectRef>
+          <a:fontRef idx="minor">
+            <a:schemeClr val="tx1"/>
+          </a:fontRef>
+        </p:style>
+      </p:cxnSp>
+      <p:cxnSp>
+        <p:nvCxnSpPr>
+          <p:cNvPr id="77" name="Straight Arrow Connector 76">
+            <a:extLst>
+              <a:ext uri="{FF2B5EF4-FFF2-40B4-BE49-F238E27FC236}">
+                <a16:creationId xmlns:a16="http://schemas.microsoft.com/office/drawing/2014/main" id="{F2D98A8E-AA00-9AC4-44D7-2302E092E4DC}"/>
+              </a:ext>
+            </a:extLst>
+          </p:cNvPr>
+          <p:cNvCxnSpPr>
+            <a:stCxn id="69" idx="4"/>
+            <a:endCxn id="22" idx="0"/>
+          </p:cNvCxnSpPr>
+          <p:nvPr/>
+        </p:nvCxnSpPr>
+        <p:spPr>
+          <a:xfrm>
+            <a:off x="8275139" y="4902198"/>
+            <a:ext cx="53844" cy="481586"/>
+          </a:xfrm>
+          <a:prstGeom prst="straightConnector1">
+            <a:avLst/>
+          </a:prstGeom>
+          <a:ln>
+            <a:tailEnd type="triangle"/>
+          </a:ln>
+        </p:spPr>
+        <p:style>
+          <a:lnRef idx="2">
+            <a:schemeClr val="accent1"/>
+          </a:lnRef>
+          <a:fillRef idx="0">
+            <a:schemeClr val="accent1"/>
+          </a:fillRef>
+          <a:effectRef idx="1">
+            <a:schemeClr val="accent1"/>
+          </a:effectRef>
+          <a:fontRef idx="minor">
+            <a:schemeClr val="tx1"/>
+          </a:fontRef>
+        </p:style>
+      </p:cxnSp>
+      <p:cxnSp>
+        <p:nvCxnSpPr>
+          <p:cNvPr id="79" name="Straight Arrow Connector 78">
+            <a:extLst>
+              <a:ext uri="{FF2B5EF4-FFF2-40B4-BE49-F238E27FC236}">
+                <a16:creationId xmlns:a16="http://schemas.microsoft.com/office/drawing/2014/main" id="{171C9BF0-5F32-7DB7-D9BC-4D1461B03F77}"/>
+              </a:ext>
+            </a:extLst>
+          </p:cNvPr>
+          <p:cNvCxnSpPr>
+            <a:stCxn id="16" idx="4"/>
+            <a:endCxn id="21" idx="0"/>
+          </p:cNvCxnSpPr>
+          <p:nvPr/>
+        </p:nvCxnSpPr>
+        <p:spPr>
+          <a:xfrm>
+            <a:off x="6802943" y="5014976"/>
+            <a:ext cx="1020" cy="771144"/>
+          </a:xfrm>
+          <a:prstGeom prst="straightConnector1">
+            <a:avLst/>
+          </a:prstGeom>
+          <a:ln>
+            <a:tailEnd type="triangle"/>
+          </a:ln>
+        </p:spPr>
+        <p:style>
+          <a:lnRef idx="2">
+            <a:schemeClr val="accent1"/>
+          </a:lnRef>
+          <a:fillRef idx="0">
+            <a:schemeClr val="accent1"/>
+          </a:fillRef>
+          <a:effectRef idx="1">
+            <a:schemeClr val="accent1"/>
+          </a:effectRef>
+          <a:fontRef idx="minor">
+            <a:schemeClr val="tx1"/>
+          </a:fontRef>
+        </p:style>
+      </p:cxnSp>
+      <p:cxnSp>
+        <p:nvCxnSpPr>
+          <p:cNvPr id="82" name="Straight Arrow Connector 81">
+            <a:extLst>
+              <a:ext uri="{FF2B5EF4-FFF2-40B4-BE49-F238E27FC236}">
+                <a16:creationId xmlns:a16="http://schemas.microsoft.com/office/drawing/2014/main" id="{BC6879DC-3705-D3E1-F095-510467211FF8}"/>
+              </a:ext>
+            </a:extLst>
+          </p:cNvPr>
+          <p:cNvCxnSpPr>
+            <a:stCxn id="12" idx="3"/>
+            <a:endCxn id="20" idx="0"/>
+          </p:cNvCxnSpPr>
+          <p:nvPr/>
+        </p:nvCxnSpPr>
+        <p:spPr>
+          <a:xfrm flipH="1">
+            <a:off x="6203003" y="2672084"/>
+            <a:ext cx="600960" cy="791460"/>
+          </a:xfrm>
+          <a:prstGeom prst="straightConnector1">
+            <a:avLst/>
+          </a:prstGeom>
+          <a:ln>
+            <a:tailEnd type="triangle"/>
+          </a:ln>
+        </p:spPr>
+        <p:style>
+          <a:lnRef idx="2">
+            <a:schemeClr val="accent1"/>
+          </a:lnRef>
+          <a:fillRef idx="0">
+            <a:schemeClr val="accent1"/>
+          </a:fillRef>
+          <a:effectRef idx="1">
+            <a:schemeClr val="accent1"/>
+          </a:effectRef>
+          <a:fontRef idx="minor">
+            <a:schemeClr val="tx1"/>
+          </a:fontRef>
+        </p:style>
+      </p:cxnSp>
+      <p:cxnSp>
+        <p:nvCxnSpPr>
+          <p:cNvPr id="85" name="Straight Arrow Connector 84">
+            <a:extLst>
+              <a:ext uri="{FF2B5EF4-FFF2-40B4-BE49-F238E27FC236}">
+                <a16:creationId xmlns:a16="http://schemas.microsoft.com/office/drawing/2014/main" id="{7F2BB212-5E1F-5DE2-88D1-A154B45E4996}"/>
+              </a:ext>
+            </a:extLst>
+          </p:cNvPr>
+          <p:cNvCxnSpPr>
+            <a:stCxn id="17" idx="5"/>
+            <a:endCxn id="6" idx="0"/>
+          </p:cNvCxnSpPr>
+          <p:nvPr/>
+        </p:nvCxnSpPr>
+        <p:spPr>
+          <a:xfrm>
+            <a:off x="8316791" y="3876044"/>
+            <a:ext cx="591312" cy="226055"/>
+          </a:xfrm>
+          <a:prstGeom prst="straightConnector1">
+            <a:avLst/>
+          </a:prstGeom>
+          <a:ln>
+            <a:tailEnd type="triangle"/>
+          </a:ln>
+        </p:spPr>
+        <p:style>
+          <a:lnRef idx="2">
+            <a:schemeClr val="accent1"/>
+          </a:lnRef>
+          <a:fillRef idx="0">
+            <a:schemeClr val="accent1"/>
+          </a:fillRef>
+          <a:effectRef idx="1">
+            <a:schemeClr val="accent1"/>
+          </a:effectRef>
+          <a:fontRef idx="minor">
+            <a:schemeClr val="tx1"/>
+          </a:fontRef>
+        </p:style>
+      </p:cxnSp>
+      <p:cxnSp>
+        <p:nvCxnSpPr>
+          <p:cNvPr id="88" name="Straight Arrow Connector 87">
+            <a:extLst>
+              <a:ext uri="{FF2B5EF4-FFF2-40B4-BE49-F238E27FC236}">
+                <a16:creationId xmlns:a16="http://schemas.microsoft.com/office/drawing/2014/main" id="{42539CAC-3898-7ABF-1F35-BEBF6471C8CE}"/>
+              </a:ext>
+            </a:extLst>
+          </p:cNvPr>
+          <p:cNvCxnSpPr>
+            <a:stCxn id="13" idx="3"/>
+            <a:endCxn id="17" idx="1"/>
+          </p:cNvCxnSpPr>
+          <p:nvPr/>
+        </p:nvCxnSpPr>
+        <p:spPr>
+          <a:xfrm>
+            <a:off x="7130099" y="3348740"/>
+            <a:ext cx="1044444" cy="385056"/>
+          </a:xfrm>
+          <a:prstGeom prst="straightConnector1">
+            <a:avLst/>
+          </a:prstGeom>
+          <a:ln>
+            <a:tailEnd type="triangle"/>
+          </a:ln>
+        </p:spPr>
+        <p:style>
+          <a:lnRef idx="2">
+            <a:schemeClr val="accent1"/>
+          </a:lnRef>
+          <a:fillRef idx="0">
+            <a:schemeClr val="accent1"/>
+          </a:fillRef>
+          <a:effectRef idx="1">
+            <a:schemeClr val="accent1"/>
+          </a:effectRef>
+          <a:fontRef idx="minor">
+            <a:schemeClr val="tx1"/>
+          </a:fontRef>
+        </p:style>
+      </p:cxnSp>
+      <p:sp>
+        <p:nvSpPr>
+          <p:cNvPr id="241" name="TextBox 240">
+            <a:extLst>
+              <a:ext uri="{FF2B5EF4-FFF2-40B4-BE49-F238E27FC236}">
+                <a16:creationId xmlns:a16="http://schemas.microsoft.com/office/drawing/2014/main" id="{F411E262-99F3-0673-631B-B522CAB880F2}"/>
+              </a:ext>
+            </a:extLst>
+          </p:cNvPr>
+          <p:cNvSpPr txBox="1"/>
+          <p:nvPr/>
+        </p:nvSpPr>
+        <p:spPr>
+          <a:xfrm>
+            <a:off x="1440873" y="1360424"/>
+            <a:ext cx="3347858" cy="2123658"/>
+          </a:xfrm>
+          <a:prstGeom prst="rect">
+            <a:avLst/>
+          </a:prstGeom>
+          <a:noFill/>
+        </p:spPr>
+        <p:txBody>
+          <a:bodyPr wrap="square" rtlCol="0">
+            <a:spAutoFit/>
+          </a:bodyPr>
+          <a:lstStyle/>
+          <a:p>
+            <a:pPr algn="l"/>
+            <a:r>
+              <a:rPr lang="en-GB" sz="4400" dirty="0"/>
+              <a:t>First we need to build this</a:t>
+            </a:r>
+          </a:p>
+        </p:txBody>
+      </p:sp>
+    </p:spTree>
+    <p:extLst>
+      <p:ext uri="{BB962C8B-B14F-4D97-AF65-F5344CB8AC3E}">
+        <p14:creationId xmlns:p14="http://schemas.microsoft.com/office/powerpoint/2010/main" val="2143334459"/>
+      </p:ext>
+    </p:extLst>
+  </p:cSld>
+  <p:clrMapOvr>
+    <a:masterClrMapping/>
+  </p:clrMapOvr>
+</p:sld>
+</file>
+
+<file path=ppt/slides/slide16.xml><?xml version="1.0" encoding="utf-8"?>
+<p:sld xmlns:a="http://schemas.openxmlformats.org/drawingml/2006/main" xmlns:r="http://schemas.openxmlformats.org/officeDocument/2006/relationships" xmlns:p="http://schemas.openxmlformats.org/presentationml/2006/main">
+  <p:cSld>
+    <p:spTree>
+      <p:nvGrpSpPr>
+        <p:cNvPr id="1" name="">
+          <a:extLst>
+            <a:ext uri="{FF2B5EF4-FFF2-40B4-BE49-F238E27FC236}">
+              <a16:creationId xmlns:a16="http://schemas.microsoft.com/office/drawing/2014/main" id="{1745027D-3CE3-CEB0-FD8A-D8A53CA24C4A}"/>
+            </a:ext>
+          </a:extLst>
+        </p:cNvPr>
+        <p:cNvGrpSpPr/>
+        <p:nvPr/>
+      </p:nvGrpSpPr>
+      <p:grpSpPr>
+        <a:xfrm>
+          <a:off x="0" y="0"/>
+          <a:ext cx="0" cy="0"/>
+          <a:chOff x="0" y="0"/>
+          <a:chExt cx="0" cy="0"/>
+        </a:xfrm>
+      </p:grpSpPr>
+      <p:sp>
+        <p:nvSpPr>
+          <p:cNvPr id="4" name="Oval 3">
+            <a:extLst>
+              <a:ext uri="{FF2B5EF4-FFF2-40B4-BE49-F238E27FC236}">
+                <a16:creationId xmlns:a16="http://schemas.microsoft.com/office/drawing/2014/main" id="{55F51579-8D2A-AB9F-C9CE-A2796FB533A1}"/>
+              </a:ext>
+            </a:extLst>
+          </p:cNvPr>
+          <p:cNvSpPr/>
+          <p:nvPr/>
+        </p:nvSpPr>
+        <p:spPr>
+          <a:xfrm>
+            <a:off x="1054608" y="1267968"/>
+            <a:ext cx="201168" cy="201168"/>
+          </a:xfrm>
+          <a:prstGeom prst="ellipse">
+            <a:avLst/>
+          </a:prstGeom>
+        </p:spPr>
+        <p:style>
+          <a:lnRef idx="2">
+            <a:schemeClr val="accent1">
+              <a:shade val="15000"/>
+            </a:schemeClr>
+          </a:lnRef>
+          <a:fillRef idx="1">
+            <a:schemeClr val="accent1"/>
+          </a:fillRef>
+          <a:effectRef idx="0">
+            <a:schemeClr val="accent1"/>
+          </a:effectRef>
+          <a:fontRef idx="minor">
+            <a:schemeClr val="lt1"/>
+          </a:fontRef>
+        </p:style>
+        <p:txBody>
+          <a:bodyPr wrap="none" rtlCol="0" anchor="ctr">
+            <a:noAutofit/>
+          </a:bodyPr>
+          <a:lstStyle/>
+          <a:p>
+            <a:pPr algn="ctr"/>
+            <a:r>
+              <a:rPr lang="en-GB" dirty="0"/>
+              <a:t>3</a:t>
+            </a:r>
+          </a:p>
+        </p:txBody>
+      </p:sp>
+      <p:sp>
+        <p:nvSpPr>
+          <p:cNvPr id="5" name="Oval 4">
+            <a:extLst>
+              <a:ext uri="{FF2B5EF4-FFF2-40B4-BE49-F238E27FC236}">
+                <a16:creationId xmlns:a16="http://schemas.microsoft.com/office/drawing/2014/main" id="{6BF004B9-AC93-4BD0-D532-5E78A2EEE615}"/>
+              </a:ext>
+            </a:extLst>
+          </p:cNvPr>
+          <p:cNvSpPr/>
+          <p:nvPr/>
+        </p:nvSpPr>
+        <p:spPr>
+          <a:xfrm>
+            <a:off x="699516" y="774192"/>
+            <a:ext cx="201168" cy="201168"/>
+          </a:xfrm>
+          <a:prstGeom prst="ellipse">
+            <a:avLst/>
+          </a:prstGeom>
+          <a:solidFill>
+            <a:schemeClr val="tx2">
+              <a:lumMod val="25000"/>
+              <a:lumOff val="75000"/>
+            </a:schemeClr>
+          </a:solidFill>
+        </p:spPr>
+        <p:style>
+          <a:lnRef idx="2">
+            <a:schemeClr val="accent1">
+              <a:shade val="15000"/>
+            </a:schemeClr>
+          </a:lnRef>
+          <a:fillRef idx="1">
+            <a:schemeClr val="accent1"/>
+          </a:fillRef>
+          <a:effectRef idx="0">
+            <a:schemeClr val="accent1"/>
+          </a:effectRef>
+          <a:fontRef idx="minor">
+            <a:schemeClr val="lt1"/>
+          </a:fontRef>
+        </p:style>
+        <p:txBody>
+          <a:bodyPr wrap="none" rtlCol="0" anchor="ctr">
+            <a:noAutofit/>
+          </a:bodyPr>
+          <a:lstStyle/>
+          <a:p>
+            <a:pPr algn="ctr"/>
+            <a:r>
+              <a:rPr lang="en-GB" dirty="0"/>
+              <a:t>1</a:t>
+            </a:r>
+          </a:p>
+        </p:txBody>
+      </p:sp>
+      <p:sp>
+        <p:nvSpPr>
+          <p:cNvPr id="6" name="Oval 5">
+            <a:extLst>
+              <a:ext uri="{FF2B5EF4-FFF2-40B4-BE49-F238E27FC236}">
+                <a16:creationId xmlns:a16="http://schemas.microsoft.com/office/drawing/2014/main" id="{66CCCCF7-2343-4559-66E8-36585F485E04}"/>
+              </a:ext>
+            </a:extLst>
+          </p:cNvPr>
+          <p:cNvSpPr/>
+          <p:nvPr/>
+        </p:nvSpPr>
+        <p:spPr>
+          <a:xfrm>
+            <a:off x="4050792" y="4000499"/>
+            <a:ext cx="201168" cy="201168"/>
+          </a:xfrm>
+          <a:prstGeom prst="ellipse">
+            <a:avLst/>
+          </a:prstGeom>
+          <a:solidFill>
+            <a:schemeClr val="accent2"/>
+          </a:solidFill>
+        </p:spPr>
+        <p:style>
+          <a:lnRef idx="2">
+            <a:schemeClr val="accent1">
+              <a:shade val="15000"/>
+            </a:schemeClr>
+          </a:lnRef>
+          <a:fillRef idx="1">
+            <a:schemeClr val="accent1"/>
+          </a:fillRef>
+          <a:effectRef idx="0">
+            <a:schemeClr val="accent1"/>
+          </a:effectRef>
+          <a:fontRef idx="minor">
+            <a:schemeClr val="lt1"/>
+          </a:fontRef>
+        </p:style>
+        <p:txBody>
+          <a:bodyPr wrap="none" rtlCol="0" anchor="ctr">
+            <a:noAutofit/>
+          </a:bodyPr>
+          <a:lstStyle/>
+          <a:p>
+            <a:pPr algn="ctr"/>
+            <a:r>
+              <a:rPr lang="en-GB" sz="1200" dirty="0"/>
+              <a:t>18</a:t>
+            </a:r>
+          </a:p>
+        </p:txBody>
+      </p:sp>
+      <p:sp>
+        <p:nvSpPr>
+          <p:cNvPr id="7" name="Oval 6">
+            <a:extLst>
+              <a:ext uri="{FF2B5EF4-FFF2-40B4-BE49-F238E27FC236}">
+                <a16:creationId xmlns:a16="http://schemas.microsoft.com/office/drawing/2014/main" id="{EF531137-DC7C-B3F5-46F5-5A10B3301B92}"/>
+              </a:ext>
+            </a:extLst>
+          </p:cNvPr>
+          <p:cNvSpPr/>
+          <p:nvPr/>
+        </p:nvSpPr>
+        <p:spPr>
+          <a:xfrm>
+            <a:off x="1376172" y="774192"/>
+            <a:ext cx="201168" cy="201168"/>
+          </a:xfrm>
+          <a:prstGeom prst="ellipse">
+            <a:avLst/>
+          </a:prstGeom>
+          <a:solidFill>
+            <a:schemeClr val="tx2">
+              <a:lumMod val="25000"/>
+              <a:lumOff val="75000"/>
+            </a:schemeClr>
+          </a:solidFill>
+        </p:spPr>
+        <p:style>
+          <a:lnRef idx="2">
+            <a:schemeClr val="accent1">
+              <a:shade val="15000"/>
+            </a:schemeClr>
+          </a:lnRef>
+          <a:fillRef idx="1">
+            <a:schemeClr val="accent1"/>
+          </a:fillRef>
+          <a:effectRef idx="0">
+            <a:schemeClr val="accent1"/>
+          </a:effectRef>
+          <a:fontRef idx="minor">
+            <a:schemeClr val="lt1"/>
+          </a:fontRef>
+        </p:style>
+        <p:txBody>
+          <a:bodyPr wrap="none" rtlCol="0" anchor="ctr">
+            <a:noAutofit/>
+          </a:bodyPr>
+          <a:lstStyle/>
+          <a:p>
+            <a:pPr algn="ctr"/>
+            <a:r>
+              <a:rPr lang="en-GB" dirty="0"/>
+              <a:t>2</a:t>
+            </a:r>
+          </a:p>
+        </p:txBody>
+      </p:sp>
+      <p:sp>
+        <p:nvSpPr>
+          <p:cNvPr id="8" name="Oval 7">
+            <a:extLst>
+              <a:ext uri="{FF2B5EF4-FFF2-40B4-BE49-F238E27FC236}">
+                <a16:creationId xmlns:a16="http://schemas.microsoft.com/office/drawing/2014/main" id="{C048B772-A5E7-94D9-B65E-F85E95EBF134}"/>
+              </a:ext>
+            </a:extLst>
+          </p:cNvPr>
+          <p:cNvSpPr/>
+          <p:nvPr/>
+        </p:nvSpPr>
+        <p:spPr>
+          <a:xfrm>
+            <a:off x="2892552" y="670560"/>
+            <a:ext cx="201168" cy="201168"/>
+          </a:xfrm>
+          <a:prstGeom prst="ellipse">
+            <a:avLst/>
+          </a:prstGeom>
+          <a:solidFill>
+            <a:schemeClr val="tx2">
+              <a:lumMod val="25000"/>
+              <a:lumOff val="75000"/>
+            </a:schemeClr>
+          </a:solidFill>
+        </p:spPr>
+        <p:style>
+          <a:lnRef idx="2">
+            <a:schemeClr val="accent1">
+              <a:shade val="15000"/>
+            </a:schemeClr>
+          </a:lnRef>
+          <a:fillRef idx="1">
+            <a:schemeClr val="accent1"/>
+          </a:fillRef>
+          <a:effectRef idx="0">
+            <a:schemeClr val="accent1"/>
+          </a:effectRef>
+          <a:fontRef idx="minor">
+            <a:schemeClr val="lt1"/>
+          </a:fontRef>
+        </p:style>
+        <p:txBody>
+          <a:bodyPr wrap="none" rtlCol="0" anchor="ctr">
+            <a:noAutofit/>
+          </a:bodyPr>
+          <a:lstStyle/>
+          <a:p>
+            <a:pPr algn="ctr"/>
+            <a:r>
+              <a:rPr lang="en-GB" dirty="0"/>
+              <a:t>7</a:t>
+            </a:r>
+          </a:p>
+        </p:txBody>
+      </p:sp>
+      <p:sp>
+        <p:nvSpPr>
+          <p:cNvPr id="9" name="Oval 8">
+            <a:extLst>
+              <a:ext uri="{FF2B5EF4-FFF2-40B4-BE49-F238E27FC236}">
+                <a16:creationId xmlns:a16="http://schemas.microsoft.com/office/drawing/2014/main" id="{31543809-359F-D835-F9FE-7C763E5FEEE2}"/>
+              </a:ext>
+            </a:extLst>
+          </p:cNvPr>
+          <p:cNvSpPr/>
+          <p:nvPr/>
+        </p:nvSpPr>
+        <p:spPr>
+          <a:xfrm>
+            <a:off x="1603248" y="1798320"/>
+            <a:ext cx="201168" cy="201168"/>
+          </a:xfrm>
+          <a:prstGeom prst="ellipse">
+            <a:avLst/>
+          </a:prstGeom>
+        </p:spPr>
+        <p:style>
+          <a:lnRef idx="2">
+            <a:schemeClr val="accent1">
+              <a:shade val="15000"/>
+            </a:schemeClr>
+          </a:lnRef>
+          <a:fillRef idx="1">
+            <a:schemeClr val="accent1"/>
+          </a:fillRef>
+          <a:effectRef idx="0">
+            <a:schemeClr val="accent1"/>
+          </a:effectRef>
+          <a:fontRef idx="minor">
+            <a:schemeClr val="lt1"/>
+          </a:fontRef>
+        </p:style>
+        <p:txBody>
+          <a:bodyPr wrap="none" rtlCol="0" anchor="ctr">
+            <a:noAutofit/>
+          </a:bodyPr>
+          <a:lstStyle/>
+          <a:p>
+            <a:pPr algn="ctr"/>
+            <a:r>
+              <a:rPr lang="en-GB" dirty="0"/>
+              <a:t>4</a:t>
+            </a:r>
+          </a:p>
+        </p:txBody>
+      </p:sp>
+      <p:sp>
+        <p:nvSpPr>
+          <p:cNvPr id="10" name="Oval 9">
+            <a:extLst>
+              <a:ext uri="{FF2B5EF4-FFF2-40B4-BE49-F238E27FC236}">
+                <a16:creationId xmlns:a16="http://schemas.microsoft.com/office/drawing/2014/main" id="{ACED5508-C10A-074A-B99A-F142F9F5D9AA}"/>
+              </a:ext>
+            </a:extLst>
+          </p:cNvPr>
+          <p:cNvSpPr/>
+          <p:nvPr/>
+        </p:nvSpPr>
+        <p:spPr>
+          <a:xfrm>
+            <a:off x="2886456" y="1258824"/>
+            <a:ext cx="201168" cy="201168"/>
+          </a:xfrm>
+          <a:prstGeom prst="ellipse">
+            <a:avLst/>
+          </a:prstGeom>
+        </p:spPr>
+        <p:style>
+          <a:lnRef idx="2">
+            <a:schemeClr val="accent1">
+              <a:shade val="15000"/>
+            </a:schemeClr>
+          </a:lnRef>
+          <a:fillRef idx="1">
+            <a:schemeClr val="accent1"/>
+          </a:fillRef>
+          <a:effectRef idx="0">
+            <a:schemeClr val="accent1"/>
+          </a:effectRef>
+          <a:fontRef idx="minor">
+            <a:schemeClr val="lt1"/>
+          </a:fontRef>
+        </p:style>
+        <p:txBody>
+          <a:bodyPr wrap="none" rtlCol="0" anchor="ctr">
+            <a:noAutofit/>
+          </a:bodyPr>
+          <a:lstStyle/>
+          <a:p>
+            <a:pPr algn="ctr"/>
+            <a:r>
+              <a:rPr lang="en-GB" dirty="0"/>
+              <a:t>8</a:t>
+            </a:r>
+          </a:p>
+        </p:txBody>
+      </p:sp>
+      <p:sp>
+        <p:nvSpPr>
+          <p:cNvPr id="11" name="Oval 10">
+            <a:extLst>
+              <a:ext uri="{FF2B5EF4-FFF2-40B4-BE49-F238E27FC236}">
+                <a16:creationId xmlns:a16="http://schemas.microsoft.com/office/drawing/2014/main" id="{2D019106-9DC7-9565-D1A1-CABA920D9CBD}"/>
+              </a:ext>
+            </a:extLst>
+          </p:cNvPr>
+          <p:cNvSpPr/>
+          <p:nvPr/>
+        </p:nvSpPr>
+        <p:spPr>
+          <a:xfrm>
+            <a:off x="1483356" y="4151376"/>
+            <a:ext cx="201168" cy="201168"/>
+          </a:xfrm>
+          <a:prstGeom prst="ellipse">
+            <a:avLst/>
+          </a:prstGeom>
+        </p:spPr>
+        <p:style>
+          <a:lnRef idx="2">
+            <a:schemeClr val="accent1">
+              <a:shade val="15000"/>
+            </a:schemeClr>
+          </a:lnRef>
+          <a:fillRef idx="1">
+            <a:schemeClr val="accent1"/>
+          </a:fillRef>
+          <a:effectRef idx="0">
+            <a:schemeClr val="accent1"/>
+          </a:effectRef>
+          <a:fontRef idx="minor">
+            <a:schemeClr val="lt1"/>
+          </a:fontRef>
+        </p:style>
+        <p:txBody>
+          <a:bodyPr wrap="none" rtlCol="0" anchor="ctr">
+            <a:noAutofit/>
+          </a:bodyPr>
+          <a:lstStyle/>
+          <a:p>
+            <a:pPr algn="ctr"/>
+            <a:r>
+              <a:rPr lang="en-GB" sz="1200" dirty="0"/>
+              <a:t>14</a:t>
+            </a:r>
+          </a:p>
+        </p:txBody>
+      </p:sp>
+      <p:sp>
+        <p:nvSpPr>
+          <p:cNvPr id="12" name="Oval 11">
+            <a:extLst>
+              <a:ext uri="{FF2B5EF4-FFF2-40B4-BE49-F238E27FC236}">
+                <a16:creationId xmlns:a16="http://schemas.microsoft.com/office/drawing/2014/main" id="{965E1090-0503-B1BE-ABE9-DCD4FE4F45C2}"/>
+              </a:ext>
+            </a:extLst>
+          </p:cNvPr>
+          <p:cNvSpPr/>
+          <p:nvPr/>
+        </p:nvSpPr>
+        <p:spPr>
+          <a:xfrm>
+            <a:off x="2017776" y="2398776"/>
+            <a:ext cx="201168" cy="201168"/>
+          </a:xfrm>
+          <a:prstGeom prst="ellipse">
+            <a:avLst/>
+          </a:prstGeom>
+        </p:spPr>
+        <p:style>
+          <a:lnRef idx="2">
+            <a:schemeClr val="accent1">
+              <a:shade val="15000"/>
+            </a:schemeClr>
+          </a:lnRef>
+          <a:fillRef idx="1">
+            <a:schemeClr val="accent1"/>
+          </a:fillRef>
+          <a:effectRef idx="0">
+            <a:schemeClr val="accent1"/>
+          </a:effectRef>
+          <a:fontRef idx="minor">
+            <a:schemeClr val="lt1"/>
+          </a:fontRef>
+        </p:style>
+        <p:txBody>
+          <a:bodyPr wrap="none" rtlCol="0" anchor="ctr">
+            <a:noAutofit/>
+          </a:bodyPr>
+          <a:lstStyle/>
+          <a:p>
+            <a:pPr algn="ctr"/>
+            <a:r>
+              <a:rPr lang="en-GB" dirty="0"/>
+              <a:t>5</a:t>
+            </a:r>
+          </a:p>
+        </p:txBody>
+      </p:sp>
+      <p:sp>
+        <p:nvSpPr>
+          <p:cNvPr id="13" name="Oval 12">
+            <a:extLst>
+              <a:ext uri="{FF2B5EF4-FFF2-40B4-BE49-F238E27FC236}">
+                <a16:creationId xmlns:a16="http://schemas.microsoft.com/office/drawing/2014/main" id="{764752E2-6584-19AA-991F-A28834E537B0}"/>
+              </a:ext>
+            </a:extLst>
+          </p:cNvPr>
+          <p:cNvSpPr/>
+          <p:nvPr/>
+        </p:nvSpPr>
+        <p:spPr>
+          <a:xfrm>
+            <a:off x="2343912" y="3075432"/>
+            <a:ext cx="201168" cy="201168"/>
+          </a:xfrm>
+          <a:prstGeom prst="ellipse">
+            <a:avLst/>
+          </a:prstGeom>
+        </p:spPr>
+        <p:style>
+          <a:lnRef idx="2">
+            <a:schemeClr val="accent1">
+              <a:shade val="15000"/>
+            </a:schemeClr>
+          </a:lnRef>
+          <a:fillRef idx="1">
+            <a:schemeClr val="accent1"/>
+          </a:fillRef>
+          <a:effectRef idx="0">
+            <a:schemeClr val="accent1"/>
+          </a:effectRef>
+          <a:fontRef idx="minor">
+            <a:schemeClr val="lt1"/>
+          </a:fontRef>
+        </p:style>
+        <p:txBody>
+          <a:bodyPr wrap="none" rtlCol="0" anchor="ctr">
+            <a:noAutofit/>
+          </a:bodyPr>
+          <a:lstStyle/>
+          <a:p>
+            <a:pPr algn="ctr"/>
+            <a:r>
+              <a:rPr lang="en-GB" sz="1200" dirty="0"/>
+              <a:t>11</a:t>
+            </a:r>
+            <a:endParaRPr lang="en-GB" dirty="0"/>
+          </a:p>
+        </p:txBody>
+      </p:sp>
+      <p:sp>
+        <p:nvSpPr>
+          <p:cNvPr id="14" name="Oval 13">
+            <a:extLst>
+              <a:ext uri="{FF2B5EF4-FFF2-40B4-BE49-F238E27FC236}">
+                <a16:creationId xmlns:a16="http://schemas.microsoft.com/office/drawing/2014/main" id="{38317A33-490B-A5FB-7E4F-C22DBFEFE6B0}"/>
+              </a:ext>
+            </a:extLst>
+          </p:cNvPr>
+          <p:cNvSpPr/>
+          <p:nvPr/>
+        </p:nvSpPr>
+        <p:spPr>
+          <a:xfrm>
+            <a:off x="1913124" y="3803904"/>
+            <a:ext cx="201168" cy="201168"/>
+          </a:xfrm>
+          <a:prstGeom prst="ellipse">
+            <a:avLst/>
+          </a:prstGeom>
+        </p:spPr>
+        <p:style>
+          <a:lnRef idx="2">
+            <a:schemeClr val="accent1">
+              <a:shade val="15000"/>
+            </a:schemeClr>
+          </a:lnRef>
+          <a:fillRef idx="1">
+            <a:schemeClr val="accent1"/>
+          </a:fillRef>
+          <a:effectRef idx="0">
+            <a:schemeClr val="accent1"/>
+          </a:effectRef>
+          <a:fontRef idx="minor">
+            <a:schemeClr val="lt1"/>
+          </a:fontRef>
+        </p:style>
+        <p:txBody>
+          <a:bodyPr wrap="none" rtlCol="0" anchor="ctr">
+            <a:noAutofit/>
+          </a:bodyPr>
+          <a:lstStyle/>
+          <a:p>
+            <a:pPr algn="ctr"/>
+            <a:r>
+              <a:rPr lang="en-GB" sz="1200" dirty="0"/>
+              <a:t>13</a:t>
+            </a:r>
+          </a:p>
+        </p:txBody>
+      </p:sp>
+      <p:sp>
+        <p:nvSpPr>
+          <p:cNvPr id="15" name="Oval 14">
+            <a:extLst>
+              <a:ext uri="{FF2B5EF4-FFF2-40B4-BE49-F238E27FC236}">
+                <a16:creationId xmlns:a16="http://schemas.microsoft.com/office/drawing/2014/main" id="{C196A180-E0A3-3651-9CAA-1DABB76383E4}"/>
+              </a:ext>
+            </a:extLst>
+          </p:cNvPr>
+          <p:cNvSpPr/>
+          <p:nvPr/>
+        </p:nvSpPr>
+        <p:spPr>
+          <a:xfrm>
+            <a:off x="3371088" y="3154680"/>
+            <a:ext cx="201168" cy="201168"/>
+          </a:xfrm>
+          <a:prstGeom prst="ellipse">
+            <a:avLst/>
+          </a:prstGeom>
+        </p:spPr>
+        <p:style>
+          <a:lnRef idx="2">
+            <a:schemeClr val="accent1">
+              <a:shade val="15000"/>
+            </a:schemeClr>
+          </a:lnRef>
+          <a:fillRef idx="1">
+            <a:schemeClr val="accent1"/>
+          </a:fillRef>
+          <a:effectRef idx="0">
+            <a:schemeClr val="accent1"/>
+          </a:effectRef>
+          <a:fontRef idx="minor">
+            <a:schemeClr val="lt1"/>
+          </a:fontRef>
+        </p:style>
+        <p:txBody>
+          <a:bodyPr wrap="none" rtlCol="0" anchor="ctr">
+            <a:noAutofit/>
+          </a:bodyPr>
+          <a:lstStyle/>
+          <a:p>
+            <a:pPr algn="ctr"/>
+            <a:r>
+              <a:rPr lang="en-GB" sz="1200" dirty="0"/>
+              <a:t>12</a:t>
+            </a:r>
+          </a:p>
+        </p:txBody>
+      </p:sp>
+      <p:sp>
+        <p:nvSpPr>
+          <p:cNvPr id="16" name="Oval 15">
+            <a:extLst>
+              <a:ext uri="{FF2B5EF4-FFF2-40B4-BE49-F238E27FC236}">
+                <a16:creationId xmlns:a16="http://schemas.microsoft.com/office/drawing/2014/main" id="{90A521DB-BD63-509F-BD62-C28250AC717E}"/>
+              </a:ext>
+            </a:extLst>
+          </p:cNvPr>
+          <p:cNvSpPr/>
+          <p:nvPr/>
+        </p:nvSpPr>
+        <p:spPr>
+          <a:xfrm>
+            <a:off x="1945632" y="4712208"/>
+            <a:ext cx="201168" cy="201168"/>
+          </a:xfrm>
+          <a:prstGeom prst="ellipse">
+            <a:avLst/>
+          </a:prstGeom>
+        </p:spPr>
+        <p:style>
+          <a:lnRef idx="2">
+            <a:schemeClr val="accent1">
+              <a:shade val="15000"/>
+            </a:schemeClr>
+          </a:lnRef>
+          <a:fillRef idx="1">
+            <a:schemeClr val="accent1"/>
+          </a:fillRef>
+          <a:effectRef idx="0">
+            <a:schemeClr val="accent1"/>
+          </a:effectRef>
+          <a:fontRef idx="minor">
+            <a:schemeClr val="lt1"/>
+          </a:fontRef>
+        </p:style>
+        <p:txBody>
+          <a:bodyPr wrap="none" rtlCol="0" anchor="ctr">
+            <a:noAutofit/>
+          </a:bodyPr>
+          <a:lstStyle/>
+          <a:p>
+            <a:pPr algn="ctr"/>
+            <a:r>
+              <a:rPr lang="en-GB" sz="1200" dirty="0"/>
+              <a:t>15</a:t>
+            </a:r>
+          </a:p>
+        </p:txBody>
+      </p:sp>
+      <p:sp>
+        <p:nvSpPr>
+          <p:cNvPr id="17" name="Oval 16">
+            <a:extLst>
+              <a:ext uri="{FF2B5EF4-FFF2-40B4-BE49-F238E27FC236}">
+                <a16:creationId xmlns:a16="http://schemas.microsoft.com/office/drawing/2014/main" id="{F7418CE5-D41C-3B4A-3792-F07D783B2816}"/>
+              </a:ext>
+            </a:extLst>
+          </p:cNvPr>
+          <p:cNvSpPr/>
+          <p:nvPr/>
+        </p:nvSpPr>
+        <p:spPr>
+          <a:xfrm>
+            <a:off x="3388356" y="3602736"/>
+            <a:ext cx="201168" cy="201168"/>
+          </a:xfrm>
+          <a:prstGeom prst="ellipse">
+            <a:avLst/>
+          </a:prstGeom>
+        </p:spPr>
+        <p:style>
+          <a:lnRef idx="2">
+            <a:schemeClr val="accent1">
+              <a:shade val="15000"/>
+            </a:schemeClr>
+          </a:lnRef>
+          <a:fillRef idx="1">
+            <a:schemeClr val="accent1"/>
+          </a:fillRef>
+          <a:effectRef idx="0">
+            <a:schemeClr val="accent1"/>
+          </a:effectRef>
+          <a:fontRef idx="minor">
+            <a:schemeClr val="lt1"/>
+          </a:fontRef>
+        </p:style>
+        <p:txBody>
+          <a:bodyPr wrap="none" rtlCol="0" anchor="ctr">
+            <a:noAutofit/>
+          </a:bodyPr>
+          <a:lstStyle/>
+          <a:p>
+            <a:pPr algn="ctr"/>
+            <a:r>
+              <a:rPr lang="en-GB" sz="1200" dirty="0"/>
+              <a:t>17</a:t>
+            </a:r>
+          </a:p>
+        </p:txBody>
+      </p:sp>
+      <p:sp>
+        <p:nvSpPr>
+          <p:cNvPr id="18" name="Oval 17">
+            <a:extLst>
+              <a:ext uri="{FF2B5EF4-FFF2-40B4-BE49-F238E27FC236}">
+                <a16:creationId xmlns:a16="http://schemas.microsoft.com/office/drawing/2014/main" id="{87942344-2195-FEAC-3EDD-C48563854A51}"/>
+              </a:ext>
+            </a:extLst>
+          </p:cNvPr>
+          <p:cNvSpPr/>
+          <p:nvPr/>
+        </p:nvSpPr>
+        <p:spPr>
+          <a:xfrm>
+            <a:off x="2901696" y="2609088"/>
+            <a:ext cx="201168" cy="201168"/>
+          </a:xfrm>
+          <a:prstGeom prst="ellipse">
+            <a:avLst/>
+          </a:prstGeom>
+        </p:spPr>
+        <p:style>
+          <a:lnRef idx="2">
+            <a:schemeClr val="accent1">
+              <a:shade val="15000"/>
+            </a:schemeClr>
+          </a:lnRef>
+          <a:fillRef idx="1">
+            <a:schemeClr val="accent1"/>
+          </a:fillRef>
+          <a:effectRef idx="0">
+            <a:schemeClr val="accent1"/>
+          </a:effectRef>
+          <a:fontRef idx="minor">
+            <a:schemeClr val="lt1"/>
+          </a:fontRef>
+        </p:style>
+        <p:txBody>
+          <a:bodyPr wrap="none" rtlCol="0" anchor="ctr">
+            <a:noAutofit/>
+          </a:bodyPr>
+          <a:lstStyle/>
+          <a:p>
+            <a:pPr algn="ctr"/>
+            <a:r>
+              <a:rPr lang="en-GB" sz="1200" dirty="0"/>
+              <a:t>10</a:t>
+            </a:r>
+            <a:endParaRPr lang="en-GB" dirty="0"/>
+          </a:p>
+        </p:txBody>
+      </p:sp>
+      <p:sp>
+        <p:nvSpPr>
+          <p:cNvPr id="19" name="Oval 18">
+            <a:extLst>
+              <a:ext uri="{FF2B5EF4-FFF2-40B4-BE49-F238E27FC236}">
+                <a16:creationId xmlns:a16="http://schemas.microsoft.com/office/drawing/2014/main" id="{1171A8E3-47BD-F7EF-546A-7B4C5F2D364C}"/>
+              </a:ext>
+            </a:extLst>
+          </p:cNvPr>
+          <p:cNvSpPr/>
+          <p:nvPr/>
+        </p:nvSpPr>
+        <p:spPr>
+          <a:xfrm>
+            <a:off x="2886456" y="1950720"/>
+            <a:ext cx="201168" cy="201168"/>
+          </a:xfrm>
+          <a:prstGeom prst="ellipse">
+            <a:avLst/>
+          </a:prstGeom>
+        </p:spPr>
+        <p:style>
+          <a:lnRef idx="2">
+            <a:schemeClr val="accent1">
+              <a:shade val="15000"/>
+            </a:schemeClr>
+          </a:lnRef>
+          <a:fillRef idx="1">
+            <a:schemeClr val="accent1"/>
+          </a:fillRef>
+          <a:effectRef idx="0">
+            <a:schemeClr val="accent1"/>
+          </a:effectRef>
+          <a:fontRef idx="minor">
+            <a:schemeClr val="lt1"/>
+          </a:fontRef>
+        </p:style>
+        <p:txBody>
+          <a:bodyPr wrap="none" rtlCol="0" anchor="ctr">
+            <a:noAutofit/>
+          </a:bodyPr>
+          <a:lstStyle/>
+          <a:p>
+            <a:pPr algn="ctr"/>
+            <a:r>
+              <a:rPr lang="en-GB" dirty="0"/>
+              <a:t>9</a:t>
+            </a:r>
+          </a:p>
+        </p:txBody>
+      </p:sp>
+      <p:sp>
+        <p:nvSpPr>
+          <p:cNvPr id="20" name="Oval 19">
+            <a:extLst>
+              <a:ext uri="{FF2B5EF4-FFF2-40B4-BE49-F238E27FC236}">
+                <a16:creationId xmlns:a16="http://schemas.microsoft.com/office/drawing/2014/main" id="{FF569D1C-85FF-C9D3-5029-266EFA6AD837}"/>
+              </a:ext>
+            </a:extLst>
+          </p:cNvPr>
+          <p:cNvSpPr/>
+          <p:nvPr/>
+        </p:nvSpPr>
+        <p:spPr>
+          <a:xfrm>
+            <a:off x="1345692" y="3361944"/>
+            <a:ext cx="201168" cy="201168"/>
+          </a:xfrm>
+          <a:prstGeom prst="ellipse">
+            <a:avLst/>
+          </a:prstGeom>
+          <a:solidFill>
+            <a:schemeClr val="accent2"/>
+          </a:solidFill>
+        </p:spPr>
+        <p:style>
+          <a:lnRef idx="2">
+            <a:schemeClr val="accent1">
+              <a:shade val="15000"/>
+            </a:schemeClr>
+          </a:lnRef>
+          <a:fillRef idx="1">
+            <a:schemeClr val="accent1"/>
+          </a:fillRef>
+          <a:effectRef idx="0">
+            <a:schemeClr val="accent1"/>
+          </a:effectRef>
+          <a:fontRef idx="minor">
+            <a:schemeClr val="lt1"/>
+          </a:fontRef>
+        </p:style>
+        <p:txBody>
+          <a:bodyPr wrap="none" rtlCol="0" anchor="ctr">
+            <a:noAutofit/>
+          </a:bodyPr>
+          <a:lstStyle/>
+          <a:p>
+            <a:pPr algn="ctr"/>
+            <a:r>
+              <a:rPr lang="en-GB" dirty="0"/>
+              <a:t>6</a:t>
+            </a:r>
+          </a:p>
+        </p:txBody>
+      </p:sp>
+      <p:sp>
+        <p:nvSpPr>
+          <p:cNvPr id="21" name="Oval 20">
+            <a:extLst>
+              <a:ext uri="{FF2B5EF4-FFF2-40B4-BE49-F238E27FC236}">
+                <a16:creationId xmlns:a16="http://schemas.microsoft.com/office/drawing/2014/main" id="{0A63750C-0650-8A64-2047-18D7D43A7495}"/>
+              </a:ext>
+            </a:extLst>
+          </p:cNvPr>
+          <p:cNvSpPr/>
+          <p:nvPr/>
+        </p:nvSpPr>
+        <p:spPr>
+          <a:xfrm>
+            <a:off x="1946652" y="5684520"/>
+            <a:ext cx="201168" cy="201168"/>
+          </a:xfrm>
+          <a:prstGeom prst="ellipse">
+            <a:avLst/>
+          </a:prstGeom>
+          <a:solidFill>
+            <a:schemeClr val="accent2"/>
+          </a:solidFill>
+        </p:spPr>
+        <p:style>
+          <a:lnRef idx="2">
+            <a:schemeClr val="accent1">
+              <a:shade val="15000"/>
+            </a:schemeClr>
+          </a:lnRef>
+          <a:fillRef idx="1">
+            <a:schemeClr val="accent1"/>
+          </a:fillRef>
+          <a:effectRef idx="0">
+            <a:schemeClr val="accent1"/>
+          </a:effectRef>
+          <a:fontRef idx="minor">
+            <a:schemeClr val="lt1"/>
+          </a:fontRef>
+        </p:style>
+        <p:txBody>
+          <a:bodyPr wrap="none" rtlCol="0" anchor="ctr">
+            <a:noAutofit/>
+          </a:bodyPr>
+          <a:lstStyle/>
+          <a:p>
+            <a:pPr algn="ctr"/>
+            <a:r>
+              <a:rPr lang="en-GB" sz="1200" dirty="0"/>
+              <a:t>16</a:t>
+            </a:r>
+          </a:p>
+        </p:txBody>
+      </p:sp>
+      <p:sp>
+        <p:nvSpPr>
+          <p:cNvPr id="22" name="Oval 21">
+            <a:extLst>
+              <a:ext uri="{FF2B5EF4-FFF2-40B4-BE49-F238E27FC236}">
+                <a16:creationId xmlns:a16="http://schemas.microsoft.com/office/drawing/2014/main" id="{43CFE818-34B2-B9E4-B174-7ADCEDFC6EDE}"/>
+              </a:ext>
+            </a:extLst>
+          </p:cNvPr>
+          <p:cNvSpPr/>
+          <p:nvPr/>
+        </p:nvSpPr>
+        <p:spPr>
+          <a:xfrm>
+            <a:off x="3471672" y="5282184"/>
+            <a:ext cx="201168" cy="201168"/>
+          </a:xfrm>
+          <a:prstGeom prst="ellipse">
+            <a:avLst/>
+          </a:prstGeom>
+          <a:solidFill>
+            <a:schemeClr val="accent2"/>
+          </a:solidFill>
+        </p:spPr>
+        <p:style>
+          <a:lnRef idx="2">
+            <a:schemeClr val="accent1">
+              <a:shade val="15000"/>
+            </a:schemeClr>
+          </a:lnRef>
+          <a:fillRef idx="1">
+            <a:schemeClr val="accent1"/>
+          </a:fillRef>
+          <a:effectRef idx="0">
+            <a:schemeClr val="accent1"/>
+          </a:effectRef>
+          <a:fontRef idx="minor">
+            <a:schemeClr val="lt1"/>
+          </a:fontRef>
+        </p:style>
+        <p:txBody>
+          <a:bodyPr wrap="none" rtlCol="0" anchor="ctr">
+            <a:noAutofit/>
+          </a:bodyPr>
+          <a:lstStyle/>
+          <a:p>
+            <a:pPr algn="ctr"/>
+            <a:r>
+              <a:rPr lang="en-GB" sz="1200" dirty="0"/>
+              <a:t>21</a:t>
+            </a:r>
+          </a:p>
+        </p:txBody>
+      </p:sp>
+      <p:cxnSp>
+        <p:nvCxnSpPr>
+          <p:cNvPr id="24" name="Straight Arrow Connector 23">
+            <a:extLst>
+              <a:ext uri="{FF2B5EF4-FFF2-40B4-BE49-F238E27FC236}">
+                <a16:creationId xmlns:a16="http://schemas.microsoft.com/office/drawing/2014/main" id="{5D6516B4-141E-529B-7271-EB25AC0F4AAF}"/>
+              </a:ext>
+            </a:extLst>
+          </p:cNvPr>
+          <p:cNvCxnSpPr>
+            <a:cxnSpLocks/>
+            <a:stCxn id="5" idx="5"/>
+            <a:endCxn id="4" idx="1"/>
+          </p:cNvCxnSpPr>
+          <p:nvPr/>
+        </p:nvCxnSpPr>
+        <p:spPr>
+          <a:xfrm>
+            <a:off x="871224" y="945900"/>
+            <a:ext cx="212844" cy="351528"/>
+          </a:xfrm>
+          <a:prstGeom prst="straightConnector1">
+            <a:avLst/>
+          </a:prstGeom>
+          <a:ln>
+            <a:tailEnd type="triangle"/>
+          </a:ln>
+        </p:spPr>
+        <p:style>
+          <a:lnRef idx="2">
+            <a:schemeClr val="accent1"/>
+          </a:lnRef>
+          <a:fillRef idx="0">
+            <a:schemeClr val="accent1"/>
+          </a:fillRef>
+          <a:effectRef idx="1">
+            <a:schemeClr val="accent1"/>
+          </a:effectRef>
+          <a:fontRef idx="minor">
+            <a:schemeClr val="tx1"/>
+          </a:fontRef>
+        </p:style>
+      </p:cxnSp>
+      <p:cxnSp>
+        <p:nvCxnSpPr>
+          <p:cNvPr id="26" name="Straight Arrow Connector 25">
+            <a:extLst>
+              <a:ext uri="{FF2B5EF4-FFF2-40B4-BE49-F238E27FC236}">
+                <a16:creationId xmlns:a16="http://schemas.microsoft.com/office/drawing/2014/main" id="{B1AC36E6-C05F-5D82-41F1-750C5111A616}"/>
+              </a:ext>
+            </a:extLst>
+          </p:cNvPr>
+          <p:cNvCxnSpPr>
+            <a:stCxn id="7" idx="3"/>
+            <a:endCxn id="4" idx="7"/>
+          </p:cNvCxnSpPr>
+          <p:nvPr/>
+        </p:nvCxnSpPr>
+        <p:spPr>
+          <a:xfrm flipH="1">
+            <a:off x="1226316" y="945900"/>
+            <a:ext cx="179316" cy="351528"/>
+          </a:xfrm>
+          <a:prstGeom prst="straightConnector1">
+            <a:avLst/>
+          </a:prstGeom>
+          <a:ln>
+            <a:tailEnd type="triangle"/>
+          </a:ln>
+        </p:spPr>
+        <p:style>
+          <a:lnRef idx="2">
+            <a:schemeClr val="accent1"/>
+          </a:lnRef>
+          <a:fillRef idx="0">
+            <a:schemeClr val="accent1"/>
+          </a:fillRef>
+          <a:effectRef idx="1">
+            <a:schemeClr val="accent1"/>
+          </a:effectRef>
+          <a:fontRef idx="minor">
+            <a:schemeClr val="tx1"/>
+          </a:fontRef>
+        </p:style>
+      </p:cxnSp>
+      <p:cxnSp>
+        <p:nvCxnSpPr>
+          <p:cNvPr id="31" name="Straight Arrow Connector 30">
+            <a:extLst>
+              <a:ext uri="{FF2B5EF4-FFF2-40B4-BE49-F238E27FC236}">
+                <a16:creationId xmlns:a16="http://schemas.microsoft.com/office/drawing/2014/main" id="{078375A1-105D-4241-1C63-7753740CE45B}"/>
+              </a:ext>
+            </a:extLst>
+          </p:cNvPr>
+          <p:cNvCxnSpPr>
+            <a:stCxn id="4" idx="5"/>
+            <a:endCxn id="9" idx="2"/>
+          </p:cNvCxnSpPr>
+          <p:nvPr/>
+        </p:nvCxnSpPr>
+        <p:spPr>
+          <a:xfrm>
+            <a:off x="1226316" y="1439676"/>
+            <a:ext cx="376932" cy="459228"/>
+          </a:xfrm>
+          <a:prstGeom prst="straightConnector1">
+            <a:avLst/>
+          </a:prstGeom>
+          <a:ln>
+            <a:tailEnd type="triangle"/>
+          </a:ln>
+        </p:spPr>
+        <p:style>
+          <a:lnRef idx="2">
+            <a:schemeClr val="accent1"/>
+          </a:lnRef>
+          <a:fillRef idx="0">
+            <a:schemeClr val="accent1"/>
+          </a:fillRef>
+          <a:effectRef idx="1">
+            <a:schemeClr val="accent1"/>
+          </a:effectRef>
+          <a:fontRef idx="minor">
+            <a:schemeClr val="tx1"/>
+          </a:fontRef>
+        </p:style>
+      </p:cxnSp>
+      <p:cxnSp>
+        <p:nvCxnSpPr>
+          <p:cNvPr id="33" name="Straight Arrow Connector 32">
+            <a:extLst>
+              <a:ext uri="{FF2B5EF4-FFF2-40B4-BE49-F238E27FC236}">
+                <a16:creationId xmlns:a16="http://schemas.microsoft.com/office/drawing/2014/main" id="{D379A54E-5022-6C02-837B-DAE547CBEEBF}"/>
+              </a:ext>
+            </a:extLst>
+          </p:cNvPr>
+          <p:cNvCxnSpPr>
+            <a:stCxn id="9" idx="5"/>
+            <a:endCxn id="12" idx="1"/>
+          </p:cNvCxnSpPr>
+          <p:nvPr/>
+        </p:nvCxnSpPr>
+        <p:spPr>
+          <a:xfrm>
+            <a:off x="1774956" y="1970028"/>
+            <a:ext cx="272280" cy="458208"/>
+          </a:xfrm>
+          <a:prstGeom prst="straightConnector1">
+            <a:avLst/>
+          </a:prstGeom>
+          <a:ln>
+            <a:tailEnd type="triangle"/>
+          </a:ln>
+        </p:spPr>
+        <p:style>
+          <a:lnRef idx="2">
+            <a:schemeClr val="accent1"/>
+          </a:lnRef>
+          <a:fillRef idx="0">
+            <a:schemeClr val="accent1"/>
+          </a:fillRef>
+          <a:effectRef idx="1">
+            <a:schemeClr val="accent1"/>
+          </a:effectRef>
+          <a:fontRef idx="minor">
+            <a:schemeClr val="tx1"/>
+          </a:fontRef>
+        </p:style>
+      </p:cxnSp>
+      <p:cxnSp>
+        <p:nvCxnSpPr>
+          <p:cNvPr id="35" name="Straight Arrow Connector 34">
+            <a:extLst>
+              <a:ext uri="{FF2B5EF4-FFF2-40B4-BE49-F238E27FC236}">
+                <a16:creationId xmlns:a16="http://schemas.microsoft.com/office/drawing/2014/main" id="{6A0B7330-99A9-EE9C-F021-F377261C522F}"/>
+              </a:ext>
+            </a:extLst>
+          </p:cNvPr>
+          <p:cNvCxnSpPr>
+            <a:stCxn id="8" idx="4"/>
+            <a:endCxn id="10" idx="0"/>
+          </p:cNvCxnSpPr>
+          <p:nvPr/>
+        </p:nvCxnSpPr>
+        <p:spPr>
+          <a:xfrm flipH="1">
+            <a:off x="2987040" y="871728"/>
+            <a:ext cx="6096" cy="387096"/>
+          </a:xfrm>
+          <a:prstGeom prst="straightConnector1">
+            <a:avLst/>
+          </a:prstGeom>
+          <a:ln>
+            <a:tailEnd type="triangle"/>
+          </a:ln>
+        </p:spPr>
+        <p:style>
+          <a:lnRef idx="2">
+            <a:schemeClr val="accent1"/>
+          </a:lnRef>
+          <a:fillRef idx="0">
+            <a:schemeClr val="accent1"/>
+          </a:fillRef>
+          <a:effectRef idx="1">
+            <a:schemeClr val="accent1"/>
+          </a:effectRef>
+          <a:fontRef idx="minor">
+            <a:schemeClr val="tx1"/>
+          </a:fontRef>
+        </p:style>
+      </p:cxnSp>
+      <p:cxnSp>
+        <p:nvCxnSpPr>
+          <p:cNvPr id="37" name="Straight Arrow Connector 36">
+            <a:extLst>
+              <a:ext uri="{FF2B5EF4-FFF2-40B4-BE49-F238E27FC236}">
+                <a16:creationId xmlns:a16="http://schemas.microsoft.com/office/drawing/2014/main" id="{B6B28E1B-E111-9B7B-33ED-65BC79D83D8A}"/>
+              </a:ext>
+            </a:extLst>
+          </p:cNvPr>
+          <p:cNvCxnSpPr>
+            <a:stCxn id="10" idx="4"/>
+            <a:endCxn id="19" idx="0"/>
+          </p:cNvCxnSpPr>
+          <p:nvPr/>
+        </p:nvCxnSpPr>
+        <p:spPr>
+          <a:xfrm>
+            <a:off x="2987040" y="1459992"/>
+            <a:ext cx="0" cy="490728"/>
+          </a:xfrm>
+          <a:prstGeom prst="straightConnector1">
+            <a:avLst/>
+          </a:prstGeom>
+          <a:ln>
+            <a:tailEnd type="triangle"/>
+          </a:ln>
+        </p:spPr>
+        <p:style>
+          <a:lnRef idx="2">
+            <a:schemeClr val="accent1"/>
+          </a:lnRef>
+          <a:fillRef idx="0">
+            <a:schemeClr val="accent1"/>
+          </a:fillRef>
+          <a:effectRef idx="1">
+            <a:schemeClr val="accent1"/>
+          </a:effectRef>
+          <a:fontRef idx="minor">
+            <a:schemeClr val="tx1"/>
+          </a:fontRef>
+        </p:style>
+      </p:cxnSp>
+      <p:cxnSp>
+        <p:nvCxnSpPr>
+          <p:cNvPr id="39" name="Straight Arrow Connector 38">
+            <a:extLst>
+              <a:ext uri="{FF2B5EF4-FFF2-40B4-BE49-F238E27FC236}">
+                <a16:creationId xmlns:a16="http://schemas.microsoft.com/office/drawing/2014/main" id="{76FEE239-F00F-682D-63E6-CCD233808BB1}"/>
+              </a:ext>
+            </a:extLst>
+          </p:cNvPr>
+          <p:cNvCxnSpPr>
+            <a:stCxn id="19" idx="4"/>
+            <a:endCxn id="18" idx="0"/>
+          </p:cNvCxnSpPr>
+          <p:nvPr/>
+        </p:nvCxnSpPr>
+        <p:spPr>
+          <a:xfrm>
+            <a:off x="2987040" y="2151888"/>
+            <a:ext cx="15240" cy="457200"/>
+          </a:xfrm>
+          <a:prstGeom prst="straightConnector1">
+            <a:avLst/>
+          </a:prstGeom>
+          <a:ln>
+            <a:tailEnd type="triangle"/>
+          </a:ln>
+        </p:spPr>
+        <p:style>
+          <a:lnRef idx="2">
+            <a:schemeClr val="accent1"/>
+          </a:lnRef>
+          <a:fillRef idx="0">
+            <a:schemeClr val="accent1"/>
+          </a:fillRef>
+          <a:effectRef idx="1">
+            <a:schemeClr val="accent1"/>
+          </a:effectRef>
+          <a:fontRef idx="minor">
+            <a:schemeClr val="tx1"/>
+          </a:fontRef>
+        </p:style>
+      </p:cxnSp>
+      <p:cxnSp>
+        <p:nvCxnSpPr>
+          <p:cNvPr id="50" name="Straight Arrow Connector 49">
+            <a:extLst>
+              <a:ext uri="{FF2B5EF4-FFF2-40B4-BE49-F238E27FC236}">
+                <a16:creationId xmlns:a16="http://schemas.microsoft.com/office/drawing/2014/main" id="{5289BD2D-AC13-C72A-0FFB-41DFF77CFCB2}"/>
+              </a:ext>
+            </a:extLst>
+          </p:cNvPr>
+          <p:cNvCxnSpPr>
+            <a:stCxn id="12" idx="5"/>
+            <a:endCxn id="13" idx="1"/>
+          </p:cNvCxnSpPr>
+          <p:nvPr/>
+        </p:nvCxnSpPr>
+        <p:spPr>
+          <a:xfrm>
+            <a:off x="2189484" y="2570484"/>
+            <a:ext cx="183888" cy="534408"/>
+          </a:xfrm>
+          <a:prstGeom prst="straightConnector1">
+            <a:avLst/>
+          </a:prstGeom>
+          <a:ln>
+            <a:tailEnd type="triangle"/>
+          </a:ln>
+        </p:spPr>
+        <p:style>
+          <a:lnRef idx="2">
+            <a:schemeClr val="accent1"/>
+          </a:lnRef>
+          <a:fillRef idx="0">
+            <a:schemeClr val="accent1"/>
+          </a:fillRef>
+          <a:effectRef idx="1">
+            <a:schemeClr val="accent1"/>
+          </a:effectRef>
+          <a:fontRef idx="minor">
+            <a:schemeClr val="tx1"/>
+          </a:fontRef>
+        </p:style>
+      </p:cxnSp>
+      <p:cxnSp>
+        <p:nvCxnSpPr>
+          <p:cNvPr id="52" name="Straight Arrow Connector 51">
+            <a:extLst>
+              <a:ext uri="{FF2B5EF4-FFF2-40B4-BE49-F238E27FC236}">
+                <a16:creationId xmlns:a16="http://schemas.microsoft.com/office/drawing/2014/main" id="{F473C54F-1BF6-AF84-62A5-CE4120BEE724}"/>
+              </a:ext>
+            </a:extLst>
+          </p:cNvPr>
+          <p:cNvCxnSpPr>
+            <a:stCxn id="18" idx="4"/>
+            <a:endCxn id="13" idx="7"/>
+          </p:cNvCxnSpPr>
+          <p:nvPr/>
+        </p:nvCxnSpPr>
+        <p:spPr>
+          <a:xfrm flipH="1">
+            <a:off x="2515620" y="2810256"/>
+            <a:ext cx="486660" cy="294636"/>
+          </a:xfrm>
+          <a:prstGeom prst="straightConnector1">
+            <a:avLst/>
+          </a:prstGeom>
+          <a:ln>
+            <a:tailEnd type="triangle"/>
+          </a:ln>
+        </p:spPr>
+        <p:style>
+          <a:lnRef idx="2">
+            <a:schemeClr val="accent1"/>
+          </a:lnRef>
+          <a:fillRef idx="0">
+            <a:schemeClr val="accent1"/>
+          </a:fillRef>
+          <a:effectRef idx="1">
+            <a:schemeClr val="accent1"/>
+          </a:effectRef>
+          <a:fontRef idx="minor">
+            <a:schemeClr val="tx1"/>
+          </a:fontRef>
+        </p:style>
+      </p:cxnSp>
+      <p:cxnSp>
+        <p:nvCxnSpPr>
+          <p:cNvPr id="54" name="Straight Arrow Connector 53">
+            <a:extLst>
+              <a:ext uri="{FF2B5EF4-FFF2-40B4-BE49-F238E27FC236}">
+                <a16:creationId xmlns:a16="http://schemas.microsoft.com/office/drawing/2014/main" id="{24215B8D-513A-F0F8-1567-097CE1F57403}"/>
+              </a:ext>
+            </a:extLst>
+          </p:cNvPr>
+          <p:cNvCxnSpPr>
+            <a:stCxn id="13" idx="4"/>
+            <a:endCxn id="14" idx="0"/>
+          </p:cNvCxnSpPr>
+          <p:nvPr/>
+        </p:nvCxnSpPr>
+        <p:spPr>
+          <a:xfrm flipH="1">
+            <a:off x="2013708" y="3276600"/>
+            <a:ext cx="430788" cy="527304"/>
+          </a:xfrm>
+          <a:prstGeom prst="straightConnector1">
+            <a:avLst/>
+          </a:prstGeom>
+          <a:ln>
+            <a:tailEnd type="triangle"/>
+          </a:ln>
+        </p:spPr>
+        <p:style>
+          <a:lnRef idx="2">
+            <a:schemeClr val="accent1"/>
+          </a:lnRef>
+          <a:fillRef idx="0">
+            <a:schemeClr val="accent1"/>
+          </a:fillRef>
+          <a:effectRef idx="1">
+            <a:schemeClr val="accent1"/>
+          </a:effectRef>
+          <a:fontRef idx="minor">
+            <a:schemeClr val="tx1"/>
+          </a:fontRef>
+        </p:style>
+      </p:cxnSp>
+      <p:cxnSp>
+        <p:nvCxnSpPr>
+          <p:cNvPr id="56" name="Straight Arrow Connector 55">
+            <a:extLst>
+              <a:ext uri="{FF2B5EF4-FFF2-40B4-BE49-F238E27FC236}">
+                <a16:creationId xmlns:a16="http://schemas.microsoft.com/office/drawing/2014/main" id="{83029729-F617-8637-C4DC-94C17140ECD9}"/>
+              </a:ext>
+            </a:extLst>
+          </p:cNvPr>
+          <p:cNvCxnSpPr>
+            <a:cxnSpLocks/>
+            <a:stCxn id="14" idx="4"/>
+            <a:endCxn id="16" idx="0"/>
+          </p:cNvCxnSpPr>
+          <p:nvPr/>
+        </p:nvCxnSpPr>
+        <p:spPr>
+          <a:xfrm>
+            <a:off x="2013708" y="4005072"/>
+            <a:ext cx="32508" cy="707136"/>
+          </a:xfrm>
+          <a:prstGeom prst="straightConnector1">
+            <a:avLst/>
+          </a:prstGeom>
+          <a:ln>
+            <a:tailEnd type="triangle"/>
+          </a:ln>
+        </p:spPr>
+        <p:style>
+          <a:lnRef idx="2">
+            <a:schemeClr val="accent1"/>
+          </a:lnRef>
+          <a:fillRef idx="0">
+            <a:schemeClr val="accent1"/>
+          </a:fillRef>
+          <a:effectRef idx="1">
+            <a:schemeClr val="accent1"/>
+          </a:effectRef>
+          <a:fontRef idx="minor">
+            <a:schemeClr val="tx1"/>
+          </a:fontRef>
+        </p:style>
+      </p:cxnSp>
+      <p:cxnSp>
+        <p:nvCxnSpPr>
+          <p:cNvPr id="60" name="Connector: Curved 59">
+            <a:extLst>
+              <a:ext uri="{FF2B5EF4-FFF2-40B4-BE49-F238E27FC236}">
+                <a16:creationId xmlns:a16="http://schemas.microsoft.com/office/drawing/2014/main" id="{C1FCE857-64E9-DFC8-3831-AB589C7F95E6}"/>
+              </a:ext>
+            </a:extLst>
+          </p:cNvPr>
+          <p:cNvCxnSpPr>
+            <a:stCxn id="14" idx="2"/>
+            <a:endCxn id="11" idx="0"/>
+          </p:cNvCxnSpPr>
+          <p:nvPr/>
+        </p:nvCxnSpPr>
+        <p:spPr>
+          <a:xfrm rot="10800000" flipV="1">
+            <a:off x="1583940" y="3904488"/>
+            <a:ext cx="329184" cy="246888"/>
+          </a:xfrm>
+          <a:prstGeom prst="curvedConnector2">
+            <a:avLst/>
+          </a:prstGeom>
+          <a:ln>
+            <a:tailEnd type="triangle"/>
+          </a:ln>
+        </p:spPr>
+        <p:style>
+          <a:lnRef idx="2">
+            <a:schemeClr val="accent1"/>
+          </a:lnRef>
+          <a:fillRef idx="0">
+            <a:schemeClr val="accent1"/>
+          </a:fillRef>
+          <a:effectRef idx="1">
+            <a:schemeClr val="accent1"/>
+          </a:effectRef>
+          <a:fontRef idx="minor">
+            <a:schemeClr val="tx1"/>
+          </a:fontRef>
+        </p:style>
+      </p:cxnSp>
+      <p:cxnSp>
+        <p:nvCxnSpPr>
+          <p:cNvPr id="62" name="Connector: Curved 61">
+            <a:extLst>
+              <a:ext uri="{FF2B5EF4-FFF2-40B4-BE49-F238E27FC236}">
+                <a16:creationId xmlns:a16="http://schemas.microsoft.com/office/drawing/2014/main" id="{15062FD1-9A62-79E2-E5DD-22F624BE10F1}"/>
+              </a:ext>
+            </a:extLst>
+          </p:cNvPr>
+          <p:cNvCxnSpPr>
+            <a:stCxn id="11" idx="4"/>
+            <a:endCxn id="16" idx="2"/>
+          </p:cNvCxnSpPr>
+          <p:nvPr/>
+        </p:nvCxnSpPr>
+        <p:spPr>
+          <a:xfrm rot="16200000" flipH="1">
+            <a:off x="1534662" y="4401822"/>
+            <a:ext cx="460248" cy="361692"/>
+          </a:xfrm>
+          <a:prstGeom prst="curvedConnector2">
+            <a:avLst/>
+          </a:prstGeom>
+          <a:ln>
+            <a:tailEnd type="triangle"/>
+          </a:ln>
+        </p:spPr>
+        <p:style>
+          <a:lnRef idx="2">
+            <a:schemeClr val="accent1"/>
+          </a:lnRef>
+          <a:fillRef idx="0">
+            <a:schemeClr val="accent1"/>
+          </a:fillRef>
+          <a:effectRef idx="1">
+            <a:schemeClr val="accent1"/>
+          </a:effectRef>
+          <a:fontRef idx="minor">
+            <a:schemeClr val="tx1"/>
+          </a:fontRef>
+        </p:style>
+      </p:cxnSp>
+      <p:cxnSp>
+        <p:nvCxnSpPr>
+          <p:cNvPr id="64" name="Straight Arrow Connector 63">
+            <a:extLst>
+              <a:ext uri="{FF2B5EF4-FFF2-40B4-BE49-F238E27FC236}">
+                <a16:creationId xmlns:a16="http://schemas.microsoft.com/office/drawing/2014/main" id="{A6130945-3B81-98DA-BA83-61757B1B858D}"/>
+              </a:ext>
+            </a:extLst>
+          </p:cNvPr>
+          <p:cNvCxnSpPr>
+            <a:stCxn id="18" idx="5"/>
+            <a:endCxn id="15" idx="1"/>
+          </p:cNvCxnSpPr>
+          <p:nvPr/>
+        </p:nvCxnSpPr>
+        <p:spPr>
+          <a:xfrm>
+            <a:off x="3073404" y="2780796"/>
+            <a:ext cx="327144" cy="403344"/>
+          </a:xfrm>
+          <a:prstGeom prst="straightConnector1">
+            <a:avLst/>
+          </a:prstGeom>
+          <a:ln>
+            <a:tailEnd type="triangle"/>
+          </a:ln>
+        </p:spPr>
+        <p:style>
+          <a:lnRef idx="2">
+            <a:schemeClr val="accent1"/>
+          </a:lnRef>
+          <a:fillRef idx="0">
+            <a:schemeClr val="accent1"/>
+          </a:fillRef>
+          <a:effectRef idx="1">
+            <a:schemeClr val="accent1"/>
+          </a:effectRef>
+          <a:fontRef idx="minor">
+            <a:schemeClr val="tx1"/>
+          </a:fontRef>
+        </p:style>
+      </p:cxnSp>
+      <p:cxnSp>
+        <p:nvCxnSpPr>
+          <p:cNvPr id="66" name="Straight Arrow Connector 65">
+            <a:extLst>
+              <a:ext uri="{FF2B5EF4-FFF2-40B4-BE49-F238E27FC236}">
+                <a16:creationId xmlns:a16="http://schemas.microsoft.com/office/drawing/2014/main" id="{827968BE-5BCC-2760-42F4-330EF9261523}"/>
+              </a:ext>
+            </a:extLst>
+          </p:cNvPr>
+          <p:cNvCxnSpPr>
+            <a:cxnSpLocks/>
+            <a:stCxn id="15" idx="4"/>
+            <a:endCxn id="17" idx="0"/>
+          </p:cNvCxnSpPr>
+          <p:nvPr/>
+        </p:nvCxnSpPr>
+        <p:spPr>
+          <a:xfrm>
+            <a:off x="3471672" y="3355848"/>
+            <a:ext cx="17268" cy="246888"/>
+          </a:xfrm>
+          <a:prstGeom prst="straightConnector1">
+            <a:avLst/>
+          </a:prstGeom>
+          <a:ln>
+            <a:tailEnd type="triangle"/>
+          </a:ln>
+        </p:spPr>
+        <p:style>
+          <a:lnRef idx="2">
+            <a:schemeClr val="accent1"/>
+          </a:lnRef>
+          <a:fillRef idx="0">
+            <a:schemeClr val="accent1"/>
+          </a:fillRef>
+          <a:effectRef idx="1">
+            <a:schemeClr val="accent1"/>
+          </a:effectRef>
+          <a:fontRef idx="minor">
+            <a:schemeClr val="tx1"/>
+          </a:fontRef>
+        </p:style>
+      </p:cxnSp>
+      <p:sp>
+        <p:nvSpPr>
+          <p:cNvPr id="69" name="Oval 68">
+            <a:extLst>
+              <a:ext uri="{FF2B5EF4-FFF2-40B4-BE49-F238E27FC236}">
+                <a16:creationId xmlns:a16="http://schemas.microsoft.com/office/drawing/2014/main" id="{C66A32A4-49AE-7D6E-4FC9-B22C39059580}"/>
+              </a:ext>
+            </a:extLst>
+          </p:cNvPr>
+          <p:cNvSpPr/>
+          <p:nvPr/>
+        </p:nvSpPr>
+        <p:spPr>
+          <a:xfrm>
+            <a:off x="3417828" y="4599430"/>
+            <a:ext cx="201168" cy="201168"/>
+          </a:xfrm>
+          <a:prstGeom prst="ellipse">
+            <a:avLst/>
+          </a:prstGeom>
+        </p:spPr>
+        <p:style>
+          <a:lnRef idx="2">
+            <a:schemeClr val="accent1">
+              <a:shade val="15000"/>
+            </a:schemeClr>
+          </a:lnRef>
+          <a:fillRef idx="1">
+            <a:schemeClr val="accent1"/>
+          </a:fillRef>
+          <a:effectRef idx="0">
+            <a:schemeClr val="accent1"/>
+          </a:effectRef>
+          <a:fontRef idx="minor">
+            <a:schemeClr val="lt1"/>
+          </a:fontRef>
+        </p:style>
+        <p:txBody>
+          <a:bodyPr wrap="none" rtlCol="0" anchor="ctr">
+            <a:noAutofit/>
+          </a:bodyPr>
+          <a:lstStyle/>
+          <a:p>
+            <a:pPr algn="ctr"/>
+            <a:r>
+              <a:rPr lang="en-GB" sz="1200" dirty="0"/>
+              <a:t>20</a:t>
+            </a:r>
+          </a:p>
+        </p:txBody>
+      </p:sp>
+      <p:cxnSp>
+        <p:nvCxnSpPr>
+          <p:cNvPr id="70" name="Straight Arrow Connector 69">
+            <a:extLst>
+              <a:ext uri="{FF2B5EF4-FFF2-40B4-BE49-F238E27FC236}">
+                <a16:creationId xmlns:a16="http://schemas.microsoft.com/office/drawing/2014/main" id="{FFD67671-FA32-4A12-952D-162BD3011B97}"/>
+              </a:ext>
+            </a:extLst>
+          </p:cNvPr>
+          <p:cNvCxnSpPr>
+            <a:cxnSpLocks/>
+            <a:stCxn id="71" idx="4"/>
+            <a:endCxn id="69" idx="0"/>
+          </p:cNvCxnSpPr>
+          <p:nvPr/>
+        </p:nvCxnSpPr>
+        <p:spPr>
+          <a:xfrm>
+            <a:off x="3498600" y="4302251"/>
+            <a:ext cx="19812" cy="297179"/>
+          </a:xfrm>
+          <a:prstGeom prst="straightConnector1">
+            <a:avLst/>
+          </a:prstGeom>
+          <a:ln>
+            <a:tailEnd type="triangle"/>
+          </a:ln>
+        </p:spPr>
+        <p:style>
+          <a:lnRef idx="2">
+            <a:schemeClr val="accent1"/>
+          </a:lnRef>
+          <a:fillRef idx="0">
+            <a:schemeClr val="accent1"/>
+          </a:fillRef>
+          <a:effectRef idx="1">
+            <a:schemeClr val="accent1"/>
+          </a:effectRef>
+          <a:fontRef idx="minor">
+            <a:schemeClr val="tx1"/>
+          </a:fontRef>
+        </p:style>
+      </p:cxnSp>
+      <p:sp>
+        <p:nvSpPr>
+          <p:cNvPr id="71" name="Oval 70">
+            <a:extLst>
+              <a:ext uri="{FF2B5EF4-FFF2-40B4-BE49-F238E27FC236}">
+                <a16:creationId xmlns:a16="http://schemas.microsoft.com/office/drawing/2014/main" id="{6DDA86E1-A33E-BF06-E496-38E4731D7611}"/>
+              </a:ext>
+            </a:extLst>
+          </p:cNvPr>
+          <p:cNvSpPr/>
+          <p:nvPr/>
+        </p:nvSpPr>
+        <p:spPr>
+          <a:xfrm>
+            <a:off x="3398016" y="4101083"/>
+            <a:ext cx="201168" cy="201168"/>
+          </a:xfrm>
+          <a:prstGeom prst="ellipse">
+            <a:avLst/>
+          </a:prstGeom>
+        </p:spPr>
+        <p:style>
+          <a:lnRef idx="2">
+            <a:schemeClr val="accent1">
+              <a:shade val="15000"/>
+            </a:schemeClr>
+          </a:lnRef>
+          <a:fillRef idx="1">
+            <a:schemeClr val="accent1"/>
+          </a:fillRef>
+          <a:effectRef idx="0">
+            <a:schemeClr val="accent1"/>
+          </a:effectRef>
+          <a:fontRef idx="minor">
+            <a:schemeClr val="lt1"/>
+          </a:fontRef>
+        </p:style>
+        <p:txBody>
+          <a:bodyPr wrap="none" rtlCol="0" anchor="ctr">
+            <a:noAutofit/>
+          </a:bodyPr>
+          <a:lstStyle/>
+          <a:p>
+            <a:pPr algn="ctr"/>
+            <a:r>
+              <a:rPr lang="en-GB" sz="1200" dirty="0"/>
+              <a:t>19</a:t>
+            </a:r>
+          </a:p>
+        </p:txBody>
+      </p:sp>
+      <p:cxnSp>
+        <p:nvCxnSpPr>
+          <p:cNvPr id="72" name="Straight Arrow Connector 71">
+            <a:extLst>
+              <a:ext uri="{FF2B5EF4-FFF2-40B4-BE49-F238E27FC236}">
+                <a16:creationId xmlns:a16="http://schemas.microsoft.com/office/drawing/2014/main" id="{C102C4C3-0054-FE23-BEE3-B89D0E4E7629}"/>
+              </a:ext>
+            </a:extLst>
+          </p:cNvPr>
+          <p:cNvCxnSpPr>
+            <a:cxnSpLocks/>
+            <a:stCxn id="17" idx="4"/>
+            <a:endCxn id="71" idx="0"/>
+          </p:cNvCxnSpPr>
+          <p:nvPr/>
+        </p:nvCxnSpPr>
+        <p:spPr>
+          <a:xfrm>
+            <a:off x="3488940" y="3803904"/>
+            <a:ext cx="9660" cy="297179"/>
+          </a:xfrm>
+          <a:prstGeom prst="straightConnector1">
+            <a:avLst/>
+          </a:prstGeom>
+          <a:ln>
+            <a:tailEnd type="triangle"/>
+          </a:ln>
+        </p:spPr>
+        <p:style>
+          <a:lnRef idx="2">
+            <a:schemeClr val="accent1"/>
+          </a:lnRef>
+          <a:fillRef idx="0">
+            <a:schemeClr val="accent1"/>
+          </a:fillRef>
+          <a:effectRef idx="1">
+            <a:schemeClr val="accent1"/>
+          </a:effectRef>
+          <a:fontRef idx="minor">
+            <a:schemeClr val="tx1"/>
+          </a:fontRef>
+        </p:style>
+      </p:cxnSp>
+      <p:cxnSp>
+        <p:nvCxnSpPr>
+          <p:cNvPr id="77" name="Straight Arrow Connector 76">
+            <a:extLst>
+              <a:ext uri="{FF2B5EF4-FFF2-40B4-BE49-F238E27FC236}">
+                <a16:creationId xmlns:a16="http://schemas.microsoft.com/office/drawing/2014/main" id="{DFA5B170-8FC1-7C78-146A-8ABD7A754C3D}"/>
+              </a:ext>
+            </a:extLst>
+          </p:cNvPr>
+          <p:cNvCxnSpPr>
+            <a:stCxn id="69" idx="4"/>
+            <a:endCxn id="22" idx="0"/>
+          </p:cNvCxnSpPr>
+          <p:nvPr/>
+        </p:nvCxnSpPr>
+        <p:spPr>
+          <a:xfrm>
+            <a:off x="3518412" y="4800598"/>
+            <a:ext cx="53844" cy="481586"/>
+          </a:xfrm>
+          <a:prstGeom prst="straightConnector1">
+            <a:avLst/>
+          </a:prstGeom>
+          <a:ln>
+            <a:tailEnd type="triangle"/>
+          </a:ln>
+        </p:spPr>
+        <p:style>
+          <a:lnRef idx="2">
+            <a:schemeClr val="accent1"/>
+          </a:lnRef>
+          <a:fillRef idx="0">
+            <a:schemeClr val="accent1"/>
+          </a:fillRef>
+          <a:effectRef idx="1">
+            <a:schemeClr val="accent1"/>
+          </a:effectRef>
+          <a:fontRef idx="minor">
+            <a:schemeClr val="tx1"/>
+          </a:fontRef>
+        </p:style>
+      </p:cxnSp>
+      <p:cxnSp>
+        <p:nvCxnSpPr>
+          <p:cNvPr id="79" name="Straight Arrow Connector 78">
+            <a:extLst>
+              <a:ext uri="{FF2B5EF4-FFF2-40B4-BE49-F238E27FC236}">
+                <a16:creationId xmlns:a16="http://schemas.microsoft.com/office/drawing/2014/main" id="{C9FF7B5A-D233-DCB4-F5B7-7C4454720493}"/>
+              </a:ext>
+            </a:extLst>
+          </p:cNvPr>
+          <p:cNvCxnSpPr>
+            <a:stCxn id="16" idx="4"/>
+            <a:endCxn id="21" idx="0"/>
+          </p:cNvCxnSpPr>
+          <p:nvPr/>
+        </p:nvCxnSpPr>
+        <p:spPr>
+          <a:xfrm>
+            <a:off x="2046216" y="4913376"/>
+            <a:ext cx="1020" cy="771144"/>
+          </a:xfrm>
+          <a:prstGeom prst="straightConnector1">
+            <a:avLst/>
+          </a:prstGeom>
+          <a:ln>
+            <a:tailEnd type="triangle"/>
+          </a:ln>
+        </p:spPr>
+        <p:style>
+          <a:lnRef idx="2">
+            <a:schemeClr val="accent1"/>
+          </a:lnRef>
+          <a:fillRef idx="0">
+            <a:schemeClr val="accent1"/>
+          </a:fillRef>
+          <a:effectRef idx="1">
+            <a:schemeClr val="accent1"/>
+          </a:effectRef>
+          <a:fontRef idx="minor">
+            <a:schemeClr val="tx1"/>
+          </a:fontRef>
+        </p:style>
+      </p:cxnSp>
+      <p:cxnSp>
+        <p:nvCxnSpPr>
+          <p:cNvPr id="82" name="Straight Arrow Connector 81">
+            <a:extLst>
+              <a:ext uri="{FF2B5EF4-FFF2-40B4-BE49-F238E27FC236}">
+                <a16:creationId xmlns:a16="http://schemas.microsoft.com/office/drawing/2014/main" id="{1170EDA7-436E-99AD-15A2-BA731D4424BD}"/>
+              </a:ext>
+            </a:extLst>
+          </p:cNvPr>
+          <p:cNvCxnSpPr>
+            <a:stCxn id="12" idx="3"/>
+            <a:endCxn id="20" idx="0"/>
+          </p:cNvCxnSpPr>
+          <p:nvPr/>
+        </p:nvCxnSpPr>
+        <p:spPr>
+          <a:xfrm flipH="1">
+            <a:off x="1446276" y="2570484"/>
+            <a:ext cx="600960" cy="791460"/>
+          </a:xfrm>
+          <a:prstGeom prst="straightConnector1">
+            <a:avLst/>
+          </a:prstGeom>
+          <a:ln>
+            <a:tailEnd type="triangle"/>
+          </a:ln>
+        </p:spPr>
+        <p:style>
+          <a:lnRef idx="2">
+            <a:schemeClr val="accent1"/>
+          </a:lnRef>
+          <a:fillRef idx="0">
+            <a:schemeClr val="accent1"/>
+          </a:fillRef>
+          <a:effectRef idx="1">
+            <a:schemeClr val="accent1"/>
+          </a:effectRef>
+          <a:fontRef idx="minor">
+            <a:schemeClr val="tx1"/>
+          </a:fontRef>
+        </p:style>
+      </p:cxnSp>
+      <p:cxnSp>
+        <p:nvCxnSpPr>
+          <p:cNvPr id="85" name="Straight Arrow Connector 84">
+            <a:extLst>
+              <a:ext uri="{FF2B5EF4-FFF2-40B4-BE49-F238E27FC236}">
+                <a16:creationId xmlns:a16="http://schemas.microsoft.com/office/drawing/2014/main" id="{95B5CCAE-CA25-0AF1-B0FD-B759E8FA3ABF}"/>
+              </a:ext>
+            </a:extLst>
+          </p:cNvPr>
+          <p:cNvCxnSpPr>
+            <a:stCxn id="17" idx="5"/>
+            <a:endCxn id="6" idx="0"/>
+          </p:cNvCxnSpPr>
+          <p:nvPr/>
+        </p:nvCxnSpPr>
+        <p:spPr>
+          <a:xfrm>
+            <a:off x="3560064" y="3774444"/>
+            <a:ext cx="591312" cy="226055"/>
+          </a:xfrm>
+          <a:prstGeom prst="straightConnector1">
+            <a:avLst/>
+          </a:prstGeom>
+          <a:ln>
+            <a:tailEnd type="triangle"/>
+          </a:ln>
+        </p:spPr>
+        <p:style>
+          <a:lnRef idx="2">
+            <a:schemeClr val="accent1"/>
+          </a:lnRef>
+          <a:fillRef idx="0">
+            <a:schemeClr val="accent1"/>
+          </a:fillRef>
+          <a:effectRef idx="1">
+            <a:schemeClr val="accent1"/>
+          </a:effectRef>
+          <a:fontRef idx="minor">
+            <a:schemeClr val="tx1"/>
+          </a:fontRef>
+        </p:style>
+      </p:cxnSp>
+      <p:cxnSp>
+        <p:nvCxnSpPr>
+          <p:cNvPr id="88" name="Straight Arrow Connector 87">
+            <a:extLst>
+              <a:ext uri="{FF2B5EF4-FFF2-40B4-BE49-F238E27FC236}">
+                <a16:creationId xmlns:a16="http://schemas.microsoft.com/office/drawing/2014/main" id="{207D1301-9B14-8801-1A98-24FAD1E2F151}"/>
+              </a:ext>
+            </a:extLst>
+          </p:cNvPr>
+          <p:cNvCxnSpPr>
+            <a:stCxn id="13" idx="3"/>
+            <a:endCxn id="17" idx="1"/>
+          </p:cNvCxnSpPr>
+          <p:nvPr/>
+        </p:nvCxnSpPr>
+        <p:spPr>
+          <a:xfrm>
+            <a:off x="2373372" y="3247140"/>
+            <a:ext cx="1044444" cy="385056"/>
+          </a:xfrm>
+          <a:prstGeom prst="straightConnector1">
+            <a:avLst/>
+          </a:prstGeom>
+          <a:ln>
+            <a:tailEnd type="triangle"/>
+          </a:ln>
+        </p:spPr>
+        <p:style>
+          <a:lnRef idx="2">
+            <a:schemeClr val="accent1"/>
+          </a:lnRef>
+          <a:fillRef idx="0">
+            <a:schemeClr val="accent1"/>
+          </a:fillRef>
+          <a:effectRef idx="1">
+            <a:schemeClr val="accent1"/>
+          </a:effectRef>
+          <a:fontRef idx="minor">
+            <a:schemeClr val="tx1"/>
+          </a:fontRef>
+        </p:style>
+      </p:cxnSp>
+      <p:sp>
+        <p:nvSpPr>
+          <p:cNvPr id="91" name="Oval 90">
+            <a:extLst>
+              <a:ext uri="{FF2B5EF4-FFF2-40B4-BE49-F238E27FC236}">
+                <a16:creationId xmlns:a16="http://schemas.microsoft.com/office/drawing/2014/main" id="{6ECFBCE3-D65C-BD55-E58F-7562D1DA0F17}"/>
+              </a:ext>
+            </a:extLst>
+          </p:cNvPr>
+          <p:cNvSpPr/>
+          <p:nvPr/>
+        </p:nvSpPr>
+        <p:spPr>
+          <a:xfrm>
+            <a:off x="8225083" y="945992"/>
+            <a:ext cx="201168" cy="201168"/>
+          </a:xfrm>
+          <a:prstGeom prst="ellipse">
+            <a:avLst/>
+          </a:prstGeom>
+        </p:spPr>
+        <p:style>
+          <a:lnRef idx="2">
+            <a:schemeClr val="accent1">
+              <a:shade val="15000"/>
+            </a:schemeClr>
+          </a:lnRef>
+          <a:fillRef idx="1">
+            <a:schemeClr val="accent1"/>
+          </a:fillRef>
+          <a:effectRef idx="0">
+            <a:schemeClr val="accent1"/>
+          </a:effectRef>
+          <a:fontRef idx="minor">
+            <a:schemeClr val="lt1"/>
+          </a:fontRef>
+        </p:style>
+        <p:txBody>
+          <a:bodyPr wrap="none" rtlCol="0" anchor="ctr">
+            <a:noAutofit/>
+          </a:bodyPr>
+          <a:lstStyle/>
+          <a:p>
+            <a:pPr algn="ctr"/>
+            <a:r>
+              <a:rPr lang="en-GB" dirty="0"/>
+              <a:t>3</a:t>
+            </a:r>
+          </a:p>
+        </p:txBody>
+      </p:sp>
+      <p:sp>
+        <p:nvSpPr>
+          <p:cNvPr id="92" name="Oval 91">
+            <a:extLst>
+              <a:ext uri="{FF2B5EF4-FFF2-40B4-BE49-F238E27FC236}">
+                <a16:creationId xmlns:a16="http://schemas.microsoft.com/office/drawing/2014/main" id="{F14F866A-242A-28FC-186F-9B832AA18C22}"/>
+              </a:ext>
+            </a:extLst>
+          </p:cNvPr>
+          <p:cNvSpPr/>
+          <p:nvPr/>
+        </p:nvSpPr>
+        <p:spPr>
+          <a:xfrm>
+            <a:off x="8225083" y="368808"/>
+            <a:ext cx="201168" cy="201168"/>
+          </a:xfrm>
+          <a:prstGeom prst="ellipse">
+            <a:avLst/>
+          </a:prstGeom>
+          <a:solidFill>
+            <a:schemeClr val="tx2">
+              <a:lumMod val="25000"/>
+              <a:lumOff val="75000"/>
+            </a:schemeClr>
+          </a:solidFill>
+        </p:spPr>
+        <p:style>
+          <a:lnRef idx="2">
+            <a:schemeClr val="accent1">
+              <a:shade val="15000"/>
+            </a:schemeClr>
+          </a:lnRef>
+          <a:fillRef idx="1">
+            <a:schemeClr val="accent1"/>
+          </a:fillRef>
+          <a:effectRef idx="0">
+            <a:schemeClr val="accent1"/>
+          </a:effectRef>
+          <a:fontRef idx="minor">
+            <a:schemeClr val="lt1"/>
+          </a:fontRef>
+        </p:style>
+        <p:txBody>
+          <a:bodyPr wrap="none" rtlCol="0" anchor="ctr">
+            <a:noAutofit/>
+          </a:bodyPr>
+          <a:lstStyle/>
+          <a:p>
+            <a:pPr algn="ctr"/>
+            <a:r>
+              <a:rPr lang="en-GB" dirty="0"/>
+              <a:t>1</a:t>
+            </a:r>
+          </a:p>
+        </p:txBody>
+      </p:sp>
+      <p:sp>
+        <p:nvSpPr>
+          <p:cNvPr id="93" name="Oval 92">
+            <a:extLst>
+              <a:ext uri="{FF2B5EF4-FFF2-40B4-BE49-F238E27FC236}">
+                <a16:creationId xmlns:a16="http://schemas.microsoft.com/office/drawing/2014/main" id="{9E6217B9-A0F2-CB97-F9DB-E40FDDD0F53C}"/>
+              </a:ext>
+            </a:extLst>
+          </p:cNvPr>
+          <p:cNvSpPr/>
+          <p:nvPr/>
+        </p:nvSpPr>
+        <p:spPr>
+          <a:xfrm>
+            <a:off x="8225083" y="5274872"/>
+            <a:ext cx="201168" cy="201168"/>
+          </a:xfrm>
+          <a:prstGeom prst="ellipse">
+            <a:avLst/>
+          </a:prstGeom>
+          <a:solidFill>
+            <a:schemeClr val="accent2"/>
+          </a:solidFill>
+        </p:spPr>
+        <p:style>
+          <a:lnRef idx="2">
+            <a:schemeClr val="accent1">
+              <a:shade val="15000"/>
+            </a:schemeClr>
+          </a:lnRef>
+          <a:fillRef idx="1">
+            <a:schemeClr val="accent1"/>
+          </a:fillRef>
+          <a:effectRef idx="0">
+            <a:schemeClr val="accent1"/>
+          </a:effectRef>
+          <a:fontRef idx="minor">
+            <a:schemeClr val="lt1"/>
+          </a:fontRef>
+        </p:style>
+        <p:txBody>
+          <a:bodyPr wrap="none" rtlCol="0" anchor="ctr">
+            <a:noAutofit/>
+          </a:bodyPr>
+          <a:lstStyle/>
+          <a:p>
+            <a:pPr algn="ctr"/>
+            <a:r>
+              <a:rPr lang="en-GB" sz="1200" dirty="0"/>
+              <a:t>18</a:t>
+            </a:r>
+          </a:p>
+        </p:txBody>
+      </p:sp>
+      <p:sp>
+        <p:nvSpPr>
+          <p:cNvPr id="94" name="Oval 93">
+            <a:extLst>
+              <a:ext uri="{FF2B5EF4-FFF2-40B4-BE49-F238E27FC236}">
+                <a16:creationId xmlns:a16="http://schemas.microsoft.com/office/drawing/2014/main" id="{9F60CEEE-5CD1-E2E5-5A17-109EA7CE6B9C}"/>
+              </a:ext>
+            </a:extLst>
+          </p:cNvPr>
+          <p:cNvSpPr/>
+          <p:nvPr/>
+        </p:nvSpPr>
+        <p:spPr>
+          <a:xfrm>
+            <a:off x="8225083" y="657400"/>
+            <a:ext cx="201168" cy="201168"/>
+          </a:xfrm>
+          <a:prstGeom prst="ellipse">
+            <a:avLst/>
+          </a:prstGeom>
+          <a:solidFill>
+            <a:schemeClr val="tx2">
+              <a:lumMod val="25000"/>
+              <a:lumOff val="75000"/>
+            </a:schemeClr>
+          </a:solidFill>
+        </p:spPr>
+        <p:style>
+          <a:lnRef idx="2">
+            <a:schemeClr val="accent1">
+              <a:shade val="15000"/>
+            </a:schemeClr>
+          </a:lnRef>
+          <a:fillRef idx="1">
+            <a:schemeClr val="accent1"/>
+          </a:fillRef>
+          <a:effectRef idx="0">
+            <a:schemeClr val="accent1"/>
+          </a:effectRef>
+          <a:fontRef idx="minor">
+            <a:schemeClr val="lt1"/>
+          </a:fontRef>
+        </p:style>
+        <p:txBody>
+          <a:bodyPr wrap="none" rtlCol="0" anchor="ctr">
+            <a:noAutofit/>
+          </a:bodyPr>
+          <a:lstStyle/>
+          <a:p>
+            <a:pPr algn="ctr"/>
+            <a:r>
+              <a:rPr lang="en-GB" dirty="0"/>
+              <a:t>2</a:t>
+            </a:r>
+          </a:p>
+        </p:txBody>
+      </p:sp>
+      <p:sp>
+        <p:nvSpPr>
+          <p:cNvPr id="95" name="Oval 94">
+            <a:extLst>
+              <a:ext uri="{FF2B5EF4-FFF2-40B4-BE49-F238E27FC236}">
+                <a16:creationId xmlns:a16="http://schemas.microsoft.com/office/drawing/2014/main" id="{3594F63F-1ED6-9A43-1C91-DD491BD6D9E2}"/>
+              </a:ext>
+            </a:extLst>
+          </p:cNvPr>
+          <p:cNvSpPr/>
+          <p:nvPr/>
+        </p:nvSpPr>
+        <p:spPr>
+          <a:xfrm>
+            <a:off x="8225083" y="2100360"/>
+            <a:ext cx="201168" cy="201168"/>
+          </a:xfrm>
+          <a:prstGeom prst="ellipse">
+            <a:avLst/>
+          </a:prstGeom>
+          <a:solidFill>
+            <a:schemeClr val="tx2">
+              <a:lumMod val="25000"/>
+              <a:lumOff val="75000"/>
+            </a:schemeClr>
+          </a:solidFill>
+        </p:spPr>
+        <p:style>
+          <a:lnRef idx="2">
+            <a:schemeClr val="accent1">
+              <a:shade val="15000"/>
+            </a:schemeClr>
+          </a:lnRef>
+          <a:fillRef idx="1">
+            <a:schemeClr val="accent1"/>
+          </a:fillRef>
+          <a:effectRef idx="0">
+            <a:schemeClr val="accent1"/>
+          </a:effectRef>
+          <a:fontRef idx="minor">
+            <a:schemeClr val="lt1"/>
+          </a:fontRef>
+        </p:style>
+        <p:txBody>
+          <a:bodyPr wrap="none" rtlCol="0" anchor="ctr">
+            <a:noAutofit/>
+          </a:bodyPr>
+          <a:lstStyle/>
+          <a:p>
+            <a:pPr algn="ctr"/>
+            <a:r>
+              <a:rPr lang="en-GB" dirty="0"/>
+              <a:t>7</a:t>
+            </a:r>
+          </a:p>
+        </p:txBody>
+      </p:sp>
+      <p:sp>
+        <p:nvSpPr>
+          <p:cNvPr id="96" name="Oval 95">
+            <a:extLst>
+              <a:ext uri="{FF2B5EF4-FFF2-40B4-BE49-F238E27FC236}">
+                <a16:creationId xmlns:a16="http://schemas.microsoft.com/office/drawing/2014/main" id="{C0EBEA66-EA1A-9CC8-EC59-9EA86D77D48D}"/>
+              </a:ext>
+            </a:extLst>
+          </p:cNvPr>
+          <p:cNvSpPr/>
+          <p:nvPr/>
+        </p:nvSpPr>
+        <p:spPr>
+          <a:xfrm>
+            <a:off x="8225083" y="1234584"/>
+            <a:ext cx="201168" cy="201168"/>
+          </a:xfrm>
+          <a:prstGeom prst="ellipse">
+            <a:avLst/>
+          </a:prstGeom>
+        </p:spPr>
+        <p:style>
+          <a:lnRef idx="2">
+            <a:schemeClr val="accent1">
+              <a:shade val="15000"/>
+            </a:schemeClr>
+          </a:lnRef>
+          <a:fillRef idx="1">
+            <a:schemeClr val="accent1"/>
+          </a:fillRef>
+          <a:effectRef idx="0">
+            <a:schemeClr val="accent1"/>
+          </a:effectRef>
+          <a:fontRef idx="minor">
+            <a:schemeClr val="lt1"/>
+          </a:fontRef>
+        </p:style>
+        <p:txBody>
+          <a:bodyPr wrap="none" rtlCol="0" anchor="ctr">
+            <a:noAutofit/>
+          </a:bodyPr>
+          <a:lstStyle/>
+          <a:p>
+            <a:pPr algn="ctr"/>
+            <a:r>
+              <a:rPr lang="en-GB" dirty="0"/>
+              <a:t>4</a:t>
+            </a:r>
+          </a:p>
+        </p:txBody>
+      </p:sp>
+      <p:sp>
+        <p:nvSpPr>
+          <p:cNvPr id="97" name="Oval 96">
+            <a:extLst>
+              <a:ext uri="{FF2B5EF4-FFF2-40B4-BE49-F238E27FC236}">
+                <a16:creationId xmlns:a16="http://schemas.microsoft.com/office/drawing/2014/main" id="{BACC41C7-C024-0853-40E0-E60DF360A5A4}"/>
+              </a:ext>
+            </a:extLst>
+          </p:cNvPr>
+          <p:cNvSpPr/>
+          <p:nvPr/>
+        </p:nvSpPr>
+        <p:spPr>
+          <a:xfrm>
+            <a:off x="8225083" y="2388952"/>
+            <a:ext cx="201168" cy="201168"/>
+          </a:xfrm>
+          <a:prstGeom prst="ellipse">
+            <a:avLst/>
+          </a:prstGeom>
+        </p:spPr>
+        <p:style>
+          <a:lnRef idx="2">
+            <a:schemeClr val="accent1">
+              <a:shade val="15000"/>
+            </a:schemeClr>
+          </a:lnRef>
+          <a:fillRef idx="1">
+            <a:schemeClr val="accent1"/>
+          </a:fillRef>
+          <a:effectRef idx="0">
+            <a:schemeClr val="accent1"/>
+          </a:effectRef>
+          <a:fontRef idx="minor">
+            <a:schemeClr val="lt1"/>
+          </a:fontRef>
+        </p:style>
+        <p:txBody>
+          <a:bodyPr wrap="none" rtlCol="0" anchor="ctr">
+            <a:noAutofit/>
+          </a:bodyPr>
+          <a:lstStyle/>
+          <a:p>
+            <a:pPr algn="ctr"/>
+            <a:r>
+              <a:rPr lang="en-GB" dirty="0"/>
+              <a:t>8</a:t>
+            </a:r>
+          </a:p>
+        </p:txBody>
+      </p:sp>
+      <p:sp>
+        <p:nvSpPr>
+          <p:cNvPr id="98" name="Oval 97">
+            <a:extLst>
+              <a:ext uri="{FF2B5EF4-FFF2-40B4-BE49-F238E27FC236}">
+                <a16:creationId xmlns:a16="http://schemas.microsoft.com/office/drawing/2014/main" id="{E0A5D46C-D6B9-9FAD-ACDA-0DB3129E6F11}"/>
+              </a:ext>
+            </a:extLst>
+          </p:cNvPr>
+          <p:cNvSpPr/>
+          <p:nvPr/>
+        </p:nvSpPr>
+        <p:spPr>
+          <a:xfrm>
+            <a:off x="8225083" y="4120504"/>
+            <a:ext cx="201168" cy="201168"/>
+          </a:xfrm>
+          <a:prstGeom prst="ellipse">
+            <a:avLst/>
+          </a:prstGeom>
+        </p:spPr>
+        <p:style>
+          <a:lnRef idx="2">
+            <a:schemeClr val="accent1">
+              <a:shade val="15000"/>
+            </a:schemeClr>
+          </a:lnRef>
+          <a:fillRef idx="1">
+            <a:schemeClr val="accent1"/>
+          </a:fillRef>
+          <a:effectRef idx="0">
+            <a:schemeClr val="accent1"/>
+          </a:effectRef>
+          <a:fontRef idx="minor">
+            <a:schemeClr val="lt1"/>
+          </a:fontRef>
+        </p:style>
+        <p:txBody>
+          <a:bodyPr wrap="none" rtlCol="0" anchor="ctr">
+            <a:noAutofit/>
+          </a:bodyPr>
+          <a:lstStyle/>
+          <a:p>
+            <a:pPr algn="ctr"/>
+            <a:r>
+              <a:rPr lang="en-GB" sz="1200" dirty="0"/>
+              <a:t>14</a:t>
+            </a:r>
+          </a:p>
+        </p:txBody>
+      </p:sp>
+      <p:sp>
+        <p:nvSpPr>
+          <p:cNvPr id="99" name="Oval 98">
+            <a:extLst>
+              <a:ext uri="{FF2B5EF4-FFF2-40B4-BE49-F238E27FC236}">
+                <a16:creationId xmlns:a16="http://schemas.microsoft.com/office/drawing/2014/main" id="{23147A7B-8B79-A64D-F285-8B79ACA9CA5B}"/>
+              </a:ext>
+            </a:extLst>
+          </p:cNvPr>
+          <p:cNvSpPr/>
+          <p:nvPr/>
+        </p:nvSpPr>
+        <p:spPr>
+          <a:xfrm>
+            <a:off x="8225083" y="1523176"/>
+            <a:ext cx="201168" cy="201168"/>
+          </a:xfrm>
+          <a:prstGeom prst="ellipse">
+            <a:avLst/>
+          </a:prstGeom>
+        </p:spPr>
+        <p:style>
+          <a:lnRef idx="2">
+            <a:schemeClr val="accent1">
+              <a:shade val="15000"/>
+            </a:schemeClr>
+          </a:lnRef>
+          <a:fillRef idx="1">
+            <a:schemeClr val="accent1"/>
+          </a:fillRef>
+          <a:effectRef idx="0">
+            <a:schemeClr val="accent1"/>
+          </a:effectRef>
+          <a:fontRef idx="minor">
+            <a:schemeClr val="lt1"/>
+          </a:fontRef>
+        </p:style>
+        <p:txBody>
+          <a:bodyPr wrap="none" rtlCol="0" anchor="ctr">
+            <a:noAutofit/>
+          </a:bodyPr>
+          <a:lstStyle/>
+          <a:p>
+            <a:pPr algn="ctr"/>
+            <a:r>
+              <a:rPr lang="en-GB" dirty="0"/>
+              <a:t>5</a:t>
+            </a:r>
+          </a:p>
+        </p:txBody>
+      </p:sp>
+      <p:sp>
+        <p:nvSpPr>
+          <p:cNvPr id="100" name="Oval 99">
+            <a:extLst>
+              <a:ext uri="{FF2B5EF4-FFF2-40B4-BE49-F238E27FC236}">
+                <a16:creationId xmlns:a16="http://schemas.microsoft.com/office/drawing/2014/main" id="{B7FC5F4F-12F7-AF6D-CE13-1C28AD3F92B1}"/>
+              </a:ext>
+            </a:extLst>
+          </p:cNvPr>
+          <p:cNvSpPr/>
+          <p:nvPr/>
+        </p:nvSpPr>
+        <p:spPr>
+          <a:xfrm>
+            <a:off x="8225083" y="3254728"/>
+            <a:ext cx="201168" cy="201168"/>
+          </a:xfrm>
+          <a:prstGeom prst="ellipse">
+            <a:avLst/>
+          </a:prstGeom>
+        </p:spPr>
+        <p:style>
+          <a:lnRef idx="2">
+            <a:schemeClr val="accent1">
+              <a:shade val="15000"/>
+            </a:schemeClr>
+          </a:lnRef>
+          <a:fillRef idx="1">
+            <a:schemeClr val="accent1"/>
+          </a:fillRef>
+          <a:effectRef idx="0">
+            <a:schemeClr val="accent1"/>
+          </a:effectRef>
+          <a:fontRef idx="minor">
+            <a:schemeClr val="lt1"/>
+          </a:fontRef>
+        </p:style>
+        <p:txBody>
+          <a:bodyPr wrap="none" rtlCol="0" anchor="ctr">
+            <a:noAutofit/>
+          </a:bodyPr>
+          <a:lstStyle/>
+          <a:p>
+            <a:pPr algn="ctr"/>
+            <a:r>
+              <a:rPr lang="en-GB" sz="1200" dirty="0"/>
+              <a:t>11</a:t>
+            </a:r>
+            <a:endParaRPr lang="en-GB" dirty="0"/>
+          </a:p>
+        </p:txBody>
+      </p:sp>
+      <p:sp>
+        <p:nvSpPr>
+          <p:cNvPr id="101" name="Oval 100">
+            <a:extLst>
+              <a:ext uri="{FF2B5EF4-FFF2-40B4-BE49-F238E27FC236}">
+                <a16:creationId xmlns:a16="http://schemas.microsoft.com/office/drawing/2014/main" id="{C886D87E-74A4-9D47-D08B-71BEB1359F64}"/>
+              </a:ext>
+            </a:extLst>
+          </p:cNvPr>
+          <p:cNvSpPr/>
+          <p:nvPr/>
+        </p:nvSpPr>
+        <p:spPr>
+          <a:xfrm>
+            <a:off x="8225083" y="3831912"/>
+            <a:ext cx="201168" cy="201168"/>
+          </a:xfrm>
+          <a:prstGeom prst="ellipse">
+            <a:avLst/>
+          </a:prstGeom>
+        </p:spPr>
+        <p:style>
+          <a:lnRef idx="2">
+            <a:schemeClr val="accent1">
+              <a:shade val="15000"/>
+            </a:schemeClr>
+          </a:lnRef>
+          <a:fillRef idx="1">
+            <a:schemeClr val="accent1"/>
+          </a:fillRef>
+          <a:effectRef idx="0">
+            <a:schemeClr val="accent1"/>
+          </a:effectRef>
+          <a:fontRef idx="minor">
+            <a:schemeClr val="lt1"/>
+          </a:fontRef>
+        </p:style>
+        <p:txBody>
+          <a:bodyPr wrap="none" rtlCol="0" anchor="ctr">
+            <a:noAutofit/>
+          </a:bodyPr>
+          <a:lstStyle/>
+          <a:p>
+            <a:pPr algn="ctr"/>
+            <a:r>
+              <a:rPr lang="en-GB" sz="1200" dirty="0"/>
+              <a:t>13</a:t>
+            </a:r>
+          </a:p>
+        </p:txBody>
+      </p:sp>
+      <p:sp>
+        <p:nvSpPr>
+          <p:cNvPr id="102" name="Oval 101">
+            <a:extLst>
+              <a:ext uri="{FF2B5EF4-FFF2-40B4-BE49-F238E27FC236}">
+                <a16:creationId xmlns:a16="http://schemas.microsoft.com/office/drawing/2014/main" id="{8C4108FE-E63F-ABF4-6044-FB3C92E57BCD}"/>
+              </a:ext>
+            </a:extLst>
+          </p:cNvPr>
+          <p:cNvSpPr/>
+          <p:nvPr/>
+        </p:nvSpPr>
+        <p:spPr>
+          <a:xfrm>
+            <a:off x="8225083" y="3543320"/>
+            <a:ext cx="201168" cy="201168"/>
+          </a:xfrm>
+          <a:prstGeom prst="ellipse">
+            <a:avLst/>
+          </a:prstGeom>
+        </p:spPr>
+        <p:style>
+          <a:lnRef idx="2">
+            <a:schemeClr val="accent1">
+              <a:shade val="15000"/>
+            </a:schemeClr>
+          </a:lnRef>
+          <a:fillRef idx="1">
+            <a:schemeClr val="accent1"/>
+          </a:fillRef>
+          <a:effectRef idx="0">
+            <a:schemeClr val="accent1"/>
+          </a:effectRef>
+          <a:fontRef idx="minor">
+            <a:schemeClr val="lt1"/>
+          </a:fontRef>
+        </p:style>
+        <p:txBody>
+          <a:bodyPr wrap="none" rtlCol="0" anchor="ctr">
+            <a:noAutofit/>
+          </a:bodyPr>
+          <a:lstStyle/>
+          <a:p>
+            <a:pPr algn="ctr"/>
+            <a:r>
+              <a:rPr lang="en-GB" sz="1200" dirty="0"/>
+              <a:t>12</a:t>
+            </a:r>
+          </a:p>
+        </p:txBody>
+      </p:sp>
+      <p:sp>
+        <p:nvSpPr>
+          <p:cNvPr id="103" name="Oval 102">
+            <a:extLst>
+              <a:ext uri="{FF2B5EF4-FFF2-40B4-BE49-F238E27FC236}">
+                <a16:creationId xmlns:a16="http://schemas.microsoft.com/office/drawing/2014/main" id="{8017BC17-B70D-2526-1B3B-C3DF2B8A1785}"/>
+              </a:ext>
+            </a:extLst>
+          </p:cNvPr>
+          <p:cNvSpPr/>
+          <p:nvPr/>
+        </p:nvSpPr>
+        <p:spPr>
+          <a:xfrm>
+            <a:off x="8225083" y="4409096"/>
+            <a:ext cx="201168" cy="201168"/>
+          </a:xfrm>
+          <a:prstGeom prst="ellipse">
+            <a:avLst/>
+          </a:prstGeom>
+        </p:spPr>
+        <p:style>
+          <a:lnRef idx="2">
+            <a:schemeClr val="accent1">
+              <a:shade val="15000"/>
+            </a:schemeClr>
+          </a:lnRef>
+          <a:fillRef idx="1">
+            <a:schemeClr val="accent1"/>
+          </a:fillRef>
+          <a:effectRef idx="0">
+            <a:schemeClr val="accent1"/>
+          </a:effectRef>
+          <a:fontRef idx="minor">
+            <a:schemeClr val="lt1"/>
+          </a:fontRef>
+        </p:style>
+        <p:txBody>
+          <a:bodyPr wrap="none" rtlCol="0" anchor="ctr">
+            <a:noAutofit/>
+          </a:bodyPr>
+          <a:lstStyle/>
+          <a:p>
+            <a:pPr algn="ctr"/>
+            <a:r>
+              <a:rPr lang="en-GB" sz="1200" dirty="0"/>
+              <a:t>15</a:t>
+            </a:r>
+          </a:p>
+        </p:txBody>
+      </p:sp>
+      <p:sp>
+        <p:nvSpPr>
+          <p:cNvPr id="104" name="Oval 103">
+            <a:extLst>
+              <a:ext uri="{FF2B5EF4-FFF2-40B4-BE49-F238E27FC236}">
+                <a16:creationId xmlns:a16="http://schemas.microsoft.com/office/drawing/2014/main" id="{ECB9AD51-E9AA-73C6-FA4E-A04B148EFA6B}"/>
+              </a:ext>
+            </a:extLst>
+          </p:cNvPr>
+          <p:cNvSpPr/>
+          <p:nvPr/>
+        </p:nvSpPr>
+        <p:spPr>
+          <a:xfrm>
+            <a:off x="8225083" y="4986280"/>
+            <a:ext cx="201168" cy="201168"/>
+          </a:xfrm>
+          <a:prstGeom prst="ellipse">
+            <a:avLst/>
+          </a:prstGeom>
+        </p:spPr>
+        <p:style>
+          <a:lnRef idx="2">
+            <a:schemeClr val="accent1">
+              <a:shade val="15000"/>
+            </a:schemeClr>
+          </a:lnRef>
+          <a:fillRef idx="1">
+            <a:schemeClr val="accent1"/>
+          </a:fillRef>
+          <a:effectRef idx="0">
+            <a:schemeClr val="accent1"/>
+          </a:effectRef>
+          <a:fontRef idx="minor">
+            <a:schemeClr val="lt1"/>
+          </a:fontRef>
+        </p:style>
+        <p:txBody>
+          <a:bodyPr wrap="none" rtlCol="0" anchor="ctr">
+            <a:noAutofit/>
+          </a:bodyPr>
+          <a:lstStyle/>
+          <a:p>
+            <a:pPr algn="ctr"/>
+            <a:r>
+              <a:rPr lang="en-GB" sz="1200" dirty="0"/>
+              <a:t>17</a:t>
+            </a:r>
+          </a:p>
+        </p:txBody>
+      </p:sp>
+      <p:sp>
+        <p:nvSpPr>
+          <p:cNvPr id="105" name="Oval 104">
+            <a:extLst>
+              <a:ext uri="{FF2B5EF4-FFF2-40B4-BE49-F238E27FC236}">
+                <a16:creationId xmlns:a16="http://schemas.microsoft.com/office/drawing/2014/main" id="{157CBBED-C6FE-B5F9-A8AB-4817DB31D39D}"/>
+              </a:ext>
+            </a:extLst>
+          </p:cNvPr>
+          <p:cNvSpPr/>
+          <p:nvPr/>
+        </p:nvSpPr>
+        <p:spPr>
+          <a:xfrm>
+            <a:off x="8225083" y="2966136"/>
+            <a:ext cx="201168" cy="201168"/>
+          </a:xfrm>
+          <a:prstGeom prst="ellipse">
+            <a:avLst/>
+          </a:prstGeom>
+        </p:spPr>
+        <p:style>
+          <a:lnRef idx="2">
+            <a:schemeClr val="accent1">
+              <a:shade val="15000"/>
+            </a:schemeClr>
+          </a:lnRef>
+          <a:fillRef idx="1">
+            <a:schemeClr val="accent1"/>
+          </a:fillRef>
+          <a:effectRef idx="0">
+            <a:schemeClr val="accent1"/>
+          </a:effectRef>
+          <a:fontRef idx="minor">
+            <a:schemeClr val="lt1"/>
+          </a:fontRef>
+        </p:style>
+        <p:txBody>
+          <a:bodyPr wrap="none" rtlCol="0" anchor="ctr">
+            <a:noAutofit/>
+          </a:bodyPr>
+          <a:lstStyle/>
+          <a:p>
+            <a:pPr algn="ctr"/>
+            <a:r>
+              <a:rPr lang="en-GB" sz="1200" dirty="0"/>
+              <a:t>10</a:t>
+            </a:r>
+            <a:endParaRPr lang="en-GB" dirty="0"/>
+          </a:p>
+        </p:txBody>
+      </p:sp>
+      <p:sp>
+        <p:nvSpPr>
+          <p:cNvPr id="106" name="Oval 105">
+            <a:extLst>
+              <a:ext uri="{FF2B5EF4-FFF2-40B4-BE49-F238E27FC236}">
+                <a16:creationId xmlns:a16="http://schemas.microsoft.com/office/drawing/2014/main" id="{F9F349F2-EE8C-F540-4B0B-25A84EB3ECAD}"/>
+              </a:ext>
+            </a:extLst>
+          </p:cNvPr>
+          <p:cNvSpPr/>
+          <p:nvPr/>
+        </p:nvSpPr>
+        <p:spPr>
+          <a:xfrm>
+            <a:off x="8225083" y="2677544"/>
+            <a:ext cx="201168" cy="201168"/>
+          </a:xfrm>
+          <a:prstGeom prst="ellipse">
+            <a:avLst/>
+          </a:prstGeom>
+        </p:spPr>
+        <p:style>
+          <a:lnRef idx="2">
+            <a:schemeClr val="accent1">
+              <a:shade val="15000"/>
+            </a:schemeClr>
+          </a:lnRef>
+          <a:fillRef idx="1">
+            <a:schemeClr val="accent1"/>
+          </a:fillRef>
+          <a:effectRef idx="0">
+            <a:schemeClr val="accent1"/>
+          </a:effectRef>
+          <a:fontRef idx="minor">
+            <a:schemeClr val="lt1"/>
+          </a:fontRef>
+        </p:style>
+        <p:txBody>
+          <a:bodyPr wrap="none" rtlCol="0" anchor="ctr">
+            <a:noAutofit/>
+          </a:bodyPr>
+          <a:lstStyle/>
+          <a:p>
+            <a:pPr algn="ctr"/>
+            <a:r>
+              <a:rPr lang="en-GB" dirty="0"/>
+              <a:t>9</a:t>
+            </a:r>
+          </a:p>
+        </p:txBody>
+      </p:sp>
+      <p:sp>
+        <p:nvSpPr>
+          <p:cNvPr id="107" name="Oval 106">
+            <a:extLst>
+              <a:ext uri="{FF2B5EF4-FFF2-40B4-BE49-F238E27FC236}">
+                <a16:creationId xmlns:a16="http://schemas.microsoft.com/office/drawing/2014/main" id="{1CEF4AEB-32BC-A885-558C-8C551CDB11F2}"/>
+              </a:ext>
+            </a:extLst>
+          </p:cNvPr>
+          <p:cNvSpPr/>
+          <p:nvPr/>
+        </p:nvSpPr>
+        <p:spPr>
+          <a:xfrm>
+            <a:off x="8225083" y="1811768"/>
+            <a:ext cx="201168" cy="201168"/>
+          </a:xfrm>
+          <a:prstGeom prst="ellipse">
+            <a:avLst/>
+          </a:prstGeom>
+          <a:solidFill>
+            <a:schemeClr val="accent2"/>
+          </a:solidFill>
+        </p:spPr>
+        <p:style>
+          <a:lnRef idx="2">
+            <a:schemeClr val="accent1">
+              <a:shade val="15000"/>
+            </a:schemeClr>
+          </a:lnRef>
+          <a:fillRef idx="1">
+            <a:schemeClr val="accent1"/>
+          </a:fillRef>
+          <a:effectRef idx="0">
+            <a:schemeClr val="accent1"/>
+          </a:effectRef>
+          <a:fontRef idx="minor">
+            <a:schemeClr val="lt1"/>
+          </a:fontRef>
+        </p:style>
+        <p:txBody>
+          <a:bodyPr wrap="none" rtlCol="0" anchor="ctr">
+            <a:noAutofit/>
+          </a:bodyPr>
+          <a:lstStyle/>
+          <a:p>
+            <a:pPr algn="ctr"/>
+            <a:r>
+              <a:rPr lang="en-GB" dirty="0"/>
+              <a:t>6</a:t>
+            </a:r>
+          </a:p>
+        </p:txBody>
+      </p:sp>
+      <p:sp>
+        <p:nvSpPr>
+          <p:cNvPr id="108" name="Oval 107">
+            <a:extLst>
+              <a:ext uri="{FF2B5EF4-FFF2-40B4-BE49-F238E27FC236}">
+                <a16:creationId xmlns:a16="http://schemas.microsoft.com/office/drawing/2014/main" id="{6FE00F8A-84FB-4BE0-5667-A85233B2A662}"/>
+              </a:ext>
+            </a:extLst>
+          </p:cNvPr>
+          <p:cNvSpPr/>
+          <p:nvPr/>
+        </p:nvSpPr>
+        <p:spPr>
+          <a:xfrm>
+            <a:off x="8225083" y="4697688"/>
+            <a:ext cx="201168" cy="201168"/>
+          </a:xfrm>
+          <a:prstGeom prst="ellipse">
+            <a:avLst/>
+          </a:prstGeom>
+          <a:solidFill>
+            <a:schemeClr val="accent2"/>
+          </a:solidFill>
+        </p:spPr>
+        <p:style>
+          <a:lnRef idx="2">
+            <a:schemeClr val="accent1">
+              <a:shade val="15000"/>
+            </a:schemeClr>
+          </a:lnRef>
+          <a:fillRef idx="1">
+            <a:schemeClr val="accent1"/>
+          </a:fillRef>
+          <a:effectRef idx="0">
+            <a:schemeClr val="accent1"/>
+          </a:effectRef>
+          <a:fontRef idx="minor">
+            <a:schemeClr val="lt1"/>
+          </a:fontRef>
+        </p:style>
+        <p:txBody>
+          <a:bodyPr wrap="none" rtlCol="0" anchor="ctr">
+            <a:noAutofit/>
+          </a:bodyPr>
+          <a:lstStyle/>
+          <a:p>
+            <a:pPr algn="ctr"/>
+            <a:r>
+              <a:rPr lang="en-GB" sz="1200" dirty="0"/>
+              <a:t>16</a:t>
+            </a:r>
+          </a:p>
+        </p:txBody>
+      </p:sp>
+      <p:sp>
+        <p:nvSpPr>
+          <p:cNvPr id="109" name="Oval 108">
+            <a:extLst>
+              <a:ext uri="{FF2B5EF4-FFF2-40B4-BE49-F238E27FC236}">
+                <a16:creationId xmlns:a16="http://schemas.microsoft.com/office/drawing/2014/main" id="{CA8473CF-F2F1-9CCE-0978-7A80BBCBEF47}"/>
+              </a:ext>
+            </a:extLst>
+          </p:cNvPr>
+          <p:cNvSpPr/>
+          <p:nvPr/>
+        </p:nvSpPr>
+        <p:spPr>
+          <a:xfrm>
+            <a:off x="8225083" y="6140651"/>
+            <a:ext cx="201168" cy="201168"/>
+          </a:xfrm>
+          <a:prstGeom prst="ellipse">
+            <a:avLst/>
+          </a:prstGeom>
+          <a:solidFill>
+            <a:schemeClr val="accent2"/>
+          </a:solidFill>
+        </p:spPr>
+        <p:style>
+          <a:lnRef idx="2">
+            <a:schemeClr val="accent1">
+              <a:shade val="15000"/>
+            </a:schemeClr>
+          </a:lnRef>
+          <a:fillRef idx="1">
+            <a:schemeClr val="accent1"/>
+          </a:fillRef>
+          <a:effectRef idx="0">
+            <a:schemeClr val="accent1"/>
+          </a:effectRef>
+          <a:fontRef idx="minor">
+            <a:schemeClr val="lt1"/>
+          </a:fontRef>
+        </p:style>
+        <p:txBody>
+          <a:bodyPr wrap="none" rtlCol="0" anchor="ctr">
+            <a:noAutofit/>
+          </a:bodyPr>
+          <a:lstStyle/>
+          <a:p>
+            <a:pPr algn="ctr"/>
+            <a:r>
+              <a:rPr lang="en-GB" sz="1200" dirty="0"/>
+              <a:t>21</a:t>
+            </a:r>
+          </a:p>
+        </p:txBody>
+      </p:sp>
+      <p:sp>
+        <p:nvSpPr>
+          <p:cNvPr id="125" name="Oval 124">
+            <a:extLst>
+              <a:ext uri="{FF2B5EF4-FFF2-40B4-BE49-F238E27FC236}">
+                <a16:creationId xmlns:a16="http://schemas.microsoft.com/office/drawing/2014/main" id="{C601081D-F4D8-30D7-B8A6-E9760FEBFEE0}"/>
+              </a:ext>
+            </a:extLst>
+          </p:cNvPr>
+          <p:cNvSpPr/>
+          <p:nvPr/>
+        </p:nvSpPr>
+        <p:spPr>
+          <a:xfrm>
+            <a:off x="8225083" y="5852056"/>
+            <a:ext cx="201168" cy="201168"/>
+          </a:xfrm>
+          <a:prstGeom prst="ellipse">
+            <a:avLst/>
+          </a:prstGeom>
+        </p:spPr>
+        <p:style>
+          <a:lnRef idx="2">
+            <a:schemeClr val="accent1">
+              <a:shade val="15000"/>
+            </a:schemeClr>
+          </a:lnRef>
+          <a:fillRef idx="1">
+            <a:schemeClr val="accent1"/>
+          </a:fillRef>
+          <a:effectRef idx="0">
+            <a:schemeClr val="accent1"/>
+          </a:effectRef>
+          <a:fontRef idx="minor">
+            <a:schemeClr val="lt1"/>
+          </a:fontRef>
+        </p:style>
+        <p:txBody>
+          <a:bodyPr wrap="none" rtlCol="0" anchor="ctr">
+            <a:noAutofit/>
+          </a:bodyPr>
+          <a:lstStyle/>
+          <a:p>
+            <a:pPr algn="ctr"/>
+            <a:r>
+              <a:rPr lang="en-GB" sz="1200" dirty="0"/>
+              <a:t>20</a:t>
+            </a:r>
+          </a:p>
+        </p:txBody>
+      </p:sp>
+      <p:sp>
+        <p:nvSpPr>
+          <p:cNvPr id="127" name="Oval 126">
+            <a:extLst>
+              <a:ext uri="{FF2B5EF4-FFF2-40B4-BE49-F238E27FC236}">
+                <a16:creationId xmlns:a16="http://schemas.microsoft.com/office/drawing/2014/main" id="{DB4CD0E8-8C34-F8A3-6E95-B41D1703DD90}"/>
+              </a:ext>
+            </a:extLst>
+          </p:cNvPr>
+          <p:cNvSpPr/>
+          <p:nvPr/>
+        </p:nvSpPr>
+        <p:spPr>
+          <a:xfrm>
+            <a:off x="8225083" y="5563464"/>
+            <a:ext cx="201168" cy="201168"/>
+          </a:xfrm>
+          <a:prstGeom prst="ellipse">
+            <a:avLst/>
+          </a:prstGeom>
+        </p:spPr>
+        <p:style>
+          <a:lnRef idx="2">
+            <a:schemeClr val="accent1">
+              <a:shade val="15000"/>
+            </a:schemeClr>
+          </a:lnRef>
+          <a:fillRef idx="1">
+            <a:schemeClr val="accent1"/>
+          </a:fillRef>
+          <a:effectRef idx="0">
+            <a:schemeClr val="accent1"/>
+          </a:effectRef>
+          <a:fontRef idx="minor">
+            <a:schemeClr val="lt1"/>
+          </a:fontRef>
+        </p:style>
+        <p:txBody>
+          <a:bodyPr wrap="none" rtlCol="0" anchor="ctr">
+            <a:noAutofit/>
+          </a:bodyPr>
+          <a:lstStyle/>
+          <a:p>
+            <a:pPr algn="ctr"/>
+            <a:r>
+              <a:rPr lang="en-GB" sz="1200" dirty="0"/>
+              <a:t>19</a:t>
+            </a:r>
+          </a:p>
+        </p:txBody>
+      </p:sp>
+      <p:cxnSp>
+        <p:nvCxnSpPr>
+          <p:cNvPr id="183" name="Straight Connector 182">
+            <a:extLst>
+              <a:ext uri="{FF2B5EF4-FFF2-40B4-BE49-F238E27FC236}">
+                <a16:creationId xmlns:a16="http://schemas.microsoft.com/office/drawing/2014/main" id="{BE62E1F3-E1AB-68B7-6528-C38F0A42C6F2}"/>
+              </a:ext>
+            </a:extLst>
+          </p:cNvPr>
+          <p:cNvCxnSpPr>
+            <a:cxnSpLocks/>
+          </p:cNvCxnSpPr>
+          <p:nvPr/>
+        </p:nvCxnSpPr>
+        <p:spPr>
+          <a:xfrm>
+            <a:off x="6853382" y="365360"/>
+            <a:ext cx="0" cy="606552"/>
+          </a:xfrm>
+          <a:prstGeom prst="line">
+            <a:avLst/>
+          </a:prstGeom>
+          <a:ln w="60325">
+            <a:solidFill>
+              <a:srgbClr val="00B0F0"/>
+            </a:solidFill>
+          </a:ln>
+        </p:spPr>
+        <p:style>
+          <a:lnRef idx="2">
+            <a:schemeClr val="accent1"/>
+          </a:lnRef>
+          <a:fillRef idx="0">
+            <a:schemeClr val="accent1"/>
+          </a:fillRef>
+          <a:effectRef idx="1">
+            <a:schemeClr val="accent1"/>
+          </a:effectRef>
+          <a:fontRef idx="minor">
+            <a:schemeClr val="tx1"/>
+          </a:fontRef>
+        </p:style>
+      </p:cxnSp>
+      <p:cxnSp>
+        <p:nvCxnSpPr>
+          <p:cNvPr id="184" name="Straight Connector 183">
+            <a:extLst>
+              <a:ext uri="{FF2B5EF4-FFF2-40B4-BE49-F238E27FC236}">
+                <a16:creationId xmlns:a16="http://schemas.microsoft.com/office/drawing/2014/main" id="{7BE0B53D-3713-8672-5249-DC7D962A383A}"/>
+              </a:ext>
+            </a:extLst>
+          </p:cNvPr>
+          <p:cNvCxnSpPr>
+            <a:cxnSpLocks/>
+          </p:cNvCxnSpPr>
+          <p:nvPr/>
+        </p:nvCxnSpPr>
+        <p:spPr>
+          <a:xfrm>
+            <a:off x="7107382" y="749408"/>
+            <a:ext cx="0" cy="2570033"/>
+          </a:xfrm>
+          <a:prstGeom prst="line">
+            <a:avLst/>
+          </a:prstGeom>
+          <a:ln w="60325">
+            <a:solidFill>
+              <a:srgbClr val="00B0F0"/>
+            </a:solidFill>
+          </a:ln>
+        </p:spPr>
+        <p:style>
+          <a:lnRef idx="2">
+            <a:schemeClr val="accent1"/>
+          </a:lnRef>
+          <a:fillRef idx="0">
+            <a:schemeClr val="accent1"/>
+          </a:fillRef>
+          <a:effectRef idx="1">
+            <a:schemeClr val="accent1"/>
+          </a:effectRef>
+          <a:fontRef idx="minor">
+            <a:schemeClr val="tx1"/>
+          </a:fontRef>
+        </p:style>
+      </p:cxnSp>
+      <p:cxnSp>
+        <p:nvCxnSpPr>
+          <p:cNvPr id="188" name="Straight Connector 187">
+            <a:extLst>
+              <a:ext uri="{FF2B5EF4-FFF2-40B4-BE49-F238E27FC236}">
+                <a16:creationId xmlns:a16="http://schemas.microsoft.com/office/drawing/2014/main" id="{6C967ED6-1DBE-3348-9F60-88AF3D22CE36}"/>
+              </a:ext>
+            </a:extLst>
+          </p:cNvPr>
+          <p:cNvCxnSpPr>
+            <a:cxnSpLocks/>
+          </p:cNvCxnSpPr>
+          <p:nvPr/>
+        </p:nvCxnSpPr>
+        <p:spPr>
+          <a:xfrm>
+            <a:off x="7353075" y="2173393"/>
+            <a:ext cx="0" cy="2635951"/>
+          </a:xfrm>
+          <a:prstGeom prst="line">
+            <a:avLst/>
+          </a:prstGeom>
+          <a:ln w="60325">
+            <a:solidFill>
+              <a:srgbClr val="00B0F0"/>
+            </a:solidFill>
+          </a:ln>
+        </p:spPr>
+        <p:style>
+          <a:lnRef idx="2">
+            <a:schemeClr val="accent1"/>
+          </a:lnRef>
+          <a:fillRef idx="0">
+            <a:schemeClr val="accent1"/>
+          </a:fillRef>
+          <a:effectRef idx="1">
+            <a:schemeClr val="accent1"/>
+          </a:effectRef>
+          <a:fontRef idx="minor">
+            <a:schemeClr val="tx1"/>
+          </a:fontRef>
+        </p:style>
+      </p:cxnSp>
+      <p:cxnSp>
+        <p:nvCxnSpPr>
+          <p:cNvPr id="190" name="Straight Connector 189">
+            <a:extLst>
+              <a:ext uri="{FF2B5EF4-FFF2-40B4-BE49-F238E27FC236}">
+                <a16:creationId xmlns:a16="http://schemas.microsoft.com/office/drawing/2014/main" id="{D7FC28AD-8179-2B77-AD03-A34089392277}"/>
+              </a:ext>
+            </a:extLst>
+          </p:cNvPr>
+          <p:cNvCxnSpPr>
+            <a:cxnSpLocks/>
+          </p:cNvCxnSpPr>
+          <p:nvPr/>
+        </p:nvCxnSpPr>
+        <p:spPr>
+          <a:xfrm>
+            <a:off x="7564581" y="3299104"/>
+            <a:ext cx="0" cy="2176936"/>
+          </a:xfrm>
+          <a:prstGeom prst="line">
+            <a:avLst/>
+          </a:prstGeom>
+          <a:ln w="60325">
+            <a:solidFill>
+              <a:srgbClr val="00B0F0"/>
+            </a:solidFill>
+          </a:ln>
+        </p:spPr>
+        <p:style>
+          <a:lnRef idx="2">
+            <a:schemeClr val="accent1"/>
+          </a:lnRef>
+          <a:fillRef idx="0">
+            <a:schemeClr val="accent1"/>
+          </a:fillRef>
+          <a:effectRef idx="1">
+            <a:schemeClr val="accent1"/>
+          </a:effectRef>
+          <a:fontRef idx="minor">
+            <a:schemeClr val="tx1"/>
+          </a:fontRef>
+        </p:style>
+      </p:cxnSp>
+      <p:cxnSp>
+        <p:nvCxnSpPr>
+          <p:cNvPr id="199" name="Straight Connector 198">
+            <a:extLst>
+              <a:ext uri="{FF2B5EF4-FFF2-40B4-BE49-F238E27FC236}">
+                <a16:creationId xmlns:a16="http://schemas.microsoft.com/office/drawing/2014/main" id="{2FB17B51-EE17-BDD2-2F6F-805DFACF7499}"/>
+              </a:ext>
+            </a:extLst>
+          </p:cNvPr>
+          <p:cNvCxnSpPr>
+            <a:cxnSpLocks/>
+          </p:cNvCxnSpPr>
+          <p:nvPr/>
+        </p:nvCxnSpPr>
+        <p:spPr>
+          <a:xfrm>
+            <a:off x="7837443" y="3088366"/>
+            <a:ext cx="0" cy="3165803"/>
+          </a:xfrm>
+          <a:prstGeom prst="line">
+            <a:avLst/>
+          </a:prstGeom>
+          <a:ln w="60325">
+            <a:solidFill>
+              <a:srgbClr val="00B0F0"/>
+            </a:solidFill>
+          </a:ln>
+        </p:spPr>
+        <p:style>
+          <a:lnRef idx="2">
+            <a:schemeClr val="accent1"/>
+          </a:lnRef>
+          <a:fillRef idx="0">
+            <a:schemeClr val="accent1"/>
+          </a:fillRef>
+          <a:effectRef idx="1">
+            <a:schemeClr val="accent1"/>
+          </a:effectRef>
+          <a:fontRef idx="minor">
+            <a:schemeClr val="tx1"/>
+          </a:fontRef>
+        </p:style>
+      </p:cxnSp>
+      <p:sp>
+        <p:nvSpPr>
+          <p:cNvPr id="205" name="Rectangle 204">
+            <a:extLst>
+              <a:ext uri="{FF2B5EF4-FFF2-40B4-BE49-F238E27FC236}">
+                <a16:creationId xmlns:a16="http://schemas.microsoft.com/office/drawing/2014/main" id="{F9C9C751-D61C-A6D8-3F7A-BD276E6A90CB}"/>
+              </a:ext>
+            </a:extLst>
+          </p:cNvPr>
+          <p:cNvSpPr/>
+          <p:nvPr/>
+        </p:nvSpPr>
+        <p:spPr>
+          <a:xfrm>
+            <a:off x="6836387" y="365360"/>
+            <a:ext cx="87332" cy="87332"/>
+          </a:xfrm>
+          <a:prstGeom prst="rect">
+            <a:avLst/>
+          </a:prstGeom>
+          <a:solidFill>
+            <a:schemeClr val="tx1"/>
+          </a:solidFill>
+        </p:spPr>
+        <p:style>
+          <a:lnRef idx="2">
+            <a:schemeClr val="accent1">
+              <a:shade val="15000"/>
+            </a:schemeClr>
+          </a:lnRef>
+          <a:fillRef idx="1">
+            <a:schemeClr val="accent1"/>
+          </a:fillRef>
+          <a:effectRef idx="0">
+            <a:schemeClr val="accent1"/>
+          </a:effectRef>
+          <a:fontRef idx="minor">
+            <a:schemeClr val="lt1"/>
+          </a:fontRef>
+        </p:style>
+        <p:txBody>
+          <a:bodyPr wrap="none" rtlCol="0" anchor="ctr">
+            <a:noAutofit/>
+          </a:bodyPr>
+          <a:lstStyle/>
+          <a:p>
+            <a:pPr algn="ctr"/>
+            <a:endParaRPr lang="en-GB" sz="1200" dirty="0"/>
+          </a:p>
+        </p:txBody>
+      </p:sp>
+      <p:sp>
+        <p:nvSpPr>
+          <p:cNvPr id="206" name="Rectangle 205">
+            <a:extLst>
+              <a:ext uri="{FF2B5EF4-FFF2-40B4-BE49-F238E27FC236}">
+                <a16:creationId xmlns:a16="http://schemas.microsoft.com/office/drawing/2014/main" id="{36B15EDB-9B98-4051-2AA9-A7F74FA2C600}"/>
+              </a:ext>
+            </a:extLst>
+          </p:cNvPr>
+          <p:cNvSpPr/>
+          <p:nvPr/>
+        </p:nvSpPr>
+        <p:spPr>
+          <a:xfrm>
+            <a:off x="6789528" y="956722"/>
+            <a:ext cx="358581" cy="87332"/>
+          </a:xfrm>
+          <a:prstGeom prst="rect">
+            <a:avLst/>
+          </a:prstGeom>
+          <a:solidFill>
+            <a:schemeClr val="tx1"/>
+          </a:solidFill>
+        </p:spPr>
+        <p:style>
+          <a:lnRef idx="2">
+            <a:schemeClr val="accent1">
+              <a:shade val="15000"/>
+            </a:schemeClr>
+          </a:lnRef>
+          <a:fillRef idx="1">
+            <a:schemeClr val="accent1"/>
+          </a:fillRef>
+          <a:effectRef idx="0">
+            <a:schemeClr val="accent1"/>
+          </a:effectRef>
+          <a:fontRef idx="minor">
+            <a:schemeClr val="lt1"/>
+          </a:fontRef>
+        </p:style>
+        <p:txBody>
+          <a:bodyPr wrap="none" rtlCol="0" anchor="ctr">
+            <a:noAutofit/>
+          </a:bodyPr>
+          <a:lstStyle/>
+          <a:p>
+            <a:pPr algn="ctr"/>
+            <a:endParaRPr lang="en-GB" sz="1200" dirty="0"/>
+          </a:p>
+        </p:txBody>
+      </p:sp>
+      <p:sp>
+        <p:nvSpPr>
+          <p:cNvPr id="207" name="Rectangle 206">
+            <a:extLst>
+              <a:ext uri="{FF2B5EF4-FFF2-40B4-BE49-F238E27FC236}">
+                <a16:creationId xmlns:a16="http://schemas.microsoft.com/office/drawing/2014/main" id="{A5587C39-B1F8-2459-CD11-5082DF889B71}"/>
+              </a:ext>
+            </a:extLst>
+          </p:cNvPr>
+          <p:cNvSpPr/>
+          <p:nvPr/>
+        </p:nvSpPr>
+        <p:spPr>
+          <a:xfrm>
+            <a:off x="7060777" y="713408"/>
+            <a:ext cx="87332" cy="87332"/>
+          </a:xfrm>
+          <a:prstGeom prst="rect">
+            <a:avLst/>
+          </a:prstGeom>
+          <a:solidFill>
+            <a:schemeClr val="tx1"/>
+          </a:solidFill>
+        </p:spPr>
+        <p:style>
+          <a:lnRef idx="2">
+            <a:schemeClr val="accent1">
+              <a:shade val="15000"/>
+            </a:schemeClr>
+          </a:lnRef>
+          <a:fillRef idx="1">
+            <a:schemeClr val="accent1"/>
+          </a:fillRef>
+          <a:effectRef idx="0">
+            <a:schemeClr val="accent1"/>
+          </a:effectRef>
+          <a:fontRef idx="minor">
+            <a:schemeClr val="lt1"/>
+          </a:fontRef>
+        </p:style>
+        <p:txBody>
+          <a:bodyPr wrap="none" rtlCol="0" anchor="ctr">
+            <a:noAutofit/>
+          </a:bodyPr>
+          <a:lstStyle/>
+          <a:p>
+            <a:pPr algn="ctr"/>
+            <a:endParaRPr lang="en-GB" sz="1200" dirty="0"/>
+          </a:p>
+        </p:txBody>
+      </p:sp>
+      <p:sp>
+        <p:nvSpPr>
+          <p:cNvPr id="208" name="Rectangle 207">
+            <a:extLst>
+              <a:ext uri="{FF2B5EF4-FFF2-40B4-BE49-F238E27FC236}">
+                <a16:creationId xmlns:a16="http://schemas.microsoft.com/office/drawing/2014/main" id="{AA5F3BEC-48AD-6375-C07E-5A1CB1EBFDF9}"/>
+              </a:ext>
+            </a:extLst>
+          </p:cNvPr>
+          <p:cNvSpPr/>
+          <p:nvPr/>
+        </p:nvSpPr>
+        <p:spPr>
+          <a:xfrm>
+            <a:off x="7060777" y="1258824"/>
+            <a:ext cx="87332" cy="87332"/>
+          </a:xfrm>
+          <a:prstGeom prst="rect">
+            <a:avLst/>
+          </a:prstGeom>
+          <a:solidFill>
+            <a:schemeClr val="tx1"/>
+          </a:solidFill>
+        </p:spPr>
+        <p:style>
+          <a:lnRef idx="2">
+            <a:schemeClr val="accent1">
+              <a:shade val="15000"/>
+            </a:schemeClr>
+          </a:lnRef>
+          <a:fillRef idx="1">
+            <a:schemeClr val="accent1"/>
+          </a:fillRef>
+          <a:effectRef idx="0">
+            <a:schemeClr val="accent1"/>
+          </a:effectRef>
+          <a:fontRef idx="minor">
+            <a:schemeClr val="lt1"/>
+          </a:fontRef>
+        </p:style>
+        <p:txBody>
+          <a:bodyPr wrap="none" rtlCol="0" anchor="ctr">
+            <a:noAutofit/>
+          </a:bodyPr>
+          <a:lstStyle/>
+          <a:p>
+            <a:pPr algn="ctr"/>
+            <a:endParaRPr lang="en-GB" sz="1200" dirty="0"/>
+          </a:p>
+        </p:txBody>
+      </p:sp>
+      <p:sp>
+        <p:nvSpPr>
+          <p:cNvPr id="211" name="Rectangle 210">
+            <a:extLst>
+              <a:ext uri="{FF2B5EF4-FFF2-40B4-BE49-F238E27FC236}">
+                <a16:creationId xmlns:a16="http://schemas.microsoft.com/office/drawing/2014/main" id="{1CE04137-A4EB-6FCC-90C7-2A62AE164664}"/>
+              </a:ext>
+            </a:extLst>
+          </p:cNvPr>
+          <p:cNvSpPr/>
+          <p:nvPr/>
+        </p:nvSpPr>
+        <p:spPr>
+          <a:xfrm>
+            <a:off x="7083868" y="3276600"/>
+            <a:ext cx="550759" cy="87332"/>
+          </a:xfrm>
+          <a:prstGeom prst="rect">
+            <a:avLst/>
+          </a:prstGeom>
+          <a:solidFill>
+            <a:schemeClr val="tx1"/>
+          </a:solidFill>
+        </p:spPr>
+        <p:style>
+          <a:lnRef idx="2">
+            <a:schemeClr val="accent1">
+              <a:shade val="15000"/>
+            </a:schemeClr>
+          </a:lnRef>
+          <a:fillRef idx="1">
+            <a:schemeClr val="accent1"/>
+          </a:fillRef>
+          <a:effectRef idx="0">
+            <a:schemeClr val="accent1"/>
+          </a:effectRef>
+          <a:fontRef idx="minor">
+            <a:schemeClr val="lt1"/>
+          </a:fontRef>
+        </p:style>
+        <p:txBody>
+          <a:bodyPr wrap="none" rtlCol="0" anchor="ctr">
+            <a:noAutofit/>
+          </a:bodyPr>
+          <a:lstStyle/>
+          <a:p>
+            <a:pPr algn="ctr"/>
+            <a:endParaRPr lang="en-GB" sz="1200" dirty="0"/>
+          </a:p>
+        </p:txBody>
+      </p:sp>
+      <p:sp>
+        <p:nvSpPr>
+          <p:cNvPr id="218" name="Rectangle 217">
+            <a:extLst>
+              <a:ext uri="{FF2B5EF4-FFF2-40B4-BE49-F238E27FC236}">
+                <a16:creationId xmlns:a16="http://schemas.microsoft.com/office/drawing/2014/main" id="{103C812F-4698-8BF4-CD2F-19BE2570DDE1}"/>
+              </a:ext>
+            </a:extLst>
+          </p:cNvPr>
+          <p:cNvSpPr/>
+          <p:nvPr/>
+        </p:nvSpPr>
+        <p:spPr>
+          <a:xfrm>
+            <a:off x="7801772" y="6220453"/>
+            <a:ext cx="87332" cy="87332"/>
+          </a:xfrm>
+          <a:prstGeom prst="rect">
+            <a:avLst/>
+          </a:prstGeom>
+          <a:solidFill>
+            <a:schemeClr val="tx1"/>
+          </a:solidFill>
+        </p:spPr>
+        <p:style>
+          <a:lnRef idx="2">
+            <a:schemeClr val="accent1">
+              <a:shade val="15000"/>
+            </a:schemeClr>
+          </a:lnRef>
+          <a:fillRef idx="1">
+            <a:schemeClr val="accent1"/>
+          </a:fillRef>
+          <a:effectRef idx="0">
+            <a:schemeClr val="accent1"/>
+          </a:effectRef>
+          <a:fontRef idx="minor">
+            <a:schemeClr val="lt1"/>
+          </a:fontRef>
+        </p:style>
+        <p:txBody>
+          <a:bodyPr wrap="none" rtlCol="0" anchor="ctr">
+            <a:noAutofit/>
+          </a:bodyPr>
+          <a:lstStyle/>
+          <a:p>
+            <a:pPr algn="ctr"/>
+            <a:endParaRPr lang="en-GB" sz="1200" dirty="0"/>
+          </a:p>
+        </p:txBody>
+      </p:sp>
+      <p:sp>
+        <p:nvSpPr>
+          <p:cNvPr id="219" name="Rectangle 218">
+            <a:extLst>
+              <a:ext uri="{FF2B5EF4-FFF2-40B4-BE49-F238E27FC236}">
+                <a16:creationId xmlns:a16="http://schemas.microsoft.com/office/drawing/2014/main" id="{558C9B4C-C8F0-EF91-8668-AF66956A79BF}"/>
+              </a:ext>
+            </a:extLst>
+          </p:cNvPr>
+          <p:cNvSpPr/>
+          <p:nvPr/>
+        </p:nvSpPr>
+        <p:spPr>
+          <a:xfrm>
+            <a:off x="7801772" y="5908974"/>
+            <a:ext cx="87332" cy="87332"/>
+          </a:xfrm>
+          <a:prstGeom prst="rect">
+            <a:avLst/>
+          </a:prstGeom>
+          <a:solidFill>
+            <a:schemeClr val="tx1"/>
+          </a:solidFill>
+        </p:spPr>
+        <p:style>
+          <a:lnRef idx="2">
+            <a:schemeClr val="accent1">
+              <a:shade val="15000"/>
+            </a:schemeClr>
+          </a:lnRef>
+          <a:fillRef idx="1">
+            <a:schemeClr val="accent1"/>
+          </a:fillRef>
+          <a:effectRef idx="0">
+            <a:schemeClr val="accent1"/>
+          </a:effectRef>
+          <a:fontRef idx="minor">
+            <a:schemeClr val="lt1"/>
+          </a:fontRef>
+        </p:style>
+        <p:txBody>
+          <a:bodyPr wrap="none" rtlCol="0" anchor="ctr">
+            <a:noAutofit/>
+          </a:bodyPr>
+          <a:lstStyle/>
+          <a:p>
+            <a:pPr algn="ctr"/>
+            <a:endParaRPr lang="en-GB" sz="1200" dirty="0"/>
+          </a:p>
+        </p:txBody>
+      </p:sp>
+      <p:sp>
+        <p:nvSpPr>
+          <p:cNvPr id="220" name="Rectangle 219">
+            <a:extLst>
+              <a:ext uri="{FF2B5EF4-FFF2-40B4-BE49-F238E27FC236}">
+                <a16:creationId xmlns:a16="http://schemas.microsoft.com/office/drawing/2014/main" id="{B9229E95-D840-DCFE-11E0-69C8B1412201}"/>
+              </a:ext>
+            </a:extLst>
+          </p:cNvPr>
+          <p:cNvSpPr/>
+          <p:nvPr/>
+        </p:nvSpPr>
+        <p:spPr>
+          <a:xfrm>
+            <a:off x="7309409" y="2666006"/>
+            <a:ext cx="87332" cy="87332"/>
+          </a:xfrm>
+          <a:prstGeom prst="rect">
+            <a:avLst/>
+          </a:prstGeom>
+          <a:solidFill>
+            <a:schemeClr val="tx1"/>
+          </a:solidFill>
+        </p:spPr>
+        <p:style>
+          <a:lnRef idx="2">
+            <a:schemeClr val="accent1">
+              <a:shade val="15000"/>
+            </a:schemeClr>
+          </a:lnRef>
+          <a:fillRef idx="1">
+            <a:schemeClr val="accent1"/>
+          </a:fillRef>
+          <a:effectRef idx="0">
+            <a:schemeClr val="accent1"/>
+          </a:effectRef>
+          <a:fontRef idx="minor">
+            <a:schemeClr val="lt1"/>
+          </a:fontRef>
+        </p:style>
+        <p:txBody>
+          <a:bodyPr wrap="none" rtlCol="0" anchor="ctr">
+            <a:noAutofit/>
+          </a:bodyPr>
+          <a:lstStyle/>
+          <a:p>
+            <a:pPr algn="ctr"/>
+            <a:endParaRPr lang="en-GB" sz="1200" dirty="0"/>
+          </a:p>
+        </p:txBody>
+      </p:sp>
+      <p:sp>
+        <p:nvSpPr>
+          <p:cNvPr id="221" name="Rectangle 220">
+            <a:extLst>
+              <a:ext uri="{FF2B5EF4-FFF2-40B4-BE49-F238E27FC236}">
+                <a16:creationId xmlns:a16="http://schemas.microsoft.com/office/drawing/2014/main" id="{F9AB0B26-DA42-8FB1-94AD-09DD923B10C6}"/>
+              </a:ext>
+            </a:extLst>
+          </p:cNvPr>
+          <p:cNvSpPr/>
+          <p:nvPr/>
+        </p:nvSpPr>
+        <p:spPr>
+          <a:xfrm>
+            <a:off x="7309409" y="2428875"/>
+            <a:ext cx="87332" cy="87332"/>
+          </a:xfrm>
+          <a:prstGeom prst="rect">
+            <a:avLst/>
+          </a:prstGeom>
+          <a:solidFill>
+            <a:schemeClr val="tx1"/>
+          </a:solidFill>
+        </p:spPr>
+        <p:style>
+          <a:lnRef idx="2">
+            <a:schemeClr val="accent1">
+              <a:shade val="15000"/>
+            </a:schemeClr>
+          </a:lnRef>
+          <a:fillRef idx="1">
+            <a:schemeClr val="accent1"/>
+          </a:fillRef>
+          <a:effectRef idx="0">
+            <a:schemeClr val="accent1"/>
+          </a:effectRef>
+          <a:fontRef idx="minor">
+            <a:schemeClr val="lt1"/>
+          </a:fontRef>
+        </p:style>
+        <p:txBody>
+          <a:bodyPr wrap="none" rtlCol="0" anchor="ctr">
+            <a:noAutofit/>
+          </a:bodyPr>
+          <a:lstStyle/>
+          <a:p>
+            <a:pPr algn="ctr"/>
+            <a:endParaRPr lang="en-GB" sz="1200" dirty="0"/>
+          </a:p>
+        </p:txBody>
+      </p:sp>
+      <p:sp>
+        <p:nvSpPr>
+          <p:cNvPr id="222" name="Rectangle 221">
+            <a:extLst>
+              <a:ext uri="{FF2B5EF4-FFF2-40B4-BE49-F238E27FC236}">
+                <a16:creationId xmlns:a16="http://schemas.microsoft.com/office/drawing/2014/main" id="{DE8401EC-69E0-DEFB-C18F-D7A058CF6A7B}"/>
+              </a:ext>
+            </a:extLst>
+          </p:cNvPr>
+          <p:cNvSpPr/>
+          <p:nvPr/>
+        </p:nvSpPr>
+        <p:spPr>
+          <a:xfrm>
+            <a:off x="7309409" y="2129727"/>
+            <a:ext cx="87332" cy="87332"/>
+          </a:xfrm>
+          <a:prstGeom prst="rect">
+            <a:avLst/>
+          </a:prstGeom>
+          <a:solidFill>
+            <a:schemeClr val="tx1"/>
+          </a:solidFill>
+        </p:spPr>
+        <p:style>
+          <a:lnRef idx="2">
+            <a:schemeClr val="accent1">
+              <a:shade val="15000"/>
+            </a:schemeClr>
+          </a:lnRef>
+          <a:fillRef idx="1">
+            <a:schemeClr val="accent1"/>
+          </a:fillRef>
+          <a:effectRef idx="0">
+            <a:schemeClr val="accent1"/>
+          </a:effectRef>
+          <a:fontRef idx="minor">
+            <a:schemeClr val="lt1"/>
+          </a:fontRef>
+        </p:style>
+        <p:txBody>
+          <a:bodyPr wrap="none" rtlCol="0" anchor="ctr">
+            <a:noAutofit/>
+          </a:bodyPr>
+          <a:lstStyle/>
+          <a:p>
+            <a:pPr algn="ctr"/>
+            <a:endParaRPr lang="en-GB" sz="1200" dirty="0"/>
+          </a:p>
+        </p:txBody>
+      </p:sp>
+      <p:sp>
+        <p:nvSpPr>
+          <p:cNvPr id="223" name="Rectangle 222">
+            <a:extLst>
+              <a:ext uri="{FF2B5EF4-FFF2-40B4-BE49-F238E27FC236}">
+                <a16:creationId xmlns:a16="http://schemas.microsoft.com/office/drawing/2014/main" id="{24E37CD9-4159-5D6B-FF87-F17D999A3383}"/>
+              </a:ext>
+            </a:extLst>
+          </p:cNvPr>
+          <p:cNvSpPr/>
+          <p:nvPr/>
+        </p:nvSpPr>
+        <p:spPr>
+          <a:xfrm>
+            <a:off x="7327339" y="2966136"/>
+            <a:ext cx="627264" cy="109296"/>
+          </a:xfrm>
+          <a:prstGeom prst="rect">
+            <a:avLst/>
+          </a:prstGeom>
+          <a:solidFill>
+            <a:schemeClr val="tx1"/>
+          </a:solidFill>
+        </p:spPr>
+        <p:style>
+          <a:lnRef idx="2">
+            <a:schemeClr val="accent1">
+              <a:shade val="15000"/>
+            </a:schemeClr>
+          </a:lnRef>
+          <a:fillRef idx="1">
+            <a:schemeClr val="accent1"/>
+          </a:fillRef>
+          <a:effectRef idx="0">
+            <a:schemeClr val="accent1"/>
+          </a:effectRef>
+          <a:fontRef idx="minor">
+            <a:schemeClr val="lt1"/>
+          </a:fontRef>
+        </p:style>
+        <p:txBody>
+          <a:bodyPr wrap="none" rtlCol="0" anchor="ctr">
+            <a:noAutofit/>
+          </a:bodyPr>
+          <a:lstStyle/>
+          <a:p>
+            <a:pPr algn="ctr"/>
+            <a:endParaRPr lang="en-GB" sz="1200" dirty="0"/>
+          </a:p>
+        </p:txBody>
+      </p:sp>
+      <p:sp>
+        <p:nvSpPr>
+          <p:cNvPr id="224" name="Rectangle 223">
+            <a:extLst>
+              <a:ext uri="{FF2B5EF4-FFF2-40B4-BE49-F238E27FC236}">
+                <a16:creationId xmlns:a16="http://schemas.microsoft.com/office/drawing/2014/main" id="{318D657D-0C7A-25C6-6A78-6603709CBCC5}"/>
+              </a:ext>
+            </a:extLst>
+          </p:cNvPr>
+          <p:cNvSpPr/>
+          <p:nvPr/>
+        </p:nvSpPr>
+        <p:spPr>
+          <a:xfrm>
+            <a:off x="7801772" y="5576716"/>
+            <a:ext cx="87332" cy="87332"/>
+          </a:xfrm>
+          <a:prstGeom prst="rect">
+            <a:avLst/>
+          </a:prstGeom>
+          <a:solidFill>
+            <a:schemeClr val="tx1"/>
+          </a:solidFill>
+        </p:spPr>
+        <p:style>
+          <a:lnRef idx="2">
+            <a:schemeClr val="accent1">
+              <a:shade val="15000"/>
+            </a:schemeClr>
+          </a:lnRef>
+          <a:fillRef idx="1">
+            <a:schemeClr val="accent1"/>
+          </a:fillRef>
+          <a:effectRef idx="0">
+            <a:schemeClr val="accent1"/>
+          </a:effectRef>
+          <a:fontRef idx="minor">
+            <a:schemeClr val="lt1"/>
+          </a:fontRef>
+        </p:style>
+        <p:txBody>
+          <a:bodyPr wrap="none" rtlCol="0" anchor="ctr">
+            <a:noAutofit/>
+          </a:bodyPr>
+          <a:lstStyle/>
+          <a:p>
+            <a:pPr algn="ctr"/>
+            <a:endParaRPr lang="en-GB" sz="1200" dirty="0"/>
+          </a:p>
+        </p:txBody>
+      </p:sp>
+      <p:sp>
+        <p:nvSpPr>
+          <p:cNvPr id="225" name="Rectangle 224">
+            <a:extLst>
+              <a:ext uri="{FF2B5EF4-FFF2-40B4-BE49-F238E27FC236}">
+                <a16:creationId xmlns:a16="http://schemas.microsoft.com/office/drawing/2014/main" id="{24208360-6924-8727-4AC8-BEDCC2C32FF8}"/>
+              </a:ext>
+            </a:extLst>
+          </p:cNvPr>
+          <p:cNvSpPr/>
+          <p:nvPr/>
+        </p:nvSpPr>
+        <p:spPr>
+          <a:xfrm>
+            <a:off x="7309409" y="3865161"/>
+            <a:ext cx="87332" cy="87332"/>
+          </a:xfrm>
+          <a:prstGeom prst="rect">
+            <a:avLst/>
+          </a:prstGeom>
+          <a:solidFill>
+            <a:schemeClr val="tx1"/>
+          </a:solidFill>
+        </p:spPr>
+        <p:style>
+          <a:lnRef idx="2">
+            <a:schemeClr val="accent1">
+              <a:shade val="15000"/>
+            </a:schemeClr>
+          </a:lnRef>
+          <a:fillRef idx="1">
+            <a:schemeClr val="accent1"/>
+          </a:fillRef>
+          <a:effectRef idx="0">
+            <a:schemeClr val="accent1"/>
+          </a:effectRef>
+          <a:fontRef idx="minor">
+            <a:schemeClr val="lt1"/>
+          </a:fontRef>
+        </p:style>
+        <p:txBody>
+          <a:bodyPr wrap="none" rtlCol="0" anchor="ctr">
+            <a:noAutofit/>
+          </a:bodyPr>
+          <a:lstStyle/>
+          <a:p>
+            <a:pPr algn="ctr"/>
+            <a:endParaRPr lang="en-GB" sz="1200" dirty="0"/>
+          </a:p>
+        </p:txBody>
+      </p:sp>
+      <p:sp>
+        <p:nvSpPr>
+          <p:cNvPr id="226" name="Rectangle 225">
+            <a:extLst>
+              <a:ext uri="{FF2B5EF4-FFF2-40B4-BE49-F238E27FC236}">
+                <a16:creationId xmlns:a16="http://schemas.microsoft.com/office/drawing/2014/main" id="{1C7B99CA-C95A-0D05-C4AF-3741C53493DD}"/>
+              </a:ext>
+            </a:extLst>
+          </p:cNvPr>
+          <p:cNvSpPr/>
+          <p:nvPr/>
+        </p:nvSpPr>
+        <p:spPr>
+          <a:xfrm>
+            <a:off x="7309409" y="4214919"/>
+            <a:ext cx="87332" cy="87332"/>
+          </a:xfrm>
+          <a:prstGeom prst="rect">
+            <a:avLst/>
+          </a:prstGeom>
+          <a:solidFill>
+            <a:schemeClr val="tx1"/>
+          </a:solidFill>
+        </p:spPr>
+        <p:style>
+          <a:lnRef idx="2">
+            <a:schemeClr val="accent1">
+              <a:shade val="15000"/>
+            </a:schemeClr>
+          </a:lnRef>
+          <a:fillRef idx="1">
+            <a:schemeClr val="accent1"/>
+          </a:fillRef>
+          <a:effectRef idx="0">
+            <a:schemeClr val="accent1"/>
+          </a:effectRef>
+          <a:fontRef idx="minor">
+            <a:schemeClr val="lt1"/>
+          </a:fontRef>
+        </p:style>
+        <p:txBody>
+          <a:bodyPr wrap="none" rtlCol="0" anchor="ctr">
+            <a:noAutofit/>
+          </a:bodyPr>
+          <a:lstStyle/>
+          <a:p>
+            <a:pPr algn="ctr"/>
+            <a:endParaRPr lang="en-GB" sz="1200" dirty="0"/>
+          </a:p>
+        </p:txBody>
+      </p:sp>
+      <p:sp>
+        <p:nvSpPr>
+          <p:cNvPr id="227" name="Rectangle 226">
+            <a:extLst>
+              <a:ext uri="{FF2B5EF4-FFF2-40B4-BE49-F238E27FC236}">
+                <a16:creationId xmlns:a16="http://schemas.microsoft.com/office/drawing/2014/main" id="{2F0F4E63-CC41-63D2-7062-8DFFE8CFBCBC}"/>
+              </a:ext>
+            </a:extLst>
+          </p:cNvPr>
+          <p:cNvSpPr/>
+          <p:nvPr/>
+        </p:nvSpPr>
+        <p:spPr>
+          <a:xfrm>
+            <a:off x="7801772" y="3615988"/>
+            <a:ext cx="87332" cy="87332"/>
+          </a:xfrm>
+          <a:prstGeom prst="rect">
+            <a:avLst/>
+          </a:prstGeom>
+          <a:solidFill>
+            <a:schemeClr val="tx1"/>
+          </a:solidFill>
+        </p:spPr>
+        <p:style>
+          <a:lnRef idx="2">
+            <a:schemeClr val="accent1">
+              <a:shade val="15000"/>
+            </a:schemeClr>
+          </a:lnRef>
+          <a:fillRef idx="1">
+            <a:schemeClr val="accent1"/>
+          </a:fillRef>
+          <a:effectRef idx="0">
+            <a:schemeClr val="accent1"/>
+          </a:effectRef>
+          <a:fontRef idx="minor">
+            <a:schemeClr val="lt1"/>
+          </a:fontRef>
+        </p:style>
+        <p:txBody>
+          <a:bodyPr wrap="none" rtlCol="0" anchor="ctr">
+            <a:noAutofit/>
+          </a:bodyPr>
+          <a:lstStyle/>
+          <a:p>
+            <a:pPr algn="ctr"/>
+            <a:endParaRPr lang="en-GB" sz="1200" dirty="0"/>
+          </a:p>
+        </p:txBody>
+      </p:sp>
+      <p:sp>
+        <p:nvSpPr>
+          <p:cNvPr id="228" name="Rectangle 227">
+            <a:extLst>
+              <a:ext uri="{FF2B5EF4-FFF2-40B4-BE49-F238E27FC236}">
+                <a16:creationId xmlns:a16="http://schemas.microsoft.com/office/drawing/2014/main" id="{F186CE11-F256-0639-87AD-C47E8AD12C42}"/>
+              </a:ext>
+            </a:extLst>
+          </p:cNvPr>
+          <p:cNvSpPr/>
+          <p:nvPr/>
+        </p:nvSpPr>
+        <p:spPr>
+          <a:xfrm>
+            <a:off x="7309409" y="4512098"/>
+            <a:ext cx="87332" cy="87332"/>
+          </a:xfrm>
+          <a:prstGeom prst="rect">
+            <a:avLst/>
+          </a:prstGeom>
+          <a:solidFill>
+            <a:schemeClr val="tx1"/>
+          </a:solidFill>
+        </p:spPr>
+        <p:style>
+          <a:lnRef idx="2">
+            <a:schemeClr val="accent1">
+              <a:shade val="15000"/>
+            </a:schemeClr>
+          </a:lnRef>
+          <a:fillRef idx="1">
+            <a:schemeClr val="accent1"/>
+          </a:fillRef>
+          <a:effectRef idx="0">
+            <a:schemeClr val="accent1"/>
+          </a:effectRef>
+          <a:fontRef idx="minor">
+            <a:schemeClr val="lt1"/>
+          </a:fontRef>
+        </p:style>
+        <p:txBody>
+          <a:bodyPr wrap="none" rtlCol="0" anchor="ctr">
+            <a:noAutofit/>
+          </a:bodyPr>
+          <a:lstStyle/>
+          <a:p>
+            <a:pPr algn="ctr"/>
+            <a:endParaRPr lang="en-GB" sz="1200" dirty="0"/>
+          </a:p>
+        </p:txBody>
+      </p:sp>
+      <p:sp>
+        <p:nvSpPr>
+          <p:cNvPr id="229" name="Rectangle 228">
+            <a:extLst>
+              <a:ext uri="{FF2B5EF4-FFF2-40B4-BE49-F238E27FC236}">
+                <a16:creationId xmlns:a16="http://schemas.microsoft.com/office/drawing/2014/main" id="{C4AA5C43-CFCB-6189-DFAB-83D4A13B3AD6}"/>
+              </a:ext>
+            </a:extLst>
+          </p:cNvPr>
+          <p:cNvSpPr/>
+          <p:nvPr/>
+        </p:nvSpPr>
+        <p:spPr>
+          <a:xfrm>
+            <a:off x="7309409" y="4800931"/>
+            <a:ext cx="87332" cy="87332"/>
+          </a:xfrm>
+          <a:prstGeom prst="rect">
+            <a:avLst/>
+          </a:prstGeom>
+          <a:solidFill>
+            <a:schemeClr val="tx1"/>
+          </a:solidFill>
+        </p:spPr>
+        <p:style>
+          <a:lnRef idx="2">
+            <a:schemeClr val="accent1">
+              <a:shade val="15000"/>
+            </a:schemeClr>
+          </a:lnRef>
+          <a:fillRef idx="1">
+            <a:schemeClr val="accent1"/>
+          </a:fillRef>
+          <a:effectRef idx="0">
+            <a:schemeClr val="accent1"/>
+          </a:effectRef>
+          <a:fontRef idx="minor">
+            <a:schemeClr val="lt1"/>
+          </a:fontRef>
+        </p:style>
+        <p:txBody>
+          <a:bodyPr wrap="none" rtlCol="0" anchor="ctr">
+            <a:noAutofit/>
+          </a:bodyPr>
+          <a:lstStyle/>
+          <a:p>
+            <a:pPr algn="ctr"/>
+            <a:endParaRPr lang="en-GB" sz="1200" dirty="0"/>
+          </a:p>
+        </p:txBody>
+      </p:sp>
+      <p:sp>
+        <p:nvSpPr>
+          <p:cNvPr id="230" name="Rectangle 229">
+            <a:extLst>
+              <a:ext uri="{FF2B5EF4-FFF2-40B4-BE49-F238E27FC236}">
+                <a16:creationId xmlns:a16="http://schemas.microsoft.com/office/drawing/2014/main" id="{C5AF58C0-048A-F605-38F3-6F6EB5335877}"/>
+              </a:ext>
+            </a:extLst>
+          </p:cNvPr>
+          <p:cNvSpPr/>
+          <p:nvPr/>
+        </p:nvSpPr>
+        <p:spPr>
+          <a:xfrm>
+            <a:off x="7462983" y="5057496"/>
+            <a:ext cx="619933" cy="87332"/>
+          </a:xfrm>
+          <a:prstGeom prst="rect">
+            <a:avLst/>
+          </a:prstGeom>
+          <a:solidFill>
+            <a:schemeClr val="tx1"/>
+          </a:solidFill>
+        </p:spPr>
+        <p:style>
+          <a:lnRef idx="2">
+            <a:schemeClr val="accent1">
+              <a:shade val="15000"/>
+            </a:schemeClr>
+          </a:lnRef>
+          <a:fillRef idx="1">
+            <a:schemeClr val="accent1"/>
+          </a:fillRef>
+          <a:effectRef idx="0">
+            <a:schemeClr val="accent1"/>
+          </a:effectRef>
+          <a:fontRef idx="minor">
+            <a:schemeClr val="lt1"/>
+          </a:fontRef>
+        </p:style>
+        <p:txBody>
+          <a:bodyPr wrap="none" rtlCol="0" anchor="ctr">
+            <a:noAutofit/>
+          </a:bodyPr>
+          <a:lstStyle/>
+          <a:p>
+            <a:pPr algn="ctr"/>
+            <a:endParaRPr lang="en-GB" sz="1200" dirty="0"/>
+          </a:p>
+        </p:txBody>
+      </p:sp>
+      <p:sp>
+        <p:nvSpPr>
+          <p:cNvPr id="232" name="Rectangle 231">
+            <a:extLst>
+              <a:ext uri="{FF2B5EF4-FFF2-40B4-BE49-F238E27FC236}">
+                <a16:creationId xmlns:a16="http://schemas.microsoft.com/office/drawing/2014/main" id="{9F75142A-CA4C-3944-6948-D9B90045C081}"/>
+              </a:ext>
+            </a:extLst>
+          </p:cNvPr>
+          <p:cNvSpPr/>
+          <p:nvPr/>
+        </p:nvSpPr>
+        <p:spPr>
+          <a:xfrm>
+            <a:off x="7512626" y="5371657"/>
+            <a:ext cx="87332" cy="87332"/>
+          </a:xfrm>
+          <a:prstGeom prst="rect">
+            <a:avLst/>
+          </a:prstGeom>
+          <a:solidFill>
+            <a:schemeClr val="tx1"/>
+          </a:solidFill>
+        </p:spPr>
+        <p:style>
+          <a:lnRef idx="2">
+            <a:schemeClr val="accent1">
+              <a:shade val="15000"/>
+            </a:schemeClr>
+          </a:lnRef>
+          <a:fillRef idx="1">
+            <a:schemeClr val="accent1"/>
+          </a:fillRef>
+          <a:effectRef idx="0">
+            <a:schemeClr val="accent1"/>
+          </a:effectRef>
+          <a:fontRef idx="minor">
+            <a:schemeClr val="lt1"/>
+          </a:fontRef>
+        </p:style>
+        <p:txBody>
+          <a:bodyPr wrap="none" rtlCol="0" anchor="ctr">
+            <a:noAutofit/>
+          </a:bodyPr>
+          <a:lstStyle/>
+          <a:p>
+            <a:pPr algn="ctr"/>
+            <a:endParaRPr lang="en-GB" sz="1200" dirty="0"/>
+          </a:p>
+        </p:txBody>
+      </p:sp>
+      <p:cxnSp>
+        <p:nvCxnSpPr>
+          <p:cNvPr id="233" name="Straight Connector 232">
+            <a:extLst>
+              <a:ext uri="{FF2B5EF4-FFF2-40B4-BE49-F238E27FC236}">
+                <a16:creationId xmlns:a16="http://schemas.microsoft.com/office/drawing/2014/main" id="{4E23BDE2-B64B-8FA7-B144-2FE1B95921DF}"/>
+              </a:ext>
+            </a:extLst>
+          </p:cNvPr>
+          <p:cNvCxnSpPr>
+            <a:cxnSpLocks/>
+          </p:cNvCxnSpPr>
+          <p:nvPr/>
+        </p:nvCxnSpPr>
+        <p:spPr>
+          <a:xfrm>
+            <a:off x="7892474" y="1598445"/>
+            <a:ext cx="0" cy="300459"/>
+          </a:xfrm>
+          <a:prstGeom prst="line">
+            <a:avLst/>
+          </a:prstGeom>
+          <a:ln w="60325">
+            <a:solidFill>
+              <a:srgbClr val="00B0F0"/>
+            </a:solidFill>
+          </a:ln>
+        </p:spPr>
+        <p:style>
+          <a:lnRef idx="2">
+            <a:schemeClr val="accent1"/>
+          </a:lnRef>
+          <a:fillRef idx="0">
+            <a:schemeClr val="accent1"/>
+          </a:fillRef>
+          <a:effectRef idx="1">
+            <a:schemeClr val="accent1"/>
+          </a:effectRef>
+          <a:fontRef idx="minor">
+            <a:schemeClr val="tx1"/>
+          </a:fontRef>
+        </p:style>
+      </p:cxnSp>
+      <p:sp>
+        <p:nvSpPr>
+          <p:cNvPr id="209" name="Rectangle 208">
+            <a:extLst>
+              <a:ext uri="{FF2B5EF4-FFF2-40B4-BE49-F238E27FC236}">
+                <a16:creationId xmlns:a16="http://schemas.microsoft.com/office/drawing/2014/main" id="{2A599E19-3809-EDC4-6E8E-7EE6C2333AF2}"/>
+              </a:ext>
+            </a:extLst>
+          </p:cNvPr>
+          <p:cNvSpPr/>
+          <p:nvPr/>
+        </p:nvSpPr>
+        <p:spPr>
+          <a:xfrm>
+            <a:off x="7076554" y="1570106"/>
+            <a:ext cx="834383" cy="87332"/>
+          </a:xfrm>
+          <a:prstGeom prst="rect">
+            <a:avLst/>
+          </a:prstGeom>
+          <a:solidFill>
+            <a:schemeClr val="tx1"/>
+          </a:solidFill>
+        </p:spPr>
+        <p:style>
+          <a:lnRef idx="2">
+            <a:schemeClr val="accent1">
+              <a:shade val="15000"/>
+            </a:schemeClr>
+          </a:lnRef>
+          <a:fillRef idx="1">
+            <a:schemeClr val="accent1"/>
+          </a:fillRef>
+          <a:effectRef idx="0">
+            <a:schemeClr val="accent1"/>
+          </a:effectRef>
+          <a:fontRef idx="minor">
+            <a:schemeClr val="lt1"/>
+          </a:fontRef>
+        </p:style>
+        <p:txBody>
+          <a:bodyPr wrap="none" rtlCol="0" anchor="ctr">
+            <a:noAutofit/>
+          </a:bodyPr>
+          <a:lstStyle/>
+          <a:p>
+            <a:pPr algn="ctr"/>
+            <a:endParaRPr lang="en-GB" sz="1200" dirty="0"/>
+          </a:p>
+        </p:txBody>
+      </p:sp>
+      <p:sp>
+        <p:nvSpPr>
+          <p:cNvPr id="210" name="Rectangle 209">
+            <a:extLst>
+              <a:ext uri="{FF2B5EF4-FFF2-40B4-BE49-F238E27FC236}">
+                <a16:creationId xmlns:a16="http://schemas.microsoft.com/office/drawing/2014/main" id="{661FBA49-8DB9-90E2-D5E9-60530AE596F1}"/>
+              </a:ext>
+            </a:extLst>
+          </p:cNvPr>
+          <p:cNvSpPr/>
+          <p:nvPr/>
+        </p:nvSpPr>
+        <p:spPr>
+          <a:xfrm>
+            <a:off x="7867271" y="1889054"/>
+            <a:ext cx="87332" cy="87332"/>
+          </a:xfrm>
+          <a:prstGeom prst="rect">
+            <a:avLst/>
+          </a:prstGeom>
+          <a:solidFill>
+            <a:schemeClr val="tx1"/>
+          </a:solidFill>
+        </p:spPr>
+        <p:style>
+          <a:lnRef idx="2">
+            <a:schemeClr val="accent1">
+              <a:shade val="15000"/>
+            </a:schemeClr>
+          </a:lnRef>
+          <a:fillRef idx="1">
+            <a:schemeClr val="accent1"/>
+          </a:fillRef>
+          <a:effectRef idx="0">
+            <a:schemeClr val="accent1"/>
+          </a:effectRef>
+          <a:fontRef idx="minor">
+            <a:schemeClr val="lt1"/>
+          </a:fontRef>
+        </p:style>
+        <p:txBody>
+          <a:bodyPr wrap="none" rtlCol="0" anchor="ctr">
+            <a:noAutofit/>
+          </a:bodyPr>
+          <a:lstStyle/>
+          <a:p>
+            <a:pPr algn="ctr"/>
+            <a:endParaRPr lang="en-GB" sz="1200" dirty="0"/>
+          </a:p>
+        </p:txBody>
+      </p:sp>
+      <p:cxnSp>
+        <p:nvCxnSpPr>
+          <p:cNvPr id="240" name="Straight Arrow Connector 239">
+            <a:extLst>
+              <a:ext uri="{FF2B5EF4-FFF2-40B4-BE49-F238E27FC236}">
+                <a16:creationId xmlns:a16="http://schemas.microsoft.com/office/drawing/2014/main" id="{F2B8A3C8-32D1-3138-90E5-3B06EF02DE89}"/>
+              </a:ext>
+            </a:extLst>
+          </p:cNvPr>
+          <p:cNvCxnSpPr/>
+          <p:nvPr/>
+        </p:nvCxnSpPr>
+        <p:spPr>
+          <a:xfrm>
+            <a:off x="4895273" y="2590120"/>
+            <a:ext cx="1200727" cy="0"/>
+          </a:xfrm>
+          <a:prstGeom prst="straightConnector1">
+            <a:avLst/>
+          </a:prstGeom>
+          <a:ln w="53975">
+            <a:solidFill>
+              <a:srgbClr val="FFFF00"/>
+            </a:solidFill>
+            <a:tailEnd type="triangle"/>
+          </a:ln>
+        </p:spPr>
+        <p:style>
+          <a:lnRef idx="2">
+            <a:schemeClr val="accent1"/>
+          </a:lnRef>
+          <a:fillRef idx="0">
+            <a:schemeClr val="accent1"/>
+          </a:fillRef>
+          <a:effectRef idx="1">
+            <a:schemeClr val="accent1"/>
+          </a:effectRef>
+          <a:fontRef idx="minor">
+            <a:schemeClr val="tx1"/>
+          </a:fontRef>
+        </p:style>
+      </p:cxnSp>
+      <p:sp>
+        <p:nvSpPr>
+          <p:cNvPr id="2" name="TextBox 1">
+            <a:extLst>
+              <a:ext uri="{FF2B5EF4-FFF2-40B4-BE49-F238E27FC236}">
+                <a16:creationId xmlns:a16="http://schemas.microsoft.com/office/drawing/2014/main" id="{BDAB2961-2483-A233-A3AC-504AE3F8C363}"/>
+              </a:ext>
+            </a:extLst>
+          </p:cNvPr>
+          <p:cNvSpPr txBox="1"/>
+          <p:nvPr/>
+        </p:nvSpPr>
+        <p:spPr>
+          <a:xfrm>
+            <a:off x="3488940" y="365360"/>
+            <a:ext cx="2992128" cy="2123658"/>
+          </a:xfrm>
+          <a:prstGeom prst="rect">
+            <a:avLst/>
+          </a:prstGeom>
+          <a:noFill/>
+        </p:spPr>
+        <p:txBody>
+          <a:bodyPr wrap="square" rtlCol="0">
+            <a:spAutoFit/>
+          </a:bodyPr>
+          <a:lstStyle/>
+          <a:p>
+            <a:pPr algn="l"/>
+            <a:r>
+              <a:rPr lang="en-GB" sz="4400" dirty="0"/>
+              <a:t>And then transform it to this</a:t>
+            </a:r>
+          </a:p>
+        </p:txBody>
+      </p:sp>
+      <p:sp>
+        <p:nvSpPr>
+          <p:cNvPr id="3" name="TextBox 2">
+            <a:extLst>
+              <a:ext uri="{FF2B5EF4-FFF2-40B4-BE49-F238E27FC236}">
+                <a16:creationId xmlns:a16="http://schemas.microsoft.com/office/drawing/2014/main" id="{D0333ED9-9F6C-1FB1-019F-F38C9A906C43}"/>
+              </a:ext>
+            </a:extLst>
+          </p:cNvPr>
+          <p:cNvSpPr txBox="1"/>
+          <p:nvPr/>
+        </p:nvSpPr>
+        <p:spPr>
+          <a:xfrm>
+            <a:off x="8645236" y="569976"/>
+            <a:ext cx="1487055" cy="307777"/>
+          </a:xfrm>
+          <a:prstGeom prst="rect">
+            <a:avLst/>
+          </a:prstGeom>
+          <a:noFill/>
+        </p:spPr>
+        <p:txBody>
+          <a:bodyPr wrap="square" rtlCol="0">
+            <a:spAutoFit/>
+          </a:bodyPr>
+          <a:lstStyle/>
+          <a:p>
+            <a:pPr algn="l"/>
+            <a:r>
+              <a:rPr lang="en-GB" sz="1400" dirty="0"/>
+              <a:t>Stable Order</a:t>
+            </a:r>
+          </a:p>
+        </p:txBody>
+      </p:sp>
+      <p:sp>
+        <p:nvSpPr>
+          <p:cNvPr id="23" name="TextBox 22">
+            <a:extLst>
+              <a:ext uri="{FF2B5EF4-FFF2-40B4-BE49-F238E27FC236}">
+                <a16:creationId xmlns:a16="http://schemas.microsoft.com/office/drawing/2014/main" id="{B1B149C1-8919-05D5-2A9B-6B3548CE165B}"/>
+              </a:ext>
+            </a:extLst>
+          </p:cNvPr>
+          <p:cNvSpPr txBox="1"/>
+          <p:nvPr/>
+        </p:nvSpPr>
+        <p:spPr>
+          <a:xfrm>
+            <a:off x="6069603" y="5783282"/>
+            <a:ext cx="1982347" cy="523220"/>
+          </a:xfrm>
+          <a:prstGeom prst="rect">
+            <a:avLst/>
+          </a:prstGeom>
+          <a:noFill/>
+        </p:spPr>
+        <p:txBody>
+          <a:bodyPr wrap="square" rtlCol="0">
+            <a:spAutoFit/>
+          </a:bodyPr>
+          <a:lstStyle/>
+          <a:p>
+            <a:pPr algn="l"/>
+            <a:r>
+              <a:rPr lang="en-GB" sz="1400" dirty="0"/>
+              <a:t>Linear Connectivity diagram</a:t>
+            </a:r>
+          </a:p>
+        </p:txBody>
+      </p:sp>
+      <p:sp>
+        <p:nvSpPr>
+          <p:cNvPr id="25" name="Rectangle 24">
+            <a:extLst>
+              <a:ext uri="{FF2B5EF4-FFF2-40B4-BE49-F238E27FC236}">
+                <a16:creationId xmlns:a16="http://schemas.microsoft.com/office/drawing/2014/main" id="{A2253989-1245-98C7-7805-AB8696B85D28}"/>
+              </a:ext>
+            </a:extLst>
+          </p:cNvPr>
+          <p:cNvSpPr/>
+          <p:nvPr/>
+        </p:nvSpPr>
+        <p:spPr>
+          <a:xfrm>
+            <a:off x="2697480" y="569976"/>
+            <a:ext cx="557783" cy="1731552"/>
+          </a:xfrm>
+          <a:prstGeom prst="rect">
+            <a:avLst/>
+          </a:prstGeom>
+          <a:noFill/>
+        </p:spPr>
+        <p:style>
+          <a:lnRef idx="2">
+            <a:schemeClr val="accent1">
+              <a:shade val="15000"/>
+            </a:schemeClr>
+          </a:lnRef>
+          <a:fillRef idx="1">
+            <a:schemeClr val="accent1"/>
+          </a:fillRef>
+          <a:effectRef idx="0">
+            <a:schemeClr val="accent1"/>
+          </a:effectRef>
+          <a:fontRef idx="minor">
+            <a:schemeClr val="lt1"/>
+          </a:fontRef>
+        </p:style>
+        <p:txBody>
+          <a:bodyPr wrap="none" rtlCol="0" anchor="ctr">
+            <a:noAutofit/>
+          </a:bodyPr>
+          <a:lstStyle/>
+          <a:p>
+            <a:pPr algn="ctr"/>
+            <a:endParaRPr lang="en-GB" sz="1200" dirty="0"/>
+          </a:p>
+        </p:txBody>
+      </p:sp>
+      <p:sp>
+        <p:nvSpPr>
+          <p:cNvPr id="27" name="Rectangle 26">
+            <a:extLst>
+              <a:ext uri="{FF2B5EF4-FFF2-40B4-BE49-F238E27FC236}">
+                <a16:creationId xmlns:a16="http://schemas.microsoft.com/office/drawing/2014/main" id="{10817977-B040-043A-E6D2-5B4A19488DDA}"/>
+              </a:ext>
+            </a:extLst>
+          </p:cNvPr>
+          <p:cNvSpPr/>
+          <p:nvPr/>
+        </p:nvSpPr>
+        <p:spPr>
+          <a:xfrm>
+            <a:off x="3214255" y="4000499"/>
+            <a:ext cx="624012" cy="1684021"/>
+          </a:xfrm>
+          <a:prstGeom prst="rect">
+            <a:avLst/>
+          </a:prstGeom>
+          <a:noFill/>
+        </p:spPr>
+        <p:style>
+          <a:lnRef idx="2">
+            <a:schemeClr val="accent1">
+              <a:shade val="15000"/>
+            </a:schemeClr>
+          </a:lnRef>
+          <a:fillRef idx="1">
+            <a:schemeClr val="accent1"/>
+          </a:fillRef>
+          <a:effectRef idx="0">
+            <a:schemeClr val="accent1"/>
+          </a:effectRef>
+          <a:fontRef idx="minor">
+            <a:schemeClr val="lt1"/>
+          </a:fontRef>
+        </p:style>
+        <p:txBody>
+          <a:bodyPr wrap="none" rtlCol="0" anchor="ctr">
+            <a:noAutofit/>
+          </a:bodyPr>
+          <a:lstStyle/>
+          <a:p>
+            <a:pPr algn="ctr"/>
+            <a:endParaRPr lang="en-GB" sz="1200" dirty="0"/>
+          </a:p>
+        </p:txBody>
+      </p:sp>
+      <p:sp>
+        <p:nvSpPr>
+          <p:cNvPr id="28" name="Rectangle 27">
+            <a:extLst>
+              <a:ext uri="{FF2B5EF4-FFF2-40B4-BE49-F238E27FC236}">
+                <a16:creationId xmlns:a16="http://schemas.microsoft.com/office/drawing/2014/main" id="{9E53B1E9-2965-5DD5-1D87-4A3AA4ED2E71}"/>
+              </a:ext>
+            </a:extLst>
+          </p:cNvPr>
+          <p:cNvSpPr/>
+          <p:nvPr/>
+        </p:nvSpPr>
+        <p:spPr>
+          <a:xfrm>
+            <a:off x="1345692" y="3632196"/>
+            <a:ext cx="1098803" cy="2508455"/>
+          </a:xfrm>
+          <a:prstGeom prst="rect">
+            <a:avLst/>
+          </a:prstGeom>
+          <a:noFill/>
+        </p:spPr>
+        <p:style>
+          <a:lnRef idx="2">
+            <a:schemeClr val="accent1">
+              <a:shade val="15000"/>
+            </a:schemeClr>
+          </a:lnRef>
+          <a:fillRef idx="1">
+            <a:schemeClr val="accent1"/>
+          </a:fillRef>
+          <a:effectRef idx="0">
+            <a:schemeClr val="accent1"/>
+          </a:effectRef>
+          <a:fontRef idx="minor">
+            <a:schemeClr val="lt1"/>
+          </a:fontRef>
+        </p:style>
+        <p:txBody>
+          <a:bodyPr wrap="none" rtlCol="0" anchor="ctr">
+            <a:noAutofit/>
+          </a:bodyPr>
+          <a:lstStyle/>
+          <a:p>
+            <a:pPr algn="ctr"/>
+            <a:endParaRPr lang="en-GB" sz="1200" dirty="0"/>
+          </a:p>
+        </p:txBody>
+      </p:sp>
+      <p:sp>
+        <p:nvSpPr>
+          <p:cNvPr id="34" name="Rectangle 33">
+            <a:extLst>
+              <a:ext uri="{FF2B5EF4-FFF2-40B4-BE49-F238E27FC236}">
+                <a16:creationId xmlns:a16="http://schemas.microsoft.com/office/drawing/2014/main" id="{123F6E81-EAEC-1B51-982C-1D6A60385B6B}"/>
+              </a:ext>
+            </a:extLst>
+          </p:cNvPr>
+          <p:cNvSpPr/>
+          <p:nvPr/>
+        </p:nvSpPr>
+        <p:spPr>
+          <a:xfrm>
+            <a:off x="1774956" y="153060"/>
+            <a:ext cx="557572" cy="469968"/>
+          </a:xfrm>
+          <a:prstGeom prst="rect">
+            <a:avLst/>
+          </a:prstGeom>
+          <a:solidFill>
+            <a:schemeClr val="tx1"/>
+          </a:solidFill>
+        </p:spPr>
+        <p:style>
+          <a:lnRef idx="2">
+            <a:schemeClr val="accent1">
+              <a:shade val="15000"/>
+            </a:schemeClr>
+          </a:lnRef>
+          <a:fillRef idx="1">
+            <a:schemeClr val="accent1"/>
+          </a:fillRef>
+          <a:effectRef idx="0">
+            <a:schemeClr val="accent1"/>
+          </a:effectRef>
+          <a:fontRef idx="minor">
+            <a:schemeClr val="lt1"/>
+          </a:fontRef>
+        </p:style>
+        <p:txBody>
+          <a:bodyPr wrap="none" rtlCol="0" anchor="ctr">
+            <a:noAutofit/>
+          </a:bodyPr>
+          <a:lstStyle/>
+          <a:p>
+            <a:pPr algn="ctr"/>
+            <a:r>
+              <a:rPr lang="en-GB" sz="1200" dirty="0"/>
+              <a:t>Start</a:t>
+            </a:r>
+          </a:p>
+        </p:txBody>
+      </p:sp>
+      <p:sp>
+        <p:nvSpPr>
+          <p:cNvPr id="36" name="Rectangle 35">
+            <a:extLst>
+              <a:ext uri="{FF2B5EF4-FFF2-40B4-BE49-F238E27FC236}">
+                <a16:creationId xmlns:a16="http://schemas.microsoft.com/office/drawing/2014/main" id="{CD04B82C-6CC0-99D4-CE31-314C44C7AD91}"/>
+              </a:ext>
+            </a:extLst>
+          </p:cNvPr>
+          <p:cNvSpPr/>
+          <p:nvPr/>
+        </p:nvSpPr>
+        <p:spPr>
+          <a:xfrm>
+            <a:off x="2480164" y="6284325"/>
+            <a:ext cx="557572" cy="469968"/>
+          </a:xfrm>
+          <a:prstGeom prst="rect">
+            <a:avLst/>
+          </a:prstGeom>
+          <a:solidFill>
+            <a:schemeClr val="tx1"/>
+          </a:solidFill>
+        </p:spPr>
+        <p:style>
+          <a:lnRef idx="2">
+            <a:schemeClr val="accent1">
+              <a:shade val="15000"/>
+            </a:schemeClr>
+          </a:lnRef>
+          <a:fillRef idx="1">
+            <a:schemeClr val="accent1"/>
+          </a:fillRef>
+          <a:effectRef idx="0">
+            <a:schemeClr val="accent1"/>
+          </a:effectRef>
+          <a:fontRef idx="minor">
+            <a:schemeClr val="lt1"/>
+          </a:fontRef>
+        </p:style>
+        <p:txBody>
+          <a:bodyPr wrap="none" rtlCol="0" anchor="ctr">
+            <a:noAutofit/>
+          </a:bodyPr>
+          <a:lstStyle/>
+          <a:p>
+            <a:pPr algn="ctr"/>
+            <a:r>
+              <a:rPr lang="en-GB" sz="1200" dirty="0"/>
+              <a:t>End</a:t>
+            </a:r>
+          </a:p>
+        </p:txBody>
+      </p:sp>
+      <p:cxnSp>
+        <p:nvCxnSpPr>
+          <p:cNvPr id="40" name="Straight Arrow Connector 39">
+            <a:extLst>
+              <a:ext uri="{FF2B5EF4-FFF2-40B4-BE49-F238E27FC236}">
+                <a16:creationId xmlns:a16="http://schemas.microsoft.com/office/drawing/2014/main" id="{2F45D6AE-2F08-2B49-9568-554E4F5ABA77}"/>
+              </a:ext>
+            </a:extLst>
+          </p:cNvPr>
+          <p:cNvCxnSpPr>
+            <a:stCxn id="34" idx="2"/>
+            <a:endCxn id="5" idx="0"/>
+          </p:cNvCxnSpPr>
+          <p:nvPr/>
+        </p:nvCxnSpPr>
+        <p:spPr>
+          <a:xfrm flipH="1">
+            <a:off x="800100" y="623028"/>
+            <a:ext cx="1253642" cy="151164"/>
+          </a:xfrm>
+          <a:prstGeom prst="straightConnector1">
+            <a:avLst/>
+          </a:prstGeom>
+          <a:ln>
+            <a:tailEnd type="triangle"/>
+          </a:ln>
+        </p:spPr>
+        <p:style>
+          <a:lnRef idx="2">
+            <a:schemeClr val="accent1"/>
+          </a:lnRef>
+          <a:fillRef idx="0">
+            <a:schemeClr val="accent1"/>
+          </a:fillRef>
+          <a:effectRef idx="1">
+            <a:schemeClr val="accent1"/>
+          </a:effectRef>
+          <a:fontRef idx="minor">
+            <a:schemeClr val="tx1"/>
+          </a:fontRef>
+        </p:style>
+      </p:cxnSp>
+      <p:cxnSp>
+        <p:nvCxnSpPr>
+          <p:cNvPr id="42" name="Straight Arrow Connector 41">
+            <a:extLst>
+              <a:ext uri="{FF2B5EF4-FFF2-40B4-BE49-F238E27FC236}">
+                <a16:creationId xmlns:a16="http://schemas.microsoft.com/office/drawing/2014/main" id="{EECE8086-A839-412B-CA74-A70E9EF8EB88}"/>
+              </a:ext>
+            </a:extLst>
+          </p:cNvPr>
+          <p:cNvCxnSpPr>
+            <a:cxnSpLocks/>
+            <a:stCxn id="34" idx="2"/>
+            <a:endCxn id="7" idx="0"/>
+          </p:cNvCxnSpPr>
+          <p:nvPr/>
+        </p:nvCxnSpPr>
+        <p:spPr>
+          <a:xfrm flipH="1">
+            <a:off x="1476756" y="623028"/>
+            <a:ext cx="576986" cy="151164"/>
+          </a:xfrm>
+          <a:prstGeom prst="straightConnector1">
+            <a:avLst/>
+          </a:prstGeom>
+          <a:ln>
+            <a:tailEnd type="triangle"/>
+          </a:ln>
+        </p:spPr>
+        <p:style>
+          <a:lnRef idx="2">
+            <a:schemeClr val="accent1"/>
+          </a:lnRef>
+          <a:fillRef idx="0">
+            <a:schemeClr val="accent1"/>
+          </a:fillRef>
+          <a:effectRef idx="1">
+            <a:schemeClr val="accent1"/>
+          </a:effectRef>
+          <a:fontRef idx="minor">
+            <a:schemeClr val="tx1"/>
+          </a:fontRef>
+        </p:style>
+      </p:cxnSp>
+      <p:cxnSp>
+        <p:nvCxnSpPr>
+          <p:cNvPr id="45" name="Straight Arrow Connector 44">
+            <a:extLst>
+              <a:ext uri="{FF2B5EF4-FFF2-40B4-BE49-F238E27FC236}">
+                <a16:creationId xmlns:a16="http://schemas.microsoft.com/office/drawing/2014/main" id="{7D23C123-4E9A-5D50-1564-5672681D76CE}"/>
+              </a:ext>
+            </a:extLst>
+          </p:cNvPr>
+          <p:cNvCxnSpPr>
+            <a:stCxn id="34" idx="2"/>
+            <a:endCxn id="8" idx="1"/>
+          </p:cNvCxnSpPr>
+          <p:nvPr/>
+        </p:nvCxnSpPr>
+        <p:spPr>
+          <a:xfrm>
+            <a:off x="2053742" y="623028"/>
+            <a:ext cx="868270" cy="76992"/>
+          </a:xfrm>
+          <a:prstGeom prst="straightConnector1">
+            <a:avLst/>
+          </a:prstGeom>
+          <a:ln>
+            <a:tailEnd type="triangle"/>
+          </a:ln>
+        </p:spPr>
+        <p:style>
+          <a:lnRef idx="2">
+            <a:schemeClr val="accent1"/>
+          </a:lnRef>
+          <a:fillRef idx="0">
+            <a:schemeClr val="accent1"/>
+          </a:fillRef>
+          <a:effectRef idx="1">
+            <a:schemeClr val="accent1"/>
+          </a:effectRef>
+          <a:fontRef idx="minor">
+            <a:schemeClr val="tx1"/>
+          </a:fontRef>
+        </p:style>
+      </p:cxnSp>
+      <p:cxnSp>
+        <p:nvCxnSpPr>
+          <p:cNvPr id="47" name="Straight Arrow Connector 46">
+            <a:extLst>
+              <a:ext uri="{FF2B5EF4-FFF2-40B4-BE49-F238E27FC236}">
+                <a16:creationId xmlns:a16="http://schemas.microsoft.com/office/drawing/2014/main" id="{39D5246F-917F-D195-E384-CA184E562599}"/>
+              </a:ext>
+            </a:extLst>
+          </p:cNvPr>
+          <p:cNvCxnSpPr>
+            <a:stCxn id="21" idx="4"/>
+            <a:endCxn id="36" idx="0"/>
+          </p:cNvCxnSpPr>
+          <p:nvPr/>
+        </p:nvCxnSpPr>
+        <p:spPr>
+          <a:xfrm>
+            <a:off x="2047236" y="5885688"/>
+            <a:ext cx="711714" cy="398637"/>
+          </a:xfrm>
+          <a:prstGeom prst="straightConnector1">
+            <a:avLst/>
+          </a:prstGeom>
+          <a:ln>
+            <a:tailEnd type="triangle"/>
+          </a:ln>
+        </p:spPr>
+        <p:style>
+          <a:lnRef idx="2">
+            <a:schemeClr val="accent1"/>
+          </a:lnRef>
+          <a:fillRef idx="0">
+            <a:schemeClr val="accent1"/>
+          </a:fillRef>
+          <a:effectRef idx="1">
+            <a:schemeClr val="accent1"/>
+          </a:effectRef>
+          <a:fontRef idx="minor">
+            <a:schemeClr val="tx1"/>
+          </a:fontRef>
+        </p:style>
+      </p:cxnSp>
+      <p:cxnSp>
+        <p:nvCxnSpPr>
+          <p:cNvPr id="49" name="Straight Arrow Connector 48">
+            <a:extLst>
+              <a:ext uri="{FF2B5EF4-FFF2-40B4-BE49-F238E27FC236}">
+                <a16:creationId xmlns:a16="http://schemas.microsoft.com/office/drawing/2014/main" id="{1B4E6292-B4F3-2AE9-7D31-F63B7D3C02AA}"/>
+              </a:ext>
+            </a:extLst>
+          </p:cNvPr>
+          <p:cNvCxnSpPr>
+            <a:stCxn id="22" idx="4"/>
+            <a:endCxn id="36" idx="0"/>
+          </p:cNvCxnSpPr>
+          <p:nvPr/>
+        </p:nvCxnSpPr>
+        <p:spPr>
+          <a:xfrm flipH="1">
+            <a:off x="2758950" y="5483352"/>
+            <a:ext cx="813306" cy="800973"/>
+          </a:xfrm>
+          <a:prstGeom prst="straightConnector1">
+            <a:avLst/>
+          </a:prstGeom>
+          <a:ln>
+            <a:tailEnd type="triangle"/>
+          </a:ln>
+        </p:spPr>
+        <p:style>
+          <a:lnRef idx="2">
+            <a:schemeClr val="accent1"/>
+          </a:lnRef>
+          <a:fillRef idx="0">
+            <a:schemeClr val="accent1"/>
+          </a:fillRef>
+          <a:effectRef idx="1">
+            <a:schemeClr val="accent1"/>
+          </a:effectRef>
+          <a:fontRef idx="minor">
+            <a:schemeClr val="tx1"/>
+          </a:fontRef>
+        </p:style>
+      </p:cxnSp>
+      <p:cxnSp>
+        <p:nvCxnSpPr>
+          <p:cNvPr id="65" name="Connector: Curved 64">
+            <a:extLst>
+              <a:ext uri="{FF2B5EF4-FFF2-40B4-BE49-F238E27FC236}">
+                <a16:creationId xmlns:a16="http://schemas.microsoft.com/office/drawing/2014/main" id="{2BA97DC5-13C6-DBAF-D3DC-3786B0ABA611}"/>
+              </a:ext>
+            </a:extLst>
+          </p:cNvPr>
+          <p:cNvCxnSpPr>
+            <a:cxnSpLocks/>
+            <a:stCxn id="20" idx="2"/>
+            <a:endCxn id="36" idx="1"/>
+          </p:cNvCxnSpPr>
+          <p:nvPr/>
+        </p:nvCxnSpPr>
+        <p:spPr>
+          <a:xfrm rot="10800000" flipH="1" flipV="1">
+            <a:off x="1345692" y="3462527"/>
+            <a:ext cx="1134472" cy="3056781"/>
+          </a:xfrm>
+          <a:prstGeom prst="curvedConnector3">
+            <a:avLst>
+              <a:gd name="adj1" fmla="val -65743"/>
+            </a:avLst>
+          </a:prstGeom>
+          <a:ln>
+            <a:tailEnd type="triangle"/>
+          </a:ln>
+        </p:spPr>
+        <p:style>
+          <a:lnRef idx="2">
+            <a:schemeClr val="accent1"/>
+          </a:lnRef>
+          <a:fillRef idx="0">
+            <a:schemeClr val="accent1"/>
+          </a:fillRef>
+          <a:effectRef idx="1">
+            <a:schemeClr val="accent1"/>
+          </a:effectRef>
+          <a:fontRef idx="minor">
+            <a:schemeClr val="tx1"/>
+          </a:fontRef>
+        </p:style>
+      </p:cxnSp>
+      <p:cxnSp>
+        <p:nvCxnSpPr>
+          <p:cNvPr id="74" name="Connector: Curved 73">
+            <a:extLst>
+              <a:ext uri="{FF2B5EF4-FFF2-40B4-BE49-F238E27FC236}">
+                <a16:creationId xmlns:a16="http://schemas.microsoft.com/office/drawing/2014/main" id="{58C3ECDE-C76A-A901-D8FE-DE3F9775C6A4}"/>
+              </a:ext>
+            </a:extLst>
+          </p:cNvPr>
+          <p:cNvCxnSpPr>
+            <a:cxnSpLocks/>
+            <a:stCxn id="6" idx="4"/>
+            <a:endCxn id="36" idx="3"/>
+          </p:cNvCxnSpPr>
+          <p:nvPr/>
+        </p:nvCxnSpPr>
+        <p:spPr>
+          <a:xfrm rot="5400000">
+            <a:off x="2435735" y="4803668"/>
+            <a:ext cx="2317642" cy="1113640"/>
+          </a:xfrm>
+          <a:prstGeom prst="curvedConnector2">
+            <a:avLst/>
+          </a:prstGeom>
+          <a:ln>
+            <a:tailEnd type="triangle"/>
+          </a:ln>
+        </p:spPr>
+        <p:style>
+          <a:lnRef idx="2">
+            <a:schemeClr val="accent1"/>
+          </a:lnRef>
+          <a:fillRef idx="0">
+            <a:schemeClr val="accent1"/>
+          </a:fillRef>
+          <a:effectRef idx="1">
+            <a:schemeClr val="accent1"/>
+          </a:effectRef>
+          <a:fontRef idx="minor">
+            <a:schemeClr val="tx1"/>
+          </a:fontRef>
+        </p:style>
+      </p:cxnSp>
+    </p:spTree>
+    <p:extLst>
+      <p:ext uri="{BB962C8B-B14F-4D97-AF65-F5344CB8AC3E}">
+        <p14:creationId xmlns:p14="http://schemas.microsoft.com/office/powerpoint/2010/main" val="3987986558"/>
+      </p:ext>
+    </p:extLst>
+  </p:cSld>
+  <p:clrMapOvr>
+    <a:masterClrMapping/>
+  </p:clrMapOvr>
+</p:sld>
+</file>
+
 <file path=ppt/slides/slide2.xml><?xml version="1.0" encoding="utf-8"?>
 <p:sld xmlns:a="http://schemas.openxmlformats.org/drawingml/2006/main" xmlns:r="http://schemas.openxmlformats.org/officeDocument/2006/relationships" xmlns:p="http://schemas.openxmlformats.org/presentationml/2006/main">
   <p:cSld>
@@ -5065,8 +13213,8 @@
           </a:prstGeom>
         </p:spPr>
       </p:pic>
-      <mc:AlternateContent xmlns:mc="http://schemas.openxmlformats.org/markup-compatibility/2006">
-        <mc:Choice xmlns:p14="http://schemas.microsoft.com/office/powerpoint/2010/main" Requires="p14">
+      <mc:AlternateContent xmlns:mc="http://schemas.openxmlformats.org/markup-compatibility/2006" xmlns:p14="http://schemas.microsoft.com/office/powerpoint/2010/main">
+        <mc:Choice Requires="p14">
           <p:contentPart p14:bwMode="auto" r:id="rId3">
             <p14:nvContentPartPr>
               <p14:cNvPr id="2" name="Ink 1">
@@ -5085,7 +13233,7 @@
             </p14:xfrm>
           </p:contentPart>
         </mc:Choice>
-        <mc:Fallback>
+        <mc:Fallback xmlns="">
           <p:pic>
             <p:nvPicPr>
               <p:cNvPr id="2" name="Ink 1">
@@ -5116,8 +13264,8 @@
           </p:pic>
         </mc:Fallback>
       </mc:AlternateContent>
-      <mc:AlternateContent xmlns:mc="http://schemas.openxmlformats.org/markup-compatibility/2006">
-        <mc:Choice xmlns:p14="http://schemas.microsoft.com/office/powerpoint/2010/main" Requires="p14">
+      <mc:AlternateContent xmlns:mc="http://schemas.openxmlformats.org/markup-compatibility/2006" xmlns:p14="http://schemas.microsoft.com/office/powerpoint/2010/main">
+        <mc:Choice Requires="p14">
           <p:contentPart p14:bwMode="auto" r:id="rId5">
             <p14:nvContentPartPr>
               <p14:cNvPr id="13" name="Ink 12">
@@ -5136,7 +13284,7 @@
             </p14:xfrm>
           </p:contentPart>
         </mc:Choice>
-        <mc:Fallback>
+        <mc:Fallback xmlns="">
           <p:pic>
             <p:nvPicPr>
               <p:cNvPr id="13" name="Ink 12">
@@ -5167,8 +13315,8 @@
           </p:pic>
         </mc:Fallback>
       </mc:AlternateContent>
-      <mc:AlternateContent xmlns:mc="http://schemas.openxmlformats.org/markup-compatibility/2006">
-        <mc:Choice xmlns:p14="http://schemas.microsoft.com/office/powerpoint/2010/main" Requires="p14">
+      <mc:AlternateContent xmlns:mc="http://schemas.openxmlformats.org/markup-compatibility/2006" xmlns:p14="http://schemas.microsoft.com/office/powerpoint/2010/main">
+        <mc:Choice Requires="p14">
           <p:contentPart p14:bwMode="auto" r:id="rId7">
             <p14:nvContentPartPr>
               <p14:cNvPr id="14" name="Ink 13">
@@ -5187,7 +13335,7 @@
             </p14:xfrm>
           </p:contentPart>
         </mc:Choice>
-        <mc:Fallback>
+        <mc:Fallback xmlns="">
           <p:pic>
             <p:nvPicPr>
               <p:cNvPr id="14" name="Ink 13">
@@ -5218,8 +13366,8 @@
           </p:pic>
         </mc:Fallback>
       </mc:AlternateContent>
-      <mc:AlternateContent xmlns:mc="http://schemas.openxmlformats.org/markup-compatibility/2006">
-        <mc:Choice xmlns:p14="http://schemas.microsoft.com/office/powerpoint/2010/main" Requires="p14">
+      <mc:AlternateContent xmlns:mc="http://schemas.openxmlformats.org/markup-compatibility/2006" xmlns:p14="http://schemas.microsoft.com/office/powerpoint/2010/main">
+        <mc:Choice Requires="p14">
           <p:contentPart p14:bwMode="auto" r:id="rId9">
             <p14:nvContentPartPr>
               <p14:cNvPr id="15" name="Ink 14">
@@ -5238,7 +13386,7 @@
             </p14:xfrm>
           </p:contentPart>
         </mc:Choice>
-        <mc:Fallback>
+        <mc:Fallback xmlns="">
           <p:pic>
             <p:nvPicPr>
               <p:cNvPr id="15" name="Ink 14">
@@ -5269,8 +13417,8 @@
           </p:pic>
         </mc:Fallback>
       </mc:AlternateContent>
-      <mc:AlternateContent xmlns:mc="http://schemas.openxmlformats.org/markup-compatibility/2006">
-        <mc:Choice xmlns:p14="http://schemas.microsoft.com/office/powerpoint/2010/main" Requires="p14">
+      <mc:AlternateContent xmlns:mc="http://schemas.openxmlformats.org/markup-compatibility/2006" xmlns:p14="http://schemas.microsoft.com/office/powerpoint/2010/main">
+        <mc:Choice Requires="p14">
           <p:contentPart p14:bwMode="auto" r:id="rId11">
             <p14:nvContentPartPr>
               <p14:cNvPr id="16" name="Ink 15">
@@ -5289,7 +13437,7 @@
             </p14:xfrm>
           </p:contentPart>
         </mc:Choice>
-        <mc:Fallback>
+        <mc:Fallback xmlns="">
           <p:pic>
             <p:nvPicPr>
               <p:cNvPr id="16" name="Ink 15">
@@ -5320,8 +13468,8 @@
           </p:pic>
         </mc:Fallback>
       </mc:AlternateContent>
-      <mc:AlternateContent xmlns:mc="http://schemas.openxmlformats.org/markup-compatibility/2006">
-        <mc:Choice xmlns:p14="http://schemas.microsoft.com/office/powerpoint/2010/main" Requires="p14">
+      <mc:AlternateContent xmlns:mc="http://schemas.openxmlformats.org/markup-compatibility/2006" xmlns:p14="http://schemas.microsoft.com/office/powerpoint/2010/main">
+        <mc:Choice Requires="p14">
           <p:contentPart p14:bwMode="auto" r:id="rId13">
             <p14:nvContentPartPr>
               <p14:cNvPr id="17" name="Ink 16">
@@ -5340,7 +13488,7 @@
             </p14:xfrm>
           </p:contentPart>
         </mc:Choice>
-        <mc:Fallback>
+        <mc:Fallback xmlns="">
           <p:pic>
             <p:nvPicPr>
               <p:cNvPr id="17" name="Ink 16">
@@ -5371,8 +13519,8 @@
           </p:pic>
         </mc:Fallback>
       </mc:AlternateContent>
-      <mc:AlternateContent xmlns:mc="http://schemas.openxmlformats.org/markup-compatibility/2006">
-        <mc:Choice xmlns:p14="http://schemas.microsoft.com/office/powerpoint/2010/main" Requires="p14">
+      <mc:AlternateContent xmlns:mc="http://schemas.openxmlformats.org/markup-compatibility/2006" xmlns:p14="http://schemas.microsoft.com/office/powerpoint/2010/main">
+        <mc:Choice Requires="p14">
           <p:contentPart p14:bwMode="auto" r:id="rId15">
             <p14:nvContentPartPr>
               <p14:cNvPr id="18" name="Ink 17">
@@ -5391,7 +13539,7 @@
             </p14:xfrm>
           </p:contentPart>
         </mc:Choice>
-        <mc:Fallback>
+        <mc:Fallback xmlns="">
           <p:pic>
             <p:nvPicPr>
               <p:cNvPr id="18" name="Ink 17">
@@ -5422,8 +13570,8 @@
           </p:pic>
         </mc:Fallback>
       </mc:AlternateContent>
-      <mc:AlternateContent xmlns:mc="http://schemas.openxmlformats.org/markup-compatibility/2006">
-        <mc:Choice xmlns:p14="http://schemas.microsoft.com/office/powerpoint/2010/main" Requires="p14">
+      <mc:AlternateContent xmlns:mc="http://schemas.openxmlformats.org/markup-compatibility/2006" xmlns:p14="http://schemas.microsoft.com/office/powerpoint/2010/main">
+        <mc:Choice Requires="p14">
           <p:contentPart p14:bwMode="auto" r:id="rId17">
             <p14:nvContentPartPr>
               <p14:cNvPr id="19" name="Ink 18">
@@ -5442,7 +13590,7 @@
             </p14:xfrm>
           </p:contentPart>
         </mc:Choice>
-        <mc:Fallback>
+        <mc:Fallback xmlns="">
           <p:pic>
             <p:nvPicPr>
               <p:cNvPr id="19" name="Ink 18">
@@ -5764,6 +13912,293 @@
     <p:extLst>
       <p:ext uri="{BB962C8B-B14F-4D97-AF65-F5344CB8AC3E}">
         <p14:creationId xmlns:p14="http://schemas.microsoft.com/office/powerpoint/2010/main" val="1261633815"/>
+      </p:ext>
+    </p:extLst>
+  </p:cSld>
+  <p:clrMapOvr>
+    <a:masterClrMapping/>
+  </p:clrMapOvr>
+</p:sld>
+</file>
+
+<file path=ppt/slides/slide8.xml><?xml version="1.0" encoding="utf-8"?>
+<p:sld xmlns:a="http://schemas.openxmlformats.org/drawingml/2006/main" xmlns:r="http://schemas.openxmlformats.org/officeDocument/2006/relationships" xmlns:p="http://schemas.openxmlformats.org/presentationml/2006/main">
+  <p:cSld>
+    <p:spTree>
+      <p:nvGrpSpPr>
+        <p:cNvPr id="1" name=""/>
+        <p:cNvGrpSpPr/>
+        <p:nvPr/>
+      </p:nvGrpSpPr>
+      <p:grpSpPr>
+        <a:xfrm>
+          <a:off x="0" y="0"/>
+          <a:ext cx="0" cy="0"/>
+          <a:chOff x="0" y="0"/>
+          <a:chExt cx="0" cy="0"/>
+        </a:xfrm>
+      </p:grpSpPr>
+      <p:sp>
+        <p:nvSpPr>
+          <p:cNvPr id="2" name="Title 1">
+            <a:extLst>
+              <a:ext uri="{FF2B5EF4-FFF2-40B4-BE49-F238E27FC236}">
+                <a16:creationId xmlns:a16="http://schemas.microsoft.com/office/drawing/2014/main" id="{897BD4C6-3BBD-A4D7-C165-0E392E21F67C}"/>
+              </a:ext>
+            </a:extLst>
+          </p:cNvPr>
+          <p:cNvSpPr>
+            <a:spLocks noGrp="1"/>
+          </p:cNvSpPr>
+          <p:nvPr>
+            <p:ph type="title"/>
+          </p:nvPr>
+        </p:nvSpPr>
+        <p:spPr/>
+        <p:txBody>
+          <a:bodyPr/>
+          <a:lstStyle/>
+          <a:p>
+            <a:r>
+              <a:rPr lang="en-GB" dirty="0"/>
+              <a:t>Line Structure Sub-Project</a:t>
+            </a:r>
+          </a:p>
+        </p:txBody>
+      </p:sp>
+      <p:sp>
+        <p:nvSpPr>
+          <p:cNvPr id="3" name="Content Placeholder 2">
+            <a:extLst>
+              <a:ext uri="{FF2B5EF4-FFF2-40B4-BE49-F238E27FC236}">
+                <a16:creationId xmlns:a16="http://schemas.microsoft.com/office/drawing/2014/main" id="{4B672907-E18D-4430-3A85-2C5371DD9D2F}"/>
+              </a:ext>
+            </a:extLst>
+          </p:cNvPr>
+          <p:cNvSpPr>
+            <a:spLocks noGrp="1"/>
+          </p:cNvSpPr>
+          <p:nvPr>
+            <p:ph idx="1"/>
+          </p:nvPr>
+        </p:nvSpPr>
+        <p:spPr/>
+        <p:txBody>
+          <a:bodyPr/>
+          <a:lstStyle/>
+          <a:p>
+            <a:r>
+              <a:rPr lang="en-GB" dirty="0"/>
+              <a:t>Requirement:</a:t>
+            </a:r>
+          </a:p>
+          <a:p>
+            <a:pPr lvl="1"/>
+            <a:r>
+              <a:rPr lang="en-GB" dirty="0"/>
+              <a:t>Users need to select stations at various points in the App:</a:t>
+            </a:r>
+          </a:p>
+          <a:p>
+            <a:pPr lvl="2"/>
+            <a:r>
+              <a:rPr lang="en-GB" dirty="0"/>
+              <a:t>Type and search - done</a:t>
+            </a:r>
+          </a:p>
+          <a:p>
+            <a:pPr lvl="2"/>
+            <a:r>
+              <a:rPr lang="en-GB" dirty="0"/>
+              <a:t>Show and click</a:t>
+            </a:r>
+          </a:p>
+          <a:p>
+            <a:pPr lvl="1"/>
+            <a:r>
+              <a:rPr lang="en-GB" dirty="0"/>
+              <a:t>Need a way to show the stations:</a:t>
+            </a:r>
+          </a:p>
+          <a:p>
+            <a:pPr lvl="2"/>
+            <a:r>
+              <a:rPr lang="en-GB" dirty="0"/>
+              <a:t>On a Map. Need to know </a:t>
+            </a:r>
+            <a:r>
+              <a:rPr lang="en-GB" dirty="0">
+                <a:solidFill>
+                  <a:srgbClr val="0070C0"/>
+                </a:solidFill>
+              </a:rPr>
+              <a:t>coordinates</a:t>
+            </a:r>
+            <a:r>
+              <a:rPr lang="en-GB" dirty="0"/>
+              <a:t> and </a:t>
+            </a:r>
+            <a:r>
+              <a:rPr lang="en-GB" dirty="0">
+                <a:solidFill>
+                  <a:srgbClr val="0070C0"/>
+                </a:solidFill>
+              </a:rPr>
+              <a:t>lines</a:t>
+            </a:r>
+            <a:r>
+              <a:rPr lang="en-GB" dirty="0"/>
+              <a:t> that connect stations.</a:t>
+            </a:r>
+          </a:p>
+          <a:p>
+            <a:pPr lvl="2"/>
+            <a:r>
+              <a:rPr lang="en-GB" dirty="0"/>
+              <a:t>In a List. Lines have as many as 40 stations, it’s not user friendly if the order of stations changes every time they look at a list</a:t>
+            </a:r>
+          </a:p>
+          <a:p>
+            <a:pPr lvl="3"/>
+            <a:r>
+              <a:rPr lang="en-GB" dirty="0"/>
+              <a:t>Order by A-Z – possible MVP solution</a:t>
+            </a:r>
+          </a:p>
+          <a:p>
+            <a:pPr lvl="3"/>
+            <a:r>
+              <a:rPr lang="en-GB" b="1" dirty="0"/>
+              <a:t>Order by “intuitive line order”, e.g. </a:t>
+            </a:r>
+            <a:r>
+              <a:rPr lang="en-GB" b="1" dirty="0">
+                <a:hlinkClick r:id="rId2"/>
+              </a:rPr>
+              <a:t>https://tubephotos.dannycox.me.uk/stationsbyline.html</a:t>
+            </a:r>
+            <a:r>
+              <a:rPr lang="en-GB" b="1" dirty="0"/>
+              <a:t> </a:t>
+            </a:r>
+          </a:p>
+          <a:p>
+            <a:pPr lvl="1"/>
+            <a:endParaRPr lang="en-GB" dirty="0"/>
+          </a:p>
+        </p:txBody>
+      </p:sp>
+    </p:spTree>
+    <p:extLst>
+      <p:ext uri="{BB962C8B-B14F-4D97-AF65-F5344CB8AC3E}">
+        <p14:creationId xmlns:p14="http://schemas.microsoft.com/office/powerpoint/2010/main" val="2218732480"/>
+      </p:ext>
+    </p:extLst>
+  </p:cSld>
+  <p:clrMapOvr>
+    <a:masterClrMapping/>
+  </p:clrMapOvr>
+</p:sld>
+</file>
+
+<file path=ppt/slides/slide9.xml><?xml version="1.0" encoding="utf-8"?>
+<p:sld xmlns:a="http://schemas.openxmlformats.org/drawingml/2006/main" xmlns:r="http://schemas.openxmlformats.org/officeDocument/2006/relationships" xmlns:p="http://schemas.openxmlformats.org/presentationml/2006/main">
+  <p:cSld>
+    <p:spTree>
+      <p:nvGrpSpPr>
+        <p:cNvPr id="1" name=""/>
+        <p:cNvGrpSpPr/>
+        <p:nvPr/>
+      </p:nvGrpSpPr>
+      <p:grpSpPr>
+        <a:xfrm>
+          <a:off x="0" y="0"/>
+          <a:ext cx="0" cy="0"/>
+          <a:chOff x="0" y="0"/>
+          <a:chExt cx="0" cy="0"/>
+        </a:xfrm>
+      </p:grpSpPr>
+      <p:sp>
+        <p:nvSpPr>
+          <p:cNvPr id="2" name="Title 1">
+            <a:extLst>
+              <a:ext uri="{FF2B5EF4-FFF2-40B4-BE49-F238E27FC236}">
+                <a16:creationId xmlns:a16="http://schemas.microsoft.com/office/drawing/2014/main" id="{4E39E516-A83E-BB91-F4C8-8EF2C7555471}"/>
+              </a:ext>
+            </a:extLst>
+          </p:cNvPr>
+          <p:cNvSpPr>
+            <a:spLocks noGrp="1"/>
+          </p:cNvSpPr>
+          <p:nvPr>
+            <p:ph type="title"/>
+          </p:nvPr>
+        </p:nvSpPr>
+        <p:spPr/>
+        <p:txBody>
+          <a:bodyPr/>
+          <a:lstStyle/>
+          <a:p>
+            <a:r>
+              <a:rPr lang="en-GB" dirty="0"/>
+              <a:t>Line Structure Project</a:t>
+            </a:r>
+          </a:p>
+        </p:txBody>
+      </p:sp>
+      <p:sp>
+        <p:nvSpPr>
+          <p:cNvPr id="3" name="Content Placeholder 2">
+            <a:extLst>
+              <a:ext uri="{FF2B5EF4-FFF2-40B4-BE49-F238E27FC236}">
+                <a16:creationId xmlns:a16="http://schemas.microsoft.com/office/drawing/2014/main" id="{500A3DAB-46EE-2E10-D683-C8CBAB078BF0}"/>
+              </a:ext>
+            </a:extLst>
+          </p:cNvPr>
+          <p:cNvSpPr>
+            <a:spLocks noGrp="1"/>
+          </p:cNvSpPr>
+          <p:nvPr>
+            <p:ph idx="1"/>
+          </p:nvPr>
+        </p:nvSpPr>
+        <p:spPr/>
+        <p:txBody>
+          <a:bodyPr/>
+          <a:lstStyle/>
+          <a:p>
+            <a:r>
+              <a:rPr lang="en-GB" dirty="0"/>
+              <a:t>What follows could be achieved by reusing TfL artwork and line diagrams</a:t>
+            </a:r>
+          </a:p>
+          <a:p>
+            <a:r>
+              <a:rPr lang="en-GB" dirty="0"/>
+              <a:t>The purpose here is an exercise in analysis and algorithm design</a:t>
+            </a:r>
+          </a:p>
+          <a:p>
+            <a:r>
+              <a:rPr lang="en-GB" dirty="0"/>
+              <a:t>We could also just do this manually, but we’re here to learn to program</a:t>
+            </a:r>
+          </a:p>
+          <a:p>
+            <a:pPr marL="0" indent="0">
+              <a:buNone/>
+            </a:pPr>
+            <a:r>
+              <a:rPr lang="en-GB" sz="1800" i="1" dirty="0"/>
+              <a:t>TfL copyrights their artwork so we need permission anyway</a:t>
+            </a:r>
+          </a:p>
+        </p:txBody>
+      </p:sp>
+    </p:spTree>
+    <p:extLst>
+      <p:ext uri="{BB962C8B-B14F-4D97-AF65-F5344CB8AC3E}">
+        <p14:creationId xmlns:p14="http://schemas.microsoft.com/office/powerpoint/2010/main" val="696699094"/>
       </p:ext>
     </p:extLst>
   </p:cSld>
@@ -6059,6 +14494,33 @@
     </a:fmtScheme>
   </a:themeElements>
   <a:objectDefaults>
+    <a:spDef>
+      <a:spPr/>
+      <a:bodyPr wrap="none" rtlCol="0" anchor="ctr">
+        <a:noAutofit/>
+      </a:bodyPr>
+      <a:lstStyle>
+        <a:defPPr algn="ctr">
+          <a:defRPr sz="1200" dirty="0" smtClean="0"/>
+        </a:defPPr>
+      </a:lstStyle>
+      <a:style>
+        <a:lnRef idx="2">
+          <a:schemeClr val="accent1">
+            <a:shade val="15000"/>
+          </a:schemeClr>
+        </a:lnRef>
+        <a:fillRef idx="1">
+          <a:schemeClr val="accent1"/>
+        </a:fillRef>
+        <a:effectRef idx="0">
+          <a:schemeClr val="accent1"/>
+        </a:effectRef>
+        <a:fontRef idx="minor">
+          <a:schemeClr val="lt1"/>
+        </a:fontRef>
+      </a:style>
+    </a:spDef>
     <a:lnDef>
       <a:spPr/>
       <a:bodyPr/>
@@ -6078,6 +14540,19 @@
         </a:fontRef>
       </a:style>
     </a:lnDef>
+    <a:txDef>
+      <a:spPr>
+        <a:noFill/>
+      </a:spPr>
+      <a:bodyPr wrap="square" rtlCol="0">
+        <a:spAutoFit/>
+      </a:bodyPr>
+      <a:lstStyle>
+        <a:defPPr algn="l">
+          <a:defRPr sz="1400" dirty="0" smtClean="0"/>
+        </a:defPPr>
+      </a:lstStyle>
+    </a:txDef>
   </a:objectDefaults>
   <a:extraClrSchemeLst/>
   <a:extLst>

--- a/ClassNotes/The Tfl Project.pptx
+++ b/ClassNotes/The Tfl Project.pptx
@@ -21,6 +21,9 @@
     <p:sldId id="272" r:id="rId15"/>
     <p:sldId id="269" r:id="rId16"/>
     <p:sldId id="273" r:id="rId17"/>
+    <p:sldId id="275" r:id="rId18"/>
+    <p:sldId id="276" r:id="rId19"/>
+    <p:sldId id="277" r:id="rId20"/>
   </p:sldIdLst>
   <p:sldSz cx="12192000" cy="6858000"/>
   <p:notesSz cx="6858000" cy="9144000"/>
@@ -498,7 +501,7 @@
           <a:p>
             <a:fld id="{797ED04C-4841-45FD-BA22-34C603CD2BD1}" type="datetimeFigureOut">
               <a:rPr lang="en-GB" smtClean="0"/>
-              <a:t>23/07/2025</a:t>
+              <a:t>30/07/2025</a:t>
             </a:fld>
             <a:endParaRPr lang="en-GB"/>
           </a:p>
@@ -696,7 +699,7 @@
           <a:p>
             <a:fld id="{797ED04C-4841-45FD-BA22-34C603CD2BD1}" type="datetimeFigureOut">
               <a:rPr lang="en-GB" smtClean="0"/>
-              <a:t>23/07/2025</a:t>
+              <a:t>30/07/2025</a:t>
             </a:fld>
             <a:endParaRPr lang="en-GB"/>
           </a:p>
@@ -904,7 +907,7 @@
           <a:p>
             <a:fld id="{797ED04C-4841-45FD-BA22-34C603CD2BD1}" type="datetimeFigureOut">
               <a:rPr lang="en-GB" smtClean="0"/>
-              <a:t>23/07/2025</a:t>
+              <a:t>30/07/2025</a:t>
             </a:fld>
             <a:endParaRPr lang="en-GB"/>
           </a:p>
@@ -1102,7 +1105,7 @@
           <a:p>
             <a:fld id="{797ED04C-4841-45FD-BA22-34C603CD2BD1}" type="datetimeFigureOut">
               <a:rPr lang="en-GB" smtClean="0"/>
-              <a:t>23/07/2025</a:t>
+              <a:t>30/07/2025</a:t>
             </a:fld>
             <a:endParaRPr lang="en-GB"/>
           </a:p>
@@ -1377,7 +1380,7 @@
           <a:p>
             <a:fld id="{797ED04C-4841-45FD-BA22-34C603CD2BD1}" type="datetimeFigureOut">
               <a:rPr lang="en-GB" smtClean="0"/>
-              <a:t>23/07/2025</a:t>
+              <a:t>30/07/2025</a:t>
             </a:fld>
             <a:endParaRPr lang="en-GB"/>
           </a:p>
@@ -1642,7 +1645,7 @@
           <a:p>
             <a:fld id="{797ED04C-4841-45FD-BA22-34C603CD2BD1}" type="datetimeFigureOut">
               <a:rPr lang="en-GB" smtClean="0"/>
-              <a:t>23/07/2025</a:t>
+              <a:t>30/07/2025</a:t>
             </a:fld>
             <a:endParaRPr lang="en-GB"/>
           </a:p>
@@ -2054,7 +2057,7 @@
           <a:p>
             <a:fld id="{797ED04C-4841-45FD-BA22-34C603CD2BD1}" type="datetimeFigureOut">
               <a:rPr lang="en-GB" smtClean="0"/>
-              <a:t>23/07/2025</a:t>
+              <a:t>30/07/2025</a:t>
             </a:fld>
             <a:endParaRPr lang="en-GB"/>
           </a:p>
@@ -2195,7 +2198,7 @@
           <a:p>
             <a:fld id="{797ED04C-4841-45FD-BA22-34C603CD2BD1}" type="datetimeFigureOut">
               <a:rPr lang="en-GB" smtClean="0"/>
-              <a:t>23/07/2025</a:t>
+              <a:t>30/07/2025</a:t>
             </a:fld>
             <a:endParaRPr lang="en-GB"/>
           </a:p>
@@ -2308,7 +2311,7 @@
           <a:p>
             <a:fld id="{797ED04C-4841-45FD-BA22-34C603CD2BD1}" type="datetimeFigureOut">
               <a:rPr lang="en-GB" smtClean="0"/>
-              <a:t>23/07/2025</a:t>
+              <a:t>30/07/2025</a:t>
             </a:fld>
             <a:endParaRPr lang="en-GB"/>
           </a:p>
@@ -2619,7 +2622,7 @@
           <a:p>
             <a:fld id="{797ED04C-4841-45FD-BA22-34C603CD2BD1}" type="datetimeFigureOut">
               <a:rPr lang="en-GB" smtClean="0"/>
-              <a:t>23/07/2025</a:t>
+              <a:t>30/07/2025</a:t>
             </a:fld>
             <a:endParaRPr lang="en-GB"/>
           </a:p>
@@ -2907,7 +2910,7 @@
           <a:p>
             <a:fld id="{797ED04C-4841-45FD-BA22-34C603CD2BD1}" type="datetimeFigureOut">
               <a:rPr lang="en-GB" smtClean="0"/>
-              <a:t>23/07/2025</a:t>
+              <a:t>30/07/2025</a:t>
             </a:fld>
             <a:endParaRPr lang="en-GB"/>
           </a:p>
@@ -3148,7 +3151,7 @@
           <a:p>
             <a:fld id="{797ED04C-4841-45FD-BA22-34C603CD2BD1}" type="datetimeFigureOut">
               <a:rPr lang="en-GB" smtClean="0"/>
-              <a:t>23/07/2025</a:t>
+              <a:t>30/07/2025</a:t>
             </a:fld>
             <a:endParaRPr lang="en-GB"/>
           </a:p>
@@ -11772,6 +11775,8094 @@
     <p:extLst>
       <p:ext uri="{BB962C8B-B14F-4D97-AF65-F5344CB8AC3E}">
         <p14:creationId xmlns:p14="http://schemas.microsoft.com/office/powerpoint/2010/main" val="3987986558"/>
+      </p:ext>
+    </p:extLst>
+  </p:cSld>
+  <p:clrMapOvr>
+    <a:masterClrMapping/>
+  </p:clrMapOvr>
+</p:sld>
+</file>
+
+<file path=ppt/slides/slide17.xml><?xml version="1.0" encoding="utf-8"?>
+<p:sld xmlns:a="http://schemas.openxmlformats.org/drawingml/2006/main" xmlns:r="http://schemas.openxmlformats.org/officeDocument/2006/relationships" xmlns:p="http://schemas.openxmlformats.org/presentationml/2006/main">
+  <p:cSld>
+    <p:spTree>
+      <p:nvGrpSpPr>
+        <p:cNvPr id="1" name=""/>
+        <p:cNvGrpSpPr/>
+        <p:nvPr/>
+      </p:nvGrpSpPr>
+      <p:grpSpPr>
+        <a:xfrm>
+          <a:off x="0" y="0"/>
+          <a:ext cx="0" cy="0"/>
+          <a:chOff x="0" y="0"/>
+          <a:chExt cx="0" cy="0"/>
+        </a:xfrm>
+      </p:grpSpPr>
+      <p:sp>
+        <p:nvSpPr>
+          <p:cNvPr id="4" name="Rectangle 3">
+            <a:extLst>
+              <a:ext uri="{FF2B5EF4-FFF2-40B4-BE49-F238E27FC236}">
+                <a16:creationId xmlns:a16="http://schemas.microsoft.com/office/drawing/2014/main" id="{55316464-D0D4-86E0-19F0-836C1F5A3D43}"/>
+              </a:ext>
+            </a:extLst>
+          </p:cNvPr>
+          <p:cNvSpPr/>
+          <p:nvPr/>
+        </p:nvSpPr>
+        <p:spPr>
+          <a:xfrm>
+            <a:off x="4407962" y="581060"/>
+            <a:ext cx="2084832" cy="804672"/>
+          </a:xfrm>
+          <a:prstGeom prst="rect">
+            <a:avLst/>
+          </a:prstGeom>
+          <a:noFill/>
+        </p:spPr>
+        <p:style>
+          <a:lnRef idx="2">
+            <a:schemeClr val="accent1">
+              <a:shade val="15000"/>
+            </a:schemeClr>
+          </a:lnRef>
+          <a:fillRef idx="1">
+            <a:schemeClr val="accent1"/>
+          </a:fillRef>
+          <a:effectRef idx="0">
+            <a:schemeClr val="accent1"/>
+          </a:effectRef>
+          <a:fontRef idx="minor">
+            <a:schemeClr val="lt1"/>
+          </a:fontRef>
+        </p:style>
+        <p:txBody>
+          <a:bodyPr wrap="square" rtlCol="0" anchor="t" anchorCtr="0">
+            <a:noAutofit/>
+          </a:bodyPr>
+          <a:lstStyle/>
+          <a:p>
+            <a:pPr algn="ctr"/>
+            <a:r>
+              <a:rPr lang="en-GB" sz="1200" dirty="0" err="1">
+                <a:solidFill>
+                  <a:schemeClr val="tx1"/>
+                </a:solidFill>
+              </a:rPr>
+              <a:t>ProcessSequence</a:t>
+            </a:r>
+            <a:endParaRPr lang="en-GB" sz="1200" dirty="0">
+              <a:solidFill>
+                <a:schemeClr val="tx1"/>
+              </a:solidFill>
+            </a:endParaRPr>
+          </a:p>
+          <a:p>
+            <a:pPr algn="ctr"/>
+            <a:r>
+              <a:rPr lang="en-GB" sz="1200" dirty="0">
+                <a:solidFill>
+                  <a:schemeClr val="tx1"/>
+                </a:solidFill>
+              </a:rPr>
+              <a:t>(pred, node, BF)</a:t>
+            </a:r>
+          </a:p>
+        </p:txBody>
+      </p:sp>
+      <p:sp>
+        <p:nvSpPr>
+          <p:cNvPr id="6" name="Rectangle 5">
+            <a:extLst>
+              <a:ext uri="{FF2B5EF4-FFF2-40B4-BE49-F238E27FC236}">
+                <a16:creationId xmlns:a16="http://schemas.microsoft.com/office/drawing/2014/main" id="{4D924045-481E-B31F-D43F-0CF294C1060B}"/>
+              </a:ext>
+            </a:extLst>
+          </p:cNvPr>
+          <p:cNvSpPr/>
+          <p:nvPr/>
+        </p:nvSpPr>
+        <p:spPr>
+          <a:xfrm>
+            <a:off x="5501127" y="2456352"/>
+            <a:ext cx="2084832" cy="804672"/>
+          </a:xfrm>
+          <a:prstGeom prst="rect">
+            <a:avLst/>
+          </a:prstGeom>
+          <a:noFill/>
+        </p:spPr>
+        <p:style>
+          <a:lnRef idx="2">
+            <a:schemeClr val="accent1">
+              <a:shade val="15000"/>
+            </a:schemeClr>
+          </a:lnRef>
+          <a:fillRef idx="1">
+            <a:schemeClr val="accent1"/>
+          </a:fillRef>
+          <a:effectRef idx="0">
+            <a:schemeClr val="accent1"/>
+          </a:effectRef>
+          <a:fontRef idx="minor">
+            <a:schemeClr val="lt1"/>
+          </a:fontRef>
+        </p:style>
+        <p:txBody>
+          <a:bodyPr wrap="none" rtlCol="0" anchor="ctr">
+            <a:noAutofit/>
+          </a:bodyPr>
+          <a:lstStyle/>
+          <a:p>
+            <a:pPr algn="ctr"/>
+            <a:r>
+              <a:rPr lang="en-GB" sz="1200" dirty="0" err="1">
+                <a:solidFill>
+                  <a:schemeClr val="tx1"/>
+                </a:solidFill>
+              </a:rPr>
+              <a:t>ProcessFork</a:t>
+            </a:r>
+            <a:endParaRPr lang="en-GB" sz="1200" dirty="0">
+              <a:solidFill>
+                <a:schemeClr val="tx1"/>
+              </a:solidFill>
+            </a:endParaRPr>
+          </a:p>
+          <a:p>
+            <a:pPr algn="ctr"/>
+            <a:endParaRPr lang="en-GB" sz="1200" dirty="0">
+              <a:solidFill>
+                <a:schemeClr val="tx1"/>
+              </a:solidFill>
+            </a:endParaRPr>
+          </a:p>
+          <a:p>
+            <a:pPr algn="ctr"/>
+            <a:r>
+              <a:rPr lang="en-GB" sz="1200" dirty="0">
+                <a:solidFill>
+                  <a:schemeClr val="tx1"/>
+                </a:solidFill>
+              </a:rPr>
+              <a:t>foreach head in </a:t>
+            </a:r>
+            <a:r>
+              <a:rPr lang="en-GB" sz="1200" dirty="0" err="1">
+                <a:solidFill>
+                  <a:schemeClr val="tx1"/>
+                </a:solidFill>
+              </a:rPr>
+              <a:t>node.Next</a:t>
+            </a:r>
+            <a:endParaRPr lang="en-GB" sz="1200" dirty="0">
+              <a:solidFill>
+                <a:schemeClr val="tx1"/>
+              </a:solidFill>
+            </a:endParaRPr>
+          </a:p>
+        </p:txBody>
+      </p:sp>
+      <p:sp>
+        <p:nvSpPr>
+          <p:cNvPr id="7" name="Rectangle 6">
+            <a:extLst>
+              <a:ext uri="{FF2B5EF4-FFF2-40B4-BE49-F238E27FC236}">
+                <a16:creationId xmlns:a16="http://schemas.microsoft.com/office/drawing/2014/main" id="{3EE6A14F-4FC0-72B4-F8D4-889EC775F68E}"/>
+              </a:ext>
+            </a:extLst>
+          </p:cNvPr>
+          <p:cNvSpPr/>
+          <p:nvPr/>
+        </p:nvSpPr>
+        <p:spPr>
+          <a:xfrm>
+            <a:off x="2808676" y="2456352"/>
+            <a:ext cx="2084832" cy="1276153"/>
+          </a:xfrm>
+          <a:prstGeom prst="rect">
+            <a:avLst/>
+          </a:prstGeom>
+          <a:noFill/>
+        </p:spPr>
+        <p:style>
+          <a:lnRef idx="2">
+            <a:schemeClr val="accent1">
+              <a:shade val="15000"/>
+            </a:schemeClr>
+          </a:lnRef>
+          <a:fillRef idx="1">
+            <a:schemeClr val="accent1"/>
+          </a:fillRef>
+          <a:effectRef idx="0">
+            <a:schemeClr val="accent1"/>
+          </a:effectRef>
+          <a:fontRef idx="minor">
+            <a:schemeClr val="lt1"/>
+          </a:fontRef>
+        </p:style>
+        <p:txBody>
+          <a:bodyPr wrap="square" rtlCol="0" anchor="t" anchorCtr="0">
+            <a:noAutofit/>
+          </a:bodyPr>
+          <a:lstStyle/>
+          <a:p>
+            <a:pPr algn="ctr"/>
+            <a:r>
+              <a:rPr lang="en-GB" sz="1200" dirty="0" err="1">
+                <a:solidFill>
+                  <a:schemeClr val="tx1"/>
+                </a:solidFill>
+              </a:rPr>
+              <a:t>ProcessMerge</a:t>
+            </a:r>
+            <a:endParaRPr lang="en-GB" sz="1200" dirty="0">
+              <a:solidFill>
+                <a:schemeClr val="tx1"/>
+              </a:solidFill>
+            </a:endParaRPr>
+          </a:p>
+          <a:p>
+            <a:pPr algn="ctr"/>
+            <a:r>
+              <a:rPr lang="en-GB" sz="1200" dirty="0">
+                <a:solidFill>
+                  <a:schemeClr val="tx1"/>
+                </a:solidFill>
+              </a:rPr>
+              <a:t>Use </a:t>
+            </a:r>
+            <a:r>
+              <a:rPr lang="en-GB" sz="1200" dirty="0" err="1">
+                <a:solidFill>
+                  <a:schemeClr val="tx1"/>
+                </a:solidFill>
+              </a:rPr>
+              <a:t>MergeProcessor</a:t>
+            </a:r>
+            <a:r>
+              <a:rPr lang="en-GB" sz="1200" dirty="0">
+                <a:solidFill>
+                  <a:schemeClr val="tx1"/>
+                </a:solidFill>
+              </a:rPr>
+              <a:t> to find the </a:t>
+            </a:r>
+            <a:r>
+              <a:rPr lang="en-GB" sz="1200" dirty="0" err="1">
+                <a:solidFill>
+                  <a:schemeClr val="tx1"/>
+                </a:solidFill>
+              </a:rPr>
+              <a:t>PendingMerge</a:t>
+            </a:r>
+            <a:r>
+              <a:rPr lang="en-GB" sz="1200" dirty="0">
+                <a:solidFill>
+                  <a:schemeClr val="tx1"/>
+                </a:solidFill>
+              </a:rPr>
+              <a:t> object for node.</a:t>
+            </a:r>
+          </a:p>
+          <a:p>
+            <a:pPr algn="ctr"/>
+            <a:r>
+              <a:rPr lang="en-GB" sz="1200" dirty="0">
+                <a:solidFill>
+                  <a:schemeClr val="tx1"/>
+                </a:solidFill>
+              </a:rPr>
+              <a:t>Find out if this completes the merge or not</a:t>
+            </a:r>
+          </a:p>
+        </p:txBody>
+      </p:sp>
+      <p:sp>
+        <p:nvSpPr>
+          <p:cNvPr id="9" name="Rectangle 8">
+            <a:extLst>
+              <a:ext uri="{FF2B5EF4-FFF2-40B4-BE49-F238E27FC236}">
+                <a16:creationId xmlns:a16="http://schemas.microsoft.com/office/drawing/2014/main" id="{50CFC3C8-E5A0-6B15-3530-7372A3AFF8D4}"/>
+              </a:ext>
+            </a:extLst>
+          </p:cNvPr>
+          <p:cNvSpPr/>
+          <p:nvPr/>
+        </p:nvSpPr>
+        <p:spPr>
+          <a:xfrm>
+            <a:off x="8213396" y="2076652"/>
+            <a:ext cx="2084832" cy="2035551"/>
+          </a:xfrm>
+          <a:prstGeom prst="rect">
+            <a:avLst/>
+          </a:prstGeom>
+          <a:noFill/>
+        </p:spPr>
+        <p:style>
+          <a:lnRef idx="2">
+            <a:schemeClr val="accent1">
+              <a:shade val="15000"/>
+            </a:schemeClr>
+          </a:lnRef>
+          <a:fillRef idx="1">
+            <a:schemeClr val="accent1"/>
+          </a:fillRef>
+          <a:effectRef idx="0">
+            <a:schemeClr val="accent1"/>
+          </a:effectRef>
+          <a:fontRef idx="minor">
+            <a:schemeClr val="lt1"/>
+          </a:fontRef>
+        </p:style>
+        <p:txBody>
+          <a:bodyPr wrap="square" rtlCol="0" anchor="t" anchorCtr="0">
+            <a:noAutofit/>
+          </a:bodyPr>
+          <a:lstStyle/>
+          <a:p>
+            <a:pPr algn="ctr"/>
+            <a:r>
+              <a:rPr lang="en-GB" sz="1200" dirty="0" err="1">
+                <a:solidFill>
+                  <a:schemeClr val="tx1"/>
+                </a:solidFill>
+              </a:rPr>
+              <a:t>ProcessChain</a:t>
+            </a:r>
+            <a:endParaRPr lang="en-GB" sz="1200" dirty="0">
+              <a:solidFill>
+                <a:schemeClr val="tx1"/>
+              </a:solidFill>
+            </a:endParaRPr>
+          </a:p>
+          <a:p>
+            <a:pPr algn="ctr"/>
+            <a:endParaRPr lang="en-GB" sz="1200" dirty="0">
+              <a:solidFill>
+                <a:schemeClr val="tx1"/>
+              </a:solidFill>
+            </a:endParaRPr>
+          </a:p>
+          <a:p>
+            <a:pPr algn="ctr"/>
+            <a:r>
+              <a:rPr lang="en-GB" sz="1200" dirty="0">
+                <a:solidFill>
+                  <a:schemeClr val="tx1"/>
+                </a:solidFill>
+              </a:rPr>
+              <a:t>Capture all </a:t>
+            </a:r>
+            <a:r>
+              <a:rPr lang="en-GB" sz="1200" dirty="0" err="1">
+                <a:solidFill>
+                  <a:schemeClr val="tx1"/>
+                </a:solidFill>
+              </a:rPr>
+              <a:t>passthru</a:t>
+            </a:r>
+            <a:r>
+              <a:rPr lang="en-GB" sz="1200" dirty="0">
+                <a:solidFill>
+                  <a:schemeClr val="tx1"/>
+                </a:solidFill>
+              </a:rPr>
+              <a:t> nodes until you reach an END, Merge or Fork (=</a:t>
+            </a:r>
+            <a:r>
+              <a:rPr lang="en-GB" sz="1200" dirty="0" err="1">
+                <a:solidFill>
+                  <a:schemeClr val="tx1"/>
+                </a:solidFill>
+              </a:rPr>
+              <a:t>currentNode</a:t>
+            </a:r>
+            <a:r>
+              <a:rPr lang="en-GB" sz="1200" dirty="0">
+                <a:solidFill>
+                  <a:schemeClr val="tx1"/>
+                </a:solidFill>
+              </a:rPr>
+              <a:t>)</a:t>
+            </a:r>
+          </a:p>
+          <a:p>
+            <a:pPr algn="ctr"/>
+            <a:endParaRPr lang="en-GB" sz="1200" dirty="0">
+              <a:solidFill>
+                <a:schemeClr val="tx1"/>
+              </a:solidFill>
+            </a:endParaRPr>
+          </a:p>
+          <a:p>
+            <a:pPr algn="ctr"/>
+            <a:r>
+              <a:rPr lang="en-GB" sz="1200" dirty="0">
+                <a:solidFill>
+                  <a:schemeClr val="tx1"/>
+                </a:solidFill>
+              </a:rPr>
+              <a:t>BF = BF + </a:t>
+            </a:r>
+            <a:r>
+              <a:rPr lang="en-GB" sz="1200" dirty="0" err="1">
+                <a:solidFill>
+                  <a:schemeClr val="tx1"/>
+                </a:solidFill>
+              </a:rPr>
+              <a:t>passthru</a:t>
+            </a:r>
+            <a:r>
+              <a:rPr lang="en-GB" sz="1200" dirty="0">
+                <a:solidFill>
+                  <a:schemeClr val="tx1"/>
+                </a:solidFill>
+              </a:rPr>
+              <a:t> nodes</a:t>
+            </a:r>
+          </a:p>
+          <a:p>
+            <a:pPr algn="ctr"/>
+            <a:endParaRPr lang="en-GB" sz="1200" dirty="0">
+              <a:solidFill>
+                <a:schemeClr val="tx1"/>
+              </a:solidFill>
+            </a:endParaRPr>
+          </a:p>
+          <a:p>
+            <a:pPr algn="ctr"/>
+            <a:endParaRPr lang="en-GB" sz="1200" dirty="0">
+              <a:solidFill>
+                <a:schemeClr val="tx1"/>
+              </a:solidFill>
+            </a:endParaRPr>
+          </a:p>
+        </p:txBody>
+      </p:sp>
+      <p:cxnSp>
+        <p:nvCxnSpPr>
+          <p:cNvPr id="11" name="Straight Arrow Connector 10">
+            <a:extLst>
+              <a:ext uri="{FF2B5EF4-FFF2-40B4-BE49-F238E27FC236}">
+                <a16:creationId xmlns:a16="http://schemas.microsoft.com/office/drawing/2014/main" id="{AFBADE78-6416-047E-C650-F7969E6A1842}"/>
+              </a:ext>
+            </a:extLst>
+          </p:cNvPr>
+          <p:cNvCxnSpPr>
+            <a:cxnSpLocks/>
+            <a:stCxn id="4" idx="2"/>
+            <a:endCxn id="37" idx="0"/>
+          </p:cNvCxnSpPr>
+          <p:nvPr/>
+        </p:nvCxnSpPr>
+        <p:spPr>
+          <a:xfrm flipH="1">
+            <a:off x="1973257" y="1385732"/>
+            <a:ext cx="3477121" cy="567219"/>
+          </a:xfrm>
+          <a:prstGeom prst="straightConnector1">
+            <a:avLst/>
+          </a:prstGeom>
+          <a:ln>
+            <a:tailEnd type="triangle"/>
+          </a:ln>
+        </p:spPr>
+        <p:style>
+          <a:lnRef idx="2">
+            <a:schemeClr val="accent1"/>
+          </a:lnRef>
+          <a:fillRef idx="0">
+            <a:schemeClr val="accent1"/>
+          </a:fillRef>
+          <a:effectRef idx="1">
+            <a:schemeClr val="accent1"/>
+          </a:effectRef>
+          <a:fontRef idx="minor">
+            <a:schemeClr val="tx1"/>
+          </a:fontRef>
+        </p:style>
+      </p:cxnSp>
+      <p:cxnSp>
+        <p:nvCxnSpPr>
+          <p:cNvPr id="13" name="Straight Arrow Connector 12">
+            <a:extLst>
+              <a:ext uri="{FF2B5EF4-FFF2-40B4-BE49-F238E27FC236}">
+                <a16:creationId xmlns:a16="http://schemas.microsoft.com/office/drawing/2014/main" id="{421C48FC-E985-15E8-57FA-07963A599570}"/>
+              </a:ext>
+            </a:extLst>
+          </p:cNvPr>
+          <p:cNvCxnSpPr>
+            <a:cxnSpLocks/>
+            <a:stCxn id="4" idx="2"/>
+            <a:endCxn id="7" idx="0"/>
+          </p:cNvCxnSpPr>
+          <p:nvPr/>
+        </p:nvCxnSpPr>
+        <p:spPr>
+          <a:xfrm flipH="1">
+            <a:off x="3851092" y="1385732"/>
+            <a:ext cx="1599286" cy="1070620"/>
+          </a:xfrm>
+          <a:prstGeom prst="straightConnector1">
+            <a:avLst/>
+          </a:prstGeom>
+          <a:ln>
+            <a:tailEnd type="triangle"/>
+          </a:ln>
+        </p:spPr>
+        <p:style>
+          <a:lnRef idx="2">
+            <a:schemeClr val="accent1"/>
+          </a:lnRef>
+          <a:fillRef idx="0">
+            <a:schemeClr val="accent1"/>
+          </a:fillRef>
+          <a:effectRef idx="1">
+            <a:schemeClr val="accent1"/>
+          </a:effectRef>
+          <a:fontRef idx="minor">
+            <a:schemeClr val="tx1"/>
+          </a:fontRef>
+        </p:style>
+      </p:cxnSp>
+      <p:cxnSp>
+        <p:nvCxnSpPr>
+          <p:cNvPr id="15" name="Straight Arrow Connector 14">
+            <a:extLst>
+              <a:ext uri="{FF2B5EF4-FFF2-40B4-BE49-F238E27FC236}">
+                <a16:creationId xmlns:a16="http://schemas.microsoft.com/office/drawing/2014/main" id="{95CC9C48-0068-CBE3-394D-3C0767943563}"/>
+              </a:ext>
+            </a:extLst>
+          </p:cNvPr>
+          <p:cNvCxnSpPr>
+            <a:stCxn id="4" idx="2"/>
+            <a:endCxn id="6" idx="0"/>
+          </p:cNvCxnSpPr>
+          <p:nvPr/>
+        </p:nvCxnSpPr>
+        <p:spPr>
+          <a:xfrm>
+            <a:off x="5450378" y="1385732"/>
+            <a:ext cx="1093165" cy="1070620"/>
+          </a:xfrm>
+          <a:prstGeom prst="straightConnector1">
+            <a:avLst/>
+          </a:prstGeom>
+          <a:ln>
+            <a:tailEnd type="triangle"/>
+          </a:ln>
+        </p:spPr>
+        <p:style>
+          <a:lnRef idx="2">
+            <a:schemeClr val="accent1"/>
+          </a:lnRef>
+          <a:fillRef idx="0">
+            <a:schemeClr val="accent1"/>
+          </a:fillRef>
+          <a:effectRef idx="1">
+            <a:schemeClr val="accent1"/>
+          </a:effectRef>
+          <a:fontRef idx="minor">
+            <a:schemeClr val="tx1"/>
+          </a:fontRef>
+        </p:style>
+      </p:cxnSp>
+      <p:cxnSp>
+        <p:nvCxnSpPr>
+          <p:cNvPr id="17" name="Straight Arrow Connector 16">
+            <a:extLst>
+              <a:ext uri="{FF2B5EF4-FFF2-40B4-BE49-F238E27FC236}">
+                <a16:creationId xmlns:a16="http://schemas.microsoft.com/office/drawing/2014/main" id="{07B4FD8D-8EF2-A871-DDF7-886C0FA57D01}"/>
+              </a:ext>
+            </a:extLst>
+          </p:cNvPr>
+          <p:cNvCxnSpPr>
+            <a:cxnSpLocks/>
+            <a:stCxn id="4" idx="2"/>
+            <a:endCxn id="9" idx="0"/>
+          </p:cNvCxnSpPr>
+          <p:nvPr/>
+        </p:nvCxnSpPr>
+        <p:spPr>
+          <a:xfrm>
+            <a:off x="5450378" y="1385732"/>
+            <a:ext cx="3805434" cy="690920"/>
+          </a:xfrm>
+          <a:prstGeom prst="straightConnector1">
+            <a:avLst/>
+          </a:prstGeom>
+          <a:ln>
+            <a:tailEnd type="triangle"/>
+          </a:ln>
+        </p:spPr>
+        <p:style>
+          <a:lnRef idx="2">
+            <a:schemeClr val="accent1"/>
+          </a:lnRef>
+          <a:fillRef idx="0">
+            <a:schemeClr val="accent1"/>
+          </a:fillRef>
+          <a:effectRef idx="1">
+            <a:schemeClr val="accent1"/>
+          </a:effectRef>
+          <a:fontRef idx="minor">
+            <a:schemeClr val="tx1"/>
+          </a:fontRef>
+        </p:style>
+      </p:cxnSp>
+      <p:sp>
+        <p:nvSpPr>
+          <p:cNvPr id="22" name="TextBox 21">
+            <a:extLst>
+              <a:ext uri="{FF2B5EF4-FFF2-40B4-BE49-F238E27FC236}">
+                <a16:creationId xmlns:a16="http://schemas.microsoft.com/office/drawing/2014/main" id="{83F854CA-2E59-0E9D-F307-8210B4300FFA}"/>
+              </a:ext>
+            </a:extLst>
+          </p:cNvPr>
+          <p:cNvSpPr txBox="1"/>
+          <p:nvPr/>
+        </p:nvSpPr>
+        <p:spPr>
+          <a:xfrm>
+            <a:off x="2284913" y="1420614"/>
+            <a:ext cx="1148071" cy="307777"/>
+          </a:xfrm>
+          <a:prstGeom prst="rect">
+            <a:avLst/>
+          </a:prstGeom>
+          <a:noFill/>
+        </p:spPr>
+        <p:txBody>
+          <a:bodyPr wrap="none" rtlCol="0">
+            <a:spAutoFit/>
+          </a:bodyPr>
+          <a:lstStyle/>
+          <a:p>
+            <a:pPr algn="l"/>
+            <a:r>
+              <a:rPr lang="en-GB" sz="1400" dirty="0"/>
+              <a:t>Node==END</a:t>
+            </a:r>
+          </a:p>
+        </p:txBody>
+      </p:sp>
+      <p:sp>
+        <p:nvSpPr>
+          <p:cNvPr id="24" name="TextBox 23">
+            <a:extLst>
+              <a:ext uri="{FF2B5EF4-FFF2-40B4-BE49-F238E27FC236}">
+                <a16:creationId xmlns:a16="http://schemas.microsoft.com/office/drawing/2014/main" id="{C98234E9-AB33-B754-43B6-623DDADEAB13}"/>
+              </a:ext>
+            </a:extLst>
+          </p:cNvPr>
+          <p:cNvSpPr txBox="1"/>
+          <p:nvPr/>
+        </p:nvSpPr>
+        <p:spPr>
+          <a:xfrm>
+            <a:off x="3518973" y="1879591"/>
+            <a:ext cx="789319" cy="307777"/>
+          </a:xfrm>
+          <a:prstGeom prst="rect">
+            <a:avLst/>
+          </a:prstGeom>
+          <a:noFill/>
+        </p:spPr>
+        <p:txBody>
+          <a:bodyPr wrap="none" rtlCol="0">
+            <a:spAutoFit/>
+          </a:bodyPr>
+          <a:lstStyle/>
+          <a:p>
+            <a:r>
+              <a:rPr lang="en-GB" sz="1400" dirty="0" err="1"/>
+              <a:t>IsMerge</a:t>
+            </a:r>
+            <a:endParaRPr lang="en-GB" sz="1400" dirty="0"/>
+          </a:p>
+        </p:txBody>
+      </p:sp>
+      <p:sp>
+        <p:nvSpPr>
+          <p:cNvPr id="25" name="TextBox 24">
+            <a:extLst>
+              <a:ext uri="{FF2B5EF4-FFF2-40B4-BE49-F238E27FC236}">
+                <a16:creationId xmlns:a16="http://schemas.microsoft.com/office/drawing/2014/main" id="{E993570B-FC03-1220-6E31-F7989C0A3DD9}"/>
+              </a:ext>
+            </a:extLst>
+          </p:cNvPr>
+          <p:cNvSpPr txBox="1"/>
+          <p:nvPr/>
+        </p:nvSpPr>
+        <p:spPr>
+          <a:xfrm>
+            <a:off x="6210471" y="1879590"/>
+            <a:ext cx="656846" cy="307777"/>
+          </a:xfrm>
+          <a:prstGeom prst="rect">
+            <a:avLst/>
+          </a:prstGeom>
+          <a:noFill/>
+        </p:spPr>
+        <p:txBody>
+          <a:bodyPr wrap="none" rtlCol="0">
+            <a:spAutoFit/>
+          </a:bodyPr>
+          <a:lstStyle/>
+          <a:p>
+            <a:r>
+              <a:rPr lang="en-GB" sz="1400" dirty="0" err="1"/>
+              <a:t>IsFork</a:t>
+            </a:r>
+            <a:endParaRPr lang="en-GB" sz="1400" dirty="0"/>
+          </a:p>
+        </p:txBody>
+      </p:sp>
+      <p:sp>
+        <p:nvSpPr>
+          <p:cNvPr id="35" name="Rectangle 34">
+            <a:extLst>
+              <a:ext uri="{FF2B5EF4-FFF2-40B4-BE49-F238E27FC236}">
+                <a16:creationId xmlns:a16="http://schemas.microsoft.com/office/drawing/2014/main" id="{D869B36E-9FE6-E61D-5B97-82A3A597D7EF}"/>
+              </a:ext>
+            </a:extLst>
+          </p:cNvPr>
+          <p:cNvSpPr/>
+          <p:nvPr/>
+        </p:nvSpPr>
+        <p:spPr>
+          <a:xfrm>
+            <a:off x="1546557" y="4235906"/>
+            <a:ext cx="1339815" cy="1276153"/>
+          </a:xfrm>
+          <a:prstGeom prst="rect">
+            <a:avLst/>
+          </a:prstGeom>
+          <a:noFill/>
+        </p:spPr>
+        <p:style>
+          <a:lnRef idx="2">
+            <a:schemeClr val="accent1">
+              <a:shade val="15000"/>
+            </a:schemeClr>
+          </a:lnRef>
+          <a:fillRef idx="1">
+            <a:schemeClr val="accent1"/>
+          </a:fillRef>
+          <a:effectRef idx="0">
+            <a:schemeClr val="accent1"/>
+          </a:effectRef>
+          <a:fontRef idx="minor">
+            <a:schemeClr val="lt1"/>
+          </a:fontRef>
+        </p:style>
+        <p:txBody>
+          <a:bodyPr wrap="square" rtlCol="0" anchor="t" anchorCtr="0">
+            <a:noAutofit/>
+          </a:bodyPr>
+          <a:lstStyle/>
+          <a:p>
+            <a:pPr algn="ctr"/>
+            <a:r>
+              <a:rPr lang="en-GB" sz="1200" dirty="0">
+                <a:solidFill>
+                  <a:schemeClr val="tx1"/>
+                </a:solidFill>
+              </a:rPr>
+              <a:t>Add the BF list to the </a:t>
+            </a:r>
+            <a:r>
+              <a:rPr lang="en-GB" sz="1200" dirty="0" err="1">
+                <a:solidFill>
+                  <a:schemeClr val="tx1"/>
+                </a:solidFill>
+              </a:rPr>
+              <a:t>PendingMerge</a:t>
+            </a:r>
+            <a:r>
+              <a:rPr lang="en-GB" sz="1200" dirty="0">
+                <a:solidFill>
+                  <a:schemeClr val="tx1"/>
+                </a:solidFill>
+              </a:rPr>
+              <a:t> object</a:t>
+            </a:r>
+          </a:p>
+        </p:txBody>
+      </p:sp>
+      <p:sp>
+        <p:nvSpPr>
+          <p:cNvPr id="36" name="Rectangle 35">
+            <a:extLst>
+              <a:ext uri="{FF2B5EF4-FFF2-40B4-BE49-F238E27FC236}">
+                <a16:creationId xmlns:a16="http://schemas.microsoft.com/office/drawing/2014/main" id="{5F0E6B88-6A52-4672-68D8-68564AAF690F}"/>
+              </a:ext>
+            </a:extLst>
+          </p:cNvPr>
+          <p:cNvSpPr/>
+          <p:nvPr/>
+        </p:nvSpPr>
+        <p:spPr>
+          <a:xfrm>
+            <a:off x="3238658" y="3966923"/>
+            <a:ext cx="1467748" cy="953392"/>
+          </a:xfrm>
+          <a:prstGeom prst="rect">
+            <a:avLst/>
+          </a:prstGeom>
+          <a:noFill/>
+        </p:spPr>
+        <p:style>
+          <a:lnRef idx="2">
+            <a:schemeClr val="accent1">
+              <a:shade val="15000"/>
+            </a:schemeClr>
+          </a:lnRef>
+          <a:fillRef idx="1">
+            <a:schemeClr val="accent1"/>
+          </a:fillRef>
+          <a:effectRef idx="0">
+            <a:schemeClr val="accent1"/>
+          </a:effectRef>
+          <a:fontRef idx="minor">
+            <a:schemeClr val="lt1"/>
+          </a:fontRef>
+        </p:style>
+        <p:txBody>
+          <a:bodyPr wrap="square" rtlCol="0" anchor="t" anchorCtr="0">
+            <a:noAutofit/>
+          </a:bodyPr>
+          <a:lstStyle/>
+          <a:p>
+            <a:pPr algn="ctr"/>
+            <a:r>
+              <a:rPr lang="en-GB" sz="1100" dirty="0">
+                <a:solidFill>
+                  <a:schemeClr val="tx1"/>
+                </a:solidFill>
+              </a:rPr>
+              <a:t>sort our BF list and the BF lists from </a:t>
+            </a:r>
+            <a:r>
+              <a:rPr lang="en-GB" sz="1100" dirty="0" err="1">
+                <a:solidFill>
+                  <a:schemeClr val="tx1"/>
+                </a:solidFill>
+              </a:rPr>
+              <a:t>PendingMerge</a:t>
+            </a:r>
+            <a:r>
+              <a:rPr lang="en-GB" sz="1100" dirty="0">
+                <a:solidFill>
+                  <a:schemeClr val="tx1"/>
+                </a:solidFill>
+              </a:rPr>
+              <a:t> object (in </a:t>
+            </a:r>
+            <a:r>
+              <a:rPr lang="en-GB" sz="1100" dirty="0" err="1">
+                <a:solidFill>
+                  <a:schemeClr val="tx1"/>
+                </a:solidFill>
+              </a:rPr>
+              <a:t>desc</a:t>
+            </a:r>
+            <a:r>
+              <a:rPr lang="en-GB" sz="1100" dirty="0">
+                <a:solidFill>
+                  <a:schemeClr val="tx1"/>
+                </a:solidFill>
+              </a:rPr>
+              <a:t> order of size) and concatenate</a:t>
+            </a:r>
+          </a:p>
+        </p:txBody>
+      </p:sp>
+      <p:sp>
+        <p:nvSpPr>
+          <p:cNvPr id="37" name="Flowchart: Terminator 36">
+            <a:extLst>
+              <a:ext uri="{FF2B5EF4-FFF2-40B4-BE49-F238E27FC236}">
+                <a16:creationId xmlns:a16="http://schemas.microsoft.com/office/drawing/2014/main" id="{197DA17F-22B5-FCAF-F868-2B59648E0C61}"/>
+              </a:ext>
+            </a:extLst>
+          </p:cNvPr>
+          <p:cNvSpPr/>
+          <p:nvPr/>
+        </p:nvSpPr>
+        <p:spPr>
+          <a:xfrm>
+            <a:off x="1516057" y="1952951"/>
+            <a:ext cx="914400" cy="301752"/>
+          </a:xfrm>
+          <a:prstGeom prst="flowChartTerminator">
+            <a:avLst/>
+          </a:prstGeom>
+          <a:solidFill>
+            <a:schemeClr val="bg2"/>
+          </a:solidFill>
+        </p:spPr>
+        <p:style>
+          <a:lnRef idx="2">
+            <a:schemeClr val="accent1">
+              <a:shade val="15000"/>
+            </a:schemeClr>
+          </a:lnRef>
+          <a:fillRef idx="1">
+            <a:schemeClr val="accent1"/>
+          </a:fillRef>
+          <a:effectRef idx="0">
+            <a:schemeClr val="accent1"/>
+          </a:effectRef>
+          <a:fontRef idx="minor">
+            <a:schemeClr val="lt1"/>
+          </a:fontRef>
+        </p:style>
+        <p:txBody>
+          <a:bodyPr wrap="none" rtlCol="0" anchor="ctr">
+            <a:noAutofit/>
+          </a:bodyPr>
+          <a:lstStyle/>
+          <a:p>
+            <a:pPr algn="ctr"/>
+            <a:r>
+              <a:rPr lang="en-GB" sz="1200" dirty="0">
+                <a:solidFill>
+                  <a:schemeClr val="tx1"/>
+                </a:solidFill>
+              </a:rPr>
+              <a:t>return BF</a:t>
+            </a:r>
+          </a:p>
+        </p:txBody>
+      </p:sp>
+      <p:cxnSp>
+        <p:nvCxnSpPr>
+          <p:cNvPr id="42" name="Straight Arrow Connector 41">
+            <a:extLst>
+              <a:ext uri="{FF2B5EF4-FFF2-40B4-BE49-F238E27FC236}">
+                <a16:creationId xmlns:a16="http://schemas.microsoft.com/office/drawing/2014/main" id="{AC3AEEC7-E78B-D8FC-0AF7-ED41F776CF75}"/>
+              </a:ext>
+            </a:extLst>
+          </p:cNvPr>
+          <p:cNvCxnSpPr>
+            <a:stCxn id="7" idx="2"/>
+            <a:endCxn id="35" idx="0"/>
+          </p:cNvCxnSpPr>
+          <p:nvPr/>
+        </p:nvCxnSpPr>
+        <p:spPr>
+          <a:xfrm flipH="1">
+            <a:off x="2216465" y="3732505"/>
+            <a:ext cx="1634627" cy="503401"/>
+          </a:xfrm>
+          <a:prstGeom prst="straightConnector1">
+            <a:avLst/>
+          </a:prstGeom>
+          <a:ln>
+            <a:tailEnd type="triangle"/>
+          </a:ln>
+        </p:spPr>
+        <p:style>
+          <a:lnRef idx="2">
+            <a:schemeClr val="accent1"/>
+          </a:lnRef>
+          <a:fillRef idx="0">
+            <a:schemeClr val="accent1"/>
+          </a:fillRef>
+          <a:effectRef idx="1">
+            <a:schemeClr val="accent1"/>
+          </a:effectRef>
+          <a:fontRef idx="minor">
+            <a:schemeClr val="tx1"/>
+          </a:fontRef>
+        </p:style>
+      </p:cxnSp>
+      <p:cxnSp>
+        <p:nvCxnSpPr>
+          <p:cNvPr id="44" name="Straight Arrow Connector 43">
+            <a:extLst>
+              <a:ext uri="{FF2B5EF4-FFF2-40B4-BE49-F238E27FC236}">
+                <a16:creationId xmlns:a16="http://schemas.microsoft.com/office/drawing/2014/main" id="{FBB05190-FDB3-08C4-7368-AF7A420F2344}"/>
+              </a:ext>
+            </a:extLst>
+          </p:cNvPr>
+          <p:cNvCxnSpPr>
+            <a:cxnSpLocks/>
+            <a:stCxn id="7" idx="2"/>
+            <a:endCxn id="36" idx="0"/>
+          </p:cNvCxnSpPr>
+          <p:nvPr/>
+        </p:nvCxnSpPr>
+        <p:spPr>
+          <a:xfrm>
+            <a:off x="3851092" y="3732505"/>
+            <a:ext cx="121440" cy="234418"/>
+          </a:xfrm>
+          <a:prstGeom prst="straightConnector1">
+            <a:avLst/>
+          </a:prstGeom>
+          <a:ln>
+            <a:tailEnd type="triangle"/>
+          </a:ln>
+        </p:spPr>
+        <p:style>
+          <a:lnRef idx="2">
+            <a:schemeClr val="accent1"/>
+          </a:lnRef>
+          <a:fillRef idx="0">
+            <a:schemeClr val="accent1"/>
+          </a:fillRef>
+          <a:effectRef idx="1">
+            <a:schemeClr val="accent1"/>
+          </a:effectRef>
+          <a:fontRef idx="minor">
+            <a:schemeClr val="tx1"/>
+          </a:fontRef>
+        </p:style>
+      </p:cxnSp>
+      <p:cxnSp>
+        <p:nvCxnSpPr>
+          <p:cNvPr id="54" name="Straight Arrow Connector 53">
+            <a:extLst>
+              <a:ext uri="{FF2B5EF4-FFF2-40B4-BE49-F238E27FC236}">
+                <a16:creationId xmlns:a16="http://schemas.microsoft.com/office/drawing/2014/main" id="{C5332D2B-0DA8-69DD-C82D-7512E4904338}"/>
+              </a:ext>
+            </a:extLst>
+          </p:cNvPr>
+          <p:cNvCxnSpPr>
+            <a:stCxn id="6" idx="2"/>
+            <a:endCxn id="50" idx="0"/>
+          </p:cNvCxnSpPr>
+          <p:nvPr/>
+        </p:nvCxnSpPr>
+        <p:spPr>
+          <a:xfrm flipH="1">
+            <a:off x="6326674" y="3261024"/>
+            <a:ext cx="216869" cy="493299"/>
+          </a:xfrm>
+          <a:prstGeom prst="straightConnector1">
+            <a:avLst/>
+          </a:prstGeom>
+          <a:ln>
+            <a:prstDash val="sysDot"/>
+            <a:tailEnd type="triangle"/>
+          </a:ln>
+        </p:spPr>
+        <p:style>
+          <a:lnRef idx="2">
+            <a:schemeClr val="accent1"/>
+          </a:lnRef>
+          <a:fillRef idx="0">
+            <a:schemeClr val="accent1"/>
+          </a:fillRef>
+          <a:effectRef idx="1">
+            <a:schemeClr val="accent1"/>
+          </a:effectRef>
+          <a:fontRef idx="minor">
+            <a:schemeClr val="tx1"/>
+          </a:fontRef>
+        </p:style>
+      </p:cxnSp>
+      <p:cxnSp>
+        <p:nvCxnSpPr>
+          <p:cNvPr id="56" name="Straight Arrow Connector 55">
+            <a:extLst>
+              <a:ext uri="{FF2B5EF4-FFF2-40B4-BE49-F238E27FC236}">
+                <a16:creationId xmlns:a16="http://schemas.microsoft.com/office/drawing/2014/main" id="{E8C6A2CB-E1ED-B96A-DCAD-0A091F9286CF}"/>
+              </a:ext>
+            </a:extLst>
+          </p:cNvPr>
+          <p:cNvCxnSpPr>
+            <a:stCxn id="6" idx="2"/>
+            <a:endCxn id="51" idx="0"/>
+          </p:cNvCxnSpPr>
+          <p:nvPr/>
+        </p:nvCxnSpPr>
+        <p:spPr>
+          <a:xfrm>
+            <a:off x="6543543" y="3261024"/>
+            <a:ext cx="32085" cy="651620"/>
+          </a:xfrm>
+          <a:prstGeom prst="straightConnector1">
+            <a:avLst/>
+          </a:prstGeom>
+          <a:ln>
+            <a:tailEnd type="triangle"/>
+          </a:ln>
+        </p:spPr>
+        <p:style>
+          <a:lnRef idx="2">
+            <a:schemeClr val="accent1"/>
+          </a:lnRef>
+          <a:fillRef idx="0">
+            <a:schemeClr val="accent1"/>
+          </a:fillRef>
+          <a:effectRef idx="1">
+            <a:schemeClr val="accent1"/>
+          </a:effectRef>
+          <a:fontRef idx="minor">
+            <a:schemeClr val="tx1"/>
+          </a:fontRef>
+        </p:style>
+      </p:cxnSp>
+      <p:sp>
+        <p:nvSpPr>
+          <p:cNvPr id="59" name="Flowchart: Terminator 58">
+            <a:extLst>
+              <a:ext uri="{FF2B5EF4-FFF2-40B4-BE49-F238E27FC236}">
+                <a16:creationId xmlns:a16="http://schemas.microsoft.com/office/drawing/2014/main" id="{2C89E9A6-1AD2-F46F-2052-CE5C1C00E819}"/>
+              </a:ext>
+            </a:extLst>
+          </p:cNvPr>
+          <p:cNvSpPr/>
+          <p:nvPr/>
+        </p:nvSpPr>
+        <p:spPr>
+          <a:xfrm>
+            <a:off x="6192463" y="6129743"/>
+            <a:ext cx="914400" cy="301752"/>
+          </a:xfrm>
+          <a:prstGeom prst="flowChartTerminator">
+            <a:avLst/>
+          </a:prstGeom>
+          <a:solidFill>
+            <a:schemeClr val="bg2"/>
+          </a:solidFill>
+        </p:spPr>
+        <p:style>
+          <a:lnRef idx="2">
+            <a:schemeClr val="accent1">
+              <a:shade val="15000"/>
+            </a:schemeClr>
+          </a:lnRef>
+          <a:fillRef idx="1">
+            <a:schemeClr val="accent1"/>
+          </a:fillRef>
+          <a:effectRef idx="0">
+            <a:schemeClr val="accent1"/>
+          </a:effectRef>
+          <a:fontRef idx="minor">
+            <a:schemeClr val="lt1"/>
+          </a:fontRef>
+        </p:style>
+        <p:txBody>
+          <a:bodyPr wrap="none" rtlCol="0" anchor="ctr">
+            <a:noAutofit/>
+          </a:bodyPr>
+          <a:lstStyle/>
+          <a:p>
+            <a:pPr algn="ctr"/>
+            <a:r>
+              <a:rPr lang="en-GB" sz="1200" dirty="0">
+                <a:solidFill>
+                  <a:schemeClr val="tx1"/>
+                </a:solidFill>
+              </a:rPr>
+              <a:t>Return BF</a:t>
+            </a:r>
+          </a:p>
+        </p:txBody>
+      </p:sp>
+      <p:cxnSp>
+        <p:nvCxnSpPr>
+          <p:cNvPr id="61" name="Straight Arrow Connector 60">
+            <a:extLst>
+              <a:ext uri="{FF2B5EF4-FFF2-40B4-BE49-F238E27FC236}">
+                <a16:creationId xmlns:a16="http://schemas.microsoft.com/office/drawing/2014/main" id="{91EF1B83-BB91-9D88-4470-E46E30A8ACA6}"/>
+              </a:ext>
+            </a:extLst>
+          </p:cNvPr>
+          <p:cNvCxnSpPr>
+            <a:cxnSpLocks/>
+            <a:stCxn id="52" idx="2"/>
+            <a:endCxn id="68" idx="0"/>
+          </p:cNvCxnSpPr>
+          <p:nvPr/>
+        </p:nvCxnSpPr>
+        <p:spPr>
+          <a:xfrm flipH="1">
+            <a:off x="6635083" y="4616006"/>
+            <a:ext cx="189499" cy="334978"/>
+          </a:xfrm>
+          <a:prstGeom prst="straightConnector1">
+            <a:avLst/>
+          </a:prstGeom>
+          <a:ln>
+            <a:tailEnd type="triangle"/>
+          </a:ln>
+        </p:spPr>
+        <p:style>
+          <a:lnRef idx="2">
+            <a:schemeClr val="accent1"/>
+          </a:lnRef>
+          <a:fillRef idx="0">
+            <a:schemeClr val="accent1"/>
+          </a:fillRef>
+          <a:effectRef idx="1">
+            <a:schemeClr val="accent1"/>
+          </a:effectRef>
+          <a:fontRef idx="minor">
+            <a:schemeClr val="tx1"/>
+          </a:fontRef>
+        </p:style>
+      </p:cxnSp>
+      <p:cxnSp>
+        <p:nvCxnSpPr>
+          <p:cNvPr id="63" name="Straight Arrow Connector 62">
+            <a:extLst>
+              <a:ext uri="{FF2B5EF4-FFF2-40B4-BE49-F238E27FC236}">
+                <a16:creationId xmlns:a16="http://schemas.microsoft.com/office/drawing/2014/main" id="{1F002A96-2CF7-CAD3-1F61-2759071A35DE}"/>
+              </a:ext>
+            </a:extLst>
+          </p:cNvPr>
+          <p:cNvCxnSpPr>
+            <a:cxnSpLocks/>
+            <a:stCxn id="68" idx="2"/>
+            <a:endCxn id="59" idx="0"/>
+          </p:cNvCxnSpPr>
+          <p:nvPr/>
+        </p:nvCxnSpPr>
+        <p:spPr>
+          <a:xfrm>
+            <a:off x="6635083" y="5472268"/>
+            <a:ext cx="14580" cy="657475"/>
+          </a:xfrm>
+          <a:prstGeom prst="straightConnector1">
+            <a:avLst/>
+          </a:prstGeom>
+          <a:ln>
+            <a:tailEnd type="triangle"/>
+          </a:ln>
+        </p:spPr>
+        <p:style>
+          <a:lnRef idx="2">
+            <a:schemeClr val="accent1"/>
+          </a:lnRef>
+          <a:fillRef idx="0">
+            <a:schemeClr val="accent1"/>
+          </a:fillRef>
+          <a:effectRef idx="1">
+            <a:schemeClr val="accent1"/>
+          </a:effectRef>
+          <a:fontRef idx="minor">
+            <a:schemeClr val="tx1"/>
+          </a:fontRef>
+        </p:style>
+      </p:cxnSp>
+      <p:sp>
+        <p:nvSpPr>
+          <p:cNvPr id="68" name="Rectangle 67">
+            <a:extLst>
+              <a:ext uri="{FF2B5EF4-FFF2-40B4-BE49-F238E27FC236}">
+                <a16:creationId xmlns:a16="http://schemas.microsoft.com/office/drawing/2014/main" id="{72FA406A-F0ED-40FA-9A61-1F16C4515BD4}"/>
+              </a:ext>
+            </a:extLst>
+          </p:cNvPr>
+          <p:cNvSpPr/>
+          <p:nvPr/>
+        </p:nvSpPr>
+        <p:spPr>
+          <a:xfrm>
+            <a:off x="5965176" y="4950984"/>
+            <a:ext cx="1339814" cy="521284"/>
+          </a:xfrm>
+          <a:prstGeom prst="rect">
+            <a:avLst/>
+          </a:prstGeom>
+          <a:noFill/>
+        </p:spPr>
+        <p:style>
+          <a:lnRef idx="2">
+            <a:schemeClr val="accent1">
+              <a:shade val="15000"/>
+            </a:schemeClr>
+          </a:lnRef>
+          <a:fillRef idx="1">
+            <a:schemeClr val="accent1"/>
+          </a:fillRef>
+          <a:effectRef idx="0">
+            <a:schemeClr val="accent1"/>
+          </a:effectRef>
+          <a:fontRef idx="minor">
+            <a:schemeClr val="lt1"/>
+          </a:fontRef>
+        </p:style>
+        <p:txBody>
+          <a:bodyPr wrap="square" rtlCol="0" anchor="t" anchorCtr="0">
+            <a:noAutofit/>
+          </a:bodyPr>
+          <a:lstStyle/>
+          <a:p>
+            <a:pPr algn="ctr"/>
+            <a:r>
+              <a:rPr lang="en-GB" sz="1200" dirty="0">
+                <a:solidFill>
+                  <a:schemeClr val="tx1"/>
+                </a:solidFill>
+              </a:rPr>
+              <a:t>BF = BF + [returns ordered by size]</a:t>
+            </a:r>
+          </a:p>
+          <a:p>
+            <a:pPr algn="ctr"/>
+            <a:endParaRPr lang="en-GB" sz="1200" dirty="0">
+              <a:solidFill>
+                <a:schemeClr val="tx1"/>
+              </a:solidFill>
+            </a:endParaRPr>
+          </a:p>
+        </p:txBody>
+      </p:sp>
+      <p:sp>
+        <p:nvSpPr>
+          <p:cNvPr id="50" name="Rectangle 49">
+            <a:extLst>
+              <a:ext uri="{FF2B5EF4-FFF2-40B4-BE49-F238E27FC236}">
+                <a16:creationId xmlns:a16="http://schemas.microsoft.com/office/drawing/2014/main" id="{1060917A-409F-0C5D-6CE4-97FAE6A1EED0}"/>
+              </a:ext>
+            </a:extLst>
+          </p:cNvPr>
+          <p:cNvSpPr/>
+          <p:nvPr/>
+        </p:nvSpPr>
+        <p:spPr>
+          <a:xfrm>
+            <a:off x="5597311" y="3754323"/>
+            <a:ext cx="1458725" cy="545041"/>
+          </a:xfrm>
+          <a:prstGeom prst="rect">
+            <a:avLst/>
+          </a:prstGeom>
+          <a:noFill/>
+          <a:ln>
+            <a:solidFill>
+              <a:schemeClr val="bg2">
+                <a:lumMod val="50000"/>
+              </a:schemeClr>
+            </a:solidFill>
+          </a:ln>
+        </p:spPr>
+        <p:style>
+          <a:lnRef idx="2">
+            <a:schemeClr val="accent1">
+              <a:shade val="15000"/>
+            </a:schemeClr>
+          </a:lnRef>
+          <a:fillRef idx="1">
+            <a:schemeClr val="accent1"/>
+          </a:fillRef>
+          <a:effectRef idx="0">
+            <a:schemeClr val="accent1"/>
+          </a:effectRef>
+          <a:fontRef idx="minor">
+            <a:schemeClr val="lt1"/>
+          </a:fontRef>
+        </p:style>
+        <p:txBody>
+          <a:bodyPr wrap="square" rtlCol="0" anchor="t" anchorCtr="0">
+            <a:noAutofit/>
+          </a:bodyPr>
+          <a:lstStyle/>
+          <a:p>
+            <a:pPr algn="ctr"/>
+            <a:endParaRPr lang="en-GB" sz="1200" dirty="0">
+              <a:solidFill>
+                <a:schemeClr val="tx1"/>
+              </a:solidFill>
+            </a:endParaRPr>
+          </a:p>
+        </p:txBody>
+      </p:sp>
+      <p:cxnSp>
+        <p:nvCxnSpPr>
+          <p:cNvPr id="79" name="Straight Arrow Connector 78">
+            <a:extLst>
+              <a:ext uri="{FF2B5EF4-FFF2-40B4-BE49-F238E27FC236}">
+                <a16:creationId xmlns:a16="http://schemas.microsoft.com/office/drawing/2014/main" id="{D3EC9B2F-9783-72B9-95DF-3972A1797550}"/>
+              </a:ext>
+            </a:extLst>
+          </p:cNvPr>
+          <p:cNvCxnSpPr>
+            <a:cxnSpLocks/>
+            <a:stCxn id="50" idx="2"/>
+            <a:endCxn id="68" idx="0"/>
+          </p:cNvCxnSpPr>
+          <p:nvPr/>
+        </p:nvCxnSpPr>
+        <p:spPr>
+          <a:xfrm>
+            <a:off x="6326674" y="4299364"/>
+            <a:ext cx="308409" cy="651620"/>
+          </a:xfrm>
+          <a:prstGeom prst="straightConnector1">
+            <a:avLst/>
+          </a:prstGeom>
+          <a:ln>
+            <a:prstDash val="sysDot"/>
+            <a:tailEnd type="triangle"/>
+          </a:ln>
+        </p:spPr>
+        <p:style>
+          <a:lnRef idx="2">
+            <a:schemeClr val="accent1"/>
+          </a:lnRef>
+          <a:fillRef idx="0">
+            <a:schemeClr val="accent1"/>
+          </a:fillRef>
+          <a:effectRef idx="1">
+            <a:schemeClr val="accent1"/>
+          </a:effectRef>
+          <a:fontRef idx="minor">
+            <a:schemeClr val="tx1"/>
+          </a:fontRef>
+        </p:style>
+      </p:cxnSp>
+      <p:sp>
+        <p:nvSpPr>
+          <p:cNvPr id="51" name="Rectangle 50">
+            <a:extLst>
+              <a:ext uri="{FF2B5EF4-FFF2-40B4-BE49-F238E27FC236}">
+                <a16:creationId xmlns:a16="http://schemas.microsoft.com/office/drawing/2014/main" id="{F6C9FCB7-4448-DAF4-FA8F-5E7FD086A604}"/>
+              </a:ext>
+            </a:extLst>
+          </p:cNvPr>
+          <p:cNvSpPr/>
+          <p:nvPr/>
+        </p:nvSpPr>
+        <p:spPr>
+          <a:xfrm>
+            <a:off x="5846265" y="3912644"/>
+            <a:ext cx="1458725" cy="545041"/>
+          </a:xfrm>
+          <a:prstGeom prst="rect">
+            <a:avLst/>
+          </a:prstGeom>
+          <a:solidFill>
+            <a:schemeClr val="bg1"/>
+          </a:solidFill>
+          <a:ln>
+            <a:solidFill>
+              <a:schemeClr val="bg2">
+                <a:lumMod val="50000"/>
+              </a:schemeClr>
+            </a:solidFill>
+          </a:ln>
+        </p:spPr>
+        <p:style>
+          <a:lnRef idx="2">
+            <a:schemeClr val="accent1">
+              <a:shade val="15000"/>
+            </a:schemeClr>
+          </a:lnRef>
+          <a:fillRef idx="1">
+            <a:schemeClr val="accent1"/>
+          </a:fillRef>
+          <a:effectRef idx="0">
+            <a:schemeClr val="accent1"/>
+          </a:effectRef>
+          <a:fontRef idx="minor">
+            <a:schemeClr val="lt1"/>
+          </a:fontRef>
+        </p:style>
+        <p:txBody>
+          <a:bodyPr wrap="square" rtlCol="0" anchor="t" anchorCtr="0">
+            <a:noAutofit/>
+          </a:bodyPr>
+          <a:lstStyle/>
+          <a:p>
+            <a:pPr algn="ctr"/>
+            <a:endParaRPr lang="en-GB" sz="1200" dirty="0">
+              <a:solidFill>
+                <a:schemeClr val="tx1"/>
+              </a:solidFill>
+            </a:endParaRPr>
+          </a:p>
+        </p:txBody>
+      </p:sp>
+      <p:cxnSp>
+        <p:nvCxnSpPr>
+          <p:cNvPr id="81" name="Straight Arrow Connector 80">
+            <a:extLst>
+              <a:ext uri="{FF2B5EF4-FFF2-40B4-BE49-F238E27FC236}">
+                <a16:creationId xmlns:a16="http://schemas.microsoft.com/office/drawing/2014/main" id="{84F9C125-C31D-6251-9270-4E9559088CAF}"/>
+              </a:ext>
+            </a:extLst>
+          </p:cNvPr>
+          <p:cNvCxnSpPr>
+            <a:cxnSpLocks/>
+            <a:stCxn id="51" idx="2"/>
+            <a:endCxn id="68" idx="0"/>
+          </p:cNvCxnSpPr>
+          <p:nvPr/>
+        </p:nvCxnSpPr>
+        <p:spPr>
+          <a:xfrm>
+            <a:off x="6575628" y="4457685"/>
+            <a:ext cx="59455" cy="493299"/>
+          </a:xfrm>
+          <a:prstGeom prst="straightConnector1">
+            <a:avLst/>
+          </a:prstGeom>
+          <a:ln>
+            <a:tailEnd type="triangle"/>
+          </a:ln>
+        </p:spPr>
+        <p:style>
+          <a:lnRef idx="2">
+            <a:schemeClr val="accent1"/>
+          </a:lnRef>
+          <a:fillRef idx="0">
+            <a:schemeClr val="accent1"/>
+          </a:fillRef>
+          <a:effectRef idx="1">
+            <a:schemeClr val="accent1"/>
+          </a:effectRef>
+          <a:fontRef idx="minor">
+            <a:schemeClr val="tx1"/>
+          </a:fontRef>
+        </p:style>
+      </p:cxnSp>
+      <p:sp>
+        <p:nvSpPr>
+          <p:cNvPr id="52" name="Rectangle 51">
+            <a:extLst>
+              <a:ext uri="{FF2B5EF4-FFF2-40B4-BE49-F238E27FC236}">
+                <a16:creationId xmlns:a16="http://schemas.microsoft.com/office/drawing/2014/main" id="{0F77F5B2-C181-B658-AA45-3F8F46E57B46}"/>
+              </a:ext>
+            </a:extLst>
+          </p:cNvPr>
+          <p:cNvSpPr/>
+          <p:nvPr/>
+        </p:nvSpPr>
+        <p:spPr>
+          <a:xfrm>
+            <a:off x="6095219" y="4070965"/>
+            <a:ext cx="1458725" cy="545041"/>
+          </a:xfrm>
+          <a:prstGeom prst="rect">
+            <a:avLst/>
+          </a:prstGeom>
+          <a:solidFill>
+            <a:schemeClr val="bg1"/>
+          </a:solidFill>
+        </p:spPr>
+        <p:style>
+          <a:lnRef idx="2">
+            <a:schemeClr val="accent1">
+              <a:shade val="15000"/>
+            </a:schemeClr>
+          </a:lnRef>
+          <a:fillRef idx="1">
+            <a:schemeClr val="accent1"/>
+          </a:fillRef>
+          <a:effectRef idx="0">
+            <a:schemeClr val="accent1"/>
+          </a:effectRef>
+          <a:fontRef idx="minor">
+            <a:schemeClr val="lt1"/>
+          </a:fontRef>
+        </p:style>
+        <p:txBody>
+          <a:bodyPr wrap="square" rtlCol="0" anchor="t" anchorCtr="0">
+            <a:noAutofit/>
+          </a:bodyPr>
+          <a:lstStyle/>
+          <a:p>
+            <a:pPr algn="ctr"/>
+            <a:r>
+              <a:rPr lang="en-GB" sz="1200" dirty="0" err="1">
+                <a:solidFill>
+                  <a:schemeClr val="tx1"/>
+                </a:solidFill>
+              </a:rPr>
+              <a:t>ProcessSequence</a:t>
+            </a:r>
+            <a:endParaRPr lang="en-GB" sz="1200" dirty="0">
+              <a:solidFill>
+                <a:schemeClr val="tx1"/>
+              </a:solidFill>
+            </a:endParaRPr>
+          </a:p>
+          <a:p>
+            <a:pPr algn="ctr"/>
+            <a:r>
+              <a:rPr lang="en-GB" sz="1200" dirty="0">
+                <a:solidFill>
+                  <a:schemeClr val="tx1"/>
+                </a:solidFill>
+              </a:rPr>
+              <a:t>(node, head, [])</a:t>
+            </a:r>
+          </a:p>
+        </p:txBody>
+      </p:sp>
+      <p:sp>
+        <p:nvSpPr>
+          <p:cNvPr id="86" name="Rectangle 85">
+            <a:extLst>
+              <a:ext uri="{FF2B5EF4-FFF2-40B4-BE49-F238E27FC236}">
+                <a16:creationId xmlns:a16="http://schemas.microsoft.com/office/drawing/2014/main" id="{5AF0D6D8-74A0-B2A1-EAA0-89B5245B2266}"/>
+              </a:ext>
+            </a:extLst>
+          </p:cNvPr>
+          <p:cNvSpPr/>
+          <p:nvPr/>
+        </p:nvSpPr>
+        <p:spPr>
+          <a:xfrm>
+            <a:off x="8529355" y="4663570"/>
+            <a:ext cx="1458725" cy="1072212"/>
+          </a:xfrm>
+          <a:prstGeom prst="rect">
+            <a:avLst/>
+          </a:prstGeom>
+          <a:solidFill>
+            <a:schemeClr val="bg1"/>
+          </a:solidFill>
+        </p:spPr>
+        <p:style>
+          <a:lnRef idx="2">
+            <a:schemeClr val="accent1">
+              <a:shade val="15000"/>
+            </a:schemeClr>
+          </a:lnRef>
+          <a:fillRef idx="1">
+            <a:schemeClr val="accent1"/>
+          </a:fillRef>
+          <a:effectRef idx="0">
+            <a:schemeClr val="accent1"/>
+          </a:effectRef>
+          <a:fontRef idx="minor">
+            <a:schemeClr val="lt1"/>
+          </a:fontRef>
+        </p:style>
+        <p:txBody>
+          <a:bodyPr wrap="square" rtlCol="0" anchor="t" anchorCtr="0">
+            <a:noAutofit/>
+          </a:bodyPr>
+          <a:lstStyle/>
+          <a:p>
+            <a:pPr algn="ctr"/>
+            <a:r>
+              <a:rPr lang="en-GB" sz="1200" dirty="0" err="1">
+                <a:solidFill>
+                  <a:schemeClr val="tx1"/>
+                </a:solidFill>
+              </a:rPr>
+              <a:t>ProcessSequence</a:t>
+            </a:r>
+            <a:endParaRPr lang="en-GB" sz="1200" dirty="0">
+              <a:solidFill>
+                <a:schemeClr val="tx1"/>
+              </a:solidFill>
+            </a:endParaRPr>
+          </a:p>
+          <a:p>
+            <a:pPr algn="ctr"/>
+            <a:r>
+              <a:rPr lang="en-GB" sz="1200" dirty="0">
+                <a:solidFill>
+                  <a:schemeClr val="tx1"/>
+                </a:solidFill>
+              </a:rPr>
+              <a:t>(</a:t>
+            </a:r>
+            <a:r>
+              <a:rPr lang="en-GB" sz="1200" dirty="0" err="1">
+                <a:solidFill>
+                  <a:schemeClr val="tx1"/>
+                </a:solidFill>
+              </a:rPr>
+              <a:t>passthru.Last</a:t>
+            </a:r>
+            <a:r>
+              <a:rPr lang="en-GB" sz="1200" dirty="0">
+                <a:solidFill>
+                  <a:schemeClr val="tx1"/>
+                </a:solidFill>
+              </a:rPr>
+              <a:t>(), </a:t>
+            </a:r>
+            <a:r>
+              <a:rPr lang="en-GB" sz="1200" dirty="0" err="1">
+                <a:solidFill>
+                  <a:schemeClr val="tx1"/>
+                </a:solidFill>
+              </a:rPr>
+              <a:t>currentNode</a:t>
+            </a:r>
+            <a:r>
+              <a:rPr lang="en-GB" sz="1200" dirty="0">
+                <a:solidFill>
+                  <a:schemeClr val="tx1"/>
+                </a:solidFill>
+              </a:rPr>
+              <a:t>, BF)</a:t>
+            </a:r>
+          </a:p>
+          <a:p>
+            <a:pPr algn="ctr"/>
+            <a:endParaRPr lang="en-GB" sz="1200" dirty="0">
+              <a:solidFill>
+                <a:schemeClr val="tx1"/>
+              </a:solidFill>
+            </a:endParaRPr>
+          </a:p>
+          <a:p>
+            <a:pPr algn="ctr"/>
+            <a:r>
+              <a:rPr lang="en-GB" sz="1200" dirty="0">
+                <a:solidFill>
+                  <a:schemeClr val="tx1"/>
+                </a:solidFill>
+              </a:rPr>
+              <a:t>BF = BF + result</a:t>
+            </a:r>
+          </a:p>
+        </p:txBody>
+      </p:sp>
+      <p:sp>
+        <p:nvSpPr>
+          <p:cNvPr id="88" name="Flowchart: Terminator 87">
+            <a:extLst>
+              <a:ext uri="{FF2B5EF4-FFF2-40B4-BE49-F238E27FC236}">
+                <a16:creationId xmlns:a16="http://schemas.microsoft.com/office/drawing/2014/main" id="{C0359279-13C1-DEBF-D026-E94169C31343}"/>
+              </a:ext>
+            </a:extLst>
+          </p:cNvPr>
+          <p:cNvSpPr/>
+          <p:nvPr/>
+        </p:nvSpPr>
+        <p:spPr>
+          <a:xfrm>
+            <a:off x="1759264" y="6024528"/>
+            <a:ext cx="914400" cy="301752"/>
+          </a:xfrm>
+          <a:prstGeom prst="flowChartTerminator">
+            <a:avLst/>
+          </a:prstGeom>
+          <a:solidFill>
+            <a:schemeClr val="bg2"/>
+          </a:solidFill>
+        </p:spPr>
+        <p:style>
+          <a:lnRef idx="2">
+            <a:schemeClr val="accent1">
+              <a:shade val="15000"/>
+            </a:schemeClr>
+          </a:lnRef>
+          <a:fillRef idx="1">
+            <a:schemeClr val="accent1"/>
+          </a:fillRef>
+          <a:effectRef idx="0">
+            <a:schemeClr val="accent1"/>
+          </a:effectRef>
+          <a:fontRef idx="minor">
+            <a:schemeClr val="lt1"/>
+          </a:fontRef>
+        </p:style>
+        <p:txBody>
+          <a:bodyPr wrap="square" rtlCol="0" anchor="ctr">
+            <a:noAutofit/>
+          </a:bodyPr>
+          <a:lstStyle/>
+          <a:p>
+            <a:pPr algn="ctr"/>
+            <a:r>
+              <a:rPr lang="en-GB" sz="1200" dirty="0">
+                <a:solidFill>
+                  <a:schemeClr val="tx1"/>
+                </a:solidFill>
+              </a:rPr>
+              <a:t>return []</a:t>
+            </a:r>
+          </a:p>
+        </p:txBody>
+      </p:sp>
+      <p:sp>
+        <p:nvSpPr>
+          <p:cNvPr id="89" name="Flowchart: Terminator 88">
+            <a:extLst>
+              <a:ext uri="{FF2B5EF4-FFF2-40B4-BE49-F238E27FC236}">
+                <a16:creationId xmlns:a16="http://schemas.microsoft.com/office/drawing/2014/main" id="{B88D1392-2AE1-FB50-5D82-EC6B2072431B}"/>
+              </a:ext>
+            </a:extLst>
+          </p:cNvPr>
+          <p:cNvSpPr/>
+          <p:nvPr/>
+        </p:nvSpPr>
+        <p:spPr>
+          <a:xfrm>
+            <a:off x="3510820" y="6260932"/>
+            <a:ext cx="914400" cy="301752"/>
+          </a:xfrm>
+          <a:prstGeom prst="flowChartTerminator">
+            <a:avLst/>
+          </a:prstGeom>
+          <a:solidFill>
+            <a:schemeClr val="bg2"/>
+          </a:solidFill>
+        </p:spPr>
+        <p:style>
+          <a:lnRef idx="2">
+            <a:schemeClr val="accent1">
+              <a:shade val="15000"/>
+            </a:schemeClr>
+          </a:lnRef>
+          <a:fillRef idx="1">
+            <a:schemeClr val="accent1"/>
+          </a:fillRef>
+          <a:effectRef idx="0">
+            <a:schemeClr val="accent1"/>
+          </a:effectRef>
+          <a:fontRef idx="minor">
+            <a:schemeClr val="lt1"/>
+          </a:fontRef>
+        </p:style>
+        <p:txBody>
+          <a:bodyPr wrap="none" rtlCol="0" anchor="ctr">
+            <a:noAutofit/>
+          </a:bodyPr>
+          <a:lstStyle/>
+          <a:p>
+            <a:pPr algn="ctr"/>
+            <a:r>
+              <a:rPr lang="en-GB" sz="1200" dirty="0">
+                <a:solidFill>
+                  <a:schemeClr val="tx1"/>
+                </a:solidFill>
+              </a:rPr>
+              <a:t>Return lists</a:t>
+            </a:r>
+          </a:p>
+        </p:txBody>
+      </p:sp>
+      <p:cxnSp>
+        <p:nvCxnSpPr>
+          <p:cNvPr id="91" name="Straight Arrow Connector 90">
+            <a:extLst>
+              <a:ext uri="{FF2B5EF4-FFF2-40B4-BE49-F238E27FC236}">
+                <a16:creationId xmlns:a16="http://schemas.microsoft.com/office/drawing/2014/main" id="{B4976722-D7ED-7396-1B12-E08798FD56E1}"/>
+              </a:ext>
+            </a:extLst>
+          </p:cNvPr>
+          <p:cNvCxnSpPr>
+            <a:cxnSpLocks/>
+            <a:stCxn id="9" idx="2"/>
+            <a:endCxn id="86" idx="0"/>
+          </p:cNvCxnSpPr>
+          <p:nvPr/>
+        </p:nvCxnSpPr>
+        <p:spPr>
+          <a:xfrm>
+            <a:off x="9255812" y="4112203"/>
+            <a:ext cx="2906" cy="551367"/>
+          </a:xfrm>
+          <a:prstGeom prst="straightConnector1">
+            <a:avLst/>
+          </a:prstGeom>
+          <a:ln>
+            <a:tailEnd type="triangle"/>
+          </a:ln>
+        </p:spPr>
+        <p:style>
+          <a:lnRef idx="2">
+            <a:schemeClr val="accent1"/>
+          </a:lnRef>
+          <a:fillRef idx="0">
+            <a:schemeClr val="accent1"/>
+          </a:fillRef>
+          <a:effectRef idx="1">
+            <a:schemeClr val="accent1"/>
+          </a:effectRef>
+          <a:fontRef idx="minor">
+            <a:schemeClr val="tx1"/>
+          </a:fontRef>
+        </p:style>
+      </p:cxnSp>
+      <p:cxnSp>
+        <p:nvCxnSpPr>
+          <p:cNvPr id="93" name="Straight Arrow Connector 92">
+            <a:extLst>
+              <a:ext uri="{FF2B5EF4-FFF2-40B4-BE49-F238E27FC236}">
+                <a16:creationId xmlns:a16="http://schemas.microsoft.com/office/drawing/2014/main" id="{EE6ECD56-DC34-1CDD-A4EA-80C7B5B64B52}"/>
+              </a:ext>
+            </a:extLst>
+          </p:cNvPr>
+          <p:cNvCxnSpPr>
+            <a:cxnSpLocks/>
+            <a:stCxn id="86" idx="2"/>
+            <a:endCxn id="126" idx="0"/>
+          </p:cNvCxnSpPr>
+          <p:nvPr/>
+        </p:nvCxnSpPr>
+        <p:spPr>
+          <a:xfrm flipH="1">
+            <a:off x="9255812" y="5735782"/>
+            <a:ext cx="2906" cy="393961"/>
+          </a:xfrm>
+          <a:prstGeom prst="straightConnector1">
+            <a:avLst/>
+          </a:prstGeom>
+          <a:ln>
+            <a:tailEnd type="triangle"/>
+          </a:ln>
+        </p:spPr>
+        <p:style>
+          <a:lnRef idx="2">
+            <a:schemeClr val="accent1"/>
+          </a:lnRef>
+          <a:fillRef idx="0">
+            <a:schemeClr val="accent1"/>
+          </a:fillRef>
+          <a:effectRef idx="1">
+            <a:schemeClr val="accent1"/>
+          </a:effectRef>
+          <a:fontRef idx="minor">
+            <a:schemeClr val="tx1"/>
+          </a:fontRef>
+        </p:style>
+      </p:cxnSp>
+      <p:cxnSp>
+        <p:nvCxnSpPr>
+          <p:cNvPr id="95" name="Straight Arrow Connector 94">
+            <a:extLst>
+              <a:ext uri="{FF2B5EF4-FFF2-40B4-BE49-F238E27FC236}">
+                <a16:creationId xmlns:a16="http://schemas.microsoft.com/office/drawing/2014/main" id="{DE86E5F8-170F-9FB5-81B2-C148998E23A9}"/>
+              </a:ext>
+            </a:extLst>
+          </p:cNvPr>
+          <p:cNvCxnSpPr>
+            <a:cxnSpLocks/>
+            <a:stCxn id="36" idx="2"/>
+            <a:endCxn id="133" idx="0"/>
+          </p:cNvCxnSpPr>
+          <p:nvPr/>
+        </p:nvCxnSpPr>
+        <p:spPr>
+          <a:xfrm flipH="1">
+            <a:off x="3968021" y="4920315"/>
+            <a:ext cx="4511" cy="279432"/>
+          </a:xfrm>
+          <a:prstGeom prst="straightConnector1">
+            <a:avLst/>
+          </a:prstGeom>
+          <a:ln>
+            <a:tailEnd type="triangle"/>
+          </a:ln>
+        </p:spPr>
+        <p:style>
+          <a:lnRef idx="2">
+            <a:schemeClr val="accent1"/>
+          </a:lnRef>
+          <a:fillRef idx="0">
+            <a:schemeClr val="accent1"/>
+          </a:fillRef>
+          <a:effectRef idx="1">
+            <a:schemeClr val="accent1"/>
+          </a:effectRef>
+          <a:fontRef idx="minor">
+            <a:schemeClr val="tx1"/>
+          </a:fontRef>
+        </p:style>
+      </p:cxnSp>
+      <p:cxnSp>
+        <p:nvCxnSpPr>
+          <p:cNvPr id="97" name="Straight Arrow Connector 96">
+            <a:extLst>
+              <a:ext uri="{FF2B5EF4-FFF2-40B4-BE49-F238E27FC236}">
+                <a16:creationId xmlns:a16="http://schemas.microsoft.com/office/drawing/2014/main" id="{1AFAF99D-06F0-F6CB-EC55-C0EA63D35AC6}"/>
+              </a:ext>
+            </a:extLst>
+          </p:cNvPr>
+          <p:cNvCxnSpPr>
+            <a:stCxn id="35" idx="2"/>
+            <a:endCxn id="88" idx="0"/>
+          </p:cNvCxnSpPr>
+          <p:nvPr/>
+        </p:nvCxnSpPr>
+        <p:spPr>
+          <a:xfrm flipH="1">
+            <a:off x="2216464" y="5512059"/>
+            <a:ext cx="1" cy="512469"/>
+          </a:xfrm>
+          <a:prstGeom prst="straightConnector1">
+            <a:avLst/>
+          </a:prstGeom>
+          <a:ln>
+            <a:tailEnd type="triangle"/>
+          </a:ln>
+        </p:spPr>
+        <p:style>
+          <a:lnRef idx="2">
+            <a:schemeClr val="accent1"/>
+          </a:lnRef>
+          <a:fillRef idx="0">
+            <a:schemeClr val="accent1"/>
+          </a:fillRef>
+          <a:effectRef idx="1">
+            <a:schemeClr val="accent1"/>
+          </a:effectRef>
+          <a:fontRef idx="minor">
+            <a:schemeClr val="tx1"/>
+          </a:fontRef>
+        </p:style>
+      </p:cxnSp>
+      <p:sp>
+        <p:nvSpPr>
+          <p:cNvPr id="126" name="Flowchart: Terminator 125">
+            <a:extLst>
+              <a:ext uri="{FF2B5EF4-FFF2-40B4-BE49-F238E27FC236}">
+                <a16:creationId xmlns:a16="http://schemas.microsoft.com/office/drawing/2014/main" id="{E529ECEE-73E7-E1E3-868E-E8DCB63F7473}"/>
+              </a:ext>
+            </a:extLst>
+          </p:cNvPr>
+          <p:cNvSpPr/>
+          <p:nvPr/>
+        </p:nvSpPr>
+        <p:spPr>
+          <a:xfrm>
+            <a:off x="8798612" y="6129743"/>
+            <a:ext cx="914400" cy="301752"/>
+          </a:xfrm>
+          <a:prstGeom prst="flowChartTerminator">
+            <a:avLst/>
+          </a:prstGeom>
+          <a:solidFill>
+            <a:schemeClr val="bg2"/>
+          </a:solidFill>
+        </p:spPr>
+        <p:style>
+          <a:lnRef idx="2">
+            <a:schemeClr val="accent1">
+              <a:shade val="15000"/>
+            </a:schemeClr>
+          </a:lnRef>
+          <a:fillRef idx="1">
+            <a:schemeClr val="accent1"/>
+          </a:fillRef>
+          <a:effectRef idx="0">
+            <a:schemeClr val="accent1"/>
+          </a:effectRef>
+          <a:fontRef idx="minor">
+            <a:schemeClr val="lt1"/>
+          </a:fontRef>
+        </p:style>
+        <p:txBody>
+          <a:bodyPr wrap="none" rtlCol="0" anchor="ctr">
+            <a:noAutofit/>
+          </a:bodyPr>
+          <a:lstStyle/>
+          <a:p>
+            <a:pPr algn="ctr"/>
+            <a:r>
+              <a:rPr lang="en-GB" sz="1200" dirty="0">
+                <a:solidFill>
+                  <a:schemeClr val="tx1"/>
+                </a:solidFill>
+              </a:rPr>
+              <a:t>Return BF</a:t>
+            </a:r>
+          </a:p>
+        </p:txBody>
+      </p:sp>
+      <p:cxnSp>
+        <p:nvCxnSpPr>
+          <p:cNvPr id="58" name="Straight Arrow Connector 57">
+            <a:extLst>
+              <a:ext uri="{FF2B5EF4-FFF2-40B4-BE49-F238E27FC236}">
+                <a16:creationId xmlns:a16="http://schemas.microsoft.com/office/drawing/2014/main" id="{76E9C17A-0954-A41A-E95B-58177D299E63}"/>
+              </a:ext>
+            </a:extLst>
+          </p:cNvPr>
+          <p:cNvCxnSpPr>
+            <a:stCxn id="6" idx="2"/>
+            <a:endCxn id="52" idx="0"/>
+          </p:cNvCxnSpPr>
+          <p:nvPr/>
+        </p:nvCxnSpPr>
+        <p:spPr>
+          <a:xfrm>
+            <a:off x="6543543" y="3261024"/>
+            <a:ext cx="281039" cy="809941"/>
+          </a:xfrm>
+          <a:prstGeom prst="straightConnector1">
+            <a:avLst/>
+          </a:prstGeom>
+          <a:ln>
+            <a:tailEnd type="triangle"/>
+          </a:ln>
+        </p:spPr>
+        <p:style>
+          <a:lnRef idx="2">
+            <a:schemeClr val="accent1"/>
+          </a:lnRef>
+          <a:fillRef idx="0">
+            <a:schemeClr val="accent1"/>
+          </a:fillRef>
+          <a:effectRef idx="1">
+            <a:schemeClr val="accent1"/>
+          </a:effectRef>
+          <a:fontRef idx="minor">
+            <a:schemeClr val="tx1"/>
+          </a:fontRef>
+        </p:style>
+      </p:cxnSp>
+      <p:sp>
+        <p:nvSpPr>
+          <p:cNvPr id="130" name="TextBox 129">
+            <a:extLst>
+              <a:ext uri="{FF2B5EF4-FFF2-40B4-BE49-F238E27FC236}">
+                <a16:creationId xmlns:a16="http://schemas.microsoft.com/office/drawing/2014/main" id="{DB64B4DE-1ED8-FFC6-ABE4-296860E60765}"/>
+              </a:ext>
+            </a:extLst>
+          </p:cNvPr>
+          <p:cNvSpPr txBox="1"/>
+          <p:nvPr/>
+        </p:nvSpPr>
+        <p:spPr>
+          <a:xfrm>
+            <a:off x="7126014" y="541849"/>
+            <a:ext cx="2074863" cy="307777"/>
+          </a:xfrm>
+          <a:prstGeom prst="rect">
+            <a:avLst/>
+          </a:prstGeom>
+          <a:noFill/>
+        </p:spPr>
+        <p:txBody>
+          <a:bodyPr wrap="none" rtlCol="0">
+            <a:spAutoFit/>
+          </a:bodyPr>
+          <a:lstStyle/>
+          <a:p>
+            <a:pPr algn="l"/>
+            <a:r>
+              <a:rPr lang="en-GB" sz="1400" dirty="0"/>
+              <a:t>BF = </a:t>
+            </a:r>
+            <a:r>
+              <a:rPr lang="en-GB" sz="1400" dirty="0" err="1"/>
+              <a:t>BroughtForward</a:t>
+            </a:r>
+            <a:r>
+              <a:rPr lang="en-GB" sz="1400" dirty="0"/>
+              <a:t> list</a:t>
+            </a:r>
+          </a:p>
+        </p:txBody>
+      </p:sp>
+      <p:sp>
+        <p:nvSpPr>
+          <p:cNvPr id="133" name="Rectangle 132">
+            <a:extLst>
+              <a:ext uri="{FF2B5EF4-FFF2-40B4-BE49-F238E27FC236}">
+                <a16:creationId xmlns:a16="http://schemas.microsoft.com/office/drawing/2014/main" id="{AD26C957-5C30-7AC3-4B29-05260EDB3BED}"/>
+              </a:ext>
+            </a:extLst>
+          </p:cNvPr>
+          <p:cNvSpPr/>
+          <p:nvPr/>
+        </p:nvSpPr>
+        <p:spPr>
+          <a:xfrm>
+            <a:off x="3238658" y="5199747"/>
+            <a:ext cx="1458725" cy="815713"/>
+          </a:xfrm>
+          <a:prstGeom prst="rect">
+            <a:avLst/>
+          </a:prstGeom>
+          <a:solidFill>
+            <a:schemeClr val="bg1"/>
+          </a:solidFill>
+        </p:spPr>
+        <p:style>
+          <a:lnRef idx="2">
+            <a:schemeClr val="accent1">
+              <a:shade val="15000"/>
+            </a:schemeClr>
+          </a:lnRef>
+          <a:fillRef idx="1">
+            <a:schemeClr val="accent1"/>
+          </a:fillRef>
+          <a:effectRef idx="0">
+            <a:schemeClr val="accent1"/>
+          </a:effectRef>
+          <a:fontRef idx="minor">
+            <a:schemeClr val="lt1"/>
+          </a:fontRef>
+        </p:style>
+        <p:txBody>
+          <a:bodyPr wrap="square" rtlCol="0" anchor="t" anchorCtr="0">
+            <a:noAutofit/>
+          </a:bodyPr>
+          <a:lstStyle/>
+          <a:p>
+            <a:pPr algn="ctr"/>
+            <a:r>
+              <a:rPr lang="en-GB" sz="1200" dirty="0">
+                <a:solidFill>
+                  <a:schemeClr val="tx1"/>
+                </a:solidFill>
+              </a:rPr>
+              <a:t>lists =</a:t>
+            </a:r>
+          </a:p>
+          <a:p>
+            <a:pPr algn="ctr"/>
+            <a:r>
+              <a:rPr lang="en-GB" sz="1200" dirty="0" err="1">
+                <a:solidFill>
+                  <a:schemeClr val="tx1"/>
+                </a:solidFill>
+              </a:rPr>
+              <a:t>processSequence</a:t>
+            </a:r>
+            <a:endParaRPr lang="en-GB" sz="1200" dirty="0">
+              <a:solidFill>
+                <a:schemeClr val="tx1"/>
+              </a:solidFill>
+            </a:endParaRPr>
+          </a:p>
+          <a:p>
+            <a:pPr algn="ctr"/>
+            <a:r>
+              <a:rPr lang="en-GB" sz="1200" dirty="0">
+                <a:solidFill>
+                  <a:schemeClr val="tx1"/>
+                </a:solidFill>
+              </a:rPr>
+              <a:t>(node, head, lists)</a:t>
+            </a:r>
+          </a:p>
+          <a:p>
+            <a:pPr algn="ctr"/>
+            <a:endParaRPr lang="en-GB" sz="1200" dirty="0">
+              <a:solidFill>
+                <a:schemeClr val="tx1"/>
+              </a:solidFill>
+            </a:endParaRPr>
+          </a:p>
+          <a:p>
+            <a:pPr algn="ctr"/>
+            <a:endParaRPr lang="en-GB" sz="1200" dirty="0">
+              <a:solidFill>
+                <a:schemeClr val="tx1"/>
+              </a:solidFill>
+            </a:endParaRPr>
+          </a:p>
+        </p:txBody>
+      </p:sp>
+      <p:cxnSp>
+        <p:nvCxnSpPr>
+          <p:cNvPr id="136" name="Straight Arrow Connector 135">
+            <a:extLst>
+              <a:ext uri="{FF2B5EF4-FFF2-40B4-BE49-F238E27FC236}">
+                <a16:creationId xmlns:a16="http://schemas.microsoft.com/office/drawing/2014/main" id="{5F21C7CD-42A7-C13B-B3C1-BA3473819573}"/>
+              </a:ext>
+            </a:extLst>
+          </p:cNvPr>
+          <p:cNvCxnSpPr>
+            <a:cxnSpLocks/>
+            <a:stCxn id="133" idx="2"/>
+            <a:endCxn id="89" idx="0"/>
+          </p:cNvCxnSpPr>
+          <p:nvPr/>
+        </p:nvCxnSpPr>
+        <p:spPr>
+          <a:xfrm flipH="1">
+            <a:off x="3968020" y="6015460"/>
+            <a:ext cx="1" cy="245472"/>
+          </a:xfrm>
+          <a:prstGeom prst="straightConnector1">
+            <a:avLst/>
+          </a:prstGeom>
+          <a:ln>
+            <a:tailEnd type="triangle"/>
+          </a:ln>
+        </p:spPr>
+        <p:style>
+          <a:lnRef idx="2">
+            <a:schemeClr val="accent1"/>
+          </a:lnRef>
+          <a:fillRef idx="0">
+            <a:schemeClr val="accent1"/>
+          </a:fillRef>
+          <a:effectRef idx="1">
+            <a:schemeClr val="accent1"/>
+          </a:effectRef>
+          <a:fontRef idx="minor">
+            <a:schemeClr val="tx1"/>
+          </a:fontRef>
+        </p:style>
+      </p:cxnSp>
+    </p:spTree>
+    <p:extLst>
+      <p:ext uri="{BB962C8B-B14F-4D97-AF65-F5344CB8AC3E}">
+        <p14:creationId xmlns:p14="http://schemas.microsoft.com/office/powerpoint/2010/main" val="2465993212"/>
+      </p:ext>
+    </p:extLst>
+  </p:cSld>
+  <p:clrMapOvr>
+    <a:masterClrMapping/>
+  </p:clrMapOvr>
+</p:sld>
+</file>
+
+<file path=ppt/slides/slide18.xml><?xml version="1.0" encoding="utf-8"?>
+<p:sld xmlns:a="http://schemas.openxmlformats.org/drawingml/2006/main" xmlns:r="http://schemas.openxmlformats.org/officeDocument/2006/relationships" xmlns:p="http://schemas.openxmlformats.org/presentationml/2006/main">
+  <p:cSld>
+    <p:spTree>
+      <p:nvGrpSpPr>
+        <p:cNvPr id="1" name=""/>
+        <p:cNvGrpSpPr/>
+        <p:nvPr/>
+      </p:nvGrpSpPr>
+      <p:grpSpPr>
+        <a:xfrm>
+          <a:off x="0" y="0"/>
+          <a:ext cx="0" cy="0"/>
+          <a:chOff x="0" y="0"/>
+          <a:chExt cx="0" cy="0"/>
+        </a:xfrm>
+      </p:grpSpPr>
+      <p:sp>
+        <p:nvSpPr>
+          <p:cNvPr id="4" name="Oval 3">
+            <a:extLst>
+              <a:ext uri="{FF2B5EF4-FFF2-40B4-BE49-F238E27FC236}">
+                <a16:creationId xmlns:a16="http://schemas.microsoft.com/office/drawing/2014/main" id="{DFD00F4A-2044-5F6E-F0B2-6FE3346D47B6}"/>
+              </a:ext>
+            </a:extLst>
+          </p:cNvPr>
+          <p:cNvSpPr/>
+          <p:nvPr/>
+        </p:nvSpPr>
+        <p:spPr>
+          <a:xfrm>
+            <a:off x="4296571" y="2152904"/>
+            <a:ext cx="201168" cy="201168"/>
+          </a:xfrm>
+          <a:prstGeom prst="ellipse">
+            <a:avLst/>
+          </a:prstGeom>
+        </p:spPr>
+        <p:style>
+          <a:lnRef idx="2">
+            <a:schemeClr val="accent1">
+              <a:shade val="15000"/>
+            </a:schemeClr>
+          </a:lnRef>
+          <a:fillRef idx="1">
+            <a:schemeClr val="accent1"/>
+          </a:fillRef>
+          <a:effectRef idx="0">
+            <a:schemeClr val="accent1"/>
+          </a:effectRef>
+          <a:fontRef idx="minor">
+            <a:schemeClr val="lt1"/>
+          </a:fontRef>
+        </p:style>
+        <p:txBody>
+          <a:bodyPr wrap="none" rtlCol="0" anchor="ctr">
+            <a:noAutofit/>
+          </a:bodyPr>
+          <a:lstStyle/>
+          <a:p>
+            <a:pPr algn="ctr"/>
+            <a:r>
+              <a:rPr lang="en-GB" dirty="0"/>
+              <a:t>3</a:t>
+            </a:r>
+          </a:p>
+        </p:txBody>
+      </p:sp>
+      <p:sp>
+        <p:nvSpPr>
+          <p:cNvPr id="5" name="Oval 4">
+            <a:extLst>
+              <a:ext uri="{FF2B5EF4-FFF2-40B4-BE49-F238E27FC236}">
+                <a16:creationId xmlns:a16="http://schemas.microsoft.com/office/drawing/2014/main" id="{B35BBFC1-AA74-3C5C-8D66-CF583B7FE6ED}"/>
+              </a:ext>
+            </a:extLst>
+          </p:cNvPr>
+          <p:cNvSpPr/>
+          <p:nvPr/>
+        </p:nvSpPr>
+        <p:spPr>
+          <a:xfrm>
+            <a:off x="3433479" y="1106701"/>
+            <a:ext cx="201168" cy="201168"/>
+          </a:xfrm>
+          <a:prstGeom prst="ellipse">
+            <a:avLst/>
+          </a:prstGeom>
+          <a:solidFill>
+            <a:schemeClr val="tx2">
+              <a:lumMod val="25000"/>
+              <a:lumOff val="75000"/>
+            </a:schemeClr>
+          </a:solidFill>
+        </p:spPr>
+        <p:style>
+          <a:lnRef idx="2">
+            <a:schemeClr val="accent1">
+              <a:shade val="15000"/>
+            </a:schemeClr>
+          </a:lnRef>
+          <a:fillRef idx="1">
+            <a:schemeClr val="accent1"/>
+          </a:fillRef>
+          <a:effectRef idx="0">
+            <a:schemeClr val="accent1"/>
+          </a:effectRef>
+          <a:fontRef idx="minor">
+            <a:schemeClr val="lt1"/>
+          </a:fontRef>
+        </p:style>
+        <p:txBody>
+          <a:bodyPr wrap="none" rtlCol="0" anchor="ctr">
+            <a:noAutofit/>
+          </a:bodyPr>
+          <a:lstStyle/>
+          <a:p>
+            <a:pPr algn="ctr"/>
+            <a:r>
+              <a:rPr lang="en-GB" dirty="0"/>
+              <a:t>1</a:t>
+            </a:r>
+          </a:p>
+        </p:txBody>
+      </p:sp>
+      <p:sp>
+        <p:nvSpPr>
+          <p:cNvPr id="7" name="Oval 6">
+            <a:extLst>
+              <a:ext uri="{FF2B5EF4-FFF2-40B4-BE49-F238E27FC236}">
+                <a16:creationId xmlns:a16="http://schemas.microsoft.com/office/drawing/2014/main" id="{0B36BA15-D313-FE4A-17B3-E87D7D4E0B69}"/>
+              </a:ext>
+            </a:extLst>
+          </p:cNvPr>
+          <p:cNvSpPr/>
+          <p:nvPr/>
+        </p:nvSpPr>
+        <p:spPr>
+          <a:xfrm>
+            <a:off x="5312248" y="1207285"/>
+            <a:ext cx="201168" cy="201168"/>
+          </a:xfrm>
+          <a:prstGeom prst="ellipse">
+            <a:avLst/>
+          </a:prstGeom>
+          <a:solidFill>
+            <a:schemeClr val="tx2">
+              <a:lumMod val="25000"/>
+              <a:lumOff val="75000"/>
+            </a:schemeClr>
+          </a:solidFill>
+        </p:spPr>
+        <p:style>
+          <a:lnRef idx="2">
+            <a:schemeClr val="accent1">
+              <a:shade val="15000"/>
+            </a:schemeClr>
+          </a:lnRef>
+          <a:fillRef idx="1">
+            <a:schemeClr val="accent1"/>
+          </a:fillRef>
+          <a:effectRef idx="0">
+            <a:schemeClr val="accent1"/>
+          </a:effectRef>
+          <a:fontRef idx="minor">
+            <a:schemeClr val="lt1"/>
+          </a:fontRef>
+        </p:style>
+        <p:txBody>
+          <a:bodyPr wrap="none" rtlCol="0" anchor="ctr">
+            <a:noAutofit/>
+          </a:bodyPr>
+          <a:lstStyle/>
+          <a:p>
+            <a:pPr algn="ctr"/>
+            <a:r>
+              <a:rPr lang="en-GB" dirty="0"/>
+              <a:t>2</a:t>
+            </a:r>
+          </a:p>
+        </p:txBody>
+      </p:sp>
+      <p:sp>
+        <p:nvSpPr>
+          <p:cNvPr id="9" name="Oval 8">
+            <a:extLst>
+              <a:ext uri="{FF2B5EF4-FFF2-40B4-BE49-F238E27FC236}">
+                <a16:creationId xmlns:a16="http://schemas.microsoft.com/office/drawing/2014/main" id="{061B02A6-056C-5D21-A61E-301AD392151C}"/>
+              </a:ext>
+            </a:extLst>
+          </p:cNvPr>
+          <p:cNvSpPr/>
+          <p:nvPr/>
+        </p:nvSpPr>
+        <p:spPr>
+          <a:xfrm>
+            <a:off x="4497739" y="2873424"/>
+            <a:ext cx="201168" cy="201168"/>
+          </a:xfrm>
+          <a:prstGeom prst="ellipse">
+            <a:avLst/>
+          </a:prstGeom>
+        </p:spPr>
+        <p:style>
+          <a:lnRef idx="2">
+            <a:schemeClr val="accent1">
+              <a:shade val="15000"/>
+            </a:schemeClr>
+          </a:lnRef>
+          <a:fillRef idx="1">
+            <a:schemeClr val="accent1"/>
+          </a:fillRef>
+          <a:effectRef idx="0">
+            <a:schemeClr val="accent1"/>
+          </a:effectRef>
+          <a:fontRef idx="minor">
+            <a:schemeClr val="lt1"/>
+          </a:fontRef>
+        </p:style>
+        <p:txBody>
+          <a:bodyPr wrap="none" rtlCol="0" anchor="ctr">
+            <a:noAutofit/>
+          </a:bodyPr>
+          <a:lstStyle/>
+          <a:p>
+            <a:pPr algn="ctr"/>
+            <a:r>
+              <a:rPr lang="en-GB" dirty="0"/>
+              <a:t>4</a:t>
+            </a:r>
+          </a:p>
+        </p:txBody>
+      </p:sp>
+      <p:sp>
+        <p:nvSpPr>
+          <p:cNvPr id="11" name="Oval 10">
+            <a:extLst>
+              <a:ext uri="{FF2B5EF4-FFF2-40B4-BE49-F238E27FC236}">
+                <a16:creationId xmlns:a16="http://schemas.microsoft.com/office/drawing/2014/main" id="{A385C731-A1AB-A210-B2ED-0C4923A726BC}"/>
+              </a:ext>
+            </a:extLst>
+          </p:cNvPr>
+          <p:cNvSpPr/>
+          <p:nvPr/>
+        </p:nvSpPr>
+        <p:spPr>
+          <a:xfrm>
+            <a:off x="6005693" y="4484968"/>
+            <a:ext cx="201168" cy="201168"/>
+          </a:xfrm>
+          <a:prstGeom prst="ellipse">
+            <a:avLst/>
+          </a:prstGeom>
+        </p:spPr>
+        <p:style>
+          <a:lnRef idx="2">
+            <a:schemeClr val="accent1">
+              <a:shade val="15000"/>
+            </a:schemeClr>
+          </a:lnRef>
+          <a:fillRef idx="1">
+            <a:schemeClr val="accent1"/>
+          </a:fillRef>
+          <a:effectRef idx="0">
+            <a:schemeClr val="accent1"/>
+          </a:effectRef>
+          <a:fontRef idx="minor">
+            <a:schemeClr val="lt1"/>
+          </a:fontRef>
+        </p:style>
+        <p:txBody>
+          <a:bodyPr wrap="none" rtlCol="0" anchor="ctr">
+            <a:noAutofit/>
+          </a:bodyPr>
+          <a:lstStyle/>
+          <a:p>
+            <a:pPr algn="ctr"/>
+            <a:r>
+              <a:rPr lang="en-GB" sz="1200" dirty="0"/>
+              <a:t>14</a:t>
+            </a:r>
+          </a:p>
+        </p:txBody>
+      </p:sp>
+      <p:sp>
+        <p:nvSpPr>
+          <p:cNvPr id="12" name="Oval 11">
+            <a:extLst>
+              <a:ext uri="{FF2B5EF4-FFF2-40B4-BE49-F238E27FC236}">
+                <a16:creationId xmlns:a16="http://schemas.microsoft.com/office/drawing/2014/main" id="{D0E3D7DA-750A-E867-2AA7-434603410853}"/>
+              </a:ext>
+            </a:extLst>
+          </p:cNvPr>
+          <p:cNvSpPr/>
+          <p:nvPr/>
+        </p:nvSpPr>
+        <p:spPr>
+          <a:xfrm>
+            <a:off x="4655198" y="3446792"/>
+            <a:ext cx="201168" cy="201168"/>
+          </a:xfrm>
+          <a:prstGeom prst="ellipse">
+            <a:avLst/>
+          </a:prstGeom>
+        </p:spPr>
+        <p:style>
+          <a:lnRef idx="2">
+            <a:schemeClr val="accent1">
+              <a:shade val="15000"/>
+            </a:schemeClr>
+          </a:lnRef>
+          <a:fillRef idx="1">
+            <a:schemeClr val="accent1"/>
+          </a:fillRef>
+          <a:effectRef idx="0">
+            <a:schemeClr val="accent1"/>
+          </a:effectRef>
+          <a:fontRef idx="minor">
+            <a:schemeClr val="lt1"/>
+          </a:fontRef>
+        </p:style>
+        <p:txBody>
+          <a:bodyPr wrap="none" rtlCol="0" anchor="ctr">
+            <a:noAutofit/>
+          </a:bodyPr>
+          <a:lstStyle/>
+          <a:p>
+            <a:pPr algn="ctr"/>
+            <a:r>
+              <a:rPr lang="en-GB" dirty="0"/>
+              <a:t>5</a:t>
+            </a:r>
+          </a:p>
+        </p:txBody>
+      </p:sp>
+      <p:sp>
+        <p:nvSpPr>
+          <p:cNvPr id="13" name="Oval 12">
+            <a:extLst>
+              <a:ext uri="{FF2B5EF4-FFF2-40B4-BE49-F238E27FC236}">
+                <a16:creationId xmlns:a16="http://schemas.microsoft.com/office/drawing/2014/main" id="{BC599F1C-A29A-834B-D39A-F276C07D3A34}"/>
+              </a:ext>
+            </a:extLst>
+          </p:cNvPr>
+          <p:cNvSpPr/>
+          <p:nvPr/>
+        </p:nvSpPr>
+        <p:spPr>
+          <a:xfrm>
+            <a:off x="5680712" y="3618500"/>
+            <a:ext cx="201168" cy="201168"/>
+          </a:xfrm>
+          <a:prstGeom prst="ellipse">
+            <a:avLst/>
+          </a:prstGeom>
+        </p:spPr>
+        <p:style>
+          <a:lnRef idx="2">
+            <a:schemeClr val="accent1">
+              <a:shade val="15000"/>
+            </a:schemeClr>
+          </a:lnRef>
+          <a:fillRef idx="1">
+            <a:schemeClr val="accent1"/>
+          </a:fillRef>
+          <a:effectRef idx="0">
+            <a:schemeClr val="accent1"/>
+          </a:effectRef>
+          <a:fontRef idx="minor">
+            <a:schemeClr val="lt1"/>
+          </a:fontRef>
+        </p:style>
+        <p:txBody>
+          <a:bodyPr wrap="none" rtlCol="0" anchor="ctr">
+            <a:noAutofit/>
+          </a:bodyPr>
+          <a:lstStyle/>
+          <a:p>
+            <a:pPr algn="ctr"/>
+            <a:r>
+              <a:rPr lang="en-GB" sz="1200" dirty="0"/>
+              <a:t>11</a:t>
+            </a:r>
+            <a:endParaRPr lang="en-GB" dirty="0"/>
+          </a:p>
+        </p:txBody>
+      </p:sp>
+      <p:sp>
+        <p:nvSpPr>
+          <p:cNvPr id="14" name="Oval 13">
+            <a:extLst>
+              <a:ext uri="{FF2B5EF4-FFF2-40B4-BE49-F238E27FC236}">
+                <a16:creationId xmlns:a16="http://schemas.microsoft.com/office/drawing/2014/main" id="{36536037-9B05-2A5C-3DF0-9C39F68AD008}"/>
+              </a:ext>
+            </a:extLst>
+          </p:cNvPr>
+          <p:cNvSpPr/>
+          <p:nvPr/>
+        </p:nvSpPr>
+        <p:spPr>
+          <a:xfrm>
+            <a:off x="6435461" y="4137496"/>
+            <a:ext cx="201168" cy="201168"/>
+          </a:xfrm>
+          <a:prstGeom prst="ellipse">
+            <a:avLst/>
+          </a:prstGeom>
+        </p:spPr>
+        <p:style>
+          <a:lnRef idx="2">
+            <a:schemeClr val="accent1">
+              <a:shade val="15000"/>
+            </a:schemeClr>
+          </a:lnRef>
+          <a:fillRef idx="1">
+            <a:schemeClr val="accent1"/>
+          </a:fillRef>
+          <a:effectRef idx="0">
+            <a:schemeClr val="accent1"/>
+          </a:effectRef>
+          <a:fontRef idx="minor">
+            <a:schemeClr val="lt1"/>
+          </a:fontRef>
+        </p:style>
+        <p:txBody>
+          <a:bodyPr wrap="none" rtlCol="0" anchor="ctr">
+            <a:noAutofit/>
+          </a:bodyPr>
+          <a:lstStyle/>
+          <a:p>
+            <a:pPr algn="ctr"/>
+            <a:r>
+              <a:rPr lang="en-GB" sz="1200" dirty="0"/>
+              <a:t>13</a:t>
+            </a:r>
+          </a:p>
+        </p:txBody>
+      </p:sp>
+      <p:sp>
+        <p:nvSpPr>
+          <p:cNvPr id="16" name="Oval 15">
+            <a:extLst>
+              <a:ext uri="{FF2B5EF4-FFF2-40B4-BE49-F238E27FC236}">
+                <a16:creationId xmlns:a16="http://schemas.microsoft.com/office/drawing/2014/main" id="{DFBB730E-BB43-75B5-F79B-57FC61BC473D}"/>
+              </a:ext>
+            </a:extLst>
+          </p:cNvPr>
+          <p:cNvSpPr/>
+          <p:nvPr/>
+        </p:nvSpPr>
+        <p:spPr>
+          <a:xfrm>
+            <a:off x="6467969" y="5045800"/>
+            <a:ext cx="201168" cy="201168"/>
+          </a:xfrm>
+          <a:prstGeom prst="ellipse">
+            <a:avLst/>
+          </a:prstGeom>
+        </p:spPr>
+        <p:style>
+          <a:lnRef idx="2">
+            <a:schemeClr val="accent1">
+              <a:shade val="15000"/>
+            </a:schemeClr>
+          </a:lnRef>
+          <a:fillRef idx="1">
+            <a:schemeClr val="accent1"/>
+          </a:fillRef>
+          <a:effectRef idx="0">
+            <a:schemeClr val="accent1"/>
+          </a:effectRef>
+          <a:fontRef idx="minor">
+            <a:schemeClr val="lt1"/>
+          </a:fontRef>
+        </p:style>
+        <p:txBody>
+          <a:bodyPr wrap="none" rtlCol="0" anchor="ctr">
+            <a:noAutofit/>
+          </a:bodyPr>
+          <a:lstStyle/>
+          <a:p>
+            <a:pPr algn="ctr"/>
+            <a:r>
+              <a:rPr lang="en-GB" sz="1200" dirty="0"/>
+              <a:t>15</a:t>
+            </a:r>
+          </a:p>
+        </p:txBody>
+      </p:sp>
+      <p:sp>
+        <p:nvSpPr>
+          <p:cNvPr id="20" name="Oval 19">
+            <a:extLst>
+              <a:ext uri="{FF2B5EF4-FFF2-40B4-BE49-F238E27FC236}">
+                <a16:creationId xmlns:a16="http://schemas.microsoft.com/office/drawing/2014/main" id="{D2A009BF-DA8A-CFCB-C043-9D2976558692}"/>
+              </a:ext>
+            </a:extLst>
+          </p:cNvPr>
+          <p:cNvSpPr/>
+          <p:nvPr/>
+        </p:nvSpPr>
+        <p:spPr>
+          <a:xfrm>
+            <a:off x="3841982" y="4977954"/>
+            <a:ext cx="201168" cy="201168"/>
+          </a:xfrm>
+          <a:prstGeom prst="ellipse">
+            <a:avLst/>
+          </a:prstGeom>
+          <a:solidFill>
+            <a:schemeClr val="accent2"/>
+          </a:solidFill>
+        </p:spPr>
+        <p:style>
+          <a:lnRef idx="2">
+            <a:schemeClr val="accent1">
+              <a:shade val="15000"/>
+            </a:schemeClr>
+          </a:lnRef>
+          <a:fillRef idx="1">
+            <a:schemeClr val="accent1"/>
+          </a:fillRef>
+          <a:effectRef idx="0">
+            <a:schemeClr val="accent1"/>
+          </a:effectRef>
+          <a:fontRef idx="minor">
+            <a:schemeClr val="lt1"/>
+          </a:fontRef>
+        </p:style>
+        <p:txBody>
+          <a:bodyPr wrap="none" rtlCol="0" anchor="ctr">
+            <a:noAutofit/>
+          </a:bodyPr>
+          <a:lstStyle/>
+          <a:p>
+            <a:pPr algn="ctr"/>
+            <a:r>
+              <a:rPr lang="en-GB" dirty="0"/>
+              <a:t>6</a:t>
+            </a:r>
+          </a:p>
+        </p:txBody>
+      </p:sp>
+      <p:sp>
+        <p:nvSpPr>
+          <p:cNvPr id="21" name="Oval 20">
+            <a:extLst>
+              <a:ext uri="{FF2B5EF4-FFF2-40B4-BE49-F238E27FC236}">
+                <a16:creationId xmlns:a16="http://schemas.microsoft.com/office/drawing/2014/main" id="{A4BFF659-D6AF-F148-6204-FEACA6CA79C6}"/>
+              </a:ext>
+            </a:extLst>
+          </p:cNvPr>
+          <p:cNvSpPr/>
+          <p:nvPr/>
+        </p:nvSpPr>
+        <p:spPr>
+          <a:xfrm>
+            <a:off x="6468989" y="6018112"/>
+            <a:ext cx="201168" cy="201168"/>
+          </a:xfrm>
+          <a:prstGeom prst="ellipse">
+            <a:avLst/>
+          </a:prstGeom>
+          <a:solidFill>
+            <a:schemeClr val="accent2"/>
+          </a:solidFill>
+        </p:spPr>
+        <p:style>
+          <a:lnRef idx="2">
+            <a:schemeClr val="accent1">
+              <a:shade val="15000"/>
+            </a:schemeClr>
+          </a:lnRef>
+          <a:fillRef idx="1">
+            <a:schemeClr val="accent1"/>
+          </a:fillRef>
+          <a:effectRef idx="0">
+            <a:schemeClr val="accent1"/>
+          </a:effectRef>
+          <a:fontRef idx="minor">
+            <a:schemeClr val="lt1"/>
+          </a:fontRef>
+        </p:style>
+        <p:txBody>
+          <a:bodyPr wrap="none" rtlCol="0" anchor="ctr">
+            <a:noAutofit/>
+          </a:bodyPr>
+          <a:lstStyle/>
+          <a:p>
+            <a:pPr algn="ctr"/>
+            <a:r>
+              <a:rPr lang="en-GB" sz="1200" dirty="0"/>
+              <a:t>16</a:t>
+            </a:r>
+          </a:p>
+        </p:txBody>
+      </p:sp>
+      <p:cxnSp>
+        <p:nvCxnSpPr>
+          <p:cNvPr id="23" name="Straight Arrow Connector 22">
+            <a:extLst>
+              <a:ext uri="{FF2B5EF4-FFF2-40B4-BE49-F238E27FC236}">
+                <a16:creationId xmlns:a16="http://schemas.microsoft.com/office/drawing/2014/main" id="{05E5612D-C732-F1E4-1C80-61CDB27016B2}"/>
+              </a:ext>
+            </a:extLst>
+          </p:cNvPr>
+          <p:cNvCxnSpPr>
+            <a:cxnSpLocks/>
+            <a:stCxn id="5" idx="5"/>
+            <a:endCxn id="4" idx="1"/>
+          </p:cNvCxnSpPr>
+          <p:nvPr/>
+        </p:nvCxnSpPr>
+        <p:spPr>
+          <a:xfrm>
+            <a:off x="3605187" y="1278409"/>
+            <a:ext cx="720844" cy="903955"/>
+          </a:xfrm>
+          <a:prstGeom prst="straightConnector1">
+            <a:avLst/>
+          </a:prstGeom>
+          <a:ln>
+            <a:tailEnd type="triangle"/>
+          </a:ln>
+        </p:spPr>
+        <p:style>
+          <a:lnRef idx="2">
+            <a:schemeClr val="accent1"/>
+          </a:lnRef>
+          <a:fillRef idx="0">
+            <a:schemeClr val="accent1"/>
+          </a:fillRef>
+          <a:effectRef idx="1">
+            <a:schemeClr val="accent1"/>
+          </a:effectRef>
+          <a:fontRef idx="minor">
+            <a:schemeClr val="tx1"/>
+          </a:fontRef>
+        </p:style>
+      </p:cxnSp>
+      <p:cxnSp>
+        <p:nvCxnSpPr>
+          <p:cNvPr id="24" name="Straight Arrow Connector 23">
+            <a:extLst>
+              <a:ext uri="{FF2B5EF4-FFF2-40B4-BE49-F238E27FC236}">
+                <a16:creationId xmlns:a16="http://schemas.microsoft.com/office/drawing/2014/main" id="{0E8817FB-71F9-5E8B-69B1-562EBA0C770D}"/>
+              </a:ext>
+            </a:extLst>
+          </p:cNvPr>
+          <p:cNvCxnSpPr>
+            <a:stCxn id="7" idx="3"/>
+            <a:endCxn id="4" idx="7"/>
+          </p:cNvCxnSpPr>
+          <p:nvPr/>
+        </p:nvCxnSpPr>
+        <p:spPr>
+          <a:xfrm flipH="1">
+            <a:off x="4468279" y="1378993"/>
+            <a:ext cx="873429" cy="803371"/>
+          </a:xfrm>
+          <a:prstGeom prst="straightConnector1">
+            <a:avLst/>
+          </a:prstGeom>
+          <a:ln>
+            <a:tailEnd type="triangle"/>
+          </a:ln>
+        </p:spPr>
+        <p:style>
+          <a:lnRef idx="2">
+            <a:schemeClr val="accent1"/>
+          </a:lnRef>
+          <a:fillRef idx="0">
+            <a:schemeClr val="accent1"/>
+          </a:fillRef>
+          <a:effectRef idx="1">
+            <a:schemeClr val="accent1"/>
+          </a:effectRef>
+          <a:fontRef idx="minor">
+            <a:schemeClr val="tx1"/>
+          </a:fontRef>
+        </p:style>
+      </p:cxnSp>
+      <p:cxnSp>
+        <p:nvCxnSpPr>
+          <p:cNvPr id="25" name="Straight Arrow Connector 24">
+            <a:extLst>
+              <a:ext uri="{FF2B5EF4-FFF2-40B4-BE49-F238E27FC236}">
+                <a16:creationId xmlns:a16="http://schemas.microsoft.com/office/drawing/2014/main" id="{9315E789-F4BC-D157-B904-F8584DECBC89}"/>
+              </a:ext>
+            </a:extLst>
+          </p:cNvPr>
+          <p:cNvCxnSpPr>
+            <a:stCxn id="4" idx="5"/>
+            <a:endCxn id="9" idx="2"/>
+          </p:cNvCxnSpPr>
+          <p:nvPr/>
+        </p:nvCxnSpPr>
+        <p:spPr>
+          <a:xfrm>
+            <a:off x="4468279" y="2324612"/>
+            <a:ext cx="29460" cy="649396"/>
+          </a:xfrm>
+          <a:prstGeom prst="straightConnector1">
+            <a:avLst/>
+          </a:prstGeom>
+          <a:ln>
+            <a:tailEnd type="triangle"/>
+          </a:ln>
+        </p:spPr>
+        <p:style>
+          <a:lnRef idx="2">
+            <a:schemeClr val="accent1"/>
+          </a:lnRef>
+          <a:fillRef idx="0">
+            <a:schemeClr val="accent1"/>
+          </a:fillRef>
+          <a:effectRef idx="1">
+            <a:schemeClr val="accent1"/>
+          </a:effectRef>
+          <a:fontRef idx="minor">
+            <a:schemeClr val="tx1"/>
+          </a:fontRef>
+        </p:style>
+      </p:cxnSp>
+      <p:cxnSp>
+        <p:nvCxnSpPr>
+          <p:cNvPr id="26" name="Straight Arrow Connector 25">
+            <a:extLst>
+              <a:ext uri="{FF2B5EF4-FFF2-40B4-BE49-F238E27FC236}">
+                <a16:creationId xmlns:a16="http://schemas.microsoft.com/office/drawing/2014/main" id="{243FEA66-4BBF-B02F-4071-F7EF4EDCEDBB}"/>
+              </a:ext>
+            </a:extLst>
+          </p:cNvPr>
+          <p:cNvCxnSpPr>
+            <a:cxnSpLocks/>
+            <a:stCxn id="9" idx="5"/>
+            <a:endCxn id="12" idx="1"/>
+          </p:cNvCxnSpPr>
+          <p:nvPr/>
+        </p:nvCxnSpPr>
+        <p:spPr>
+          <a:xfrm>
+            <a:off x="4669447" y="3045132"/>
+            <a:ext cx="15211" cy="431120"/>
+          </a:xfrm>
+          <a:prstGeom prst="straightConnector1">
+            <a:avLst/>
+          </a:prstGeom>
+          <a:ln>
+            <a:tailEnd type="triangle"/>
+          </a:ln>
+        </p:spPr>
+        <p:style>
+          <a:lnRef idx="2">
+            <a:schemeClr val="accent1"/>
+          </a:lnRef>
+          <a:fillRef idx="0">
+            <a:schemeClr val="accent1"/>
+          </a:fillRef>
+          <a:effectRef idx="1">
+            <a:schemeClr val="accent1"/>
+          </a:effectRef>
+          <a:fontRef idx="minor">
+            <a:schemeClr val="tx1"/>
+          </a:fontRef>
+        </p:style>
+      </p:cxnSp>
+      <p:cxnSp>
+        <p:nvCxnSpPr>
+          <p:cNvPr id="30" name="Straight Arrow Connector 29">
+            <a:extLst>
+              <a:ext uri="{FF2B5EF4-FFF2-40B4-BE49-F238E27FC236}">
+                <a16:creationId xmlns:a16="http://schemas.microsoft.com/office/drawing/2014/main" id="{51F6B85D-0054-35B7-80F6-1B2923E7FCEF}"/>
+              </a:ext>
+            </a:extLst>
+          </p:cNvPr>
+          <p:cNvCxnSpPr>
+            <a:stCxn id="12" idx="5"/>
+            <a:endCxn id="13" idx="1"/>
+          </p:cNvCxnSpPr>
+          <p:nvPr/>
+        </p:nvCxnSpPr>
+        <p:spPr>
+          <a:xfrm>
+            <a:off x="4826906" y="3618500"/>
+            <a:ext cx="883266" cy="29460"/>
+          </a:xfrm>
+          <a:prstGeom prst="straightConnector1">
+            <a:avLst/>
+          </a:prstGeom>
+          <a:ln>
+            <a:tailEnd type="triangle"/>
+          </a:ln>
+        </p:spPr>
+        <p:style>
+          <a:lnRef idx="2">
+            <a:schemeClr val="accent1"/>
+          </a:lnRef>
+          <a:fillRef idx="0">
+            <a:schemeClr val="accent1"/>
+          </a:fillRef>
+          <a:effectRef idx="1">
+            <a:schemeClr val="accent1"/>
+          </a:effectRef>
+          <a:fontRef idx="minor">
+            <a:schemeClr val="tx1"/>
+          </a:fontRef>
+        </p:style>
+      </p:cxnSp>
+      <p:cxnSp>
+        <p:nvCxnSpPr>
+          <p:cNvPr id="32" name="Straight Arrow Connector 31">
+            <a:extLst>
+              <a:ext uri="{FF2B5EF4-FFF2-40B4-BE49-F238E27FC236}">
+                <a16:creationId xmlns:a16="http://schemas.microsoft.com/office/drawing/2014/main" id="{473CA357-A46E-63B3-2F16-629E86D90B06}"/>
+              </a:ext>
+            </a:extLst>
+          </p:cNvPr>
+          <p:cNvCxnSpPr>
+            <a:stCxn id="13" idx="4"/>
+            <a:endCxn id="14" idx="0"/>
+          </p:cNvCxnSpPr>
+          <p:nvPr/>
+        </p:nvCxnSpPr>
+        <p:spPr>
+          <a:xfrm>
+            <a:off x="5781296" y="3819668"/>
+            <a:ext cx="754749" cy="317828"/>
+          </a:xfrm>
+          <a:prstGeom prst="straightConnector1">
+            <a:avLst/>
+          </a:prstGeom>
+          <a:ln>
+            <a:tailEnd type="triangle"/>
+          </a:ln>
+        </p:spPr>
+        <p:style>
+          <a:lnRef idx="2">
+            <a:schemeClr val="accent1"/>
+          </a:lnRef>
+          <a:fillRef idx="0">
+            <a:schemeClr val="accent1"/>
+          </a:fillRef>
+          <a:effectRef idx="1">
+            <a:schemeClr val="accent1"/>
+          </a:effectRef>
+          <a:fontRef idx="minor">
+            <a:schemeClr val="tx1"/>
+          </a:fontRef>
+        </p:style>
+      </p:cxnSp>
+      <p:cxnSp>
+        <p:nvCxnSpPr>
+          <p:cNvPr id="33" name="Straight Arrow Connector 32">
+            <a:extLst>
+              <a:ext uri="{FF2B5EF4-FFF2-40B4-BE49-F238E27FC236}">
+                <a16:creationId xmlns:a16="http://schemas.microsoft.com/office/drawing/2014/main" id="{10FD47F5-A815-5550-16CD-1162A17AC770}"/>
+              </a:ext>
+            </a:extLst>
+          </p:cNvPr>
+          <p:cNvCxnSpPr>
+            <a:cxnSpLocks/>
+            <a:stCxn id="14" idx="4"/>
+            <a:endCxn id="16" idx="0"/>
+          </p:cNvCxnSpPr>
+          <p:nvPr/>
+        </p:nvCxnSpPr>
+        <p:spPr>
+          <a:xfrm>
+            <a:off x="6536045" y="4338664"/>
+            <a:ext cx="32508" cy="707136"/>
+          </a:xfrm>
+          <a:prstGeom prst="straightConnector1">
+            <a:avLst/>
+          </a:prstGeom>
+          <a:ln>
+            <a:tailEnd type="triangle"/>
+          </a:ln>
+        </p:spPr>
+        <p:style>
+          <a:lnRef idx="2">
+            <a:schemeClr val="accent1"/>
+          </a:lnRef>
+          <a:fillRef idx="0">
+            <a:schemeClr val="accent1"/>
+          </a:fillRef>
+          <a:effectRef idx="1">
+            <a:schemeClr val="accent1"/>
+          </a:effectRef>
+          <a:fontRef idx="minor">
+            <a:schemeClr val="tx1"/>
+          </a:fontRef>
+        </p:style>
+      </p:cxnSp>
+      <p:cxnSp>
+        <p:nvCxnSpPr>
+          <p:cNvPr id="34" name="Connector: Curved 33">
+            <a:extLst>
+              <a:ext uri="{FF2B5EF4-FFF2-40B4-BE49-F238E27FC236}">
+                <a16:creationId xmlns:a16="http://schemas.microsoft.com/office/drawing/2014/main" id="{F4246865-E090-369E-A29F-3F5A0892CE49}"/>
+              </a:ext>
+            </a:extLst>
+          </p:cNvPr>
+          <p:cNvCxnSpPr>
+            <a:stCxn id="14" idx="2"/>
+            <a:endCxn id="11" idx="0"/>
+          </p:cNvCxnSpPr>
+          <p:nvPr/>
+        </p:nvCxnSpPr>
+        <p:spPr>
+          <a:xfrm rot="10800000" flipV="1">
+            <a:off x="6106277" y="4238080"/>
+            <a:ext cx="329184" cy="246888"/>
+          </a:xfrm>
+          <a:prstGeom prst="curvedConnector2">
+            <a:avLst/>
+          </a:prstGeom>
+          <a:ln>
+            <a:tailEnd type="triangle"/>
+          </a:ln>
+        </p:spPr>
+        <p:style>
+          <a:lnRef idx="2">
+            <a:schemeClr val="accent1"/>
+          </a:lnRef>
+          <a:fillRef idx="0">
+            <a:schemeClr val="accent1"/>
+          </a:fillRef>
+          <a:effectRef idx="1">
+            <a:schemeClr val="accent1"/>
+          </a:effectRef>
+          <a:fontRef idx="minor">
+            <a:schemeClr val="tx1"/>
+          </a:fontRef>
+        </p:style>
+      </p:cxnSp>
+      <p:cxnSp>
+        <p:nvCxnSpPr>
+          <p:cNvPr id="35" name="Connector: Curved 34">
+            <a:extLst>
+              <a:ext uri="{FF2B5EF4-FFF2-40B4-BE49-F238E27FC236}">
+                <a16:creationId xmlns:a16="http://schemas.microsoft.com/office/drawing/2014/main" id="{8DD640F8-003B-EE41-BD3C-257AD2C5D8DB}"/>
+              </a:ext>
+            </a:extLst>
+          </p:cNvPr>
+          <p:cNvCxnSpPr>
+            <a:stCxn id="11" idx="4"/>
+            <a:endCxn id="16" idx="2"/>
+          </p:cNvCxnSpPr>
+          <p:nvPr/>
+        </p:nvCxnSpPr>
+        <p:spPr>
+          <a:xfrm rot="16200000" flipH="1">
+            <a:off x="6056999" y="4735414"/>
+            <a:ext cx="460248" cy="361692"/>
+          </a:xfrm>
+          <a:prstGeom prst="curvedConnector2">
+            <a:avLst/>
+          </a:prstGeom>
+          <a:ln>
+            <a:tailEnd type="triangle"/>
+          </a:ln>
+        </p:spPr>
+        <p:style>
+          <a:lnRef idx="2">
+            <a:schemeClr val="accent1"/>
+          </a:lnRef>
+          <a:fillRef idx="0">
+            <a:schemeClr val="accent1"/>
+          </a:fillRef>
+          <a:effectRef idx="1">
+            <a:schemeClr val="accent1"/>
+          </a:effectRef>
+          <a:fontRef idx="minor">
+            <a:schemeClr val="tx1"/>
+          </a:fontRef>
+        </p:style>
+      </p:cxnSp>
+      <p:cxnSp>
+        <p:nvCxnSpPr>
+          <p:cNvPr id="43" name="Straight Arrow Connector 42">
+            <a:extLst>
+              <a:ext uri="{FF2B5EF4-FFF2-40B4-BE49-F238E27FC236}">
+                <a16:creationId xmlns:a16="http://schemas.microsoft.com/office/drawing/2014/main" id="{809ECC85-231E-01FA-EBC9-AA0A5A6F083D}"/>
+              </a:ext>
+            </a:extLst>
+          </p:cNvPr>
+          <p:cNvCxnSpPr>
+            <a:stCxn id="16" idx="4"/>
+            <a:endCxn id="21" idx="0"/>
+          </p:cNvCxnSpPr>
+          <p:nvPr/>
+        </p:nvCxnSpPr>
+        <p:spPr>
+          <a:xfrm>
+            <a:off x="6568553" y="5246968"/>
+            <a:ext cx="1020" cy="771144"/>
+          </a:xfrm>
+          <a:prstGeom prst="straightConnector1">
+            <a:avLst/>
+          </a:prstGeom>
+          <a:ln>
+            <a:tailEnd type="triangle"/>
+          </a:ln>
+        </p:spPr>
+        <p:style>
+          <a:lnRef idx="2">
+            <a:schemeClr val="accent1"/>
+          </a:lnRef>
+          <a:fillRef idx="0">
+            <a:schemeClr val="accent1"/>
+          </a:fillRef>
+          <a:effectRef idx="1">
+            <a:schemeClr val="accent1"/>
+          </a:effectRef>
+          <a:fontRef idx="minor">
+            <a:schemeClr val="tx1"/>
+          </a:fontRef>
+        </p:style>
+      </p:cxnSp>
+      <p:cxnSp>
+        <p:nvCxnSpPr>
+          <p:cNvPr id="44" name="Straight Arrow Connector 43">
+            <a:extLst>
+              <a:ext uri="{FF2B5EF4-FFF2-40B4-BE49-F238E27FC236}">
+                <a16:creationId xmlns:a16="http://schemas.microsoft.com/office/drawing/2014/main" id="{40BADB46-F1E8-C05A-052D-CF633DF3CE1A}"/>
+              </a:ext>
+            </a:extLst>
+          </p:cNvPr>
+          <p:cNvCxnSpPr>
+            <a:stCxn id="12" idx="3"/>
+            <a:endCxn id="20" idx="0"/>
+          </p:cNvCxnSpPr>
+          <p:nvPr/>
+        </p:nvCxnSpPr>
+        <p:spPr>
+          <a:xfrm flipH="1">
+            <a:off x="3942566" y="3618500"/>
+            <a:ext cx="742092" cy="1359454"/>
+          </a:xfrm>
+          <a:prstGeom prst="straightConnector1">
+            <a:avLst/>
+          </a:prstGeom>
+          <a:ln>
+            <a:tailEnd type="triangle"/>
+          </a:ln>
+        </p:spPr>
+        <p:style>
+          <a:lnRef idx="2">
+            <a:schemeClr val="accent1"/>
+          </a:lnRef>
+          <a:fillRef idx="0">
+            <a:schemeClr val="accent1"/>
+          </a:fillRef>
+          <a:effectRef idx="1">
+            <a:schemeClr val="accent1"/>
+          </a:effectRef>
+          <a:fontRef idx="minor">
+            <a:schemeClr val="tx1"/>
+          </a:fontRef>
+        </p:style>
+      </p:cxnSp>
+      <p:sp>
+        <p:nvSpPr>
+          <p:cNvPr id="152" name="Oval 151">
+            <a:extLst>
+              <a:ext uri="{FF2B5EF4-FFF2-40B4-BE49-F238E27FC236}">
+                <a16:creationId xmlns:a16="http://schemas.microsoft.com/office/drawing/2014/main" id="{6B527ECC-3CA7-37D5-5BD5-4CCC61F8F3DB}"/>
+              </a:ext>
+            </a:extLst>
+          </p:cNvPr>
+          <p:cNvSpPr/>
+          <p:nvPr/>
+        </p:nvSpPr>
+        <p:spPr>
+          <a:xfrm>
+            <a:off x="3965609" y="394809"/>
+            <a:ext cx="873428" cy="242832"/>
+          </a:xfrm>
+          <a:prstGeom prst="ellipse">
+            <a:avLst/>
+          </a:prstGeom>
+          <a:noFill/>
+        </p:spPr>
+        <p:style>
+          <a:lnRef idx="2">
+            <a:schemeClr val="accent1">
+              <a:shade val="15000"/>
+            </a:schemeClr>
+          </a:lnRef>
+          <a:fillRef idx="1">
+            <a:schemeClr val="accent1"/>
+          </a:fillRef>
+          <a:effectRef idx="0">
+            <a:schemeClr val="accent1"/>
+          </a:effectRef>
+          <a:fontRef idx="minor">
+            <a:schemeClr val="lt1"/>
+          </a:fontRef>
+        </p:style>
+        <p:txBody>
+          <a:bodyPr wrap="none" rtlCol="0" anchor="ctr">
+            <a:noAutofit/>
+          </a:bodyPr>
+          <a:lstStyle/>
+          <a:p>
+            <a:pPr algn="ctr"/>
+            <a:r>
+              <a:rPr lang="en-GB" dirty="0">
+                <a:solidFill>
+                  <a:schemeClr val="tx1"/>
+                </a:solidFill>
+              </a:rPr>
+              <a:t>START</a:t>
+            </a:r>
+          </a:p>
+        </p:txBody>
+      </p:sp>
+      <p:sp>
+        <p:nvSpPr>
+          <p:cNvPr id="153" name="Oval 152">
+            <a:extLst>
+              <a:ext uri="{FF2B5EF4-FFF2-40B4-BE49-F238E27FC236}">
+                <a16:creationId xmlns:a16="http://schemas.microsoft.com/office/drawing/2014/main" id="{5D7A935D-17D4-1B36-7149-52AC3186FFB2}"/>
+              </a:ext>
+            </a:extLst>
+          </p:cNvPr>
+          <p:cNvSpPr/>
+          <p:nvPr/>
+        </p:nvSpPr>
+        <p:spPr>
+          <a:xfrm>
+            <a:off x="4454030" y="6060003"/>
+            <a:ext cx="873428" cy="242832"/>
+          </a:xfrm>
+          <a:prstGeom prst="ellipse">
+            <a:avLst/>
+          </a:prstGeom>
+          <a:noFill/>
+        </p:spPr>
+        <p:style>
+          <a:lnRef idx="2">
+            <a:schemeClr val="accent1">
+              <a:shade val="15000"/>
+            </a:schemeClr>
+          </a:lnRef>
+          <a:fillRef idx="1">
+            <a:schemeClr val="accent1"/>
+          </a:fillRef>
+          <a:effectRef idx="0">
+            <a:schemeClr val="accent1"/>
+          </a:effectRef>
+          <a:fontRef idx="minor">
+            <a:schemeClr val="lt1"/>
+          </a:fontRef>
+        </p:style>
+        <p:txBody>
+          <a:bodyPr wrap="none" rtlCol="0" anchor="ctr">
+            <a:noAutofit/>
+          </a:bodyPr>
+          <a:lstStyle/>
+          <a:p>
+            <a:pPr algn="ctr"/>
+            <a:r>
+              <a:rPr lang="en-GB" dirty="0">
+                <a:solidFill>
+                  <a:schemeClr val="tx1"/>
+                </a:solidFill>
+              </a:rPr>
+              <a:t>END</a:t>
+            </a:r>
+          </a:p>
+        </p:txBody>
+      </p:sp>
+      <p:cxnSp>
+        <p:nvCxnSpPr>
+          <p:cNvPr id="155" name="Straight Arrow Connector 154">
+            <a:extLst>
+              <a:ext uri="{FF2B5EF4-FFF2-40B4-BE49-F238E27FC236}">
+                <a16:creationId xmlns:a16="http://schemas.microsoft.com/office/drawing/2014/main" id="{EEB31E11-C872-61B7-B7CC-CC4A70A964AA}"/>
+              </a:ext>
+            </a:extLst>
+          </p:cNvPr>
+          <p:cNvCxnSpPr>
+            <a:stCxn id="152" idx="4"/>
+            <a:endCxn id="5" idx="0"/>
+          </p:cNvCxnSpPr>
+          <p:nvPr/>
+        </p:nvCxnSpPr>
+        <p:spPr>
+          <a:xfrm flipH="1">
+            <a:off x="3534063" y="637641"/>
+            <a:ext cx="868260" cy="469060"/>
+          </a:xfrm>
+          <a:prstGeom prst="straightConnector1">
+            <a:avLst/>
+          </a:prstGeom>
+          <a:ln>
+            <a:tailEnd type="triangle"/>
+          </a:ln>
+        </p:spPr>
+        <p:style>
+          <a:lnRef idx="2">
+            <a:schemeClr val="accent1"/>
+          </a:lnRef>
+          <a:fillRef idx="0">
+            <a:schemeClr val="accent1"/>
+          </a:fillRef>
+          <a:effectRef idx="1">
+            <a:schemeClr val="accent1"/>
+          </a:effectRef>
+          <a:fontRef idx="minor">
+            <a:schemeClr val="tx1"/>
+          </a:fontRef>
+        </p:style>
+      </p:cxnSp>
+      <p:cxnSp>
+        <p:nvCxnSpPr>
+          <p:cNvPr id="157" name="Straight Arrow Connector 156">
+            <a:extLst>
+              <a:ext uri="{FF2B5EF4-FFF2-40B4-BE49-F238E27FC236}">
+                <a16:creationId xmlns:a16="http://schemas.microsoft.com/office/drawing/2014/main" id="{341C3F90-39EF-EF4E-9815-E9F8F39636C6}"/>
+              </a:ext>
+            </a:extLst>
+          </p:cNvPr>
+          <p:cNvCxnSpPr>
+            <a:stCxn id="152" idx="4"/>
+            <a:endCxn id="7" idx="0"/>
+          </p:cNvCxnSpPr>
+          <p:nvPr/>
+        </p:nvCxnSpPr>
+        <p:spPr>
+          <a:xfrm>
+            <a:off x="4402323" y="637641"/>
+            <a:ext cx="1010509" cy="569644"/>
+          </a:xfrm>
+          <a:prstGeom prst="straightConnector1">
+            <a:avLst/>
+          </a:prstGeom>
+          <a:ln>
+            <a:tailEnd type="triangle"/>
+          </a:ln>
+        </p:spPr>
+        <p:style>
+          <a:lnRef idx="2">
+            <a:schemeClr val="accent1"/>
+          </a:lnRef>
+          <a:fillRef idx="0">
+            <a:schemeClr val="accent1"/>
+          </a:fillRef>
+          <a:effectRef idx="1">
+            <a:schemeClr val="accent1"/>
+          </a:effectRef>
+          <a:fontRef idx="minor">
+            <a:schemeClr val="tx1"/>
+          </a:fontRef>
+        </p:style>
+      </p:cxnSp>
+      <p:cxnSp>
+        <p:nvCxnSpPr>
+          <p:cNvPr id="159" name="Straight Arrow Connector 158">
+            <a:extLst>
+              <a:ext uri="{FF2B5EF4-FFF2-40B4-BE49-F238E27FC236}">
+                <a16:creationId xmlns:a16="http://schemas.microsoft.com/office/drawing/2014/main" id="{5DFBF6C6-BA2C-1A3F-A0C6-DE80A6FE30A3}"/>
+              </a:ext>
+            </a:extLst>
+          </p:cNvPr>
+          <p:cNvCxnSpPr>
+            <a:stCxn id="20" idx="4"/>
+            <a:endCxn id="153" idx="0"/>
+          </p:cNvCxnSpPr>
+          <p:nvPr/>
+        </p:nvCxnSpPr>
+        <p:spPr>
+          <a:xfrm>
+            <a:off x="3942566" y="5179122"/>
+            <a:ext cx="948178" cy="880881"/>
+          </a:xfrm>
+          <a:prstGeom prst="straightConnector1">
+            <a:avLst/>
+          </a:prstGeom>
+          <a:ln>
+            <a:tailEnd type="triangle"/>
+          </a:ln>
+        </p:spPr>
+        <p:style>
+          <a:lnRef idx="2">
+            <a:schemeClr val="accent1"/>
+          </a:lnRef>
+          <a:fillRef idx="0">
+            <a:schemeClr val="accent1"/>
+          </a:fillRef>
+          <a:effectRef idx="1">
+            <a:schemeClr val="accent1"/>
+          </a:effectRef>
+          <a:fontRef idx="minor">
+            <a:schemeClr val="tx1"/>
+          </a:fontRef>
+        </p:style>
+      </p:cxnSp>
+      <p:cxnSp>
+        <p:nvCxnSpPr>
+          <p:cNvPr id="161" name="Straight Arrow Connector 160">
+            <a:extLst>
+              <a:ext uri="{FF2B5EF4-FFF2-40B4-BE49-F238E27FC236}">
+                <a16:creationId xmlns:a16="http://schemas.microsoft.com/office/drawing/2014/main" id="{085E33BA-F084-CB1B-D693-26B70839767E}"/>
+              </a:ext>
+            </a:extLst>
+          </p:cNvPr>
+          <p:cNvCxnSpPr>
+            <a:cxnSpLocks/>
+          </p:cNvCxnSpPr>
+          <p:nvPr/>
+        </p:nvCxnSpPr>
+        <p:spPr>
+          <a:xfrm flipH="1" flipV="1">
+            <a:off x="4957800" y="6189323"/>
+            <a:ext cx="1578245" cy="58693"/>
+          </a:xfrm>
+          <a:prstGeom prst="straightConnector1">
+            <a:avLst/>
+          </a:prstGeom>
+          <a:ln>
+            <a:tailEnd type="triangle"/>
+          </a:ln>
+        </p:spPr>
+        <p:style>
+          <a:lnRef idx="2">
+            <a:schemeClr val="accent1"/>
+          </a:lnRef>
+          <a:fillRef idx="0">
+            <a:schemeClr val="accent1"/>
+          </a:fillRef>
+          <a:effectRef idx="1">
+            <a:schemeClr val="accent1"/>
+          </a:effectRef>
+          <a:fontRef idx="minor">
+            <a:schemeClr val="tx1"/>
+          </a:fontRef>
+        </p:style>
+      </p:cxnSp>
+      <p:sp>
+        <p:nvSpPr>
+          <p:cNvPr id="167" name="Free-form: Shape 166">
+            <a:extLst>
+              <a:ext uri="{FF2B5EF4-FFF2-40B4-BE49-F238E27FC236}">
+                <a16:creationId xmlns:a16="http://schemas.microsoft.com/office/drawing/2014/main" id="{B90FFEFE-3E9E-914E-4414-B485A90FBECD}"/>
+              </a:ext>
+            </a:extLst>
+          </p:cNvPr>
+          <p:cNvSpPr/>
+          <p:nvPr/>
+        </p:nvSpPr>
+        <p:spPr>
+          <a:xfrm>
+            <a:off x="4424218" y="101600"/>
+            <a:ext cx="18473" cy="212436"/>
+          </a:xfrm>
+          <a:custGeom>
+            <a:avLst/>
+            <a:gdLst>
+              <a:gd name="connsiteX0" fmla="*/ 18473 w 18473"/>
+              <a:gd name="connsiteY0" fmla="*/ 0 h 212436"/>
+              <a:gd name="connsiteX1" fmla="*/ 0 w 18473"/>
+              <a:gd name="connsiteY1" fmla="*/ 212436 h 212436"/>
+            </a:gdLst>
+            <a:ahLst/>
+            <a:cxnLst>
+              <a:cxn ang="0">
+                <a:pos x="connsiteX0" y="connsiteY0"/>
+              </a:cxn>
+              <a:cxn ang="0">
+                <a:pos x="connsiteX1" y="connsiteY1"/>
+              </a:cxn>
+            </a:cxnLst>
+            <a:rect l="l" t="t" r="r" b="b"/>
+            <a:pathLst>
+              <a:path w="18473" h="212436">
+                <a:moveTo>
+                  <a:pt x="18473" y="0"/>
+                </a:moveTo>
+                <a:cubicBezTo>
+                  <a:pt x="8570" y="188168"/>
+                  <a:pt x="23445" y="118662"/>
+                  <a:pt x="0" y="212436"/>
+                </a:cubicBezTo>
+              </a:path>
+            </a:pathLst>
+          </a:custGeom>
+        </p:spPr>
+        <p:style>
+          <a:lnRef idx="2">
+            <a:schemeClr val="accent6"/>
+          </a:lnRef>
+          <a:fillRef idx="0">
+            <a:schemeClr val="accent6"/>
+          </a:fillRef>
+          <a:effectRef idx="1">
+            <a:schemeClr val="accent6"/>
+          </a:effectRef>
+          <a:fontRef idx="minor">
+            <a:schemeClr val="tx1"/>
+          </a:fontRef>
+        </p:style>
+        <p:txBody>
+          <a:bodyPr rtlCol="0" anchor="ctr"/>
+          <a:lstStyle/>
+          <a:p>
+            <a:pPr algn="ctr"/>
+            <a:endParaRPr lang="en-GB"/>
+          </a:p>
+        </p:txBody>
+      </p:sp>
+      <p:sp>
+        <p:nvSpPr>
+          <p:cNvPr id="168" name="TextBox 167">
+            <a:extLst>
+              <a:ext uri="{FF2B5EF4-FFF2-40B4-BE49-F238E27FC236}">
+                <a16:creationId xmlns:a16="http://schemas.microsoft.com/office/drawing/2014/main" id="{2968BECB-742A-79FF-601E-DEA38D2A4D60}"/>
+              </a:ext>
+            </a:extLst>
+          </p:cNvPr>
+          <p:cNvSpPr txBox="1"/>
+          <p:nvPr/>
+        </p:nvSpPr>
+        <p:spPr>
+          <a:xfrm>
+            <a:off x="4433454" y="51815"/>
+            <a:ext cx="280846" cy="307777"/>
+          </a:xfrm>
+          <a:prstGeom prst="rect">
+            <a:avLst/>
+          </a:prstGeom>
+          <a:noFill/>
+        </p:spPr>
+        <p:txBody>
+          <a:bodyPr wrap="none" rtlCol="0">
+            <a:spAutoFit/>
+          </a:bodyPr>
+          <a:lstStyle/>
+          <a:p>
+            <a:pPr algn="l"/>
+            <a:r>
+              <a:rPr lang="en-GB" sz="1400" dirty="0"/>
+              <a:t>1</a:t>
+            </a:r>
+          </a:p>
+        </p:txBody>
+      </p:sp>
+      <p:sp>
+        <p:nvSpPr>
+          <p:cNvPr id="169" name="Free-form: Shape 168">
+            <a:extLst>
+              <a:ext uri="{FF2B5EF4-FFF2-40B4-BE49-F238E27FC236}">
+                <a16:creationId xmlns:a16="http://schemas.microsoft.com/office/drawing/2014/main" id="{533722C3-2A95-083A-E0C0-298B4145EFBC}"/>
+              </a:ext>
+            </a:extLst>
+          </p:cNvPr>
+          <p:cNvSpPr/>
+          <p:nvPr/>
+        </p:nvSpPr>
+        <p:spPr>
+          <a:xfrm>
+            <a:off x="3657027" y="766618"/>
+            <a:ext cx="711773" cy="1330215"/>
+          </a:xfrm>
+          <a:custGeom>
+            <a:avLst/>
+            <a:gdLst>
+              <a:gd name="connsiteX0" fmla="*/ 702537 w 711773"/>
+              <a:gd name="connsiteY0" fmla="*/ 0 h 1330215"/>
+              <a:gd name="connsiteX1" fmla="*/ 545518 w 711773"/>
+              <a:gd name="connsiteY1" fmla="*/ 64655 h 1330215"/>
+              <a:gd name="connsiteX2" fmla="*/ 406973 w 711773"/>
+              <a:gd name="connsiteY2" fmla="*/ 147782 h 1330215"/>
+              <a:gd name="connsiteX3" fmla="*/ 277664 w 711773"/>
+              <a:gd name="connsiteY3" fmla="*/ 212437 h 1330215"/>
+              <a:gd name="connsiteX4" fmla="*/ 120646 w 711773"/>
+              <a:gd name="connsiteY4" fmla="*/ 267855 h 1330215"/>
+              <a:gd name="connsiteX5" fmla="*/ 28282 w 711773"/>
+              <a:gd name="connsiteY5" fmla="*/ 332509 h 1330215"/>
+              <a:gd name="connsiteX6" fmla="*/ 9809 w 711773"/>
+              <a:gd name="connsiteY6" fmla="*/ 508000 h 1330215"/>
+              <a:gd name="connsiteX7" fmla="*/ 74464 w 711773"/>
+              <a:gd name="connsiteY7" fmla="*/ 563418 h 1330215"/>
+              <a:gd name="connsiteX8" fmla="*/ 83700 w 711773"/>
+              <a:gd name="connsiteY8" fmla="*/ 591127 h 1330215"/>
+              <a:gd name="connsiteX9" fmla="*/ 19046 w 711773"/>
+              <a:gd name="connsiteY9" fmla="*/ 508000 h 1330215"/>
+              <a:gd name="connsiteX10" fmla="*/ 55991 w 711773"/>
+              <a:gd name="connsiteY10" fmla="*/ 535709 h 1330215"/>
+              <a:gd name="connsiteX11" fmla="*/ 240718 w 711773"/>
+              <a:gd name="connsiteY11" fmla="*/ 748146 h 1330215"/>
+              <a:gd name="connsiteX12" fmla="*/ 259191 w 711773"/>
+              <a:gd name="connsiteY12" fmla="*/ 775855 h 1330215"/>
+              <a:gd name="connsiteX13" fmla="*/ 314609 w 711773"/>
+              <a:gd name="connsiteY13" fmla="*/ 886691 h 1330215"/>
+              <a:gd name="connsiteX14" fmla="*/ 443918 w 711773"/>
+              <a:gd name="connsiteY14" fmla="*/ 1025237 h 1330215"/>
+              <a:gd name="connsiteX15" fmla="*/ 480864 w 711773"/>
+              <a:gd name="connsiteY15" fmla="*/ 1062182 h 1330215"/>
+              <a:gd name="connsiteX16" fmla="*/ 508573 w 711773"/>
+              <a:gd name="connsiteY16" fmla="*/ 1099127 h 1330215"/>
+              <a:gd name="connsiteX17" fmla="*/ 527046 w 711773"/>
+              <a:gd name="connsiteY17" fmla="*/ 1126837 h 1330215"/>
+              <a:gd name="connsiteX18" fmla="*/ 563991 w 711773"/>
+              <a:gd name="connsiteY18" fmla="*/ 1154546 h 1330215"/>
+              <a:gd name="connsiteX19" fmla="*/ 600937 w 711773"/>
+              <a:gd name="connsiteY19" fmla="*/ 1209964 h 1330215"/>
+              <a:gd name="connsiteX20" fmla="*/ 665591 w 711773"/>
+              <a:gd name="connsiteY20" fmla="*/ 1293091 h 1330215"/>
+              <a:gd name="connsiteX21" fmla="*/ 711773 w 711773"/>
+              <a:gd name="connsiteY21" fmla="*/ 1330037 h 1330215"/>
+            </a:gdLst>
+            <a:ahLst/>
+            <a:cxnLst>
+              <a:cxn ang="0">
+                <a:pos x="connsiteX0" y="connsiteY0"/>
+              </a:cxn>
+              <a:cxn ang="0">
+                <a:pos x="connsiteX1" y="connsiteY1"/>
+              </a:cxn>
+              <a:cxn ang="0">
+                <a:pos x="connsiteX2" y="connsiteY2"/>
+              </a:cxn>
+              <a:cxn ang="0">
+                <a:pos x="connsiteX3" y="connsiteY3"/>
+              </a:cxn>
+              <a:cxn ang="0">
+                <a:pos x="connsiteX4" y="connsiteY4"/>
+              </a:cxn>
+              <a:cxn ang="0">
+                <a:pos x="connsiteX5" y="connsiteY5"/>
+              </a:cxn>
+              <a:cxn ang="0">
+                <a:pos x="connsiteX6" y="connsiteY6"/>
+              </a:cxn>
+              <a:cxn ang="0">
+                <a:pos x="connsiteX7" y="connsiteY7"/>
+              </a:cxn>
+              <a:cxn ang="0">
+                <a:pos x="connsiteX8" y="connsiteY8"/>
+              </a:cxn>
+              <a:cxn ang="0">
+                <a:pos x="connsiteX9" y="connsiteY9"/>
+              </a:cxn>
+              <a:cxn ang="0">
+                <a:pos x="connsiteX10" y="connsiteY10"/>
+              </a:cxn>
+              <a:cxn ang="0">
+                <a:pos x="connsiteX11" y="connsiteY11"/>
+              </a:cxn>
+              <a:cxn ang="0">
+                <a:pos x="connsiteX12" y="connsiteY12"/>
+              </a:cxn>
+              <a:cxn ang="0">
+                <a:pos x="connsiteX13" y="connsiteY13"/>
+              </a:cxn>
+              <a:cxn ang="0">
+                <a:pos x="connsiteX14" y="connsiteY14"/>
+              </a:cxn>
+              <a:cxn ang="0">
+                <a:pos x="connsiteX15" y="connsiteY15"/>
+              </a:cxn>
+              <a:cxn ang="0">
+                <a:pos x="connsiteX16" y="connsiteY16"/>
+              </a:cxn>
+              <a:cxn ang="0">
+                <a:pos x="connsiteX17" y="connsiteY17"/>
+              </a:cxn>
+              <a:cxn ang="0">
+                <a:pos x="connsiteX18" y="connsiteY18"/>
+              </a:cxn>
+              <a:cxn ang="0">
+                <a:pos x="connsiteX19" y="connsiteY19"/>
+              </a:cxn>
+              <a:cxn ang="0">
+                <a:pos x="connsiteX20" y="connsiteY20"/>
+              </a:cxn>
+              <a:cxn ang="0">
+                <a:pos x="connsiteX21" y="connsiteY21"/>
+              </a:cxn>
+            </a:cxnLst>
+            <a:rect l="l" t="t" r="r" b="b"/>
+            <a:pathLst>
+              <a:path w="711773" h="1330215">
+                <a:moveTo>
+                  <a:pt x="702537" y="0"/>
+                </a:moveTo>
+                <a:cubicBezTo>
+                  <a:pt x="549279" y="91954"/>
+                  <a:pt x="833225" y="-73871"/>
+                  <a:pt x="545518" y="64655"/>
+                </a:cubicBezTo>
+                <a:cubicBezTo>
+                  <a:pt x="496993" y="88019"/>
+                  <a:pt x="455144" y="123696"/>
+                  <a:pt x="406973" y="147782"/>
+                </a:cubicBezTo>
+                <a:cubicBezTo>
+                  <a:pt x="363870" y="169334"/>
+                  <a:pt x="321701" y="192865"/>
+                  <a:pt x="277664" y="212437"/>
+                </a:cubicBezTo>
+                <a:cubicBezTo>
+                  <a:pt x="186343" y="253024"/>
+                  <a:pt x="187175" y="251221"/>
+                  <a:pt x="120646" y="267855"/>
+                </a:cubicBezTo>
+                <a:cubicBezTo>
+                  <a:pt x="89858" y="289406"/>
+                  <a:pt x="49504" y="301493"/>
+                  <a:pt x="28282" y="332509"/>
+                </a:cubicBezTo>
+                <a:cubicBezTo>
+                  <a:pt x="12705" y="355275"/>
+                  <a:pt x="-14766" y="468065"/>
+                  <a:pt x="9809" y="508000"/>
+                </a:cubicBezTo>
+                <a:cubicBezTo>
+                  <a:pt x="24686" y="532174"/>
+                  <a:pt x="52912" y="544945"/>
+                  <a:pt x="74464" y="563418"/>
+                </a:cubicBezTo>
+                <a:cubicBezTo>
+                  <a:pt x="77543" y="572654"/>
+                  <a:pt x="90584" y="598011"/>
+                  <a:pt x="83700" y="591127"/>
+                </a:cubicBezTo>
+                <a:cubicBezTo>
+                  <a:pt x="58878" y="566305"/>
+                  <a:pt x="34745" y="539397"/>
+                  <a:pt x="19046" y="508000"/>
+                </a:cubicBezTo>
+                <a:cubicBezTo>
+                  <a:pt x="12162" y="494231"/>
+                  <a:pt x="45550" y="524398"/>
+                  <a:pt x="55991" y="535709"/>
+                </a:cubicBezTo>
+                <a:cubicBezTo>
+                  <a:pt x="119641" y="604663"/>
+                  <a:pt x="188664" y="670067"/>
+                  <a:pt x="240718" y="748146"/>
+                </a:cubicBezTo>
+                <a:cubicBezTo>
+                  <a:pt x="246876" y="757382"/>
+                  <a:pt x="253967" y="766060"/>
+                  <a:pt x="259191" y="775855"/>
+                </a:cubicBezTo>
+                <a:cubicBezTo>
+                  <a:pt x="278629" y="812302"/>
+                  <a:pt x="290022" y="853499"/>
+                  <a:pt x="314609" y="886691"/>
+                </a:cubicBezTo>
+                <a:cubicBezTo>
+                  <a:pt x="352210" y="937453"/>
+                  <a:pt x="400472" y="979377"/>
+                  <a:pt x="443918" y="1025237"/>
+                </a:cubicBezTo>
+                <a:cubicBezTo>
+                  <a:pt x="455896" y="1037880"/>
+                  <a:pt x="470414" y="1048249"/>
+                  <a:pt x="480864" y="1062182"/>
+                </a:cubicBezTo>
+                <a:cubicBezTo>
+                  <a:pt x="490100" y="1074497"/>
+                  <a:pt x="499626" y="1086601"/>
+                  <a:pt x="508573" y="1099127"/>
+                </a:cubicBezTo>
+                <a:cubicBezTo>
+                  <a:pt x="515025" y="1108160"/>
+                  <a:pt x="519196" y="1118987"/>
+                  <a:pt x="527046" y="1126837"/>
+                </a:cubicBezTo>
+                <a:cubicBezTo>
+                  <a:pt x="537931" y="1137722"/>
+                  <a:pt x="553764" y="1143041"/>
+                  <a:pt x="563991" y="1154546"/>
+                </a:cubicBezTo>
+                <a:cubicBezTo>
+                  <a:pt x="578741" y="1171140"/>
+                  <a:pt x="587808" y="1192061"/>
+                  <a:pt x="600937" y="1209964"/>
+                </a:cubicBezTo>
+                <a:cubicBezTo>
+                  <a:pt x="621696" y="1238272"/>
+                  <a:pt x="644188" y="1265267"/>
+                  <a:pt x="665591" y="1293091"/>
+                </a:cubicBezTo>
+                <a:cubicBezTo>
+                  <a:pt x="697800" y="1334963"/>
+                  <a:pt x="677584" y="1330037"/>
+                  <a:pt x="711773" y="1330037"/>
+                </a:cubicBezTo>
+              </a:path>
+            </a:pathLst>
+          </a:custGeom>
+        </p:spPr>
+        <p:style>
+          <a:lnRef idx="1">
+            <a:schemeClr val="accent6"/>
+          </a:lnRef>
+          <a:fillRef idx="0">
+            <a:schemeClr val="accent6"/>
+          </a:fillRef>
+          <a:effectRef idx="0">
+            <a:schemeClr val="accent6"/>
+          </a:effectRef>
+          <a:fontRef idx="minor">
+            <a:schemeClr val="tx1"/>
+          </a:fontRef>
+        </p:style>
+        <p:txBody>
+          <a:bodyPr rtlCol="0" anchor="ctr"/>
+          <a:lstStyle/>
+          <a:p>
+            <a:pPr algn="ctr"/>
+            <a:endParaRPr lang="en-GB"/>
+          </a:p>
+        </p:txBody>
+      </p:sp>
+      <p:sp>
+        <p:nvSpPr>
+          <p:cNvPr id="170" name="TextBox 169">
+            <a:extLst>
+              <a:ext uri="{FF2B5EF4-FFF2-40B4-BE49-F238E27FC236}">
+                <a16:creationId xmlns:a16="http://schemas.microsoft.com/office/drawing/2014/main" id="{0B9ECC07-7B44-4CF0-7894-26D04FC84284}"/>
+              </a:ext>
+            </a:extLst>
+          </p:cNvPr>
+          <p:cNvSpPr txBox="1"/>
+          <p:nvPr/>
+        </p:nvSpPr>
+        <p:spPr>
+          <a:xfrm>
+            <a:off x="3885691" y="1393253"/>
+            <a:ext cx="280846" cy="307777"/>
+          </a:xfrm>
+          <a:prstGeom prst="rect">
+            <a:avLst/>
+          </a:prstGeom>
+          <a:noFill/>
+        </p:spPr>
+        <p:txBody>
+          <a:bodyPr wrap="none" rtlCol="0">
+            <a:spAutoFit/>
+          </a:bodyPr>
+          <a:lstStyle/>
+          <a:p>
+            <a:pPr algn="l"/>
+            <a:r>
+              <a:rPr lang="en-GB" sz="1400" dirty="0"/>
+              <a:t>2</a:t>
+            </a:r>
+          </a:p>
+        </p:txBody>
+      </p:sp>
+      <p:sp>
+        <p:nvSpPr>
+          <p:cNvPr id="171" name="TextBox 170">
+            <a:extLst>
+              <a:ext uri="{FF2B5EF4-FFF2-40B4-BE49-F238E27FC236}">
+                <a16:creationId xmlns:a16="http://schemas.microsoft.com/office/drawing/2014/main" id="{02E4D115-9F88-A970-8A5D-F75BB35C7832}"/>
+              </a:ext>
+            </a:extLst>
+          </p:cNvPr>
+          <p:cNvSpPr txBox="1"/>
+          <p:nvPr/>
+        </p:nvSpPr>
+        <p:spPr>
+          <a:xfrm>
+            <a:off x="2615095" y="2063002"/>
+            <a:ext cx="1669791" cy="523220"/>
+          </a:xfrm>
+          <a:prstGeom prst="rect">
+            <a:avLst/>
+          </a:prstGeom>
+          <a:noFill/>
+        </p:spPr>
+        <p:txBody>
+          <a:bodyPr wrap="square" rtlCol="0">
+            <a:spAutoFit/>
+          </a:bodyPr>
+          <a:lstStyle/>
+          <a:p>
+            <a:pPr algn="l"/>
+            <a:r>
+              <a:rPr lang="en-GB" sz="1400" dirty="0"/>
+              <a:t>2 saved data in </a:t>
+            </a:r>
+            <a:r>
+              <a:rPr lang="en-GB" sz="1400" dirty="0" err="1"/>
+              <a:t>pendingMerge</a:t>
+            </a:r>
+            <a:endParaRPr lang="en-GB" sz="1400" dirty="0"/>
+          </a:p>
+        </p:txBody>
+      </p:sp>
+      <p:sp>
+        <p:nvSpPr>
+          <p:cNvPr id="172" name="Free-form: Shape 171">
+            <a:extLst>
+              <a:ext uri="{FF2B5EF4-FFF2-40B4-BE49-F238E27FC236}">
+                <a16:creationId xmlns:a16="http://schemas.microsoft.com/office/drawing/2014/main" id="{CE3A1AB4-E2D4-7B9C-CAD8-B66B7A25218A}"/>
+              </a:ext>
+            </a:extLst>
+          </p:cNvPr>
+          <p:cNvSpPr/>
+          <p:nvPr/>
+        </p:nvSpPr>
+        <p:spPr>
+          <a:xfrm>
+            <a:off x="4583268" y="701965"/>
+            <a:ext cx="1152515" cy="3103417"/>
+          </a:xfrm>
+          <a:custGeom>
+            <a:avLst/>
+            <a:gdLst>
+              <a:gd name="connsiteX0" fmla="*/ 36945 w 1099127"/>
+              <a:gd name="connsiteY0" fmla="*/ 0 h 1468581"/>
+              <a:gd name="connsiteX1" fmla="*/ 230909 w 1099127"/>
+              <a:gd name="connsiteY1" fmla="*/ 83127 h 1468581"/>
+              <a:gd name="connsiteX2" fmla="*/ 295563 w 1099127"/>
+              <a:gd name="connsiteY2" fmla="*/ 110836 h 1468581"/>
+              <a:gd name="connsiteX3" fmla="*/ 350981 w 1099127"/>
+              <a:gd name="connsiteY3" fmla="*/ 147781 h 1468581"/>
+              <a:gd name="connsiteX4" fmla="*/ 489527 w 1099127"/>
+              <a:gd name="connsiteY4" fmla="*/ 249381 h 1468581"/>
+              <a:gd name="connsiteX5" fmla="*/ 572654 w 1099127"/>
+              <a:gd name="connsiteY5" fmla="*/ 304800 h 1468581"/>
+              <a:gd name="connsiteX6" fmla="*/ 600363 w 1099127"/>
+              <a:gd name="connsiteY6" fmla="*/ 323272 h 1468581"/>
+              <a:gd name="connsiteX7" fmla="*/ 665018 w 1099127"/>
+              <a:gd name="connsiteY7" fmla="*/ 341745 h 1468581"/>
+              <a:gd name="connsiteX8" fmla="*/ 794327 w 1099127"/>
+              <a:gd name="connsiteY8" fmla="*/ 424872 h 1468581"/>
+              <a:gd name="connsiteX9" fmla="*/ 886690 w 1099127"/>
+              <a:gd name="connsiteY9" fmla="*/ 498763 h 1468581"/>
+              <a:gd name="connsiteX10" fmla="*/ 997527 w 1099127"/>
+              <a:gd name="connsiteY10" fmla="*/ 554181 h 1468581"/>
+              <a:gd name="connsiteX11" fmla="*/ 1052945 w 1099127"/>
+              <a:gd name="connsiteY11" fmla="*/ 600363 h 1468581"/>
+              <a:gd name="connsiteX12" fmla="*/ 1089890 w 1099127"/>
+              <a:gd name="connsiteY12" fmla="*/ 655781 h 1468581"/>
+              <a:gd name="connsiteX13" fmla="*/ 1099127 w 1099127"/>
+              <a:gd name="connsiteY13" fmla="*/ 683491 h 1468581"/>
+              <a:gd name="connsiteX14" fmla="*/ 1080654 w 1099127"/>
+              <a:gd name="connsiteY14" fmla="*/ 785091 h 1468581"/>
+              <a:gd name="connsiteX15" fmla="*/ 1062181 w 1099127"/>
+              <a:gd name="connsiteY15" fmla="*/ 812800 h 1468581"/>
+              <a:gd name="connsiteX16" fmla="*/ 969818 w 1099127"/>
+              <a:gd name="connsiteY16" fmla="*/ 905163 h 1468581"/>
+              <a:gd name="connsiteX17" fmla="*/ 886690 w 1099127"/>
+              <a:gd name="connsiteY17" fmla="*/ 951345 h 1468581"/>
+              <a:gd name="connsiteX18" fmla="*/ 858981 w 1099127"/>
+              <a:gd name="connsiteY18" fmla="*/ 969818 h 1468581"/>
+              <a:gd name="connsiteX19" fmla="*/ 600363 w 1099127"/>
+              <a:gd name="connsiteY19" fmla="*/ 1089891 h 1468581"/>
+              <a:gd name="connsiteX20" fmla="*/ 535709 w 1099127"/>
+              <a:gd name="connsiteY20" fmla="*/ 1136072 h 1468581"/>
+              <a:gd name="connsiteX21" fmla="*/ 258618 w 1099127"/>
+              <a:gd name="connsiteY21" fmla="*/ 1302327 h 1468581"/>
+              <a:gd name="connsiteX22" fmla="*/ 175490 w 1099127"/>
+              <a:gd name="connsiteY22" fmla="*/ 1357745 h 1468581"/>
+              <a:gd name="connsiteX23" fmla="*/ 0 w 1099127"/>
+              <a:gd name="connsiteY23" fmla="*/ 1468581 h 1468581"/>
+              <a:gd name="connsiteX0" fmla="*/ 0 w 1062182"/>
+              <a:gd name="connsiteY0" fmla="*/ 0 h 2318326"/>
+              <a:gd name="connsiteX1" fmla="*/ 193964 w 1062182"/>
+              <a:gd name="connsiteY1" fmla="*/ 83127 h 2318326"/>
+              <a:gd name="connsiteX2" fmla="*/ 258618 w 1062182"/>
+              <a:gd name="connsiteY2" fmla="*/ 110836 h 2318326"/>
+              <a:gd name="connsiteX3" fmla="*/ 314036 w 1062182"/>
+              <a:gd name="connsiteY3" fmla="*/ 147781 h 2318326"/>
+              <a:gd name="connsiteX4" fmla="*/ 452582 w 1062182"/>
+              <a:gd name="connsiteY4" fmla="*/ 249381 h 2318326"/>
+              <a:gd name="connsiteX5" fmla="*/ 535709 w 1062182"/>
+              <a:gd name="connsiteY5" fmla="*/ 304800 h 2318326"/>
+              <a:gd name="connsiteX6" fmla="*/ 563418 w 1062182"/>
+              <a:gd name="connsiteY6" fmla="*/ 323272 h 2318326"/>
+              <a:gd name="connsiteX7" fmla="*/ 628073 w 1062182"/>
+              <a:gd name="connsiteY7" fmla="*/ 341745 h 2318326"/>
+              <a:gd name="connsiteX8" fmla="*/ 757382 w 1062182"/>
+              <a:gd name="connsiteY8" fmla="*/ 424872 h 2318326"/>
+              <a:gd name="connsiteX9" fmla="*/ 849745 w 1062182"/>
+              <a:gd name="connsiteY9" fmla="*/ 498763 h 2318326"/>
+              <a:gd name="connsiteX10" fmla="*/ 960582 w 1062182"/>
+              <a:gd name="connsiteY10" fmla="*/ 554181 h 2318326"/>
+              <a:gd name="connsiteX11" fmla="*/ 1016000 w 1062182"/>
+              <a:gd name="connsiteY11" fmla="*/ 600363 h 2318326"/>
+              <a:gd name="connsiteX12" fmla="*/ 1052945 w 1062182"/>
+              <a:gd name="connsiteY12" fmla="*/ 655781 h 2318326"/>
+              <a:gd name="connsiteX13" fmla="*/ 1062182 w 1062182"/>
+              <a:gd name="connsiteY13" fmla="*/ 683491 h 2318326"/>
+              <a:gd name="connsiteX14" fmla="*/ 1043709 w 1062182"/>
+              <a:gd name="connsiteY14" fmla="*/ 785091 h 2318326"/>
+              <a:gd name="connsiteX15" fmla="*/ 1025236 w 1062182"/>
+              <a:gd name="connsiteY15" fmla="*/ 812800 h 2318326"/>
+              <a:gd name="connsiteX16" fmla="*/ 932873 w 1062182"/>
+              <a:gd name="connsiteY16" fmla="*/ 905163 h 2318326"/>
+              <a:gd name="connsiteX17" fmla="*/ 849745 w 1062182"/>
+              <a:gd name="connsiteY17" fmla="*/ 951345 h 2318326"/>
+              <a:gd name="connsiteX18" fmla="*/ 822036 w 1062182"/>
+              <a:gd name="connsiteY18" fmla="*/ 969818 h 2318326"/>
+              <a:gd name="connsiteX19" fmla="*/ 563418 w 1062182"/>
+              <a:gd name="connsiteY19" fmla="*/ 1089891 h 2318326"/>
+              <a:gd name="connsiteX20" fmla="*/ 498764 w 1062182"/>
+              <a:gd name="connsiteY20" fmla="*/ 1136072 h 2318326"/>
+              <a:gd name="connsiteX21" fmla="*/ 221673 w 1062182"/>
+              <a:gd name="connsiteY21" fmla="*/ 1302327 h 2318326"/>
+              <a:gd name="connsiteX22" fmla="*/ 138545 w 1062182"/>
+              <a:gd name="connsiteY22" fmla="*/ 1357745 h 2318326"/>
+              <a:gd name="connsiteX23" fmla="*/ 258619 w 1062182"/>
+              <a:gd name="connsiteY23" fmla="*/ 2318326 h 2318326"/>
+              <a:gd name="connsiteX0" fmla="*/ 0 w 1062182"/>
+              <a:gd name="connsiteY0" fmla="*/ 0 h 3103417"/>
+              <a:gd name="connsiteX1" fmla="*/ 193964 w 1062182"/>
+              <a:gd name="connsiteY1" fmla="*/ 83127 h 3103417"/>
+              <a:gd name="connsiteX2" fmla="*/ 258618 w 1062182"/>
+              <a:gd name="connsiteY2" fmla="*/ 110836 h 3103417"/>
+              <a:gd name="connsiteX3" fmla="*/ 314036 w 1062182"/>
+              <a:gd name="connsiteY3" fmla="*/ 147781 h 3103417"/>
+              <a:gd name="connsiteX4" fmla="*/ 452582 w 1062182"/>
+              <a:gd name="connsiteY4" fmla="*/ 249381 h 3103417"/>
+              <a:gd name="connsiteX5" fmla="*/ 535709 w 1062182"/>
+              <a:gd name="connsiteY5" fmla="*/ 304800 h 3103417"/>
+              <a:gd name="connsiteX6" fmla="*/ 563418 w 1062182"/>
+              <a:gd name="connsiteY6" fmla="*/ 323272 h 3103417"/>
+              <a:gd name="connsiteX7" fmla="*/ 628073 w 1062182"/>
+              <a:gd name="connsiteY7" fmla="*/ 341745 h 3103417"/>
+              <a:gd name="connsiteX8" fmla="*/ 757382 w 1062182"/>
+              <a:gd name="connsiteY8" fmla="*/ 424872 h 3103417"/>
+              <a:gd name="connsiteX9" fmla="*/ 849745 w 1062182"/>
+              <a:gd name="connsiteY9" fmla="*/ 498763 h 3103417"/>
+              <a:gd name="connsiteX10" fmla="*/ 960582 w 1062182"/>
+              <a:gd name="connsiteY10" fmla="*/ 554181 h 3103417"/>
+              <a:gd name="connsiteX11" fmla="*/ 1016000 w 1062182"/>
+              <a:gd name="connsiteY11" fmla="*/ 600363 h 3103417"/>
+              <a:gd name="connsiteX12" fmla="*/ 1052945 w 1062182"/>
+              <a:gd name="connsiteY12" fmla="*/ 655781 h 3103417"/>
+              <a:gd name="connsiteX13" fmla="*/ 1062182 w 1062182"/>
+              <a:gd name="connsiteY13" fmla="*/ 683491 h 3103417"/>
+              <a:gd name="connsiteX14" fmla="*/ 1043709 w 1062182"/>
+              <a:gd name="connsiteY14" fmla="*/ 785091 h 3103417"/>
+              <a:gd name="connsiteX15" fmla="*/ 1025236 w 1062182"/>
+              <a:gd name="connsiteY15" fmla="*/ 812800 h 3103417"/>
+              <a:gd name="connsiteX16" fmla="*/ 932873 w 1062182"/>
+              <a:gd name="connsiteY16" fmla="*/ 905163 h 3103417"/>
+              <a:gd name="connsiteX17" fmla="*/ 849745 w 1062182"/>
+              <a:gd name="connsiteY17" fmla="*/ 951345 h 3103417"/>
+              <a:gd name="connsiteX18" fmla="*/ 822036 w 1062182"/>
+              <a:gd name="connsiteY18" fmla="*/ 969818 h 3103417"/>
+              <a:gd name="connsiteX19" fmla="*/ 563418 w 1062182"/>
+              <a:gd name="connsiteY19" fmla="*/ 1089891 h 3103417"/>
+              <a:gd name="connsiteX20" fmla="*/ 498764 w 1062182"/>
+              <a:gd name="connsiteY20" fmla="*/ 1136072 h 3103417"/>
+              <a:gd name="connsiteX21" fmla="*/ 221673 w 1062182"/>
+              <a:gd name="connsiteY21" fmla="*/ 1302327 h 3103417"/>
+              <a:gd name="connsiteX22" fmla="*/ 138545 w 1062182"/>
+              <a:gd name="connsiteY22" fmla="*/ 1357745 h 3103417"/>
+              <a:gd name="connsiteX23" fmla="*/ 221673 w 1062182"/>
+              <a:gd name="connsiteY23" fmla="*/ 3103417 h 3103417"/>
+              <a:gd name="connsiteX0" fmla="*/ 0 w 1062182"/>
+              <a:gd name="connsiteY0" fmla="*/ 0 h 3103417"/>
+              <a:gd name="connsiteX1" fmla="*/ 193964 w 1062182"/>
+              <a:gd name="connsiteY1" fmla="*/ 83127 h 3103417"/>
+              <a:gd name="connsiteX2" fmla="*/ 258618 w 1062182"/>
+              <a:gd name="connsiteY2" fmla="*/ 110836 h 3103417"/>
+              <a:gd name="connsiteX3" fmla="*/ 314036 w 1062182"/>
+              <a:gd name="connsiteY3" fmla="*/ 147781 h 3103417"/>
+              <a:gd name="connsiteX4" fmla="*/ 452582 w 1062182"/>
+              <a:gd name="connsiteY4" fmla="*/ 249381 h 3103417"/>
+              <a:gd name="connsiteX5" fmla="*/ 535709 w 1062182"/>
+              <a:gd name="connsiteY5" fmla="*/ 304800 h 3103417"/>
+              <a:gd name="connsiteX6" fmla="*/ 563418 w 1062182"/>
+              <a:gd name="connsiteY6" fmla="*/ 323272 h 3103417"/>
+              <a:gd name="connsiteX7" fmla="*/ 628073 w 1062182"/>
+              <a:gd name="connsiteY7" fmla="*/ 341745 h 3103417"/>
+              <a:gd name="connsiteX8" fmla="*/ 757382 w 1062182"/>
+              <a:gd name="connsiteY8" fmla="*/ 424872 h 3103417"/>
+              <a:gd name="connsiteX9" fmla="*/ 849745 w 1062182"/>
+              <a:gd name="connsiteY9" fmla="*/ 498763 h 3103417"/>
+              <a:gd name="connsiteX10" fmla="*/ 960582 w 1062182"/>
+              <a:gd name="connsiteY10" fmla="*/ 554181 h 3103417"/>
+              <a:gd name="connsiteX11" fmla="*/ 1016000 w 1062182"/>
+              <a:gd name="connsiteY11" fmla="*/ 600363 h 3103417"/>
+              <a:gd name="connsiteX12" fmla="*/ 1052945 w 1062182"/>
+              <a:gd name="connsiteY12" fmla="*/ 655781 h 3103417"/>
+              <a:gd name="connsiteX13" fmla="*/ 1062182 w 1062182"/>
+              <a:gd name="connsiteY13" fmla="*/ 683491 h 3103417"/>
+              <a:gd name="connsiteX14" fmla="*/ 1043709 w 1062182"/>
+              <a:gd name="connsiteY14" fmla="*/ 785091 h 3103417"/>
+              <a:gd name="connsiteX15" fmla="*/ 1025236 w 1062182"/>
+              <a:gd name="connsiteY15" fmla="*/ 812800 h 3103417"/>
+              <a:gd name="connsiteX16" fmla="*/ 932873 w 1062182"/>
+              <a:gd name="connsiteY16" fmla="*/ 905163 h 3103417"/>
+              <a:gd name="connsiteX17" fmla="*/ 849745 w 1062182"/>
+              <a:gd name="connsiteY17" fmla="*/ 951345 h 3103417"/>
+              <a:gd name="connsiteX18" fmla="*/ 822036 w 1062182"/>
+              <a:gd name="connsiteY18" fmla="*/ 969818 h 3103417"/>
+              <a:gd name="connsiteX19" fmla="*/ 563418 w 1062182"/>
+              <a:gd name="connsiteY19" fmla="*/ 1089891 h 3103417"/>
+              <a:gd name="connsiteX20" fmla="*/ 498764 w 1062182"/>
+              <a:gd name="connsiteY20" fmla="*/ 1136072 h 3103417"/>
+              <a:gd name="connsiteX21" fmla="*/ 221673 w 1062182"/>
+              <a:gd name="connsiteY21" fmla="*/ 1302327 h 3103417"/>
+              <a:gd name="connsiteX22" fmla="*/ 55417 w 1062182"/>
+              <a:gd name="connsiteY22" fmla="*/ 2272145 h 3103417"/>
+              <a:gd name="connsiteX23" fmla="*/ 221673 w 1062182"/>
+              <a:gd name="connsiteY23" fmla="*/ 3103417 h 3103417"/>
+              <a:gd name="connsiteX0" fmla="*/ 97284 w 1159466"/>
+              <a:gd name="connsiteY0" fmla="*/ 0 h 3103417"/>
+              <a:gd name="connsiteX1" fmla="*/ 291248 w 1159466"/>
+              <a:gd name="connsiteY1" fmla="*/ 83127 h 3103417"/>
+              <a:gd name="connsiteX2" fmla="*/ 355902 w 1159466"/>
+              <a:gd name="connsiteY2" fmla="*/ 110836 h 3103417"/>
+              <a:gd name="connsiteX3" fmla="*/ 411320 w 1159466"/>
+              <a:gd name="connsiteY3" fmla="*/ 147781 h 3103417"/>
+              <a:gd name="connsiteX4" fmla="*/ 549866 w 1159466"/>
+              <a:gd name="connsiteY4" fmla="*/ 249381 h 3103417"/>
+              <a:gd name="connsiteX5" fmla="*/ 632993 w 1159466"/>
+              <a:gd name="connsiteY5" fmla="*/ 304800 h 3103417"/>
+              <a:gd name="connsiteX6" fmla="*/ 660702 w 1159466"/>
+              <a:gd name="connsiteY6" fmla="*/ 323272 h 3103417"/>
+              <a:gd name="connsiteX7" fmla="*/ 725357 w 1159466"/>
+              <a:gd name="connsiteY7" fmla="*/ 341745 h 3103417"/>
+              <a:gd name="connsiteX8" fmla="*/ 854666 w 1159466"/>
+              <a:gd name="connsiteY8" fmla="*/ 424872 h 3103417"/>
+              <a:gd name="connsiteX9" fmla="*/ 947029 w 1159466"/>
+              <a:gd name="connsiteY9" fmla="*/ 498763 h 3103417"/>
+              <a:gd name="connsiteX10" fmla="*/ 1057866 w 1159466"/>
+              <a:gd name="connsiteY10" fmla="*/ 554181 h 3103417"/>
+              <a:gd name="connsiteX11" fmla="*/ 1113284 w 1159466"/>
+              <a:gd name="connsiteY11" fmla="*/ 600363 h 3103417"/>
+              <a:gd name="connsiteX12" fmla="*/ 1150229 w 1159466"/>
+              <a:gd name="connsiteY12" fmla="*/ 655781 h 3103417"/>
+              <a:gd name="connsiteX13" fmla="*/ 1159466 w 1159466"/>
+              <a:gd name="connsiteY13" fmla="*/ 683491 h 3103417"/>
+              <a:gd name="connsiteX14" fmla="*/ 1140993 w 1159466"/>
+              <a:gd name="connsiteY14" fmla="*/ 785091 h 3103417"/>
+              <a:gd name="connsiteX15" fmla="*/ 1122520 w 1159466"/>
+              <a:gd name="connsiteY15" fmla="*/ 812800 h 3103417"/>
+              <a:gd name="connsiteX16" fmla="*/ 1030157 w 1159466"/>
+              <a:gd name="connsiteY16" fmla="*/ 905163 h 3103417"/>
+              <a:gd name="connsiteX17" fmla="*/ 947029 w 1159466"/>
+              <a:gd name="connsiteY17" fmla="*/ 951345 h 3103417"/>
+              <a:gd name="connsiteX18" fmla="*/ 919320 w 1159466"/>
+              <a:gd name="connsiteY18" fmla="*/ 969818 h 3103417"/>
+              <a:gd name="connsiteX19" fmla="*/ 660702 w 1159466"/>
+              <a:gd name="connsiteY19" fmla="*/ 1089891 h 3103417"/>
+              <a:gd name="connsiteX20" fmla="*/ 596048 w 1159466"/>
+              <a:gd name="connsiteY20" fmla="*/ 1136072 h 3103417"/>
+              <a:gd name="connsiteX21" fmla="*/ 14157 w 1159466"/>
+              <a:gd name="connsiteY21" fmla="*/ 1597890 h 3103417"/>
+              <a:gd name="connsiteX22" fmla="*/ 152701 w 1159466"/>
+              <a:gd name="connsiteY22" fmla="*/ 2272145 h 3103417"/>
+              <a:gd name="connsiteX23" fmla="*/ 318957 w 1159466"/>
+              <a:gd name="connsiteY23" fmla="*/ 3103417 h 3103417"/>
+              <a:gd name="connsiteX0" fmla="*/ 90333 w 1152515"/>
+              <a:gd name="connsiteY0" fmla="*/ 0 h 3103417"/>
+              <a:gd name="connsiteX1" fmla="*/ 284297 w 1152515"/>
+              <a:gd name="connsiteY1" fmla="*/ 83127 h 3103417"/>
+              <a:gd name="connsiteX2" fmla="*/ 348951 w 1152515"/>
+              <a:gd name="connsiteY2" fmla="*/ 110836 h 3103417"/>
+              <a:gd name="connsiteX3" fmla="*/ 404369 w 1152515"/>
+              <a:gd name="connsiteY3" fmla="*/ 147781 h 3103417"/>
+              <a:gd name="connsiteX4" fmla="*/ 542915 w 1152515"/>
+              <a:gd name="connsiteY4" fmla="*/ 249381 h 3103417"/>
+              <a:gd name="connsiteX5" fmla="*/ 626042 w 1152515"/>
+              <a:gd name="connsiteY5" fmla="*/ 304800 h 3103417"/>
+              <a:gd name="connsiteX6" fmla="*/ 653751 w 1152515"/>
+              <a:gd name="connsiteY6" fmla="*/ 323272 h 3103417"/>
+              <a:gd name="connsiteX7" fmla="*/ 718406 w 1152515"/>
+              <a:gd name="connsiteY7" fmla="*/ 341745 h 3103417"/>
+              <a:gd name="connsiteX8" fmla="*/ 847715 w 1152515"/>
+              <a:gd name="connsiteY8" fmla="*/ 424872 h 3103417"/>
+              <a:gd name="connsiteX9" fmla="*/ 940078 w 1152515"/>
+              <a:gd name="connsiteY9" fmla="*/ 498763 h 3103417"/>
+              <a:gd name="connsiteX10" fmla="*/ 1050915 w 1152515"/>
+              <a:gd name="connsiteY10" fmla="*/ 554181 h 3103417"/>
+              <a:gd name="connsiteX11" fmla="*/ 1106333 w 1152515"/>
+              <a:gd name="connsiteY11" fmla="*/ 600363 h 3103417"/>
+              <a:gd name="connsiteX12" fmla="*/ 1143278 w 1152515"/>
+              <a:gd name="connsiteY12" fmla="*/ 655781 h 3103417"/>
+              <a:gd name="connsiteX13" fmla="*/ 1152515 w 1152515"/>
+              <a:gd name="connsiteY13" fmla="*/ 683491 h 3103417"/>
+              <a:gd name="connsiteX14" fmla="*/ 1134042 w 1152515"/>
+              <a:gd name="connsiteY14" fmla="*/ 785091 h 3103417"/>
+              <a:gd name="connsiteX15" fmla="*/ 1115569 w 1152515"/>
+              <a:gd name="connsiteY15" fmla="*/ 812800 h 3103417"/>
+              <a:gd name="connsiteX16" fmla="*/ 1023206 w 1152515"/>
+              <a:gd name="connsiteY16" fmla="*/ 905163 h 3103417"/>
+              <a:gd name="connsiteX17" fmla="*/ 940078 w 1152515"/>
+              <a:gd name="connsiteY17" fmla="*/ 951345 h 3103417"/>
+              <a:gd name="connsiteX18" fmla="*/ 912369 w 1152515"/>
+              <a:gd name="connsiteY18" fmla="*/ 969818 h 3103417"/>
+              <a:gd name="connsiteX19" fmla="*/ 653751 w 1152515"/>
+              <a:gd name="connsiteY19" fmla="*/ 1089891 h 3103417"/>
+              <a:gd name="connsiteX20" fmla="*/ 589097 w 1152515"/>
+              <a:gd name="connsiteY20" fmla="*/ 1136072 h 3103417"/>
+              <a:gd name="connsiteX21" fmla="*/ 7206 w 1152515"/>
+              <a:gd name="connsiteY21" fmla="*/ 1597890 h 3103417"/>
+              <a:gd name="connsiteX22" fmla="*/ 238113 w 1152515"/>
+              <a:gd name="connsiteY22" fmla="*/ 2272145 h 3103417"/>
+              <a:gd name="connsiteX23" fmla="*/ 312006 w 1152515"/>
+              <a:gd name="connsiteY23" fmla="*/ 3103417 h 3103417"/>
+              <a:gd name="connsiteX0" fmla="*/ 90333 w 1152515"/>
+              <a:gd name="connsiteY0" fmla="*/ 0 h 3103417"/>
+              <a:gd name="connsiteX1" fmla="*/ 284297 w 1152515"/>
+              <a:gd name="connsiteY1" fmla="*/ 83127 h 3103417"/>
+              <a:gd name="connsiteX2" fmla="*/ 348951 w 1152515"/>
+              <a:gd name="connsiteY2" fmla="*/ 110836 h 3103417"/>
+              <a:gd name="connsiteX3" fmla="*/ 404369 w 1152515"/>
+              <a:gd name="connsiteY3" fmla="*/ 147781 h 3103417"/>
+              <a:gd name="connsiteX4" fmla="*/ 542915 w 1152515"/>
+              <a:gd name="connsiteY4" fmla="*/ 249381 h 3103417"/>
+              <a:gd name="connsiteX5" fmla="*/ 626042 w 1152515"/>
+              <a:gd name="connsiteY5" fmla="*/ 304800 h 3103417"/>
+              <a:gd name="connsiteX6" fmla="*/ 653751 w 1152515"/>
+              <a:gd name="connsiteY6" fmla="*/ 323272 h 3103417"/>
+              <a:gd name="connsiteX7" fmla="*/ 718406 w 1152515"/>
+              <a:gd name="connsiteY7" fmla="*/ 341745 h 3103417"/>
+              <a:gd name="connsiteX8" fmla="*/ 847715 w 1152515"/>
+              <a:gd name="connsiteY8" fmla="*/ 424872 h 3103417"/>
+              <a:gd name="connsiteX9" fmla="*/ 940078 w 1152515"/>
+              <a:gd name="connsiteY9" fmla="*/ 498763 h 3103417"/>
+              <a:gd name="connsiteX10" fmla="*/ 1050915 w 1152515"/>
+              <a:gd name="connsiteY10" fmla="*/ 554181 h 3103417"/>
+              <a:gd name="connsiteX11" fmla="*/ 1106333 w 1152515"/>
+              <a:gd name="connsiteY11" fmla="*/ 600363 h 3103417"/>
+              <a:gd name="connsiteX12" fmla="*/ 1143278 w 1152515"/>
+              <a:gd name="connsiteY12" fmla="*/ 655781 h 3103417"/>
+              <a:gd name="connsiteX13" fmla="*/ 1152515 w 1152515"/>
+              <a:gd name="connsiteY13" fmla="*/ 683491 h 3103417"/>
+              <a:gd name="connsiteX14" fmla="*/ 1134042 w 1152515"/>
+              <a:gd name="connsiteY14" fmla="*/ 785091 h 3103417"/>
+              <a:gd name="connsiteX15" fmla="*/ 1115569 w 1152515"/>
+              <a:gd name="connsiteY15" fmla="*/ 812800 h 3103417"/>
+              <a:gd name="connsiteX16" fmla="*/ 1023206 w 1152515"/>
+              <a:gd name="connsiteY16" fmla="*/ 905163 h 3103417"/>
+              <a:gd name="connsiteX17" fmla="*/ 940078 w 1152515"/>
+              <a:gd name="connsiteY17" fmla="*/ 951345 h 3103417"/>
+              <a:gd name="connsiteX18" fmla="*/ 912369 w 1152515"/>
+              <a:gd name="connsiteY18" fmla="*/ 969818 h 3103417"/>
+              <a:gd name="connsiteX19" fmla="*/ 653751 w 1152515"/>
+              <a:gd name="connsiteY19" fmla="*/ 1089891 h 3103417"/>
+              <a:gd name="connsiteX20" fmla="*/ 589097 w 1152515"/>
+              <a:gd name="connsiteY20" fmla="*/ 1136072 h 3103417"/>
+              <a:gd name="connsiteX21" fmla="*/ 7206 w 1152515"/>
+              <a:gd name="connsiteY21" fmla="*/ 1597890 h 3103417"/>
+              <a:gd name="connsiteX22" fmla="*/ 238113 w 1152515"/>
+              <a:gd name="connsiteY22" fmla="*/ 2272145 h 3103417"/>
+              <a:gd name="connsiteX23" fmla="*/ 312006 w 1152515"/>
+              <a:gd name="connsiteY23" fmla="*/ 3103417 h 3103417"/>
+            </a:gdLst>
+            <a:ahLst/>
+            <a:cxnLst>
+              <a:cxn ang="0">
+                <a:pos x="connsiteX0" y="connsiteY0"/>
+              </a:cxn>
+              <a:cxn ang="0">
+                <a:pos x="connsiteX1" y="connsiteY1"/>
+              </a:cxn>
+              <a:cxn ang="0">
+                <a:pos x="connsiteX2" y="connsiteY2"/>
+              </a:cxn>
+              <a:cxn ang="0">
+                <a:pos x="connsiteX3" y="connsiteY3"/>
+              </a:cxn>
+              <a:cxn ang="0">
+                <a:pos x="connsiteX4" y="connsiteY4"/>
+              </a:cxn>
+              <a:cxn ang="0">
+                <a:pos x="connsiteX5" y="connsiteY5"/>
+              </a:cxn>
+              <a:cxn ang="0">
+                <a:pos x="connsiteX6" y="connsiteY6"/>
+              </a:cxn>
+              <a:cxn ang="0">
+                <a:pos x="connsiteX7" y="connsiteY7"/>
+              </a:cxn>
+              <a:cxn ang="0">
+                <a:pos x="connsiteX8" y="connsiteY8"/>
+              </a:cxn>
+              <a:cxn ang="0">
+                <a:pos x="connsiteX9" y="connsiteY9"/>
+              </a:cxn>
+              <a:cxn ang="0">
+                <a:pos x="connsiteX10" y="connsiteY10"/>
+              </a:cxn>
+              <a:cxn ang="0">
+                <a:pos x="connsiteX11" y="connsiteY11"/>
+              </a:cxn>
+              <a:cxn ang="0">
+                <a:pos x="connsiteX12" y="connsiteY12"/>
+              </a:cxn>
+              <a:cxn ang="0">
+                <a:pos x="connsiteX13" y="connsiteY13"/>
+              </a:cxn>
+              <a:cxn ang="0">
+                <a:pos x="connsiteX14" y="connsiteY14"/>
+              </a:cxn>
+              <a:cxn ang="0">
+                <a:pos x="connsiteX15" y="connsiteY15"/>
+              </a:cxn>
+              <a:cxn ang="0">
+                <a:pos x="connsiteX16" y="connsiteY16"/>
+              </a:cxn>
+              <a:cxn ang="0">
+                <a:pos x="connsiteX17" y="connsiteY17"/>
+              </a:cxn>
+              <a:cxn ang="0">
+                <a:pos x="connsiteX18" y="connsiteY18"/>
+              </a:cxn>
+              <a:cxn ang="0">
+                <a:pos x="connsiteX19" y="connsiteY19"/>
+              </a:cxn>
+              <a:cxn ang="0">
+                <a:pos x="connsiteX20" y="connsiteY20"/>
+              </a:cxn>
+              <a:cxn ang="0">
+                <a:pos x="connsiteX21" y="connsiteY21"/>
+              </a:cxn>
+              <a:cxn ang="0">
+                <a:pos x="connsiteX22" y="connsiteY22"/>
+              </a:cxn>
+              <a:cxn ang="0">
+                <a:pos x="connsiteX23" y="connsiteY23"/>
+              </a:cxn>
+            </a:cxnLst>
+            <a:rect l="l" t="t" r="r" b="b"/>
+            <a:pathLst>
+              <a:path w="1152515" h="3103417">
+                <a:moveTo>
+                  <a:pt x="90333" y="0"/>
+                </a:moveTo>
+                <a:cubicBezTo>
+                  <a:pt x="307111" y="83375"/>
+                  <a:pt x="126455" y="9467"/>
+                  <a:pt x="284297" y="83127"/>
+                </a:cubicBezTo>
+                <a:cubicBezTo>
+                  <a:pt x="305544" y="93043"/>
+                  <a:pt x="328306" y="99720"/>
+                  <a:pt x="348951" y="110836"/>
+                </a:cubicBezTo>
+                <a:cubicBezTo>
+                  <a:pt x="368499" y="121362"/>
+                  <a:pt x="386303" y="134877"/>
+                  <a:pt x="404369" y="147781"/>
+                </a:cubicBezTo>
+                <a:cubicBezTo>
+                  <a:pt x="522021" y="231818"/>
+                  <a:pt x="433789" y="174357"/>
+                  <a:pt x="542915" y="249381"/>
+                </a:cubicBezTo>
+                <a:cubicBezTo>
+                  <a:pt x="570357" y="268248"/>
+                  <a:pt x="598333" y="286327"/>
+                  <a:pt x="626042" y="304800"/>
+                </a:cubicBezTo>
+                <a:cubicBezTo>
+                  <a:pt x="635278" y="310958"/>
+                  <a:pt x="643078" y="320222"/>
+                  <a:pt x="653751" y="323272"/>
+                </a:cubicBezTo>
+                <a:lnTo>
+                  <a:pt x="718406" y="341745"/>
+                </a:lnTo>
+                <a:cubicBezTo>
+                  <a:pt x="785301" y="379972"/>
+                  <a:pt x="785005" y="376918"/>
+                  <a:pt x="847715" y="424872"/>
+                </a:cubicBezTo>
+                <a:cubicBezTo>
+                  <a:pt x="879035" y="448822"/>
+                  <a:pt x="902674" y="486295"/>
+                  <a:pt x="940078" y="498763"/>
+                </a:cubicBezTo>
+                <a:cubicBezTo>
+                  <a:pt x="988476" y="514896"/>
+                  <a:pt x="989826" y="513455"/>
+                  <a:pt x="1050915" y="554181"/>
+                </a:cubicBezTo>
+                <a:cubicBezTo>
+                  <a:pt x="1070923" y="567519"/>
+                  <a:pt x="1090158" y="582570"/>
+                  <a:pt x="1106333" y="600363"/>
+                </a:cubicBezTo>
+                <a:cubicBezTo>
+                  <a:pt x="1121267" y="616791"/>
+                  <a:pt x="1132496" y="636374"/>
+                  <a:pt x="1143278" y="655781"/>
+                </a:cubicBezTo>
+                <a:cubicBezTo>
+                  <a:pt x="1148006" y="664292"/>
+                  <a:pt x="1149436" y="674254"/>
+                  <a:pt x="1152515" y="683491"/>
+                </a:cubicBezTo>
+                <a:cubicBezTo>
+                  <a:pt x="1151479" y="689709"/>
+                  <a:pt x="1137913" y="774769"/>
+                  <a:pt x="1134042" y="785091"/>
+                </a:cubicBezTo>
+                <a:cubicBezTo>
+                  <a:pt x="1130144" y="795485"/>
+                  <a:pt x="1122021" y="803767"/>
+                  <a:pt x="1115569" y="812800"/>
+                </a:cubicBezTo>
+                <a:cubicBezTo>
+                  <a:pt x="1084873" y="855774"/>
+                  <a:pt x="1073652" y="870482"/>
+                  <a:pt x="1023206" y="905163"/>
+                </a:cubicBezTo>
+                <a:cubicBezTo>
+                  <a:pt x="997085" y="923121"/>
+                  <a:pt x="967458" y="935373"/>
+                  <a:pt x="940078" y="951345"/>
+                </a:cubicBezTo>
+                <a:cubicBezTo>
+                  <a:pt x="930489" y="956938"/>
+                  <a:pt x="922361" y="964983"/>
+                  <a:pt x="912369" y="969818"/>
+                </a:cubicBezTo>
+                <a:cubicBezTo>
+                  <a:pt x="826814" y="1011216"/>
+                  <a:pt x="738273" y="1046423"/>
+                  <a:pt x="653751" y="1089891"/>
+                </a:cubicBezTo>
+                <a:cubicBezTo>
+                  <a:pt x="630199" y="1102004"/>
+                  <a:pt x="696855" y="1051406"/>
+                  <a:pt x="589097" y="1136072"/>
+                </a:cubicBezTo>
+                <a:cubicBezTo>
+                  <a:pt x="481340" y="1220739"/>
+                  <a:pt x="65703" y="1408545"/>
+                  <a:pt x="7206" y="1597890"/>
+                </a:cubicBezTo>
+                <a:cubicBezTo>
+                  <a:pt x="-51291" y="1787236"/>
+                  <a:pt x="266475" y="2254691"/>
+                  <a:pt x="238113" y="2272145"/>
+                </a:cubicBezTo>
+                <a:cubicBezTo>
+                  <a:pt x="265178" y="2500609"/>
+                  <a:pt x="375081" y="3040342"/>
+                  <a:pt x="312006" y="3103417"/>
+                </a:cubicBezTo>
+              </a:path>
+            </a:pathLst>
+          </a:custGeom>
+        </p:spPr>
+        <p:style>
+          <a:lnRef idx="1">
+            <a:schemeClr val="accent6"/>
+          </a:lnRef>
+          <a:fillRef idx="0">
+            <a:schemeClr val="accent6"/>
+          </a:fillRef>
+          <a:effectRef idx="0">
+            <a:schemeClr val="accent6"/>
+          </a:effectRef>
+          <a:fontRef idx="minor">
+            <a:schemeClr val="tx1"/>
+          </a:fontRef>
+        </p:style>
+        <p:txBody>
+          <a:bodyPr rtlCol="0" anchor="ctr"/>
+          <a:lstStyle/>
+          <a:p>
+            <a:pPr algn="ctr"/>
+            <a:endParaRPr lang="en-GB"/>
+          </a:p>
+        </p:txBody>
+      </p:sp>
+      <p:sp>
+        <p:nvSpPr>
+          <p:cNvPr id="173" name="TextBox 172">
+            <a:extLst>
+              <a:ext uri="{FF2B5EF4-FFF2-40B4-BE49-F238E27FC236}">
+                <a16:creationId xmlns:a16="http://schemas.microsoft.com/office/drawing/2014/main" id="{0A17E5F8-570F-289B-2B90-56F75D976C04}"/>
+              </a:ext>
+            </a:extLst>
+          </p:cNvPr>
+          <p:cNvSpPr txBox="1"/>
+          <p:nvPr/>
+        </p:nvSpPr>
+        <p:spPr>
+          <a:xfrm>
+            <a:off x="5722791" y="1310451"/>
+            <a:ext cx="193937" cy="307777"/>
+          </a:xfrm>
+          <a:prstGeom prst="rect">
+            <a:avLst/>
+          </a:prstGeom>
+          <a:noFill/>
+        </p:spPr>
+        <p:txBody>
+          <a:bodyPr wrap="square" rtlCol="0">
+            <a:spAutoFit/>
+          </a:bodyPr>
+          <a:lstStyle/>
+          <a:p>
+            <a:pPr algn="l"/>
+            <a:r>
+              <a:rPr lang="en-GB" sz="1400" dirty="0"/>
+              <a:t>3</a:t>
+            </a:r>
+          </a:p>
+        </p:txBody>
+      </p:sp>
+      <p:sp>
+        <p:nvSpPr>
+          <p:cNvPr id="174" name="TextBox 173">
+            <a:extLst>
+              <a:ext uri="{FF2B5EF4-FFF2-40B4-BE49-F238E27FC236}">
+                <a16:creationId xmlns:a16="http://schemas.microsoft.com/office/drawing/2014/main" id="{FA86C767-EED2-2E4F-D63D-C828DCBF5B0B}"/>
+              </a:ext>
+            </a:extLst>
+          </p:cNvPr>
+          <p:cNvSpPr txBox="1"/>
+          <p:nvPr/>
+        </p:nvSpPr>
+        <p:spPr>
+          <a:xfrm>
+            <a:off x="4661349" y="2168086"/>
+            <a:ext cx="1996059" cy="430887"/>
+          </a:xfrm>
+          <a:prstGeom prst="rect">
+            <a:avLst/>
+          </a:prstGeom>
+          <a:noFill/>
+        </p:spPr>
+        <p:txBody>
+          <a:bodyPr wrap="none" rtlCol="0">
+            <a:spAutoFit/>
+          </a:bodyPr>
+          <a:lstStyle/>
+          <a:p>
+            <a:pPr algn="l"/>
+            <a:r>
+              <a:rPr lang="en-GB" sz="1100" dirty="0"/>
+              <a:t>3 picks up </a:t>
+            </a:r>
+            <a:r>
+              <a:rPr lang="en-GB" sz="1100" dirty="0" err="1"/>
+              <a:t>pendingMerge</a:t>
+            </a:r>
+            <a:r>
+              <a:rPr lang="en-GB" sz="1100" dirty="0"/>
+              <a:t> data</a:t>
+            </a:r>
+          </a:p>
+          <a:p>
+            <a:pPr algn="l"/>
+            <a:r>
+              <a:rPr lang="en-GB" sz="1100" dirty="0"/>
+              <a:t>And continues to  4</a:t>
+            </a:r>
+          </a:p>
+        </p:txBody>
+      </p:sp>
+      <p:sp>
+        <p:nvSpPr>
+          <p:cNvPr id="175" name="Free-form: Shape 174">
+            <a:extLst>
+              <a:ext uri="{FF2B5EF4-FFF2-40B4-BE49-F238E27FC236}">
+                <a16:creationId xmlns:a16="http://schemas.microsoft.com/office/drawing/2014/main" id="{4081089C-875D-0F47-0345-6E4BDA3E9110}"/>
+              </a:ext>
+            </a:extLst>
+          </p:cNvPr>
+          <p:cNvSpPr/>
+          <p:nvPr/>
+        </p:nvSpPr>
+        <p:spPr>
+          <a:xfrm>
+            <a:off x="4174142" y="3718807"/>
+            <a:ext cx="815967" cy="2329713"/>
+          </a:xfrm>
+          <a:custGeom>
+            <a:avLst/>
+            <a:gdLst>
+              <a:gd name="connsiteX0" fmla="*/ 622004 w 815967"/>
+              <a:gd name="connsiteY0" fmla="*/ 0 h 2329713"/>
+              <a:gd name="connsiteX1" fmla="*/ 501931 w 815967"/>
+              <a:gd name="connsiteY1" fmla="*/ 138545 h 2329713"/>
+              <a:gd name="connsiteX2" fmla="*/ 492694 w 815967"/>
+              <a:gd name="connsiteY2" fmla="*/ 175491 h 2329713"/>
+              <a:gd name="connsiteX3" fmla="*/ 409567 w 815967"/>
+              <a:gd name="connsiteY3" fmla="*/ 304800 h 2329713"/>
+              <a:gd name="connsiteX4" fmla="*/ 391094 w 815967"/>
+              <a:gd name="connsiteY4" fmla="*/ 360218 h 2329713"/>
+              <a:gd name="connsiteX5" fmla="*/ 326440 w 815967"/>
+              <a:gd name="connsiteY5" fmla="*/ 489527 h 2329713"/>
+              <a:gd name="connsiteX6" fmla="*/ 280258 w 815967"/>
+              <a:gd name="connsiteY6" fmla="*/ 628072 h 2329713"/>
+              <a:gd name="connsiteX7" fmla="*/ 252549 w 815967"/>
+              <a:gd name="connsiteY7" fmla="*/ 683491 h 2329713"/>
+              <a:gd name="connsiteX8" fmla="*/ 206367 w 815967"/>
+              <a:gd name="connsiteY8" fmla="*/ 794327 h 2329713"/>
+              <a:gd name="connsiteX9" fmla="*/ 123240 w 815967"/>
+              <a:gd name="connsiteY9" fmla="*/ 932872 h 2329713"/>
+              <a:gd name="connsiteX10" fmla="*/ 86294 w 815967"/>
+              <a:gd name="connsiteY10" fmla="*/ 1025236 h 2329713"/>
+              <a:gd name="connsiteX11" fmla="*/ 77058 w 815967"/>
+              <a:gd name="connsiteY11" fmla="*/ 1052945 h 2329713"/>
+              <a:gd name="connsiteX12" fmla="*/ 58585 w 815967"/>
+              <a:gd name="connsiteY12" fmla="*/ 1099127 h 2329713"/>
+              <a:gd name="connsiteX13" fmla="*/ 12404 w 815967"/>
+              <a:gd name="connsiteY13" fmla="*/ 1173018 h 2329713"/>
+              <a:gd name="connsiteX14" fmla="*/ 12404 w 815967"/>
+              <a:gd name="connsiteY14" fmla="*/ 1413163 h 2329713"/>
+              <a:gd name="connsiteX15" fmla="*/ 123240 w 815967"/>
+              <a:gd name="connsiteY15" fmla="*/ 1588654 h 2329713"/>
+              <a:gd name="connsiteX16" fmla="*/ 215604 w 815967"/>
+              <a:gd name="connsiteY16" fmla="*/ 1662545 h 2329713"/>
+              <a:gd name="connsiteX17" fmla="*/ 298731 w 815967"/>
+              <a:gd name="connsiteY17" fmla="*/ 1764145 h 2329713"/>
+              <a:gd name="connsiteX18" fmla="*/ 372622 w 815967"/>
+              <a:gd name="connsiteY18" fmla="*/ 1856509 h 2329713"/>
+              <a:gd name="connsiteX19" fmla="*/ 529640 w 815967"/>
+              <a:gd name="connsiteY19" fmla="*/ 2004291 h 2329713"/>
+              <a:gd name="connsiteX20" fmla="*/ 649713 w 815967"/>
+              <a:gd name="connsiteY20" fmla="*/ 2115127 h 2329713"/>
+              <a:gd name="connsiteX21" fmla="*/ 686658 w 815967"/>
+              <a:gd name="connsiteY21" fmla="*/ 2189018 h 2329713"/>
+              <a:gd name="connsiteX22" fmla="*/ 705131 w 815967"/>
+              <a:gd name="connsiteY22" fmla="*/ 2216727 h 2329713"/>
+              <a:gd name="connsiteX23" fmla="*/ 751313 w 815967"/>
+              <a:gd name="connsiteY23" fmla="*/ 2327563 h 2329713"/>
+              <a:gd name="connsiteX24" fmla="*/ 815967 w 815967"/>
+              <a:gd name="connsiteY24" fmla="*/ 2318327 h 2329713"/>
+            </a:gdLst>
+            <a:ahLst/>
+            <a:cxnLst>
+              <a:cxn ang="0">
+                <a:pos x="connsiteX0" y="connsiteY0"/>
+              </a:cxn>
+              <a:cxn ang="0">
+                <a:pos x="connsiteX1" y="connsiteY1"/>
+              </a:cxn>
+              <a:cxn ang="0">
+                <a:pos x="connsiteX2" y="connsiteY2"/>
+              </a:cxn>
+              <a:cxn ang="0">
+                <a:pos x="connsiteX3" y="connsiteY3"/>
+              </a:cxn>
+              <a:cxn ang="0">
+                <a:pos x="connsiteX4" y="connsiteY4"/>
+              </a:cxn>
+              <a:cxn ang="0">
+                <a:pos x="connsiteX5" y="connsiteY5"/>
+              </a:cxn>
+              <a:cxn ang="0">
+                <a:pos x="connsiteX6" y="connsiteY6"/>
+              </a:cxn>
+              <a:cxn ang="0">
+                <a:pos x="connsiteX7" y="connsiteY7"/>
+              </a:cxn>
+              <a:cxn ang="0">
+                <a:pos x="connsiteX8" y="connsiteY8"/>
+              </a:cxn>
+              <a:cxn ang="0">
+                <a:pos x="connsiteX9" y="connsiteY9"/>
+              </a:cxn>
+              <a:cxn ang="0">
+                <a:pos x="connsiteX10" y="connsiteY10"/>
+              </a:cxn>
+              <a:cxn ang="0">
+                <a:pos x="connsiteX11" y="connsiteY11"/>
+              </a:cxn>
+              <a:cxn ang="0">
+                <a:pos x="connsiteX12" y="connsiteY12"/>
+              </a:cxn>
+              <a:cxn ang="0">
+                <a:pos x="connsiteX13" y="connsiteY13"/>
+              </a:cxn>
+              <a:cxn ang="0">
+                <a:pos x="connsiteX14" y="connsiteY14"/>
+              </a:cxn>
+              <a:cxn ang="0">
+                <a:pos x="connsiteX15" y="connsiteY15"/>
+              </a:cxn>
+              <a:cxn ang="0">
+                <a:pos x="connsiteX16" y="connsiteY16"/>
+              </a:cxn>
+              <a:cxn ang="0">
+                <a:pos x="connsiteX17" y="connsiteY17"/>
+              </a:cxn>
+              <a:cxn ang="0">
+                <a:pos x="connsiteX18" y="connsiteY18"/>
+              </a:cxn>
+              <a:cxn ang="0">
+                <a:pos x="connsiteX19" y="connsiteY19"/>
+              </a:cxn>
+              <a:cxn ang="0">
+                <a:pos x="connsiteX20" y="connsiteY20"/>
+              </a:cxn>
+              <a:cxn ang="0">
+                <a:pos x="connsiteX21" y="connsiteY21"/>
+              </a:cxn>
+              <a:cxn ang="0">
+                <a:pos x="connsiteX22" y="connsiteY22"/>
+              </a:cxn>
+              <a:cxn ang="0">
+                <a:pos x="connsiteX23" y="connsiteY23"/>
+              </a:cxn>
+              <a:cxn ang="0">
+                <a:pos x="connsiteX24" y="connsiteY24"/>
+              </a:cxn>
+            </a:cxnLst>
+            <a:rect l="l" t="t" r="r" b="b"/>
+            <a:pathLst>
+              <a:path w="815967" h="2329713">
+                <a:moveTo>
+                  <a:pt x="622004" y="0"/>
+                </a:moveTo>
+                <a:cubicBezTo>
+                  <a:pt x="574362" y="47642"/>
+                  <a:pt x="538821" y="78598"/>
+                  <a:pt x="501931" y="138545"/>
+                </a:cubicBezTo>
+                <a:cubicBezTo>
+                  <a:pt x="495278" y="149356"/>
+                  <a:pt x="498859" y="164394"/>
+                  <a:pt x="492694" y="175491"/>
+                </a:cubicBezTo>
+                <a:cubicBezTo>
+                  <a:pt x="467809" y="220284"/>
+                  <a:pt x="434261" y="259902"/>
+                  <a:pt x="409567" y="304800"/>
+                </a:cubicBezTo>
+                <a:cubicBezTo>
+                  <a:pt x="400183" y="321862"/>
+                  <a:pt x="399085" y="342461"/>
+                  <a:pt x="391094" y="360218"/>
+                </a:cubicBezTo>
+                <a:cubicBezTo>
+                  <a:pt x="371318" y="404164"/>
+                  <a:pt x="344866" y="444998"/>
+                  <a:pt x="326440" y="489527"/>
+                </a:cubicBezTo>
+                <a:cubicBezTo>
+                  <a:pt x="307827" y="534508"/>
+                  <a:pt x="302028" y="584531"/>
+                  <a:pt x="280258" y="628072"/>
+                </a:cubicBezTo>
+                <a:cubicBezTo>
+                  <a:pt x="271022" y="646545"/>
+                  <a:pt x="260937" y="664618"/>
+                  <a:pt x="252549" y="683491"/>
+                </a:cubicBezTo>
+                <a:cubicBezTo>
+                  <a:pt x="236294" y="720066"/>
+                  <a:pt x="226959" y="760007"/>
+                  <a:pt x="206367" y="794327"/>
+                </a:cubicBezTo>
+                <a:cubicBezTo>
+                  <a:pt x="178658" y="840509"/>
+                  <a:pt x="143242" y="882867"/>
+                  <a:pt x="123240" y="932872"/>
+                </a:cubicBezTo>
+                <a:cubicBezTo>
+                  <a:pt x="110925" y="963660"/>
+                  <a:pt x="98198" y="994287"/>
+                  <a:pt x="86294" y="1025236"/>
+                </a:cubicBezTo>
+                <a:cubicBezTo>
+                  <a:pt x="82799" y="1034323"/>
+                  <a:pt x="80476" y="1043829"/>
+                  <a:pt x="77058" y="1052945"/>
+                </a:cubicBezTo>
+                <a:cubicBezTo>
+                  <a:pt x="71236" y="1068469"/>
+                  <a:pt x="66445" y="1084529"/>
+                  <a:pt x="58585" y="1099127"/>
+                </a:cubicBezTo>
+                <a:cubicBezTo>
+                  <a:pt x="44815" y="1124700"/>
+                  <a:pt x="12404" y="1173018"/>
+                  <a:pt x="12404" y="1173018"/>
+                </a:cubicBezTo>
+                <a:cubicBezTo>
+                  <a:pt x="885" y="1265165"/>
+                  <a:pt x="-8502" y="1304454"/>
+                  <a:pt x="12404" y="1413163"/>
+                </a:cubicBezTo>
+                <a:cubicBezTo>
+                  <a:pt x="19846" y="1451861"/>
+                  <a:pt x="106496" y="1575259"/>
+                  <a:pt x="123240" y="1588654"/>
+                </a:cubicBezTo>
+                <a:cubicBezTo>
+                  <a:pt x="154028" y="1613284"/>
+                  <a:pt x="187724" y="1634665"/>
+                  <a:pt x="215604" y="1662545"/>
+                </a:cubicBezTo>
+                <a:cubicBezTo>
+                  <a:pt x="246545" y="1693486"/>
+                  <a:pt x="271697" y="1729737"/>
+                  <a:pt x="298731" y="1764145"/>
+                </a:cubicBezTo>
+                <a:cubicBezTo>
+                  <a:pt x="346490" y="1824929"/>
+                  <a:pt x="275356" y="1759242"/>
+                  <a:pt x="372622" y="1856509"/>
+                </a:cubicBezTo>
+                <a:cubicBezTo>
+                  <a:pt x="423445" y="1907332"/>
+                  <a:pt x="468008" y="1967312"/>
+                  <a:pt x="529640" y="2004291"/>
+                </a:cubicBezTo>
+                <a:cubicBezTo>
+                  <a:pt x="592771" y="2042169"/>
+                  <a:pt x="594545" y="2036972"/>
+                  <a:pt x="649713" y="2115127"/>
+                </a:cubicBezTo>
+                <a:cubicBezTo>
+                  <a:pt x="665593" y="2137624"/>
+                  <a:pt x="673472" y="2164843"/>
+                  <a:pt x="686658" y="2189018"/>
+                </a:cubicBezTo>
+                <a:cubicBezTo>
+                  <a:pt x="691974" y="2198763"/>
+                  <a:pt x="698973" y="2207491"/>
+                  <a:pt x="705131" y="2216727"/>
+                </a:cubicBezTo>
+                <a:cubicBezTo>
+                  <a:pt x="708517" y="2228577"/>
+                  <a:pt x="728107" y="2318280"/>
+                  <a:pt x="751313" y="2327563"/>
+                </a:cubicBezTo>
+                <a:cubicBezTo>
+                  <a:pt x="771526" y="2335648"/>
+                  <a:pt x="815967" y="2318327"/>
+                  <a:pt x="815967" y="2318327"/>
+                </a:cubicBezTo>
+              </a:path>
+            </a:pathLst>
+          </a:custGeom>
+          <a:noFill/>
+        </p:spPr>
+        <p:style>
+          <a:lnRef idx="2">
+            <a:schemeClr val="accent1">
+              <a:shade val="15000"/>
+            </a:schemeClr>
+          </a:lnRef>
+          <a:fillRef idx="1">
+            <a:schemeClr val="accent1"/>
+          </a:fillRef>
+          <a:effectRef idx="0">
+            <a:schemeClr val="accent1"/>
+          </a:effectRef>
+          <a:fontRef idx="minor">
+            <a:schemeClr val="lt1"/>
+          </a:fontRef>
+        </p:style>
+        <p:txBody>
+          <a:bodyPr rtlCol="0" anchor="ctr"/>
+          <a:lstStyle/>
+          <a:p>
+            <a:pPr algn="ctr"/>
+            <a:endParaRPr lang="en-GB"/>
+          </a:p>
+        </p:txBody>
+      </p:sp>
+      <p:sp>
+        <p:nvSpPr>
+          <p:cNvPr id="176" name="TextBox 175">
+            <a:extLst>
+              <a:ext uri="{FF2B5EF4-FFF2-40B4-BE49-F238E27FC236}">
+                <a16:creationId xmlns:a16="http://schemas.microsoft.com/office/drawing/2014/main" id="{18927812-3FE5-2777-06DA-20362BAE325A}"/>
+              </a:ext>
+            </a:extLst>
+          </p:cNvPr>
+          <p:cNvSpPr txBox="1"/>
+          <p:nvPr/>
+        </p:nvSpPr>
+        <p:spPr>
+          <a:xfrm>
+            <a:off x="4260093" y="4603386"/>
+            <a:ext cx="193937" cy="307777"/>
+          </a:xfrm>
+          <a:prstGeom prst="rect">
+            <a:avLst/>
+          </a:prstGeom>
+          <a:noFill/>
+        </p:spPr>
+        <p:txBody>
+          <a:bodyPr wrap="square" rtlCol="0">
+            <a:spAutoFit/>
+          </a:bodyPr>
+          <a:lstStyle/>
+          <a:p>
+            <a:pPr algn="l"/>
+            <a:r>
+              <a:rPr lang="en-GB" sz="1400" dirty="0"/>
+              <a:t>4</a:t>
+            </a:r>
+          </a:p>
+        </p:txBody>
+      </p:sp>
+      <p:sp>
+        <p:nvSpPr>
+          <p:cNvPr id="177" name="Free-form: Shape 176">
+            <a:extLst>
+              <a:ext uri="{FF2B5EF4-FFF2-40B4-BE49-F238E27FC236}">
+                <a16:creationId xmlns:a16="http://schemas.microsoft.com/office/drawing/2014/main" id="{52D5A5F5-36FA-4B60-A629-4DED6B84458B}"/>
+              </a:ext>
+            </a:extLst>
+          </p:cNvPr>
+          <p:cNvSpPr/>
+          <p:nvPr/>
+        </p:nvSpPr>
+        <p:spPr>
+          <a:xfrm>
+            <a:off x="4888509" y="3681861"/>
+            <a:ext cx="1542473" cy="508000"/>
+          </a:xfrm>
+          <a:custGeom>
+            <a:avLst/>
+            <a:gdLst>
+              <a:gd name="connsiteX0" fmla="*/ 0 w 1542473"/>
+              <a:gd name="connsiteY0" fmla="*/ 0 h 508000"/>
+              <a:gd name="connsiteX1" fmla="*/ 350982 w 1542473"/>
+              <a:gd name="connsiteY1" fmla="*/ 27709 h 508000"/>
+              <a:gd name="connsiteX2" fmla="*/ 535709 w 1542473"/>
+              <a:gd name="connsiteY2" fmla="*/ 64655 h 508000"/>
+              <a:gd name="connsiteX3" fmla="*/ 563418 w 1542473"/>
+              <a:gd name="connsiteY3" fmla="*/ 83127 h 508000"/>
+              <a:gd name="connsiteX4" fmla="*/ 692727 w 1542473"/>
+              <a:gd name="connsiteY4" fmla="*/ 92364 h 508000"/>
+              <a:gd name="connsiteX5" fmla="*/ 711200 w 1542473"/>
+              <a:gd name="connsiteY5" fmla="*/ 175491 h 508000"/>
+              <a:gd name="connsiteX6" fmla="*/ 729673 w 1542473"/>
+              <a:gd name="connsiteY6" fmla="*/ 203200 h 508000"/>
+              <a:gd name="connsiteX7" fmla="*/ 858982 w 1542473"/>
+              <a:gd name="connsiteY7" fmla="*/ 277091 h 508000"/>
+              <a:gd name="connsiteX8" fmla="*/ 1025237 w 1542473"/>
+              <a:gd name="connsiteY8" fmla="*/ 332509 h 508000"/>
+              <a:gd name="connsiteX9" fmla="*/ 1136073 w 1542473"/>
+              <a:gd name="connsiteY9" fmla="*/ 387927 h 508000"/>
+              <a:gd name="connsiteX10" fmla="*/ 1173018 w 1542473"/>
+              <a:gd name="connsiteY10" fmla="*/ 397164 h 508000"/>
+              <a:gd name="connsiteX11" fmla="*/ 1274618 w 1542473"/>
+              <a:gd name="connsiteY11" fmla="*/ 415637 h 508000"/>
+              <a:gd name="connsiteX12" fmla="*/ 1413164 w 1542473"/>
+              <a:gd name="connsiteY12" fmla="*/ 452582 h 508000"/>
+              <a:gd name="connsiteX13" fmla="*/ 1542473 w 1542473"/>
+              <a:gd name="connsiteY13" fmla="*/ 508000 h 508000"/>
+            </a:gdLst>
+            <a:ahLst/>
+            <a:cxnLst>
+              <a:cxn ang="0">
+                <a:pos x="connsiteX0" y="connsiteY0"/>
+              </a:cxn>
+              <a:cxn ang="0">
+                <a:pos x="connsiteX1" y="connsiteY1"/>
+              </a:cxn>
+              <a:cxn ang="0">
+                <a:pos x="connsiteX2" y="connsiteY2"/>
+              </a:cxn>
+              <a:cxn ang="0">
+                <a:pos x="connsiteX3" y="connsiteY3"/>
+              </a:cxn>
+              <a:cxn ang="0">
+                <a:pos x="connsiteX4" y="connsiteY4"/>
+              </a:cxn>
+              <a:cxn ang="0">
+                <a:pos x="connsiteX5" y="connsiteY5"/>
+              </a:cxn>
+              <a:cxn ang="0">
+                <a:pos x="connsiteX6" y="connsiteY6"/>
+              </a:cxn>
+              <a:cxn ang="0">
+                <a:pos x="connsiteX7" y="connsiteY7"/>
+              </a:cxn>
+              <a:cxn ang="0">
+                <a:pos x="connsiteX8" y="connsiteY8"/>
+              </a:cxn>
+              <a:cxn ang="0">
+                <a:pos x="connsiteX9" y="connsiteY9"/>
+              </a:cxn>
+              <a:cxn ang="0">
+                <a:pos x="connsiteX10" y="connsiteY10"/>
+              </a:cxn>
+              <a:cxn ang="0">
+                <a:pos x="connsiteX11" y="connsiteY11"/>
+              </a:cxn>
+              <a:cxn ang="0">
+                <a:pos x="connsiteX12" y="connsiteY12"/>
+              </a:cxn>
+              <a:cxn ang="0">
+                <a:pos x="connsiteX13" y="connsiteY13"/>
+              </a:cxn>
+            </a:cxnLst>
+            <a:rect l="l" t="t" r="r" b="b"/>
+            <a:pathLst>
+              <a:path w="1542473" h="508000">
+                <a:moveTo>
+                  <a:pt x="0" y="0"/>
+                </a:moveTo>
+                <a:cubicBezTo>
+                  <a:pt x="183292" y="9648"/>
+                  <a:pt x="168383" y="5797"/>
+                  <a:pt x="350982" y="27709"/>
+                </a:cubicBezTo>
+                <a:cubicBezTo>
+                  <a:pt x="400918" y="33701"/>
+                  <a:pt x="503340" y="57719"/>
+                  <a:pt x="535709" y="64655"/>
+                </a:cubicBezTo>
+                <a:cubicBezTo>
+                  <a:pt x="544945" y="70812"/>
+                  <a:pt x="552486" y="81198"/>
+                  <a:pt x="563418" y="83127"/>
+                </a:cubicBezTo>
+                <a:cubicBezTo>
+                  <a:pt x="605973" y="90637"/>
+                  <a:pt x="656083" y="69461"/>
+                  <a:pt x="692727" y="92364"/>
+                </a:cubicBezTo>
+                <a:cubicBezTo>
+                  <a:pt x="716797" y="107408"/>
+                  <a:pt x="702224" y="148563"/>
+                  <a:pt x="711200" y="175491"/>
+                </a:cubicBezTo>
+                <a:cubicBezTo>
+                  <a:pt x="714710" y="186022"/>
+                  <a:pt x="721824" y="195351"/>
+                  <a:pt x="729673" y="203200"/>
+                </a:cubicBezTo>
+                <a:cubicBezTo>
+                  <a:pt x="770839" y="244366"/>
+                  <a:pt x="801973" y="254783"/>
+                  <a:pt x="858982" y="277091"/>
+                </a:cubicBezTo>
+                <a:cubicBezTo>
+                  <a:pt x="966099" y="319006"/>
+                  <a:pt x="953359" y="314540"/>
+                  <a:pt x="1025237" y="332509"/>
+                </a:cubicBezTo>
+                <a:cubicBezTo>
+                  <a:pt x="1062182" y="350982"/>
+                  <a:pt x="1098230" y="371371"/>
+                  <a:pt x="1136073" y="387927"/>
+                </a:cubicBezTo>
+                <a:cubicBezTo>
+                  <a:pt x="1147703" y="393015"/>
+                  <a:pt x="1160570" y="394674"/>
+                  <a:pt x="1173018" y="397164"/>
+                </a:cubicBezTo>
+                <a:cubicBezTo>
+                  <a:pt x="1206771" y="403915"/>
+                  <a:pt x="1240751" y="409479"/>
+                  <a:pt x="1274618" y="415637"/>
+                </a:cubicBezTo>
+                <a:cubicBezTo>
+                  <a:pt x="1336070" y="456604"/>
+                  <a:pt x="1282678" y="426484"/>
+                  <a:pt x="1413164" y="452582"/>
+                </a:cubicBezTo>
+                <a:cubicBezTo>
+                  <a:pt x="1498368" y="469623"/>
+                  <a:pt x="1474872" y="462933"/>
+                  <a:pt x="1542473" y="508000"/>
+                </a:cubicBezTo>
+              </a:path>
+            </a:pathLst>
+          </a:custGeom>
+          <a:noFill/>
+        </p:spPr>
+        <p:style>
+          <a:lnRef idx="2">
+            <a:schemeClr val="accent1">
+              <a:shade val="15000"/>
+            </a:schemeClr>
+          </a:lnRef>
+          <a:fillRef idx="1">
+            <a:schemeClr val="accent1"/>
+          </a:fillRef>
+          <a:effectRef idx="0">
+            <a:schemeClr val="accent1"/>
+          </a:effectRef>
+          <a:fontRef idx="minor">
+            <a:schemeClr val="lt1"/>
+          </a:fontRef>
+        </p:style>
+        <p:txBody>
+          <a:bodyPr rtlCol="0" anchor="ctr"/>
+          <a:lstStyle/>
+          <a:p>
+            <a:pPr algn="ctr"/>
+            <a:endParaRPr lang="en-GB"/>
+          </a:p>
+        </p:txBody>
+      </p:sp>
+      <p:sp>
+        <p:nvSpPr>
+          <p:cNvPr id="179" name="TextBox 178">
+            <a:extLst>
+              <a:ext uri="{FF2B5EF4-FFF2-40B4-BE49-F238E27FC236}">
+                <a16:creationId xmlns:a16="http://schemas.microsoft.com/office/drawing/2014/main" id="{E854E203-CEDE-8ECF-0DBC-E445DFF547C0}"/>
+              </a:ext>
+            </a:extLst>
+          </p:cNvPr>
+          <p:cNvSpPr txBox="1"/>
+          <p:nvPr/>
+        </p:nvSpPr>
+        <p:spPr>
+          <a:xfrm>
+            <a:off x="5551726" y="3973569"/>
+            <a:ext cx="193937" cy="307777"/>
+          </a:xfrm>
+          <a:prstGeom prst="rect">
+            <a:avLst/>
+          </a:prstGeom>
+          <a:noFill/>
+        </p:spPr>
+        <p:txBody>
+          <a:bodyPr wrap="square" rtlCol="0">
+            <a:spAutoFit/>
+          </a:bodyPr>
+          <a:lstStyle/>
+          <a:p>
+            <a:pPr algn="l"/>
+            <a:r>
+              <a:rPr lang="en-GB" sz="1400" dirty="0"/>
+              <a:t>5</a:t>
+            </a:r>
+          </a:p>
+        </p:txBody>
+      </p:sp>
+      <p:sp>
+        <p:nvSpPr>
+          <p:cNvPr id="182" name="Free-form: Shape 181">
+            <a:extLst>
+              <a:ext uri="{FF2B5EF4-FFF2-40B4-BE49-F238E27FC236}">
+                <a16:creationId xmlns:a16="http://schemas.microsoft.com/office/drawing/2014/main" id="{5D84BDD3-5FB9-411F-130E-5402898BE794}"/>
+              </a:ext>
+            </a:extLst>
+          </p:cNvPr>
+          <p:cNvSpPr/>
+          <p:nvPr/>
+        </p:nvSpPr>
+        <p:spPr>
+          <a:xfrm>
+            <a:off x="5912810" y="4217570"/>
+            <a:ext cx="453517" cy="1090616"/>
+          </a:xfrm>
+          <a:custGeom>
+            <a:avLst/>
+            <a:gdLst>
+              <a:gd name="connsiteX0" fmla="*/ 398099 w 453517"/>
+              <a:gd name="connsiteY0" fmla="*/ 0 h 1090616"/>
+              <a:gd name="connsiteX1" fmla="*/ 305736 w 453517"/>
+              <a:gd name="connsiteY1" fmla="*/ 36946 h 1090616"/>
+              <a:gd name="connsiteX2" fmla="*/ 93299 w 453517"/>
+              <a:gd name="connsiteY2" fmla="*/ 166255 h 1090616"/>
+              <a:gd name="connsiteX3" fmla="*/ 65590 w 453517"/>
+              <a:gd name="connsiteY3" fmla="*/ 203200 h 1090616"/>
+              <a:gd name="connsiteX4" fmla="*/ 19408 w 453517"/>
+              <a:gd name="connsiteY4" fmla="*/ 277091 h 1090616"/>
+              <a:gd name="connsiteX5" fmla="*/ 936 w 453517"/>
+              <a:gd name="connsiteY5" fmla="*/ 387928 h 1090616"/>
+              <a:gd name="connsiteX6" fmla="*/ 19408 w 453517"/>
+              <a:gd name="connsiteY6" fmla="*/ 711200 h 1090616"/>
+              <a:gd name="connsiteX7" fmla="*/ 28645 w 453517"/>
+              <a:gd name="connsiteY7" fmla="*/ 766618 h 1090616"/>
+              <a:gd name="connsiteX8" fmla="*/ 47117 w 453517"/>
+              <a:gd name="connsiteY8" fmla="*/ 803564 h 1090616"/>
+              <a:gd name="connsiteX9" fmla="*/ 65590 w 453517"/>
+              <a:gd name="connsiteY9" fmla="*/ 849746 h 1090616"/>
+              <a:gd name="connsiteX10" fmla="*/ 148717 w 453517"/>
+              <a:gd name="connsiteY10" fmla="*/ 979055 h 1090616"/>
+              <a:gd name="connsiteX11" fmla="*/ 194899 w 453517"/>
+              <a:gd name="connsiteY11" fmla="*/ 997528 h 1090616"/>
+              <a:gd name="connsiteX12" fmla="*/ 231845 w 453517"/>
+              <a:gd name="connsiteY12" fmla="*/ 1025237 h 1090616"/>
+              <a:gd name="connsiteX13" fmla="*/ 388863 w 453517"/>
+              <a:gd name="connsiteY13" fmla="*/ 1071418 h 1090616"/>
+              <a:gd name="connsiteX14" fmla="*/ 453517 w 453517"/>
+              <a:gd name="connsiteY14" fmla="*/ 1071418 h 1090616"/>
+            </a:gdLst>
+            <a:ahLst/>
+            <a:cxnLst>
+              <a:cxn ang="0">
+                <a:pos x="connsiteX0" y="connsiteY0"/>
+              </a:cxn>
+              <a:cxn ang="0">
+                <a:pos x="connsiteX1" y="connsiteY1"/>
+              </a:cxn>
+              <a:cxn ang="0">
+                <a:pos x="connsiteX2" y="connsiteY2"/>
+              </a:cxn>
+              <a:cxn ang="0">
+                <a:pos x="connsiteX3" y="connsiteY3"/>
+              </a:cxn>
+              <a:cxn ang="0">
+                <a:pos x="connsiteX4" y="connsiteY4"/>
+              </a:cxn>
+              <a:cxn ang="0">
+                <a:pos x="connsiteX5" y="connsiteY5"/>
+              </a:cxn>
+              <a:cxn ang="0">
+                <a:pos x="connsiteX6" y="connsiteY6"/>
+              </a:cxn>
+              <a:cxn ang="0">
+                <a:pos x="connsiteX7" y="connsiteY7"/>
+              </a:cxn>
+              <a:cxn ang="0">
+                <a:pos x="connsiteX8" y="connsiteY8"/>
+              </a:cxn>
+              <a:cxn ang="0">
+                <a:pos x="connsiteX9" y="connsiteY9"/>
+              </a:cxn>
+              <a:cxn ang="0">
+                <a:pos x="connsiteX10" y="connsiteY10"/>
+              </a:cxn>
+              <a:cxn ang="0">
+                <a:pos x="connsiteX11" y="connsiteY11"/>
+              </a:cxn>
+              <a:cxn ang="0">
+                <a:pos x="connsiteX12" y="connsiteY12"/>
+              </a:cxn>
+              <a:cxn ang="0">
+                <a:pos x="connsiteX13" y="connsiteY13"/>
+              </a:cxn>
+              <a:cxn ang="0">
+                <a:pos x="connsiteX14" y="connsiteY14"/>
+              </a:cxn>
+            </a:cxnLst>
+            <a:rect l="l" t="t" r="r" b="b"/>
+            <a:pathLst>
+              <a:path w="453517" h="1090616">
+                <a:moveTo>
+                  <a:pt x="398099" y="0"/>
+                </a:moveTo>
+                <a:cubicBezTo>
+                  <a:pt x="367311" y="12315"/>
+                  <a:pt x="336037" y="23479"/>
+                  <a:pt x="305736" y="36946"/>
+                </a:cubicBezTo>
+                <a:cubicBezTo>
+                  <a:pt x="229489" y="70834"/>
+                  <a:pt x="159445" y="114808"/>
+                  <a:pt x="93299" y="166255"/>
+                </a:cubicBezTo>
+                <a:cubicBezTo>
+                  <a:pt x="81148" y="175706"/>
+                  <a:pt x="74129" y="190392"/>
+                  <a:pt x="65590" y="203200"/>
+                </a:cubicBezTo>
+                <a:cubicBezTo>
+                  <a:pt x="49479" y="227367"/>
+                  <a:pt x="34802" y="252461"/>
+                  <a:pt x="19408" y="277091"/>
+                </a:cubicBezTo>
+                <a:cubicBezTo>
+                  <a:pt x="9681" y="316002"/>
+                  <a:pt x="936" y="344685"/>
+                  <a:pt x="936" y="387928"/>
+                </a:cubicBezTo>
+                <a:cubicBezTo>
+                  <a:pt x="936" y="707515"/>
+                  <a:pt x="-6293" y="569844"/>
+                  <a:pt x="19408" y="711200"/>
+                </a:cubicBezTo>
+                <a:cubicBezTo>
+                  <a:pt x="22758" y="729625"/>
+                  <a:pt x="23264" y="748680"/>
+                  <a:pt x="28645" y="766618"/>
+                </a:cubicBezTo>
+                <a:cubicBezTo>
+                  <a:pt x="32601" y="779806"/>
+                  <a:pt x="41525" y="790982"/>
+                  <a:pt x="47117" y="803564"/>
+                </a:cubicBezTo>
+                <a:cubicBezTo>
+                  <a:pt x="53851" y="818715"/>
+                  <a:pt x="58579" y="834722"/>
+                  <a:pt x="65590" y="849746"/>
+                </a:cubicBezTo>
+                <a:cubicBezTo>
+                  <a:pt x="86985" y="895593"/>
+                  <a:pt x="103915" y="949186"/>
+                  <a:pt x="148717" y="979055"/>
+                </a:cubicBezTo>
+                <a:cubicBezTo>
+                  <a:pt x="162512" y="988252"/>
+                  <a:pt x="180406" y="989476"/>
+                  <a:pt x="194899" y="997528"/>
+                </a:cubicBezTo>
+                <a:cubicBezTo>
+                  <a:pt x="208356" y="1005004"/>
+                  <a:pt x="217459" y="1019757"/>
+                  <a:pt x="231845" y="1025237"/>
+                </a:cubicBezTo>
+                <a:cubicBezTo>
+                  <a:pt x="282827" y="1044658"/>
+                  <a:pt x="336875" y="1054877"/>
+                  <a:pt x="388863" y="1071418"/>
+                </a:cubicBezTo>
+                <a:cubicBezTo>
+                  <a:pt x="446499" y="1089756"/>
+                  <a:pt x="421552" y="1103384"/>
+                  <a:pt x="453517" y="1071418"/>
+                </a:cubicBezTo>
+              </a:path>
+            </a:pathLst>
+          </a:custGeom>
+        </p:spPr>
+        <p:style>
+          <a:lnRef idx="1">
+            <a:schemeClr val="accent4"/>
+          </a:lnRef>
+          <a:fillRef idx="0">
+            <a:schemeClr val="accent4"/>
+          </a:fillRef>
+          <a:effectRef idx="0">
+            <a:schemeClr val="accent4"/>
+          </a:effectRef>
+          <a:fontRef idx="minor">
+            <a:schemeClr val="tx1"/>
+          </a:fontRef>
+        </p:style>
+        <p:txBody>
+          <a:bodyPr rtlCol="0" anchor="ctr"/>
+          <a:lstStyle/>
+          <a:p>
+            <a:pPr algn="ctr"/>
+            <a:endParaRPr lang="en-GB"/>
+          </a:p>
+        </p:txBody>
+      </p:sp>
+      <p:sp>
+        <p:nvSpPr>
+          <p:cNvPr id="183" name="Free-form: Shape 182">
+            <a:extLst>
+              <a:ext uri="{FF2B5EF4-FFF2-40B4-BE49-F238E27FC236}">
+                <a16:creationId xmlns:a16="http://schemas.microsoft.com/office/drawing/2014/main" id="{BA88EEDA-4AEE-108F-3D07-9917704AE773}"/>
+              </a:ext>
+            </a:extLst>
+          </p:cNvPr>
+          <p:cNvSpPr/>
+          <p:nvPr/>
+        </p:nvSpPr>
+        <p:spPr>
+          <a:xfrm>
+            <a:off x="5378036" y="4263752"/>
+            <a:ext cx="1413164" cy="2093508"/>
+          </a:xfrm>
+          <a:custGeom>
+            <a:avLst/>
+            <a:gdLst>
+              <a:gd name="connsiteX0" fmla="*/ 1339273 w 1413164"/>
+              <a:gd name="connsiteY0" fmla="*/ 0 h 2093508"/>
+              <a:gd name="connsiteX1" fmla="*/ 1366982 w 1413164"/>
+              <a:gd name="connsiteY1" fmla="*/ 203200 h 2093508"/>
+              <a:gd name="connsiteX2" fmla="*/ 1394691 w 1413164"/>
+              <a:gd name="connsiteY2" fmla="*/ 443346 h 2093508"/>
+              <a:gd name="connsiteX3" fmla="*/ 1413164 w 1413164"/>
+              <a:gd name="connsiteY3" fmla="*/ 517236 h 2093508"/>
+              <a:gd name="connsiteX4" fmla="*/ 1403928 w 1413164"/>
+              <a:gd name="connsiteY4" fmla="*/ 858982 h 2093508"/>
+              <a:gd name="connsiteX5" fmla="*/ 1394691 w 1413164"/>
+              <a:gd name="connsiteY5" fmla="*/ 914400 h 2093508"/>
+              <a:gd name="connsiteX6" fmla="*/ 1366982 w 1413164"/>
+              <a:gd name="connsiteY6" fmla="*/ 969818 h 2093508"/>
+              <a:gd name="connsiteX7" fmla="*/ 1339273 w 1413164"/>
+              <a:gd name="connsiteY7" fmla="*/ 997527 h 2093508"/>
+              <a:gd name="connsiteX8" fmla="*/ 1320800 w 1413164"/>
+              <a:gd name="connsiteY8" fmla="*/ 1145309 h 2093508"/>
+              <a:gd name="connsiteX9" fmla="*/ 1330037 w 1413164"/>
+              <a:gd name="connsiteY9" fmla="*/ 1597891 h 2093508"/>
+              <a:gd name="connsiteX10" fmla="*/ 1339273 w 1413164"/>
+              <a:gd name="connsiteY10" fmla="*/ 1653309 h 2093508"/>
+              <a:gd name="connsiteX11" fmla="*/ 1357746 w 1413164"/>
+              <a:gd name="connsiteY11" fmla="*/ 1764146 h 2093508"/>
+              <a:gd name="connsiteX12" fmla="*/ 1376219 w 1413164"/>
+              <a:gd name="connsiteY12" fmla="*/ 1976582 h 2093508"/>
+              <a:gd name="connsiteX13" fmla="*/ 1265382 w 1413164"/>
+              <a:gd name="connsiteY13" fmla="*/ 2087418 h 2093508"/>
+              <a:gd name="connsiteX14" fmla="*/ 979055 w 1413164"/>
+              <a:gd name="connsiteY14" fmla="*/ 2059709 h 2093508"/>
+              <a:gd name="connsiteX15" fmla="*/ 914400 w 1413164"/>
+              <a:gd name="connsiteY15" fmla="*/ 2041236 h 2093508"/>
+              <a:gd name="connsiteX16" fmla="*/ 831273 w 1413164"/>
+              <a:gd name="connsiteY16" fmla="*/ 2032000 h 2093508"/>
+              <a:gd name="connsiteX17" fmla="*/ 489528 w 1413164"/>
+              <a:gd name="connsiteY17" fmla="*/ 1985818 h 2093508"/>
+              <a:gd name="connsiteX18" fmla="*/ 406400 w 1413164"/>
+              <a:gd name="connsiteY18" fmla="*/ 1967346 h 2093508"/>
+              <a:gd name="connsiteX19" fmla="*/ 175491 w 1413164"/>
+              <a:gd name="connsiteY19" fmla="*/ 1948873 h 2093508"/>
+              <a:gd name="connsiteX20" fmla="*/ 55419 w 1413164"/>
+              <a:gd name="connsiteY20" fmla="*/ 1930400 h 2093508"/>
+              <a:gd name="connsiteX21" fmla="*/ 0 w 1413164"/>
+              <a:gd name="connsiteY21" fmla="*/ 1930400 h 2093508"/>
+            </a:gdLst>
+            <a:ahLst/>
+            <a:cxnLst>
+              <a:cxn ang="0">
+                <a:pos x="connsiteX0" y="connsiteY0"/>
+              </a:cxn>
+              <a:cxn ang="0">
+                <a:pos x="connsiteX1" y="connsiteY1"/>
+              </a:cxn>
+              <a:cxn ang="0">
+                <a:pos x="connsiteX2" y="connsiteY2"/>
+              </a:cxn>
+              <a:cxn ang="0">
+                <a:pos x="connsiteX3" y="connsiteY3"/>
+              </a:cxn>
+              <a:cxn ang="0">
+                <a:pos x="connsiteX4" y="connsiteY4"/>
+              </a:cxn>
+              <a:cxn ang="0">
+                <a:pos x="connsiteX5" y="connsiteY5"/>
+              </a:cxn>
+              <a:cxn ang="0">
+                <a:pos x="connsiteX6" y="connsiteY6"/>
+              </a:cxn>
+              <a:cxn ang="0">
+                <a:pos x="connsiteX7" y="connsiteY7"/>
+              </a:cxn>
+              <a:cxn ang="0">
+                <a:pos x="connsiteX8" y="connsiteY8"/>
+              </a:cxn>
+              <a:cxn ang="0">
+                <a:pos x="connsiteX9" y="connsiteY9"/>
+              </a:cxn>
+              <a:cxn ang="0">
+                <a:pos x="connsiteX10" y="connsiteY10"/>
+              </a:cxn>
+              <a:cxn ang="0">
+                <a:pos x="connsiteX11" y="connsiteY11"/>
+              </a:cxn>
+              <a:cxn ang="0">
+                <a:pos x="connsiteX12" y="connsiteY12"/>
+              </a:cxn>
+              <a:cxn ang="0">
+                <a:pos x="connsiteX13" y="connsiteY13"/>
+              </a:cxn>
+              <a:cxn ang="0">
+                <a:pos x="connsiteX14" y="connsiteY14"/>
+              </a:cxn>
+              <a:cxn ang="0">
+                <a:pos x="connsiteX15" y="connsiteY15"/>
+              </a:cxn>
+              <a:cxn ang="0">
+                <a:pos x="connsiteX16" y="connsiteY16"/>
+              </a:cxn>
+              <a:cxn ang="0">
+                <a:pos x="connsiteX17" y="connsiteY17"/>
+              </a:cxn>
+              <a:cxn ang="0">
+                <a:pos x="connsiteX18" y="connsiteY18"/>
+              </a:cxn>
+              <a:cxn ang="0">
+                <a:pos x="connsiteX19" y="connsiteY19"/>
+              </a:cxn>
+              <a:cxn ang="0">
+                <a:pos x="connsiteX20" y="connsiteY20"/>
+              </a:cxn>
+              <a:cxn ang="0">
+                <a:pos x="connsiteX21" y="connsiteY21"/>
+              </a:cxn>
+            </a:cxnLst>
+            <a:rect l="l" t="t" r="r" b="b"/>
+            <a:pathLst>
+              <a:path w="1413164" h="2093508">
+                <a:moveTo>
+                  <a:pt x="1339273" y="0"/>
+                </a:moveTo>
+                <a:cubicBezTo>
+                  <a:pt x="1348509" y="67733"/>
+                  <a:pt x="1360793" y="135121"/>
+                  <a:pt x="1366982" y="203200"/>
+                </a:cubicBezTo>
+                <a:cubicBezTo>
+                  <a:pt x="1374848" y="289721"/>
+                  <a:pt x="1379383" y="355321"/>
+                  <a:pt x="1394691" y="443346"/>
+                </a:cubicBezTo>
+                <a:cubicBezTo>
+                  <a:pt x="1399041" y="468359"/>
+                  <a:pt x="1407006" y="492606"/>
+                  <a:pt x="1413164" y="517236"/>
+                </a:cubicBezTo>
+                <a:cubicBezTo>
+                  <a:pt x="1410085" y="631151"/>
+                  <a:pt x="1409223" y="745148"/>
+                  <a:pt x="1403928" y="858982"/>
+                </a:cubicBezTo>
+                <a:cubicBezTo>
+                  <a:pt x="1403058" y="877689"/>
+                  <a:pt x="1400613" y="896634"/>
+                  <a:pt x="1394691" y="914400"/>
+                </a:cubicBezTo>
+                <a:cubicBezTo>
+                  <a:pt x="1388160" y="933993"/>
+                  <a:pt x="1378438" y="952634"/>
+                  <a:pt x="1366982" y="969818"/>
+                </a:cubicBezTo>
+                <a:cubicBezTo>
+                  <a:pt x="1359736" y="980686"/>
+                  <a:pt x="1348509" y="988291"/>
+                  <a:pt x="1339273" y="997527"/>
+                </a:cubicBezTo>
+                <a:cubicBezTo>
+                  <a:pt x="1324570" y="1056343"/>
+                  <a:pt x="1320800" y="1062990"/>
+                  <a:pt x="1320800" y="1145309"/>
+                </a:cubicBezTo>
+                <a:cubicBezTo>
+                  <a:pt x="1320800" y="1296201"/>
+                  <a:pt x="1324554" y="1447099"/>
+                  <a:pt x="1330037" y="1597891"/>
+                </a:cubicBezTo>
+                <a:cubicBezTo>
+                  <a:pt x="1330718" y="1616606"/>
+                  <a:pt x="1335923" y="1634884"/>
+                  <a:pt x="1339273" y="1653309"/>
+                </a:cubicBezTo>
+                <a:cubicBezTo>
+                  <a:pt x="1348349" y="1703224"/>
+                  <a:pt x="1352435" y="1708376"/>
+                  <a:pt x="1357746" y="1764146"/>
+                </a:cubicBezTo>
+                <a:cubicBezTo>
+                  <a:pt x="1395135" y="2156751"/>
+                  <a:pt x="1345327" y="1698577"/>
+                  <a:pt x="1376219" y="1976582"/>
+                </a:cubicBezTo>
+                <a:cubicBezTo>
+                  <a:pt x="1339273" y="2013527"/>
+                  <a:pt x="1315994" y="2074441"/>
+                  <a:pt x="1265382" y="2087418"/>
+                </a:cubicBezTo>
+                <a:cubicBezTo>
+                  <a:pt x="1200210" y="2104129"/>
+                  <a:pt x="1066885" y="2083663"/>
+                  <a:pt x="979055" y="2059709"/>
+                </a:cubicBezTo>
+                <a:cubicBezTo>
+                  <a:pt x="957431" y="2053811"/>
+                  <a:pt x="936430" y="2045367"/>
+                  <a:pt x="914400" y="2041236"/>
+                </a:cubicBezTo>
+                <a:cubicBezTo>
+                  <a:pt x="886998" y="2036098"/>
+                  <a:pt x="858856" y="2036056"/>
+                  <a:pt x="831273" y="2032000"/>
+                </a:cubicBezTo>
+                <a:cubicBezTo>
+                  <a:pt x="509420" y="1984670"/>
+                  <a:pt x="703886" y="2003682"/>
+                  <a:pt x="489528" y="1985818"/>
+                </a:cubicBezTo>
+                <a:cubicBezTo>
+                  <a:pt x="461819" y="1979661"/>
+                  <a:pt x="434438" y="1971773"/>
+                  <a:pt x="406400" y="1967346"/>
+                </a:cubicBezTo>
+                <a:cubicBezTo>
+                  <a:pt x="355810" y="1959358"/>
+                  <a:pt x="213530" y="1951409"/>
+                  <a:pt x="175491" y="1948873"/>
+                </a:cubicBezTo>
+                <a:cubicBezTo>
+                  <a:pt x="151168" y="1944819"/>
+                  <a:pt x="77502" y="1932099"/>
+                  <a:pt x="55419" y="1930400"/>
+                </a:cubicBezTo>
+                <a:cubicBezTo>
+                  <a:pt x="37000" y="1928983"/>
+                  <a:pt x="18473" y="1930400"/>
+                  <a:pt x="0" y="1930400"/>
+                </a:cubicBezTo>
+              </a:path>
+            </a:pathLst>
+          </a:custGeom>
+        </p:spPr>
+        <p:style>
+          <a:lnRef idx="1">
+            <a:schemeClr val="accent4"/>
+          </a:lnRef>
+          <a:fillRef idx="0">
+            <a:schemeClr val="accent4"/>
+          </a:fillRef>
+          <a:effectRef idx="0">
+            <a:schemeClr val="accent4"/>
+          </a:effectRef>
+          <a:fontRef idx="minor">
+            <a:schemeClr val="tx1"/>
+          </a:fontRef>
+        </p:style>
+        <p:txBody>
+          <a:bodyPr rtlCol="0" anchor="ctr"/>
+          <a:lstStyle/>
+          <a:p>
+            <a:pPr algn="ctr"/>
+            <a:endParaRPr lang="en-GB"/>
+          </a:p>
+        </p:txBody>
+      </p:sp>
+      <p:sp>
+        <p:nvSpPr>
+          <p:cNvPr id="184" name="TextBox 183">
+            <a:extLst>
+              <a:ext uri="{FF2B5EF4-FFF2-40B4-BE49-F238E27FC236}">
+                <a16:creationId xmlns:a16="http://schemas.microsoft.com/office/drawing/2014/main" id="{7A55FF88-4EB5-1FE6-68A2-98429D7C0E47}"/>
+              </a:ext>
+            </a:extLst>
+          </p:cNvPr>
+          <p:cNvSpPr txBox="1"/>
+          <p:nvPr/>
+        </p:nvSpPr>
+        <p:spPr>
+          <a:xfrm>
+            <a:off x="5642122" y="4824065"/>
+            <a:ext cx="193937" cy="307777"/>
+          </a:xfrm>
+          <a:prstGeom prst="rect">
+            <a:avLst/>
+          </a:prstGeom>
+          <a:noFill/>
+        </p:spPr>
+        <p:txBody>
+          <a:bodyPr wrap="square" rtlCol="0">
+            <a:spAutoFit/>
+          </a:bodyPr>
+          <a:lstStyle/>
+          <a:p>
+            <a:pPr algn="l"/>
+            <a:r>
+              <a:rPr lang="en-GB" sz="1400" dirty="0"/>
+              <a:t>6</a:t>
+            </a:r>
+          </a:p>
+        </p:txBody>
+      </p:sp>
+      <p:sp>
+        <p:nvSpPr>
+          <p:cNvPr id="186" name="TextBox 185">
+            <a:extLst>
+              <a:ext uri="{FF2B5EF4-FFF2-40B4-BE49-F238E27FC236}">
+                <a16:creationId xmlns:a16="http://schemas.microsoft.com/office/drawing/2014/main" id="{AAC7BFFF-E009-F588-9209-83BE5B019CA2}"/>
+              </a:ext>
+            </a:extLst>
+          </p:cNvPr>
+          <p:cNvSpPr txBox="1"/>
+          <p:nvPr/>
+        </p:nvSpPr>
+        <p:spPr>
+          <a:xfrm>
+            <a:off x="6805555" y="4484968"/>
+            <a:ext cx="193937" cy="307777"/>
+          </a:xfrm>
+          <a:prstGeom prst="rect">
+            <a:avLst/>
+          </a:prstGeom>
+          <a:noFill/>
+        </p:spPr>
+        <p:txBody>
+          <a:bodyPr wrap="square" rtlCol="0">
+            <a:spAutoFit/>
+          </a:bodyPr>
+          <a:lstStyle/>
+          <a:p>
+            <a:pPr algn="l"/>
+            <a:r>
+              <a:rPr lang="en-GB" sz="1400" dirty="0"/>
+              <a:t>7</a:t>
+            </a:r>
+          </a:p>
+        </p:txBody>
+      </p:sp>
+      <p:sp>
+        <p:nvSpPr>
+          <p:cNvPr id="188" name="&quot;Not Allowed&quot; Symbol 187">
+            <a:extLst>
+              <a:ext uri="{FF2B5EF4-FFF2-40B4-BE49-F238E27FC236}">
+                <a16:creationId xmlns:a16="http://schemas.microsoft.com/office/drawing/2014/main" id="{5C125467-7AC9-DEC6-D817-7DE4D797759D}"/>
+              </a:ext>
+            </a:extLst>
+          </p:cNvPr>
+          <p:cNvSpPr/>
+          <p:nvPr/>
+        </p:nvSpPr>
+        <p:spPr>
+          <a:xfrm>
+            <a:off x="4237594" y="1947162"/>
+            <a:ext cx="180945" cy="180945"/>
+          </a:xfrm>
+          <a:prstGeom prst="noSmoking">
+            <a:avLst/>
+          </a:prstGeom>
+        </p:spPr>
+        <p:style>
+          <a:lnRef idx="2">
+            <a:schemeClr val="accent1">
+              <a:shade val="15000"/>
+            </a:schemeClr>
+          </a:lnRef>
+          <a:fillRef idx="1">
+            <a:schemeClr val="accent1"/>
+          </a:fillRef>
+          <a:effectRef idx="0">
+            <a:schemeClr val="accent1"/>
+          </a:effectRef>
+          <a:fontRef idx="minor">
+            <a:schemeClr val="lt1"/>
+          </a:fontRef>
+        </p:style>
+        <p:txBody>
+          <a:bodyPr wrap="none" rtlCol="0" anchor="ctr">
+            <a:noAutofit/>
+          </a:bodyPr>
+          <a:lstStyle/>
+          <a:p>
+            <a:pPr algn="ctr"/>
+            <a:endParaRPr lang="en-GB" sz="1200" dirty="0">
+              <a:solidFill>
+                <a:schemeClr val="tx1"/>
+              </a:solidFill>
+            </a:endParaRPr>
+          </a:p>
+        </p:txBody>
+      </p:sp>
+      <p:sp>
+        <p:nvSpPr>
+          <p:cNvPr id="189" name="&quot;Not Allowed&quot; Symbol 188">
+            <a:extLst>
+              <a:ext uri="{FF2B5EF4-FFF2-40B4-BE49-F238E27FC236}">
+                <a16:creationId xmlns:a16="http://schemas.microsoft.com/office/drawing/2014/main" id="{8EE6853A-0734-FECB-3B9B-BDACA244D08B}"/>
+              </a:ext>
+            </a:extLst>
+          </p:cNvPr>
+          <p:cNvSpPr/>
+          <p:nvPr/>
+        </p:nvSpPr>
+        <p:spPr>
+          <a:xfrm>
+            <a:off x="4964628" y="5853246"/>
+            <a:ext cx="180945" cy="180945"/>
+          </a:xfrm>
+          <a:prstGeom prst="noSmoking">
+            <a:avLst/>
+          </a:prstGeom>
+        </p:spPr>
+        <p:style>
+          <a:lnRef idx="2">
+            <a:schemeClr val="accent1">
+              <a:shade val="15000"/>
+            </a:schemeClr>
+          </a:lnRef>
+          <a:fillRef idx="1">
+            <a:schemeClr val="accent1"/>
+          </a:fillRef>
+          <a:effectRef idx="0">
+            <a:schemeClr val="accent1"/>
+          </a:effectRef>
+          <a:fontRef idx="minor">
+            <a:schemeClr val="lt1"/>
+          </a:fontRef>
+        </p:style>
+        <p:txBody>
+          <a:bodyPr wrap="none" rtlCol="0" anchor="ctr">
+            <a:noAutofit/>
+          </a:bodyPr>
+          <a:lstStyle/>
+          <a:p>
+            <a:pPr algn="ctr"/>
+            <a:endParaRPr lang="en-GB" sz="1200" dirty="0">
+              <a:solidFill>
+                <a:schemeClr val="tx1"/>
+              </a:solidFill>
+            </a:endParaRPr>
+          </a:p>
+        </p:txBody>
+      </p:sp>
+      <p:sp>
+        <p:nvSpPr>
+          <p:cNvPr id="191" name="&quot;Not Allowed&quot; Symbol 190">
+            <a:extLst>
+              <a:ext uri="{FF2B5EF4-FFF2-40B4-BE49-F238E27FC236}">
+                <a16:creationId xmlns:a16="http://schemas.microsoft.com/office/drawing/2014/main" id="{25B9F4A9-5831-A916-CAB6-CEFBA11D3656}"/>
+              </a:ext>
+            </a:extLst>
+          </p:cNvPr>
+          <p:cNvSpPr/>
+          <p:nvPr/>
+        </p:nvSpPr>
+        <p:spPr>
+          <a:xfrm>
+            <a:off x="6179769" y="5208142"/>
+            <a:ext cx="180945" cy="180945"/>
+          </a:xfrm>
+          <a:prstGeom prst="noSmoking">
+            <a:avLst/>
+          </a:prstGeom>
+        </p:spPr>
+        <p:style>
+          <a:lnRef idx="2">
+            <a:schemeClr val="accent1">
+              <a:shade val="15000"/>
+            </a:schemeClr>
+          </a:lnRef>
+          <a:fillRef idx="1">
+            <a:schemeClr val="accent1"/>
+          </a:fillRef>
+          <a:effectRef idx="0">
+            <a:schemeClr val="accent1"/>
+          </a:effectRef>
+          <a:fontRef idx="minor">
+            <a:schemeClr val="lt1"/>
+          </a:fontRef>
+        </p:style>
+        <p:txBody>
+          <a:bodyPr wrap="none" rtlCol="0" anchor="ctr">
+            <a:noAutofit/>
+          </a:bodyPr>
+          <a:lstStyle/>
+          <a:p>
+            <a:pPr algn="ctr"/>
+            <a:endParaRPr lang="en-GB" sz="1200" dirty="0">
+              <a:solidFill>
+                <a:schemeClr val="tx1"/>
+              </a:solidFill>
+            </a:endParaRPr>
+          </a:p>
+        </p:txBody>
+      </p:sp>
+      <p:sp>
+        <p:nvSpPr>
+          <p:cNvPr id="192" name="TextBox 191">
+            <a:extLst>
+              <a:ext uri="{FF2B5EF4-FFF2-40B4-BE49-F238E27FC236}">
+                <a16:creationId xmlns:a16="http://schemas.microsoft.com/office/drawing/2014/main" id="{601384DD-5766-4334-9791-1B03ADB048B4}"/>
+              </a:ext>
+            </a:extLst>
+          </p:cNvPr>
+          <p:cNvSpPr txBox="1"/>
+          <p:nvPr/>
+        </p:nvSpPr>
+        <p:spPr>
+          <a:xfrm>
+            <a:off x="3291561" y="2565893"/>
+            <a:ext cx="485003" cy="307777"/>
+          </a:xfrm>
+          <a:prstGeom prst="rect">
+            <a:avLst/>
+          </a:prstGeom>
+          <a:noFill/>
+        </p:spPr>
+        <p:txBody>
+          <a:bodyPr wrap="square" rtlCol="0">
+            <a:spAutoFit/>
+          </a:bodyPr>
+          <a:lstStyle/>
+          <a:p>
+            <a:pPr algn="l"/>
+            <a:r>
+              <a:rPr lang="en-GB" sz="1400" dirty="0"/>
+              <a:t>[1]</a:t>
+            </a:r>
+          </a:p>
+        </p:txBody>
+      </p:sp>
+      <p:sp>
+        <p:nvSpPr>
+          <p:cNvPr id="194" name="TextBox 193">
+            <a:extLst>
+              <a:ext uri="{FF2B5EF4-FFF2-40B4-BE49-F238E27FC236}">
+                <a16:creationId xmlns:a16="http://schemas.microsoft.com/office/drawing/2014/main" id="{C4A4DD15-7151-8080-DE65-90110DC8B97E}"/>
+              </a:ext>
+            </a:extLst>
+          </p:cNvPr>
+          <p:cNvSpPr txBox="1"/>
+          <p:nvPr/>
+        </p:nvSpPr>
+        <p:spPr>
+          <a:xfrm>
+            <a:off x="6132977" y="2555613"/>
+            <a:ext cx="819723" cy="307777"/>
+          </a:xfrm>
+          <a:prstGeom prst="rect">
+            <a:avLst/>
+          </a:prstGeom>
+          <a:noFill/>
+        </p:spPr>
+        <p:txBody>
+          <a:bodyPr wrap="square" rtlCol="0">
+            <a:spAutoFit/>
+          </a:bodyPr>
+          <a:lstStyle/>
+          <a:p>
+            <a:pPr algn="l"/>
+            <a:r>
+              <a:rPr lang="en-GB" sz="1400" dirty="0"/>
+              <a:t>[1,2,3]</a:t>
+            </a:r>
+          </a:p>
+        </p:txBody>
+      </p:sp>
+      <p:sp>
+        <p:nvSpPr>
+          <p:cNvPr id="195" name="TextBox 194">
+            <a:extLst>
+              <a:ext uri="{FF2B5EF4-FFF2-40B4-BE49-F238E27FC236}">
+                <a16:creationId xmlns:a16="http://schemas.microsoft.com/office/drawing/2014/main" id="{A703912C-6C22-56B2-26C3-B6219ECF377A}"/>
+              </a:ext>
+            </a:extLst>
+          </p:cNvPr>
+          <p:cNvSpPr txBox="1"/>
+          <p:nvPr/>
+        </p:nvSpPr>
+        <p:spPr>
+          <a:xfrm>
+            <a:off x="3614534" y="3357537"/>
+            <a:ext cx="1151761" cy="307777"/>
+          </a:xfrm>
+          <a:prstGeom prst="rect">
+            <a:avLst/>
+          </a:prstGeom>
+          <a:noFill/>
+        </p:spPr>
+        <p:txBody>
+          <a:bodyPr wrap="square" rtlCol="0">
+            <a:spAutoFit/>
+          </a:bodyPr>
+          <a:lstStyle/>
+          <a:p>
+            <a:pPr algn="l"/>
+            <a:r>
+              <a:rPr lang="en-GB" sz="1400" dirty="0"/>
+              <a:t>[1,2,3,4,5]</a:t>
+            </a:r>
+          </a:p>
+        </p:txBody>
+      </p:sp>
+      <p:sp>
+        <p:nvSpPr>
+          <p:cNvPr id="196" name="TextBox 195">
+            <a:extLst>
+              <a:ext uri="{FF2B5EF4-FFF2-40B4-BE49-F238E27FC236}">
+                <a16:creationId xmlns:a16="http://schemas.microsoft.com/office/drawing/2014/main" id="{76A8C4F2-9700-A1D6-0AE8-630D62D407E6}"/>
+              </a:ext>
+            </a:extLst>
+          </p:cNvPr>
+          <p:cNvSpPr txBox="1"/>
+          <p:nvPr/>
+        </p:nvSpPr>
+        <p:spPr>
+          <a:xfrm>
+            <a:off x="4497739" y="4056056"/>
+            <a:ext cx="294037" cy="307777"/>
+          </a:xfrm>
+          <a:prstGeom prst="rect">
+            <a:avLst/>
+          </a:prstGeom>
+          <a:noFill/>
+        </p:spPr>
+        <p:txBody>
+          <a:bodyPr wrap="square" rtlCol="0">
+            <a:spAutoFit/>
+          </a:bodyPr>
+          <a:lstStyle/>
+          <a:p>
+            <a:pPr algn="l"/>
+            <a:r>
+              <a:rPr lang="en-GB" sz="1400" dirty="0"/>
+              <a:t>[]</a:t>
+            </a:r>
+          </a:p>
+        </p:txBody>
+      </p:sp>
+      <p:sp>
+        <p:nvSpPr>
+          <p:cNvPr id="197" name="TextBox 196">
+            <a:extLst>
+              <a:ext uri="{FF2B5EF4-FFF2-40B4-BE49-F238E27FC236}">
+                <a16:creationId xmlns:a16="http://schemas.microsoft.com/office/drawing/2014/main" id="{07A6786C-774F-4F4A-3E12-7B55EE8878BA}"/>
+              </a:ext>
+            </a:extLst>
+          </p:cNvPr>
+          <p:cNvSpPr txBox="1"/>
+          <p:nvPr/>
+        </p:nvSpPr>
+        <p:spPr>
+          <a:xfrm>
+            <a:off x="4310255" y="5724042"/>
+            <a:ext cx="669004" cy="307777"/>
+          </a:xfrm>
+          <a:prstGeom prst="rect">
+            <a:avLst/>
+          </a:prstGeom>
+          <a:noFill/>
+        </p:spPr>
+        <p:txBody>
+          <a:bodyPr wrap="square" rtlCol="0">
+            <a:spAutoFit/>
+          </a:bodyPr>
+          <a:lstStyle/>
+          <a:p>
+            <a:pPr algn="l"/>
+            <a:r>
+              <a:rPr lang="en-GB" sz="1400" dirty="0"/>
+              <a:t>[6]</a:t>
+            </a:r>
+          </a:p>
+        </p:txBody>
+      </p:sp>
+      <p:sp>
+        <p:nvSpPr>
+          <p:cNvPr id="199" name="TextBox 198">
+            <a:extLst>
+              <a:ext uri="{FF2B5EF4-FFF2-40B4-BE49-F238E27FC236}">
+                <a16:creationId xmlns:a16="http://schemas.microsoft.com/office/drawing/2014/main" id="{50CE9C4A-6AB0-3AAD-E041-0AD57D22E0D2}"/>
+              </a:ext>
+            </a:extLst>
+          </p:cNvPr>
+          <p:cNvSpPr txBox="1"/>
+          <p:nvPr/>
+        </p:nvSpPr>
+        <p:spPr>
+          <a:xfrm>
+            <a:off x="5238684" y="3710436"/>
+            <a:ext cx="294037" cy="307777"/>
+          </a:xfrm>
+          <a:prstGeom prst="rect">
+            <a:avLst/>
+          </a:prstGeom>
+          <a:noFill/>
+        </p:spPr>
+        <p:txBody>
+          <a:bodyPr wrap="square" rtlCol="0">
+            <a:spAutoFit/>
+          </a:bodyPr>
+          <a:lstStyle/>
+          <a:p>
+            <a:pPr algn="l"/>
+            <a:r>
+              <a:rPr lang="en-GB" sz="1400" dirty="0"/>
+              <a:t>[]</a:t>
+            </a:r>
+          </a:p>
+        </p:txBody>
+      </p:sp>
+      <p:sp>
+        <p:nvSpPr>
+          <p:cNvPr id="200" name="TextBox 199">
+            <a:extLst>
+              <a:ext uri="{FF2B5EF4-FFF2-40B4-BE49-F238E27FC236}">
+                <a16:creationId xmlns:a16="http://schemas.microsoft.com/office/drawing/2014/main" id="{CE4D64B4-4A2E-B7DC-866C-4F6893A5464F}"/>
+              </a:ext>
+            </a:extLst>
+          </p:cNvPr>
+          <p:cNvSpPr txBox="1"/>
+          <p:nvPr/>
+        </p:nvSpPr>
+        <p:spPr>
+          <a:xfrm>
+            <a:off x="6239947" y="3815115"/>
+            <a:ext cx="552227" cy="307777"/>
+          </a:xfrm>
+          <a:prstGeom prst="rect">
+            <a:avLst/>
+          </a:prstGeom>
+          <a:noFill/>
+        </p:spPr>
+        <p:txBody>
+          <a:bodyPr wrap="square" rtlCol="0">
+            <a:spAutoFit/>
+          </a:bodyPr>
+          <a:lstStyle/>
+          <a:p>
+            <a:pPr algn="l"/>
+            <a:r>
+              <a:rPr lang="en-GB" sz="1400" dirty="0"/>
+              <a:t>[11]</a:t>
+            </a:r>
+          </a:p>
+        </p:txBody>
+      </p:sp>
+      <p:sp>
+        <p:nvSpPr>
+          <p:cNvPr id="201" name="TextBox 200">
+            <a:extLst>
+              <a:ext uri="{FF2B5EF4-FFF2-40B4-BE49-F238E27FC236}">
+                <a16:creationId xmlns:a16="http://schemas.microsoft.com/office/drawing/2014/main" id="{8A5593ED-8B36-0B5F-9CD6-5AB9E9493D74}"/>
+              </a:ext>
+            </a:extLst>
+          </p:cNvPr>
+          <p:cNvSpPr txBox="1"/>
+          <p:nvPr/>
+        </p:nvSpPr>
+        <p:spPr>
+          <a:xfrm>
+            <a:off x="6155779" y="4245474"/>
+            <a:ext cx="294037" cy="307777"/>
+          </a:xfrm>
+          <a:prstGeom prst="rect">
+            <a:avLst/>
+          </a:prstGeom>
+          <a:noFill/>
+        </p:spPr>
+        <p:txBody>
+          <a:bodyPr wrap="square" rtlCol="0">
+            <a:spAutoFit/>
+          </a:bodyPr>
+          <a:lstStyle/>
+          <a:p>
+            <a:pPr algn="l"/>
+            <a:r>
+              <a:rPr lang="en-GB" sz="1400" dirty="0"/>
+              <a:t>[]</a:t>
+            </a:r>
+          </a:p>
+        </p:txBody>
+      </p:sp>
+      <p:sp>
+        <p:nvSpPr>
+          <p:cNvPr id="202" name="TextBox 201">
+            <a:extLst>
+              <a:ext uri="{FF2B5EF4-FFF2-40B4-BE49-F238E27FC236}">
+                <a16:creationId xmlns:a16="http://schemas.microsoft.com/office/drawing/2014/main" id="{359FFB79-B514-DBA9-5B4B-7255DE7A5655}"/>
+              </a:ext>
+            </a:extLst>
+          </p:cNvPr>
+          <p:cNvSpPr txBox="1"/>
+          <p:nvPr/>
+        </p:nvSpPr>
+        <p:spPr>
+          <a:xfrm>
+            <a:off x="6729626" y="4222304"/>
+            <a:ext cx="294037" cy="307777"/>
+          </a:xfrm>
+          <a:prstGeom prst="rect">
+            <a:avLst/>
+          </a:prstGeom>
+          <a:noFill/>
+        </p:spPr>
+        <p:txBody>
+          <a:bodyPr wrap="square" rtlCol="0">
+            <a:spAutoFit/>
+          </a:bodyPr>
+          <a:lstStyle/>
+          <a:p>
+            <a:pPr algn="l"/>
+            <a:r>
+              <a:rPr lang="en-GB" sz="1400" dirty="0"/>
+              <a:t>[]</a:t>
+            </a:r>
+          </a:p>
+        </p:txBody>
+      </p:sp>
+      <p:sp>
+        <p:nvSpPr>
+          <p:cNvPr id="203" name="TextBox 202">
+            <a:extLst>
+              <a:ext uri="{FF2B5EF4-FFF2-40B4-BE49-F238E27FC236}">
+                <a16:creationId xmlns:a16="http://schemas.microsoft.com/office/drawing/2014/main" id="{9BD8524D-41F4-C7C1-4348-C23264F48999}"/>
+              </a:ext>
+            </a:extLst>
+          </p:cNvPr>
+          <p:cNvSpPr txBox="1"/>
+          <p:nvPr/>
+        </p:nvSpPr>
+        <p:spPr>
+          <a:xfrm>
+            <a:off x="5873019" y="5371454"/>
+            <a:ext cx="516132" cy="307777"/>
+          </a:xfrm>
+          <a:prstGeom prst="rect">
+            <a:avLst/>
+          </a:prstGeom>
+          <a:noFill/>
+        </p:spPr>
+        <p:txBody>
+          <a:bodyPr wrap="square" rtlCol="0">
+            <a:spAutoFit/>
+          </a:bodyPr>
+          <a:lstStyle/>
+          <a:p>
+            <a:pPr algn="l"/>
+            <a:r>
+              <a:rPr lang="en-GB" sz="1400" dirty="0"/>
+              <a:t>[14]</a:t>
+            </a:r>
+          </a:p>
+        </p:txBody>
+      </p:sp>
+      <p:sp>
+        <p:nvSpPr>
+          <p:cNvPr id="204" name="TextBox 203">
+            <a:extLst>
+              <a:ext uri="{FF2B5EF4-FFF2-40B4-BE49-F238E27FC236}">
+                <a16:creationId xmlns:a16="http://schemas.microsoft.com/office/drawing/2014/main" id="{816506DB-A14B-A2E0-9159-D7659B6CE447}"/>
+              </a:ext>
+            </a:extLst>
+          </p:cNvPr>
+          <p:cNvSpPr txBox="1"/>
+          <p:nvPr/>
+        </p:nvSpPr>
+        <p:spPr>
+          <a:xfrm>
+            <a:off x="6599493" y="5311785"/>
+            <a:ext cx="1438214" cy="307777"/>
+          </a:xfrm>
+          <a:prstGeom prst="rect">
+            <a:avLst/>
+          </a:prstGeom>
+          <a:noFill/>
+        </p:spPr>
+        <p:txBody>
+          <a:bodyPr wrap="none" rtlCol="0">
+            <a:spAutoFit/>
+          </a:bodyPr>
+          <a:lstStyle/>
+          <a:p>
+            <a:pPr algn="l"/>
+            <a:r>
+              <a:rPr lang="en-GB" sz="1400" dirty="0"/>
+              <a:t>[11,13] + [14,15]</a:t>
+            </a:r>
+          </a:p>
+        </p:txBody>
+      </p:sp>
+      <p:sp>
+        <p:nvSpPr>
+          <p:cNvPr id="205" name="TextBox 204">
+            <a:extLst>
+              <a:ext uri="{FF2B5EF4-FFF2-40B4-BE49-F238E27FC236}">
+                <a16:creationId xmlns:a16="http://schemas.microsoft.com/office/drawing/2014/main" id="{13A10EAF-813B-863C-BB30-A183DC7F7753}"/>
+              </a:ext>
+            </a:extLst>
+          </p:cNvPr>
+          <p:cNvSpPr txBox="1"/>
+          <p:nvPr/>
+        </p:nvSpPr>
+        <p:spPr>
+          <a:xfrm>
+            <a:off x="4904993" y="6341333"/>
+            <a:ext cx="2252623" cy="307777"/>
+          </a:xfrm>
+          <a:prstGeom prst="rect">
+            <a:avLst/>
+          </a:prstGeom>
+          <a:noFill/>
+        </p:spPr>
+        <p:txBody>
+          <a:bodyPr wrap="square" rtlCol="0">
+            <a:spAutoFit/>
+          </a:bodyPr>
+          <a:lstStyle/>
+          <a:p>
+            <a:r>
+              <a:rPr lang="en-GB" sz="1400" dirty="0"/>
+              <a:t>[11,13] + [14,15]+[16]</a:t>
+            </a:r>
+          </a:p>
+        </p:txBody>
+      </p:sp>
+      <p:sp>
+        <p:nvSpPr>
+          <p:cNvPr id="207" name="TextBox 206">
+            <a:extLst>
+              <a:ext uri="{FF2B5EF4-FFF2-40B4-BE49-F238E27FC236}">
+                <a16:creationId xmlns:a16="http://schemas.microsoft.com/office/drawing/2014/main" id="{AFFE0DC6-D431-40B3-2442-D6A3A3C44A9E}"/>
+              </a:ext>
+            </a:extLst>
+          </p:cNvPr>
+          <p:cNvSpPr txBox="1"/>
+          <p:nvPr/>
+        </p:nvSpPr>
+        <p:spPr>
+          <a:xfrm>
+            <a:off x="8037707" y="6292527"/>
+            <a:ext cx="2252623" cy="307777"/>
+          </a:xfrm>
+          <a:prstGeom prst="rect">
+            <a:avLst/>
+          </a:prstGeom>
+          <a:noFill/>
+        </p:spPr>
+        <p:txBody>
+          <a:bodyPr wrap="square" rtlCol="0">
+            <a:spAutoFit/>
+          </a:bodyPr>
+          <a:lstStyle/>
+          <a:p>
+            <a:r>
+              <a:rPr lang="en-GB" sz="1400" dirty="0"/>
+              <a:t>[11,13] + [14,15]+[16]+[6]</a:t>
+            </a:r>
+          </a:p>
+        </p:txBody>
+      </p:sp>
+      <p:sp>
+        <p:nvSpPr>
+          <p:cNvPr id="209" name="Arrow: Right 208">
+            <a:extLst>
+              <a:ext uri="{FF2B5EF4-FFF2-40B4-BE49-F238E27FC236}">
+                <a16:creationId xmlns:a16="http://schemas.microsoft.com/office/drawing/2014/main" id="{39F81CA8-7824-2901-3E74-2A825589E331}"/>
+              </a:ext>
+            </a:extLst>
+          </p:cNvPr>
+          <p:cNvSpPr/>
+          <p:nvPr/>
+        </p:nvSpPr>
+        <p:spPr>
+          <a:xfrm rot="16200000" flipV="1">
+            <a:off x="7372884" y="4897248"/>
+            <a:ext cx="2093509" cy="148218"/>
+          </a:xfrm>
+          <a:prstGeom prst="rightArrow">
+            <a:avLst/>
+          </a:prstGeom>
+        </p:spPr>
+        <p:style>
+          <a:lnRef idx="2">
+            <a:schemeClr val="accent1">
+              <a:shade val="15000"/>
+            </a:schemeClr>
+          </a:lnRef>
+          <a:fillRef idx="1">
+            <a:schemeClr val="accent1"/>
+          </a:fillRef>
+          <a:effectRef idx="0">
+            <a:schemeClr val="accent1"/>
+          </a:effectRef>
+          <a:fontRef idx="minor">
+            <a:schemeClr val="lt1"/>
+          </a:fontRef>
+        </p:style>
+        <p:txBody>
+          <a:bodyPr wrap="none" rtlCol="0" anchor="ctr">
+            <a:noAutofit/>
+          </a:bodyPr>
+          <a:lstStyle/>
+          <a:p>
+            <a:pPr algn="ctr"/>
+            <a:endParaRPr lang="en-GB" sz="1200" dirty="0"/>
+          </a:p>
+        </p:txBody>
+      </p:sp>
+      <p:sp>
+        <p:nvSpPr>
+          <p:cNvPr id="210" name="Arrow: Right 209">
+            <a:extLst>
+              <a:ext uri="{FF2B5EF4-FFF2-40B4-BE49-F238E27FC236}">
+                <a16:creationId xmlns:a16="http://schemas.microsoft.com/office/drawing/2014/main" id="{F60FE3CE-4129-57D5-9F7F-D7FEE4B77D3B}"/>
+              </a:ext>
+            </a:extLst>
+          </p:cNvPr>
+          <p:cNvSpPr/>
+          <p:nvPr/>
+        </p:nvSpPr>
+        <p:spPr>
+          <a:xfrm flipV="1">
+            <a:off x="6961698" y="6409280"/>
+            <a:ext cx="968464" cy="74270"/>
+          </a:xfrm>
+          <a:prstGeom prst="rightArrow">
+            <a:avLst/>
+          </a:prstGeom>
+        </p:spPr>
+        <p:style>
+          <a:lnRef idx="2">
+            <a:schemeClr val="accent1">
+              <a:shade val="15000"/>
+            </a:schemeClr>
+          </a:lnRef>
+          <a:fillRef idx="1">
+            <a:schemeClr val="accent1"/>
+          </a:fillRef>
+          <a:effectRef idx="0">
+            <a:schemeClr val="accent1"/>
+          </a:effectRef>
+          <a:fontRef idx="minor">
+            <a:schemeClr val="lt1"/>
+          </a:fontRef>
+        </p:style>
+        <p:txBody>
+          <a:bodyPr wrap="none" rtlCol="0" anchor="ctr">
+            <a:noAutofit/>
+          </a:bodyPr>
+          <a:lstStyle/>
+          <a:p>
+            <a:pPr algn="ctr"/>
+            <a:endParaRPr lang="en-GB" sz="1200" dirty="0"/>
+          </a:p>
+        </p:txBody>
+      </p:sp>
+      <p:sp>
+        <p:nvSpPr>
+          <p:cNvPr id="211" name="TextBox 210">
+            <a:extLst>
+              <a:ext uri="{FF2B5EF4-FFF2-40B4-BE49-F238E27FC236}">
+                <a16:creationId xmlns:a16="http://schemas.microsoft.com/office/drawing/2014/main" id="{663D8326-848A-891C-3C68-9A1B233CCDFB}"/>
+              </a:ext>
+            </a:extLst>
+          </p:cNvPr>
+          <p:cNvSpPr txBox="1"/>
+          <p:nvPr/>
+        </p:nvSpPr>
+        <p:spPr>
+          <a:xfrm>
+            <a:off x="6952700" y="3440600"/>
+            <a:ext cx="2616439" cy="276999"/>
+          </a:xfrm>
+          <a:prstGeom prst="rect">
+            <a:avLst/>
+          </a:prstGeom>
+          <a:noFill/>
+        </p:spPr>
+        <p:txBody>
+          <a:bodyPr wrap="square" rtlCol="0">
+            <a:spAutoFit/>
+          </a:bodyPr>
+          <a:lstStyle/>
+          <a:p>
+            <a:r>
+              <a:rPr lang="en-GB" sz="1200" dirty="0"/>
+              <a:t>[1,2,3,4,5]+[11,13] + [14,15]+[16]+[6]</a:t>
+            </a:r>
+          </a:p>
+        </p:txBody>
+      </p:sp>
+      <p:sp>
+        <p:nvSpPr>
+          <p:cNvPr id="212" name="Arrow: Right 211">
+            <a:extLst>
+              <a:ext uri="{FF2B5EF4-FFF2-40B4-BE49-F238E27FC236}">
+                <a16:creationId xmlns:a16="http://schemas.microsoft.com/office/drawing/2014/main" id="{71AF4AD4-6B6C-0871-BD35-66F1D8628198}"/>
+              </a:ext>
+            </a:extLst>
+          </p:cNvPr>
+          <p:cNvSpPr/>
+          <p:nvPr/>
+        </p:nvSpPr>
+        <p:spPr>
+          <a:xfrm rot="16200000" flipV="1">
+            <a:off x="7199354" y="2021286"/>
+            <a:ext cx="2093509" cy="148218"/>
+          </a:xfrm>
+          <a:prstGeom prst="rightArrow">
+            <a:avLst/>
+          </a:prstGeom>
+        </p:spPr>
+        <p:style>
+          <a:lnRef idx="2">
+            <a:schemeClr val="accent1">
+              <a:shade val="15000"/>
+            </a:schemeClr>
+          </a:lnRef>
+          <a:fillRef idx="1">
+            <a:schemeClr val="accent1"/>
+          </a:fillRef>
+          <a:effectRef idx="0">
+            <a:schemeClr val="accent1"/>
+          </a:effectRef>
+          <a:fontRef idx="minor">
+            <a:schemeClr val="lt1"/>
+          </a:fontRef>
+        </p:style>
+        <p:txBody>
+          <a:bodyPr wrap="none" rtlCol="0" anchor="ctr">
+            <a:noAutofit/>
+          </a:bodyPr>
+          <a:lstStyle/>
+          <a:p>
+            <a:pPr algn="ctr"/>
+            <a:endParaRPr lang="en-GB" sz="1200" dirty="0"/>
+          </a:p>
+        </p:txBody>
+      </p:sp>
+      <p:sp>
+        <p:nvSpPr>
+          <p:cNvPr id="213" name="TextBox 212">
+            <a:extLst>
+              <a:ext uri="{FF2B5EF4-FFF2-40B4-BE49-F238E27FC236}">
+                <a16:creationId xmlns:a16="http://schemas.microsoft.com/office/drawing/2014/main" id="{AF490280-A944-76B3-8F39-82A0BDA137F6}"/>
+              </a:ext>
+            </a:extLst>
+          </p:cNvPr>
+          <p:cNvSpPr txBox="1"/>
+          <p:nvPr/>
+        </p:nvSpPr>
+        <p:spPr>
+          <a:xfrm>
+            <a:off x="6779170" y="564638"/>
+            <a:ext cx="2616439" cy="276999"/>
+          </a:xfrm>
+          <a:prstGeom prst="rect">
+            <a:avLst/>
+          </a:prstGeom>
+          <a:noFill/>
+        </p:spPr>
+        <p:txBody>
+          <a:bodyPr wrap="square" rtlCol="0">
+            <a:spAutoFit/>
+          </a:bodyPr>
+          <a:lstStyle/>
+          <a:p>
+            <a:r>
+              <a:rPr lang="en-GB" sz="1200" dirty="0"/>
+              <a:t>[1,2,3,4,5]+[11,13] + [14,15]+[16]+[6]</a:t>
+            </a:r>
+          </a:p>
+        </p:txBody>
+      </p:sp>
+    </p:spTree>
+    <p:extLst>
+      <p:ext uri="{BB962C8B-B14F-4D97-AF65-F5344CB8AC3E}">
+        <p14:creationId xmlns:p14="http://schemas.microsoft.com/office/powerpoint/2010/main" val="2906780238"/>
+      </p:ext>
+    </p:extLst>
+  </p:cSld>
+  <p:clrMapOvr>
+    <a:masterClrMapping/>
+  </p:clrMapOvr>
+</p:sld>
+</file>
+
+<file path=ppt/slides/slide19.xml><?xml version="1.0" encoding="utf-8"?>
+<p:sld xmlns:a="http://schemas.openxmlformats.org/drawingml/2006/main" xmlns:r="http://schemas.openxmlformats.org/officeDocument/2006/relationships" xmlns:p="http://schemas.openxmlformats.org/presentationml/2006/main">
+  <p:cSld>
+    <p:spTree>
+      <p:nvGrpSpPr>
+        <p:cNvPr id="1" name=""/>
+        <p:cNvGrpSpPr/>
+        <p:nvPr/>
+      </p:nvGrpSpPr>
+      <p:grpSpPr>
+        <a:xfrm>
+          <a:off x="0" y="0"/>
+          <a:ext cx="0" cy="0"/>
+          <a:chOff x="0" y="0"/>
+          <a:chExt cx="0" cy="0"/>
+        </a:xfrm>
+      </p:grpSpPr>
+      <p:sp>
+        <p:nvSpPr>
+          <p:cNvPr id="4" name="Oval 3">
+            <a:extLst>
+              <a:ext uri="{FF2B5EF4-FFF2-40B4-BE49-F238E27FC236}">
+                <a16:creationId xmlns:a16="http://schemas.microsoft.com/office/drawing/2014/main" id="{B4F2B058-AF84-D4B0-5FD1-1DF25512DF28}"/>
+              </a:ext>
+            </a:extLst>
+          </p:cNvPr>
+          <p:cNvSpPr/>
+          <p:nvPr/>
+        </p:nvSpPr>
+        <p:spPr>
+          <a:xfrm rot="9303263">
+            <a:off x="3831667" y="1524000"/>
+            <a:ext cx="120073" cy="129309"/>
+          </a:xfrm>
+          <a:prstGeom prst="ellipse">
+            <a:avLst/>
+          </a:prstGeom>
+        </p:spPr>
+        <p:style>
+          <a:lnRef idx="2">
+            <a:schemeClr val="accent1">
+              <a:shade val="15000"/>
+            </a:schemeClr>
+          </a:lnRef>
+          <a:fillRef idx="1">
+            <a:schemeClr val="accent1"/>
+          </a:fillRef>
+          <a:effectRef idx="0">
+            <a:schemeClr val="accent1"/>
+          </a:effectRef>
+          <a:fontRef idx="minor">
+            <a:schemeClr val="lt1"/>
+          </a:fontRef>
+        </p:style>
+        <p:txBody>
+          <a:bodyPr wrap="none" rtlCol="0" anchor="ctr">
+            <a:noAutofit/>
+          </a:bodyPr>
+          <a:lstStyle/>
+          <a:p>
+            <a:pPr algn="ctr"/>
+            <a:endParaRPr lang="en-GB" sz="1200" dirty="0"/>
+          </a:p>
+        </p:txBody>
+      </p:sp>
+      <p:sp>
+        <p:nvSpPr>
+          <p:cNvPr id="5" name="Oval 4">
+            <a:extLst>
+              <a:ext uri="{FF2B5EF4-FFF2-40B4-BE49-F238E27FC236}">
+                <a16:creationId xmlns:a16="http://schemas.microsoft.com/office/drawing/2014/main" id="{058534C5-6E5E-9032-6FF2-0FB09A525010}"/>
+              </a:ext>
+            </a:extLst>
+          </p:cNvPr>
+          <p:cNvSpPr/>
+          <p:nvPr/>
+        </p:nvSpPr>
+        <p:spPr>
+          <a:xfrm rot="9303263">
+            <a:off x="3984067" y="1676400"/>
+            <a:ext cx="120073" cy="129309"/>
+          </a:xfrm>
+          <a:prstGeom prst="ellipse">
+            <a:avLst/>
+          </a:prstGeom>
+        </p:spPr>
+        <p:style>
+          <a:lnRef idx="2">
+            <a:schemeClr val="accent1">
+              <a:shade val="15000"/>
+            </a:schemeClr>
+          </a:lnRef>
+          <a:fillRef idx="1">
+            <a:schemeClr val="accent1"/>
+          </a:fillRef>
+          <a:effectRef idx="0">
+            <a:schemeClr val="accent1"/>
+          </a:effectRef>
+          <a:fontRef idx="minor">
+            <a:schemeClr val="lt1"/>
+          </a:fontRef>
+        </p:style>
+        <p:txBody>
+          <a:bodyPr wrap="none" rtlCol="0" anchor="ctr">
+            <a:noAutofit/>
+          </a:bodyPr>
+          <a:lstStyle/>
+          <a:p>
+            <a:pPr algn="ctr"/>
+            <a:endParaRPr lang="en-GB" sz="1200" dirty="0"/>
+          </a:p>
+        </p:txBody>
+      </p:sp>
+      <p:sp>
+        <p:nvSpPr>
+          <p:cNvPr id="6" name="Oval 5">
+            <a:extLst>
+              <a:ext uri="{FF2B5EF4-FFF2-40B4-BE49-F238E27FC236}">
+                <a16:creationId xmlns:a16="http://schemas.microsoft.com/office/drawing/2014/main" id="{07C7EB70-CBC7-1815-A2CE-64DE0397E5C9}"/>
+              </a:ext>
+            </a:extLst>
+          </p:cNvPr>
+          <p:cNvSpPr/>
+          <p:nvPr/>
+        </p:nvSpPr>
+        <p:spPr>
+          <a:xfrm rot="9303263">
+            <a:off x="4136467" y="1828800"/>
+            <a:ext cx="120073" cy="129309"/>
+          </a:xfrm>
+          <a:prstGeom prst="ellipse">
+            <a:avLst/>
+          </a:prstGeom>
+        </p:spPr>
+        <p:style>
+          <a:lnRef idx="2">
+            <a:schemeClr val="accent1">
+              <a:shade val="15000"/>
+            </a:schemeClr>
+          </a:lnRef>
+          <a:fillRef idx="1">
+            <a:schemeClr val="accent1"/>
+          </a:fillRef>
+          <a:effectRef idx="0">
+            <a:schemeClr val="accent1"/>
+          </a:effectRef>
+          <a:fontRef idx="minor">
+            <a:schemeClr val="lt1"/>
+          </a:fontRef>
+        </p:style>
+        <p:txBody>
+          <a:bodyPr wrap="none" rtlCol="0" anchor="ctr">
+            <a:noAutofit/>
+          </a:bodyPr>
+          <a:lstStyle/>
+          <a:p>
+            <a:pPr algn="ctr"/>
+            <a:endParaRPr lang="en-GB" sz="1200" dirty="0"/>
+          </a:p>
+        </p:txBody>
+      </p:sp>
+      <p:sp>
+        <p:nvSpPr>
+          <p:cNvPr id="7" name="Oval 6">
+            <a:extLst>
+              <a:ext uri="{FF2B5EF4-FFF2-40B4-BE49-F238E27FC236}">
+                <a16:creationId xmlns:a16="http://schemas.microsoft.com/office/drawing/2014/main" id="{F077C2DC-DFF8-A1C8-94F2-DBF11962A842}"/>
+              </a:ext>
+            </a:extLst>
+          </p:cNvPr>
+          <p:cNvSpPr/>
+          <p:nvPr/>
+        </p:nvSpPr>
+        <p:spPr>
+          <a:xfrm rot="9303263">
+            <a:off x="4288867" y="1981200"/>
+            <a:ext cx="120073" cy="129309"/>
+          </a:xfrm>
+          <a:prstGeom prst="ellipse">
+            <a:avLst/>
+          </a:prstGeom>
+        </p:spPr>
+        <p:style>
+          <a:lnRef idx="2">
+            <a:schemeClr val="accent1">
+              <a:shade val="15000"/>
+            </a:schemeClr>
+          </a:lnRef>
+          <a:fillRef idx="1">
+            <a:schemeClr val="accent1"/>
+          </a:fillRef>
+          <a:effectRef idx="0">
+            <a:schemeClr val="accent1"/>
+          </a:effectRef>
+          <a:fontRef idx="minor">
+            <a:schemeClr val="lt1"/>
+          </a:fontRef>
+        </p:style>
+        <p:txBody>
+          <a:bodyPr wrap="none" rtlCol="0" anchor="ctr">
+            <a:noAutofit/>
+          </a:bodyPr>
+          <a:lstStyle/>
+          <a:p>
+            <a:pPr algn="ctr"/>
+            <a:endParaRPr lang="en-GB" sz="1200" dirty="0"/>
+          </a:p>
+        </p:txBody>
+      </p:sp>
+      <p:sp>
+        <p:nvSpPr>
+          <p:cNvPr id="8" name="Oval 7">
+            <a:extLst>
+              <a:ext uri="{FF2B5EF4-FFF2-40B4-BE49-F238E27FC236}">
+                <a16:creationId xmlns:a16="http://schemas.microsoft.com/office/drawing/2014/main" id="{496E1F33-21BA-703A-6633-308C8834D19C}"/>
+              </a:ext>
+            </a:extLst>
+          </p:cNvPr>
+          <p:cNvSpPr/>
+          <p:nvPr/>
+        </p:nvSpPr>
+        <p:spPr>
+          <a:xfrm rot="9303263">
+            <a:off x="4441267" y="2133600"/>
+            <a:ext cx="120073" cy="129309"/>
+          </a:xfrm>
+          <a:prstGeom prst="ellipse">
+            <a:avLst/>
+          </a:prstGeom>
+        </p:spPr>
+        <p:style>
+          <a:lnRef idx="2">
+            <a:schemeClr val="accent1">
+              <a:shade val="15000"/>
+            </a:schemeClr>
+          </a:lnRef>
+          <a:fillRef idx="1">
+            <a:schemeClr val="accent1"/>
+          </a:fillRef>
+          <a:effectRef idx="0">
+            <a:schemeClr val="accent1"/>
+          </a:effectRef>
+          <a:fontRef idx="minor">
+            <a:schemeClr val="lt1"/>
+          </a:fontRef>
+        </p:style>
+        <p:txBody>
+          <a:bodyPr wrap="none" rtlCol="0" anchor="ctr">
+            <a:noAutofit/>
+          </a:bodyPr>
+          <a:lstStyle/>
+          <a:p>
+            <a:pPr algn="ctr"/>
+            <a:endParaRPr lang="en-GB" sz="1200" dirty="0"/>
+          </a:p>
+        </p:txBody>
+      </p:sp>
+      <p:sp>
+        <p:nvSpPr>
+          <p:cNvPr id="9" name="Oval 8">
+            <a:extLst>
+              <a:ext uri="{FF2B5EF4-FFF2-40B4-BE49-F238E27FC236}">
+                <a16:creationId xmlns:a16="http://schemas.microsoft.com/office/drawing/2014/main" id="{114526BA-9D9A-4AE7-91FE-13DEC5E36ACF}"/>
+              </a:ext>
+            </a:extLst>
+          </p:cNvPr>
+          <p:cNvSpPr/>
+          <p:nvPr/>
+        </p:nvSpPr>
+        <p:spPr>
+          <a:xfrm rot="9303263">
+            <a:off x="4593667" y="2286000"/>
+            <a:ext cx="120073" cy="129309"/>
+          </a:xfrm>
+          <a:prstGeom prst="ellipse">
+            <a:avLst/>
+          </a:prstGeom>
+        </p:spPr>
+        <p:style>
+          <a:lnRef idx="2">
+            <a:schemeClr val="accent1">
+              <a:shade val="15000"/>
+            </a:schemeClr>
+          </a:lnRef>
+          <a:fillRef idx="1">
+            <a:schemeClr val="accent1"/>
+          </a:fillRef>
+          <a:effectRef idx="0">
+            <a:schemeClr val="accent1"/>
+          </a:effectRef>
+          <a:fontRef idx="minor">
+            <a:schemeClr val="lt1"/>
+          </a:fontRef>
+        </p:style>
+        <p:txBody>
+          <a:bodyPr wrap="none" rtlCol="0" anchor="ctr">
+            <a:noAutofit/>
+          </a:bodyPr>
+          <a:lstStyle/>
+          <a:p>
+            <a:pPr algn="ctr"/>
+            <a:endParaRPr lang="en-GB" sz="1200" dirty="0"/>
+          </a:p>
+        </p:txBody>
+      </p:sp>
+      <p:sp>
+        <p:nvSpPr>
+          <p:cNvPr id="10" name="Oval 9">
+            <a:extLst>
+              <a:ext uri="{FF2B5EF4-FFF2-40B4-BE49-F238E27FC236}">
+                <a16:creationId xmlns:a16="http://schemas.microsoft.com/office/drawing/2014/main" id="{AA5886AB-F4AE-8A1A-612A-D82B61BFB081}"/>
+              </a:ext>
+            </a:extLst>
+          </p:cNvPr>
+          <p:cNvSpPr/>
+          <p:nvPr/>
+        </p:nvSpPr>
+        <p:spPr>
+          <a:xfrm rot="9303263">
+            <a:off x="5170550" y="2396022"/>
+            <a:ext cx="120073" cy="129309"/>
+          </a:xfrm>
+          <a:prstGeom prst="ellipse">
+            <a:avLst/>
+          </a:prstGeom>
+        </p:spPr>
+        <p:style>
+          <a:lnRef idx="2">
+            <a:schemeClr val="accent1">
+              <a:shade val="15000"/>
+            </a:schemeClr>
+          </a:lnRef>
+          <a:fillRef idx="1">
+            <a:schemeClr val="accent1"/>
+          </a:fillRef>
+          <a:effectRef idx="0">
+            <a:schemeClr val="accent1"/>
+          </a:effectRef>
+          <a:fontRef idx="minor">
+            <a:schemeClr val="lt1"/>
+          </a:fontRef>
+        </p:style>
+        <p:txBody>
+          <a:bodyPr wrap="none" rtlCol="0" anchor="ctr">
+            <a:noAutofit/>
+          </a:bodyPr>
+          <a:lstStyle/>
+          <a:p>
+            <a:pPr algn="ctr"/>
+            <a:endParaRPr lang="en-GB" sz="1200" dirty="0"/>
+          </a:p>
+        </p:txBody>
+      </p:sp>
+      <p:sp>
+        <p:nvSpPr>
+          <p:cNvPr id="11" name="Oval 10">
+            <a:extLst>
+              <a:ext uri="{FF2B5EF4-FFF2-40B4-BE49-F238E27FC236}">
+                <a16:creationId xmlns:a16="http://schemas.microsoft.com/office/drawing/2014/main" id="{9DD51645-48AE-3C05-212E-71A56892CC98}"/>
+              </a:ext>
+            </a:extLst>
+          </p:cNvPr>
+          <p:cNvSpPr/>
+          <p:nvPr/>
+        </p:nvSpPr>
+        <p:spPr>
+          <a:xfrm rot="9303263">
+            <a:off x="4627028" y="2812474"/>
+            <a:ext cx="120073" cy="129309"/>
+          </a:xfrm>
+          <a:prstGeom prst="ellipse">
+            <a:avLst/>
+          </a:prstGeom>
+        </p:spPr>
+        <p:style>
+          <a:lnRef idx="2">
+            <a:schemeClr val="accent1">
+              <a:shade val="15000"/>
+            </a:schemeClr>
+          </a:lnRef>
+          <a:fillRef idx="1">
+            <a:schemeClr val="accent1"/>
+          </a:fillRef>
+          <a:effectRef idx="0">
+            <a:schemeClr val="accent1"/>
+          </a:effectRef>
+          <a:fontRef idx="minor">
+            <a:schemeClr val="lt1"/>
+          </a:fontRef>
+        </p:style>
+        <p:txBody>
+          <a:bodyPr wrap="none" rtlCol="0" anchor="ctr">
+            <a:noAutofit/>
+          </a:bodyPr>
+          <a:lstStyle/>
+          <a:p>
+            <a:pPr algn="ctr"/>
+            <a:endParaRPr lang="en-GB" sz="1200" dirty="0"/>
+          </a:p>
+        </p:txBody>
+      </p:sp>
+      <p:sp>
+        <p:nvSpPr>
+          <p:cNvPr id="12" name="Oval 11">
+            <a:extLst>
+              <a:ext uri="{FF2B5EF4-FFF2-40B4-BE49-F238E27FC236}">
+                <a16:creationId xmlns:a16="http://schemas.microsoft.com/office/drawing/2014/main" id="{D3F520A9-8B94-CA81-13AB-945295A8432D}"/>
+              </a:ext>
+            </a:extLst>
+          </p:cNvPr>
+          <p:cNvSpPr/>
+          <p:nvPr/>
+        </p:nvSpPr>
+        <p:spPr>
+          <a:xfrm rot="9303263">
+            <a:off x="5050867" y="2743200"/>
+            <a:ext cx="120073" cy="129309"/>
+          </a:xfrm>
+          <a:prstGeom prst="ellipse">
+            <a:avLst/>
+          </a:prstGeom>
+        </p:spPr>
+        <p:style>
+          <a:lnRef idx="2">
+            <a:schemeClr val="accent1">
+              <a:shade val="15000"/>
+            </a:schemeClr>
+          </a:lnRef>
+          <a:fillRef idx="1">
+            <a:schemeClr val="accent1"/>
+          </a:fillRef>
+          <a:effectRef idx="0">
+            <a:schemeClr val="accent1"/>
+          </a:effectRef>
+          <a:fontRef idx="minor">
+            <a:schemeClr val="lt1"/>
+          </a:fontRef>
+        </p:style>
+        <p:txBody>
+          <a:bodyPr wrap="none" rtlCol="0" anchor="ctr">
+            <a:noAutofit/>
+          </a:bodyPr>
+          <a:lstStyle/>
+          <a:p>
+            <a:pPr algn="ctr"/>
+            <a:endParaRPr lang="en-GB" sz="1200" dirty="0"/>
+          </a:p>
+        </p:txBody>
+      </p:sp>
+      <p:sp>
+        <p:nvSpPr>
+          <p:cNvPr id="13" name="Oval 12">
+            <a:extLst>
+              <a:ext uri="{FF2B5EF4-FFF2-40B4-BE49-F238E27FC236}">
+                <a16:creationId xmlns:a16="http://schemas.microsoft.com/office/drawing/2014/main" id="{0D9E0138-CFDF-F8EB-36CD-3E624D2E5968}"/>
+              </a:ext>
+            </a:extLst>
+          </p:cNvPr>
+          <p:cNvSpPr/>
+          <p:nvPr/>
+        </p:nvSpPr>
+        <p:spPr>
+          <a:xfrm rot="9303263">
+            <a:off x="5120139" y="3269672"/>
+            <a:ext cx="120073" cy="129309"/>
+          </a:xfrm>
+          <a:prstGeom prst="ellipse">
+            <a:avLst/>
+          </a:prstGeom>
+        </p:spPr>
+        <p:style>
+          <a:lnRef idx="2">
+            <a:schemeClr val="accent1">
+              <a:shade val="15000"/>
+            </a:schemeClr>
+          </a:lnRef>
+          <a:fillRef idx="1">
+            <a:schemeClr val="accent1"/>
+          </a:fillRef>
+          <a:effectRef idx="0">
+            <a:schemeClr val="accent1"/>
+          </a:effectRef>
+          <a:fontRef idx="minor">
+            <a:schemeClr val="lt1"/>
+          </a:fontRef>
+        </p:style>
+        <p:txBody>
+          <a:bodyPr wrap="none" rtlCol="0" anchor="ctr">
+            <a:noAutofit/>
+          </a:bodyPr>
+          <a:lstStyle/>
+          <a:p>
+            <a:pPr algn="ctr"/>
+            <a:endParaRPr lang="en-GB" sz="1200" dirty="0"/>
+          </a:p>
+        </p:txBody>
+      </p:sp>
+      <p:sp>
+        <p:nvSpPr>
+          <p:cNvPr id="14" name="Oval 13">
+            <a:extLst>
+              <a:ext uri="{FF2B5EF4-FFF2-40B4-BE49-F238E27FC236}">
+                <a16:creationId xmlns:a16="http://schemas.microsoft.com/office/drawing/2014/main" id="{680CCCFE-A9D0-7CCA-9617-0472104F8FB9}"/>
+              </a:ext>
+            </a:extLst>
+          </p:cNvPr>
+          <p:cNvSpPr/>
+          <p:nvPr/>
+        </p:nvSpPr>
+        <p:spPr>
+          <a:xfrm rot="9303263">
+            <a:off x="5355667" y="3048000"/>
+            <a:ext cx="120073" cy="129309"/>
+          </a:xfrm>
+          <a:prstGeom prst="ellipse">
+            <a:avLst/>
+          </a:prstGeom>
+        </p:spPr>
+        <p:style>
+          <a:lnRef idx="2">
+            <a:schemeClr val="accent1">
+              <a:shade val="15000"/>
+            </a:schemeClr>
+          </a:lnRef>
+          <a:fillRef idx="1">
+            <a:schemeClr val="accent1"/>
+          </a:fillRef>
+          <a:effectRef idx="0">
+            <a:schemeClr val="accent1"/>
+          </a:effectRef>
+          <a:fontRef idx="minor">
+            <a:schemeClr val="lt1"/>
+          </a:fontRef>
+        </p:style>
+        <p:txBody>
+          <a:bodyPr wrap="none" rtlCol="0" anchor="ctr">
+            <a:noAutofit/>
+          </a:bodyPr>
+          <a:lstStyle/>
+          <a:p>
+            <a:pPr algn="ctr"/>
+            <a:endParaRPr lang="en-GB" sz="1200" dirty="0"/>
+          </a:p>
+        </p:txBody>
+      </p:sp>
+      <p:sp>
+        <p:nvSpPr>
+          <p:cNvPr id="15" name="Oval 14">
+            <a:extLst>
+              <a:ext uri="{FF2B5EF4-FFF2-40B4-BE49-F238E27FC236}">
+                <a16:creationId xmlns:a16="http://schemas.microsoft.com/office/drawing/2014/main" id="{5AE01B91-4474-F592-D91D-EAEEA6B465DC}"/>
+              </a:ext>
+            </a:extLst>
+          </p:cNvPr>
+          <p:cNvSpPr/>
+          <p:nvPr/>
+        </p:nvSpPr>
+        <p:spPr>
+          <a:xfrm rot="9303263">
+            <a:off x="5655848" y="2447635"/>
+            <a:ext cx="120073" cy="129309"/>
+          </a:xfrm>
+          <a:prstGeom prst="ellipse">
+            <a:avLst/>
+          </a:prstGeom>
+        </p:spPr>
+        <p:style>
+          <a:lnRef idx="2">
+            <a:schemeClr val="accent1">
+              <a:shade val="15000"/>
+            </a:schemeClr>
+          </a:lnRef>
+          <a:fillRef idx="1">
+            <a:schemeClr val="accent1"/>
+          </a:fillRef>
+          <a:effectRef idx="0">
+            <a:schemeClr val="accent1"/>
+          </a:effectRef>
+          <a:fontRef idx="minor">
+            <a:schemeClr val="lt1"/>
+          </a:fontRef>
+        </p:style>
+        <p:txBody>
+          <a:bodyPr wrap="none" rtlCol="0" anchor="ctr">
+            <a:noAutofit/>
+          </a:bodyPr>
+          <a:lstStyle/>
+          <a:p>
+            <a:pPr algn="ctr"/>
+            <a:endParaRPr lang="en-GB" sz="1200" dirty="0"/>
+          </a:p>
+        </p:txBody>
+      </p:sp>
+      <p:sp>
+        <p:nvSpPr>
+          <p:cNvPr id="16" name="Oval 15">
+            <a:extLst>
+              <a:ext uri="{FF2B5EF4-FFF2-40B4-BE49-F238E27FC236}">
+                <a16:creationId xmlns:a16="http://schemas.microsoft.com/office/drawing/2014/main" id="{206E18CE-A012-B573-D619-34870ED5A4C1}"/>
+              </a:ext>
+            </a:extLst>
+          </p:cNvPr>
+          <p:cNvSpPr/>
+          <p:nvPr/>
+        </p:nvSpPr>
+        <p:spPr>
+          <a:xfrm rot="9303263">
+            <a:off x="5355667" y="3569854"/>
+            <a:ext cx="120073" cy="129309"/>
+          </a:xfrm>
+          <a:prstGeom prst="ellipse">
+            <a:avLst/>
+          </a:prstGeom>
+        </p:spPr>
+        <p:style>
+          <a:lnRef idx="2">
+            <a:schemeClr val="accent1">
+              <a:shade val="15000"/>
+            </a:schemeClr>
+          </a:lnRef>
+          <a:fillRef idx="1">
+            <a:schemeClr val="accent1"/>
+          </a:fillRef>
+          <a:effectRef idx="0">
+            <a:schemeClr val="accent1"/>
+          </a:effectRef>
+          <a:fontRef idx="minor">
+            <a:schemeClr val="lt1"/>
+          </a:fontRef>
+        </p:style>
+        <p:txBody>
+          <a:bodyPr wrap="none" rtlCol="0" anchor="ctr">
+            <a:noAutofit/>
+          </a:bodyPr>
+          <a:lstStyle/>
+          <a:p>
+            <a:pPr algn="ctr"/>
+            <a:endParaRPr lang="en-GB" sz="1200" dirty="0"/>
+          </a:p>
+        </p:txBody>
+      </p:sp>
+      <p:sp>
+        <p:nvSpPr>
+          <p:cNvPr id="17" name="Oval 16">
+            <a:extLst>
+              <a:ext uri="{FF2B5EF4-FFF2-40B4-BE49-F238E27FC236}">
+                <a16:creationId xmlns:a16="http://schemas.microsoft.com/office/drawing/2014/main" id="{B86763B9-3644-8FD8-68E3-5B42404530F8}"/>
+              </a:ext>
+            </a:extLst>
+          </p:cNvPr>
+          <p:cNvSpPr/>
+          <p:nvPr/>
+        </p:nvSpPr>
+        <p:spPr>
+          <a:xfrm rot="9303263">
+            <a:off x="5508067" y="3722254"/>
+            <a:ext cx="120073" cy="129309"/>
+          </a:xfrm>
+          <a:prstGeom prst="ellipse">
+            <a:avLst/>
+          </a:prstGeom>
+        </p:spPr>
+        <p:style>
+          <a:lnRef idx="2">
+            <a:schemeClr val="accent1">
+              <a:shade val="15000"/>
+            </a:schemeClr>
+          </a:lnRef>
+          <a:fillRef idx="1">
+            <a:schemeClr val="accent1"/>
+          </a:fillRef>
+          <a:effectRef idx="0">
+            <a:schemeClr val="accent1"/>
+          </a:effectRef>
+          <a:fontRef idx="minor">
+            <a:schemeClr val="lt1"/>
+          </a:fontRef>
+        </p:style>
+        <p:txBody>
+          <a:bodyPr wrap="none" rtlCol="0" anchor="ctr">
+            <a:noAutofit/>
+          </a:bodyPr>
+          <a:lstStyle/>
+          <a:p>
+            <a:pPr algn="ctr"/>
+            <a:endParaRPr lang="en-GB" sz="1200" dirty="0"/>
+          </a:p>
+        </p:txBody>
+      </p:sp>
+      <p:sp>
+        <p:nvSpPr>
+          <p:cNvPr id="18" name="Oval 17">
+            <a:extLst>
+              <a:ext uri="{FF2B5EF4-FFF2-40B4-BE49-F238E27FC236}">
+                <a16:creationId xmlns:a16="http://schemas.microsoft.com/office/drawing/2014/main" id="{DF0B4ABE-BACB-2755-9A9F-9D4A3E68F670}"/>
+              </a:ext>
+            </a:extLst>
+          </p:cNvPr>
+          <p:cNvSpPr/>
+          <p:nvPr/>
+        </p:nvSpPr>
+        <p:spPr>
+          <a:xfrm rot="9303263">
+            <a:off x="5660467" y="3874654"/>
+            <a:ext cx="120073" cy="129309"/>
+          </a:xfrm>
+          <a:prstGeom prst="ellipse">
+            <a:avLst/>
+          </a:prstGeom>
+        </p:spPr>
+        <p:style>
+          <a:lnRef idx="2">
+            <a:schemeClr val="accent1">
+              <a:shade val="15000"/>
+            </a:schemeClr>
+          </a:lnRef>
+          <a:fillRef idx="1">
+            <a:schemeClr val="accent1"/>
+          </a:fillRef>
+          <a:effectRef idx="0">
+            <a:schemeClr val="accent1"/>
+          </a:effectRef>
+          <a:fontRef idx="minor">
+            <a:schemeClr val="lt1"/>
+          </a:fontRef>
+        </p:style>
+        <p:txBody>
+          <a:bodyPr wrap="none" rtlCol="0" anchor="ctr">
+            <a:noAutofit/>
+          </a:bodyPr>
+          <a:lstStyle/>
+          <a:p>
+            <a:pPr algn="ctr"/>
+            <a:endParaRPr lang="en-GB" sz="1200" dirty="0"/>
+          </a:p>
+        </p:txBody>
+      </p:sp>
+      <p:sp>
+        <p:nvSpPr>
+          <p:cNvPr id="19" name="Oval 18">
+            <a:extLst>
+              <a:ext uri="{FF2B5EF4-FFF2-40B4-BE49-F238E27FC236}">
+                <a16:creationId xmlns:a16="http://schemas.microsoft.com/office/drawing/2014/main" id="{D2504CBC-FA93-A909-84F3-59D7D061DC46}"/>
+              </a:ext>
+            </a:extLst>
+          </p:cNvPr>
+          <p:cNvSpPr/>
+          <p:nvPr/>
+        </p:nvSpPr>
+        <p:spPr>
+          <a:xfrm rot="9303263">
+            <a:off x="5812867" y="4027054"/>
+            <a:ext cx="120073" cy="129309"/>
+          </a:xfrm>
+          <a:prstGeom prst="ellipse">
+            <a:avLst/>
+          </a:prstGeom>
+        </p:spPr>
+        <p:style>
+          <a:lnRef idx="2">
+            <a:schemeClr val="accent1">
+              <a:shade val="15000"/>
+            </a:schemeClr>
+          </a:lnRef>
+          <a:fillRef idx="1">
+            <a:schemeClr val="accent1"/>
+          </a:fillRef>
+          <a:effectRef idx="0">
+            <a:schemeClr val="accent1"/>
+          </a:effectRef>
+          <a:fontRef idx="minor">
+            <a:schemeClr val="lt1"/>
+          </a:fontRef>
+        </p:style>
+        <p:txBody>
+          <a:bodyPr wrap="none" rtlCol="0" anchor="ctr">
+            <a:noAutofit/>
+          </a:bodyPr>
+          <a:lstStyle/>
+          <a:p>
+            <a:pPr algn="ctr"/>
+            <a:endParaRPr lang="en-GB" sz="1200" dirty="0"/>
+          </a:p>
+        </p:txBody>
+      </p:sp>
+      <p:sp>
+        <p:nvSpPr>
+          <p:cNvPr id="20" name="Oval 19">
+            <a:extLst>
+              <a:ext uri="{FF2B5EF4-FFF2-40B4-BE49-F238E27FC236}">
+                <a16:creationId xmlns:a16="http://schemas.microsoft.com/office/drawing/2014/main" id="{CD0472E8-8AFC-43BA-3C72-5F8361754477}"/>
+              </a:ext>
+            </a:extLst>
+          </p:cNvPr>
+          <p:cNvSpPr/>
+          <p:nvPr/>
+        </p:nvSpPr>
+        <p:spPr>
+          <a:xfrm rot="9303263">
+            <a:off x="5965267" y="4179454"/>
+            <a:ext cx="120073" cy="129309"/>
+          </a:xfrm>
+          <a:prstGeom prst="ellipse">
+            <a:avLst/>
+          </a:prstGeom>
+        </p:spPr>
+        <p:style>
+          <a:lnRef idx="2">
+            <a:schemeClr val="accent1">
+              <a:shade val="15000"/>
+            </a:schemeClr>
+          </a:lnRef>
+          <a:fillRef idx="1">
+            <a:schemeClr val="accent1"/>
+          </a:fillRef>
+          <a:effectRef idx="0">
+            <a:schemeClr val="accent1"/>
+          </a:effectRef>
+          <a:fontRef idx="minor">
+            <a:schemeClr val="lt1"/>
+          </a:fontRef>
+        </p:style>
+        <p:txBody>
+          <a:bodyPr wrap="none" rtlCol="0" anchor="ctr">
+            <a:noAutofit/>
+          </a:bodyPr>
+          <a:lstStyle/>
+          <a:p>
+            <a:pPr algn="ctr"/>
+            <a:endParaRPr lang="en-GB" sz="1200" dirty="0"/>
+          </a:p>
+        </p:txBody>
+      </p:sp>
+      <p:sp>
+        <p:nvSpPr>
+          <p:cNvPr id="21" name="Oval 20">
+            <a:extLst>
+              <a:ext uri="{FF2B5EF4-FFF2-40B4-BE49-F238E27FC236}">
+                <a16:creationId xmlns:a16="http://schemas.microsoft.com/office/drawing/2014/main" id="{53A2246D-0379-6FC1-6AF8-E46920F236EE}"/>
+              </a:ext>
+            </a:extLst>
+          </p:cNvPr>
+          <p:cNvSpPr/>
+          <p:nvPr/>
+        </p:nvSpPr>
+        <p:spPr>
+          <a:xfrm rot="9303263">
+            <a:off x="6117667" y="4331854"/>
+            <a:ext cx="120073" cy="129309"/>
+          </a:xfrm>
+          <a:prstGeom prst="ellipse">
+            <a:avLst/>
+          </a:prstGeom>
+        </p:spPr>
+        <p:style>
+          <a:lnRef idx="2">
+            <a:schemeClr val="accent1">
+              <a:shade val="15000"/>
+            </a:schemeClr>
+          </a:lnRef>
+          <a:fillRef idx="1">
+            <a:schemeClr val="accent1"/>
+          </a:fillRef>
+          <a:effectRef idx="0">
+            <a:schemeClr val="accent1"/>
+          </a:effectRef>
+          <a:fontRef idx="minor">
+            <a:schemeClr val="lt1"/>
+          </a:fontRef>
+        </p:style>
+        <p:txBody>
+          <a:bodyPr wrap="none" rtlCol="0" anchor="ctr">
+            <a:noAutofit/>
+          </a:bodyPr>
+          <a:lstStyle/>
+          <a:p>
+            <a:pPr algn="ctr"/>
+            <a:endParaRPr lang="en-GB" sz="1200" dirty="0"/>
+          </a:p>
+        </p:txBody>
+      </p:sp>
+      <p:sp>
+        <p:nvSpPr>
+          <p:cNvPr id="22" name="Oval 21">
+            <a:extLst>
+              <a:ext uri="{FF2B5EF4-FFF2-40B4-BE49-F238E27FC236}">
+                <a16:creationId xmlns:a16="http://schemas.microsoft.com/office/drawing/2014/main" id="{BDC74C32-55CB-1939-BDA0-EF6636BF2B3C}"/>
+              </a:ext>
+            </a:extLst>
+          </p:cNvPr>
+          <p:cNvSpPr/>
+          <p:nvPr/>
+        </p:nvSpPr>
+        <p:spPr>
+          <a:xfrm rot="9303263">
+            <a:off x="5849812" y="2660072"/>
+            <a:ext cx="120073" cy="129309"/>
+          </a:xfrm>
+          <a:prstGeom prst="ellipse">
+            <a:avLst/>
+          </a:prstGeom>
+        </p:spPr>
+        <p:style>
+          <a:lnRef idx="2">
+            <a:schemeClr val="accent1">
+              <a:shade val="15000"/>
+            </a:schemeClr>
+          </a:lnRef>
+          <a:fillRef idx="1">
+            <a:schemeClr val="accent1"/>
+          </a:fillRef>
+          <a:effectRef idx="0">
+            <a:schemeClr val="accent1"/>
+          </a:effectRef>
+          <a:fontRef idx="minor">
+            <a:schemeClr val="lt1"/>
+          </a:fontRef>
+        </p:style>
+        <p:txBody>
+          <a:bodyPr wrap="none" rtlCol="0" anchor="ctr">
+            <a:noAutofit/>
+          </a:bodyPr>
+          <a:lstStyle/>
+          <a:p>
+            <a:pPr algn="ctr"/>
+            <a:endParaRPr lang="en-GB" sz="1200" dirty="0"/>
+          </a:p>
+        </p:txBody>
+      </p:sp>
+      <p:sp>
+        <p:nvSpPr>
+          <p:cNvPr id="23" name="Oval 22">
+            <a:extLst>
+              <a:ext uri="{FF2B5EF4-FFF2-40B4-BE49-F238E27FC236}">
+                <a16:creationId xmlns:a16="http://schemas.microsoft.com/office/drawing/2014/main" id="{95F11690-9895-F2D1-2928-177AAB976492}"/>
+              </a:ext>
+            </a:extLst>
+          </p:cNvPr>
+          <p:cNvSpPr/>
+          <p:nvPr/>
+        </p:nvSpPr>
+        <p:spPr>
+          <a:xfrm rot="9303263">
+            <a:off x="6002212" y="2812472"/>
+            <a:ext cx="120073" cy="129309"/>
+          </a:xfrm>
+          <a:prstGeom prst="ellipse">
+            <a:avLst/>
+          </a:prstGeom>
+        </p:spPr>
+        <p:style>
+          <a:lnRef idx="2">
+            <a:schemeClr val="accent1">
+              <a:shade val="15000"/>
+            </a:schemeClr>
+          </a:lnRef>
+          <a:fillRef idx="1">
+            <a:schemeClr val="accent1"/>
+          </a:fillRef>
+          <a:effectRef idx="0">
+            <a:schemeClr val="accent1"/>
+          </a:effectRef>
+          <a:fontRef idx="minor">
+            <a:schemeClr val="lt1"/>
+          </a:fontRef>
+        </p:style>
+        <p:txBody>
+          <a:bodyPr wrap="none" rtlCol="0" anchor="ctr">
+            <a:noAutofit/>
+          </a:bodyPr>
+          <a:lstStyle/>
+          <a:p>
+            <a:pPr algn="ctr"/>
+            <a:endParaRPr lang="en-GB" sz="1200" dirty="0"/>
+          </a:p>
+        </p:txBody>
+      </p:sp>
+      <p:sp>
+        <p:nvSpPr>
+          <p:cNvPr id="24" name="Oval 23">
+            <a:extLst>
+              <a:ext uri="{FF2B5EF4-FFF2-40B4-BE49-F238E27FC236}">
+                <a16:creationId xmlns:a16="http://schemas.microsoft.com/office/drawing/2014/main" id="{E822F8F2-B388-94FE-E6F1-EB517505ACCD}"/>
+              </a:ext>
+            </a:extLst>
+          </p:cNvPr>
+          <p:cNvSpPr/>
+          <p:nvPr/>
+        </p:nvSpPr>
+        <p:spPr>
+          <a:xfrm rot="9303263">
+            <a:off x="6154612" y="2964872"/>
+            <a:ext cx="120073" cy="129309"/>
+          </a:xfrm>
+          <a:prstGeom prst="ellipse">
+            <a:avLst/>
+          </a:prstGeom>
+        </p:spPr>
+        <p:style>
+          <a:lnRef idx="2">
+            <a:schemeClr val="accent1">
+              <a:shade val="15000"/>
+            </a:schemeClr>
+          </a:lnRef>
+          <a:fillRef idx="1">
+            <a:schemeClr val="accent1"/>
+          </a:fillRef>
+          <a:effectRef idx="0">
+            <a:schemeClr val="accent1"/>
+          </a:effectRef>
+          <a:fontRef idx="minor">
+            <a:schemeClr val="lt1"/>
+          </a:fontRef>
+        </p:style>
+        <p:txBody>
+          <a:bodyPr wrap="none" rtlCol="0" anchor="ctr">
+            <a:noAutofit/>
+          </a:bodyPr>
+          <a:lstStyle/>
+          <a:p>
+            <a:pPr algn="ctr"/>
+            <a:endParaRPr lang="en-GB" sz="1200" dirty="0"/>
+          </a:p>
+        </p:txBody>
+      </p:sp>
+      <p:sp>
+        <p:nvSpPr>
+          <p:cNvPr id="25" name="Oval 24">
+            <a:extLst>
+              <a:ext uri="{FF2B5EF4-FFF2-40B4-BE49-F238E27FC236}">
+                <a16:creationId xmlns:a16="http://schemas.microsoft.com/office/drawing/2014/main" id="{CE054A79-8766-7B15-275F-6CDE2F3E813C}"/>
+              </a:ext>
+            </a:extLst>
+          </p:cNvPr>
+          <p:cNvSpPr/>
+          <p:nvPr/>
+        </p:nvSpPr>
+        <p:spPr>
+          <a:xfrm rot="9303263">
+            <a:off x="6307012" y="3117272"/>
+            <a:ext cx="120073" cy="129309"/>
+          </a:xfrm>
+          <a:prstGeom prst="ellipse">
+            <a:avLst/>
+          </a:prstGeom>
+        </p:spPr>
+        <p:style>
+          <a:lnRef idx="2">
+            <a:schemeClr val="accent1">
+              <a:shade val="15000"/>
+            </a:schemeClr>
+          </a:lnRef>
+          <a:fillRef idx="1">
+            <a:schemeClr val="accent1"/>
+          </a:fillRef>
+          <a:effectRef idx="0">
+            <a:schemeClr val="accent1"/>
+          </a:effectRef>
+          <a:fontRef idx="minor">
+            <a:schemeClr val="lt1"/>
+          </a:fontRef>
+        </p:style>
+        <p:txBody>
+          <a:bodyPr wrap="none" rtlCol="0" anchor="ctr">
+            <a:noAutofit/>
+          </a:bodyPr>
+          <a:lstStyle/>
+          <a:p>
+            <a:pPr algn="ctr"/>
+            <a:endParaRPr lang="en-GB" sz="1200" dirty="0"/>
+          </a:p>
+        </p:txBody>
+      </p:sp>
+      <p:sp>
+        <p:nvSpPr>
+          <p:cNvPr id="26" name="Oval 25">
+            <a:extLst>
+              <a:ext uri="{FF2B5EF4-FFF2-40B4-BE49-F238E27FC236}">
+                <a16:creationId xmlns:a16="http://schemas.microsoft.com/office/drawing/2014/main" id="{D44EE92A-BCB4-1467-A6D1-0583E6838523}"/>
+              </a:ext>
+            </a:extLst>
+          </p:cNvPr>
+          <p:cNvSpPr/>
+          <p:nvPr/>
+        </p:nvSpPr>
+        <p:spPr>
+          <a:xfrm rot="9303263">
+            <a:off x="6459412" y="3269672"/>
+            <a:ext cx="120073" cy="129309"/>
+          </a:xfrm>
+          <a:prstGeom prst="ellipse">
+            <a:avLst/>
+          </a:prstGeom>
+        </p:spPr>
+        <p:style>
+          <a:lnRef idx="2">
+            <a:schemeClr val="accent1">
+              <a:shade val="15000"/>
+            </a:schemeClr>
+          </a:lnRef>
+          <a:fillRef idx="1">
+            <a:schemeClr val="accent1"/>
+          </a:fillRef>
+          <a:effectRef idx="0">
+            <a:schemeClr val="accent1"/>
+          </a:effectRef>
+          <a:fontRef idx="minor">
+            <a:schemeClr val="lt1"/>
+          </a:fontRef>
+        </p:style>
+        <p:txBody>
+          <a:bodyPr wrap="none" rtlCol="0" anchor="ctr">
+            <a:noAutofit/>
+          </a:bodyPr>
+          <a:lstStyle/>
+          <a:p>
+            <a:pPr algn="ctr"/>
+            <a:endParaRPr lang="en-GB" sz="1200" dirty="0"/>
+          </a:p>
+        </p:txBody>
+      </p:sp>
+      <p:cxnSp>
+        <p:nvCxnSpPr>
+          <p:cNvPr id="28" name="Straight Connector 27">
+            <a:extLst>
+              <a:ext uri="{FF2B5EF4-FFF2-40B4-BE49-F238E27FC236}">
+                <a16:creationId xmlns:a16="http://schemas.microsoft.com/office/drawing/2014/main" id="{E13F89B7-63DB-F746-970A-A6B90EEFB54B}"/>
+              </a:ext>
+            </a:extLst>
+          </p:cNvPr>
+          <p:cNvCxnSpPr/>
+          <p:nvPr/>
+        </p:nvCxnSpPr>
+        <p:spPr>
+          <a:xfrm>
+            <a:off x="2900218" y="665018"/>
+            <a:ext cx="4682837" cy="4331855"/>
+          </a:xfrm>
+          <a:prstGeom prst="line">
+            <a:avLst/>
+          </a:prstGeom>
+        </p:spPr>
+        <p:style>
+          <a:lnRef idx="2">
+            <a:schemeClr val="accent1"/>
+          </a:lnRef>
+          <a:fillRef idx="0">
+            <a:schemeClr val="accent1"/>
+          </a:fillRef>
+          <a:effectRef idx="1">
+            <a:schemeClr val="accent1"/>
+          </a:effectRef>
+          <a:fontRef idx="minor">
+            <a:schemeClr val="tx1"/>
+          </a:fontRef>
+        </p:style>
+      </p:cxnSp>
+      <p:cxnSp>
+        <p:nvCxnSpPr>
+          <p:cNvPr id="30" name="Straight Arrow Connector 29">
+            <a:extLst>
+              <a:ext uri="{FF2B5EF4-FFF2-40B4-BE49-F238E27FC236}">
+                <a16:creationId xmlns:a16="http://schemas.microsoft.com/office/drawing/2014/main" id="{ACEF9BD0-2139-AEEA-D175-4B47333A83A5}"/>
+              </a:ext>
+            </a:extLst>
+          </p:cNvPr>
+          <p:cNvCxnSpPr>
+            <a:stCxn id="9" idx="7"/>
+            <a:endCxn id="11" idx="3"/>
+          </p:cNvCxnSpPr>
+          <p:nvPr/>
+        </p:nvCxnSpPr>
+        <p:spPr>
+          <a:xfrm>
+            <a:off x="4634493" y="2410012"/>
+            <a:ext cx="71782" cy="407759"/>
+          </a:xfrm>
+          <a:prstGeom prst="straightConnector1">
+            <a:avLst/>
+          </a:prstGeom>
+          <a:ln>
+            <a:tailEnd type="triangle"/>
+          </a:ln>
+        </p:spPr>
+        <p:style>
+          <a:lnRef idx="2">
+            <a:schemeClr val="accent1"/>
+          </a:lnRef>
+          <a:fillRef idx="0">
+            <a:schemeClr val="accent1"/>
+          </a:fillRef>
+          <a:effectRef idx="1">
+            <a:schemeClr val="accent1"/>
+          </a:effectRef>
+          <a:fontRef idx="minor">
+            <a:schemeClr val="tx1"/>
+          </a:fontRef>
+        </p:style>
+      </p:cxnSp>
+      <p:cxnSp>
+        <p:nvCxnSpPr>
+          <p:cNvPr id="32" name="Straight Arrow Connector 31">
+            <a:extLst>
+              <a:ext uri="{FF2B5EF4-FFF2-40B4-BE49-F238E27FC236}">
+                <a16:creationId xmlns:a16="http://schemas.microsoft.com/office/drawing/2014/main" id="{8D1A9929-D0C9-2ED3-442D-1230967B471E}"/>
+              </a:ext>
+            </a:extLst>
+          </p:cNvPr>
+          <p:cNvCxnSpPr>
+            <a:cxnSpLocks/>
+            <a:stCxn id="9" idx="6"/>
+            <a:endCxn id="10" idx="5"/>
+          </p:cNvCxnSpPr>
+          <p:nvPr/>
+        </p:nvCxnSpPr>
+        <p:spPr>
+          <a:xfrm>
+            <a:off x="4599268" y="2375975"/>
+            <a:ext cx="573545" cy="61154"/>
+          </a:xfrm>
+          <a:prstGeom prst="straightConnector1">
+            <a:avLst/>
+          </a:prstGeom>
+          <a:ln>
+            <a:tailEnd type="triangle"/>
+          </a:ln>
+        </p:spPr>
+        <p:style>
+          <a:lnRef idx="2">
+            <a:schemeClr val="accent1"/>
+          </a:lnRef>
+          <a:fillRef idx="0">
+            <a:schemeClr val="accent1"/>
+          </a:fillRef>
+          <a:effectRef idx="1">
+            <a:schemeClr val="accent1"/>
+          </a:effectRef>
+          <a:fontRef idx="minor">
+            <a:schemeClr val="tx1"/>
+          </a:fontRef>
+        </p:style>
+      </p:cxnSp>
+      <p:sp>
+        <p:nvSpPr>
+          <p:cNvPr id="33" name="TextBox 32">
+            <a:extLst>
+              <a:ext uri="{FF2B5EF4-FFF2-40B4-BE49-F238E27FC236}">
+                <a16:creationId xmlns:a16="http://schemas.microsoft.com/office/drawing/2014/main" id="{92CD9C1C-2E67-51FF-F585-ADC3526E63A0}"/>
+              </a:ext>
+            </a:extLst>
+          </p:cNvPr>
+          <p:cNvSpPr txBox="1"/>
+          <p:nvPr/>
+        </p:nvSpPr>
+        <p:spPr>
+          <a:xfrm>
+            <a:off x="2124364" y="461818"/>
+            <a:ext cx="988291" cy="307777"/>
+          </a:xfrm>
+          <a:prstGeom prst="rect">
+            <a:avLst/>
+          </a:prstGeom>
+          <a:noFill/>
+        </p:spPr>
+        <p:txBody>
+          <a:bodyPr wrap="square" rtlCol="0">
+            <a:spAutoFit/>
+          </a:bodyPr>
+          <a:lstStyle/>
+          <a:p>
+            <a:pPr algn="l"/>
+            <a:r>
+              <a:rPr lang="en-GB" sz="1400" dirty="0"/>
+              <a:t>TOP</a:t>
+            </a:r>
+          </a:p>
+        </p:txBody>
+      </p:sp>
+      <p:sp>
+        <p:nvSpPr>
+          <p:cNvPr id="34" name="TextBox 33">
+            <a:extLst>
+              <a:ext uri="{FF2B5EF4-FFF2-40B4-BE49-F238E27FC236}">
+                <a16:creationId xmlns:a16="http://schemas.microsoft.com/office/drawing/2014/main" id="{ECE67B0D-5C62-73EB-D552-EA692EFACF4C}"/>
+              </a:ext>
+            </a:extLst>
+          </p:cNvPr>
+          <p:cNvSpPr txBox="1"/>
+          <p:nvPr/>
+        </p:nvSpPr>
+        <p:spPr>
+          <a:xfrm>
+            <a:off x="7583055" y="4996873"/>
+            <a:ext cx="860877" cy="307777"/>
+          </a:xfrm>
+          <a:prstGeom prst="rect">
+            <a:avLst/>
+          </a:prstGeom>
+          <a:noFill/>
+        </p:spPr>
+        <p:txBody>
+          <a:bodyPr wrap="none" rtlCol="0">
+            <a:spAutoFit/>
+          </a:bodyPr>
+          <a:lstStyle/>
+          <a:p>
+            <a:pPr algn="l"/>
+            <a:r>
+              <a:rPr lang="en-GB" sz="1400" dirty="0"/>
+              <a:t>BOTTOM</a:t>
+            </a:r>
+          </a:p>
+        </p:txBody>
+      </p:sp>
+    </p:spTree>
+    <p:extLst>
+      <p:ext uri="{BB962C8B-B14F-4D97-AF65-F5344CB8AC3E}">
+        <p14:creationId xmlns:p14="http://schemas.microsoft.com/office/powerpoint/2010/main" val="1842544484"/>
       </p:ext>
     </p:extLst>
   </p:cSld>

--- a/ClassNotes/The Tfl Project.pptx
+++ b/ClassNotes/The Tfl Project.pptx
@@ -24,6 +24,9 @@
     <p:sldId id="275" r:id="rId18"/>
     <p:sldId id="276" r:id="rId19"/>
     <p:sldId id="277" r:id="rId20"/>
+    <p:sldId id="278" r:id="rId21"/>
+    <p:sldId id="279" r:id="rId22"/>
+    <p:sldId id="280" r:id="rId23"/>
   </p:sldIdLst>
   <p:sldSz cx="12192000" cy="6858000"/>
   <p:notesSz cx="6858000" cy="9144000"/>
@@ -501,7 +504,7 @@
           <a:p>
             <a:fld id="{797ED04C-4841-45FD-BA22-34C603CD2BD1}" type="datetimeFigureOut">
               <a:rPr lang="en-GB" smtClean="0"/>
-              <a:t>30/07/2025</a:t>
+              <a:t>04/08/2025</a:t>
             </a:fld>
             <a:endParaRPr lang="en-GB"/>
           </a:p>
@@ -699,7 +702,7 @@
           <a:p>
             <a:fld id="{797ED04C-4841-45FD-BA22-34C603CD2BD1}" type="datetimeFigureOut">
               <a:rPr lang="en-GB" smtClean="0"/>
-              <a:t>30/07/2025</a:t>
+              <a:t>04/08/2025</a:t>
             </a:fld>
             <a:endParaRPr lang="en-GB"/>
           </a:p>
@@ -907,7 +910,7 @@
           <a:p>
             <a:fld id="{797ED04C-4841-45FD-BA22-34C603CD2BD1}" type="datetimeFigureOut">
               <a:rPr lang="en-GB" smtClean="0"/>
-              <a:t>30/07/2025</a:t>
+              <a:t>04/08/2025</a:t>
             </a:fld>
             <a:endParaRPr lang="en-GB"/>
           </a:p>
@@ -1105,7 +1108,7 @@
           <a:p>
             <a:fld id="{797ED04C-4841-45FD-BA22-34C603CD2BD1}" type="datetimeFigureOut">
               <a:rPr lang="en-GB" smtClean="0"/>
-              <a:t>30/07/2025</a:t>
+              <a:t>04/08/2025</a:t>
             </a:fld>
             <a:endParaRPr lang="en-GB"/>
           </a:p>
@@ -1380,7 +1383,7 @@
           <a:p>
             <a:fld id="{797ED04C-4841-45FD-BA22-34C603CD2BD1}" type="datetimeFigureOut">
               <a:rPr lang="en-GB" smtClean="0"/>
-              <a:t>30/07/2025</a:t>
+              <a:t>04/08/2025</a:t>
             </a:fld>
             <a:endParaRPr lang="en-GB"/>
           </a:p>
@@ -1645,7 +1648,7 @@
           <a:p>
             <a:fld id="{797ED04C-4841-45FD-BA22-34C603CD2BD1}" type="datetimeFigureOut">
               <a:rPr lang="en-GB" smtClean="0"/>
-              <a:t>30/07/2025</a:t>
+              <a:t>04/08/2025</a:t>
             </a:fld>
             <a:endParaRPr lang="en-GB"/>
           </a:p>
@@ -2057,7 +2060,7 @@
           <a:p>
             <a:fld id="{797ED04C-4841-45FD-BA22-34C603CD2BD1}" type="datetimeFigureOut">
               <a:rPr lang="en-GB" smtClean="0"/>
-              <a:t>30/07/2025</a:t>
+              <a:t>04/08/2025</a:t>
             </a:fld>
             <a:endParaRPr lang="en-GB"/>
           </a:p>
@@ -2198,7 +2201,7 @@
           <a:p>
             <a:fld id="{797ED04C-4841-45FD-BA22-34C603CD2BD1}" type="datetimeFigureOut">
               <a:rPr lang="en-GB" smtClean="0"/>
-              <a:t>30/07/2025</a:t>
+              <a:t>04/08/2025</a:t>
             </a:fld>
             <a:endParaRPr lang="en-GB"/>
           </a:p>
@@ -2311,7 +2314,7 @@
           <a:p>
             <a:fld id="{797ED04C-4841-45FD-BA22-34C603CD2BD1}" type="datetimeFigureOut">
               <a:rPr lang="en-GB" smtClean="0"/>
-              <a:t>30/07/2025</a:t>
+              <a:t>04/08/2025</a:t>
             </a:fld>
             <a:endParaRPr lang="en-GB"/>
           </a:p>
@@ -2622,7 +2625,7 @@
           <a:p>
             <a:fld id="{797ED04C-4841-45FD-BA22-34C603CD2BD1}" type="datetimeFigureOut">
               <a:rPr lang="en-GB" smtClean="0"/>
-              <a:t>30/07/2025</a:t>
+              <a:t>04/08/2025</a:t>
             </a:fld>
             <a:endParaRPr lang="en-GB"/>
           </a:p>
@@ -2910,7 +2913,7 @@
           <a:p>
             <a:fld id="{797ED04C-4841-45FD-BA22-34C603CD2BD1}" type="datetimeFigureOut">
               <a:rPr lang="en-GB" smtClean="0"/>
-              <a:t>30/07/2025</a:t>
+              <a:t>04/08/2025</a:t>
             </a:fld>
             <a:endParaRPr lang="en-GB"/>
           </a:p>
@@ -3151,7 +3154,7 @@
           <a:p>
             <a:fld id="{797ED04C-4841-45FD-BA22-34C603CD2BD1}" type="datetimeFigureOut">
               <a:rPr lang="en-GB" smtClean="0"/>
-              <a:t>30/07/2025</a:t>
+              <a:t>04/08/2025</a:t>
             </a:fld>
             <a:endParaRPr lang="en-GB"/>
           </a:p>
@@ -20942,6 +20945,6066 @@
 </p:sld>
 </file>
 
+<file path=ppt/slides/slide20.xml><?xml version="1.0" encoding="utf-8"?>
+<p:sld xmlns:a="http://schemas.openxmlformats.org/drawingml/2006/main" xmlns:r="http://schemas.openxmlformats.org/officeDocument/2006/relationships" xmlns:p="http://schemas.openxmlformats.org/presentationml/2006/main">
+  <p:cSld>
+    <p:bg>
+      <p:bgPr>
+        <a:solidFill>
+          <a:schemeClr val="bg1">
+            <a:alpha val="30000"/>
+          </a:schemeClr>
+        </a:solidFill>
+        <a:effectLst/>
+      </p:bgPr>
+    </p:bg>
+    <p:spTree>
+      <p:nvGrpSpPr>
+        <p:cNvPr id="1" name=""/>
+        <p:cNvGrpSpPr/>
+        <p:nvPr/>
+      </p:nvGrpSpPr>
+      <p:grpSpPr>
+        <a:xfrm>
+          <a:off x="0" y="0"/>
+          <a:ext cx="0" cy="0"/>
+          <a:chOff x="0" y="0"/>
+          <a:chExt cx="0" cy="0"/>
+        </a:xfrm>
+      </p:grpSpPr>
+      <p:pic>
+        <p:nvPicPr>
+          <p:cNvPr id="5" name="Picture 4">
+            <a:extLst>
+              <a:ext uri="{FF2B5EF4-FFF2-40B4-BE49-F238E27FC236}">
+                <a16:creationId xmlns:a16="http://schemas.microsoft.com/office/drawing/2014/main" id="{2AECCB83-851F-3AFA-4A86-9AA376DE21CF}"/>
+              </a:ext>
+            </a:extLst>
+          </p:cNvPr>
+          <p:cNvPicPr>
+            <a:picLocks noChangeAspect="1"/>
+          </p:cNvPicPr>
+          <p:nvPr/>
+        </p:nvPicPr>
+        <p:blipFill>
+          <a:blip r:embed="rId2"/>
+          <a:stretch>
+            <a:fillRect/>
+          </a:stretch>
+        </p:blipFill>
+        <p:spPr>
+          <a:xfrm>
+            <a:off x="1157655" y="773121"/>
+            <a:ext cx="3705742" cy="5401429"/>
+          </a:xfrm>
+          <a:prstGeom prst="rect">
+            <a:avLst/>
+          </a:prstGeom>
+        </p:spPr>
+      </p:pic>
+      <p:cxnSp>
+        <p:nvCxnSpPr>
+          <p:cNvPr id="7" name="Straight Arrow Connector 6">
+            <a:extLst>
+              <a:ext uri="{FF2B5EF4-FFF2-40B4-BE49-F238E27FC236}">
+                <a16:creationId xmlns:a16="http://schemas.microsoft.com/office/drawing/2014/main" id="{0634DEB4-9A4A-AC19-5342-CB9551773308}"/>
+              </a:ext>
+            </a:extLst>
+          </p:cNvPr>
+          <p:cNvCxnSpPr>
+            <a:cxnSpLocks/>
+            <a:stCxn id="8" idx="1"/>
+          </p:cNvCxnSpPr>
+          <p:nvPr/>
+        </p:nvCxnSpPr>
+        <p:spPr>
+          <a:xfrm flipH="1">
+            <a:off x="3538728" y="1632884"/>
+            <a:ext cx="3246120" cy="0"/>
+          </a:xfrm>
+          <a:prstGeom prst="straightConnector1">
+            <a:avLst/>
+          </a:prstGeom>
+          <a:ln>
+            <a:tailEnd type="triangle"/>
+          </a:ln>
+        </p:spPr>
+        <p:style>
+          <a:lnRef idx="2">
+            <a:schemeClr val="accent1"/>
+          </a:lnRef>
+          <a:fillRef idx="0">
+            <a:schemeClr val="accent1"/>
+          </a:fillRef>
+          <a:effectRef idx="1">
+            <a:schemeClr val="accent1"/>
+          </a:effectRef>
+          <a:fontRef idx="minor">
+            <a:schemeClr val="tx1"/>
+          </a:fontRef>
+        </p:style>
+      </p:cxnSp>
+      <p:sp>
+        <p:nvSpPr>
+          <p:cNvPr id="8" name="TextBox 7">
+            <a:extLst>
+              <a:ext uri="{FF2B5EF4-FFF2-40B4-BE49-F238E27FC236}">
+                <a16:creationId xmlns:a16="http://schemas.microsoft.com/office/drawing/2014/main" id="{83F9DBF2-10DF-73BF-23EE-6F5ED7C89C7D}"/>
+              </a:ext>
+            </a:extLst>
+          </p:cNvPr>
+          <p:cNvSpPr txBox="1"/>
+          <p:nvPr/>
+        </p:nvSpPr>
+        <p:spPr>
+          <a:xfrm>
+            <a:off x="6784848" y="1478995"/>
+            <a:ext cx="3138103" cy="307777"/>
+          </a:xfrm>
+          <a:prstGeom prst="rect">
+            <a:avLst/>
+          </a:prstGeom>
+          <a:noFill/>
+        </p:spPr>
+        <p:txBody>
+          <a:bodyPr wrap="none" rtlCol="0">
+            <a:spAutoFit/>
+          </a:bodyPr>
+          <a:lstStyle/>
+          <a:p>
+            <a:pPr algn="l"/>
+            <a:r>
+              <a:rPr lang="en-GB" sz="1400" dirty="0"/>
+              <a:t>Text Label (=(</a:t>
+            </a:r>
+            <a:r>
+              <a:rPr lang="en-GB" sz="1400" dirty="0" err="1"/>
+              <a:t>x,y</a:t>
+            </a:r>
+            <a:r>
+              <a:rPr lang="en-GB" sz="1400" dirty="0"/>
+              <a:t>) + “string” + </a:t>
+            </a:r>
+            <a:r>
+              <a:rPr lang="en-GB" sz="1400" dirty="0" err="1"/>
+              <a:t>NaptanId</a:t>
+            </a:r>
+            <a:r>
+              <a:rPr lang="en-GB" sz="1400" dirty="0"/>
+              <a:t>)</a:t>
+            </a:r>
+          </a:p>
+        </p:txBody>
+      </p:sp>
+      <p:cxnSp>
+        <p:nvCxnSpPr>
+          <p:cNvPr id="10" name="Straight Arrow Connector 9">
+            <a:extLst>
+              <a:ext uri="{FF2B5EF4-FFF2-40B4-BE49-F238E27FC236}">
+                <a16:creationId xmlns:a16="http://schemas.microsoft.com/office/drawing/2014/main" id="{BD7512BF-634D-D722-1CE4-DC6B60DA797F}"/>
+              </a:ext>
+            </a:extLst>
+          </p:cNvPr>
+          <p:cNvCxnSpPr/>
+          <p:nvPr/>
+        </p:nvCxnSpPr>
+        <p:spPr>
+          <a:xfrm flipH="1" flipV="1">
+            <a:off x="1581912" y="1362456"/>
+            <a:ext cx="5513832" cy="1435608"/>
+          </a:xfrm>
+          <a:prstGeom prst="straightConnector1">
+            <a:avLst/>
+          </a:prstGeom>
+          <a:ln>
+            <a:tailEnd type="triangle"/>
+          </a:ln>
+        </p:spPr>
+        <p:style>
+          <a:lnRef idx="2">
+            <a:schemeClr val="accent1"/>
+          </a:lnRef>
+          <a:fillRef idx="0">
+            <a:schemeClr val="accent1"/>
+          </a:fillRef>
+          <a:effectRef idx="1">
+            <a:schemeClr val="accent1"/>
+          </a:effectRef>
+          <a:fontRef idx="minor">
+            <a:schemeClr val="tx1"/>
+          </a:fontRef>
+        </p:style>
+      </p:cxnSp>
+      <p:sp>
+        <p:nvSpPr>
+          <p:cNvPr id="11" name="TextBox 10">
+            <a:extLst>
+              <a:ext uri="{FF2B5EF4-FFF2-40B4-BE49-F238E27FC236}">
+                <a16:creationId xmlns:a16="http://schemas.microsoft.com/office/drawing/2014/main" id="{26E1B17F-E674-C0D5-84C4-370058A77630}"/>
+              </a:ext>
+            </a:extLst>
+          </p:cNvPr>
+          <p:cNvSpPr txBox="1"/>
+          <p:nvPr/>
+        </p:nvSpPr>
+        <p:spPr>
+          <a:xfrm>
+            <a:off x="7159752" y="2798064"/>
+            <a:ext cx="1947672" cy="523220"/>
+          </a:xfrm>
+          <a:prstGeom prst="rect">
+            <a:avLst/>
+          </a:prstGeom>
+          <a:noFill/>
+        </p:spPr>
+        <p:txBody>
+          <a:bodyPr wrap="square" rtlCol="0">
+            <a:spAutoFit/>
+          </a:bodyPr>
+          <a:lstStyle/>
+          <a:p>
+            <a:pPr algn="l"/>
+            <a:r>
+              <a:rPr lang="en-GB" sz="1400" dirty="0"/>
+              <a:t>Line segment (=(</a:t>
+            </a:r>
+            <a:r>
+              <a:rPr lang="en-GB" sz="1400" dirty="0" err="1"/>
+              <a:t>x,y</a:t>
+            </a:r>
+            <a:r>
+              <a:rPr lang="en-GB" sz="1400" dirty="0"/>
+              <a:t>) (x2,y2) + colour)</a:t>
+            </a:r>
+          </a:p>
+        </p:txBody>
+      </p:sp>
+      <p:sp>
+        <p:nvSpPr>
+          <p:cNvPr id="12" name="Oval 11">
+            <a:extLst>
+              <a:ext uri="{FF2B5EF4-FFF2-40B4-BE49-F238E27FC236}">
+                <a16:creationId xmlns:a16="http://schemas.microsoft.com/office/drawing/2014/main" id="{C59D5AC3-04C0-1586-3003-DB7B2C856A10}"/>
+              </a:ext>
+            </a:extLst>
+          </p:cNvPr>
+          <p:cNvSpPr/>
+          <p:nvPr/>
+        </p:nvSpPr>
+        <p:spPr>
+          <a:xfrm>
+            <a:off x="1444752" y="1280160"/>
+            <a:ext cx="194759" cy="82290"/>
+          </a:xfrm>
+          <a:prstGeom prst="ellipse">
+            <a:avLst/>
+          </a:prstGeom>
+          <a:solidFill>
+            <a:schemeClr val="bg2"/>
+          </a:solidFill>
+        </p:spPr>
+        <p:style>
+          <a:lnRef idx="2">
+            <a:schemeClr val="accent1">
+              <a:shade val="15000"/>
+            </a:schemeClr>
+          </a:lnRef>
+          <a:fillRef idx="1">
+            <a:schemeClr val="accent1"/>
+          </a:fillRef>
+          <a:effectRef idx="0">
+            <a:schemeClr val="accent1"/>
+          </a:effectRef>
+          <a:fontRef idx="minor">
+            <a:schemeClr val="lt1"/>
+          </a:fontRef>
+        </p:style>
+        <p:txBody>
+          <a:bodyPr wrap="none" rtlCol="0" anchor="ctr">
+            <a:noAutofit/>
+          </a:bodyPr>
+          <a:lstStyle/>
+          <a:p>
+            <a:pPr algn="ctr"/>
+            <a:endParaRPr lang="en-GB" sz="1200" dirty="0"/>
+          </a:p>
+        </p:txBody>
+      </p:sp>
+      <p:cxnSp>
+        <p:nvCxnSpPr>
+          <p:cNvPr id="14" name="Straight Arrow Connector 13">
+            <a:extLst>
+              <a:ext uri="{FF2B5EF4-FFF2-40B4-BE49-F238E27FC236}">
+                <a16:creationId xmlns:a16="http://schemas.microsoft.com/office/drawing/2014/main" id="{C9D94D79-89B5-3D65-5444-1FA7C3CB1BBE}"/>
+              </a:ext>
+            </a:extLst>
+          </p:cNvPr>
+          <p:cNvCxnSpPr/>
+          <p:nvPr/>
+        </p:nvCxnSpPr>
+        <p:spPr>
+          <a:xfrm flipH="1">
+            <a:off x="646545" y="728285"/>
+            <a:ext cx="73891" cy="5644806"/>
+          </a:xfrm>
+          <a:prstGeom prst="straightConnector1">
+            <a:avLst/>
+          </a:prstGeom>
+          <a:ln>
+            <a:tailEnd type="triangle"/>
+          </a:ln>
+        </p:spPr>
+        <p:style>
+          <a:lnRef idx="2">
+            <a:schemeClr val="accent1"/>
+          </a:lnRef>
+          <a:fillRef idx="0">
+            <a:schemeClr val="accent1"/>
+          </a:fillRef>
+          <a:effectRef idx="1">
+            <a:schemeClr val="accent1"/>
+          </a:effectRef>
+          <a:fontRef idx="minor">
+            <a:schemeClr val="tx1"/>
+          </a:fontRef>
+        </p:style>
+      </p:cxnSp>
+      <p:cxnSp>
+        <p:nvCxnSpPr>
+          <p:cNvPr id="16" name="Straight Arrow Connector 15">
+            <a:extLst>
+              <a:ext uri="{FF2B5EF4-FFF2-40B4-BE49-F238E27FC236}">
+                <a16:creationId xmlns:a16="http://schemas.microsoft.com/office/drawing/2014/main" id="{310BE1DA-5388-976C-DBC3-959D915DBCA4}"/>
+              </a:ext>
+            </a:extLst>
+          </p:cNvPr>
+          <p:cNvCxnSpPr/>
+          <p:nvPr/>
+        </p:nvCxnSpPr>
+        <p:spPr>
+          <a:xfrm>
+            <a:off x="720436" y="517236"/>
+            <a:ext cx="5680364" cy="0"/>
+          </a:xfrm>
+          <a:prstGeom prst="straightConnector1">
+            <a:avLst/>
+          </a:prstGeom>
+          <a:ln>
+            <a:tailEnd type="triangle"/>
+          </a:ln>
+        </p:spPr>
+        <p:style>
+          <a:lnRef idx="2">
+            <a:schemeClr val="accent1"/>
+          </a:lnRef>
+          <a:fillRef idx="0">
+            <a:schemeClr val="accent1"/>
+          </a:fillRef>
+          <a:effectRef idx="1">
+            <a:schemeClr val="accent1"/>
+          </a:effectRef>
+          <a:fontRef idx="minor">
+            <a:schemeClr val="tx1"/>
+          </a:fontRef>
+        </p:style>
+      </p:cxnSp>
+      <p:sp>
+        <p:nvSpPr>
+          <p:cNvPr id="17" name="TextBox 16">
+            <a:extLst>
+              <a:ext uri="{FF2B5EF4-FFF2-40B4-BE49-F238E27FC236}">
+                <a16:creationId xmlns:a16="http://schemas.microsoft.com/office/drawing/2014/main" id="{D90DD38F-FE3C-0F48-16CD-8FBBE8ECE5DD}"/>
+              </a:ext>
+            </a:extLst>
+          </p:cNvPr>
+          <p:cNvSpPr txBox="1"/>
+          <p:nvPr/>
+        </p:nvSpPr>
+        <p:spPr>
+          <a:xfrm>
+            <a:off x="6400800" y="322200"/>
+            <a:ext cx="264816" cy="307777"/>
+          </a:xfrm>
+          <a:prstGeom prst="rect">
+            <a:avLst/>
+          </a:prstGeom>
+          <a:noFill/>
+        </p:spPr>
+        <p:txBody>
+          <a:bodyPr wrap="none" rtlCol="0">
+            <a:spAutoFit/>
+          </a:bodyPr>
+          <a:lstStyle/>
+          <a:p>
+            <a:pPr algn="l"/>
+            <a:r>
+              <a:rPr lang="en-GB" sz="1400" dirty="0"/>
+              <a:t>x</a:t>
+            </a:r>
+          </a:p>
+        </p:txBody>
+      </p:sp>
+      <p:sp>
+        <p:nvSpPr>
+          <p:cNvPr id="18" name="TextBox 17">
+            <a:extLst>
+              <a:ext uri="{FF2B5EF4-FFF2-40B4-BE49-F238E27FC236}">
+                <a16:creationId xmlns:a16="http://schemas.microsoft.com/office/drawing/2014/main" id="{0C3C6313-A538-150A-22BA-7A8BA567F4F0}"/>
+              </a:ext>
+            </a:extLst>
+          </p:cNvPr>
+          <p:cNvSpPr txBox="1"/>
+          <p:nvPr/>
+        </p:nvSpPr>
+        <p:spPr>
+          <a:xfrm>
+            <a:off x="587226" y="6373091"/>
+            <a:ext cx="266420" cy="307777"/>
+          </a:xfrm>
+          <a:prstGeom prst="rect">
+            <a:avLst/>
+          </a:prstGeom>
+          <a:noFill/>
+        </p:spPr>
+        <p:txBody>
+          <a:bodyPr wrap="none" rtlCol="0">
+            <a:spAutoFit/>
+          </a:bodyPr>
+          <a:lstStyle/>
+          <a:p>
+            <a:pPr algn="l"/>
+            <a:r>
+              <a:rPr lang="en-GB" sz="1400" dirty="0"/>
+              <a:t>y</a:t>
+            </a:r>
+          </a:p>
+        </p:txBody>
+      </p:sp>
+      <p:sp>
+        <p:nvSpPr>
+          <p:cNvPr id="19" name="TextBox 18">
+            <a:extLst>
+              <a:ext uri="{FF2B5EF4-FFF2-40B4-BE49-F238E27FC236}">
+                <a16:creationId xmlns:a16="http://schemas.microsoft.com/office/drawing/2014/main" id="{21C30C71-7D0A-EF85-E002-1ADC449599FE}"/>
+              </a:ext>
+            </a:extLst>
+          </p:cNvPr>
+          <p:cNvSpPr txBox="1"/>
+          <p:nvPr/>
+        </p:nvSpPr>
+        <p:spPr>
+          <a:xfrm>
+            <a:off x="193964" y="728285"/>
+            <a:ext cx="319371" cy="307777"/>
+          </a:xfrm>
+          <a:prstGeom prst="rect">
+            <a:avLst/>
+          </a:prstGeom>
+          <a:noFill/>
+        </p:spPr>
+        <p:txBody>
+          <a:bodyPr wrap="square" rtlCol="0">
+            <a:spAutoFit/>
+          </a:bodyPr>
+          <a:lstStyle/>
+          <a:p>
+            <a:pPr algn="l"/>
+            <a:r>
+              <a:rPr lang="en-GB" sz="1400" dirty="0"/>
+              <a:t>0</a:t>
+            </a:r>
+          </a:p>
+        </p:txBody>
+      </p:sp>
+      <p:sp>
+        <p:nvSpPr>
+          <p:cNvPr id="20" name="TextBox 19">
+            <a:extLst>
+              <a:ext uri="{FF2B5EF4-FFF2-40B4-BE49-F238E27FC236}">
+                <a16:creationId xmlns:a16="http://schemas.microsoft.com/office/drawing/2014/main" id="{573AF9B1-A393-0D44-F05F-40A346F8723A}"/>
+              </a:ext>
+            </a:extLst>
+          </p:cNvPr>
+          <p:cNvSpPr txBox="1"/>
+          <p:nvPr/>
+        </p:nvSpPr>
+        <p:spPr>
+          <a:xfrm>
+            <a:off x="138545" y="6003636"/>
+            <a:ext cx="1277209" cy="307777"/>
+          </a:xfrm>
+          <a:prstGeom prst="rect">
+            <a:avLst/>
+          </a:prstGeom>
+          <a:noFill/>
+        </p:spPr>
+        <p:txBody>
+          <a:bodyPr wrap="none" rtlCol="0">
+            <a:spAutoFit/>
+          </a:bodyPr>
+          <a:lstStyle/>
+          <a:p>
+            <a:pPr algn="l"/>
+            <a:r>
+              <a:rPr lang="en-GB" sz="1400" dirty="0"/>
+              <a:t>No of Stations</a:t>
+            </a:r>
+          </a:p>
+        </p:txBody>
+      </p:sp>
+      <p:sp>
+        <p:nvSpPr>
+          <p:cNvPr id="21" name="TextBox 20">
+            <a:extLst>
+              <a:ext uri="{FF2B5EF4-FFF2-40B4-BE49-F238E27FC236}">
+                <a16:creationId xmlns:a16="http://schemas.microsoft.com/office/drawing/2014/main" id="{092F2C27-AC94-EA58-2509-92A23660990F}"/>
+              </a:ext>
+            </a:extLst>
+          </p:cNvPr>
+          <p:cNvSpPr txBox="1"/>
+          <p:nvPr/>
+        </p:nvSpPr>
+        <p:spPr>
+          <a:xfrm>
+            <a:off x="7095744" y="120392"/>
+            <a:ext cx="2322576" cy="954107"/>
+          </a:xfrm>
+          <a:prstGeom prst="rect">
+            <a:avLst/>
+          </a:prstGeom>
+          <a:noFill/>
+        </p:spPr>
+        <p:txBody>
+          <a:bodyPr wrap="square" rtlCol="0">
+            <a:spAutoFit/>
+          </a:bodyPr>
+          <a:lstStyle/>
+          <a:p>
+            <a:pPr algn="l"/>
+            <a:r>
+              <a:rPr lang="en-GB" sz="1400" dirty="0"/>
+              <a:t>X = 0..3 columns for the blue lines and black squares</a:t>
+            </a:r>
+          </a:p>
+          <a:p>
+            <a:pPr algn="l"/>
+            <a:r>
+              <a:rPr lang="en-GB" sz="1400" dirty="0"/>
+              <a:t>X = 5 start of each text label</a:t>
+            </a:r>
+          </a:p>
+        </p:txBody>
+      </p:sp>
+      <p:cxnSp>
+        <p:nvCxnSpPr>
+          <p:cNvPr id="23" name="Straight Arrow Connector 22">
+            <a:extLst>
+              <a:ext uri="{FF2B5EF4-FFF2-40B4-BE49-F238E27FC236}">
+                <a16:creationId xmlns:a16="http://schemas.microsoft.com/office/drawing/2014/main" id="{8BD453A1-F573-5275-AED2-3B404F8E3149}"/>
+              </a:ext>
+            </a:extLst>
+          </p:cNvPr>
+          <p:cNvCxnSpPr/>
+          <p:nvPr/>
+        </p:nvCxnSpPr>
+        <p:spPr>
+          <a:xfrm flipH="1" flipV="1">
+            <a:off x="1293091" y="2724727"/>
+            <a:ext cx="5994400" cy="2022764"/>
+          </a:xfrm>
+          <a:prstGeom prst="straightConnector1">
+            <a:avLst/>
+          </a:prstGeom>
+          <a:ln>
+            <a:tailEnd type="triangle"/>
+          </a:ln>
+        </p:spPr>
+        <p:style>
+          <a:lnRef idx="2">
+            <a:schemeClr val="accent1"/>
+          </a:lnRef>
+          <a:fillRef idx="0">
+            <a:schemeClr val="accent1"/>
+          </a:fillRef>
+          <a:effectRef idx="1">
+            <a:schemeClr val="accent1"/>
+          </a:effectRef>
+          <a:fontRef idx="minor">
+            <a:schemeClr val="tx1"/>
+          </a:fontRef>
+        </p:style>
+      </p:cxnSp>
+      <p:sp>
+        <p:nvSpPr>
+          <p:cNvPr id="24" name="TextBox 23">
+            <a:extLst>
+              <a:ext uri="{FF2B5EF4-FFF2-40B4-BE49-F238E27FC236}">
+                <a16:creationId xmlns:a16="http://schemas.microsoft.com/office/drawing/2014/main" id="{0D7DD079-4853-378A-2FCA-D8B58F34FBA0}"/>
+              </a:ext>
+            </a:extLst>
+          </p:cNvPr>
+          <p:cNvSpPr txBox="1"/>
+          <p:nvPr/>
+        </p:nvSpPr>
+        <p:spPr>
+          <a:xfrm>
+            <a:off x="7435273" y="4368800"/>
+            <a:ext cx="1819563" cy="307777"/>
+          </a:xfrm>
+          <a:prstGeom prst="rect">
+            <a:avLst/>
+          </a:prstGeom>
+          <a:noFill/>
+        </p:spPr>
+        <p:txBody>
+          <a:bodyPr wrap="square" rtlCol="0">
+            <a:spAutoFit/>
+          </a:bodyPr>
+          <a:lstStyle/>
+          <a:p>
+            <a:pPr algn="l"/>
+            <a:r>
+              <a:rPr lang="en-GB" sz="1400" dirty="0"/>
+              <a:t>Black square (=(</a:t>
+            </a:r>
+            <a:r>
+              <a:rPr lang="en-GB" sz="1400" dirty="0" err="1"/>
+              <a:t>x,y</a:t>
+            </a:r>
+            <a:r>
+              <a:rPr lang="en-GB" sz="1400" dirty="0"/>
+              <a:t>))</a:t>
+            </a:r>
+          </a:p>
+        </p:txBody>
+      </p:sp>
+      <p:sp>
+        <p:nvSpPr>
+          <p:cNvPr id="26" name="TextBox 25">
+            <a:extLst>
+              <a:ext uri="{FF2B5EF4-FFF2-40B4-BE49-F238E27FC236}">
+                <a16:creationId xmlns:a16="http://schemas.microsoft.com/office/drawing/2014/main" id="{17BAD210-291D-C073-F75C-A721001092E8}"/>
+              </a:ext>
+            </a:extLst>
+          </p:cNvPr>
+          <p:cNvSpPr txBox="1"/>
+          <p:nvPr/>
+        </p:nvSpPr>
+        <p:spPr>
+          <a:xfrm>
+            <a:off x="9254836" y="2179782"/>
+            <a:ext cx="2322576" cy="1600438"/>
+          </a:xfrm>
+          <a:prstGeom prst="rect">
+            <a:avLst/>
+          </a:prstGeom>
+          <a:noFill/>
+        </p:spPr>
+        <p:txBody>
+          <a:bodyPr wrap="square" rtlCol="0">
+            <a:spAutoFit/>
+          </a:bodyPr>
+          <a:lstStyle/>
+          <a:p>
+            <a:pPr algn="l"/>
+            <a:r>
+              <a:rPr lang="en-GB" sz="1400" dirty="0"/>
+              <a:t>Option1: Generic format </a:t>
+            </a:r>
+          </a:p>
+          <a:p>
+            <a:pPr algn="l"/>
+            <a:r>
+              <a:rPr lang="en-GB" sz="1400" dirty="0"/>
+              <a:t>Contains a collection of</a:t>
+            </a:r>
+          </a:p>
+          <a:p>
+            <a:pPr algn="l"/>
+            <a:r>
+              <a:rPr lang="en-GB" sz="1400" dirty="0"/>
+              <a:t>Station text labels</a:t>
+            </a:r>
+          </a:p>
+          <a:p>
+            <a:pPr algn="l"/>
+            <a:r>
+              <a:rPr lang="en-GB" sz="1400" dirty="0"/>
+              <a:t>Line segments</a:t>
+            </a:r>
+          </a:p>
+          <a:p>
+            <a:pPr algn="l"/>
+            <a:r>
+              <a:rPr lang="en-GB" sz="1400" dirty="0"/>
+              <a:t>Black Squares</a:t>
+            </a:r>
+          </a:p>
+          <a:p>
+            <a:pPr algn="l"/>
+            <a:endParaRPr lang="en-GB" sz="1400" dirty="0"/>
+          </a:p>
+          <a:p>
+            <a:pPr algn="l"/>
+            <a:r>
+              <a:rPr lang="en-GB" sz="1400" dirty="0"/>
+              <a:t>(this could be </a:t>
+            </a:r>
+            <a:r>
+              <a:rPr lang="en-GB" sz="1400" dirty="0" err="1"/>
+              <a:t>json</a:t>
+            </a:r>
+            <a:r>
+              <a:rPr lang="en-GB" sz="1400" dirty="0"/>
+              <a:t> or text)</a:t>
+            </a:r>
+          </a:p>
+        </p:txBody>
+      </p:sp>
+      <p:sp>
+        <p:nvSpPr>
+          <p:cNvPr id="27" name="TextBox 26">
+            <a:extLst>
+              <a:ext uri="{FF2B5EF4-FFF2-40B4-BE49-F238E27FC236}">
+                <a16:creationId xmlns:a16="http://schemas.microsoft.com/office/drawing/2014/main" id="{FF565C11-D967-A75C-70B0-35B9CE729FA0}"/>
+              </a:ext>
+            </a:extLst>
+          </p:cNvPr>
+          <p:cNvSpPr txBox="1"/>
+          <p:nvPr/>
+        </p:nvSpPr>
+        <p:spPr>
+          <a:xfrm>
+            <a:off x="5726545" y="5031595"/>
+            <a:ext cx="5647667" cy="1384995"/>
+          </a:xfrm>
+          <a:prstGeom prst="rect">
+            <a:avLst/>
+          </a:prstGeom>
+          <a:noFill/>
+        </p:spPr>
+        <p:txBody>
+          <a:bodyPr wrap="square" rtlCol="0">
+            <a:spAutoFit/>
+          </a:bodyPr>
+          <a:lstStyle/>
+          <a:p>
+            <a:pPr algn="l"/>
+            <a:r>
+              <a:rPr lang="en-GB" sz="1400" dirty="0"/>
+              <a:t>Option2: React/</a:t>
+            </a:r>
+            <a:r>
+              <a:rPr lang="en-GB" sz="1400" dirty="0" err="1"/>
+              <a:t>js</a:t>
+            </a:r>
+            <a:r>
+              <a:rPr lang="en-GB" sz="1400" dirty="0"/>
+              <a:t> script </a:t>
+            </a:r>
+          </a:p>
+          <a:p>
+            <a:pPr algn="l"/>
+            <a:r>
+              <a:rPr lang="en-GB" sz="1400" dirty="0"/>
+              <a:t>Contains the React code for</a:t>
+            </a:r>
+          </a:p>
+          <a:p>
+            <a:pPr algn="l"/>
+            <a:r>
+              <a:rPr lang="en-GB" sz="1400" dirty="0"/>
+              <a:t>React elements</a:t>
+            </a:r>
+          </a:p>
+          <a:p>
+            <a:pPr algn="l"/>
+            <a:r>
+              <a:rPr lang="en-GB" sz="1400" dirty="0"/>
+              <a:t>&lt;Station name=“Canary Wharf” x=“5” y=“15” </a:t>
+            </a:r>
+            <a:r>
+              <a:rPr lang="en-GB" sz="1400" dirty="0" err="1"/>
+              <a:t>NaptanId</a:t>
+            </a:r>
+            <a:r>
+              <a:rPr lang="en-GB" sz="1400" dirty="0"/>
+              <a:t>=“”&gt; text labels</a:t>
+            </a:r>
+          </a:p>
+          <a:p>
+            <a:pPr algn="l"/>
+            <a:r>
+              <a:rPr lang="en-GB" sz="1400" dirty="0"/>
+              <a:t>&lt;</a:t>
+            </a:r>
+            <a:r>
+              <a:rPr lang="en-GB" sz="1400" dirty="0" err="1"/>
+              <a:t>LineSegment</a:t>
+            </a:r>
+            <a:r>
+              <a:rPr lang="en-GB" sz="1400" dirty="0"/>
+              <a:t> colour=“Blue” x1=“2” y1=“15”  x2=“3” y2=“16”&gt;</a:t>
+            </a:r>
+          </a:p>
+          <a:p>
+            <a:r>
+              <a:rPr lang="en-GB" sz="1400" dirty="0"/>
+              <a:t>&lt;</a:t>
+            </a:r>
+            <a:r>
+              <a:rPr lang="en-GB" sz="1400" dirty="0" err="1"/>
+              <a:t>StationMark</a:t>
+            </a:r>
+            <a:r>
+              <a:rPr lang="en-GB" sz="1400" dirty="0"/>
+              <a:t> x=“3” y=“15”&gt;</a:t>
+            </a:r>
+          </a:p>
+        </p:txBody>
+      </p:sp>
+    </p:spTree>
+    <p:extLst>
+      <p:ext uri="{BB962C8B-B14F-4D97-AF65-F5344CB8AC3E}">
+        <p14:creationId xmlns:p14="http://schemas.microsoft.com/office/powerpoint/2010/main" val="1776313605"/>
+      </p:ext>
+    </p:extLst>
+  </p:cSld>
+  <p:clrMapOvr>
+    <a:masterClrMapping/>
+  </p:clrMapOvr>
+</p:sld>
+</file>
+
+<file path=ppt/slides/slide21.xml><?xml version="1.0" encoding="utf-8"?>
+<p:sld xmlns:a="http://schemas.openxmlformats.org/drawingml/2006/main" xmlns:r="http://schemas.openxmlformats.org/officeDocument/2006/relationships" xmlns:p="http://schemas.openxmlformats.org/presentationml/2006/main">
+  <p:cSld>
+    <p:spTree>
+      <p:nvGrpSpPr>
+        <p:cNvPr id="1" name=""/>
+        <p:cNvGrpSpPr/>
+        <p:nvPr/>
+      </p:nvGrpSpPr>
+      <p:grpSpPr>
+        <a:xfrm>
+          <a:off x="0" y="0"/>
+          <a:ext cx="0" cy="0"/>
+          <a:chOff x="0" y="0"/>
+          <a:chExt cx="0" cy="0"/>
+        </a:xfrm>
+      </p:grpSpPr>
+      <p:sp>
+        <p:nvSpPr>
+          <p:cNvPr id="4" name="TextBox 3">
+            <a:extLst>
+              <a:ext uri="{FF2B5EF4-FFF2-40B4-BE49-F238E27FC236}">
+                <a16:creationId xmlns:a16="http://schemas.microsoft.com/office/drawing/2014/main" id="{5515CB76-48DB-8B9C-CA07-6C2848643F30}"/>
+              </a:ext>
+            </a:extLst>
+          </p:cNvPr>
+          <p:cNvSpPr txBox="1"/>
+          <p:nvPr/>
+        </p:nvSpPr>
+        <p:spPr>
+          <a:xfrm>
+            <a:off x="1560945" y="496540"/>
+            <a:ext cx="6197600" cy="1384995"/>
+          </a:xfrm>
+          <a:prstGeom prst="rect">
+            <a:avLst/>
+          </a:prstGeom>
+          <a:noFill/>
+        </p:spPr>
+        <p:txBody>
+          <a:bodyPr wrap="square" rtlCol="0">
+            <a:spAutoFit/>
+          </a:bodyPr>
+          <a:lstStyle/>
+          <a:p>
+            <a:pPr algn="l"/>
+            <a:r>
+              <a:rPr lang="en-GB" sz="1400" dirty="0"/>
+              <a:t>Option2: React/</a:t>
+            </a:r>
+            <a:r>
+              <a:rPr lang="en-GB" sz="1400" dirty="0" err="1"/>
+              <a:t>js</a:t>
+            </a:r>
+            <a:r>
+              <a:rPr lang="en-GB" sz="1400" dirty="0"/>
+              <a:t> script </a:t>
+            </a:r>
+          </a:p>
+          <a:p>
+            <a:pPr algn="l"/>
+            <a:r>
+              <a:rPr lang="en-GB" sz="1400" dirty="0"/>
+              <a:t>Contains the React code for</a:t>
+            </a:r>
+          </a:p>
+          <a:p>
+            <a:pPr algn="l"/>
+            <a:r>
+              <a:rPr lang="en-GB" sz="1400" dirty="0"/>
+              <a:t>React elements</a:t>
+            </a:r>
+          </a:p>
+          <a:p>
+            <a:pPr algn="l"/>
+            <a:r>
+              <a:rPr lang="en-GB" sz="1400" dirty="0"/>
+              <a:t>&lt;Station name=“Canary Wharf” x=“5” y=“15” id=“</a:t>
+            </a:r>
+            <a:r>
+              <a:rPr lang="en-GB" sz="1400" dirty="0" err="1"/>
+              <a:t>NaptanId</a:t>
+            </a:r>
+            <a:r>
+              <a:rPr lang="en-GB" sz="1400" dirty="0"/>
+              <a:t>”&gt; text labels</a:t>
+            </a:r>
+          </a:p>
+          <a:p>
+            <a:pPr algn="l"/>
+            <a:r>
+              <a:rPr lang="en-GB" sz="1400" dirty="0"/>
+              <a:t>&lt;</a:t>
+            </a:r>
+            <a:r>
+              <a:rPr lang="en-GB" sz="1400" dirty="0" err="1"/>
+              <a:t>LineSegment</a:t>
+            </a:r>
+            <a:r>
+              <a:rPr lang="en-GB" sz="1400" dirty="0"/>
+              <a:t> colour=“Blue” x1=“2” y1=“15”  x2=“3” y2=“16”&gt;</a:t>
+            </a:r>
+          </a:p>
+          <a:p>
+            <a:r>
+              <a:rPr lang="en-GB" sz="1400" dirty="0"/>
+              <a:t>&lt;</a:t>
+            </a:r>
+            <a:r>
+              <a:rPr lang="en-GB" sz="1400" dirty="0" err="1"/>
+              <a:t>StationMark</a:t>
+            </a:r>
+            <a:r>
+              <a:rPr lang="en-GB" sz="1400" dirty="0"/>
+              <a:t> x=“3” y=“15”&gt;</a:t>
+            </a:r>
+          </a:p>
+        </p:txBody>
+      </p:sp>
+      <p:sp>
+        <p:nvSpPr>
+          <p:cNvPr id="5" name="TextBox 4">
+            <a:extLst>
+              <a:ext uri="{FF2B5EF4-FFF2-40B4-BE49-F238E27FC236}">
+                <a16:creationId xmlns:a16="http://schemas.microsoft.com/office/drawing/2014/main" id="{539133E5-27F3-1A18-2796-536B18915DE2}"/>
+              </a:ext>
+            </a:extLst>
+          </p:cNvPr>
+          <p:cNvSpPr txBox="1"/>
+          <p:nvPr/>
+        </p:nvSpPr>
+        <p:spPr>
+          <a:xfrm>
+            <a:off x="3103418" y="2512291"/>
+            <a:ext cx="5902037" cy="2031325"/>
+          </a:xfrm>
+          <a:prstGeom prst="rect">
+            <a:avLst/>
+          </a:prstGeom>
+          <a:noFill/>
+        </p:spPr>
+        <p:txBody>
+          <a:bodyPr wrap="square" rtlCol="0">
+            <a:spAutoFit/>
+          </a:bodyPr>
+          <a:lstStyle/>
+          <a:p>
+            <a:pPr algn="l"/>
+            <a:r>
+              <a:rPr lang="en-GB" sz="1400" dirty="0"/>
+              <a:t>Write a react program to define </a:t>
+            </a:r>
+          </a:p>
+          <a:p>
+            <a:pPr algn="l"/>
+            <a:r>
+              <a:rPr lang="en-GB" sz="1400" dirty="0"/>
+              <a:t>&lt;Station&gt; &lt;</a:t>
+            </a:r>
+            <a:r>
+              <a:rPr lang="en-GB" sz="1400" dirty="0" err="1"/>
+              <a:t>LineSegment</a:t>
+            </a:r>
+            <a:r>
+              <a:rPr lang="en-GB" sz="1400" dirty="0"/>
+              <a:t>&gt; &lt;</a:t>
+            </a:r>
+            <a:r>
+              <a:rPr lang="en-GB" sz="1400" dirty="0" err="1"/>
+              <a:t>StationMarker</a:t>
+            </a:r>
+            <a:r>
+              <a:rPr lang="en-GB" sz="1400" dirty="0"/>
+              <a:t>&gt;</a:t>
+            </a:r>
+          </a:p>
+          <a:p>
+            <a:pPr algn="l"/>
+            <a:endParaRPr lang="en-GB" sz="1400" dirty="0"/>
+          </a:p>
+          <a:p>
+            <a:pPr algn="l"/>
+            <a:r>
+              <a:rPr lang="en-GB" sz="1400" dirty="0"/>
+              <a:t>Make up some mock data to show an example. Use a </a:t>
+            </a:r>
+            <a:r>
+              <a:rPr lang="en-GB" sz="1400" dirty="0" err="1"/>
+              <a:t>NaptanId</a:t>
+            </a:r>
+            <a:r>
+              <a:rPr lang="en-GB" sz="1400" dirty="0"/>
+              <a:t> from a Station so that you can click and hit an endpoint that retrieves some Predictions </a:t>
+            </a:r>
+          </a:p>
+          <a:p>
+            <a:pPr algn="l"/>
+            <a:endParaRPr lang="en-GB" sz="1400" dirty="0"/>
+          </a:p>
+          <a:p>
+            <a:pPr algn="l"/>
+            <a:r>
+              <a:rPr lang="en-GB" sz="1400" dirty="0"/>
+              <a:t>Make the </a:t>
+            </a:r>
+            <a:r>
+              <a:rPr lang="en-GB" sz="1400" dirty="0" err="1"/>
+              <a:t>NetworkBuilder</a:t>
+            </a:r>
+            <a:r>
+              <a:rPr lang="en-GB" sz="1400" dirty="0"/>
+              <a:t> generate the real data using the real </a:t>
+            </a:r>
+            <a:r>
+              <a:rPr lang="en-GB" sz="1400" dirty="0" err="1"/>
+              <a:t>RouteSequenceAsync</a:t>
+            </a:r>
+            <a:endParaRPr lang="en-GB" sz="1400" dirty="0"/>
+          </a:p>
+        </p:txBody>
+      </p:sp>
+    </p:spTree>
+    <p:extLst>
+      <p:ext uri="{BB962C8B-B14F-4D97-AF65-F5344CB8AC3E}">
+        <p14:creationId xmlns:p14="http://schemas.microsoft.com/office/powerpoint/2010/main" val="3226295717"/>
+      </p:ext>
+    </p:extLst>
+  </p:cSld>
+  <p:clrMapOvr>
+    <a:masterClrMapping/>
+  </p:clrMapOvr>
+</p:sld>
+</file>
+
+<file path=ppt/slides/slide22.xml><?xml version="1.0" encoding="utf-8"?>
+<p:sld xmlns:a="http://schemas.openxmlformats.org/drawingml/2006/main" xmlns:r="http://schemas.openxmlformats.org/officeDocument/2006/relationships" xmlns:p="http://schemas.openxmlformats.org/presentationml/2006/main">
+  <p:cSld>
+    <p:spTree>
+      <p:nvGrpSpPr>
+        <p:cNvPr id="1" name=""/>
+        <p:cNvGrpSpPr/>
+        <p:nvPr/>
+      </p:nvGrpSpPr>
+      <p:grpSpPr>
+        <a:xfrm>
+          <a:off x="0" y="0"/>
+          <a:ext cx="0" cy="0"/>
+          <a:chOff x="0" y="0"/>
+          <a:chExt cx="0" cy="0"/>
+        </a:xfrm>
+      </p:grpSpPr>
+      <p:sp>
+        <p:nvSpPr>
+          <p:cNvPr id="4" name="Oval 3">
+            <a:extLst>
+              <a:ext uri="{FF2B5EF4-FFF2-40B4-BE49-F238E27FC236}">
+                <a16:creationId xmlns:a16="http://schemas.microsoft.com/office/drawing/2014/main" id="{E9DAF09A-C067-6EB4-18E3-6BE27FF5E13F}"/>
+              </a:ext>
+            </a:extLst>
+          </p:cNvPr>
+          <p:cNvSpPr/>
+          <p:nvPr/>
+        </p:nvSpPr>
+        <p:spPr>
+          <a:xfrm>
+            <a:off x="8195605" y="955594"/>
+            <a:ext cx="201168" cy="201168"/>
+          </a:xfrm>
+          <a:prstGeom prst="ellipse">
+            <a:avLst/>
+          </a:prstGeom>
+        </p:spPr>
+        <p:style>
+          <a:lnRef idx="2">
+            <a:schemeClr val="accent1">
+              <a:shade val="15000"/>
+            </a:schemeClr>
+          </a:lnRef>
+          <a:fillRef idx="1">
+            <a:schemeClr val="accent1"/>
+          </a:fillRef>
+          <a:effectRef idx="0">
+            <a:schemeClr val="accent1"/>
+          </a:effectRef>
+          <a:fontRef idx="minor">
+            <a:schemeClr val="lt1"/>
+          </a:fontRef>
+        </p:style>
+        <p:txBody>
+          <a:bodyPr wrap="none" rtlCol="0" anchor="ctr">
+            <a:noAutofit/>
+          </a:bodyPr>
+          <a:lstStyle/>
+          <a:p>
+            <a:pPr algn="ctr"/>
+            <a:r>
+              <a:rPr lang="en-GB" dirty="0"/>
+              <a:t>3</a:t>
+            </a:r>
+          </a:p>
+        </p:txBody>
+      </p:sp>
+      <p:sp>
+        <p:nvSpPr>
+          <p:cNvPr id="5" name="Oval 4">
+            <a:extLst>
+              <a:ext uri="{FF2B5EF4-FFF2-40B4-BE49-F238E27FC236}">
+                <a16:creationId xmlns:a16="http://schemas.microsoft.com/office/drawing/2014/main" id="{3B1061B3-99B1-6D52-AAF4-25FEC3B0B4C5}"/>
+              </a:ext>
+            </a:extLst>
+          </p:cNvPr>
+          <p:cNvSpPr/>
+          <p:nvPr/>
+        </p:nvSpPr>
+        <p:spPr>
+          <a:xfrm>
+            <a:off x="8195605" y="378410"/>
+            <a:ext cx="201168" cy="201168"/>
+          </a:xfrm>
+          <a:prstGeom prst="ellipse">
+            <a:avLst/>
+          </a:prstGeom>
+          <a:solidFill>
+            <a:schemeClr val="tx2">
+              <a:lumMod val="25000"/>
+              <a:lumOff val="75000"/>
+            </a:schemeClr>
+          </a:solidFill>
+        </p:spPr>
+        <p:style>
+          <a:lnRef idx="2">
+            <a:schemeClr val="accent1">
+              <a:shade val="15000"/>
+            </a:schemeClr>
+          </a:lnRef>
+          <a:fillRef idx="1">
+            <a:schemeClr val="accent1"/>
+          </a:fillRef>
+          <a:effectRef idx="0">
+            <a:schemeClr val="accent1"/>
+          </a:effectRef>
+          <a:fontRef idx="minor">
+            <a:schemeClr val="lt1"/>
+          </a:fontRef>
+        </p:style>
+        <p:txBody>
+          <a:bodyPr wrap="none" rtlCol="0" anchor="ctr">
+            <a:noAutofit/>
+          </a:bodyPr>
+          <a:lstStyle/>
+          <a:p>
+            <a:pPr algn="ctr"/>
+            <a:r>
+              <a:rPr lang="en-GB" dirty="0"/>
+              <a:t>1</a:t>
+            </a:r>
+          </a:p>
+        </p:txBody>
+      </p:sp>
+      <p:sp>
+        <p:nvSpPr>
+          <p:cNvPr id="6" name="Oval 5">
+            <a:extLst>
+              <a:ext uri="{FF2B5EF4-FFF2-40B4-BE49-F238E27FC236}">
+                <a16:creationId xmlns:a16="http://schemas.microsoft.com/office/drawing/2014/main" id="{7499B9D6-6CD0-76BC-703A-306BBCF4F2BC}"/>
+              </a:ext>
+            </a:extLst>
+          </p:cNvPr>
+          <p:cNvSpPr/>
+          <p:nvPr/>
+        </p:nvSpPr>
+        <p:spPr>
+          <a:xfrm>
+            <a:off x="8195605" y="5590482"/>
+            <a:ext cx="201168" cy="201168"/>
+          </a:xfrm>
+          <a:prstGeom prst="ellipse">
+            <a:avLst/>
+          </a:prstGeom>
+          <a:solidFill>
+            <a:schemeClr val="accent2"/>
+          </a:solidFill>
+        </p:spPr>
+        <p:style>
+          <a:lnRef idx="2">
+            <a:schemeClr val="accent1">
+              <a:shade val="15000"/>
+            </a:schemeClr>
+          </a:lnRef>
+          <a:fillRef idx="1">
+            <a:schemeClr val="accent1"/>
+          </a:fillRef>
+          <a:effectRef idx="0">
+            <a:schemeClr val="accent1"/>
+          </a:effectRef>
+          <a:fontRef idx="minor">
+            <a:schemeClr val="lt1"/>
+          </a:fontRef>
+        </p:style>
+        <p:txBody>
+          <a:bodyPr wrap="none" rtlCol="0" anchor="ctr">
+            <a:noAutofit/>
+          </a:bodyPr>
+          <a:lstStyle/>
+          <a:p>
+            <a:pPr algn="ctr"/>
+            <a:r>
+              <a:rPr lang="en-GB" sz="1200" dirty="0"/>
+              <a:t>18</a:t>
+            </a:r>
+          </a:p>
+        </p:txBody>
+      </p:sp>
+      <p:sp>
+        <p:nvSpPr>
+          <p:cNvPr id="7" name="Oval 6">
+            <a:extLst>
+              <a:ext uri="{FF2B5EF4-FFF2-40B4-BE49-F238E27FC236}">
+                <a16:creationId xmlns:a16="http://schemas.microsoft.com/office/drawing/2014/main" id="{9C558B1F-CE53-9670-F125-2EF8CAD8DA3A}"/>
+              </a:ext>
+            </a:extLst>
+          </p:cNvPr>
+          <p:cNvSpPr/>
+          <p:nvPr/>
+        </p:nvSpPr>
+        <p:spPr>
+          <a:xfrm>
+            <a:off x="8195605" y="667002"/>
+            <a:ext cx="201168" cy="201168"/>
+          </a:xfrm>
+          <a:prstGeom prst="ellipse">
+            <a:avLst/>
+          </a:prstGeom>
+          <a:solidFill>
+            <a:schemeClr val="tx2">
+              <a:lumMod val="25000"/>
+              <a:lumOff val="75000"/>
+            </a:schemeClr>
+          </a:solidFill>
+        </p:spPr>
+        <p:style>
+          <a:lnRef idx="2">
+            <a:schemeClr val="accent1">
+              <a:shade val="15000"/>
+            </a:schemeClr>
+          </a:lnRef>
+          <a:fillRef idx="1">
+            <a:schemeClr val="accent1"/>
+          </a:fillRef>
+          <a:effectRef idx="0">
+            <a:schemeClr val="accent1"/>
+          </a:effectRef>
+          <a:fontRef idx="minor">
+            <a:schemeClr val="lt1"/>
+          </a:fontRef>
+        </p:style>
+        <p:txBody>
+          <a:bodyPr wrap="none" rtlCol="0" anchor="ctr">
+            <a:noAutofit/>
+          </a:bodyPr>
+          <a:lstStyle/>
+          <a:p>
+            <a:pPr algn="ctr"/>
+            <a:r>
+              <a:rPr lang="en-GB" dirty="0"/>
+              <a:t>2</a:t>
+            </a:r>
+          </a:p>
+        </p:txBody>
+      </p:sp>
+      <p:sp>
+        <p:nvSpPr>
+          <p:cNvPr id="8" name="Oval 7">
+            <a:extLst>
+              <a:ext uri="{FF2B5EF4-FFF2-40B4-BE49-F238E27FC236}">
+                <a16:creationId xmlns:a16="http://schemas.microsoft.com/office/drawing/2014/main" id="{5D872C61-4E1C-519F-F447-9B261E4611E8}"/>
+              </a:ext>
+            </a:extLst>
+          </p:cNvPr>
+          <p:cNvSpPr/>
+          <p:nvPr/>
+        </p:nvSpPr>
+        <p:spPr>
+          <a:xfrm>
+            <a:off x="8195605" y="2109962"/>
+            <a:ext cx="201168" cy="201168"/>
+          </a:xfrm>
+          <a:prstGeom prst="ellipse">
+            <a:avLst/>
+          </a:prstGeom>
+          <a:solidFill>
+            <a:schemeClr val="tx2">
+              <a:lumMod val="25000"/>
+              <a:lumOff val="75000"/>
+            </a:schemeClr>
+          </a:solidFill>
+        </p:spPr>
+        <p:style>
+          <a:lnRef idx="2">
+            <a:schemeClr val="accent1">
+              <a:shade val="15000"/>
+            </a:schemeClr>
+          </a:lnRef>
+          <a:fillRef idx="1">
+            <a:schemeClr val="accent1"/>
+          </a:fillRef>
+          <a:effectRef idx="0">
+            <a:schemeClr val="accent1"/>
+          </a:effectRef>
+          <a:fontRef idx="minor">
+            <a:schemeClr val="lt1"/>
+          </a:fontRef>
+        </p:style>
+        <p:txBody>
+          <a:bodyPr wrap="none" rtlCol="0" anchor="ctr">
+            <a:noAutofit/>
+          </a:bodyPr>
+          <a:lstStyle/>
+          <a:p>
+            <a:pPr algn="ctr"/>
+            <a:r>
+              <a:rPr lang="en-GB" dirty="0"/>
+              <a:t>7</a:t>
+            </a:r>
+          </a:p>
+        </p:txBody>
+      </p:sp>
+      <p:sp>
+        <p:nvSpPr>
+          <p:cNvPr id="9" name="Oval 8">
+            <a:extLst>
+              <a:ext uri="{FF2B5EF4-FFF2-40B4-BE49-F238E27FC236}">
+                <a16:creationId xmlns:a16="http://schemas.microsoft.com/office/drawing/2014/main" id="{4A624DC2-A6EE-B305-C981-8C890DD495AE}"/>
+              </a:ext>
+            </a:extLst>
+          </p:cNvPr>
+          <p:cNvSpPr/>
+          <p:nvPr/>
+        </p:nvSpPr>
+        <p:spPr>
+          <a:xfrm>
+            <a:off x="8195605" y="1244186"/>
+            <a:ext cx="201168" cy="201168"/>
+          </a:xfrm>
+          <a:prstGeom prst="ellipse">
+            <a:avLst/>
+          </a:prstGeom>
+        </p:spPr>
+        <p:style>
+          <a:lnRef idx="2">
+            <a:schemeClr val="accent1">
+              <a:shade val="15000"/>
+            </a:schemeClr>
+          </a:lnRef>
+          <a:fillRef idx="1">
+            <a:schemeClr val="accent1"/>
+          </a:fillRef>
+          <a:effectRef idx="0">
+            <a:schemeClr val="accent1"/>
+          </a:effectRef>
+          <a:fontRef idx="minor">
+            <a:schemeClr val="lt1"/>
+          </a:fontRef>
+        </p:style>
+        <p:txBody>
+          <a:bodyPr wrap="none" rtlCol="0" anchor="ctr">
+            <a:noAutofit/>
+          </a:bodyPr>
+          <a:lstStyle/>
+          <a:p>
+            <a:pPr algn="ctr"/>
+            <a:r>
+              <a:rPr lang="en-GB" dirty="0"/>
+              <a:t>4</a:t>
+            </a:r>
+          </a:p>
+        </p:txBody>
+      </p:sp>
+      <p:sp>
+        <p:nvSpPr>
+          <p:cNvPr id="10" name="Oval 9">
+            <a:extLst>
+              <a:ext uri="{FF2B5EF4-FFF2-40B4-BE49-F238E27FC236}">
+                <a16:creationId xmlns:a16="http://schemas.microsoft.com/office/drawing/2014/main" id="{D88EFFBD-0E2F-5134-B85F-52A11DFE215B}"/>
+              </a:ext>
+            </a:extLst>
+          </p:cNvPr>
+          <p:cNvSpPr/>
+          <p:nvPr/>
+        </p:nvSpPr>
+        <p:spPr>
+          <a:xfrm>
+            <a:off x="8195605" y="2398554"/>
+            <a:ext cx="201168" cy="201168"/>
+          </a:xfrm>
+          <a:prstGeom prst="ellipse">
+            <a:avLst/>
+          </a:prstGeom>
+        </p:spPr>
+        <p:style>
+          <a:lnRef idx="2">
+            <a:schemeClr val="accent1">
+              <a:shade val="15000"/>
+            </a:schemeClr>
+          </a:lnRef>
+          <a:fillRef idx="1">
+            <a:schemeClr val="accent1"/>
+          </a:fillRef>
+          <a:effectRef idx="0">
+            <a:schemeClr val="accent1"/>
+          </a:effectRef>
+          <a:fontRef idx="minor">
+            <a:schemeClr val="lt1"/>
+          </a:fontRef>
+        </p:style>
+        <p:txBody>
+          <a:bodyPr wrap="none" rtlCol="0" anchor="ctr">
+            <a:noAutofit/>
+          </a:bodyPr>
+          <a:lstStyle/>
+          <a:p>
+            <a:pPr algn="ctr"/>
+            <a:r>
+              <a:rPr lang="en-GB" dirty="0"/>
+              <a:t>8</a:t>
+            </a:r>
+          </a:p>
+        </p:txBody>
+      </p:sp>
+      <p:sp>
+        <p:nvSpPr>
+          <p:cNvPr id="11" name="Oval 10">
+            <a:extLst>
+              <a:ext uri="{FF2B5EF4-FFF2-40B4-BE49-F238E27FC236}">
+                <a16:creationId xmlns:a16="http://schemas.microsoft.com/office/drawing/2014/main" id="{7502C56C-CFB9-8392-F02E-D4EDBD8AAC3B}"/>
+              </a:ext>
+            </a:extLst>
+          </p:cNvPr>
+          <p:cNvSpPr/>
+          <p:nvPr/>
+        </p:nvSpPr>
+        <p:spPr>
+          <a:xfrm>
+            <a:off x="8195605" y="4436114"/>
+            <a:ext cx="201168" cy="201168"/>
+          </a:xfrm>
+          <a:prstGeom prst="ellipse">
+            <a:avLst/>
+          </a:prstGeom>
+        </p:spPr>
+        <p:style>
+          <a:lnRef idx="2">
+            <a:schemeClr val="accent1">
+              <a:shade val="15000"/>
+            </a:schemeClr>
+          </a:lnRef>
+          <a:fillRef idx="1">
+            <a:schemeClr val="accent1"/>
+          </a:fillRef>
+          <a:effectRef idx="0">
+            <a:schemeClr val="accent1"/>
+          </a:effectRef>
+          <a:fontRef idx="minor">
+            <a:schemeClr val="lt1"/>
+          </a:fontRef>
+        </p:style>
+        <p:txBody>
+          <a:bodyPr wrap="none" rtlCol="0" anchor="ctr">
+            <a:noAutofit/>
+          </a:bodyPr>
+          <a:lstStyle/>
+          <a:p>
+            <a:pPr algn="ctr"/>
+            <a:r>
+              <a:rPr lang="en-GB" sz="1200" dirty="0"/>
+              <a:t>14</a:t>
+            </a:r>
+          </a:p>
+        </p:txBody>
+      </p:sp>
+      <p:sp>
+        <p:nvSpPr>
+          <p:cNvPr id="12" name="Oval 11">
+            <a:extLst>
+              <a:ext uri="{FF2B5EF4-FFF2-40B4-BE49-F238E27FC236}">
+                <a16:creationId xmlns:a16="http://schemas.microsoft.com/office/drawing/2014/main" id="{D046D9F8-335F-00CE-6481-8E955DD2CD40}"/>
+              </a:ext>
+            </a:extLst>
+          </p:cNvPr>
+          <p:cNvSpPr/>
+          <p:nvPr/>
+        </p:nvSpPr>
+        <p:spPr>
+          <a:xfrm>
+            <a:off x="8195605" y="1532778"/>
+            <a:ext cx="201168" cy="201168"/>
+          </a:xfrm>
+          <a:prstGeom prst="ellipse">
+            <a:avLst/>
+          </a:prstGeom>
+        </p:spPr>
+        <p:style>
+          <a:lnRef idx="2">
+            <a:schemeClr val="accent1">
+              <a:shade val="15000"/>
+            </a:schemeClr>
+          </a:lnRef>
+          <a:fillRef idx="1">
+            <a:schemeClr val="accent1"/>
+          </a:fillRef>
+          <a:effectRef idx="0">
+            <a:schemeClr val="accent1"/>
+          </a:effectRef>
+          <a:fontRef idx="minor">
+            <a:schemeClr val="lt1"/>
+          </a:fontRef>
+        </p:style>
+        <p:txBody>
+          <a:bodyPr wrap="none" rtlCol="0" anchor="ctr">
+            <a:noAutofit/>
+          </a:bodyPr>
+          <a:lstStyle/>
+          <a:p>
+            <a:pPr algn="ctr"/>
+            <a:r>
+              <a:rPr lang="en-GB" dirty="0"/>
+              <a:t>5</a:t>
+            </a:r>
+          </a:p>
+        </p:txBody>
+      </p:sp>
+      <p:sp>
+        <p:nvSpPr>
+          <p:cNvPr id="13" name="Oval 12">
+            <a:extLst>
+              <a:ext uri="{FF2B5EF4-FFF2-40B4-BE49-F238E27FC236}">
+                <a16:creationId xmlns:a16="http://schemas.microsoft.com/office/drawing/2014/main" id="{C449FE8F-E36B-EEA2-7632-930AF0CD676E}"/>
+              </a:ext>
+            </a:extLst>
+          </p:cNvPr>
+          <p:cNvSpPr/>
+          <p:nvPr/>
+        </p:nvSpPr>
+        <p:spPr>
+          <a:xfrm>
+            <a:off x="8195605" y="3570338"/>
+            <a:ext cx="201168" cy="201168"/>
+          </a:xfrm>
+          <a:prstGeom prst="ellipse">
+            <a:avLst/>
+          </a:prstGeom>
+        </p:spPr>
+        <p:style>
+          <a:lnRef idx="2">
+            <a:schemeClr val="accent1">
+              <a:shade val="15000"/>
+            </a:schemeClr>
+          </a:lnRef>
+          <a:fillRef idx="1">
+            <a:schemeClr val="accent1"/>
+          </a:fillRef>
+          <a:effectRef idx="0">
+            <a:schemeClr val="accent1"/>
+          </a:effectRef>
+          <a:fontRef idx="minor">
+            <a:schemeClr val="lt1"/>
+          </a:fontRef>
+        </p:style>
+        <p:txBody>
+          <a:bodyPr wrap="none" rtlCol="0" anchor="ctr">
+            <a:noAutofit/>
+          </a:bodyPr>
+          <a:lstStyle/>
+          <a:p>
+            <a:pPr algn="ctr"/>
+            <a:r>
+              <a:rPr lang="en-GB" sz="1200" dirty="0"/>
+              <a:t>11</a:t>
+            </a:r>
+            <a:endParaRPr lang="en-GB" dirty="0"/>
+          </a:p>
+        </p:txBody>
+      </p:sp>
+      <p:sp>
+        <p:nvSpPr>
+          <p:cNvPr id="14" name="Oval 13">
+            <a:extLst>
+              <a:ext uri="{FF2B5EF4-FFF2-40B4-BE49-F238E27FC236}">
+                <a16:creationId xmlns:a16="http://schemas.microsoft.com/office/drawing/2014/main" id="{25327B7A-21E2-D44D-942B-1822D5886559}"/>
+              </a:ext>
+            </a:extLst>
+          </p:cNvPr>
+          <p:cNvSpPr/>
+          <p:nvPr/>
+        </p:nvSpPr>
+        <p:spPr>
+          <a:xfrm>
+            <a:off x="8195605" y="4147522"/>
+            <a:ext cx="201168" cy="201168"/>
+          </a:xfrm>
+          <a:prstGeom prst="ellipse">
+            <a:avLst/>
+          </a:prstGeom>
+        </p:spPr>
+        <p:style>
+          <a:lnRef idx="2">
+            <a:schemeClr val="accent1">
+              <a:shade val="15000"/>
+            </a:schemeClr>
+          </a:lnRef>
+          <a:fillRef idx="1">
+            <a:schemeClr val="accent1"/>
+          </a:fillRef>
+          <a:effectRef idx="0">
+            <a:schemeClr val="accent1"/>
+          </a:effectRef>
+          <a:fontRef idx="minor">
+            <a:schemeClr val="lt1"/>
+          </a:fontRef>
+        </p:style>
+        <p:txBody>
+          <a:bodyPr wrap="none" rtlCol="0" anchor="ctr">
+            <a:noAutofit/>
+          </a:bodyPr>
+          <a:lstStyle/>
+          <a:p>
+            <a:pPr algn="ctr"/>
+            <a:r>
+              <a:rPr lang="en-GB" sz="1200" dirty="0"/>
+              <a:t>13</a:t>
+            </a:r>
+          </a:p>
+        </p:txBody>
+      </p:sp>
+      <p:sp>
+        <p:nvSpPr>
+          <p:cNvPr id="15" name="Oval 14">
+            <a:extLst>
+              <a:ext uri="{FF2B5EF4-FFF2-40B4-BE49-F238E27FC236}">
+                <a16:creationId xmlns:a16="http://schemas.microsoft.com/office/drawing/2014/main" id="{64249FC1-5177-B569-DE5E-CE797E3171FF}"/>
+              </a:ext>
+            </a:extLst>
+          </p:cNvPr>
+          <p:cNvSpPr/>
+          <p:nvPr/>
+        </p:nvSpPr>
+        <p:spPr>
+          <a:xfrm>
+            <a:off x="8195605" y="3858930"/>
+            <a:ext cx="201168" cy="201168"/>
+          </a:xfrm>
+          <a:prstGeom prst="ellipse">
+            <a:avLst/>
+          </a:prstGeom>
+        </p:spPr>
+        <p:style>
+          <a:lnRef idx="2">
+            <a:schemeClr val="accent1">
+              <a:shade val="15000"/>
+            </a:schemeClr>
+          </a:lnRef>
+          <a:fillRef idx="1">
+            <a:schemeClr val="accent1"/>
+          </a:fillRef>
+          <a:effectRef idx="0">
+            <a:schemeClr val="accent1"/>
+          </a:effectRef>
+          <a:fontRef idx="minor">
+            <a:schemeClr val="lt1"/>
+          </a:fontRef>
+        </p:style>
+        <p:txBody>
+          <a:bodyPr wrap="none" rtlCol="0" anchor="ctr">
+            <a:noAutofit/>
+          </a:bodyPr>
+          <a:lstStyle/>
+          <a:p>
+            <a:pPr algn="ctr"/>
+            <a:r>
+              <a:rPr lang="en-GB" sz="1200" dirty="0"/>
+              <a:t>12</a:t>
+            </a:r>
+          </a:p>
+        </p:txBody>
+      </p:sp>
+      <p:sp>
+        <p:nvSpPr>
+          <p:cNvPr id="16" name="Oval 15">
+            <a:extLst>
+              <a:ext uri="{FF2B5EF4-FFF2-40B4-BE49-F238E27FC236}">
+                <a16:creationId xmlns:a16="http://schemas.microsoft.com/office/drawing/2014/main" id="{D11C87B0-D403-2202-AF6B-D80391F1057F}"/>
+              </a:ext>
+            </a:extLst>
+          </p:cNvPr>
+          <p:cNvSpPr/>
+          <p:nvPr/>
+        </p:nvSpPr>
+        <p:spPr>
+          <a:xfrm>
+            <a:off x="8195605" y="4724706"/>
+            <a:ext cx="201168" cy="201168"/>
+          </a:xfrm>
+          <a:prstGeom prst="ellipse">
+            <a:avLst/>
+          </a:prstGeom>
+        </p:spPr>
+        <p:style>
+          <a:lnRef idx="2">
+            <a:schemeClr val="accent1">
+              <a:shade val="15000"/>
+            </a:schemeClr>
+          </a:lnRef>
+          <a:fillRef idx="1">
+            <a:schemeClr val="accent1"/>
+          </a:fillRef>
+          <a:effectRef idx="0">
+            <a:schemeClr val="accent1"/>
+          </a:effectRef>
+          <a:fontRef idx="minor">
+            <a:schemeClr val="lt1"/>
+          </a:fontRef>
+        </p:style>
+        <p:txBody>
+          <a:bodyPr wrap="none" rtlCol="0" anchor="ctr">
+            <a:noAutofit/>
+          </a:bodyPr>
+          <a:lstStyle/>
+          <a:p>
+            <a:pPr algn="ctr"/>
+            <a:r>
+              <a:rPr lang="en-GB" sz="1200" dirty="0"/>
+              <a:t>15</a:t>
+            </a:r>
+          </a:p>
+        </p:txBody>
+      </p:sp>
+      <p:sp>
+        <p:nvSpPr>
+          <p:cNvPr id="17" name="Oval 16">
+            <a:extLst>
+              <a:ext uri="{FF2B5EF4-FFF2-40B4-BE49-F238E27FC236}">
+                <a16:creationId xmlns:a16="http://schemas.microsoft.com/office/drawing/2014/main" id="{D822BB01-7B12-B843-FD71-B17268FABF8D}"/>
+              </a:ext>
+            </a:extLst>
+          </p:cNvPr>
+          <p:cNvSpPr/>
+          <p:nvPr/>
+        </p:nvSpPr>
+        <p:spPr>
+          <a:xfrm>
+            <a:off x="8195605" y="5301890"/>
+            <a:ext cx="201168" cy="201168"/>
+          </a:xfrm>
+          <a:prstGeom prst="ellipse">
+            <a:avLst/>
+          </a:prstGeom>
+        </p:spPr>
+        <p:style>
+          <a:lnRef idx="2">
+            <a:schemeClr val="accent1">
+              <a:shade val="15000"/>
+            </a:schemeClr>
+          </a:lnRef>
+          <a:fillRef idx="1">
+            <a:schemeClr val="accent1"/>
+          </a:fillRef>
+          <a:effectRef idx="0">
+            <a:schemeClr val="accent1"/>
+          </a:effectRef>
+          <a:fontRef idx="minor">
+            <a:schemeClr val="lt1"/>
+          </a:fontRef>
+        </p:style>
+        <p:txBody>
+          <a:bodyPr wrap="none" rtlCol="0" anchor="ctr">
+            <a:noAutofit/>
+          </a:bodyPr>
+          <a:lstStyle/>
+          <a:p>
+            <a:pPr algn="ctr"/>
+            <a:r>
+              <a:rPr lang="en-GB" sz="1200" dirty="0"/>
+              <a:t>17</a:t>
+            </a:r>
+          </a:p>
+        </p:txBody>
+      </p:sp>
+      <p:sp>
+        <p:nvSpPr>
+          <p:cNvPr id="18" name="Oval 17">
+            <a:extLst>
+              <a:ext uri="{FF2B5EF4-FFF2-40B4-BE49-F238E27FC236}">
+                <a16:creationId xmlns:a16="http://schemas.microsoft.com/office/drawing/2014/main" id="{6D455881-3CBD-8541-DBB2-DB52243C3CB4}"/>
+              </a:ext>
+            </a:extLst>
+          </p:cNvPr>
+          <p:cNvSpPr/>
+          <p:nvPr/>
+        </p:nvSpPr>
+        <p:spPr>
+          <a:xfrm>
+            <a:off x="8165311" y="3181162"/>
+            <a:ext cx="201168" cy="201168"/>
+          </a:xfrm>
+          <a:prstGeom prst="ellipse">
+            <a:avLst/>
+          </a:prstGeom>
+        </p:spPr>
+        <p:style>
+          <a:lnRef idx="2">
+            <a:schemeClr val="accent1">
+              <a:shade val="15000"/>
+            </a:schemeClr>
+          </a:lnRef>
+          <a:fillRef idx="1">
+            <a:schemeClr val="accent1"/>
+          </a:fillRef>
+          <a:effectRef idx="0">
+            <a:schemeClr val="accent1"/>
+          </a:effectRef>
+          <a:fontRef idx="minor">
+            <a:schemeClr val="lt1"/>
+          </a:fontRef>
+        </p:style>
+        <p:txBody>
+          <a:bodyPr wrap="none" rtlCol="0" anchor="ctr">
+            <a:noAutofit/>
+          </a:bodyPr>
+          <a:lstStyle/>
+          <a:p>
+            <a:pPr algn="ctr"/>
+            <a:r>
+              <a:rPr lang="en-GB" sz="1200" dirty="0"/>
+              <a:t>10</a:t>
+            </a:r>
+            <a:endParaRPr lang="en-GB" dirty="0"/>
+          </a:p>
+        </p:txBody>
+      </p:sp>
+      <p:sp>
+        <p:nvSpPr>
+          <p:cNvPr id="19" name="Oval 18">
+            <a:extLst>
+              <a:ext uri="{FF2B5EF4-FFF2-40B4-BE49-F238E27FC236}">
+                <a16:creationId xmlns:a16="http://schemas.microsoft.com/office/drawing/2014/main" id="{88BA53D7-16B4-7080-53DC-329AF7536B8A}"/>
+              </a:ext>
+            </a:extLst>
+          </p:cNvPr>
+          <p:cNvSpPr/>
+          <p:nvPr/>
+        </p:nvSpPr>
+        <p:spPr>
+          <a:xfrm>
+            <a:off x="8166296" y="2835697"/>
+            <a:ext cx="201168" cy="201168"/>
+          </a:xfrm>
+          <a:prstGeom prst="ellipse">
+            <a:avLst/>
+          </a:prstGeom>
+        </p:spPr>
+        <p:style>
+          <a:lnRef idx="2">
+            <a:schemeClr val="accent1">
+              <a:shade val="15000"/>
+            </a:schemeClr>
+          </a:lnRef>
+          <a:fillRef idx="1">
+            <a:schemeClr val="accent1"/>
+          </a:fillRef>
+          <a:effectRef idx="0">
+            <a:schemeClr val="accent1"/>
+          </a:effectRef>
+          <a:fontRef idx="minor">
+            <a:schemeClr val="lt1"/>
+          </a:fontRef>
+        </p:style>
+        <p:txBody>
+          <a:bodyPr wrap="none" rtlCol="0" anchor="ctr">
+            <a:noAutofit/>
+          </a:bodyPr>
+          <a:lstStyle/>
+          <a:p>
+            <a:pPr algn="ctr"/>
+            <a:r>
+              <a:rPr lang="en-GB" dirty="0"/>
+              <a:t>9</a:t>
+            </a:r>
+          </a:p>
+        </p:txBody>
+      </p:sp>
+      <p:sp>
+        <p:nvSpPr>
+          <p:cNvPr id="20" name="Oval 19">
+            <a:extLst>
+              <a:ext uri="{FF2B5EF4-FFF2-40B4-BE49-F238E27FC236}">
+                <a16:creationId xmlns:a16="http://schemas.microsoft.com/office/drawing/2014/main" id="{92A16D6F-88D5-7C49-A94C-4096704843F3}"/>
+              </a:ext>
+            </a:extLst>
+          </p:cNvPr>
+          <p:cNvSpPr/>
+          <p:nvPr/>
+        </p:nvSpPr>
+        <p:spPr>
+          <a:xfrm>
+            <a:off x="8195605" y="1821370"/>
+            <a:ext cx="201168" cy="201168"/>
+          </a:xfrm>
+          <a:prstGeom prst="ellipse">
+            <a:avLst/>
+          </a:prstGeom>
+          <a:solidFill>
+            <a:schemeClr val="accent2"/>
+          </a:solidFill>
+        </p:spPr>
+        <p:style>
+          <a:lnRef idx="2">
+            <a:schemeClr val="accent1">
+              <a:shade val="15000"/>
+            </a:schemeClr>
+          </a:lnRef>
+          <a:fillRef idx="1">
+            <a:schemeClr val="accent1"/>
+          </a:fillRef>
+          <a:effectRef idx="0">
+            <a:schemeClr val="accent1"/>
+          </a:effectRef>
+          <a:fontRef idx="minor">
+            <a:schemeClr val="lt1"/>
+          </a:fontRef>
+        </p:style>
+        <p:txBody>
+          <a:bodyPr wrap="none" rtlCol="0" anchor="ctr">
+            <a:noAutofit/>
+          </a:bodyPr>
+          <a:lstStyle/>
+          <a:p>
+            <a:pPr algn="ctr"/>
+            <a:r>
+              <a:rPr lang="en-GB" dirty="0"/>
+              <a:t>6</a:t>
+            </a:r>
+          </a:p>
+        </p:txBody>
+      </p:sp>
+      <p:sp>
+        <p:nvSpPr>
+          <p:cNvPr id="21" name="Oval 20">
+            <a:extLst>
+              <a:ext uri="{FF2B5EF4-FFF2-40B4-BE49-F238E27FC236}">
+                <a16:creationId xmlns:a16="http://schemas.microsoft.com/office/drawing/2014/main" id="{D195A2D8-2037-6D3A-E249-B314DC35F6FB}"/>
+              </a:ext>
+            </a:extLst>
+          </p:cNvPr>
+          <p:cNvSpPr/>
+          <p:nvPr/>
+        </p:nvSpPr>
+        <p:spPr>
+          <a:xfrm>
+            <a:off x="8195605" y="5013298"/>
+            <a:ext cx="201168" cy="201168"/>
+          </a:xfrm>
+          <a:prstGeom prst="ellipse">
+            <a:avLst/>
+          </a:prstGeom>
+          <a:solidFill>
+            <a:schemeClr val="accent2"/>
+          </a:solidFill>
+        </p:spPr>
+        <p:style>
+          <a:lnRef idx="2">
+            <a:schemeClr val="accent1">
+              <a:shade val="15000"/>
+            </a:schemeClr>
+          </a:lnRef>
+          <a:fillRef idx="1">
+            <a:schemeClr val="accent1"/>
+          </a:fillRef>
+          <a:effectRef idx="0">
+            <a:schemeClr val="accent1"/>
+          </a:effectRef>
+          <a:fontRef idx="minor">
+            <a:schemeClr val="lt1"/>
+          </a:fontRef>
+        </p:style>
+        <p:txBody>
+          <a:bodyPr wrap="none" rtlCol="0" anchor="ctr">
+            <a:noAutofit/>
+          </a:bodyPr>
+          <a:lstStyle/>
+          <a:p>
+            <a:pPr algn="ctr"/>
+            <a:r>
+              <a:rPr lang="en-GB" sz="1200" dirty="0"/>
+              <a:t>16</a:t>
+            </a:r>
+          </a:p>
+        </p:txBody>
+      </p:sp>
+      <p:sp>
+        <p:nvSpPr>
+          <p:cNvPr id="22" name="Oval 21">
+            <a:extLst>
+              <a:ext uri="{FF2B5EF4-FFF2-40B4-BE49-F238E27FC236}">
+                <a16:creationId xmlns:a16="http://schemas.microsoft.com/office/drawing/2014/main" id="{ED601E5A-50C2-C47D-D03B-FD65FF5A409C}"/>
+              </a:ext>
+            </a:extLst>
+          </p:cNvPr>
+          <p:cNvSpPr/>
+          <p:nvPr/>
+        </p:nvSpPr>
+        <p:spPr>
+          <a:xfrm>
+            <a:off x="8195605" y="6456261"/>
+            <a:ext cx="201168" cy="201168"/>
+          </a:xfrm>
+          <a:prstGeom prst="ellipse">
+            <a:avLst/>
+          </a:prstGeom>
+          <a:solidFill>
+            <a:schemeClr val="accent2"/>
+          </a:solidFill>
+        </p:spPr>
+        <p:style>
+          <a:lnRef idx="2">
+            <a:schemeClr val="accent1">
+              <a:shade val="15000"/>
+            </a:schemeClr>
+          </a:lnRef>
+          <a:fillRef idx="1">
+            <a:schemeClr val="accent1"/>
+          </a:fillRef>
+          <a:effectRef idx="0">
+            <a:schemeClr val="accent1"/>
+          </a:effectRef>
+          <a:fontRef idx="minor">
+            <a:schemeClr val="lt1"/>
+          </a:fontRef>
+        </p:style>
+        <p:txBody>
+          <a:bodyPr wrap="none" rtlCol="0" anchor="ctr">
+            <a:noAutofit/>
+          </a:bodyPr>
+          <a:lstStyle/>
+          <a:p>
+            <a:pPr algn="ctr"/>
+            <a:r>
+              <a:rPr lang="en-GB" sz="1200" dirty="0"/>
+              <a:t>21</a:t>
+            </a:r>
+          </a:p>
+        </p:txBody>
+      </p:sp>
+      <p:sp>
+        <p:nvSpPr>
+          <p:cNvPr id="23" name="Oval 22">
+            <a:extLst>
+              <a:ext uri="{FF2B5EF4-FFF2-40B4-BE49-F238E27FC236}">
+                <a16:creationId xmlns:a16="http://schemas.microsoft.com/office/drawing/2014/main" id="{FFB1A7A2-9CB6-64C2-EA40-2B002AD99367}"/>
+              </a:ext>
+            </a:extLst>
+          </p:cNvPr>
+          <p:cNvSpPr/>
+          <p:nvPr/>
+        </p:nvSpPr>
+        <p:spPr>
+          <a:xfrm>
+            <a:off x="8195605" y="6167666"/>
+            <a:ext cx="201168" cy="201168"/>
+          </a:xfrm>
+          <a:prstGeom prst="ellipse">
+            <a:avLst/>
+          </a:prstGeom>
+        </p:spPr>
+        <p:style>
+          <a:lnRef idx="2">
+            <a:schemeClr val="accent1">
+              <a:shade val="15000"/>
+            </a:schemeClr>
+          </a:lnRef>
+          <a:fillRef idx="1">
+            <a:schemeClr val="accent1"/>
+          </a:fillRef>
+          <a:effectRef idx="0">
+            <a:schemeClr val="accent1"/>
+          </a:effectRef>
+          <a:fontRef idx="minor">
+            <a:schemeClr val="lt1"/>
+          </a:fontRef>
+        </p:style>
+        <p:txBody>
+          <a:bodyPr wrap="none" rtlCol="0" anchor="ctr">
+            <a:noAutofit/>
+          </a:bodyPr>
+          <a:lstStyle/>
+          <a:p>
+            <a:pPr algn="ctr"/>
+            <a:r>
+              <a:rPr lang="en-GB" sz="1200" dirty="0"/>
+              <a:t>20</a:t>
+            </a:r>
+          </a:p>
+        </p:txBody>
+      </p:sp>
+      <p:sp>
+        <p:nvSpPr>
+          <p:cNvPr id="24" name="Oval 23">
+            <a:extLst>
+              <a:ext uri="{FF2B5EF4-FFF2-40B4-BE49-F238E27FC236}">
+                <a16:creationId xmlns:a16="http://schemas.microsoft.com/office/drawing/2014/main" id="{8B231DA4-2197-4BEE-B1AB-1E1C6F50A6A9}"/>
+              </a:ext>
+            </a:extLst>
+          </p:cNvPr>
+          <p:cNvSpPr/>
+          <p:nvPr/>
+        </p:nvSpPr>
+        <p:spPr>
+          <a:xfrm>
+            <a:off x="8195605" y="5879074"/>
+            <a:ext cx="201168" cy="201168"/>
+          </a:xfrm>
+          <a:prstGeom prst="ellipse">
+            <a:avLst/>
+          </a:prstGeom>
+        </p:spPr>
+        <p:style>
+          <a:lnRef idx="2">
+            <a:schemeClr val="accent1">
+              <a:shade val="15000"/>
+            </a:schemeClr>
+          </a:lnRef>
+          <a:fillRef idx="1">
+            <a:schemeClr val="accent1"/>
+          </a:fillRef>
+          <a:effectRef idx="0">
+            <a:schemeClr val="accent1"/>
+          </a:effectRef>
+          <a:fontRef idx="minor">
+            <a:schemeClr val="lt1"/>
+          </a:fontRef>
+        </p:style>
+        <p:txBody>
+          <a:bodyPr wrap="none" rtlCol="0" anchor="ctr">
+            <a:noAutofit/>
+          </a:bodyPr>
+          <a:lstStyle/>
+          <a:p>
+            <a:pPr algn="ctr"/>
+            <a:r>
+              <a:rPr lang="en-GB" sz="1200" dirty="0"/>
+              <a:t>19</a:t>
+            </a:r>
+          </a:p>
+        </p:txBody>
+      </p:sp>
+      <p:cxnSp>
+        <p:nvCxnSpPr>
+          <p:cNvPr id="25" name="Straight Connector 24">
+            <a:extLst>
+              <a:ext uri="{FF2B5EF4-FFF2-40B4-BE49-F238E27FC236}">
+                <a16:creationId xmlns:a16="http://schemas.microsoft.com/office/drawing/2014/main" id="{4477812D-55C2-9C05-6B2D-591907A6607A}"/>
+              </a:ext>
+            </a:extLst>
+          </p:cNvPr>
+          <p:cNvCxnSpPr>
+            <a:cxnSpLocks/>
+          </p:cNvCxnSpPr>
+          <p:nvPr/>
+        </p:nvCxnSpPr>
+        <p:spPr>
+          <a:xfrm>
+            <a:off x="581891" y="294144"/>
+            <a:ext cx="0" cy="606552"/>
+          </a:xfrm>
+          <a:prstGeom prst="line">
+            <a:avLst/>
+          </a:prstGeom>
+          <a:ln w="60325">
+            <a:solidFill>
+              <a:srgbClr val="00B0F0"/>
+            </a:solidFill>
+          </a:ln>
+        </p:spPr>
+        <p:style>
+          <a:lnRef idx="2">
+            <a:schemeClr val="accent1"/>
+          </a:lnRef>
+          <a:fillRef idx="0">
+            <a:schemeClr val="accent1"/>
+          </a:fillRef>
+          <a:effectRef idx="1">
+            <a:schemeClr val="accent1"/>
+          </a:effectRef>
+          <a:fontRef idx="minor">
+            <a:schemeClr val="tx1"/>
+          </a:fontRef>
+        </p:style>
+      </p:cxnSp>
+      <p:cxnSp>
+        <p:nvCxnSpPr>
+          <p:cNvPr id="26" name="Straight Connector 25">
+            <a:extLst>
+              <a:ext uri="{FF2B5EF4-FFF2-40B4-BE49-F238E27FC236}">
+                <a16:creationId xmlns:a16="http://schemas.microsoft.com/office/drawing/2014/main" id="{5025959E-AE58-1D65-446D-BE99A04EEA71}"/>
+              </a:ext>
+            </a:extLst>
+          </p:cNvPr>
+          <p:cNvCxnSpPr>
+            <a:cxnSpLocks/>
+          </p:cNvCxnSpPr>
+          <p:nvPr/>
+        </p:nvCxnSpPr>
+        <p:spPr>
+          <a:xfrm>
+            <a:off x="835891" y="678192"/>
+            <a:ext cx="0" cy="2570033"/>
+          </a:xfrm>
+          <a:prstGeom prst="line">
+            <a:avLst/>
+          </a:prstGeom>
+          <a:ln w="60325">
+            <a:solidFill>
+              <a:srgbClr val="00B0F0"/>
+            </a:solidFill>
+          </a:ln>
+        </p:spPr>
+        <p:style>
+          <a:lnRef idx="2">
+            <a:schemeClr val="accent1"/>
+          </a:lnRef>
+          <a:fillRef idx="0">
+            <a:schemeClr val="accent1"/>
+          </a:fillRef>
+          <a:effectRef idx="1">
+            <a:schemeClr val="accent1"/>
+          </a:effectRef>
+          <a:fontRef idx="minor">
+            <a:schemeClr val="tx1"/>
+          </a:fontRef>
+        </p:style>
+      </p:cxnSp>
+      <p:cxnSp>
+        <p:nvCxnSpPr>
+          <p:cNvPr id="27" name="Straight Connector 26">
+            <a:extLst>
+              <a:ext uri="{FF2B5EF4-FFF2-40B4-BE49-F238E27FC236}">
+                <a16:creationId xmlns:a16="http://schemas.microsoft.com/office/drawing/2014/main" id="{4A69CB5E-CFEC-5251-2419-CB7D1EF0C5C4}"/>
+              </a:ext>
+            </a:extLst>
+          </p:cNvPr>
+          <p:cNvCxnSpPr>
+            <a:cxnSpLocks/>
+          </p:cNvCxnSpPr>
+          <p:nvPr/>
+        </p:nvCxnSpPr>
+        <p:spPr>
+          <a:xfrm>
+            <a:off x="1081584" y="2102177"/>
+            <a:ext cx="0" cy="2635951"/>
+          </a:xfrm>
+          <a:prstGeom prst="line">
+            <a:avLst/>
+          </a:prstGeom>
+          <a:ln w="60325">
+            <a:solidFill>
+              <a:srgbClr val="00B0F0"/>
+            </a:solidFill>
+          </a:ln>
+        </p:spPr>
+        <p:style>
+          <a:lnRef idx="2">
+            <a:schemeClr val="accent1"/>
+          </a:lnRef>
+          <a:fillRef idx="0">
+            <a:schemeClr val="accent1"/>
+          </a:fillRef>
+          <a:effectRef idx="1">
+            <a:schemeClr val="accent1"/>
+          </a:effectRef>
+          <a:fontRef idx="minor">
+            <a:schemeClr val="tx1"/>
+          </a:fontRef>
+        </p:style>
+      </p:cxnSp>
+      <p:cxnSp>
+        <p:nvCxnSpPr>
+          <p:cNvPr id="28" name="Straight Connector 27">
+            <a:extLst>
+              <a:ext uri="{FF2B5EF4-FFF2-40B4-BE49-F238E27FC236}">
+                <a16:creationId xmlns:a16="http://schemas.microsoft.com/office/drawing/2014/main" id="{73B8F3E0-FAE9-0CDF-0422-4E69CA404D6F}"/>
+              </a:ext>
+            </a:extLst>
+          </p:cNvPr>
+          <p:cNvCxnSpPr>
+            <a:cxnSpLocks/>
+          </p:cNvCxnSpPr>
+          <p:nvPr/>
+        </p:nvCxnSpPr>
+        <p:spPr>
+          <a:xfrm>
+            <a:off x="1293090" y="3227888"/>
+            <a:ext cx="0" cy="2176936"/>
+          </a:xfrm>
+          <a:prstGeom prst="line">
+            <a:avLst/>
+          </a:prstGeom>
+          <a:ln w="60325">
+            <a:solidFill>
+              <a:srgbClr val="00B0F0"/>
+            </a:solidFill>
+          </a:ln>
+        </p:spPr>
+        <p:style>
+          <a:lnRef idx="2">
+            <a:schemeClr val="accent1"/>
+          </a:lnRef>
+          <a:fillRef idx="0">
+            <a:schemeClr val="accent1"/>
+          </a:fillRef>
+          <a:effectRef idx="1">
+            <a:schemeClr val="accent1"/>
+          </a:effectRef>
+          <a:fontRef idx="minor">
+            <a:schemeClr val="tx1"/>
+          </a:fontRef>
+        </p:style>
+      </p:cxnSp>
+      <p:cxnSp>
+        <p:nvCxnSpPr>
+          <p:cNvPr id="29" name="Straight Connector 28">
+            <a:extLst>
+              <a:ext uri="{FF2B5EF4-FFF2-40B4-BE49-F238E27FC236}">
+                <a16:creationId xmlns:a16="http://schemas.microsoft.com/office/drawing/2014/main" id="{730AB366-0E05-DE10-CA91-ED56AF0E0022}"/>
+              </a:ext>
+            </a:extLst>
+          </p:cNvPr>
+          <p:cNvCxnSpPr>
+            <a:cxnSpLocks/>
+          </p:cNvCxnSpPr>
+          <p:nvPr/>
+        </p:nvCxnSpPr>
+        <p:spPr>
+          <a:xfrm>
+            <a:off x="1565952" y="3017150"/>
+            <a:ext cx="0" cy="3165803"/>
+          </a:xfrm>
+          <a:prstGeom prst="line">
+            <a:avLst/>
+          </a:prstGeom>
+          <a:ln w="60325">
+            <a:solidFill>
+              <a:srgbClr val="00B0F0"/>
+            </a:solidFill>
+          </a:ln>
+        </p:spPr>
+        <p:style>
+          <a:lnRef idx="2">
+            <a:schemeClr val="accent1"/>
+          </a:lnRef>
+          <a:fillRef idx="0">
+            <a:schemeClr val="accent1"/>
+          </a:fillRef>
+          <a:effectRef idx="1">
+            <a:schemeClr val="accent1"/>
+          </a:effectRef>
+          <a:fontRef idx="minor">
+            <a:schemeClr val="tx1"/>
+          </a:fontRef>
+        </p:style>
+      </p:cxnSp>
+      <p:sp>
+        <p:nvSpPr>
+          <p:cNvPr id="30" name="Rectangle 29">
+            <a:extLst>
+              <a:ext uri="{FF2B5EF4-FFF2-40B4-BE49-F238E27FC236}">
+                <a16:creationId xmlns:a16="http://schemas.microsoft.com/office/drawing/2014/main" id="{4B8C7460-601C-D249-1012-A2A07F08B6FB}"/>
+              </a:ext>
+            </a:extLst>
+          </p:cNvPr>
+          <p:cNvSpPr/>
+          <p:nvPr/>
+        </p:nvSpPr>
+        <p:spPr>
+          <a:xfrm>
+            <a:off x="564896" y="294144"/>
+            <a:ext cx="87332" cy="87332"/>
+          </a:xfrm>
+          <a:prstGeom prst="rect">
+            <a:avLst/>
+          </a:prstGeom>
+          <a:solidFill>
+            <a:schemeClr val="tx1"/>
+          </a:solidFill>
+        </p:spPr>
+        <p:style>
+          <a:lnRef idx="2">
+            <a:schemeClr val="accent1">
+              <a:shade val="15000"/>
+            </a:schemeClr>
+          </a:lnRef>
+          <a:fillRef idx="1">
+            <a:schemeClr val="accent1"/>
+          </a:fillRef>
+          <a:effectRef idx="0">
+            <a:schemeClr val="accent1"/>
+          </a:effectRef>
+          <a:fontRef idx="minor">
+            <a:schemeClr val="lt1"/>
+          </a:fontRef>
+        </p:style>
+        <p:txBody>
+          <a:bodyPr wrap="none" rtlCol="0" anchor="ctr">
+            <a:noAutofit/>
+          </a:bodyPr>
+          <a:lstStyle/>
+          <a:p>
+            <a:pPr algn="ctr"/>
+            <a:endParaRPr lang="en-GB" sz="1200" dirty="0"/>
+          </a:p>
+        </p:txBody>
+      </p:sp>
+      <p:sp>
+        <p:nvSpPr>
+          <p:cNvPr id="31" name="Rectangle 30">
+            <a:extLst>
+              <a:ext uri="{FF2B5EF4-FFF2-40B4-BE49-F238E27FC236}">
+                <a16:creationId xmlns:a16="http://schemas.microsoft.com/office/drawing/2014/main" id="{AFFE5431-6896-6D6D-81AF-16207FC75FB2}"/>
+              </a:ext>
+            </a:extLst>
+          </p:cNvPr>
+          <p:cNvSpPr/>
+          <p:nvPr/>
+        </p:nvSpPr>
+        <p:spPr>
+          <a:xfrm>
+            <a:off x="518037" y="885506"/>
+            <a:ext cx="358581" cy="87332"/>
+          </a:xfrm>
+          <a:prstGeom prst="rect">
+            <a:avLst/>
+          </a:prstGeom>
+          <a:solidFill>
+            <a:schemeClr val="tx1"/>
+          </a:solidFill>
+        </p:spPr>
+        <p:style>
+          <a:lnRef idx="2">
+            <a:schemeClr val="accent1">
+              <a:shade val="15000"/>
+            </a:schemeClr>
+          </a:lnRef>
+          <a:fillRef idx="1">
+            <a:schemeClr val="accent1"/>
+          </a:fillRef>
+          <a:effectRef idx="0">
+            <a:schemeClr val="accent1"/>
+          </a:effectRef>
+          <a:fontRef idx="minor">
+            <a:schemeClr val="lt1"/>
+          </a:fontRef>
+        </p:style>
+        <p:txBody>
+          <a:bodyPr wrap="none" rtlCol="0" anchor="ctr">
+            <a:noAutofit/>
+          </a:bodyPr>
+          <a:lstStyle/>
+          <a:p>
+            <a:pPr algn="ctr"/>
+            <a:endParaRPr lang="en-GB" sz="1200" dirty="0"/>
+          </a:p>
+        </p:txBody>
+      </p:sp>
+      <p:sp>
+        <p:nvSpPr>
+          <p:cNvPr id="32" name="Rectangle 31">
+            <a:extLst>
+              <a:ext uri="{FF2B5EF4-FFF2-40B4-BE49-F238E27FC236}">
+                <a16:creationId xmlns:a16="http://schemas.microsoft.com/office/drawing/2014/main" id="{78FFA1E0-9A65-C65B-7C4C-AF1271EF6A06}"/>
+              </a:ext>
+            </a:extLst>
+          </p:cNvPr>
+          <p:cNvSpPr/>
+          <p:nvPr/>
+        </p:nvSpPr>
+        <p:spPr>
+          <a:xfrm>
+            <a:off x="789286" y="642192"/>
+            <a:ext cx="87332" cy="87332"/>
+          </a:xfrm>
+          <a:prstGeom prst="rect">
+            <a:avLst/>
+          </a:prstGeom>
+          <a:solidFill>
+            <a:schemeClr val="tx1"/>
+          </a:solidFill>
+        </p:spPr>
+        <p:style>
+          <a:lnRef idx="2">
+            <a:schemeClr val="accent1">
+              <a:shade val="15000"/>
+            </a:schemeClr>
+          </a:lnRef>
+          <a:fillRef idx="1">
+            <a:schemeClr val="accent1"/>
+          </a:fillRef>
+          <a:effectRef idx="0">
+            <a:schemeClr val="accent1"/>
+          </a:effectRef>
+          <a:fontRef idx="minor">
+            <a:schemeClr val="lt1"/>
+          </a:fontRef>
+        </p:style>
+        <p:txBody>
+          <a:bodyPr wrap="none" rtlCol="0" anchor="ctr">
+            <a:noAutofit/>
+          </a:bodyPr>
+          <a:lstStyle/>
+          <a:p>
+            <a:pPr algn="ctr"/>
+            <a:endParaRPr lang="en-GB" sz="1200" dirty="0"/>
+          </a:p>
+        </p:txBody>
+      </p:sp>
+      <p:sp>
+        <p:nvSpPr>
+          <p:cNvPr id="33" name="Rectangle 32">
+            <a:extLst>
+              <a:ext uri="{FF2B5EF4-FFF2-40B4-BE49-F238E27FC236}">
+                <a16:creationId xmlns:a16="http://schemas.microsoft.com/office/drawing/2014/main" id="{3D1F0037-2934-ADA2-D12E-FD100A3846F0}"/>
+              </a:ext>
+            </a:extLst>
+          </p:cNvPr>
+          <p:cNvSpPr/>
+          <p:nvPr/>
+        </p:nvSpPr>
+        <p:spPr>
+          <a:xfrm>
+            <a:off x="789286" y="1187608"/>
+            <a:ext cx="87332" cy="87332"/>
+          </a:xfrm>
+          <a:prstGeom prst="rect">
+            <a:avLst/>
+          </a:prstGeom>
+          <a:solidFill>
+            <a:schemeClr val="tx1"/>
+          </a:solidFill>
+        </p:spPr>
+        <p:style>
+          <a:lnRef idx="2">
+            <a:schemeClr val="accent1">
+              <a:shade val="15000"/>
+            </a:schemeClr>
+          </a:lnRef>
+          <a:fillRef idx="1">
+            <a:schemeClr val="accent1"/>
+          </a:fillRef>
+          <a:effectRef idx="0">
+            <a:schemeClr val="accent1"/>
+          </a:effectRef>
+          <a:fontRef idx="minor">
+            <a:schemeClr val="lt1"/>
+          </a:fontRef>
+        </p:style>
+        <p:txBody>
+          <a:bodyPr wrap="none" rtlCol="0" anchor="ctr">
+            <a:noAutofit/>
+          </a:bodyPr>
+          <a:lstStyle/>
+          <a:p>
+            <a:pPr algn="ctr"/>
+            <a:endParaRPr lang="en-GB" sz="1200" dirty="0"/>
+          </a:p>
+        </p:txBody>
+      </p:sp>
+      <p:sp>
+        <p:nvSpPr>
+          <p:cNvPr id="34" name="Rectangle 33">
+            <a:extLst>
+              <a:ext uri="{FF2B5EF4-FFF2-40B4-BE49-F238E27FC236}">
+                <a16:creationId xmlns:a16="http://schemas.microsoft.com/office/drawing/2014/main" id="{8856D947-4A52-B66C-2C5D-816D4756ABA9}"/>
+              </a:ext>
+            </a:extLst>
+          </p:cNvPr>
+          <p:cNvSpPr/>
+          <p:nvPr/>
+        </p:nvSpPr>
+        <p:spPr>
+          <a:xfrm>
+            <a:off x="812377" y="3205384"/>
+            <a:ext cx="550759" cy="87332"/>
+          </a:xfrm>
+          <a:prstGeom prst="rect">
+            <a:avLst/>
+          </a:prstGeom>
+          <a:solidFill>
+            <a:schemeClr val="tx1"/>
+          </a:solidFill>
+        </p:spPr>
+        <p:style>
+          <a:lnRef idx="2">
+            <a:schemeClr val="accent1">
+              <a:shade val="15000"/>
+            </a:schemeClr>
+          </a:lnRef>
+          <a:fillRef idx="1">
+            <a:schemeClr val="accent1"/>
+          </a:fillRef>
+          <a:effectRef idx="0">
+            <a:schemeClr val="accent1"/>
+          </a:effectRef>
+          <a:fontRef idx="minor">
+            <a:schemeClr val="lt1"/>
+          </a:fontRef>
+        </p:style>
+        <p:txBody>
+          <a:bodyPr wrap="none" rtlCol="0" anchor="ctr">
+            <a:noAutofit/>
+          </a:bodyPr>
+          <a:lstStyle/>
+          <a:p>
+            <a:pPr algn="ctr"/>
+            <a:endParaRPr lang="en-GB" sz="1200" dirty="0"/>
+          </a:p>
+        </p:txBody>
+      </p:sp>
+      <p:sp>
+        <p:nvSpPr>
+          <p:cNvPr id="35" name="Rectangle 34">
+            <a:extLst>
+              <a:ext uri="{FF2B5EF4-FFF2-40B4-BE49-F238E27FC236}">
+                <a16:creationId xmlns:a16="http://schemas.microsoft.com/office/drawing/2014/main" id="{AFCB9B30-EE8C-A1A1-FC37-70741E3AE477}"/>
+              </a:ext>
+            </a:extLst>
+          </p:cNvPr>
+          <p:cNvSpPr/>
+          <p:nvPr/>
+        </p:nvSpPr>
+        <p:spPr>
+          <a:xfrm>
+            <a:off x="1530281" y="6149237"/>
+            <a:ext cx="87332" cy="87332"/>
+          </a:xfrm>
+          <a:prstGeom prst="rect">
+            <a:avLst/>
+          </a:prstGeom>
+          <a:solidFill>
+            <a:schemeClr val="tx1"/>
+          </a:solidFill>
+        </p:spPr>
+        <p:style>
+          <a:lnRef idx="2">
+            <a:schemeClr val="accent1">
+              <a:shade val="15000"/>
+            </a:schemeClr>
+          </a:lnRef>
+          <a:fillRef idx="1">
+            <a:schemeClr val="accent1"/>
+          </a:fillRef>
+          <a:effectRef idx="0">
+            <a:schemeClr val="accent1"/>
+          </a:effectRef>
+          <a:fontRef idx="minor">
+            <a:schemeClr val="lt1"/>
+          </a:fontRef>
+        </p:style>
+        <p:txBody>
+          <a:bodyPr wrap="none" rtlCol="0" anchor="ctr">
+            <a:noAutofit/>
+          </a:bodyPr>
+          <a:lstStyle/>
+          <a:p>
+            <a:pPr algn="ctr"/>
+            <a:endParaRPr lang="en-GB" sz="1200" dirty="0"/>
+          </a:p>
+        </p:txBody>
+      </p:sp>
+      <p:sp>
+        <p:nvSpPr>
+          <p:cNvPr id="36" name="Rectangle 35">
+            <a:extLst>
+              <a:ext uri="{FF2B5EF4-FFF2-40B4-BE49-F238E27FC236}">
+                <a16:creationId xmlns:a16="http://schemas.microsoft.com/office/drawing/2014/main" id="{2BC99BD5-BD07-AE8D-0311-93C34B52EB8F}"/>
+              </a:ext>
+            </a:extLst>
+          </p:cNvPr>
+          <p:cNvSpPr/>
+          <p:nvPr/>
+        </p:nvSpPr>
+        <p:spPr>
+          <a:xfrm>
+            <a:off x="1530281" y="5837758"/>
+            <a:ext cx="87332" cy="87332"/>
+          </a:xfrm>
+          <a:prstGeom prst="rect">
+            <a:avLst/>
+          </a:prstGeom>
+          <a:solidFill>
+            <a:schemeClr val="tx1"/>
+          </a:solidFill>
+        </p:spPr>
+        <p:style>
+          <a:lnRef idx="2">
+            <a:schemeClr val="accent1">
+              <a:shade val="15000"/>
+            </a:schemeClr>
+          </a:lnRef>
+          <a:fillRef idx="1">
+            <a:schemeClr val="accent1"/>
+          </a:fillRef>
+          <a:effectRef idx="0">
+            <a:schemeClr val="accent1"/>
+          </a:effectRef>
+          <a:fontRef idx="minor">
+            <a:schemeClr val="lt1"/>
+          </a:fontRef>
+        </p:style>
+        <p:txBody>
+          <a:bodyPr wrap="none" rtlCol="0" anchor="ctr">
+            <a:noAutofit/>
+          </a:bodyPr>
+          <a:lstStyle/>
+          <a:p>
+            <a:pPr algn="ctr"/>
+            <a:endParaRPr lang="en-GB" sz="1200" dirty="0"/>
+          </a:p>
+        </p:txBody>
+      </p:sp>
+      <p:sp>
+        <p:nvSpPr>
+          <p:cNvPr id="37" name="Rectangle 36">
+            <a:extLst>
+              <a:ext uri="{FF2B5EF4-FFF2-40B4-BE49-F238E27FC236}">
+                <a16:creationId xmlns:a16="http://schemas.microsoft.com/office/drawing/2014/main" id="{D07B0402-F366-3935-0FE0-BD30F3F3B9F0}"/>
+              </a:ext>
+            </a:extLst>
+          </p:cNvPr>
+          <p:cNvSpPr/>
+          <p:nvPr/>
+        </p:nvSpPr>
+        <p:spPr>
+          <a:xfrm>
+            <a:off x="1037918" y="2594790"/>
+            <a:ext cx="87332" cy="87332"/>
+          </a:xfrm>
+          <a:prstGeom prst="rect">
+            <a:avLst/>
+          </a:prstGeom>
+          <a:solidFill>
+            <a:schemeClr val="tx1"/>
+          </a:solidFill>
+        </p:spPr>
+        <p:style>
+          <a:lnRef idx="2">
+            <a:schemeClr val="accent1">
+              <a:shade val="15000"/>
+            </a:schemeClr>
+          </a:lnRef>
+          <a:fillRef idx="1">
+            <a:schemeClr val="accent1"/>
+          </a:fillRef>
+          <a:effectRef idx="0">
+            <a:schemeClr val="accent1"/>
+          </a:effectRef>
+          <a:fontRef idx="minor">
+            <a:schemeClr val="lt1"/>
+          </a:fontRef>
+        </p:style>
+        <p:txBody>
+          <a:bodyPr wrap="none" rtlCol="0" anchor="ctr">
+            <a:noAutofit/>
+          </a:bodyPr>
+          <a:lstStyle/>
+          <a:p>
+            <a:pPr algn="ctr"/>
+            <a:endParaRPr lang="en-GB" sz="1200" dirty="0"/>
+          </a:p>
+        </p:txBody>
+      </p:sp>
+      <p:sp>
+        <p:nvSpPr>
+          <p:cNvPr id="38" name="Rectangle 37">
+            <a:extLst>
+              <a:ext uri="{FF2B5EF4-FFF2-40B4-BE49-F238E27FC236}">
+                <a16:creationId xmlns:a16="http://schemas.microsoft.com/office/drawing/2014/main" id="{FD8936D0-A206-6647-86B2-4138223620BA}"/>
+              </a:ext>
+            </a:extLst>
+          </p:cNvPr>
+          <p:cNvSpPr/>
+          <p:nvPr/>
+        </p:nvSpPr>
+        <p:spPr>
+          <a:xfrm>
+            <a:off x="1037918" y="2357659"/>
+            <a:ext cx="87332" cy="87332"/>
+          </a:xfrm>
+          <a:prstGeom prst="rect">
+            <a:avLst/>
+          </a:prstGeom>
+          <a:solidFill>
+            <a:schemeClr val="tx1"/>
+          </a:solidFill>
+        </p:spPr>
+        <p:style>
+          <a:lnRef idx="2">
+            <a:schemeClr val="accent1">
+              <a:shade val="15000"/>
+            </a:schemeClr>
+          </a:lnRef>
+          <a:fillRef idx="1">
+            <a:schemeClr val="accent1"/>
+          </a:fillRef>
+          <a:effectRef idx="0">
+            <a:schemeClr val="accent1"/>
+          </a:effectRef>
+          <a:fontRef idx="minor">
+            <a:schemeClr val="lt1"/>
+          </a:fontRef>
+        </p:style>
+        <p:txBody>
+          <a:bodyPr wrap="none" rtlCol="0" anchor="ctr">
+            <a:noAutofit/>
+          </a:bodyPr>
+          <a:lstStyle/>
+          <a:p>
+            <a:pPr algn="ctr"/>
+            <a:endParaRPr lang="en-GB" sz="1200" dirty="0"/>
+          </a:p>
+        </p:txBody>
+      </p:sp>
+      <p:sp>
+        <p:nvSpPr>
+          <p:cNvPr id="39" name="Rectangle 38">
+            <a:extLst>
+              <a:ext uri="{FF2B5EF4-FFF2-40B4-BE49-F238E27FC236}">
+                <a16:creationId xmlns:a16="http://schemas.microsoft.com/office/drawing/2014/main" id="{99163425-9827-A772-0CA0-4AB9A0729250}"/>
+              </a:ext>
+            </a:extLst>
+          </p:cNvPr>
+          <p:cNvSpPr/>
+          <p:nvPr/>
+        </p:nvSpPr>
+        <p:spPr>
+          <a:xfrm>
+            <a:off x="1037918" y="2058511"/>
+            <a:ext cx="87332" cy="87332"/>
+          </a:xfrm>
+          <a:prstGeom prst="rect">
+            <a:avLst/>
+          </a:prstGeom>
+          <a:solidFill>
+            <a:schemeClr val="tx1"/>
+          </a:solidFill>
+        </p:spPr>
+        <p:style>
+          <a:lnRef idx="2">
+            <a:schemeClr val="accent1">
+              <a:shade val="15000"/>
+            </a:schemeClr>
+          </a:lnRef>
+          <a:fillRef idx="1">
+            <a:schemeClr val="accent1"/>
+          </a:fillRef>
+          <a:effectRef idx="0">
+            <a:schemeClr val="accent1"/>
+          </a:effectRef>
+          <a:fontRef idx="minor">
+            <a:schemeClr val="lt1"/>
+          </a:fontRef>
+        </p:style>
+        <p:txBody>
+          <a:bodyPr wrap="none" rtlCol="0" anchor="ctr">
+            <a:noAutofit/>
+          </a:bodyPr>
+          <a:lstStyle/>
+          <a:p>
+            <a:pPr algn="ctr"/>
+            <a:endParaRPr lang="en-GB" sz="1200" dirty="0"/>
+          </a:p>
+        </p:txBody>
+      </p:sp>
+      <p:sp>
+        <p:nvSpPr>
+          <p:cNvPr id="40" name="Rectangle 39">
+            <a:extLst>
+              <a:ext uri="{FF2B5EF4-FFF2-40B4-BE49-F238E27FC236}">
+                <a16:creationId xmlns:a16="http://schemas.microsoft.com/office/drawing/2014/main" id="{5F70DB40-4840-252C-8513-9B5F4A9E5FA1}"/>
+              </a:ext>
+            </a:extLst>
+          </p:cNvPr>
+          <p:cNvSpPr/>
+          <p:nvPr/>
+        </p:nvSpPr>
+        <p:spPr>
+          <a:xfrm>
+            <a:off x="1055848" y="2894920"/>
+            <a:ext cx="627264" cy="109296"/>
+          </a:xfrm>
+          <a:prstGeom prst="rect">
+            <a:avLst/>
+          </a:prstGeom>
+          <a:solidFill>
+            <a:schemeClr val="tx1"/>
+          </a:solidFill>
+        </p:spPr>
+        <p:style>
+          <a:lnRef idx="2">
+            <a:schemeClr val="accent1">
+              <a:shade val="15000"/>
+            </a:schemeClr>
+          </a:lnRef>
+          <a:fillRef idx="1">
+            <a:schemeClr val="accent1"/>
+          </a:fillRef>
+          <a:effectRef idx="0">
+            <a:schemeClr val="accent1"/>
+          </a:effectRef>
+          <a:fontRef idx="minor">
+            <a:schemeClr val="lt1"/>
+          </a:fontRef>
+        </p:style>
+        <p:txBody>
+          <a:bodyPr wrap="none" rtlCol="0" anchor="ctr">
+            <a:noAutofit/>
+          </a:bodyPr>
+          <a:lstStyle/>
+          <a:p>
+            <a:pPr algn="ctr"/>
+            <a:endParaRPr lang="en-GB" sz="1200" dirty="0"/>
+          </a:p>
+        </p:txBody>
+      </p:sp>
+      <p:sp>
+        <p:nvSpPr>
+          <p:cNvPr id="41" name="Rectangle 40">
+            <a:extLst>
+              <a:ext uri="{FF2B5EF4-FFF2-40B4-BE49-F238E27FC236}">
+                <a16:creationId xmlns:a16="http://schemas.microsoft.com/office/drawing/2014/main" id="{E10F962C-3CB5-E3F1-541C-57ED872DDFFA}"/>
+              </a:ext>
+            </a:extLst>
+          </p:cNvPr>
+          <p:cNvSpPr/>
+          <p:nvPr/>
+        </p:nvSpPr>
+        <p:spPr>
+          <a:xfrm>
+            <a:off x="1530281" y="5505500"/>
+            <a:ext cx="87332" cy="87332"/>
+          </a:xfrm>
+          <a:prstGeom prst="rect">
+            <a:avLst/>
+          </a:prstGeom>
+          <a:solidFill>
+            <a:schemeClr val="tx1"/>
+          </a:solidFill>
+        </p:spPr>
+        <p:style>
+          <a:lnRef idx="2">
+            <a:schemeClr val="accent1">
+              <a:shade val="15000"/>
+            </a:schemeClr>
+          </a:lnRef>
+          <a:fillRef idx="1">
+            <a:schemeClr val="accent1"/>
+          </a:fillRef>
+          <a:effectRef idx="0">
+            <a:schemeClr val="accent1"/>
+          </a:effectRef>
+          <a:fontRef idx="minor">
+            <a:schemeClr val="lt1"/>
+          </a:fontRef>
+        </p:style>
+        <p:txBody>
+          <a:bodyPr wrap="none" rtlCol="0" anchor="ctr">
+            <a:noAutofit/>
+          </a:bodyPr>
+          <a:lstStyle/>
+          <a:p>
+            <a:pPr algn="ctr"/>
+            <a:endParaRPr lang="en-GB" sz="1200" dirty="0"/>
+          </a:p>
+        </p:txBody>
+      </p:sp>
+      <p:sp>
+        <p:nvSpPr>
+          <p:cNvPr id="42" name="Rectangle 41">
+            <a:extLst>
+              <a:ext uri="{FF2B5EF4-FFF2-40B4-BE49-F238E27FC236}">
+                <a16:creationId xmlns:a16="http://schemas.microsoft.com/office/drawing/2014/main" id="{474BD5D9-8332-1F17-09A8-F660AE5828B8}"/>
+              </a:ext>
+            </a:extLst>
+          </p:cNvPr>
+          <p:cNvSpPr/>
+          <p:nvPr/>
+        </p:nvSpPr>
+        <p:spPr>
+          <a:xfrm>
+            <a:off x="1037918" y="3793945"/>
+            <a:ext cx="87332" cy="87332"/>
+          </a:xfrm>
+          <a:prstGeom prst="rect">
+            <a:avLst/>
+          </a:prstGeom>
+          <a:solidFill>
+            <a:schemeClr val="tx1"/>
+          </a:solidFill>
+        </p:spPr>
+        <p:style>
+          <a:lnRef idx="2">
+            <a:schemeClr val="accent1">
+              <a:shade val="15000"/>
+            </a:schemeClr>
+          </a:lnRef>
+          <a:fillRef idx="1">
+            <a:schemeClr val="accent1"/>
+          </a:fillRef>
+          <a:effectRef idx="0">
+            <a:schemeClr val="accent1"/>
+          </a:effectRef>
+          <a:fontRef idx="minor">
+            <a:schemeClr val="lt1"/>
+          </a:fontRef>
+        </p:style>
+        <p:txBody>
+          <a:bodyPr wrap="none" rtlCol="0" anchor="ctr">
+            <a:noAutofit/>
+          </a:bodyPr>
+          <a:lstStyle/>
+          <a:p>
+            <a:pPr algn="ctr"/>
+            <a:endParaRPr lang="en-GB" sz="1200" dirty="0"/>
+          </a:p>
+        </p:txBody>
+      </p:sp>
+      <p:sp>
+        <p:nvSpPr>
+          <p:cNvPr id="43" name="Rectangle 42">
+            <a:extLst>
+              <a:ext uri="{FF2B5EF4-FFF2-40B4-BE49-F238E27FC236}">
+                <a16:creationId xmlns:a16="http://schemas.microsoft.com/office/drawing/2014/main" id="{CB080247-F08B-2B3D-3CAE-A6093A4E59D0}"/>
+              </a:ext>
+            </a:extLst>
+          </p:cNvPr>
+          <p:cNvSpPr/>
+          <p:nvPr/>
+        </p:nvSpPr>
+        <p:spPr>
+          <a:xfrm>
+            <a:off x="1037918" y="4143703"/>
+            <a:ext cx="87332" cy="87332"/>
+          </a:xfrm>
+          <a:prstGeom prst="rect">
+            <a:avLst/>
+          </a:prstGeom>
+          <a:solidFill>
+            <a:schemeClr val="tx1"/>
+          </a:solidFill>
+        </p:spPr>
+        <p:style>
+          <a:lnRef idx="2">
+            <a:schemeClr val="accent1">
+              <a:shade val="15000"/>
+            </a:schemeClr>
+          </a:lnRef>
+          <a:fillRef idx="1">
+            <a:schemeClr val="accent1"/>
+          </a:fillRef>
+          <a:effectRef idx="0">
+            <a:schemeClr val="accent1"/>
+          </a:effectRef>
+          <a:fontRef idx="minor">
+            <a:schemeClr val="lt1"/>
+          </a:fontRef>
+        </p:style>
+        <p:txBody>
+          <a:bodyPr wrap="none" rtlCol="0" anchor="ctr">
+            <a:noAutofit/>
+          </a:bodyPr>
+          <a:lstStyle/>
+          <a:p>
+            <a:pPr algn="ctr"/>
+            <a:endParaRPr lang="en-GB" sz="1200" dirty="0"/>
+          </a:p>
+        </p:txBody>
+      </p:sp>
+      <p:sp>
+        <p:nvSpPr>
+          <p:cNvPr id="44" name="Rectangle 43">
+            <a:extLst>
+              <a:ext uri="{FF2B5EF4-FFF2-40B4-BE49-F238E27FC236}">
+                <a16:creationId xmlns:a16="http://schemas.microsoft.com/office/drawing/2014/main" id="{804FB9AB-65D2-FC81-B940-BD018E548410}"/>
+              </a:ext>
+            </a:extLst>
+          </p:cNvPr>
+          <p:cNvSpPr/>
+          <p:nvPr/>
+        </p:nvSpPr>
+        <p:spPr>
+          <a:xfrm>
+            <a:off x="1530281" y="3544772"/>
+            <a:ext cx="87332" cy="87332"/>
+          </a:xfrm>
+          <a:prstGeom prst="rect">
+            <a:avLst/>
+          </a:prstGeom>
+          <a:solidFill>
+            <a:schemeClr val="tx1"/>
+          </a:solidFill>
+        </p:spPr>
+        <p:style>
+          <a:lnRef idx="2">
+            <a:schemeClr val="accent1">
+              <a:shade val="15000"/>
+            </a:schemeClr>
+          </a:lnRef>
+          <a:fillRef idx="1">
+            <a:schemeClr val="accent1"/>
+          </a:fillRef>
+          <a:effectRef idx="0">
+            <a:schemeClr val="accent1"/>
+          </a:effectRef>
+          <a:fontRef idx="minor">
+            <a:schemeClr val="lt1"/>
+          </a:fontRef>
+        </p:style>
+        <p:txBody>
+          <a:bodyPr wrap="none" rtlCol="0" anchor="ctr">
+            <a:noAutofit/>
+          </a:bodyPr>
+          <a:lstStyle/>
+          <a:p>
+            <a:pPr algn="ctr"/>
+            <a:endParaRPr lang="en-GB" sz="1200" dirty="0"/>
+          </a:p>
+        </p:txBody>
+      </p:sp>
+      <p:sp>
+        <p:nvSpPr>
+          <p:cNvPr id="45" name="Rectangle 44">
+            <a:extLst>
+              <a:ext uri="{FF2B5EF4-FFF2-40B4-BE49-F238E27FC236}">
+                <a16:creationId xmlns:a16="http://schemas.microsoft.com/office/drawing/2014/main" id="{8EA97F6C-24E4-FD2A-0139-61E998B1B236}"/>
+              </a:ext>
+            </a:extLst>
+          </p:cNvPr>
+          <p:cNvSpPr/>
+          <p:nvPr/>
+        </p:nvSpPr>
+        <p:spPr>
+          <a:xfrm>
+            <a:off x="1037918" y="4440882"/>
+            <a:ext cx="87332" cy="87332"/>
+          </a:xfrm>
+          <a:prstGeom prst="rect">
+            <a:avLst/>
+          </a:prstGeom>
+          <a:solidFill>
+            <a:schemeClr val="tx1"/>
+          </a:solidFill>
+        </p:spPr>
+        <p:style>
+          <a:lnRef idx="2">
+            <a:schemeClr val="accent1">
+              <a:shade val="15000"/>
+            </a:schemeClr>
+          </a:lnRef>
+          <a:fillRef idx="1">
+            <a:schemeClr val="accent1"/>
+          </a:fillRef>
+          <a:effectRef idx="0">
+            <a:schemeClr val="accent1"/>
+          </a:effectRef>
+          <a:fontRef idx="minor">
+            <a:schemeClr val="lt1"/>
+          </a:fontRef>
+        </p:style>
+        <p:txBody>
+          <a:bodyPr wrap="none" rtlCol="0" anchor="ctr">
+            <a:noAutofit/>
+          </a:bodyPr>
+          <a:lstStyle/>
+          <a:p>
+            <a:pPr algn="ctr"/>
+            <a:endParaRPr lang="en-GB" sz="1200" dirty="0"/>
+          </a:p>
+        </p:txBody>
+      </p:sp>
+      <p:sp>
+        <p:nvSpPr>
+          <p:cNvPr id="46" name="Rectangle 45">
+            <a:extLst>
+              <a:ext uri="{FF2B5EF4-FFF2-40B4-BE49-F238E27FC236}">
+                <a16:creationId xmlns:a16="http://schemas.microsoft.com/office/drawing/2014/main" id="{7C9AEC61-A9CE-B7CE-1833-6C2216F94A3E}"/>
+              </a:ext>
+            </a:extLst>
+          </p:cNvPr>
+          <p:cNvSpPr/>
+          <p:nvPr/>
+        </p:nvSpPr>
+        <p:spPr>
+          <a:xfrm>
+            <a:off x="1037918" y="4729715"/>
+            <a:ext cx="87332" cy="87332"/>
+          </a:xfrm>
+          <a:prstGeom prst="rect">
+            <a:avLst/>
+          </a:prstGeom>
+          <a:solidFill>
+            <a:schemeClr val="tx1"/>
+          </a:solidFill>
+        </p:spPr>
+        <p:style>
+          <a:lnRef idx="2">
+            <a:schemeClr val="accent1">
+              <a:shade val="15000"/>
+            </a:schemeClr>
+          </a:lnRef>
+          <a:fillRef idx="1">
+            <a:schemeClr val="accent1"/>
+          </a:fillRef>
+          <a:effectRef idx="0">
+            <a:schemeClr val="accent1"/>
+          </a:effectRef>
+          <a:fontRef idx="minor">
+            <a:schemeClr val="lt1"/>
+          </a:fontRef>
+        </p:style>
+        <p:txBody>
+          <a:bodyPr wrap="none" rtlCol="0" anchor="ctr">
+            <a:noAutofit/>
+          </a:bodyPr>
+          <a:lstStyle/>
+          <a:p>
+            <a:pPr algn="ctr"/>
+            <a:endParaRPr lang="en-GB" sz="1200" dirty="0"/>
+          </a:p>
+        </p:txBody>
+      </p:sp>
+      <p:sp>
+        <p:nvSpPr>
+          <p:cNvPr id="47" name="Rectangle 46">
+            <a:extLst>
+              <a:ext uri="{FF2B5EF4-FFF2-40B4-BE49-F238E27FC236}">
+                <a16:creationId xmlns:a16="http://schemas.microsoft.com/office/drawing/2014/main" id="{C1472BF3-29C9-E681-E6EC-4A89E4457FA1}"/>
+              </a:ext>
+            </a:extLst>
+          </p:cNvPr>
+          <p:cNvSpPr/>
+          <p:nvPr/>
+        </p:nvSpPr>
+        <p:spPr>
+          <a:xfrm>
+            <a:off x="1191492" y="4986280"/>
+            <a:ext cx="619933" cy="87332"/>
+          </a:xfrm>
+          <a:prstGeom prst="rect">
+            <a:avLst/>
+          </a:prstGeom>
+          <a:solidFill>
+            <a:schemeClr val="tx1"/>
+          </a:solidFill>
+        </p:spPr>
+        <p:style>
+          <a:lnRef idx="2">
+            <a:schemeClr val="accent1">
+              <a:shade val="15000"/>
+            </a:schemeClr>
+          </a:lnRef>
+          <a:fillRef idx="1">
+            <a:schemeClr val="accent1"/>
+          </a:fillRef>
+          <a:effectRef idx="0">
+            <a:schemeClr val="accent1"/>
+          </a:effectRef>
+          <a:fontRef idx="minor">
+            <a:schemeClr val="lt1"/>
+          </a:fontRef>
+        </p:style>
+        <p:txBody>
+          <a:bodyPr wrap="none" rtlCol="0" anchor="ctr">
+            <a:noAutofit/>
+          </a:bodyPr>
+          <a:lstStyle/>
+          <a:p>
+            <a:pPr algn="ctr"/>
+            <a:endParaRPr lang="en-GB" sz="1200" dirty="0"/>
+          </a:p>
+        </p:txBody>
+      </p:sp>
+      <p:sp>
+        <p:nvSpPr>
+          <p:cNvPr id="48" name="Rectangle 47">
+            <a:extLst>
+              <a:ext uri="{FF2B5EF4-FFF2-40B4-BE49-F238E27FC236}">
+                <a16:creationId xmlns:a16="http://schemas.microsoft.com/office/drawing/2014/main" id="{1E7AE3A2-A815-225B-1101-7B181842AD6A}"/>
+              </a:ext>
+            </a:extLst>
+          </p:cNvPr>
+          <p:cNvSpPr/>
+          <p:nvPr/>
+        </p:nvSpPr>
+        <p:spPr>
+          <a:xfrm>
+            <a:off x="1241135" y="5300441"/>
+            <a:ext cx="87332" cy="87332"/>
+          </a:xfrm>
+          <a:prstGeom prst="rect">
+            <a:avLst/>
+          </a:prstGeom>
+          <a:solidFill>
+            <a:schemeClr val="tx1"/>
+          </a:solidFill>
+        </p:spPr>
+        <p:style>
+          <a:lnRef idx="2">
+            <a:schemeClr val="accent1">
+              <a:shade val="15000"/>
+            </a:schemeClr>
+          </a:lnRef>
+          <a:fillRef idx="1">
+            <a:schemeClr val="accent1"/>
+          </a:fillRef>
+          <a:effectRef idx="0">
+            <a:schemeClr val="accent1"/>
+          </a:effectRef>
+          <a:fontRef idx="minor">
+            <a:schemeClr val="lt1"/>
+          </a:fontRef>
+        </p:style>
+        <p:txBody>
+          <a:bodyPr wrap="none" rtlCol="0" anchor="ctr">
+            <a:noAutofit/>
+          </a:bodyPr>
+          <a:lstStyle/>
+          <a:p>
+            <a:pPr algn="ctr"/>
+            <a:endParaRPr lang="en-GB" sz="1200" dirty="0"/>
+          </a:p>
+        </p:txBody>
+      </p:sp>
+      <p:cxnSp>
+        <p:nvCxnSpPr>
+          <p:cNvPr id="49" name="Straight Connector 48">
+            <a:extLst>
+              <a:ext uri="{FF2B5EF4-FFF2-40B4-BE49-F238E27FC236}">
+                <a16:creationId xmlns:a16="http://schemas.microsoft.com/office/drawing/2014/main" id="{BDD51F86-A200-2075-17C0-09F3FE698FD2}"/>
+              </a:ext>
+            </a:extLst>
+          </p:cNvPr>
+          <p:cNvCxnSpPr>
+            <a:cxnSpLocks/>
+          </p:cNvCxnSpPr>
+          <p:nvPr/>
+        </p:nvCxnSpPr>
+        <p:spPr>
+          <a:xfrm>
+            <a:off x="1620983" y="1527229"/>
+            <a:ext cx="0" cy="300459"/>
+          </a:xfrm>
+          <a:prstGeom prst="line">
+            <a:avLst/>
+          </a:prstGeom>
+          <a:ln w="60325">
+            <a:solidFill>
+              <a:srgbClr val="00B0F0"/>
+            </a:solidFill>
+          </a:ln>
+        </p:spPr>
+        <p:style>
+          <a:lnRef idx="2">
+            <a:schemeClr val="accent1"/>
+          </a:lnRef>
+          <a:fillRef idx="0">
+            <a:schemeClr val="accent1"/>
+          </a:fillRef>
+          <a:effectRef idx="1">
+            <a:schemeClr val="accent1"/>
+          </a:effectRef>
+          <a:fontRef idx="minor">
+            <a:schemeClr val="tx1"/>
+          </a:fontRef>
+        </p:style>
+      </p:cxnSp>
+      <p:sp>
+        <p:nvSpPr>
+          <p:cNvPr id="50" name="Rectangle 49">
+            <a:extLst>
+              <a:ext uri="{FF2B5EF4-FFF2-40B4-BE49-F238E27FC236}">
+                <a16:creationId xmlns:a16="http://schemas.microsoft.com/office/drawing/2014/main" id="{B9CAD322-8446-35A9-4844-A828E3ED8BFE}"/>
+              </a:ext>
+            </a:extLst>
+          </p:cNvPr>
+          <p:cNvSpPr/>
+          <p:nvPr/>
+        </p:nvSpPr>
+        <p:spPr>
+          <a:xfrm>
+            <a:off x="805063" y="1498890"/>
+            <a:ext cx="834383" cy="87332"/>
+          </a:xfrm>
+          <a:prstGeom prst="rect">
+            <a:avLst/>
+          </a:prstGeom>
+          <a:solidFill>
+            <a:schemeClr val="tx1"/>
+          </a:solidFill>
+        </p:spPr>
+        <p:style>
+          <a:lnRef idx="2">
+            <a:schemeClr val="accent1">
+              <a:shade val="15000"/>
+            </a:schemeClr>
+          </a:lnRef>
+          <a:fillRef idx="1">
+            <a:schemeClr val="accent1"/>
+          </a:fillRef>
+          <a:effectRef idx="0">
+            <a:schemeClr val="accent1"/>
+          </a:effectRef>
+          <a:fontRef idx="minor">
+            <a:schemeClr val="lt1"/>
+          </a:fontRef>
+        </p:style>
+        <p:txBody>
+          <a:bodyPr wrap="none" rtlCol="0" anchor="ctr">
+            <a:noAutofit/>
+          </a:bodyPr>
+          <a:lstStyle/>
+          <a:p>
+            <a:pPr algn="ctr"/>
+            <a:endParaRPr lang="en-GB" sz="1200" dirty="0"/>
+          </a:p>
+        </p:txBody>
+      </p:sp>
+      <p:sp>
+        <p:nvSpPr>
+          <p:cNvPr id="51" name="Rectangle 50">
+            <a:extLst>
+              <a:ext uri="{FF2B5EF4-FFF2-40B4-BE49-F238E27FC236}">
+                <a16:creationId xmlns:a16="http://schemas.microsoft.com/office/drawing/2014/main" id="{4D599F0B-D163-A67F-2DA2-4C8548DC9DC8}"/>
+              </a:ext>
+            </a:extLst>
+          </p:cNvPr>
+          <p:cNvSpPr/>
+          <p:nvPr/>
+        </p:nvSpPr>
+        <p:spPr>
+          <a:xfrm>
+            <a:off x="1595780" y="1817838"/>
+            <a:ext cx="87332" cy="87332"/>
+          </a:xfrm>
+          <a:prstGeom prst="rect">
+            <a:avLst/>
+          </a:prstGeom>
+          <a:solidFill>
+            <a:schemeClr val="tx1"/>
+          </a:solidFill>
+        </p:spPr>
+        <p:style>
+          <a:lnRef idx="2">
+            <a:schemeClr val="accent1">
+              <a:shade val="15000"/>
+            </a:schemeClr>
+          </a:lnRef>
+          <a:fillRef idx="1">
+            <a:schemeClr val="accent1"/>
+          </a:fillRef>
+          <a:effectRef idx="0">
+            <a:schemeClr val="accent1"/>
+          </a:effectRef>
+          <a:fontRef idx="minor">
+            <a:schemeClr val="lt1"/>
+          </a:fontRef>
+        </p:style>
+        <p:txBody>
+          <a:bodyPr wrap="none" rtlCol="0" anchor="ctr">
+            <a:noAutofit/>
+          </a:bodyPr>
+          <a:lstStyle/>
+          <a:p>
+            <a:pPr algn="ctr"/>
+            <a:endParaRPr lang="en-GB" sz="1200" dirty="0"/>
+          </a:p>
+        </p:txBody>
+      </p:sp>
+      <p:sp>
+        <p:nvSpPr>
+          <p:cNvPr id="100" name="Oval 99">
+            <a:extLst>
+              <a:ext uri="{FF2B5EF4-FFF2-40B4-BE49-F238E27FC236}">
+                <a16:creationId xmlns:a16="http://schemas.microsoft.com/office/drawing/2014/main" id="{B99FD9D9-209C-75D3-D4A7-9D3B6881C1B7}"/>
+              </a:ext>
+            </a:extLst>
+          </p:cNvPr>
+          <p:cNvSpPr/>
+          <p:nvPr/>
+        </p:nvSpPr>
+        <p:spPr>
+          <a:xfrm>
+            <a:off x="8195605" y="48398"/>
+            <a:ext cx="201168" cy="201168"/>
+          </a:xfrm>
+          <a:prstGeom prst="ellipse">
+            <a:avLst/>
+          </a:prstGeom>
+          <a:solidFill>
+            <a:schemeClr val="tx2">
+              <a:lumMod val="25000"/>
+              <a:lumOff val="75000"/>
+            </a:schemeClr>
+          </a:solidFill>
+        </p:spPr>
+        <p:style>
+          <a:lnRef idx="2">
+            <a:schemeClr val="accent1">
+              <a:shade val="15000"/>
+            </a:schemeClr>
+          </a:lnRef>
+          <a:fillRef idx="1">
+            <a:schemeClr val="accent1"/>
+          </a:fillRef>
+          <a:effectRef idx="0">
+            <a:schemeClr val="accent1"/>
+          </a:effectRef>
+          <a:fontRef idx="minor">
+            <a:schemeClr val="lt1"/>
+          </a:fontRef>
+        </p:style>
+        <p:txBody>
+          <a:bodyPr wrap="none" rtlCol="0" anchor="ctr">
+            <a:noAutofit/>
+          </a:bodyPr>
+          <a:lstStyle/>
+          <a:p>
+            <a:pPr algn="ctr"/>
+            <a:r>
+              <a:rPr lang="en-GB" dirty="0">
+                <a:solidFill>
+                  <a:schemeClr val="tx1"/>
+                </a:solidFill>
+              </a:rPr>
+              <a:t>START</a:t>
+            </a:r>
+          </a:p>
+        </p:txBody>
+      </p:sp>
+      <p:sp>
+        <p:nvSpPr>
+          <p:cNvPr id="101" name="Rectangle 100">
+            <a:extLst>
+              <a:ext uri="{FF2B5EF4-FFF2-40B4-BE49-F238E27FC236}">
+                <a16:creationId xmlns:a16="http://schemas.microsoft.com/office/drawing/2014/main" id="{19CFE967-9B39-ED21-B826-782F296EE2DD}"/>
+              </a:ext>
+            </a:extLst>
+          </p:cNvPr>
+          <p:cNvSpPr/>
+          <p:nvPr/>
+        </p:nvSpPr>
+        <p:spPr>
+          <a:xfrm>
+            <a:off x="6096000" y="38796"/>
+            <a:ext cx="1924116" cy="6528259"/>
+          </a:xfrm>
+          <a:prstGeom prst="rect">
+            <a:avLst/>
+          </a:prstGeom>
+          <a:noFill/>
+        </p:spPr>
+        <p:style>
+          <a:lnRef idx="2">
+            <a:schemeClr val="accent1">
+              <a:shade val="15000"/>
+            </a:schemeClr>
+          </a:lnRef>
+          <a:fillRef idx="1">
+            <a:schemeClr val="accent1"/>
+          </a:fillRef>
+          <a:effectRef idx="0">
+            <a:schemeClr val="accent1"/>
+          </a:effectRef>
+          <a:fontRef idx="minor">
+            <a:schemeClr val="lt1"/>
+          </a:fontRef>
+        </p:style>
+        <p:txBody>
+          <a:bodyPr wrap="none" rtlCol="0" anchor="ctr">
+            <a:noAutofit/>
+          </a:bodyPr>
+          <a:lstStyle/>
+          <a:p>
+            <a:pPr algn="ctr"/>
+            <a:endParaRPr lang="en-GB" sz="1200" dirty="0"/>
+          </a:p>
+        </p:txBody>
+      </p:sp>
+      <p:cxnSp>
+        <p:nvCxnSpPr>
+          <p:cNvPr id="103" name="Straight Connector 102">
+            <a:extLst>
+              <a:ext uri="{FF2B5EF4-FFF2-40B4-BE49-F238E27FC236}">
+                <a16:creationId xmlns:a16="http://schemas.microsoft.com/office/drawing/2014/main" id="{D1EAA085-055C-AF2E-7BE5-5A02E0A6F8EB}"/>
+              </a:ext>
+            </a:extLst>
+          </p:cNvPr>
+          <p:cNvCxnSpPr/>
+          <p:nvPr/>
+        </p:nvCxnSpPr>
+        <p:spPr>
+          <a:xfrm>
+            <a:off x="6483927" y="38796"/>
+            <a:ext cx="0" cy="6528259"/>
+          </a:xfrm>
+          <a:prstGeom prst="line">
+            <a:avLst/>
+          </a:prstGeom>
+        </p:spPr>
+        <p:style>
+          <a:lnRef idx="2">
+            <a:schemeClr val="accent1"/>
+          </a:lnRef>
+          <a:fillRef idx="0">
+            <a:schemeClr val="accent1"/>
+          </a:fillRef>
+          <a:effectRef idx="1">
+            <a:schemeClr val="accent1"/>
+          </a:effectRef>
+          <a:fontRef idx="minor">
+            <a:schemeClr val="tx1"/>
+          </a:fontRef>
+        </p:style>
+      </p:cxnSp>
+      <p:cxnSp>
+        <p:nvCxnSpPr>
+          <p:cNvPr id="104" name="Straight Connector 103">
+            <a:extLst>
+              <a:ext uri="{FF2B5EF4-FFF2-40B4-BE49-F238E27FC236}">
+                <a16:creationId xmlns:a16="http://schemas.microsoft.com/office/drawing/2014/main" id="{42D0C12E-ACBE-BF99-8F91-F3C11CFC9D24}"/>
+              </a:ext>
+            </a:extLst>
+          </p:cNvPr>
+          <p:cNvCxnSpPr/>
+          <p:nvPr/>
+        </p:nvCxnSpPr>
+        <p:spPr>
+          <a:xfrm>
+            <a:off x="6913418" y="38796"/>
+            <a:ext cx="0" cy="6528259"/>
+          </a:xfrm>
+          <a:prstGeom prst="line">
+            <a:avLst/>
+          </a:prstGeom>
+        </p:spPr>
+        <p:style>
+          <a:lnRef idx="2">
+            <a:schemeClr val="accent1"/>
+          </a:lnRef>
+          <a:fillRef idx="0">
+            <a:schemeClr val="accent1"/>
+          </a:fillRef>
+          <a:effectRef idx="1">
+            <a:schemeClr val="accent1"/>
+          </a:effectRef>
+          <a:fontRef idx="minor">
+            <a:schemeClr val="tx1"/>
+          </a:fontRef>
+        </p:style>
+      </p:cxnSp>
+      <p:cxnSp>
+        <p:nvCxnSpPr>
+          <p:cNvPr id="105" name="Straight Connector 104">
+            <a:extLst>
+              <a:ext uri="{FF2B5EF4-FFF2-40B4-BE49-F238E27FC236}">
+                <a16:creationId xmlns:a16="http://schemas.microsoft.com/office/drawing/2014/main" id="{2E833AA9-7DB9-DA58-5EFC-82D4ACAA479D}"/>
+              </a:ext>
+            </a:extLst>
+          </p:cNvPr>
+          <p:cNvCxnSpPr/>
+          <p:nvPr/>
+        </p:nvCxnSpPr>
+        <p:spPr>
+          <a:xfrm>
+            <a:off x="7629236" y="48398"/>
+            <a:ext cx="0" cy="6528259"/>
+          </a:xfrm>
+          <a:prstGeom prst="line">
+            <a:avLst/>
+          </a:prstGeom>
+        </p:spPr>
+        <p:style>
+          <a:lnRef idx="2">
+            <a:schemeClr val="accent1"/>
+          </a:lnRef>
+          <a:fillRef idx="0">
+            <a:schemeClr val="accent1"/>
+          </a:fillRef>
+          <a:effectRef idx="1">
+            <a:schemeClr val="accent1"/>
+          </a:effectRef>
+          <a:fontRef idx="minor">
+            <a:schemeClr val="tx1"/>
+          </a:fontRef>
+        </p:style>
+      </p:cxnSp>
+      <p:cxnSp>
+        <p:nvCxnSpPr>
+          <p:cNvPr id="106" name="Straight Connector 105">
+            <a:extLst>
+              <a:ext uri="{FF2B5EF4-FFF2-40B4-BE49-F238E27FC236}">
+                <a16:creationId xmlns:a16="http://schemas.microsoft.com/office/drawing/2014/main" id="{6C4C0F29-5A35-AF1B-A8A9-4CFC71217B38}"/>
+              </a:ext>
+            </a:extLst>
+          </p:cNvPr>
+          <p:cNvCxnSpPr/>
+          <p:nvPr/>
+        </p:nvCxnSpPr>
+        <p:spPr>
+          <a:xfrm>
+            <a:off x="7282872" y="28586"/>
+            <a:ext cx="0" cy="6528259"/>
+          </a:xfrm>
+          <a:prstGeom prst="line">
+            <a:avLst/>
+          </a:prstGeom>
+        </p:spPr>
+        <p:style>
+          <a:lnRef idx="2">
+            <a:schemeClr val="accent1"/>
+          </a:lnRef>
+          <a:fillRef idx="0">
+            <a:schemeClr val="accent1"/>
+          </a:fillRef>
+          <a:effectRef idx="1">
+            <a:schemeClr val="accent1"/>
+          </a:effectRef>
+          <a:fontRef idx="minor">
+            <a:schemeClr val="tx1"/>
+          </a:fontRef>
+        </p:style>
+      </p:cxnSp>
+      <p:cxnSp>
+        <p:nvCxnSpPr>
+          <p:cNvPr id="108" name="Straight Arrow Connector 107">
+            <a:extLst>
+              <a:ext uri="{FF2B5EF4-FFF2-40B4-BE49-F238E27FC236}">
+                <a16:creationId xmlns:a16="http://schemas.microsoft.com/office/drawing/2014/main" id="{732803B4-7CF6-88EF-B444-37285CD83470}"/>
+              </a:ext>
+            </a:extLst>
+          </p:cNvPr>
+          <p:cNvCxnSpPr>
+            <a:cxnSpLocks/>
+          </p:cNvCxnSpPr>
+          <p:nvPr/>
+        </p:nvCxnSpPr>
+        <p:spPr>
+          <a:xfrm>
+            <a:off x="6308437" y="105644"/>
+            <a:ext cx="0" cy="356174"/>
+          </a:xfrm>
+          <a:prstGeom prst="straightConnector1">
+            <a:avLst/>
+          </a:prstGeom>
+          <a:ln>
+            <a:solidFill>
+              <a:schemeClr val="tx2">
+                <a:lumMod val="50000"/>
+                <a:lumOff val="50000"/>
+              </a:schemeClr>
+            </a:solidFill>
+            <a:tailEnd type="triangle"/>
+          </a:ln>
+        </p:spPr>
+        <p:style>
+          <a:lnRef idx="2">
+            <a:schemeClr val="accent1"/>
+          </a:lnRef>
+          <a:fillRef idx="0">
+            <a:schemeClr val="accent1"/>
+          </a:fillRef>
+          <a:effectRef idx="1">
+            <a:schemeClr val="accent1"/>
+          </a:effectRef>
+          <a:fontRef idx="minor">
+            <a:schemeClr val="tx1"/>
+          </a:fontRef>
+        </p:style>
+      </p:cxnSp>
+      <p:cxnSp>
+        <p:nvCxnSpPr>
+          <p:cNvPr id="110" name="Straight Arrow Connector 109">
+            <a:extLst>
+              <a:ext uri="{FF2B5EF4-FFF2-40B4-BE49-F238E27FC236}">
+                <a16:creationId xmlns:a16="http://schemas.microsoft.com/office/drawing/2014/main" id="{FC0F27F6-08FD-DD0A-8765-66180A0762D5}"/>
+              </a:ext>
+            </a:extLst>
+          </p:cNvPr>
+          <p:cNvCxnSpPr/>
+          <p:nvPr/>
+        </p:nvCxnSpPr>
+        <p:spPr>
+          <a:xfrm flipH="1">
+            <a:off x="652228" y="105644"/>
+            <a:ext cx="137058" cy="134320"/>
+          </a:xfrm>
+          <a:prstGeom prst="straightConnector1">
+            <a:avLst/>
+          </a:prstGeom>
+          <a:ln>
+            <a:tailEnd type="triangle"/>
+          </a:ln>
+        </p:spPr>
+        <p:style>
+          <a:lnRef idx="2">
+            <a:schemeClr val="accent1"/>
+          </a:lnRef>
+          <a:fillRef idx="0">
+            <a:schemeClr val="accent1"/>
+          </a:fillRef>
+          <a:effectRef idx="1">
+            <a:schemeClr val="accent1"/>
+          </a:effectRef>
+          <a:fontRef idx="minor">
+            <a:schemeClr val="tx1"/>
+          </a:fontRef>
+        </p:style>
+      </p:cxnSp>
+      <p:cxnSp>
+        <p:nvCxnSpPr>
+          <p:cNvPr id="111" name="Straight Arrow Connector 110">
+            <a:extLst>
+              <a:ext uri="{FF2B5EF4-FFF2-40B4-BE49-F238E27FC236}">
+                <a16:creationId xmlns:a16="http://schemas.microsoft.com/office/drawing/2014/main" id="{FBDBE2A6-6A22-D9C0-1F73-B985CAC8FE57}"/>
+              </a:ext>
+            </a:extLst>
+          </p:cNvPr>
+          <p:cNvCxnSpPr>
+            <a:cxnSpLocks/>
+          </p:cNvCxnSpPr>
+          <p:nvPr/>
+        </p:nvCxnSpPr>
+        <p:spPr>
+          <a:xfrm>
+            <a:off x="827717" y="114069"/>
+            <a:ext cx="29478" cy="468575"/>
+          </a:xfrm>
+          <a:prstGeom prst="straightConnector1">
+            <a:avLst/>
+          </a:prstGeom>
+          <a:ln>
+            <a:tailEnd type="triangle"/>
+          </a:ln>
+        </p:spPr>
+        <p:style>
+          <a:lnRef idx="2">
+            <a:schemeClr val="accent1"/>
+          </a:lnRef>
+          <a:fillRef idx="0">
+            <a:schemeClr val="accent1"/>
+          </a:fillRef>
+          <a:effectRef idx="1">
+            <a:schemeClr val="accent1"/>
+          </a:effectRef>
+          <a:fontRef idx="minor">
+            <a:schemeClr val="tx1"/>
+          </a:fontRef>
+        </p:style>
+      </p:cxnSp>
+      <p:cxnSp>
+        <p:nvCxnSpPr>
+          <p:cNvPr id="116" name="Straight Arrow Connector 115">
+            <a:extLst>
+              <a:ext uri="{FF2B5EF4-FFF2-40B4-BE49-F238E27FC236}">
+                <a16:creationId xmlns:a16="http://schemas.microsoft.com/office/drawing/2014/main" id="{99ED8C65-687E-14D5-629A-B421B8B5FBAB}"/>
+              </a:ext>
+            </a:extLst>
+          </p:cNvPr>
+          <p:cNvCxnSpPr/>
+          <p:nvPr/>
+        </p:nvCxnSpPr>
+        <p:spPr>
+          <a:xfrm>
+            <a:off x="6308437" y="114069"/>
+            <a:ext cx="461818" cy="347749"/>
+          </a:xfrm>
+          <a:prstGeom prst="straightConnector1">
+            <a:avLst/>
+          </a:prstGeom>
+          <a:ln>
+            <a:solidFill>
+              <a:schemeClr val="tx2">
+                <a:lumMod val="50000"/>
+                <a:lumOff val="50000"/>
+              </a:schemeClr>
+            </a:solidFill>
+            <a:tailEnd type="triangle"/>
+          </a:ln>
+        </p:spPr>
+        <p:style>
+          <a:lnRef idx="2">
+            <a:schemeClr val="accent1"/>
+          </a:lnRef>
+          <a:fillRef idx="0">
+            <a:schemeClr val="accent1"/>
+          </a:fillRef>
+          <a:effectRef idx="1">
+            <a:schemeClr val="accent1"/>
+          </a:effectRef>
+          <a:fontRef idx="minor">
+            <a:schemeClr val="tx1"/>
+          </a:fontRef>
+        </p:style>
+      </p:cxnSp>
+      <p:sp>
+        <p:nvSpPr>
+          <p:cNvPr id="119" name="Rectangle 118">
+            <a:extLst>
+              <a:ext uri="{FF2B5EF4-FFF2-40B4-BE49-F238E27FC236}">
+                <a16:creationId xmlns:a16="http://schemas.microsoft.com/office/drawing/2014/main" id="{B548879C-6C5A-F164-8630-A577010B45BE}"/>
+              </a:ext>
+            </a:extLst>
+          </p:cNvPr>
+          <p:cNvSpPr/>
+          <p:nvPr/>
+        </p:nvSpPr>
+        <p:spPr>
+          <a:xfrm>
+            <a:off x="6195505" y="401443"/>
+            <a:ext cx="207392" cy="188592"/>
+          </a:xfrm>
+          <a:prstGeom prst="rect">
+            <a:avLst/>
+          </a:prstGeom>
+          <a:solidFill>
+            <a:schemeClr val="tx1"/>
+          </a:solidFill>
+        </p:spPr>
+        <p:style>
+          <a:lnRef idx="2">
+            <a:schemeClr val="accent1">
+              <a:shade val="15000"/>
+            </a:schemeClr>
+          </a:lnRef>
+          <a:fillRef idx="1">
+            <a:schemeClr val="accent1"/>
+          </a:fillRef>
+          <a:effectRef idx="0">
+            <a:schemeClr val="accent1"/>
+          </a:effectRef>
+          <a:fontRef idx="minor">
+            <a:schemeClr val="lt1"/>
+          </a:fontRef>
+        </p:style>
+        <p:txBody>
+          <a:bodyPr wrap="none" rtlCol="0" anchor="ctr">
+            <a:noAutofit/>
+          </a:bodyPr>
+          <a:lstStyle/>
+          <a:p>
+            <a:pPr algn="ctr"/>
+            <a:endParaRPr lang="en-GB" sz="1200" dirty="0"/>
+          </a:p>
+        </p:txBody>
+      </p:sp>
+      <p:cxnSp>
+        <p:nvCxnSpPr>
+          <p:cNvPr id="121" name="Straight Arrow Connector 120">
+            <a:extLst>
+              <a:ext uri="{FF2B5EF4-FFF2-40B4-BE49-F238E27FC236}">
+                <a16:creationId xmlns:a16="http://schemas.microsoft.com/office/drawing/2014/main" id="{79156750-E88B-2EAF-B43D-9FC87D74C927}"/>
+              </a:ext>
+            </a:extLst>
+          </p:cNvPr>
+          <p:cNvCxnSpPr/>
+          <p:nvPr/>
+        </p:nvCxnSpPr>
+        <p:spPr>
+          <a:xfrm>
+            <a:off x="3491345" y="858568"/>
+            <a:ext cx="914400" cy="914400"/>
+          </a:xfrm>
+          <a:prstGeom prst="straightConnector1">
+            <a:avLst/>
+          </a:prstGeom>
+          <a:ln>
+            <a:tailEnd type="triangle"/>
+          </a:ln>
+        </p:spPr>
+        <p:style>
+          <a:lnRef idx="2">
+            <a:schemeClr val="accent1"/>
+          </a:lnRef>
+          <a:fillRef idx="0">
+            <a:schemeClr val="accent1"/>
+          </a:fillRef>
+          <a:effectRef idx="1">
+            <a:schemeClr val="accent1"/>
+          </a:effectRef>
+          <a:fontRef idx="minor">
+            <a:schemeClr val="tx1"/>
+          </a:fontRef>
+        </p:style>
+      </p:cxnSp>
+      <p:cxnSp>
+        <p:nvCxnSpPr>
+          <p:cNvPr id="122" name="Straight Arrow Connector 121">
+            <a:extLst>
+              <a:ext uri="{FF2B5EF4-FFF2-40B4-BE49-F238E27FC236}">
+                <a16:creationId xmlns:a16="http://schemas.microsoft.com/office/drawing/2014/main" id="{83C21D69-6164-0CEA-9495-30F4581AB37A}"/>
+              </a:ext>
+            </a:extLst>
+          </p:cNvPr>
+          <p:cNvCxnSpPr>
+            <a:cxnSpLocks/>
+          </p:cNvCxnSpPr>
+          <p:nvPr/>
+        </p:nvCxnSpPr>
+        <p:spPr>
+          <a:xfrm>
+            <a:off x="6294583" y="553459"/>
+            <a:ext cx="0" cy="356174"/>
+          </a:xfrm>
+          <a:prstGeom prst="straightConnector1">
+            <a:avLst/>
+          </a:prstGeom>
+          <a:ln>
+            <a:solidFill>
+              <a:schemeClr val="tx2">
+                <a:lumMod val="50000"/>
+                <a:lumOff val="50000"/>
+              </a:schemeClr>
+            </a:solidFill>
+            <a:tailEnd type="triangle"/>
+          </a:ln>
+        </p:spPr>
+        <p:style>
+          <a:lnRef idx="2">
+            <a:schemeClr val="accent1"/>
+          </a:lnRef>
+          <a:fillRef idx="0">
+            <a:schemeClr val="accent1"/>
+          </a:fillRef>
+          <a:effectRef idx="1">
+            <a:schemeClr val="accent1"/>
+          </a:effectRef>
+          <a:fontRef idx="minor">
+            <a:schemeClr val="tx1"/>
+          </a:fontRef>
+        </p:style>
+      </p:cxnSp>
+      <p:cxnSp>
+        <p:nvCxnSpPr>
+          <p:cNvPr id="123" name="Straight Arrow Connector 122">
+            <a:extLst>
+              <a:ext uri="{FF2B5EF4-FFF2-40B4-BE49-F238E27FC236}">
+                <a16:creationId xmlns:a16="http://schemas.microsoft.com/office/drawing/2014/main" id="{BE19B87A-FB5B-5E33-7748-B26A80CDE06A}"/>
+              </a:ext>
+            </a:extLst>
+          </p:cNvPr>
+          <p:cNvCxnSpPr>
+            <a:cxnSpLocks/>
+          </p:cNvCxnSpPr>
+          <p:nvPr/>
+        </p:nvCxnSpPr>
+        <p:spPr>
+          <a:xfrm>
+            <a:off x="6756401" y="469392"/>
+            <a:ext cx="0" cy="356174"/>
+          </a:xfrm>
+          <a:prstGeom prst="straightConnector1">
+            <a:avLst/>
+          </a:prstGeom>
+          <a:ln>
+            <a:solidFill>
+              <a:schemeClr val="tx2">
+                <a:lumMod val="50000"/>
+                <a:lumOff val="50000"/>
+              </a:schemeClr>
+            </a:solidFill>
+            <a:tailEnd type="triangle"/>
+          </a:ln>
+        </p:spPr>
+        <p:style>
+          <a:lnRef idx="2">
+            <a:schemeClr val="accent1"/>
+          </a:lnRef>
+          <a:fillRef idx="0">
+            <a:schemeClr val="accent1"/>
+          </a:fillRef>
+          <a:effectRef idx="1">
+            <a:schemeClr val="accent1"/>
+          </a:effectRef>
+          <a:fontRef idx="minor">
+            <a:schemeClr val="tx1"/>
+          </a:fontRef>
+        </p:style>
+      </p:cxnSp>
+      <p:sp>
+        <p:nvSpPr>
+          <p:cNvPr id="124" name="Rectangle 123">
+            <a:extLst>
+              <a:ext uri="{FF2B5EF4-FFF2-40B4-BE49-F238E27FC236}">
+                <a16:creationId xmlns:a16="http://schemas.microsoft.com/office/drawing/2014/main" id="{B2B3CA3C-6EDB-2546-DC51-17A9ADE973AB}"/>
+              </a:ext>
+            </a:extLst>
+          </p:cNvPr>
+          <p:cNvSpPr/>
+          <p:nvPr/>
+        </p:nvSpPr>
+        <p:spPr>
+          <a:xfrm>
+            <a:off x="6652705" y="729524"/>
+            <a:ext cx="207392" cy="188592"/>
+          </a:xfrm>
+          <a:prstGeom prst="rect">
+            <a:avLst/>
+          </a:prstGeom>
+          <a:solidFill>
+            <a:schemeClr val="tx1"/>
+          </a:solidFill>
+        </p:spPr>
+        <p:style>
+          <a:lnRef idx="2">
+            <a:schemeClr val="accent1">
+              <a:shade val="15000"/>
+            </a:schemeClr>
+          </a:lnRef>
+          <a:fillRef idx="1">
+            <a:schemeClr val="accent1"/>
+          </a:fillRef>
+          <a:effectRef idx="0">
+            <a:schemeClr val="accent1"/>
+          </a:effectRef>
+          <a:fontRef idx="minor">
+            <a:schemeClr val="lt1"/>
+          </a:fontRef>
+        </p:style>
+        <p:txBody>
+          <a:bodyPr wrap="none" rtlCol="0" anchor="ctr">
+            <a:noAutofit/>
+          </a:bodyPr>
+          <a:lstStyle/>
+          <a:p>
+            <a:pPr algn="ctr"/>
+            <a:endParaRPr lang="en-GB" sz="1200" dirty="0"/>
+          </a:p>
+        </p:txBody>
+      </p:sp>
+      <p:cxnSp>
+        <p:nvCxnSpPr>
+          <p:cNvPr id="127" name="Straight Arrow Connector 126">
+            <a:extLst>
+              <a:ext uri="{FF2B5EF4-FFF2-40B4-BE49-F238E27FC236}">
+                <a16:creationId xmlns:a16="http://schemas.microsoft.com/office/drawing/2014/main" id="{D98D7683-0E0E-E1C7-4DF3-DA919E398597}"/>
+              </a:ext>
+            </a:extLst>
+          </p:cNvPr>
+          <p:cNvCxnSpPr>
+            <a:cxnSpLocks/>
+            <a:endCxn id="130" idx="0"/>
+          </p:cNvCxnSpPr>
+          <p:nvPr/>
+        </p:nvCxnSpPr>
+        <p:spPr>
+          <a:xfrm flipH="1">
+            <a:off x="6308437" y="909633"/>
+            <a:ext cx="443346" cy="174604"/>
+          </a:xfrm>
+          <a:prstGeom prst="straightConnector1">
+            <a:avLst/>
+          </a:prstGeom>
+          <a:ln>
+            <a:solidFill>
+              <a:schemeClr val="tx2">
+                <a:lumMod val="50000"/>
+                <a:lumOff val="50000"/>
+              </a:schemeClr>
+            </a:solidFill>
+            <a:tailEnd type="triangle"/>
+          </a:ln>
+        </p:spPr>
+        <p:style>
+          <a:lnRef idx="2">
+            <a:schemeClr val="accent1"/>
+          </a:lnRef>
+          <a:fillRef idx="0">
+            <a:schemeClr val="accent1"/>
+          </a:fillRef>
+          <a:effectRef idx="1">
+            <a:schemeClr val="accent1"/>
+          </a:effectRef>
+          <a:fontRef idx="minor">
+            <a:schemeClr val="tx1"/>
+          </a:fontRef>
+        </p:style>
+      </p:cxnSp>
+      <p:cxnSp>
+        <p:nvCxnSpPr>
+          <p:cNvPr id="129" name="Straight Arrow Connector 128">
+            <a:extLst>
+              <a:ext uri="{FF2B5EF4-FFF2-40B4-BE49-F238E27FC236}">
+                <a16:creationId xmlns:a16="http://schemas.microsoft.com/office/drawing/2014/main" id="{16B96FB8-6B45-928D-C876-B11BE25D2079}"/>
+              </a:ext>
+            </a:extLst>
+          </p:cNvPr>
+          <p:cNvCxnSpPr>
+            <a:cxnSpLocks/>
+          </p:cNvCxnSpPr>
+          <p:nvPr/>
+        </p:nvCxnSpPr>
+        <p:spPr>
+          <a:xfrm>
+            <a:off x="6294583" y="858568"/>
+            <a:ext cx="0" cy="356174"/>
+          </a:xfrm>
+          <a:prstGeom prst="straightConnector1">
+            <a:avLst/>
+          </a:prstGeom>
+          <a:ln>
+            <a:solidFill>
+              <a:schemeClr val="tx2">
+                <a:lumMod val="50000"/>
+                <a:lumOff val="50000"/>
+              </a:schemeClr>
+            </a:solidFill>
+            <a:tailEnd type="triangle"/>
+          </a:ln>
+        </p:spPr>
+        <p:style>
+          <a:lnRef idx="2">
+            <a:schemeClr val="accent1"/>
+          </a:lnRef>
+          <a:fillRef idx="0">
+            <a:schemeClr val="accent1"/>
+          </a:fillRef>
+          <a:effectRef idx="1">
+            <a:schemeClr val="accent1"/>
+          </a:effectRef>
+          <a:fontRef idx="minor">
+            <a:schemeClr val="tx1"/>
+          </a:fontRef>
+        </p:style>
+      </p:cxnSp>
+      <p:sp>
+        <p:nvSpPr>
+          <p:cNvPr id="130" name="Rectangle 129">
+            <a:extLst>
+              <a:ext uri="{FF2B5EF4-FFF2-40B4-BE49-F238E27FC236}">
+                <a16:creationId xmlns:a16="http://schemas.microsoft.com/office/drawing/2014/main" id="{DA8D2275-B587-2F30-6FDD-99FE94ADB2DC}"/>
+              </a:ext>
+            </a:extLst>
+          </p:cNvPr>
+          <p:cNvSpPr/>
+          <p:nvPr/>
+        </p:nvSpPr>
+        <p:spPr>
+          <a:xfrm>
+            <a:off x="6204741" y="1084237"/>
+            <a:ext cx="207392" cy="188592"/>
+          </a:xfrm>
+          <a:prstGeom prst="rect">
+            <a:avLst/>
+          </a:prstGeom>
+          <a:solidFill>
+            <a:schemeClr val="tx1"/>
+          </a:solidFill>
+        </p:spPr>
+        <p:style>
+          <a:lnRef idx="2">
+            <a:schemeClr val="accent1">
+              <a:shade val="15000"/>
+            </a:schemeClr>
+          </a:lnRef>
+          <a:fillRef idx="1">
+            <a:schemeClr val="accent1"/>
+          </a:fillRef>
+          <a:effectRef idx="0">
+            <a:schemeClr val="accent1"/>
+          </a:effectRef>
+          <a:fontRef idx="minor">
+            <a:schemeClr val="lt1"/>
+          </a:fontRef>
+        </p:style>
+        <p:txBody>
+          <a:bodyPr wrap="none" rtlCol="0" anchor="ctr">
+            <a:noAutofit/>
+          </a:bodyPr>
+          <a:lstStyle/>
+          <a:p>
+            <a:pPr algn="ctr"/>
+            <a:endParaRPr lang="en-GB" sz="1200" dirty="0"/>
+          </a:p>
+        </p:txBody>
+      </p:sp>
+      <p:cxnSp>
+        <p:nvCxnSpPr>
+          <p:cNvPr id="132" name="Straight Arrow Connector 131">
+            <a:extLst>
+              <a:ext uri="{FF2B5EF4-FFF2-40B4-BE49-F238E27FC236}">
+                <a16:creationId xmlns:a16="http://schemas.microsoft.com/office/drawing/2014/main" id="{C6F84F9D-01F0-813F-6146-28095EF01F67}"/>
+              </a:ext>
+            </a:extLst>
+          </p:cNvPr>
+          <p:cNvCxnSpPr>
+            <a:cxnSpLocks/>
+          </p:cNvCxnSpPr>
+          <p:nvPr/>
+        </p:nvCxnSpPr>
+        <p:spPr>
+          <a:xfrm>
+            <a:off x="6308437" y="1191282"/>
+            <a:ext cx="0" cy="356174"/>
+          </a:xfrm>
+          <a:prstGeom prst="straightConnector1">
+            <a:avLst/>
+          </a:prstGeom>
+          <a:ln>
+            <a:solidFill>
+              <a:schemeClr val="tx2">
+                <a:lumMod val="50000"/>
+                <a:lumOff val="50000"/>
+              </a:schemeClr>
+            </a:solidFill>
+            <a:tailEnd type="triangle"/>
+          </a:ln>
+        </p:spPr>
+        <p:style>
+          <a:lnRef idx="2">
+            <a:schemeClr val="accent1"/>
+          </a:lnRef>
+          <a:fillRef idx="0">
+            <a:schemeClr val="accent1"/>
+          </a:fillRef>
+          <a:effectRef idx="1">
+            <a:schemeClr val="accent1"/>
+          </a:effectRef>
+          <a:fontRef idx="minor">
+            <a:schemeClr val="tx1"/>
+          </a:fontRef>
+        </p:style>
+      </p:cxnSp>
+      <p:sp>
+        <p:nvSpPr>
+          <p:cNvPr id="133" name="Rectangle 132">
+            <a:extLst>
+              <a:ext uri="{FF2B5EF4-FFF2-40B4-BE49-F238E27FC236}">
+                <a16:creationId xmlns:a16="http://schemas.microsoft.com/office/drawing/2014/main" id="{939AEFE6-192F-CEF0-362E-C282D8BE731A}"/>
+              </a:ext>
+            </a:extLst>
+          </p:cNvPr>
+          <p:cNvSpPr/>
+          <p:nvPr/>
+        </p:nvSpPr>
+        <p:spPr>
+          <a:xfrm>
+            <a:off x="6202858" y="1375878"/>
+            <a:ext cx="207392" cy="188592"/>
+          </a:xfrm>
+          <a:prstGeom prst="rect">
+            <a:avLst/>
+          </a:prstGeom>
+          <a:solidFill>
+            <a:schemeClr val="tx1"/>
+          </a:solidFill>
+        </p:spPr>
+        <p:style>
+          <a:lnRef idx="2">
+            <a:schemeClr val="accent1">
+              <a:shade val="15000"/>
+            </a:schemeClr>
+          </a:lnRef>
+          <a:fillRef idx="1">
+            <a:schemeClr val="accent1"/>
+          </a:fillRef>
+          <a:effectRef idx="0">
+            <a:schemeClr val="accent1"/>
+          </a:effectRef>
+          <a:fontRef idx="minor">
+            <a:schemeClr val="lt1"/>
+          </a:fontRef>
+        </p:style>
+        <p:txBody>
+          <a:bodyPr wrap="none" rtlCol="0" anchor="ctr">
+            <a:noAutofit/>
+          </a:bodyPr>
+          <a:lstStyle/>
+          <a:p>
+            <a:pPr algn="ctr"/>
+            <a:endParaRPr lang="en-GB" sz="1200" dirty="0"/>
+          </a:p>
+        </p:txBody>
+      </p:sp>
+      <p:sp>
+        <p:nvSpPr>
+          <p:cNvPr id="134" name="Rectangle 133">
+            <a:extLst>
+              <a:ext uri="{FF2B5EF4-FFF2-40B4-BE49-F238E27FC236}">
+                <a16:creationId xmlns:a16="http://schemas.microsoft.com/office/drawing/2014/main" id="{773D53C2-7B27-9912-B8F0-A912E83E4284}"/>
+              </a:ext>
+            </a:extLst>
+          </p:cNvPr>
+          <p:cNvSpPr/>
+          <p:nvPr/>
+        </p:nvSpPr>
+        <p:spPr>
+          <a:xfrm>
+            <a:off x="6211454" y="1639096"/>
+            <a:ext cx="207392" cy="188592"/>
+          </a:xfrm>
+          <a:prstGeom prst="rect">
+            <a:avLst/>
+          </a:prstGeom>
+          <a:solidFill>
+            <a:schemeClr val="tx1"/>
+          </a:solidFill>
+        </p:spPr>
+        <p:style>
+          <a:lnRef idx="2">
+            <a:schemeClr val="accent1">
+              <a:shade val="15000"/>
+            </a:schemeClr>
+          </a:lnRef>
+          <a:fillRef idx="1">
+            <a:schemeClr val="accent1"/>
+          </a:fillRef>
+          <a:effectRef idx="0">
+            <a:schemeClr val="accent1"/>
+          </a:effectRef>
+          <a:fontRef idx="minor">
+            <a:schemeClr val="lt1"/>
+          </a:fontRef>
+        </p:style>
+        <p:txBody>
+          <a:bodyPr wrap="none" rtlCol="0" anchor="ctr">
+            <a:noAutofit/>
+          </a:bodyPr>
+          <a:lstStyle/>
+          <a:p>
+            <a:pPr algn="ctr"/>
+            <a:endParaRPr lang="en-GB" sz="1200" dirty="0"/>
+          </a:p>
+        </p:txBody>
+      </p:sp>
+      <p:cxnSp>
+        <p:nvCxnSpPr>
+          <p:cNvPr id="135" name="Straight Arrow Connector 134">
+            <a:extLst>
+              <a:ext uri="{FF2B5EF4-FFF2-40B4-BE49-F238E27FC236}">
+                <a16:creationId xmlns:a16="http://schemas.microsoft.com/office/drawing/2014/main" id="{10A69C92-192A-77AF-829B-FFB8118074FE}"/>
+              </a:ext>
+            </a:extLst>
+          </p:cNvPr>
+          <p:cNvCxnSpPr>
+            <a:cxnSpLocks/>
+          </p:cNvCxnSpPr>
+          <p:nvPr/>
+        </p:nvCxnSpPr>
+        <p:spPr>
+          <a:xfrm>
+            <a:off x="6317248" y="1408135"/>
+            <a:ext cx="0" cy="356174"/>
+          </a:xfrm>
+          <a:prstGeom prst="straightConnector1">
+            <a:avLst/>
+          </a:prstGeom>
+          <a:ln>
+            <a:solidFill>
+              <a:schemeClr val="tx2">
+                <a:lumMod val="50000"/>
+                <a:lumOff val="50000"/>
+              </a:schemeClr>
+            </a:solidFill>
+            <a:tailEnd type="triangle"/>
+          </a:ln>
+        </p:spPr>
+        <p:style>
+          <a:lnRef idx="2">
+            <a:schemeClr val="accent1"/>
+          </a:lnRef>
+          <a:fillRef idx="0">
+            <a:schemeClr val="accent1"/>
+          </a:fillRef>
+          <a:effectRef idx="1">
+            <a:schemeClr val="accent1"/>
+          </a:effectRef>
+          <a:fontRef idx="minor">
+            <a:schemeClr val="tx1"/>
+          </a:fontRef>
+        </p:style>
+      </p:cxnSp>
+      <p:cxnSp>
+        <p:nvCxnSpPr>
+          <p:cNvPr id="136" name="Straight Arrow Connector 135">
+            <a:extLst>
+              <a:ext uri="{FF2B5EF4-FFF2-40B4-BE49-F238E27FC236}">
+                <a16:creationId xmlns:a16="http://schemas.microsoft.com/office/drawing/2014/main" id="{306D98A6-B18F-A929-3706-6F9415735895}"/>
+              </a:ext>
+            </a:extLst>
+          </p:cNvPr>
+          <p:cNvCxnSpPr>
+            <a:cxnSpLocks/>
+          </p:cNvCxnSpPr>
+          <p:nvPr/>
+        </p:nvCxnSpPr>
+        <p:spPr>
+          <a:xfrm>
+            <a:off x="6315150" y="1639751"/>
+            <a:ext cx="0" cy="356174"/>
+          </a:xfrm>
+          <a:prstGeom prst="straightConnector1">
+            <a:avLst/>
+          </a:prstGeom>
+          <a:ln>
+            <a:solidFill>
+              <a:schemeClr val="tx2">
+                <a:lumMod val="50000"/>
+                <a:lumOff val="50000"/>
+              </a:schemeClr>
+            </a:solidFill>
+            <a:tailEnd type="triangle"/>
+          </a:ln>
+        </p:spPr>
+        <p:style>
+          <a:lnRef idx="2">
+            <a:schemeClr val="accent1"/>
+          </a:lnRef>
+          <a:fillRef idx="0">
+            <a:schemeClr val="accent1"/>
+          </a:fillRef>
+          <a:effectRef idx="1">
+            <a:schemeClr val="accent1"/>
+          </a:effectRef>
+          <a:fontRef idx="minor">
+            <a:schemeClr val="tx1"/>
+          </a:fontRef>
+        </p:style>
+      </p:cxnSp>
+      <p:cxnSp>
+        <p:nvCxnSpPr>
+          <p:cNvPr id="137" name="Straight Arrow Connector 136">
+            <a:extLst>
+              <a:ext uri="{FF2B5EF4-FFF2-40B4-BE49-F238E27FC236}">
+                <a16:creationId xmlns:a16="http://schemas.microsoft.com/office/drawing/2014/main" id="{5E3702D5-A2AC-80C5-63AA-DC065180ADDA}"/>
+              </a:ext>
+            </a:extLst>
+          </p:cNvPr>
+          <p:cNvCxnSpPr>
+            <a:cxnSpLocks/>
+            <a:stCxn id="134" idx="3"/>
+          </p:cNvCxnSpPr>
+          <p:nvPr/>
+        </p:nvCxnSpPr>
+        <p:spPr>
+          <a:xfrm>
+            <a:off x="6418846" y="1733392"/>
+            <a:ext cx="332937" cy="262533"/>
+          </a:xfrm>
+          <a:prstGeom prst="straightConnector1">
+            <a:avLst/>
+          </a:prstGeom>
+          <a:ln>
+            <a:solidFill>
+              <a:schemeClr val="tx2">
+                <a:lumMod val="50000"/>
+                <a:lumOff val="50000"/>
+              </a:schemeClr>
+            </a:solidFill>
+            <a:tailEnd type="triangle"/>
+          </a:ln>
+        </p:spPr>
+        <p:style>
+          <a:lnRef idx="2">
+            <a:schemeClr val="accent1"/>
+          </a:lnRef>
+          <a:fillRef idx="0">
+            <a:schemeClr val="accent1"/>
+          </a:fillRef>
+          <a:effectRef idx="1">
+            <a:schemeClr val="accent1"/>
+          </a:effectRef>
+          <a:fontRef idx="minor">
+            <a:schemeClr val="tx1"/>
+          </a:fontRef>
+        </p:style>
+      </p:cxnSp>
+      <p:sp>
+        <p:nvSpPr>
+          <p:cNvPr id="140" name="Rectangle 139">
+            <a:extLst>
+              <a:ext uri="{FF2B5EF4-FFF2-40B4-BE49-F238E27FC236}">
+                <a16:creationId xmlns:a16="http://schemas.microsoft.com/office/drawing/2014/main" id="{E78E3F9C-5EC2-F68D-E48D-38BCFC0DDD6E}"/>
+              </a:ext>
+            </a:extLst>
+          </p:cNvPr>
+          <p:cNvSpPr/>
+          <p:nvPr/>
+        </p:nvSpPr>
+        <p:spPr>
+          <a:xfrm>
+            <a:off x="6225737" y="1911839"/>
+            <a:ext cx="207392" cy="188592"/>
+          </a:xfrm>
+          <a:prstGeom prst="rect">
+            <a:avLst/>
+          </a:prstGeom>
+          <a:solidFill>
+            <a:schemeClr val="tx1"/>
+          </a:solidFill>
+        </p:spPr>
+        <p:style>
+          <a:lnRef idx="2">
+            <a:schemeClr val="accent1">
+              <a:shade val="15000"/>
+            </a:schemeClr>
+          </a:lnRef>
+          <a:fillRef idx="1">
+            <a:schemeClr val="accent1"/>
+          </a:fillRef>
+          <a:effectRef idx="0">
+            <a:schemeClr val="accent1"/>
+          </a:effectRef>
+          <a:fontRef idx="minor">
+            <a:schemeClr val="lt1"/>
+          </a:fontRef>
+        </p:style>
+        <p:txBody>
+          <a:bodyPr wrap="none" rtlCol="0" anchor="ctr">
+            <a:noAutofit/>
+          </a:bodyPr>
+          <a:lstStyle/>
+          <a:p>
+            <a:pPr algn="ctr"/>
+            <a:endParaRPr lang="en-GB" sz="1200" dirty="0"/>
+          </a:p>
+        </p:txBody>
+      </p:sp>
+      <p:cxnSp>
+        <p:nvCxnSpPr>
+          <p:cNvPr id="141" name="Straight Arrow Connector 140">
+            <a:extLst>
+              <a:ext uri="{FF2B5EF4-FFF2-40B4-BE49-F238E27FC236}">
+                <a16:creationId xmlns:a16="http://schemas.microsoft.com/office/drawing/2014/main" id="{F7BD4743-7C73-0013-35B3-02C0B0D3D037}"/>
+              </a:ext>
+            </a:extLst>
+          </p:cNvPr>
+          <p:cNvCxnSpPr>
+            <a:cxnSpLocks/>
+          </p:cNvCxnSpPr>
+          <p:nvPr/>
+        </p:nvCxnSpPr>
+        <p:spPr>
+          <a:xfrm>
+            <a:off x="878715" y="172804"/>
+            <a:ext cx="210340" cy="1691854"/>
+          </a:xfrm>
+          <a:prstGeom prst="straightConnector1">
+            <a:avLst/>
+          </a:prstGeom>
+          <a:ln>
+            <a:tailEnd type="triangle"/>
+          </a:ln>
+        </p:spPr>
+        <p:style>
+          <a:lnRef idx="2">
+            <a:schemeClr val="accent1"/>
+          </a:lnRef>
+          <a:fillRef idx="0">
+            <a:schemeClr val="accent1"/>
+          </a:fillRef>
+          <a:effectRef idx="1">
+            <a:schemeClr val="accent1"/>
+          </a:effectRef>
+          <a:fontRef idx="minor">
+            <a:schemeClr val="tx1"/>
+          </a:fontRef>
+        </p:style>
+      </p:cxnSp>
+      <p:cxnSp>
+        <p:nvCxnSpPr>
+          <p:cNvPr id="144" name="Straight Arrow Connector 143">
+            <a:extLst>
+              <a:ext uri="{FF2B5EF4-FFF2-40B4-BE49-F238E27FC236}">
+                <a16:creationId xmlns:a16="http://schemas.microsoft.com/office/drawing/2014/main" id="{4DEB7CA3-9686-DF16-0E3B-E4C68970830E}"/>
+              </a:ext>
+            </a:extLst>
+          </p:cNvPr>
+          <p:cNvCxnSpPr>
+            <a:cxnSpLocks/>
+          </p:cNvCxnSpPr>
+          <p:nvPr/>
+        </p:nvCxnSpPr>
+        <p:spPr>
+          <a:xfrm>
+            <a:off x="6327860" y="114069"/>
+            <a:ext cx="784140" cy="307728"/>
+          </a:xfrm>
+          <a:prstGeom prst="straightConnector1">
+            <a:avLst/>
+          </a:prstGeom>
+          <a:ln>
+            <a:solidFill>
+              <a:schemeClr val="tx2">
+                <a:lumMod val="50000"/>
+                <a:lumOff val="50000"/>
+              </a:schemeClr>
+            </a:solidFill>
+            <a:tailEnd type="triangle"/>
+          </a:ln>
+        </p:spPr>
+        <p:style>
+          <a:lnRef idx="2">
+            <a:schemeClr val="accent1"/>
+          </a:lnRef>
+          <a:fillRef idx="0">
+            <a:schemeClr val="accent1"/>
+          </a:fillRef>
+          <a:effectRef idx="1">
+            <a:schemeClr val="accent1"/>
+          </a:effectRef>
+          <a:fontRef idx="minor">
+            <a:schemeClr val="tx1"/>
+          </a:fontRef>
+        </p:style>
+      </p:cxnSp>
+      <p:cxnSp>
+        <p:nvCxnSpPr>
+          <p:cNvPr id="147" name="Straight Arrow Connector 146">
+            <a:extLst>
+              <a:ext uri="{FF2B5EF4-FFF2-40B4-BE49-F238E27FC236}">
+                <a16:creationId xmlns:a16="http://schemas.microsoft.com/office/drawing/2014/main" id="{E1CA6FBF-4690-114C-1D78-4DFCFB560254}"/>
+              </a:ext>
+            </a:extLst>
+          </p:cNvPr>
+          <p:cNvCxnSpPr>
+            <a:cxnSpLocks/>
+          </p:cNvCxnSpPr>
+          <p:nvPr/>
+        </p:nvCxnSpPr>
+        <p:spPr>
+          <a:xfrm>
+            <a:off x="7112000" y="411412"/>
+            <a:ext cx="0" cy="356174"/>
+          </a:xfrm>
+          <a:prstGeom prst="straightConnector1">
+            <a:avLst/>
+          </a:prstGeom>
+          <a:ln>
+            <a:solidFill>
+              <a:schemeClr val="tx2">
+                <a:lumMod val="50000"/>
+                <a:lumOff val="50000"/>
+              </a:schemeClr>
+            </a:solidFill>
+            <a:tailEnd type="triangle"/>
+          </a:ln>
+        </p:spPr>
+        <p:style>
+          <a:lnRef idx="2">
+            <a:schemeClr val="accent1"/>
+          </a:lnRef>
+          <a:fillRef idx="0">
+            <a:schemeClr val="accent1"/>
+          </a:fillRef>
+          <a:effectRef idx="1">
+            <a:schemeClr val="accent1"/>
+          </a:effectRef>
+          <a:fontRef idx="minor">
+            <a:schemeClr val="tx1"/>
+          </a:fontRef>
+        </p:style>
+      </p:cxnSp>
+      <p:cxnSp>
+        <p:nvCxnSpPr>
+          <p:cNvPr id="148" name="Straight Arrow Connector 147">
+            <a:extLst>
+              <a:ext uri="{FF2B5EF4-FFF2-40B4-BE49-F238E27FC236}">
+                <a16:creationId xmlns:a16="http://schemas.microsoft.com/office/drawing/2014/main" id="{9DAA73BF-BEBC-9B95-508A-49546E4FC1A9}"/>
+              </a:ext>
+            </a:extLst>
+          </p:cNvPr>
+          <p:cNvCxnSpPr>
+            <a:cxnSpLocks/>
+          </p:cNvCxnSpPr>
+          <p:nvPr/>
+        </p:nvCxnSpPr>
+        <p:spPr>
+          <a:xfrm flipH="1">
+            <a:off x="6719930" y="794751"/>
+            <a:ext cx="392070" cy="383782"/>
+          </a:xfrm>
+          <a:prstGeom prst="straightConnector1">
+            <a:avLst/>
+          </a:prstGeom>
+          <a:ln>
+            <a:solidFill>
+              <a:schemeClr val="tx2">
+                <a:lumMod val="50000"/>
+                <a:lumOff val="50000"/>
+              </a:schemeClr>
+            </a:solidFill>
+            <a:tailEnd type="triangle"/>
+          </a:ln>
+        </p:spPr>
+        <p:style>
+          <a:lnRef idx="2">
+            <a:schemeClr val="accent1"/>
+          </a:lnRef>
+          <a:fillRef idx="0">
+            <a:schemeClr val="accent1"/>
+          </a:fillRef>
+          <a:effectRef idx="1">
+            <a:schemeClr val="accent1"/>
+          </a:effectRef>
+          <a:fontRef idx="minor">
+            <a:schemeClr val="tx1"/>
+          </a:fontRef>
+        </p:style>
+      </p:cxnSp>
+      <p:cxnSp>
+        <p:nvCxnSpPr>
+          <p:cNvPr id="149" name="Straight Arrow Connector 148">
+            <a:extLst>
+              <a:ext uri="{FF2B5EF4-FFF2-40B4-BE49-F238E27FC236}">
+                <a16:creationId xmlns:a16="http://schemas.microsoft.com/office/drawing/2014/main" id="{C58DEE07-642C-EE9D-7E7C-6D3508BABF55}"/>
+              </a:ext>
+            </a:extLst>
+          </p:cNvPr>
+          <p:cNvCxnSpPr>
+            <a:cxnSpLocks/>
+          </p:cNvCxnSpPr>
+          <p:nvPr/>
+        </p:nvCxnSpPr>
+        <p:spPr>
+          <a:xfrm>
+            <a:off x="7112000" y="1880424"/>
+            <a:ext cx="0" cy="356174"/>
+          </a:xfrm>
+          <a:prstGeom prst="straightConnector1">
+            <a:avLst/>
+          </a:prstGeom>
+          <a:ln>
+            <a:solidFill>
+              <a:schemeClr val="tx2">
+                <a:lumMod val="50000"/>
+                <a:lumOff val="50000"/>
+              </a:schemeClr>
+            </a:solidFill>
+            <a:tailEnd type="triangle"/>
+          </a:ln>
+        </p:spPr>
+        <p:style>
+          <a:lnRef idx="2">
+            <a:schemeClr val="accent1"/>
+          </a:lnRef>
+          <a:fillRef idx="0">
+            <a:schemeClr val="accent1"/>
+          </a:fillRef>
+          <a:effectRef idx="1">
+            <a:schemeClr val="accent1"/>
+          </a:effectRef>
+          <a:fontRef idx="minor">
+            <a:schemeClr val="tx1"/>
+          </a:fontRef>
+        </p:style>
+      </p:cxnSp>
+      <p:sp>
+        <p:nvSpPr>
+          <p:cNvPr id="150" name="Rectangle 149">
+            <a:extLst>
+              <a:ext uri="{FF2B5EF4-FFF2-40B4-BE49-F238E27FC236}">
+                <a16:creationId xmlns:a16="http://schemas.microsoft.com/office/drawing/2014/main" id="{564A82C2-BBD1-03E4-5CD6-26CB63871041}"/>
+              </a:ext>
+            </a:extLst>
+          </p:cNvPr>
+          <p:cNvSpPr/>
+          <p:nvPr/>
+        </p:nvSpPr>
+        <p:spPr>
+          <a:xfrm>
+            <a:off x="6970952" y="2205384"/>
+            <a:ext cx="207392" cy="188592"/>
+          </a:xfrm>
+          <a:prstGeom prst="rect">
+            <a:avLst/>
+          </a:prstGeom>
+          <a:solidFill>
+            <a:schemeClr val="tx1"/>
+          </a:solidFill>
+        </p:spPr>
+        <p:style>
+          <a:lnRef idx="2">
+            <a:schemeClr val="accent1">
+              <a:shade val="15000"/>
+            </a:schemeClr>
+          </a:lnRef>
+          <a:fillRef idx="1">
+            <a:schemeClr val="accent1"/>
+          </a:fillRef>
+          <a:effectRef idx="0">
+            <a:schemeClr val="accent1"/>
+          </a:effectRef>
+          <a:fontRef idx="minor">
+            <a:schemeClr val="lt1"/>
+          </a:fontRef>
+        </p:style>
+        <p:txBody>
+          <a:bodyPr wrap="none" rtlCol="0" anchor="ctr">
+            <a:noAutofit/>
+          </a:bodyPr>
+          <a:lstStyle/>
+          <a:p>
+            <a:pPr algn="ctr"/>
+            <a:endParaRPr lang="en-GB" sz="1200" dirty="0"/>
+          </a:p>
+        </p:txBody>
+      </p:sp>
+      <p:cxnSp>
+        <p:nvCxnSpPr>
+          <p:cNvPr id="151" name="Straight Arrow Connector 150">
+            <a:extLst>
+              <a:ext uri="{FF2B5EF4-FFF2-40B4-BE49-F238E27FC236}">
+                <a16:creationId xmlns:a16="http://schemas.microsoft.com/office/drawing/2014/main" id="{8063816D-D321-6597-9212-060ABA656858}"/>
+              </a:ext>
+            </a:extLst>
+          </p:cNvPr>
+          <p:cNvCxnSpPr>
+            <a:cxnSpLocks/>
+          </p:cNvCxnSpPr>
+          <p:nvPr/>
+        </p:nvCxnSpPr>
+        <p:spPr>
+          <a:xfrm>
+            <a:off x="6719930" y="1954956"/>
+            <a:ext cx="0" cy="356174"/>
+          </a:xfrm>
+          <a:prstGeom prst="straightConnector1">
+            <a:avLst/>
+          </a:prstGeom>
+          <a:ln>
+            <a:solidFill>
+              <a:schemeClr val="tx2">
+                <a:lumMod val="50000"/>
+                <a:lumOff val="50000"/>
+              </a:schemeClr>
+            </a:solidFill>
+            <a:tailEnd type="triangle"/>
+          </a:ln>
+        </p:spPr>
+        <p:style>
+          <a:lnRef idx="2">
+            <a:schemeClr val="accent1"/>
+          </a:lnRef>
+          <a:fillRef idx="0">
+            <a:schemeClr val="accent1"/>
+          </a:fillRef>
+          <a:effectRef idx="1">
+            <a:schemeClr val="accent1"/>
+          </a:effectRef>
+          <a:fontRef idx="minor">
+            <a:schemeClr val="tx1"/>
+          </a:fontRef>
+        </p:style>
+      </p:cxnSp>
+      <p:cxnSp>
+        <p:nvCxnSpPr>
+          <p:cNvPr id="152" name="Straight Arrow Connector 151">
+            <a:extLst>
+              <a:ext uri="{FF2B5EF4-FFF2-40B4-BE49-F238E27FC236}">
+                <a16:creationId xmlns:a16="http://schemas.microsoft.com/office/drawing/2014/main" id="{8297EFC3-885C-A71B-1C07-8A03E8AB98B4}"/>
+              </a:ext>
+            </a:extLst>
+          </p:cNvPr>
+          <p:cNvCxnSpPr>
+            <a:cxnSpLocks/>
+          </p:cNvCxnSpPr>
+          <p:nvPr/>
+        </p:nvCxnSpPr>
+        <p:spPr>
+          <a:xfrm>
+            <a:off x="7058058" y="2282282"/>
+            <a:ext cx="0" cy="356174"/>
+          </a:xfrm>
+          <a:prstGeom prst="straightConnector1">
+            <a:avLst/>
+          </a:prstGeom>
+          <a:ln>
+            <a:solidFill>
+              <a:schemeClr val="tx2">
+                <a:lumMod val="50000"/>
+                <a:lumOff val="50000"/>
+              </a:schemeClr>
+            </a:solidFill>
+            <a:tailEnd type="triangle"/>
+          </a:ln>
+        </p:spPr>
+        <p:style>
+          <a:lnRef idx="2">
+            <a:schemeClr val="accent1"/>
+          </a:lnRef>
+          <a:fillRef idx="0">
+            <a:schemeClr val="accent1"/>
+          </a:fillRef>
+          <a:effectRef idx="1">
+            <a:schemeClr val="accent1"/>
+          </a:effectRef>
+          <a:fontRef idx="minor">
+            <a:schemeClr val="tx1"/>
+          </a:fontRef>
+        </p:style>
+      </p:cxnSp>
+      <p:sp>
+        <p:nvSpPr>
+          <p:cNvPr id="153" name="Rectangle 152">
+            <a:extLst>
+              <a:ext uri="{FF2B5EF4-FFF2-40B4-BE49-F238E27FC236}">
+                <a16:creationId xmlns:a16="http://schemas.microsoft.com/office/drawing/2014/main" id="{2FB8FAD0-F8B8-B9D4-F5AC-691289F9BC2D}"/>
+              </a:ext>
+            </a:extLst>
+          </p:cNvPr>
+          <p:cNvSpPr/>
+          <p:nvPr/>
+        </p:nvSpPr>
+        <p:spPr>
+          <a:xfrm>
+            <a:off x="6936509" y="2495997"/>
+            <a:ext cx="207392" cy="188592"/>
+          </a:xfrm>
+          <a:prstGeom prst="rect">
+            <a:avLst/>
+          </a:prstGeom>
+          <a:solidFill>
+            <a:schemeClr val="tx1"/>
+          </a:solidFill>
+        </p:spPr>
+        <p:style>
+          <a:lnRef idx="2">
+            <a:schemeClr val="accent1">
+              <a:shade val="15000"/>
+            </a:schemeClr>
+          </a:lnRef>
+          <a:fillRef idx="1">
+            <a:schemeClr val="accent1"/>
+          </a:fillRef>
+          <a:effectRef idx="0">
+            <a:schemeClr val="accent1"/>
+          </a:effectRef>
+          <a:fontRef idx="minor">
+            <a:schemeClr val="lt1"/>
+          </a:fontRef>
+        </p:style>
+        <p:txBody>
+          <a:bodyPr wrap="none" rtlCol="0" anchor="ctr">
+            <a:noAutofit/>
+          </a:bodyPr>
+          <a:lstStyle/>
+          <a:p>
+            <a:pPr algn="ctr"/>
+            <a:endParaRPr lang="en-GB" sz="1200" dirty="0"/>
+          </a:p>
+        </p:txBody>
+      </p:sp>
+      <p:cxnSp>
+        <p:nvCxnSpPr>
+          <p:cNvPr id="154" name="Straight Arrow Connector 153">
+            <a:extLst>
+              <a:ext uri="{FF2B5EF4-FFF2-40B4-BE49-F238E27FC236}">
+                <a16:creationId xmlns:a16="http://schemas.microsoft.com/office/drawing/2014/main" id="{AFADCBF2-C4D3-14B7-E5F2-51AFA7FBE6A7}"/>
+              </a:ext>
+            </a:extLst>
+          </p:cNvPr>
+          <p:cNvCxnSpPr>
+            <a:cxnSpLocks/>
+          </p:cNvCxnSpPr>
+          <p:nvPr/>
+        </p:nvCxnSpPr>
+        <p:spPr>
+          <a:xfrm>
+            <a:off x="6719930" y="2297403"/>
+            <a:ext cx="0" cy="356174"/>
+          </a:xfrm>
+          <a:prstGeom prst="straightConnector1">
+            <a:avLst/>
+          </a:prstGeom>
+          <a:ln>
+            <a:solidFill>
+              <a:schemeClr val="tx2">
+                <a:lumMod val="50000"/>
+                <a:lumOff val="50000"/>
+              </a:schemeClr>
+            </a:solidFill>
+            <a:tailEnd type="triangle"/>
+          </a:ln>
+        </p:spPr>
+        <p:style>
+          <a:lnRef idx="2">
+            <a:schemeClr val="accent1"/>
+          </a:lnRef>
+          <a:fillRef idx="0">
+            <a:schemeClr val="accent1"/>
+          </a:fillRef>
+          <a:effectRef idx="1">
+            <a:schemeClr val="accent1"/>
+          </a:effectRef>
+          <a:fontRef idx="minor">
+            <a:schemeClr val="tx1"/>
+          </a:fontRef>
+        </p:style>
+      </p:cxnSp>
+      <p:cxnSp>
+        <p:nvCxnSpPr>
+          <p:cNvPr id="155" name="Straight Arrow Connector 154">
+            <a:extLst>
+              <a:ext uri="{FF2B5EF4-FFF2-40B4-BE49-F238E27FC236}">
+                <a16:creationId xmlns:a16="http://schemas.microsoft.com/office/drawing/2014/main" id="{992D31ED-FA48-B50E-DA38-CE5C4543E902}"/>
+              </a:ext>
+            </a:extLst>
+          </p:cNvPr>
+          <p:cNvCxnSpPr>
+            <a:cxnSpLocks/>
+          </p:cNvCxnSpPr>
+          <p:nvPr/>
+        </p:nvCxnSpPr>
+        <p:spPr>
+          <a:xfrm>
+            <a:off x="7064769" y="2647065"/>
+            <a:ext cx="0" cy="356174"/>
+          </a:xfrm>
+          <a:prstGeom prst="straightConnector1">
+            <a:avLst/>
+          </a:prstGeom>
+          <a:ln>
+            <a:solidFill>
+              <a:schemeClr val="tx2">
+                <a:lumMod val="50000"/>
+                <a:lumOff val="50000"/>
+              </a:schemeClr>
+            </a:solidFill>
+            <a:tailEnd type="triangle"/>
+          </a:ln>
+        </p:spPr>
+        <p:style>
+          <a:lnRef idx="2">
+            <a:schemeClr val="accent1"/>
+          </a:lnRef>
+          <a:fillRef idx="0">
+            <a:schemeClr val="accent1"/>
+          </a:fillRef>
+          <a:effectRef idx="1">
+            <a:schemeClr val="accent1"/>
+          </a:effectRef>
+          <a:fontRef idx="minor">
+            <a:schemeClr val="tx1"/>
+          </a:fontRef>
+        </p:style>
+      </p:cxnSp>
+      <p:sp>
+        <p:nvSpPr>
+          <p:cNvPr id="156" name="Rectangle 155">
+            <a:extLst>
+              <a:ext uri="{FF2B5EF4-FFF2-40B4-BE49-F238E27FC236}">
+                <a16:creationId xmlns:a16="http://schemas.microsoft.com/office/drawing/2014/main" id="{4B410F1C-76D9-A7A2-2D3D-EE552D78351F}"/>
+              </a:ext>
+            </a:extLst>
+          </p:cNvPr>
+          <p:cNvSpPr/>
+          <p:nvPr/>
+        </p:nvSpPr>
+        <p:spPr>
+          <a:xfrm>
+            <a:off x="6943220" y="2860780"/>
+            <a:ext cx="207392" cy="188592"/>
+          </a:xfrm>
+          <a:prstGeom prst="rect">
+            <a:avLst/>
+          </a:prstGeom>
+          <a:solidFill>
+            <a:schemeClr val="tx1"/>
+          </a:solidFill>
+        </p:spPr>
+        <p:style>
+          <a:lnRef idx="2">
+            <a:schemeClr val="accent1">
+              <a:shade val="15000"/>
+            </a:schemeClr>
+          </a:lnRef>
+          <a:fillRef idx="1">
+            <a:schemeClr val="accent1"/>
+          </a:fillRef>
+          <a:effectRef idx="0">
+            <a:schemeClr val="accent1"/>
+          </a:effectRef>
+          <a:fontRef idx="minor">
+            <a:schemeClr val="lt1"/>
+          </a:fontRef>
+        </p:style>
+        <p:txBody>
+          <a:bodyPr wrap="none" rtlCol="0" anchor="ctr">
+            <a:noAutofit/>
+          </a:bodyPr>
+          <a:lstStyle/>
+          <a:p>
+            <a:pPr algn="ctr"/>
+            <a:endParaRPr lang="en-GB" sz="1200" dirty="0"/>
+          </a:p>
+        </p:txBody>
+      </p:sp>
+      <p:cxnSp>
+        <p:nvCxnSpPr>
+          <p:cNvPr id="157" name="Straight Arrow Connector 156">
+            <a:extLst>
+              <a:ext uri="{FF2B5EF4-FFF2-40B4-BE49-F238E27FC236}">
+                <a16:creationId xmlns:a16="http://schemas.microsoft.com/office/drawing/2014/main" id="{5451FD95-1487-1AEC-22EB-14CF991DD176}"/>
+              </a:ext>
+            </a:extLst>
+          </p:cNvPr>
+          <p:cNvCxnSpPr>
+            <a:cxnSpLocks/>
+          </p:cNvCxnSpPr>
+          <p:nvPr/>
+        </p:nvCxnSpPr>
+        <p:spPr>
+          <a:xfrm>
+            <a:off x="6726641" y="2662186"/>
+            <a:ext cx="0" cy="356174"/>
+          </a:xfrm>
+          <a:prstGeom prst="straightConnector1">
+            <a:avLst/>
+          </a:prstGeom>
+          <a:ln>
+            <a:solidFill>
+              <a:schemeClr val="tx2">
+                <a:lumMod val="50000"/>
+                <a:lumOff val="50000"/>
+              </a:schemeClr>
+            </a:solidFill>
+            <a:tailEnd type="triangle"/>
+          </a:ln>
+        </p:spPr>
+        <p:style>
+          <a:lnRef idx="2">
+            <a:schemeClr val="accent1"/>
+          </a:lnRef>
+          <a:fillRef idx="0">
+            <a:schemeClr val="accent1"/>
+          </a:fillRef>
+          <a:effectRef idx="1">
+            <a:schemeClr val="accent1"/>
+          </a:effectRef>
+          <a:fontRef idx="minor">
+            <a:schemeClr val="tx1"/>
+          </a:fontRef>
+        </p:style>
+      </p:cxnSp>
+      <p:cxnSp>
+        <p:nvCxnSpPr>
+          <p:cNvPr id="158" name="Straight Arrow Connector 157">
+            <a:extLst>
+              <a:ext uri="{FF2B5EF4-FFF2-40B4-BE49-F238E27FC236}">
+                <a16:creationId xmlns:a16="http://schemas.microsoft.com/office/drawing/2014/main" id="{4128D7E5-53AA-186A-AA41-089E12AA1013}"/>
+              </a:ext>
+            </a:extLst>
+          </p:cNvPr>
+          <p:cNvCxnSpPr>
+            <a:cxnSpLocks/>
+          </p:cNvCxnSpPr>
+          <p:nvPr/>
+        </p:nvCxnSpPr>
+        <p:spPr>
+          <a:xfrm>
+            <a:off x="7058058" y="2997930"/>
+            <a:ext cx="0" cy="356174"/>
+          </a:xfrm>
+          <a:prstGeom prst="straightConnector1">
+            <a:avLst/>
+          </a:prstGeom>
+          <a:ln>
+            <a:solidFill>
+              <a:schemeClr val="tx2">
+                <a:lumMod val="50000"/>
+                <a:lumOff val="50000"/>
+              </a:schemeClr>
+            </a:solidFill>
+            <a:tailEnd type="triangle"/>
+          </a:ln>
+        </p:spPr>
+        <p:style>
+          <a:lnRef idx="2">
+            <a:schemeClr val="accent1"/>
+          </a:lnRef>
+          <a:fillRef idx="0">
+            <a:schemeClr val="accent1"/>
+          </a:fillRef>
+          <a:effectRef idx="1">
+            <a:schemeClr val="accent1"/>
+          </a:effectRef>
+          <a:fontRef idx="minor">
+            <a:schemeClr val="tx1"/>
+          </a:fontRef>
+        </p:style>
+      </p:cxnSp>
+      <p:sp>
+        <p:nvSpPr>
+          <p:cNvPr id="159" name="Rectangle 158">
+            <a:extLst>
+              <a:ext uri="{FF2B5EF4-FFF2-40B4-BE49-F238E27FC236}">
+                <a16:creationId xmlns:a16="http://schemas.microsoft.com/office/drawing/2014/main" id="{EDF8A746-D03E-6EE2-1F70-B339459CF08A}"/>
+              </a:ext>
+            </a:extLst>
+          </p:cNvPr>
+          <p:cNvSpPr/>
+          <p:nvPr/>
+        </p:nvSpPr>
+        <p:spPr>
+          <a:xfrm>
+            <a:off x="6936509" y="3211645"/>
+            <a:ext cx="207392" cy="188592"/>
+          </a:xfrm>
+          <a:prstGeom prst="rect">
+            <a:avLst/>
+          </a:prstGeom>
+          <a:solidFill>
+            <a:schemeClr val="tx1"/>
+          </a:solidFill>
+        </p:spPr>
+        <p:style>
+          <a:lnRef idx="2">
+            <a:schemeClr val="accent1">
+              <a:shade val="15000"/>
+            </a:schemeClr>
+          </a:lnRef>
+          <a:fillRef idx="1">
+            <a:schemeClr val="accent1"/>
+          </a:fillRef>
+          <a:effectRef idx="0">
+            <a:schemeClr val="accent1"/>
+          </a:effectRef>
+          <a:fontRef idx="minor">
+            <a:schemeClr val="lt1"/>
+          </a:fontRef>
+        </p:style>
+        <p:txBody>
+          <a:bodyPr wrap="none" rtlCol="0" anchor="ctr">
+            <a:noAutofit/>
+          </a:bodyPr>
+          <a:lstStyle/>
+          <a:p>
+            <a:pPr algn="ctr"/>
+            <a:endParaRPr lang="en-GB" sz="1200" dirty="0"/>
+          </a:p>
+        </p:txBody>
+      </p:sp>
+      <p:cxnSp>
+        <p:nvCxnSpPr>
+          <p:cNvPr id="160" name="Straight Arrow Connector 159">
+            <a:extLst>
+              <a:ext uri="{FF2B5EF4-FFF2-40B4-BE49-F238E27FC236}">
+                <a16:creationId xmlns:a16="http://schemas.microsoft.com/office/drawing/2014/main" id="{DF7E8256-C0E7-E5B5-FD67-C377C2E262F3}"/>
+              </a:ext>
+            </a:extLst>
+          </p:cNvPr>
+          <p:cNvCxnSpPr>
+            <a:cxnSpLocks/>
+            <a:endCxn id="164" idx="0"/>
+          </p:cNvCxnSpPr>
+          <p:nvPr/>
+        </p:nvCxnSpPr>
+        <p:spPr>
+          <a:xfrm>
+            <a:off x="6719930" y="3013051"/>
+            <a:ext cx="11178" cy="592302"/>
+          </a:xfrm>
+          <a:prstGeom prst="straightConnector1">
+            <a:avLst/>
+          </a:prstGeom>
+          <a:ln>
+            <a:solidFill>
+              <a:schemeClr val="tx2">
+                <a:lumMod val="50000"/>
+                <a:lumOff val="50000"/>
+              </a:schemeClr>
+            </a:solidFill>
+            <a:tailEnd type="triangle"/>
+          </a:ln>
+        </p:spPr>
+        <p:style>
+          <a:lnRef idx="2">
+            <a:schemeClr val="accent1"/>
+          </a:lnRef>
+          <a:fillRef idx="0">
+            <a:schemeClr val="accent1"/>
+          </a:fillRef>
+          <a:effectRef idx="1">
+            <a:schemeClr val="accent1"/>
+          </a:effectRef>
+          <a:fontRef idx="minor">
+            <a:schemeClr val="tx1"/>
+          </a:fontRef>
+        </p:style>
+      </p:cxnSp>
+      <p:cxnSp>
+        <p:nvCxnSpPr>
+          <p:cNvPr id="161" name="Straight Arrow Connector 160">
+            <a:extLst>
+              <a:ext uri="{FF2B5EF4-FFF2-40B4-BE49-F238E27FC236}">
+                <a16:creationId xmlns:a16="http://schemas.microsoft.com/office/drawing/2014/main" id="{52F5002E-3C06-08E9-7338-570CB8CBADA4}"/>
+              </a:ext>
+            </a:extLst>
+          </p:cNvPr>
+          <p:cNvCxnSpPr>
+            <a:cxnSpLocks/>
+            <a:endCxn id="164" idx="0"/>
+          </p:cNvCxnSpPr>
+          <p:nvPr/>
+        </p:nvCxnSpPr>
+        <p:spPr>
+          <a:xfrm flipH="1">
+            <a:off x="6731108" y="3366685"/>
+            <a:ext cx="298240" cy="238668"/>
+          </a:xfrm>
+          <a:prstGeom prst="straightConnector1">
+            <a:avLst/>
+          </a:prstGeom>
+          <a:ln>
+            <a:solidFill>
+              <a:schemeClr val="tx2">
+                <a:lumMod val="50000"/>
+                <a:lumOff val="50000"/>
+              </a:schemeClr>
+            </a:solidFill>
+            <a:tailEnd type="triangle"/>
+          </a:ln>
+        </p:spPr>
+        <p:style>
+          <a:lnRef idx="2">
+            <a:schemeClr val="accent1"/>
+          </a:lnRef>
+          <a:fillRef idx="0">
+            <a:schemeClr val="accent1"/>
+          </a:fillRef>
+          <a:effectRef idx="1">
+            <a:schemeClr val="accent1"/>
+          </a:effectRef>
+          <a:fontRef idx="minor">
+            <a:schemeClr val="tx1"/>
+          </a:fontRef>
+        </p:style>
+      </p:cxnSp>
+      <p:cxnSp>
+        <p:nvCxnSpPr>
+          <p:cNvPr id="162" name="Straight Arrow Connector 161">
+            <a:extLst>
+              <a:ext uri="{FF2B5EF4-FFF2-40B4-BE49-F238E27FC236}">
+                <a16:creationId xmlns:a16="http://schemas.microsoft.com/office/drawing/2014/main" id="{B851DF83-4D6C-1018-BBF3-1D707518BAEC}"/>
+              </a:ext>
+            </a:extLst>
+          </p:cNvPr>
+          <p:cNvCxnSpPr>
+            <a:cxnSpLocks/>
+          </p:cNvCxnSpPr>
+          <p:nvPr/>
+        </p:nvCxnSpPr>
+        <p:spPr>
+          <a:xfrm>
+            <a:off x="7029348" y="3264330"/>
+            <a:ext cx="41087" cy="406592"/>
+          </a:xfrm>
+          <a:prstGeom prst="straightConnector1">
+            <a:avLst/>
+          </a:prstGeom>
+          <a:ln>
+            <a:solidFill>
+              <a:schemeClr val="tx2">
+                <a:lumMod val="50000"/>
+                <a:lumOff val="50000"/>
+              </a:schemeClr>
+            </a:solidFill>
+            <a:tailEnd type="triangle"/>
+          </a:ln>
+        </p:spPr>
+        <p:style>
+          <a:lnRef idx="2">
+            <a:schemeClr val="accent1"/>
+          </a:lnRef>
+          <a:fillRef idx="0">
+            <a:schemeClr val="accent1"/>
+          </a:fillRef>
+          <a:effectRef idx="1">
+            <a:schemeClr val="accent1"/>
+          </a:effectRef>
+          <a:fontRef idx="minor">
+            <a:schemeClr val="tx1"/>
+          </a:fontRef>
+        </p:style>
+      </p:cxnSp>
+      <p:sp>
+        <p:nvSpPr>
+          <p:cNvPr id="164" name="Rectangle 163">
+            <a:extLst>
+              <a:ext uri="{FF2B5EF4-FFF2-40B4-BE49-F238E27FC236}">
+                <a16:creationId xmlns:a16="http://schemas.microsoft.com/office/drawing/2014/main" id="{ECCF91EE-4B32-1618-F0FD-78A5AB1EB8DC}"/>
+              </a:ext>
+            </a:extLst>
+          </p:cNvPr>
+          <p:cNvSpPr/>
+          <p:nvPr/>
+        </p:nvSpPr>
+        <p:spPr>
+          <a:xfrm>
+            <a:off x="6627412" y="3605353"/>
+            <a:ext cx="207392" cy="188592"/>
+          </a:xfrm>
+          <a:prstGeom prst="rect">
+            <a:avLst/>
+          </a:prstGeom>
+          <a:solidFill>
+            <a:schemeClr val="tx1"/>
+          </a:solidFill>
+        </p:spPr>
+        <p:style>
+          <a:lnRef idx="2">
+            <a:schemeClr val="accent1">
+              <a:shade val="15000"/>
+            </a:schemeClr>
+          </a:lnRef>
+          <a:fillRef idx="1">
+            <a:schemeClr val="accent1"/>
+          </a:fillRef>
+          <a:effectRef idx="0">
+            <a:schemeClr val="accent1"/>
+          </a:effectRef>
+          <a:fontRef idx="minor">
+            <a:schemeClr val="lt1"/>
+          </a:fontRef>
+        </p:style>
+        <p:txBody>
+          <a:bodyPr wrap="none" rtlCol="0" anchor="ctr">
+            <a:noAutofit/>
+          </a:bodyPr>
+          <a:lstStyle/>
+          <a:p>
+            <a:pPr algn="ctr"/>
+            <a:endParaRPr lang="en-GB" sz="1200" dirty="0"/>
+          </a:p>
+        </p:txBody>
+      </p:sp>
+      <p:cxnSp>
+        <p:nvCxnSpPr>
+          <p:cNvPr id="168" name="Straight Arrow Connector 167">
+            <a:extLst>
+              <a:ext uri="{FF2B5EF4-FFF2-40B4-BE49-F238E27FC236}">
+                <a16:creationId xmlns:a16="http://schemas.microsoft.com/office/drawing/2014/main" id="{F18717A0-14D5-2FD7-F6F0-0666B69A04B4}"/>
+              </a:ext>
+            </a:extLst>
+          </p:cNvPr>
+          <p:cNvCxnSpPr>
+            <a:cxnSpLocks/>
+          </p:cNvCxnSpPr>
+          <p:nvPr/>
+        </p:nvCxnSpPr>
+        <p:spPr>
+          <a:xfrm>
+            <a:off x="6719930" y="3807267"/>
+            <a:ext cx="0" cy="186652"/>
+          </a:xfrm>
+          <a:prstGeom prst="straightConnector1">
+            <a:avLst/>
+          </a:prstGeom>
+          <a:ln>
+            <a:solidFill>
+              <a:schemeClr val="tx2">
+                <a:lumMod val="50000"/>
+                <a:lumOff val="50000"/>
+              </a:schemeClr>
+            </a:solidFill>
+            <a:tailEnd type="triangle"/>
+          </a:ln>
+        </p:spPr>
+        <p:style>
+          <a:lnRef idx="2">
+            <a:schemeClr val="accent1"/>
+          </a:lnRef>
+          <a:fillRef idx="0">
+            <a:schemeClr val="accent1"/>
+          </a:fillRef>
+          <a:effectRef idx="1">
+            <a:schemeClr val="accent1"/>
+          </a:effectRef>
+          <a:fontRef idx="minor">
+            <a:schemeClr val="tx1"/>
+          </a:fontRef>
+        </p:style>
+      </p:cxnSp>
+      <p:cxnSp>
+        <p:nvCxnSpPr>
+          <p:cNvPr id="170" name="Straight Arrow Connector 169">
+            <a:extLst>
+              <a:ext uri="{FF2B5EF4-FFF2-40B4-BE49-F238E27FC236}">
+                <a16:creationId xmlns:a16="http://schemas.microsoft.com/office/drawing/2014/main" id="{D6C8CF11-44FC-AB84-2817-623171167909}"/>
+              </a:ext>
+            </a:extLst>
+          </p:cNvPr>
+          <p:cNvCxnSpPr>
+            <a:cxnSpLocks/>
+            <a:stCxn id="164" idx="2"/>
+          </p:cNvCxnSpPr>
+          <p:nvPr/>
+        </p:nvCxnSpPr>
+        <p:spPr>
+          <a:xfrm>
+            <a:off x="6731108" y="3793945"/>
+            <a:ext cx="326950" cy="165569"/>
+          </a:xfrm>
+          <a:prstGeom prst="straightConnector1">
+            <a:avLst/>
+          </a:prstGeom>
+          <a:ln>
+            <a:solidFill>
+              <a:schemeClr val="tx2">
+                <a:lumMod val="50000"/>
+                <a:lumOff val="50000"/>
+              </a:schemeClr>
+            </a:solidFill>
+            <a:tailEnd type="triangle"/>
+          </a:ln>
+        </p:spPr>
+        <p:style>
+          <a:lnRef idx="2">
+            <a:schemeClr val="accent1"/>
+          </a:lnRef>
+          <a:fillRef idx="0">
+            <a:schemeClr val="accent1"/>
+          </a:fillRef>
+          <a:effectRef idx="1">
+            <a:schemeClr val="accent1"/>
+          </a:effectRef>
+          <a:fontRef idx="minor">
+            <a:schemeClr val="tx1"/>
+          </a:fontRef>
+        </p:style>
+      </p:cxnSp>
+      <p:cxnSp>
+        <p:nvCxnSpPr>
+          <p:cNvPr id="175" name="Straight Arrow Connector 174">
+            <a:extLst>
+              <a:ext uri="{FF2B5EF4-FFF2-40B4-BE49-F238E27FC236}">
+                <a16:creationId xmlns:a16="http://schemas.microsoft.com/office/drawing/2014/main" id="{59E9E66D-E305-A97E-584A-41FCCF09BE21}"/>
+              </a:ext>
+            </a:extLst>
+          </p:cNvPr>
+          <p:cNvCxnSpPr>
+            <a:cxnSpLocks/>
+          </p:cNvCxnSpPr>
+          <p:nvPr/>
+        </p:nvCxnSpPr>
+        <p:spPr>
+          <a:xfrm>
+            <a:off x="7084290" y="3632104"/>
+            <a:ext cx="412494" cy="327410"/>
+          </a:xfrm>
+          <a:prstGeom prst="straightConnector1">
+            <a:avLst/>
+          </a:prstGeom>
+          <a:ln>
+            <a:solidFill>
+              <a:schemeClr val="tx2">
+                <a:lumMod val="50000"/>
+                <a:lumOff val="50000"/>
+              </a:schemeClr>
+            </a:solidFill>
+            <a:tailEnd type="triangle"/>
+          </a:ln>
+        </p:spPr>
+        <p:style>
+          <a:lnRef idx="2">
+            <a:schemeClr val="accent1"/>
+          </a:lnRef>
+          <a:fillRef idx="0">
+            <a:schemeClr val="accent1"/>
+          </a:fillRef>
+          <a:effectRef idx="1">
+            <a:schemeClr val="accent1"/>
+          </a:effectRef>
+          <a:fontRef idx="minor">
+            <a:schemeClr val="tx1"/>
+          </a:fontRef>
+        </p:style>
+      </p:cxnSp>
+      <p:sp>
+        <p:nvSpPr>
+          <p:cNvPr id="178" name="Rectangle 177">
+            <a:extLst>
+              <a:ext uri="{FF2B5EF4-FFF2-40B4-BE49-F238E27FC236}">
+                <a16:creationId xmlns:a16="http://schemas.microsoft.com/office/drawing/2014/main" id="{556C3848-E00D-E9C8-4D45-50C2A8CC2D84}"/>
+              </a:ext>
+            </a:extLst>
+          </p:cNvPr>
+          <p:cNvSpPr/>
+          <p:nvPr/>
+        </p:nvSpPr>
+        <p:spPr>
+          <a:xfrm>
+            <a:off x="7350048" y="3876775"/>
+            <a:ext cx="207392" cy="188592"/>
+          </a:xfrm>
+          <a:prstGeom prst="rect">
+            <a:avLst/>
+          </a:prstGeom>
+          <a:solidFill>
+            <a:schemeClr val="tx1"/>
+          </a:solidFill>
+        </p:spPr>
+        <p:style>
+          <a:lnRef idx="2">
+            <a:schemeClr val="accent1">
+              <a:shade val="15000"/>
+            </a:schemeClr>
+          </a:lnRef>
+          <a:fillRef idx="1">
+            <a:schemeClr val="accent1"/>
+          </a:fillRef>
+          <a:effectRef idx="0">
+            <a:schemeClr val="accent1"/>
+          </a:effectRef>
+          <a:fontRef idx="minor">
+            <a:schemeClr val="lt1"/>
+          </a:fontRef>
+        </p:style>
+        <p:txBody>
+          <a:bodyPr wrap="none" rtlCol="0" anchor="ctr">
+            <a:noAutofit/>
+          </a:bodyPr>
+          <a:lstStyle/>
+          <a:p>
+            <a:pPr algn="ctr"/>
+            <a:endParaRPr lang="en-GB" sz="1200" dirty="0"/>
+          </a:p>
+        </p:txBody>
+      </p:sp>
+      <p:cxnSp>
+        <p:nvCxnSpPr>
+          <p:cNvPr id="179" name="Straight Arrow Connector 178">
+            <a:extLst>
+              <a:ext uri="{FF2B5EF4-FFF2-40B4-BE49-F238E27FC236}">
+                <a16:creationId xmlns:a16="http://schemas.microsoft.com/office/drawing/2014/main" id="{937767BD-E879-2F72-5B5E-FC7E50D185A6}"/>
+              </a:ext>
+            </a:extLst>
+          </p:cNvPr>
+          <p:cNvCxnSpPr>
+            <a:cxnSpLocks/>
+          </p:cNvCxnSpPr>
+          <p:nvPr/>
+        </p:nvCxnSpPr>
+        <p:spPr>
+          <a:xfrm flipH="1">
+            <a:off x="6294583" y="2100431"/>
+            <a:ext cx="20567" cy="4556998"/>
+          </a:xfrm>
+          <a:prstGeom prst="straightConnector1">
+            <a:avLst/>
+          </a:prstGeom>
+          <a:ln>
+            <a:solidFill>
+              <a:schemeClr val="tx2">
+                <a:lumMod val="50000"/>
+                <a:lumOff val="50000"/>
+              </a:schemeClr>
+            </a:solidFill>
+            <a:tailEnd type="triangle"/>
+          </a:ln>
+        </p:spPr>
+        <p:style>
+          <a:lnRef idx="2">
+            <a:schemeClr val="accent1"/>
+          </a:lnRef>
+          <a:fillRef idx="0">
+            <a:schemeClr val="accent1"/>
+          </a:fillRef>
+          <a:effectRef idx="1">
+            <a:schemeClr val="accent1"/>
+          </a:effectRef>
+          <a:fontRef idx="minor">
+            <a:schemeClr val="tx1"/>
+          </a:fontRef>
+        </p:style>
+      </p:cxnSp>
+      <p:cxnSp>
+        <p:nvCxnSpPr>
+          <p:cNvPr id="181" name="Straight Arrow Connector 180">
+            <a:extLst>
+              <a:ext uri="{FF2B5EF4-FFF2-40B4-BE49-F238E27FC236}">
+                <a16:creationId xmlns:a16="http://schemas.microsoft.com/office/drawing/2014/main" id="{D919C4A4-B63F-4AC0-9793-391D79E19BEF}"/>
+              </a:ext>
+            </a:extLst>
+          </p:cNvPr>
+          <p:cNvCxnSpPr>
+            <a:cxnSpLocks/>
+          </p:cNvCxnSpPr>
+          <p:nvPr/>
+        </p:nvCxnSpPr>
+        <p:spPr>
+          <a:xfrm flipH="1">
+            <a:off x="6294583" y="5791650"/>
+            <a:ext cx="358122" cy="865779"/>
+          </a:xfrm>
+          <a:prstGeom prst="straightConnector1">
+            <a:avLst/>
+          </a:prstGeom>
+          <a:ln>
+            <a:solidFill>
+              <a:schemeClr val="tx2">
+                <a:lumMod val="50000"/>
+                <a:lumOff val="50000"/>
+              </a:schemeClr>
+            </a:solidFill>
+            <a:tailEnd type="triangle"/>
+          </a:ln>
+        </p:spPr>
+        <p:style>
+          <a:lnRef idx="2">
+            <a:schemeClr val="accent1"/>
+          </a:lnRef>
+          <a:fillRef idx="0">
+            <a:schemeClr val="accent1"/>
+          </a:fillRef>
+          <a:effectRef idx="1">
+            <a:schemeClr val="accent1"/>
+          </a:effectRef>
+          <a:fontRef idx="minor">
+            <a:schemeClr val="tx1"/>
+          </a:fontRef>
+        </p:style>
+      </p:cxnSp>
+      <p:cxnSp>
+        <p:nvCxnSpPr>
+          <p:cNvPr id="184" name="Straight Arrow Connector 183">
+            <a:extLst>
+              <a:ext uri="{FF2B5EF4-FFF2-40B4-BE49-F238E27FC236}">
+                <a16:creationId xmlns:a16="http://schemas.microsoft.com/office/drawing/2014/main" id="{88C2262B-4AE5-9CE0-1F13-2D3F8DC3BEA1}"/>
+              </a:ext>
+            </a:extLst>
+          </p:cNvPr>
+          <p:cNvCxnSpPr>
+            <a:cxnSpLocks/>
+          </p:cNvCxnSpPr>
+          <p:nvPr/>
+        </p:nvCxnSpPr>
+        <p:spPr>
+          <a:xfrm flipH="1">
+            <a:off x="6306554" y="5979658"/>
+            <a:ext cx="830138" cy="662023"/>
+          </a:xfrm>
+          <a:prstGeom prst="straightConnector1">
+            <a:avLst/>
+          </a:prstGeom>
+          <a:ln>
+            <a:solidFill>
+              <a:schemeClr val="tx2">
+                <a:lumMod val="50000"/>
+                <a:lumOff val="50000"/>
+              </a:schemeClr>
+            </a:solidFill>
+            <a:tailEnd type="triangle"/>
+          </a:ln>
+        </p:spPr>
+        <p:style>
+          <a:lnRef idx="2">
+            <a:schemeClr val="accent1"/>
+          </a:lnRef>
+          <a:fillRef idx="0">
+            <a:schemeClr val="accent1"/>
+          </a:fillRef>
+          <a:effectRef idx="1">
+            <a:schemeClr val="accent1"/>
+          </a:effectRef>
+          <a:fontRef idx="minor">
+            <a:schemeClr val="tx1"/>
+          </a:fontRef>
+        </p:style>
+      </p:cxnSp>
+      <p:cxnSp>
+        <p:nvCxnSpPr>
+          <p:cNvPr id="189" name="Straight Arrow Connector 188">
+            <a:extLst>
+              <a:ext uri="{FF2B5EF4-FFF2-40B4-BE49-F238E27FC236}">
+                <a16:creationId xmlns:a16="http://schemas.microsoft.com/office/drawing/2014/main" id="{E99B1FD9-8EB2-EB1E-6BF2-9BC57F5CD223}"/>
+              </a:ext>
+            </a:extLst>
+          </p:cNvPr>
+          <p:cNvCxnSpPr>
+            <a:cxnSpLocks/>
+          </p:cNvCxnSpPr>
+          <p:nvPr/>
+        </p:nvCxnSpPr>
+        <p:spPr>
+          <a:xfrm>
+            <a:off x="6751783" y="1114702"/>
+            <a:ext cx="0" cy="356174"/>
+          </a:xfrm>
+          <a:prstGeom prst="straightConnector1">
+            <a:avLst/>
+          </a:prstGeom>
+          <a:ln>
+            <a:solidFill>
+              <a:schemeClr val="tx2">
+                <a:lumMod val="50000"/>
+                <a:lumOff val="50000"/>
+              </a:schemeClr>
+            </a:solidFill>
+            <a:tailEnd type="triangle"/>
+          </a:ln>
+        </p:spPr>
+        <p:style>
+          <a:lnRef idx="2">
+            <a:schemeClr val="accent1"/>
+          </a:lnRef>
+          <a:fillRef idx="0">
+            <a:schemeClr val="accent1"/>
+          </a:fillRef>
+          <a:effectRef idx="1">
+            <a:schemeClr val="accent1"/>
+          </a:effectRef>
+          <a:fontRef idx="minor">
+            <a:schemeClr val="tx1"/>
+          </a:fontRef>
+        </p:style>
+      </p:cxnSp>
+      <p:cxnSp>
+        <p:nvCxnSpPr>
+          <p:cNvPr id="190" name="Straight Arrow Connector 189">
+            <a:extLst>
+              <a:ext uri="{FF2B5EF4-FFF2-40B4-BE49-F238E27FC236}">
+                <a16:creationId xmlns:a16="http://schemas.microsoft.com/office/drawing/2014/main" id="{AB2BB25E-99A5-30E9-C7BF-50EB8A6788A1}"/>
+              </a:ext>
+            </a:extLst>
+          </p:cNvPr>
+          <p:cNvCxnSpPr>
+            <a:cxnSpLocks/>
+          </p:cNvCxnSpPr>
+          <p:nvPr/>
+        </p:nvCxnSpPr>
+        <p:spPr>
+          <a:xfrm>
+            <a:off x="6751783" y="1386383"/>
+            <a:ext cx="0" cy="356174"/>
+          </a:xfrm>
+          <a:prstGeom prst="straightConnector1">
+            <a:avLst/>
+          </a:prstGeom>
+          <a:ln>
+            <a:solidFill>
+              <a:schemeClr val="tx2">
+                <a:lumMod val="50000"/>
+                <a:lumOff val="50000"/>
+              </a:schemeClr>
+            </a:solidFill>
+            <a:tailEnd type="triangle"/>
+          </a:ln>
+        </p:spPr>
+        <p:style>
+          <a:lnRef idx="2">
+            <a:schemeClr val="accent1"/>
+          </a:lnRef>
+          <a:fillRef idx="0">
+            <a:schemeClr val="accent1"/>
+          </a:fillRef>
+          <a:effectRef idx="1">
+            <a:schemeClr val="accent1"/>
+          </a:effectRef>
+          <a:fontRef idx="minor">
+            <a:schemeClr val="tx1"/>
+          </a:fontRef>
+        </p:style>
+      </p:cxnSp>
+      <p:cxnSp>
+        <p:nvCxnSpPr>
+          <p:cNvPr id="191" name="Straight Arrow Connector 190">
+            <a:extLst>
+              <a:ext uri="{FF2B5EF4-FFF2-40B4-BE49-F238E27FC236}">
+                <a16:creationId xmlns:a16="http://schemas.microsoft.com/office/drawing/2014/main" id="{61B04AC2-33FC-7B0D-85BE-5005CA529B9D}"/>
+              </a:ext>
+            </a:extLst>
+          </p:cNvPr>
+          <p:cNvCxnSpPr>
+            <a:cxnSpLocks/>
+          </p:cNvCxnSpPr>
+          <p:nvPr/>
+        </p:nvCxnSpPr>
+        <p:spPr>
+          <a:xfrm>
+            <a:off x="6770255" y="1733392"/>
+            <a:ext cx="343840" cy="178447"/>
+          </a:xfrm>
+          <a:prstGeom prst="straightConnector1">
+            <a:avLst/>
+          </a:prstGeom>
+          <a:ln>
+            <a:solidFill>
+              <a:schemeClr val="tx2">
+                <a:lumMod val="50000"/>
+                <a:lumOff val="50000"/>
+              </a:schemeClr>
+            </a:solidFill>
+            <a:tailEnd type="triangle"/>
+          </a:ln>
+        </p:spPr>
+        <p:style>
+          <a:lnRef idx="2">
+            <a:schemeClr val="accent1"/>
+          </a:lnRef>
+          <a:fillRef idx="0">
+            <a:schemeClr val="accent1"/>
+          </a:fillRef>
+          <a:effectRef idx="1">
+            <a:schemeClr val="accent1"/>
+          </a:effectRef>
+          <a:fontRef idx="minor">
+            <a:schemeClr val="tx1"/>
+          </a:fontRef>
+        </p:style>
+      </p:cxnSp>
+    </p:spTree>
+    <p:extLst>
+      <p:ext uri="{BB962C8B-B14F-4D97-AF65-F5344CB8AC3E}">
+        <p14:creationId xmlns:p14="http://schemas.microsoft.com/office/powerpoint/2010/main" val="2547954798"/>
+      </p:ext>
+    </p:extLst>
+  </p:cSld>
+  <p:clrMapOvr>
+    <a:masterClrMapping/>
+  </p:clrMapOvr>
+</p:sld>
+</file>
+
 <file path=ppt/slides/slide3.xml><?xml version="1.0" encoding="utf-8"?>
 <p:sld xmlns:a="http://schemas.openxmlformats.org/drawingml/2006/main" xmlns:r="http://schemas.openxmlformats.org/officeDocument/2006/relationships" xmlns:p="http://schemas.openxmlformats.org/presentationml/2006/main">
   <p:cSld>
